--- a/figures/z-score_schematic.pptx
+++ b/figures/z-score_schematic.pptx
@@ -104,7 +104,865 @@
       </a:defRPr>
     </a:lvl9pPr>
   </p:defaultTextStyle>
+  <p:extLst>
+    <p:ext uri="{EFAFB233-063F-42B5-8137-9DF3F51BA10A}">
+      <p15:sldGuideLst xmlns:p15="http://schemas.microsoft.com/office/powerpoint/2012/main"/>
+    </p:ext>
+  </p:extLst>
 </p:presentation>
+</file>
+
+<file path=ppt/changesInfos/changesInfo1.xml><?xml version="1.0" encoding="utf-8"?>
+<pc:chgInfo xmlns:a="http://schemas.openxmlformats.org/drawingml/2006/main" xmlns:r="http://schemas.openxmlformats.org/officeDocument/2006/relationships" xmlns:ac="http://schemas.microsoft.com/office/drawing/2013/main/command" xmlns:pc="http://schemas.microsoft.com/office/powerpoint/2013/main/command">
+  <pc:docChgLst>
+    <pc:chgData name="Hollister, Jeff" userId="90904e2a-aa82-465e-9922-afce4bc6d524" providerId="ADAL" clId="{ED486670-7F59-4038-B9BC-E9238978F7A3}"/>
+    <pc:docChg chg="undo custSel modSld">
+      <pc:chgData name="Hollister, Jeff" userId="90904e2a-aa82-465e-9922-afce4bc6d524" providerId="ADAL" clId="{ED486670-7F59-4038-B9BC-E9238978F7A3}" dt="2019-05-02T19:08:17.803" v="1412" actId="20577"/>
+      <pc:docMkLst>
+        <pc:docMk/>
+      </pc:docMkLst>
+      <pc:sldChg chg="addSp delSp modSp">
+        <pc:chgData name="Hollister, Jeff" userId="90904e2a-aa82-465e-9922-afce4bc6d524" providerId="ADAL" clId="{ED486670-7F59-4038-B9BC-E9238978F7A3}" dt="2019-05-02T19:08:17.803" v="1412" actId="20577"/>
+        <pc:sldMkLst>
+          <pc:docMk/>
+          <pc:sldMk cId="4037393715" sldId="256"/>
+        </pc:sldMkLst>
+        <pc:spChg chg="add mod">
+          <ac:chgData name="Hollister, Jeff" userId="90904e2a-aa82-465e-9922-afce4bc6d524" providerId="ADAL" clId="{ED486670-7F59-4038-B9BC-E9238978F7A3}" dt="2019-05-02T18:35:37.278" v="599" actId="14100"/>
+          <ac:spMkLst>
+            <pc:docMk/>
+            <pc:sldMk cId="4037393715" sldId="256"/>
+            <ac:spMk id="2" creationId="{6C56BEAB-01BB-4A01-9A49-8F5AF03418B2}"/>
+          </ac:spMkLst>
+        </pc:spChg>
+        <pc:spChg chg="add del mod">
+          <ac:chgData name="Hollister, Jeff" userId="90904e2a-aa82-465e-9922-afce4bc6d524" providerId="ADAL" clId="{ED486670-7F59-4038-B9BC-E9238978F7A3}" dt="2019-05-02T17:52:19.352" v="216" actId="478"/>
+          <ac:spMkLst>
+            <pc:docMk/>
+            <pc:sldMk cId="4037393715" sldId="256"/>
+            <ac:spMk id="3" creationId="{6C369E69-8F2A-48AA-82F4-6E325A09508B}"/>
+          </ac:spMkLst>
+        </pc:spChg>
+        <pc:spChg chg="mod">
+          <ac:chgData name="Hollister, Jeff" userId="90904e2a-aa82-465e-9922-afce4bc6d524" providerId="ADAL" clId="{ED486670-7F59-4038-B9BC-E9238978F7A3}" dt="2019-05-02T18:50:32.704" v="733" actId="20577"/>
+          <ac:spMkLst>
+            <pc:docMk/>
+            <pc:sldMk cId="4037393715" sldId="256"/>
+            <ac:spMk id="4" creationId="{9DAAA7D2-1A2B-4088-BAD1-9556A15760E2}"/>
+          </ac:spMkLst>
+        </pc:spChg>
+        <pc:spChg chg="mod">
+          <ac:chgData name="Hollister, Jeff" userId="90904e2a-aa82-465e-9922-afce4bc6d524" providerId="ADAL" clId="{ED486670-7F59-4038-B9BC-E9238978F7A3}" dt="2019-05-02T19:04:00.235" v="1293" actId="20577"/>
+          <ac:spMkLst>
+            <pc:docMk/>
+            <pc:sldMk cId="4037393715" sldId="256"/>
+            <ac:spMk id="5" creationId="{8C9786EB-34F3-4C77-BDCA-E8BD08FE1D11}"/>
+          </ac:spMkLst>
+        </pc:spChg>
+        <pc:spChg chg="mod">
+          <ac:chgData name="Hollister, Jeff" userId="90904e2a-aa82-465e-9922-afce4bc6d524" providerId="ADAL" clId="{ED486670-7F59-4038-B9BC-E9238978F7A3}" dt="2019-05-02T19:04:44.294" v="1306" actId="20577"/>
+          <ac:spMkLst>
+            <pc:docMk/>
+            <pc:sldMk cId="4037393715" sldId="256"/>
+            <ac:spMk id="6" creationId="{6A1187EE-F5D0-4199-837E-29800767DC0A}"/>
+          </ac:spMkLst>
+        </pc:spChg>
+        <pc:spChg chg="mod">
+          <ac:chgData name="Hollister, Jeff" userId="90904e2a-aa82-465e-9922-afce4bc6d524" providerId="ADAL" clId="{ED486670-7F59-4038-B9BC-E9238978F7A3}" dt="2019-05-02T16:27:43.096" v="210" actId="255"/>
+          <ac:spMkLst>
+            <pc:docMk/>
+            <pc:sldMk cId="4037393715" sldId="256"/>
+            <ac:spMk id="7" creationId="{78AB19B3-7DF4-4103-B447-9726179C1822}"/>
+          </ac:spMkLst>
+        </pc:spChg>
+        <pc:spChg chg="mod">
+          <ac:chgData name="Hollister, Jeff" userId="90904e2a-aa82-465e-9922-afce4bc6d524" providerId="ADAL" clId="{ED486670-7F59-4038-B9BC-E9238978F7A3}" dt="2019-05-02T16:27:50.417" v="213" actId="404"/>
+          <ac:spMkLst>
+            <pc:docMk/>
+            <pc:sldMk cId="4037393715" sldId="256"/>
+            <ac:spMk id="8" creationId="{4CA24146-E92A-4417-8FA0-B675C21987B3}"/>
+          </ac:spMkLst>
+        </pc:spChg>
+        <pc:spChg chg="mod">
+          <ac:chgData name="Hollister, Jeff" userId="90904e2a-aa82-465e-9922-afce4bc6d524" providerId="ADAL" clId="{ED486670-7F59-4038-B9BC-E9238978F7A3}" dt="2019-05-02T16:27:54.568" v="214" actId="404"/>
+          <ac:spMkLst>
+            <pc:docMk/>
+            <pc:sldMk cId="4037393715" sldId="256"/>
+            <ac:spMk id="9" creationId="{AFC3A614-EDF0-4DE1-A14E-AEA75B26B4BB}"/>
+          </ac:spMkLst>
+        </pc:spChg>
+        <pc:spChg chg="add del mod">
+          <ac:chgData name="Hollister, Jeff" userId="90904e2a-aa82-465e-9922-afce4bc6d524" providerId="ADAL" clId="{ED486670-7F59-4038-B9BC-E9238978F7A3}" dt="2019-05-02T17:52:22.126" v="217" actId="478"/>
+          <ac:spMkLst>
+            <pc:docMk/>
+            <pc:sldMk cId="4037393715" sldId="256"/>
+            <ac:spMk id="10" creationId="{366AC054-ECA9-4FC9-B2C4-A032A508C6AB}"/>
+          </ac:spMkLst>
+        </pc:spChg>
+        <pc:spChg chg="del mod">
+          <ac:chgData name="Hollister, Jeff" userId="90904e2a-aa82-465e-9922-afce4bc6d524" providerId="ADAL" clId="{ED486670-7F59-4038-B9BC-E9238978F7A3}" dt="2019-05-02T16:01:56.680" v="1" actId="478"/>
+          <ac:spMkLst>
+            <pc:docMk/>
+            <pc:sldMk cId="4037393715" sldId="256"/>
+            <ac:spMk id="12" creationId="{E26FC335-6470-4F65-A27A-ABD6BF72AF20}"/>
+          </ac:spMkLst>
+        </pc:spChg>
+        <pc:spChg chg="del">
+          <ac:chgData name="Hollister, Jeff" userId="90904e2a-aa82-465e-9922-afce4bc6d524" providerId="ADAL" clId="{ED486670-7F59-4038-B9BC-E9238978F7A3}" dt="2019-05-02T16:02:15.785" v="9" actId="478"/>
+          <ac:spMkLst>
+            <pc:docMk/>
+            <pc:sldMk cId="4037393715" sldId="256"/>
+            <ac:spMk id="13" creationId="{1F89BDFB-FD54-443B-89A7-0E102DD69BE0}"/>
+          </ac:spMkLst>
+        </pc:spChg>
+        <pc:spChg chg="del">
+          <ac:chgData name="Hollister, Jeff" userId="90904e2a-aa82-465e-9922-afce4bc6d524" providerId="ADAL" clId="{ED486670-7F59-4038-B9BC-E9238978F7A3}" dt="2019-05-02T16:02:17.345" v="10" actId="478"/>
+          <ac:spMkLst>
+            <pc:docMk/>
+            <pc:sldMk cId="4037393715" sldId="256"/>
+            <ac:spMk id="14" creationId="{04BE2884-0EA2-42F3-AFAC-B726D945C13C}"/>
+          </ac:spMkLst>
+        </pc:spChg>
+        <pc:spChg chg="del">
+          <ac:chgData name="Hollister, Jeff" userId="90904e2a-aa82-465e-9922-afce4bc6d524" providerId="ADAL" clId="{ED486670-7F59-4038-B9BC-E9238978F7A3}" dt="2019-05-02T16:02:05.513" v="4" actId="478"/>
+          <ac:spMkLst>
+            <pc:docMk/>
+            <pc:sldMk cId="4037393715" sldId="256"/>
+            <ac:spMk id="15" creationId="{364F0BFC-4DF9-447D-8450-9101085C5177}"/>
+          </ac:spMkLst>
+        </pc:spChg>
+        <pc:spChg chg="del">
+          <ac:chgData name="Hollister, Jeff" userId="90904e2a-aa82-465e-9922-afce4bc6d524" providerId="ADAL" clId="{ED486670-7F59-4038-B9BC-E9238978F7A3}" dt="2019-05-02T16:02:14.191" v="8" actId="478"/>
+          <ac:spMkLst>
+            <pc:docMk/>
+            <pc:sldMk cId="4037393715" sldId="256"/>
+            <ac:spMk id="17" creationId="{E9E1D1D6-1D8E-4CC9-ADFB-B6C2841046AA}"/>
+          </ac:spMkLst>
+        </pc:spChg>
+        <pc:spChg chg="del">
+          <ac:chgData name="Hollister, Jeff" userId="90904e2a-aa82-465e-9922-afce4bc6d524" providerId="ADAL" clId="{ED486670-7F59-4038-B9BC-E9238978F7A3}" dt="2019-05-02T16:02:07.391" v="5" actId="478"/>
+          <ac:spMkLst>
+            <pc:docMk/>
+            <pc:sldMk cId="4037393715" sldId="256"/>
+            <ac:spMk id="19" creationId="{50611B56-33EC-45D0-B906-B855C8DDF2E9}"/>
+          </ac:spMkLst>
+        </pc:spChg>
+        <pc:spChg chg="del">
+          <ac:chgData name="Hollister, Jeff" userId="90904e2a-aa82-465e-9922-afce4bc6d524" providerId="ADAL" clId="{ED486670-7F59-4038-B9BC-E9238978F7A3}" dt="2019-05-02T16:02:09.602" v="6" actId="478"/>
+          <ac:spMkLst>
+            <pc:docMk/>
+            <pc:sldMk cId="4037393715" sldId="256"/>
+            <ac:spMk id="20" creationId="{2C863259-D288-4427-A5DA-64C647A8BA5E}"/>
+          </ac:spMkLst>
+        </pc:spChg>
+        <pc:spChg chg="del">
+          <ac:chgData name="Hollister, Jeff" userId="90904e2a-aa82-465e-9922-afce4bc6d524" providerId="ADAL" clId="{ED486670-7F59-4038-B9BC-E9238978F7A3}" dt="2019-05-02T16:02:12.603" v="7" actId="478"/>
+          <ac:spMkLst>
+            <pc:docMk/>
+            <pc:sldMk cId="4037393715" sldId="256"/>
+            <ac:spMk id="21" creationId="{562B3502-CD93-41AA-AC03-E1E62B619144}"/>
+          </ac:spMkLst>
+        </pc:spChg>
+        <pc:spChg chg="mod topLvl">
+          <ac:chgData name="Hollister, Jeff" userId="90904e2a-aa82-465e-9922-afce4bc6d524" providerId="ADAL" clId="{ED486670-7F59-4038-B9BC-E9238978F7A3}" dt="2019-05-02T18:08:05.274" v="440" actId="552"/>
+          <ac:spMkLst>
+            <pc:docMk/>
+            <pc:sldMk cId="4037393715" sldId="256"/>
+            <ac:spMk id="46" creationId="{C3A20179-B135-43EF-8DAB-9E7F9E30EB7E}"/>
+          </ac:spMkLst>
+        </pc:spChg>
+        <pc:spChg chg="mod topLvl">
+          <ac:chgData name="Hollister, Jeff" userId="90904e2a-aa82-465e-9922-afce4bc6d524" providerId="ADAL" clId="{ED486670-7F59-4038-B9BC-E9238978F7A3}" dt="2019-05-02T18:08:16.447" v="441" actId="552"/>
+          <ac:spMkLst>
+            <pc:docMk/>
+            <pc:sldMk cId="4037393715" sldId="256"/>
+            <ac:spMk id="47" creationId="{FE0C46E8-9AEC-473D-A4E5-7E175F91BEBD}"/>
+          </ac:spMkLst>
+        </pc:spChg>
+        <pc:spChg chg="mod topLvl">
+          <ac:chgData name="Hollister, Jeff" userId="90904e2a-aa82-465e-9922-afce4bc6d524" providerId="ADAL" clId="{ED486670-7F59-4038-B9BC-E9238978F7A3}" dt="2019-05-02T18:08:29.202" v="444" actId="552"/>
+          <ac:spMkLst>
+            <pc:docMk/>
+            <pc:sldMk cId="4037393715" sldId="256"/>
+            <ac:spMk id="48" creationId="{643CB40A-4BCF-4B4D-8D89-F0145DFA33D3}"/>
+          </ac:spMkLst>
+        </pc:spChg>
+        <pc:spChg chg="add mod">
+          <ac:chgData name="Hollister, Jeff" userId="90904e2a-aa82-465e-9922-afce4bc6d524" providerId="ADAL" clId="{ED486670-7F59-4038-B9BC-E9238978F7A3}" dt="2019-05-02T18:46:36.386" v="617" actId="14100"/>
+          <ac:spMkLst>
+            <pc:docMk/>
+            <pc:sldMk cId="4037393715" sldId="256"/>
+            <ac:spMk id="49" creationId="{C0EDB5EE-0710-4F80-A28A-F28C8344FD08}"/>
+          </ac:spMkLst>
+        </pc:spChg>
+        <pc:spChg chg="add mod">
+          <ac:chgData name="Hollister, Jeff" userId="90904e2a-aa82-465e-9922-afce4bc6d524" providerId="ADAL" clId="{ED486670-7F59-4038-B9BC-E9238978F7A3}" dt="2019-05-02T18:47:13.705" v="624" actId="14100"/>
+          <ac:spMkLst>
+            <pc:docMk/>
+            <pc:sldMk cId="4037393715" sldId="256"/>
+            <ac:spMk id="50" creationId="{EEC9AD62-41CA-446F-BF69-BDDBB3D2CEF9}"/>
+          </ac:spMkLst>
+        </pc:spChg>
+        <pc:spChg chg="add del mod">
+          <ac:chgData name="Hollister, Jeff" userId="90904e2a-aa82-465e-9922-afce4bc6d524" providerId="ADAL" clId="{ED486670-7F59-4038-B9BC-E9238978F7A3}" dt="2019-05-02T17:52:26.451" v="219" actId="478"/>
+          <ac:spMkLst>
+            <pc:docMk/>
+            <pc:sldMk cId="4037393715" sldId="256"/>
+            <ac:spMk id="51" creationId="{199FB866-3BE1-43EF-BE72-8F021F0FC074}"/>
+          </ac:spMkLst>
+        </pc:spChg>
+        <pc:spChg chg="add del">
+          <ac:chgData name="Hollister, Jeff" userId="90904e2a-aa82-465e-9922-afce4bc6d524" providerId="ADAL" clId="{ED486670-7F59-4038-B9BC-E9238978F7A3}" dt="2019-05-02T16:03:59.492" v="37" actId="478"/>
+          <ac:spMkLst>
+            <pc:docMk/>
+            <pc:sldMk cId="4037393715" sldId="256"/>
+            <ac:spMk id="52" creationId="{6DC39AA0-064C-4879-A93C-72B80A76D3CF}"/>
+          </ac:spMkLst>
+        </pc:spChg>
+        <pc:spChg chg="mod">
+          <ac:chgData name="Hollister, Jeff" userId="90904e2a-aa82-465e-9922-afce4bc6d524" providerId="ADAL" clId="{ED486670-7F59-4038-B9BC-E9238978F7A3}" dt="2019-05-02T18:35:32.321" v="598" actId="1076"/>
+          <ac:spMkLst>
+            <pc:docMk/>
+            <pc:sldMk cId="4037393715" sldId="256"/>
+            <ac:spMk id="53" creationId="{63E96BA2-DCBA-4505-BDD2-C510302C3B6B}"/>
+          </ac:spMkLst>
+        </pc:spChg>
+        <pc:spChg chg="del">
+          <ac:chgData name="Hollister, Jeff" userId="90904e2a-aa82-465e-9922-afce4bc6d524" providerId="ADAL" clId="{ED486670-7F59-4038-B9BC-E9238978F7A3}" dt="2019-05-02T16:19:08.982" v="142" actId="478"/>
+          <ac:spMkLst>
+            <pc:docMk/>
+            <pc:sldMk cId="4037393715" sldId="256"/>
+            <ac:spMk id="54" creationId="{0A030AEA-041C-426D-9CE6-CD55B2C6FDD3}"/>
+          </ac:spMkLst>
+        </pc:spChg>
+        <pc:spChg chg="del mod">
+          <ac:chgData name="Hollister, Jeff" userId="90904e2a-aa82-465e-9922-afce4bc6d524" providerId="ADAL" clId="{ED486670-7F59-4038-B9BC-E9238978F7A3}" dt="2019-05-02T16:19:24.005" v="148"/>
+          <ac:spMkLst>
+            <pc:docMk/>
+            <pc:sldMk cId="4037393715" sldId="256"/>
+            <ac:spMk id="55" creationId="{4F105DC3-8040-4C49-BD22-72A8193C024A}"/>
+          </ac:spMkLst>
+        </pc:spChg>
+        <pc:spChg chg="del mod">
+          <ac:chgData name="Hollister, Jeff" userId="90904e2a-aa82-465e-9922-afce4bc6d524" providerId="ADAL" clId="{ED486670-7F59-4038-B9BC-E9238978F7A3}" dt="2019-05-02T17:57:44.616" v="365"/>
+          <ac:spMkLst>
+            <pc:docMk/>
+            <pc:sldMk cId="4037393715" sldId="256"/>
+            <ac:spMk id="56" creationId="{8CF07A81-401C-4295-BBCB-08E28EC6D233}"/>
+          </ac:spMkLst>
+        </pc:spChg>
+        <pc:spChg chg="del mod">
+          <ac:chgData name="Hollister, Jeff" userId="90904e2a-aa82-465e-9922-afce4bc6d524" providerId="ADAL" clId="{ED486670-7F59-4038-B9BC-E9238978F7A3}" dt="2019-05-02T17:57:44.615" v="363" actId="478"/>
+          <ac:spMkLst>
+            <pc:docMk/>
+            <pc:sldMk cId="4037393715" sldId="256"/>
+            <ac:spMk id="57" creationId="{CB82CA4F-7C37-48D6-B4A7-015B5EABBBF8}"/>
+          </ac:spMkLst>
+        </pc:spChg>
+        <pc:spChg chg="del">
+          <ac:chgData name="Hollister, Jeff" userId="90904e2a-aa82-465e-9922-afce4bc6d524" providerId="ADAL" clId="{ED486670-7F59-4038-B9BC-E9238978F7A3}" dt="2019-05-02T17:57:46.682" v="366" actId="478"/>
+          <ac:spMkLst>
+            <pc:docMk/>
+            <pc:sldMk cId="4037393715" sldId="256"/>
+            <ac:spMk id="58" creationId="{5670797B-7396-4519-BE29-9FAC9DAEA24E}"/>
+          </ac:spMkLst>
+        </pc:spChg>
+        <pc:spChg chg="add del mod">
+          <ac:chgData name="Hollister, Jeff" userId="90904e2a-aa82-465e-9922-afce4bc6d524" providerId="ADAL" clId="{ED486670-7F59-4038-B9BC-E9238978F7A3}" dt="2019-05-02T18:16:59.903" v="502" actId="478"/>
+          <ac:spMkLst>
+            <pc:docMk/>
+            <pc:sldMk cId="4037393715" sldId="256"/>
+            <ac:spMk id="59" creationId="{A1DFE03C-224B-4232-B820-8D810003A5C6}"/>
+          </ac:spMkLst>
+        </pc:spChg>
+        <pc:spChg chg="del mod">
+          <ac:chgData name="Hollister, Jeff" userId="90904e2a-aa82-465e-9922-afce4bc6d524" providerId="ADAL" clId="{ED486670-7F59-4038-B9BC-E9238978F7A3}" dt="2019-05-02T18:17:49.868" v="522" actId="478"/>
+          <ac:spMkLst>
+            <pc:docMk/>
+            <pc:sldMk cId="4037393715" sldId="256"/>
+            <ac:spMk id="60" creationId="{34A0E35A-E8F9-4964-A87B-E0B3938DC33E}"/>
+          </ac:spMkLst>
+        </pc:spChg>
+        <pc:spChg chg="del mod">
+          <ac:chgData name="Hollister, Jeff" userId="90904e2a-aa82-465e-9922-afce4bc6d524" providerId="ADAL" clId="{ED486670-7F59-4038-B9BC-E9238978F7A3}" dt="2019-05-02T16:19:31.538" v="151" actId="478"/>
+          <ac:spMkLst>
+            <pc:docMk/>
+            <pc:sldMk cId="4037393715" sldId="256"/>
+            <ac:spMk id="61" creationId="{DBB47FA4-DE84-4340-A88B-3C2EF6E6AB68}"/>
+          </ac:spMkLst>
+        </pc:spChg>
+        <pc:spChg chg="add del mod">
+          <ac:chgData name="Hollister, Jeff" userId="90904e2a-aa82-465e-9922-afce4bc6d524" providerId="ADAL" clId="{ED486670-7F59-4038-B9BC-E9238978F7A3}" dt="2019-05-02T18:18:36.153" v="537" actId="478"/>
+          <ac:spMkLst>
+            <pc:docMk/>
+            <pc:sldMk cId="4037393715" sldId="256"/>
+            <ac:spMk id="62" creationId="{5722917B-5E11-4324-86D2-F79F1C23B6FB}"/>
+          </ac:spMkLst>
+        </pc:spChg>
+        <pc:spChg chg="del mod">
+          <ac:chgData name="Hollister, Jeff" userId="90904e2a-aa82-465e-9922-afce4bc6d524" providerId="ADAL" clId="{ED486670-7F59-4038-B9BC-E9238978F7A3}" dt="2019-05-02T16:22:20.220" v="174" actId="478"/>
+          <ac:spMkLst>
+            <pc:docMk/>
+            <pc:sldMk cId="4037393715" sldId="256"/>
+            <ac:spMk id="63" creationId="{FA603794-3FE2-47F2-8550-98A888649FE8}"/>
+          </ac:spMkLst>
+        </pc:spChg>
+        <pc:spChg chg="del">
+          <ac:chgData name="Hollister, Jeff" userId="90904e2a-aa82-465e-9922-afce4bc6d524" providerId="ADAL" clId="{ED486670-7F59-4038-B9BC-E9238978F7A3}" dt="2019-05-02T16:22:23.131" v="175" actId="478"/>
+          <ac:spMkLst>
+            <pc:docMk/>
+            <pc:sldMk cId="4037393715" sldId="256"/>
+            <ac:spMk id="64" creationId="{52601761-FDEE-4B0E-8BD2-4FE70C22DBC1}"/>
+          </ac:spMkLst>
+        </pc:spChg>
+        <pc:spChg chg="del">
+          <ac:chgData name="Hollister, Jeff" userId="90904e2a-aa82-465e-9922-afce4bc6d524" providerId="ADAL" clId="{ED486670-7F59-4038-B9BC-E9238978F7A3}" dt="2019-05-02T16:22:25.268" v="176" actId="478"/>
+          <ac:spMkLst>
+            <pc:docMk/>
+            <pc:sldMk cId="4037393715" sldId="256"/>
+            <ac:spMk id="65" creationId="{081DC5C0-5968-476B-AC01-5DD30BBA1A5B}"/>
+          </ac:spMkLst>
+        </pc:spChg>
+        <pc:spChg chg="add del mod">
+          <ac:chgData name="Hollister, Jeff" userId="90904e2a-aa82-465e-9922-afce4bc6d524" providerId="ADAL" clId="{ED486670-7F59-4038-B9BC-E9238978F7A3}" dt="2019-05-02T17:52:25.079" v="218" actId="478"/>
+          <ac:spMkLst>
+            <pc:docMk/>
+            <pc:sldMk cId="4037393715" sldId="256"/>
+            <ac:spMk id="66" creationId="{11AD7CB3-59FC-41DB-8224-0D399B64038E}"/>
+          </ac:spMkLst>
+        </pc:spChg>
+        <pc:spChg chg="add del mod">
+          <ac:chgData name="Hollister, Jeff" userId="90904e2a-aa82-465e-9922-afce4bc6d524" providerId="ADAL" clId="{ED486670-7F59-4038-B9BC-E9238978F7A3}" dt="2019-05-02T17:52:27.597" v="220" actId="478"/>
+          <ac:spMkLst>
+            <pc:docMk/>
+            <pc:sldMk cId="4037393715" sldId="256"/>
+            <ac:spMk id="67" creationId="{9209E21F-D05A-4522-A455-D256BB3B996F}"/>
+          </ac:spMkLst>
+        </pc:spChg>
+        <pc:spChg chg="del mod">
+          <ac:chgData name="Hollister, Jeff" userId="90904e2a-aa82-465e-9922-afce4bc6d524" providerId="ADAL" clId="{ED486670-7F59-4038-B9BC-E9238978F7A3}" dt="2019-05-02T18:17:25.453" v="510" actId="478"/>
+          <ac:spMkLst>
+            <pc:docMk/>
+            <pc:sldMk cId="4037393715" sldId="256"/>
+            <ac:spMk id="68" creationId="{65F819A5-6435-4F89-947C-6B2D53C6CE3D}"/>
+          </ac:spMkLst>
+        </pc:spChg>
+        <pc:spChg chg="add mod">
+          <ac:chgData name="Hollister, Jeff" userId="90904e2a-aa82-465e-9922-afce4bc6d524" providerId="ADAL" clId="{ED486670-7F59-4038-B9BC-E9238978F7A3}" dt="2019-05-02T16:15:47.409" v="134" actId="571"/>
+          <ac:spMkLst>
+            <pc:docMk/>
+            <pc:sldMk cId="4037393715" sldId="256"/>
+            <ac:spMk id="69" creationId="{1871C07C-8BE3-43DE-9E4A-CC6899B1E9A3}"/>
+          </ac:spMkLst>
+        </pc:spChg>
+        <pc:spChg chg="del mod">
+          <ac:chgData name="Hollister, Jeff" userId="90904e2a-aa82-465e-9922-afce4bc6d524" providerId="ADAL" clId="{ED486670-7F59-4038-B9BC-E9238978F7A3}" dt="2019-05-02T17:58:12.978" v="374" actId="478"/>
+          <ac:spMkLst>
+            <pc:docMk/>
+            <pc:sldMk cId="4037393715" sldId="256"/>
+            <ac:spMk id="70" creationId="{6846EA3B-C941-418F-97DC-AAE516B4683B}"/>
+          </ac:spMkLst>
+        </pc:spChg>
+        <pc:spChg chg="del">
+          <ac:chgData name="Hollister, Jeff" userId="90904e2a-aa82-465e-9922-afce4bc6d524" providerId="ADAL" clId="{ED486670-7F59-4038-B9BC-E9238978F7A3}" dt="2019-05-02T17:58:08.506" v="372" actId="478"/>
+          <ac:spMkLst>
+            <pc:docMk/>
+            <pc:sldMk cId="4037393715" sldId="256"/>
+            <ac:spMk id="71" creationId="{9AC981CD-FDE8-4D46-903A-F5D77DFA291D}"/>
+          </ac:spMkLst>
+        </pc:spChg>
+        <pc:spChg chg="add mod">
+          <ac:chgData name="Hollister, Jeff" userId="90904e2a-aa82-465e-9922-afce4bc6d524" providerId="ADAL" clId="{ED486670-7F59-4038-B9BC-E9238978F7A3}" dt="2019-05-02T16:15:47.409" v="134" actId="571"/>
+          <ac:spMkLst>
+            <pc:docMk/>
+            <pc:sldMk cId="4037393715" sldId="256"/>
+            <ac:spMk id="72" creationId="{338D0E68-C6CE-4FBF-8B1D-6186B0376054}"/>
+          </ac:spMkLst>
+        </pc:spChg>
+        <pc:spChg chg="del">
+          <ac:chgData name="Hollister, Jeff" userId="90904e2a-aa82-465e-9922-afce4bc6d524" providerId="ADAL" clId="{ED486670-7F59-4038-B9BC-E9238978F7A3}" dt="2019-05-02T16:22:35.011" v="179" actId="478"/>
+          <ac:spMkLst>
+            <pc:docMk/>
+            <pc:sldMk cId="4037393715" sldId="256"/>
+            <ac:spMk id="73" creationId="{60C7C5C7-82D5-44CE-8678-52499A455C6A}"/>
+          </ac:spMkLst>
+        </pc:spChg>
+        <pc:spChg chg="del mod">
+          <ac:chgData name="Hollister, Jeff" userId="90904e2a-aa82-465e-9922-afce4bc6d524" providerId="ADAL" clId="{ED486670-7F59-4038-B9BC-E9238978F7A3}" dt="2019-05-02T18:16:05.475" v="486" actId="478"/>
+          <ac:spMkLst>
+            <pc:docMk/>
+            <pc:sldMk cId="4037393715" sldId="256"/>
+            <ac:spMk id="74" creationId="{AD8C9A75-532E-4991-8CEC-3A5EA65B2E1E}"/>
+          </ac:spMkLst>
+        </pc:spChg>
+        <pc:spChg chg="del">
+          <ac:chgData name="Hollister, Jeff" userId="90904e2a-aa82-465e-9922-afce4bc6d524" providerId="ADAL" clId="{ED486670-7F59-4038-B9BC-E9238978F7A3}" dt="2019-05-02T16:20:25.861" v="162" actId="478"/>
+          <ac:spMkLst>
+            <pc:docMk/>
+            <pc:sldMk cId="4037393715" sldId="256"/>
+            <ac:spMk id="75" creationId="{5F6188CB-107D-427D-A3B9-F0F1E439BB56}"/>
+          </ac:spMkLst>
+        </pc:spChg>
+        <pc:spChg chg="del mod">
+          <ac:chgData name="Hollister, Jeff" userId="90904e2a-aa82-465e-9922-afce4bc6d524" providerId="ADAL" clId="{ED486670-7F59-4038-B9BC-E9238978F7A3}" dt="2019-05-02T16:20:22.999" v="161" actId="478"/>
+          <ac:spMkLst>
+            <pc:docMk/>
+            <pc:sldMk cId="4037393715" sldId="256"/>
+            <ac:spMk id="76" creationId="{29BB147C-886C-4294-9982-046E1CBEAB4F}"/>
+          </ac:spMkLst>
+        </pc:spChg>
+        <pc:spChg chg="del mod">
+          <ac:chgData name="Hollister, Jeff" userId="90904e2a-aa82-465e-9922-afce4bc6d524" providerId="ADAL" clId="{ED486670-7F59-4038-B9BC-E9238978F7A3}" dt="2019-05-02T18:19:45.124" v="549" actId="478"/>
+          <ac:spMkLst>
+            <pc:docMk/>
+            <pc:sldMk cId="4037393715" sldId="256"/>
+            <ac:spMk id="77" creationId="{AD1E8905-7E57-4BD8-8A18-BC458AB5BFCF}"/>
+          </ac:spMkLst>
+        </pc:spChg>
+        <pc:spChg chg="mod">
+          <ac:chgData name="Hollister, Jeff" userId="90904e2a-aa82-465e-9922-afce4bc6d524" providerId="ADAL" clId="{ED486670-7F59-4038-B9BC-E9238978F7A3}" dt="2019-05-02T16:27:15.480" v="206" actId="255"/>
+          <ac:spMkLst>
+            <pc:docMk/>
+            <pc:sldMk cId="4037393715" sldId="256"/>
+            <ac:spMk id="78" creationId="{7C7F0A6A-CADA-4A85-A1AB-018058996648}"/>
+          </ac:spMkLst>
+        </pc:spChg>
+        <pc:spChg chg="add mod">
+          <ac:chgData name="Hollister, Jeff" userId="90904e2a-aa82-465e-9922-afce4bc6d524" providerId="ADAL" clId="{ED486670-7F59-4038-B9BC-E9238978F7A3}" dt="2019-05-02T16:15:47.409" v="134" actId="571"/>
+          <ac:spMkLst>
+            <pc:docMk/>
+            <pc:sldMk cId="4037393715" sldId="256"/>
+            <ac:spMk id="79" creationId="{B2A0F0F6-3791-4CBE-B3F3-D6C49F8FF007}"/>
+          </ac:spMkLst>
+        </pc:spChg>
+        <pc:spChg chg="add mod">
+          <ac:chgData name="Hollister, Jeff" userId="90904e2a-aa82-465e-9922-afce4bc6d524" providerId="ADAL" clId="{ED486670-7F59-4038-B9BC-E9238978F7A3}" dt="2019-05-02T18:46:30.610" v="616" actId="1076"/>
+          <ac:spMkLst>
+            <pc:docMk/>
+            <pc:sldMk cId="4037393715" sldId="256"/>
+            <ac:spMk id="80" creationId="{BABACCD6-1B99-4874-97AD-46FFA87B7A11}"/>
+          </ac:spMkLst>
+        </pc:spChg>
+        <pc:spChg chg="add mod">
+          <ac:chgData name="Hollister, Jeff" userId="90904e2a-aa82-465e-9922-afce4bc6d524" providerId="ADAL" clId="{ED486670-7F59-4038-B9BC-E9238978F7A3}" dt="2019-05-02T18:36:13.803" v="606" actId="14100"/>
+          <ac:spMkLst>
+            <pc:docMk/>
+            <pc:sldMk cId="4037393715" sldId="256"/>
+            <ac:spMk id="81" creationId="{F39017AD-7EFE-4788-926C-4E6BD37E1114}"/>
+          </ac:spMkLst>
+        </pc:spChg>
+        <pc:spChg chg="add mod">
+          <ac:chgData name="Hollister, Jeff" userId="90904e2a-aa82-465e-9922-afce4bc6d524" providerId="ADAL" clId="{ED486670-7F59-4038-B9BC-E9238978F7A3}" dt="2019-05-02T18:58:04.454" v="887" actId="14100"/>
+          <ac:spMkLst>
+            <pc:docMk/>
+            <pc:sldMk cId="4037393715" sldId="256"/>
+            <ac:spMk id="82" creationId="{CDFC8B0C-23AC-4D1D-8897-C149BC512D91}"/>
+          </ac:spMkLst>
+        </pc:spChg>
+        <pc:spChg chg="add mod">
+          <ac:chgData name="Hollister, Jeff" userId="90904e2a-aa82-465e-9922-afce4bc6d524" providerId="ADAL" clId="{ED486670-7F59-4038-B9BC-E9238978F7A3}" dt="2019-05-02T18:36:27.765" v="609" actId="14100"/>
+          <ac:spMkLst>
+            <pc:docMk/>
+            <pc:sldMk cId="4037393715" sldId="256"/>
+            <ac:spMk id="83" creationId="{6AF7727E-D979-4AF2-B823-FEC2C43106C3}"/>
+          </ac:spMkLst>
+        </pc:spChg>
+        <pc:spChg chg="add mod">
+          <ac:chgData name="Hollister, Jeff" userId="90904e2a-aa82-465e-9922-afce4bc6d524" providerId="ADAL" clId="{ED486670-7F59-4038-B9BC-E9238978F7A3}" dt="2019-05-02T18:57:55.086" v="885" actId="14100"/>
+          <ac:spMkLst>
+            <pc:docMk/>
+            <pc:sldMk cId="4037393715" sldId="256"/>
+            <ac:spMk id="84" creationId="{8D9D8415-31BE-4B84-9ED3-ACBA082148FF}"/>
+          </ac:spMkLst>
+        </pc:spChg>
+        <pc:spChg chg="add mod">
+          <ac:chgData name="Hollister, Jeff" userId="90904e2a-aa82-465e-9922-afce4bc6d524" providerId="ADAL" clId="{ED486670-7F59-4038-B9BC-E9238978F7A3}" dt="2019-05-02T18:58:12.763" v="889" actId="14100"/>
+          <ac:spMkLst>
+            <pc:docMk/>
+            <pc:sldMk cId="4037393715" sldId="256"/>
+            <ac:spMk id="85" creationId="{F54E2C3C-8529-4FCE-8673-6F1BA0A6F945}"/>
+          </ac:spMkLst>
+        </pc:spChg>
+        <pc:spChg chg="add mod">
+          <ac:chgData name="Hollister, Jeff" userId="90904e2a-aa82-465e-9922-afce4bc6d524" providerId="ADAL" clId="{ED486670-7F59-4038-B9BC-E9238978F7A3}" dt="2019-05-02T18:47:09.560" v="623" actId="1076"/>
+          <ac:spMkLst>
+            <pc:docMk/>
+            <pc:sldMk cId="4037393715" sldId="256"/>
+            <ac:spMk id="86" creationId="{E1E5A249-457C-4295-B7A8-24C6887E5DB6}"/>
+          </ac:spMkLst>
+        </pc:spChg>
+        <pc:spChg chg="add mod">
+          <ac:chgData name="Hollister, Jeff" userId="90904e2a-aa82-465e-9922-afce4bc6d524" providerId="ADAL" clId="{ED486670-7F59-4038-B9BC-E9238978F7A3}" dt="2019-05-02T18:36:17.754" v="607" actId="1076"/>
+          <ac:spMkLst>
+            <pc:docMk/>
+            <pc:sldMk cId="4037393715" sldId="256"/>
+            <ac:spMk id="87" creationId="{A034A73A-A55A-42EC-B37B-966CBCF31C03}"/>
+          </ac:spMkLst>
+        </pc:spChg>
+        <pc:spChg chg="add mod">
+          <ac:chgData name="Hollister, Jeff" userId="90904e2a-aa82-465e-9922-afce4bc6d524" providerId="ADAL" clId="{ED486670-7F59-4038-B9BC-E9238978F7A3}" dt="2019-05-02T18:57:59.908" v="886" actId="1076"/>
+          <ac:spMkLst>
+            <pc:docMk/>
+            <pc:sldMk cId="4037393715" sldId="256"/>
+            <ac:spMk id="88" creationId="{74124756-EDDB-4411-B0B1-AE91317ADB06}"/>
+          </ac:spMkLst>
+        </pc:spChg>
+        <pc:spChg chg="add mod">
+          <ac:chgData name="Hollister, Jeff" userId="90904e2a-aa82-465e-9922-afce4bc6d524" providerId="ADAL" clId="{ED486670-7F59-4038-B9BC-E9238978F7A3}" dt="2019-05-02T18:36:22.898" v="608" actId="1076"/>
+          <ac:spMkLst>
+            <pc:docMk/>
+            <pc:sldMk cId="4037393715" sldId="256"/>
+            <ac:spMk id="89" creationId="{6CF321B7-0F90-4E94-A936-D5DA116AA7C8}"/>
+          </ac:spMkLst>
+        </pc:spChg>
+        <pc:spChg chg="add del">
+          <ac:chgData name="Hollister, Jeff" userId="90904e2a-aa82-465e-9922-afce4bc6d524" providerId="ADAL" clId="{ED486670-7F59-4038-B9BC-E9238978F7A3}" dt="2019-05-02T18:18:19.993" v="526"/>
+          <ac:spMkLst>
+            <pc:docMk/>
+            <pc:sldMk cId="4037393715" sldId="256"/>
+            <ac:spMk id="90" creationId="{8D7B2DD1-EE43-4FE2-BB35-8EC4A8529DA4}"/>
+          </ac:spMkLst>
+        </pc:spChg>
+        <pc:spChg chg="add mod">
+          <ac:chgData name="Hollister, Jeff" userId="90904e2a-aa82-465e-9922-afce4bc6d524" providerId="ADAL" clId="{ED486670-7F59-4038-B9BC-E9238978F7A3}" dt="2019-05-02T18:46:46.466" v="618" actId="1076"/>
+          <ac:spMkLst>
+            <pc:docMk/>
+            <pc:sldMk cId="4037393715" sldId="256"/>
+            <ac:spMk id="91" creationId="{681872E3-21D0-4CBB-A121-49398BAA84F9}"/>
+          </ac:spMkLst>
+        </pc:spChg>
+        <pc:spChg chg="add mod">
+          <ac:chgData name="Hollister, Jeff" userId="90904e2a-aa82-465e-9922-afce4bc6d524" providerId="ADAL" clId="{ED486670-7F59-4038-B9BC-E9238978F7A3}" dt="2019-05-02T18:58:07.670" v="888" actId="1076"/>
+          <ac:spMkLst>
+            <pc:docMk/>
+            <pc:sldMk cId="4037393715" sldId="256"/>
+            <ac:spMk id="92" creationId="{B10AF8BC-C583-4B94-BD50-8605C7C27D69}"/>
+          </ac:spMkLst>
+        </pc:spChg>
+        <pc:spChg chg="add mod">
+          <ac:chgData name="Hollister, Jeff" userId="90904e2a-aa82-465e-9922-afce4bc6d524" providerId="ADAL" clId="{ED486670-7F59-4038-B9BC-E9238978F7A3}" dt="2019-05-02T18:51:05.777" v="749" actId="1076"/>
+          <ac:spMkLst>
+            <pc:docMk/>
+            <pc:sldMk cId="4037393715" sldId="256"/>
+            <ac:spMk id="93" creationId="{03EC8AA9-91BF-4941-9103-3A491FE76F10}"/>
+          </ac:spMkLst>
+        </pc:spChg>
+        <pc:spChg chg="add mod">
+          <ac:chgData name="Hollister, Jeff" userId="90904e2a-aa82-465e-9922-afce4bc6d524" providerId="ADAL" clId="{ED486670-7F59-4038-B9BC-E9238978F7A3}" dt="2019-05-02T18:56:18.056" v="835" actId="1076"/>
+          <ac:spMkLst>
+            <pc:docMk/>
+            <pc:sldMk cId="4037393715" sldId="256"/>
+            <ac:spMk id="94" creationId="{61A07EEC-C58A-4746-AFA6-B9F5F0F9B7DA}"/>
+          </ac:spMkLst>
+        </pc:spChg>
+        <pc:spChg chg="add mod">
+          <ac:chgData name="Hollister, Jeff" userId="90904e2a-aa82-465e-9922-afce4bc6d524" providerId="ADAL" clId="{ED486670-7F59-4038-B9BC-E9238978F7A3}" dt="2019-05-02T18:57:09.075" v="867" actId="1076"/>
+          <ac:spMkLst>
+            <pc:docMk/>
+            <pc:sldMk cId="4037393715" sldId="256"/>
+            <ac:spMk id="95" creationId="{32EA453E-9F8A-4E1A-89B3-C467B5B9351E}"/>
+          </ac:spMkLst>
+        </pc:spChg>
+        <pc:spChg chg="add mod">
+          <ac:chgData name="Hollister, Jeff" userId="90904e2a-aa82-465e-9922-afce4bc6d524" providerId="ADAL" clId="{ED486670-7F59-4038-B9BC-E9238978F7A3}" dt="2019-05-02T18:55:01.648" v="811" actId="164"/>
+          <ac:spMkLst>
+            <pc:docMk/>
+            <pc:sldMk cId="4037393715" sldId="256"/>
+            <ac:spMk id="96" creationId="{14BCB8E2-1C0D-4D5E-BD48-91628AB4E5F4}"/>
+          </ac:spMkLst>
+        </pc:spChg>
+        <pc:spChg chg="add del mod">
+          <ac:chgData name="Hollister, Jeff" userId="90904e2a-aa82-465e-9922-afce4bc6d524" providerId="ADAL" clId="{ED486670-7F59-4038-B9BC-E9238978F7A3}" dt="2019-05-02T18:55:48.587" v="816" actId="478"/>
+          <ac:spMkLst>
+            <pc:docMk/>
+            <pc:sldMk cId="4037393715" sldId="256"/>
+            <ac:spMk id="97" creationId="{C99EE8BD-0C55-48D6-9145-61FCDD7B6005}"/>
+          </ac:spMkLst>
+        </pc:spChg>
+        <pc:spChg chg="add del mod">
+          <ac:chgData name="Hollister, Jeff" userId="90904e2a-aa82-465e-9922-afce4bc6d524" providerId="ADAL" clId="{ED486670-7F59-4038-B9BC-E9238978F7A3}" dt="2019-05-02T18:56:55.166" v="849" actId="478"/>
+          <ac:spMkLst>
+            <pc:docMk/>
+            <pc:sldMk cId="4037393715" sldId="256"/>
+            <ac:spMk id="98" creationId="{30C89F13-1657-48A6-AA06-2B7489761117}"/>
+          </ac:spMkLst>
+        </pc:spChg>
+        <pc:spChg chg="add mod">
+          <ac:chgData name="Hollister, Jeff" userId="90904e2a-aa82-465e-9922-afce4bc6d524" providerId="ADAL" clId="{ED486670-7F59-4038-B9BC-E9238978F7A3}" dt="2019-05-02T18:55:01.648" v="811" actId="164"/>
+          <ac:spMkLst>
+            <pc:docMk/>
+            <pc:sldMk cId="4037393715" sldId="256"/>
+            <ac:spMk id="99" creationId="{ED7EA899-0709-42ED-84BF-F2B0DF1CCC30}"/>
+          </ac:spMkLst>
+        </pc:spChg>
+        <pc:spChg chg="add del">
+          <ac:chgData name="Hollister, Jeff" userId="90904e2a-aa82-465e-9922-afce4bc6d524" providerId="ADAL" clId="{ED486670-7F59-4038-B9BC-E9238978F7A3}" dt="2019-05-02T18:55:20.448" v="813"/>
+          <ac:spMkLst>
+            <pc:docMk/>
+            <pc:sldMk cId="4037393715" sldId="256"/>
+            <ac:spMk id="100" creationId="{F6450B83-9879-462A-B656-81816E06D2D6}"/>
+          </ac:spMkLst>
+        </pc:spChg>
+        <pc:spChg chg="mod">
+          <ac:chgData name="Hollister, Jeff" userId="90904e2a-aa82-465e-9922-afce4bc6d524" providerId="ADAL" clId="{ED486670-7F59-4038-B9BC-E9238978F7A3}" dt="2019-05-02T18:55:58.366" v="820" actId="20577"/>
+          <ac:spMkLst>
+            <pc:docMk/>
+            <pc:sldMk cId="4037393715" sldId="256"/>
+            <ac:spMk id="102" creationId="{8B4C6213-3632-49F6-BE13-71C2AC79244D}"/>
+          </ac:spMkLst>
+        </pc:spChg>
+        <pc:spChg chg="mod">
+          <ac:chgData name="Hollister, Jeff" userId="90904e2a-aa82-465e-9922-afce4bc6d524" providerId="ADAL" clId="{ED486670-7F59-4038-B9BC-E9238978F7A3}" dt="2019-05-02T18:56:44.158" v="846" actId="20577"/>
+          <ac:spMkLst>
+            <pc:docMk/>
+            <pc:sldMk cId="4037393715" sldId="256"/>
+            <ac:spMk id="103" creationId="{B4E331AA-2DE6-448C-B158-00AE2A12FC8A}"/>
+          </ac:spMkLst>
+        </pc:spChg>
+        <pc:spChg chg="mod">
+          <ac:chgData name="Hollister, Jeff" userId="90904e2a-aa82-465e-9922-afce4bc6d524" providerId="ADAL" clId="{ED486670-7F59-4038-B9BC-E9238978F7A3}" dt="2019-05-02T18:57:14.442" v="874" actId="20577"/>
+          <ac:spMkLst>
+            <pc:docMk/>
+            <pc:sldMk cId="4037393715" sldId="256"/>
+            <ac:spMk id="106" creationId="{0BD43627-D57C-4C22-BE71-199859184EB2}"/>
+          </ac:spMkLst>
+        </pc:spChg>
+        <pc:spChg chg="mod">
+          <ac:chgData name="Hollister, Jeff" userId="90904e2a-aa82-465e-9922-afce4bc6d524" providerId="ADAL" clId="{ED486670-7F59-4038-B9BC-E9238978F7A3}" dt="2019-05-02T18:57:38.228" v="884" actId="113"/>
+          <ac:spMkLst>
+            <pc:docMk/>
+            <pc:sldMk cId="4037393715" sldId="256"/>
+            <ac:spMk id="107" creationId="{360DC2C8-CFCF-4B18-B5D9-01A28A7BD7A0}"/>
+          </ac:spMkLst>
+        </pc:spChg>
+        <pc:spChg chg="add mod">
+          <ac:chgData name="Hollister, Jeff" userId="90904e2a-aa82-465e-9922-afce4bc6d524" providerId="ADAL" clId="{ED486670-7F59-4038-B9BC-E9238978F7A3}" dt="2019-05-02T19:01:31.927" v="1246" actId="20577"/>
+          <ac:spMkLst>
+            <pc:docMk/>
+            <pc:sldMk cId="4037393715" sldId="256"/>
+            <ac:spMk id="109" creationId="{F2325510-088D-4E4D-B7CF-0F5E7D8755F3}"/>
+          </ac:spMkLst>
+        </pc:spChg>
+        <pc:spChg chg="mod">
+          <ac:chgData name="Hollister, Jeff" userId="90904e2a-aa82-465e-9922-afce4bc6d524" providerId="ADAL" clId="{ED486670-7F59-4038-B9BC-E9238978F7A3}" dt="2019-05-02T19:05:09.984" v="1318" actId="20577"/>
+          <ac:spMkLst>
+            <pc:docMk/>
+            <pc:sldMk cId="4037393715" sldId="256"/>
+            <ac:spMk id="111" creationId="{5CB2CB70-33F4-4AF0-AF95-1292470AE5F1}"/>
+          </ac:spMkLst>
+        </pc:spChg>
+        <pc:spChg chg="mod">
+          <ac:chgData name="Hollister, Jeff" userId="90904e2a-aa82-465e-9922-afce4bc6d524" providerId="ADAL" clId="{ED486670-7F59-4038-B9BC-E9238978F7A3}" dt="2019-05-02T19:06:32.093" v="1381" actId="20577"/>
+          <ac:spMkLst>
+            <pc:docMk/>
+            <pc:sldMk cId="4037393715" sldId="256"/>
+            <ac:spMk id="112" creationId="{956A151E-9F20-4E28-AF99-50959238DA61}"/>
+          </ac:spMkLst>
+        </pc:spChg>
+        <pc:spChg chg="add mod">
+          <ac:chgData name="Hollister, Jeff" userId="90904e2a-aa82-465e-9922-afce4bc6d524" providerId="ADAL" clId="{ED486670-7F59-4038-B9BC-E9238978F7A3}" dt="2019-05-02T19:02:00.491" v="1254" actId="20577"/>
+          <ac:spMkLst>
+            <pc:docMk/>
+            <pc:sldMk cId="4037393715" sldId="256"/>
+            <ac:spMk id="114" creationId="{0CBDC3EA-16B2-432C-BAC7-9D3899C2584C}"/>
+          </ac:spMkLst>
+        </pc:spChg>
+        <pc:spChg chg="mod">
+          <ac:chgData name="Hollister, Jeff" userId="90904e2a-aa82-465e-9922-afce4bc6d524" providerId="ADAL" clId="{ED486670-7F59-4038-B9BC-E9238978F7A3}" dt="2019-05-02T19:05:28.889" v="1334" actId="20577"/>
+          <ac:spMkLst>
+            <pc:docMk/>
+            <pc:sldMk cId="4037393715" sldId="256"/>
+            <ac:spMk id="116" creationId="{4227A31B-ADAE-4A52-BAF8-2C136D66D48A}"/>
+          </ac:spMkLst>
+        </pc:spChg>
+        <pc:spChg chg="mod">
+          <ac:chgData name="Hollister, Jeff" userId="90904e2a-aa82-465e-9922-afce4bc6d524" providerId="ADAL" clId="{ED486670-7F59-4038-B9BC-E9238978F7A3}" dt="2019-05-02T19:06:54.901" v="1390" actId="113"/>
+          <ac:spMkLst>
+            <pc:docMk/>
+            <pc:sldMk cId="4037393715" sldId="256"/>
+            <ac:spMk id="117" creationId="{6B96F7EA-EBBC-42AB-9700-E1EB400F6E64}"/>
+          </ac:spMkLst>
+        </pc:spChg>
+        <pc:spChg chg="add mod">
+          <ac:chgData name="Hollister, Jeff" userId="90904e2a-aa82-465e-9922-afce4bc6d524" providerId="ADAL" clId="{ED486670-7F59-4038-B9BC-E9238978F7A3}" dt="2019-05-02T19:02:41.772" v="1269" actId="20577"/>
+          <ac:spMkLst>
+            <pc:docMk/>
+            <pc:sldMk cId="4037393715" sldId="256"/>
+            <ac:spMk id="119" creationId="{C2017ADA-ED80-4F53-B5E9-E734B25FD51C}"/>
+          </ac:spMkLst>
+        </pc:spChg>
+        <pc:spChg chg="mod">
+          <ac:chgData name="Hollister, Jeff" userId="90904e2a-aa82-465e-9922-afce4bc6d524" providerId="ADAL" clId="{ED486670-7F59-4038-B9BC-E9238978F7A3}" dt="2019-05-02T19:06:11.500" v="1377" actId="20577"/>
+          <ac:spMkLst>
+            <pc:docMk/>
+            <pc:sldMk cId="4037393715" sldId="256"/>
+            <ac:spMk id="121" creationId="{28093264-CDD9-4E84-865D-BBBFF74C77B9}"/>
+          </ac:spMkLst>
+        </pc:spChg>
+        <pc:spChg chg="mod">
+          <ac:chgData name="Hollister, Jeff" userId="90904e2a-aa82-465e-9922-afce4bc6d524" providerId="ADAL" clId="{ED486670-7F59-4038-B9BC-E9238978F7A3}" dt="2019-05-02T19:08:17.803" v="1412" actId="20577"/>
+          <ac:spMkLst>
+            <pc:docMk/>
+            <pc:sldMk cId="4037393715" sldId="256"/>
+            <ac:spMk id="122" creationId="{8E5122A9-F45C-42BF-AC36-1495D2047006}"/>
+          </ac:spMkLst>
+        </pc:spChg>
+        <pc:spChg chg="add mod">
+          <ac:chgData name="Hollister, Jeff" userId="90904e2a-aa82-465e-9922-afce4bc6d524" providerId="ADAL" clId="{ED486670-7F59-4038-B9BC-E9238978F7A3}" dt="2019-05-02T19:02:24.668" v="1265" actId="20577"/>
+          <ac:spMkLst>
+            <pc:docMk/>
+            <pc:sldMk cId="4037393715" sldId="256"/>
+            <ac:spMk id="124" creationId="{50ACC572-958B-443B-8C3C-BE14D33824D9}"/>
+          </ac:spMkLst>
+        </pc:spChg>
+        <pc:spChg chg="mod">
+          <ac:chgData name="Hollister, Jeff" userId="90904e2a-aa82-465e-9922-afce4bc6d524" providerId="ADAL" clId="{ED486670-7F59-4038-B9BC-E9238978F7A3}" dt="2019-05-02T19:05:59.378" v="1364" actId="20577"/>
+          <ac:spMkLst>
+            <pc:docMk/>
+            <pc:sldMk cId="4037393715" sldId="256"/>
+            <ac:spMk id="126" creationId="{0056F91C-D8E2-4B3E-B104-4450BEDBF4E8}"/>
+          </ac:spMkLst>
+        </pc:spChg>
+        <pc:spChg chg="mod">
+          <ac:chgData name="Hollister, Jeff" userId="90904e2a-aa82-465e-9922-afce4bc6d524" providerId="ADAL" clId="{ED486670-7F59-4038-B9BC-E9238978F7A3}" dt="2019-05-02T19:07:55.539" v="1406" actId="20577"/>
+          <ac:spMkLst>
+            <pc:docMk/>
+            <pc:sldMk cId="4037393715" sldId="256"/>
+            <ac:spMk id="127" creationId="{7EC1D9D6-7A9C-4696-9471-BE747BADF0A2}"/>
+          </ac:spMkLst>
+        </pc:spChg>
+        <pc:spChg chg="add mod">
+          <ac:chgData name="Hollister, Jeff" userId="90904e2a-aa82-465e-9922-afce4bc6d524" providerId="ADAL" clId="{ED486670-7F59-4038-B9BC-E9238978F7A3}" dt="2019-05-02T19:02:18.427" v="1263" actId="20577"/>
+          <ac:spMkLst>
+            <pc:docMk/>
+            <pc:sldMk cId="4037393715" sldId="256"/>
+            <ac:spMk id="129" creationId="{D339B13B-F819-4880-8E0D-CCCF7485ED0E}"/>
+          </ac:spMkLst>
+        </pc:spChg>
+        <pc:spChg chg="mod">
+          <ac:chgData name="Hollister, Jeff" userId="90904e2a-aa82-465e-9922-afce4bc6d524" providerId="ADAL" clId="{ED486670-7F59-4038-B9BC-E9238978F7A3}" dt="2019-05-02T19:05:46.346" v="1349" actId="20577"/>
+          <ac:spMkLst>
+            <pc:docMk/>
+            <pc:sldMk cId="4037393715" sldId="256"/>
+            <ac:spMk id="131" creationId="{FF7E9A94-2C10-44AB-91EB-8AF4D6D06F02}"/>
+          </ac:spMkLst>
+        </pc:spChg>
+        <pc:spChg chg="mod">
+          <ac:chgData name="Hollister, Jeff" userId="90904e2a-aa82-465e-9922-afce4bc6d524" providerId="ADAL" clId="{ED486670-7F59-4038-B9BC-E9238978F7A3}" dt="2019-05-02T19:07:31.320" v="1403" actId="20577"/>
+          <ac:spMkLst>
+            <pc:docMk/>
+            <pc:sldMk cId="4037393715" sldId="256"/>
+            <ac:spMk id="132" creationId="{165956A5-53C0-49D2-A6BF-EEC73B0B526A}"/>
+          </ac:spMkLst>
+        </pc:spChg>
+        <pc:grpChg chg="add mod">
+          <ac:chgData name="Hollister, Jeff" userId="90904e2a-aa82-465e-9922-afce4bc6d524" providerId="ADAL" clId="{ED486670-7F59-4038-B9BC-E9238978F7A3}" dt="2019-05-02T18:55:01.648" v="811" actId="164"/>
+          <ac:grpSpMkLst>
+            <pc:docMk/>
+            <pc:sldMk cId="4037393715" sldId="256"/>
+            <ac:grpSpMk id="23" creationId="{012324FA-EF9B-4B6E-A9A9-942BC520FAB7}"/>
+          </ac:grpSpMkLst>
+        </pc:grpChg>
+        <pc:grpChg chg="del">
+          <ac:chgData name="Hollister, Jeff" userId="90904e2a-aa82-465e-9922-afce4bc6d524" providerId="ADAL" clId="{ED486670-7F59-4038-B9BC-E9238978F7A3}" dt="2019-05-02T16:15:29.901" v="131" actId="165"/>
+          <ac:grpSpMkLst>
+            <pc:docMk/>
+            <pc:sldMk cId="4037393715" sldId="256"/>
+            <ac:grpSpMk id="45" creationId="{0D0D1B79-89F5-444E-9CA2-EA796D509836}"/>
+          </ac:grpSpMkLst>
+        </pc:grpChg>
+        <pc:grpChg chg="add mod">
+          <ac:chgData name="Hollister, Jeff" userId="90904e2a-aa82-465e-9922-afce4bc6d524" providerId="ADAL" clId="{ED486670-7F59-4038-B9BC-E9238978F7A3}" dt="2019-05-02T18:56:23.097" v="842" actId="1037"/>
+          <ac:grpSpMkLst>
+            <pc:docMk/>
+            <pc:sldMk cId="4037393715" sldId="256"/>
+            <ac:grpSpMk id="101" creationId="{5B7F0953-F89A-477C-99DE-54CBC4836759}"/>
+          </ac:grpSpMkLst>
+        </pc:grpChg>
+        <pc:grpChg chg="add mod">
+          <ac:chgData name="Hollister, Jeff" userId="90904e2a-aa82-465e-9922-afce4bc6d524" providerId="ADAL" clId="{ED486670-7F59-4038-B9BC-E9238978F7A3}" dt="2019-05-02T18:56:59.948" v="850" actId="1076"/>
+          <ac:grpSpMkLst>
+            <pc:docMk/>
+            <pc:sldMk cId="4037393715" sldId="256"/>
+            <ac:grpSpMk id="105" creationId="{E7DBB7C6-327F-4AA4-A0F9-0C8258CC1043}"/>
+          </ac:grpSpMkLst>
+        </pc:grpChg>
+        <pc:grpChg chg="add mod">
+          <ac:chgData name="Hollister, Jeff" userId="90904e2a-aa82-465e-9922-afce4bc6d524" providerId="ADAL" clId="{ED486670-7F59-4038-B9BC-E9238978F7A3}" dt="2019-05-02T19:00:15.332" v="948" actId="1036"/>
+          <ac:grpSpMkLst>
+            <pc:docMk/>
+            <pc:sldMk cId="4037393715" sldId="256"/>
+            <ac:grpSpMk id="110" creationId="{EE254810-1FD5-487C-9E5A-EA47C35A2605}"/>
+          </ac:grpSpMkLst>
+        </pc:grpChg>
+        <pc:grpChg chg="add mod">
+          <ac:chgData name="Hollister, Jeff" userId="90904e2a-aa82-465e-9922-afce4bc6d524" providerId="ADAL" clId="{ED486670-7F59-4038-B9BC-E9238978F7A3}" dt="2019-05-02T19:00:26.980" v="1039" actId="1038"/>
+          <ac:grpSpMkLst>
+            <pc:docMk/>
+            <pc:sldMk cId="4037393715" sldId="256"/>
+            <ac:grpSpMk id="115" creationId="{E7D3E79F-2C2D-46C5-A5E4-9F83457E81F3}"/>
+          </ac:grpSpMkLst>
+        </pc:grpChg>
+        <pc:grpChg chg="add mod">
+          <ac:chgData name="Hollister, Jeff" userId="90904e2a-aa82-465e-9922-afce4bc6d524" providerId="ADAL" clId="{ED486670-7F59-4038-B9BC-E9238978F7A3}" dt="2019-05-02T19:00:34.097" v="1089" actId="1037"/>
+          <ac:grpSpMkLst>
+            <pc:docMk/>
+            <pc:sldMk cId="4037393715" sldId="256"/>
+            <ac:grpSpMk id="120" creationId="{4648D32E-90BD-45E9-9D2E-656D04FDDEC2}"/>
+          </ac:grpSpMkLst>
+        </pc:grpChg>
+        <pc:grpChg chg="add mod">
+          <ac:chgData name="Hollister, Jeff" userId="90904e2a-aa82-465e-9922-afce4bc6d524" providerId="ADAL" clId="{ED486670-7F59-4038-B9BC-E9238978F7A3}" dt="2019-05-02T19:00:45.357" v="1169" actId="1036"/>
+          <ac:grpSpMkLst>
+            <pc:docMk/>
+            <pc:sldMk cId="4037393715" sldId="256"/>
+            <ac:grpSpMk id="125" creationId="{4B1391B0-885F-4AE4-8AF3-4C1C38F48673}"/>
+          </ac:grpSpMkLst>
+        </pc:grpChg>
+        <pc:grpChg chg="add mod">
+          <ac:chgData name="Hollister, Jeff" userId="90904e2a-aa82-465e-9922-afce4bc6d524" providerId="ADAL" clId="{ED486670-7F59-4038-B9BC-E9238978F7A3}" dt="2019-05-02T19:00:53.791" v="1245" actId="1037"/>
+          <ac:grpSpMkLst>
+            <pc:docMk/>
+            <pc:sldMk cId="4037393715" sldId="256"/>
+            <ac:grpSpMk id="130" creationId="{2112ED87-36AE-49A5-A9E7-E32401A4EA32}"/>
+          </ac:grpSpMkLst>
+        </pc:grpChg>
+        <pc:cxnChg chg="add del mod">
+          <ac:chgData name="Hollister, Jeff" userId="90904e2a-aa82-465e-9922-afce4bc6d524" providerId="ADAL" clId="{ED486670-7F59-4038-B9BC-E9238978F7A3}" dt="2019-05-02T18:54:21.268" v="803" actId="11529"/>
+          <ac:cxnSpMkLst>
+            <pc:docMk/>
+            <pc:sldMk cId="4037393715" sldId="256"/>
+            <ac:cxnSpMk id="16" creationId="{74982352-D867-41F1-AEE1-D776414441AC}"/>
+          </ac:cxnSpMkLst>
+        </pc:cxnChg>
+        <pc:cxnChg chg="add mod">
+          <ac:chgData name="Hollister, Jeff" userId="90904e2a-aa82-465e-9922-afce4bc6d524" providerId="ADAL" clId="{ED486670-7F59-4038-B9BC-E9238978F7A3}" dt="2019-05-02T18:55:01.648" v="811" actId="164"/>
+          <ac:cxnSpMkLst>
+            <pc:docMk/>
+            <pc:sldMk cId="4037393715" sldId="256"/>
+            <ac:cxnSpMk id="22" creationId="{9D141CA7-78FF-4583-AC95-8F66072B238C}"/>
+          </ac:cxnSpMkLst>
+        </pc:cxnChg>
+        <pc:cxnChg chg="mod">
+          <ac:chgData name="Hollister, Jeff" userId="90904e2a-aa82-465e-9922-afce4bc6d524" providerId="ADAL" clId="{ED486670-7F59-4038-B9BC-E9238978F7A3}" dt="2019-05-02T16:14:52.127" v="115" actId="1035"/>
+          <ac:cxnSpMkLst>
+            <pc:docMk/>
+            <pc:sldMk cId="4037393715" sldId="256"/>
+            <ac:cxnSpMk id="43" creationId="{6B15B882-AB86-4D06-A728-ECC4F25E7823}"/>
+          </ac:cxnSpMkLst>
+        </pc:cxnChg>
+        <pc:cxnChg chg="mod">
+          <ac:chgData name="Hollister, Jeff" userId="90904e2a-aa82-465e-9922-afce4bc6d524" providerId="ADAL" clId="{ED486670-7F59-4038-B9BC-E9238978F7A3}" dt="2019-05-02T19:05:01.571" v="1312" actId="1037"/>
+          <ac:cxnSpMkLst>
+            <pc:docMk/>
+            <pc:sldMk cId="4037393715" sldId="256"/>
+            <ac:cxnSpMk id="113" creationId="{B7B2B526-6875-4751-84CB-C87FBF0C190D}"/>
+          </ac:cxnSpMkLst>
+        </pc:cxnChg>
+      </pc:sldChg>
+    </pc:docChg>
+  </pc:docChgLst>
+</pc:chgInfo>
 </file>
 
 <file path=ppt/slideLayouts/slideLayout1.xml><?xml version="1.0" encoding="utf-8"?>
@@ -238,7 +1096,7 @@
           <a:p>
             <a:fld id="{F7167FF9-F47C-4F59-88DD-9CEB65E35CFA}" type="datetimeFigureOut">
               <a:rPr lang="en-US" smtClean="0"/>
-              <a:t>4/30/2019</a:t>
+              <a:t>5/2/2019</a:t>
             </a:fld>
             <a:endParaRPr lang="en-US"/>
           </a:p>
@@ -408,7 +1266,7 @@
           <a:p>
             <a:fld id="{F7167FF9-F47C-4F59-88DD-9CEB65E35CFA}" type="datetimeFigureOut">
               <a:rPr lang="en-US" smtClean="0"/>
-              <a:t>4/30/2019</a:t>
+              <a:t>5/2/2019</a:t>
             </a:fld>
             <a:endParaRPr lang="en-US"/>
           </a:p>
@@ -588,7 +1446,7 @@
           <a:p>
             <a:fld id="{F7167FF9-F47C-4F59-88DD-9CEB65E35CFA}" type="datetimeFigureOut">
               <a:rPr lang="en-US" smtClean="0"/>
-              <a:t>4/30/2019</a:t>
+              <a:t>5/2/2019</a:t>
             </a:fld>
             <a:endParaRPr lang="en-US"/>
           </a:p>
@@ -758,7 +1616,7 @@
           <a:p>
             <a:fld id="{F7167FF9-F47C-4F59-88DD-9CEB65E35CFA}" type="datetimeFigureOut">
               <a:rPr lang="en-US" smtClean="0"/>
-              <a:t>4/30/2019</a:t>
+              <a:t>5/2/2019</a:t>
             </a:fld>
             <a:endParaRPr lang="en-US"/>
           </a:p>
@@ -1002,7 +1860,7 @@
           <a:p>
             <a:fld id="{F7167FF9-F47C-4F59-88DD-9CEB65E35CFA}" type="datetimeFigureOut">
               <a:rPr lang="en-US" smtClean="0"/>
-              <a:t>4/30/2019</a:t>
+              <a:t>5/2/2019</a:t>
             </a:fld>
             <a:endParaRPr lang="en-US"/>
           </a:p>
@@ -1234,7 +2092,7 @@
           <a:p>
             <a:fld id="{F7167FF9-F47C-4F59-88DD-9CEB65E35CFA}" type="datetimeFigureOut">
               <a:rPr lang="en-US" smtClean="0"/>
-              <a:t>4/30/2019</a:t>
+              <a:t>5/2/2019</a:t>
             </a:fld>
             <a:endParaRPr lang="en-US"/>
           </a:p>
@@ -1601,7 +2459,7 @@
           <a:p>
             <a:fld id="{F7167FF9-F47C-4F59-88DD-9CEB65E35CFA}" type="datetimeFigureOut">
               <a:rPr lang="en-US" smtClean="0"/>
-              <a:t>4/30/2019</a:t>
+              <a:t>5/2/2019</a:t>
             </a:fld>
             <a:endParaRPr lang="en-US"/>
           </a:p>
@@ -1719,7 +2577,7 @@
           <a:p>
             <a:fld id="{F7167FF9-F47C-4F59-88DD-9CEB65E35CFA}" type="datetimeFigureOut">
               <a:rPr lang="en-US" smtClean="0"/>
-              <a:t>4/30/2019</a:t>
+              <a:t>5/2/2019</a:t>
             </a:fld>
             <a:endParaRPr lang="en-US"/>
           </a:p>
@@ -1814,7 +2672,7 @@
           <a:p>
             <a:fld id="{F7167FF9-F47C-4F59-88DD-9CEB65E35CFA}" type="datetimeFigureOut">
               <a:rPr lang="en-US" smtClean="0"/>
-              <a:t>4/30/2019</a:t>
+              <a:t>5/2/2019</a:t>
             </a:fld>
             <a:endParaRPr lang="en-US"/>
           </a:p>
@@ -2091,7 +2949,7 @@
           <a:p>
             <a:fld id="{F7167FF9-F47C-4F59-88DD-9CEB65E35CFA}" type="datetimeFigureOut">
               <a:rPr lang="en-US" smtClean="0"/>
-              <a:t>4/30/2019</a:t>
+              <a:t>5/2/2019</a:t>
             </a:fld>
             <a:endParaRPr lang="en-US"/>
           </a:p>
@@ -2348,7 +3206,7 @@
           <a:p>
             <a:fld id="{F7167FF9-F47C-4F59-88DD-9CEB65E35CFA}" type="datetimeFigureOut">
               <a:rPr lang="en-US" smtClean="0"/>
-              <a:t>4/30/2019</a:t>
+              <a:t>5/2/2019</a:t>
             </a:fld>
             <a:endParaRPr lang="en-US"/>
           </a:p>
@@ -2561,7 +3419,7 @@
           <a:p>
             <a:fld id="{F7167FF9-F47C-4F59-88DD-9CEB65E35CFA}" type="datetimeFigureOut">
               <a:rPr lang="en-US" smtClean="0"/>
-              <a:t>4/30/2019</a:t>
+              <a:t>5/2/2019</a:t>
             </a:fld>
             <a:endParaRPr lang="en-US"/>
           </a:p>
@@ -2980,8 +3838,8 @@
         </p:nvSpPr>
         <p:spPr>
           <a:xfrm>
-            <a:off x="159588" y="767096"/>
-            <a:ext cx="700833" cy="707886"/>
+            <a:off x="159588" y="686408"/>
+            <a:ext cx="867545" cy="1184940"/>
           </a:xfrm>
           <a:prstGeom prst="rect">
             <a:avLst/>
@@ -2995,7 +3853,7 @@
           <a:lstStyle/>
           <a:p>
             <a:r>
-              <a:rPr lang="en-US" dirty="0">
+              <a:rPr lang="en-US" sz="1600" dirty="0">
                 <a:latin typeface="Roboto Condensed" panose="02000000000000000000" pitchFamily="2" charset="0"/>
                 <a:ea typeface="Roboto Condensed" panose="02000000000000000000" pitchFamily="2" charset="0"/>
               </a:rPr>
@@ -3008,7 +3866,29 @@
                 <a:latin typeface="Roboto Condensed" panose="02000000000000000000" pitchFamily="2" charset="0"/>
                 <a:ea typeface="Roboto Condensed" panose="02000000000000000000" pitchFamily="2" charset="0"/>
               </a:rPr>
-              <a:t>mean =</a:t>
+              <a:t>Long-term</a:t>
+            </a:r>
+            <a:br>
+              <a:rPr lang="en-US" sz="1100" dirty="0">
+                <a:latin typeface="Roboto Condensed" panose="02000000000000000000" pitchFamily="2" charset="0"/>
+                <a:ea typeface="Roboto Condensed" panose="02000000000000000000" pitchFamily="2" charset="0"/>
+              </a:rPr>
+            </a:br>
+            <a:r>
+              <a:rPr lang="en-US" sz="1100" dirty="0">
+                <a:latin typeface="Roboto Condensed" panose="02000000000000000000" pitchFamily="2" charset="0"/>
+                <a:ea typeface="Roboto Condensed" panose="02000000000000000000" pitchFamily="2" charset="0"/>
+              </a:rPr>
+              <a:t>mean = 7.06</a:t>
+            </a:r>
+          </a:p>
+          <a:p>
+            <a:r>
+              <a:rPr lang="en-US" sz="1100" dirty="0">
+                <a:latin typeface="Roboto Condensed" panose="02000000000000000000" pitchFamily="2" charset="0"/>
+                <a:ea typeface="Roboto Condensed" panose="02000000000000000000" pitchFamily="2" charset="0"/>
+              </a:rPr>
+              <a:t>Long-term</a:t>
             </a:r>
           </a:p>
           <a:p>
@@ -3024,8 +3904,14 @@
                 <a:latin typeface="Roboto Condensed" panose="02000000000000000000" pitchFamily="2" charset="0"/>
                 <a:ea typeface="Roboto Condensed" panose="02000000000000000000" pitchFamily="2" charset="0"/>
               </a:rPr>
-              <a:t> = </a:t>
-            </a:r>
+              <a:t> = 1.42</a:t>
+            </a:r>
+          </a:p>
+          <a:p>
+            <a:endParaRPr lang="en-US" sz="1100" dirty="0">
+              <a:latin typeface="Roboto Condensed" panose="02000000000000000000" pitchFamily="2" charset="0"/>
+              <a:ea typeface="Roboto Condensed" panose="02000000000000000000" pitchFamily="2" charset="0"/>
+            </a:endParaRPr>
           </a:p>
         </p:txBody>
       </p:sp>
@@ -3043,8 +3929,8 @@
         </p:nvSpPr>
         <p:spPr>
           <a:xfrm>
-            <a:off x="159588" y="1881234"/>
-            <a:ext cx="700833" cy="707886"/>
+            <a:off x="159588" y="1790720"/>
+            <a:ext cx="867545" cy="1015663"/>
           </a:xfrm>
           <a:prstGeom prst="rect">
             <a:avLst/>
@@ -3058,7 +3944,7 @@
           <a:lstStyle/>
           <a:p>
             <a:r>
-              <a:rPr lang="en-US" dirty="0">
+              <a:rPr lang="en-US" sz="1600" dirty="0">
                 <a:latin typeface="Roboto Condensed" panose="02000000000000000000" pitchFamily="2" charset="0"/>
                 <a:ea typeface="Roboto Condensed" panose="02000000000000000000" pitchFamily="2" charset="0"/>
               </a:rPr>
@@ -3071,7 +3957,29 @@
                 <a:latin typeface="Roboto Condensed" panose="02000000000000000000" pitchFamily="2" charset="0"/>
                 <a:ea typeface="Roboto Condensed" panose="02000000000000000000" pitchFamily="2" charset="0"/>
               </a:rPr>
-              <a:t>mean =</a:t>
+              <a:t>Long-term</a:t>
+            </a:r>
+            <a:br>
+              <a:rPr lang="en-US" sz="1100" dirty="0">
+                <a:latin typeface="Roboto Condensed" panose="02000000000000000000" pitchFamily="2" charset="0"/>
+                <a:ea typeface="Roboto Condensed" panose="02000000000000000000" pitchFamily="2" charset="0"/>
+              </a:rPr>
+            </a:br>
+            <a:r>
+              <a:rPr lang="en-US" sz="1100" dirty="0">
+                <a:latin typeface="Roboto Condensed" panose="02000000000000000000" pitchFamily="2" charset="0"/>
+                <a:ea typeface="Roboto Condensed" panose="02000000000000000000" pitchFamily="2" charset="0"/>
+              </a:rPr>
+              <a:t>mean = 3.65</a:t>
+            </a:r>
+          </a:p>
+          <a:p>
+            <a:r>
+              <a:rPr lang="en-US" sz="1100" dirty="0">
+                <a:latin typeface="Roboto Condensed" panose="02000000000000000000" pitchFamily="2" charset="0"/>
+                <a:ea typeface="Roboto Condensed" panose="02000000000000000000" pitchFamily="2" charset="0"/>
+              </a:rPr>
+              <a:t>Long-term</a:t>
             </a:r>
           </a:p>
           <a:p>
@@ -3087,7 +3995,7 @@
                 <a:latin typeface="Roboto Condensed" panose="02000000000000000000" pitchFamily="2" charset="0"/>
                 <a:ea typeface="Roboto Condensed" panose="02000000000000000000" pitchFamily="2" charset="0"/>
               </a:rPr>
-              <a:t> = </a:t>
+              <a:t> = 0.92</a:t>
             </a:r>
           </a:p>
         </p:txBody>
@@ -3106,8 +4014,8 @@
         </p:nvSpPr>
         <p:spPr>
           <a:xfrm>
-            <a:off x="159588" y="2995373"/>
-            <a:ext cx="700833" cy="707886"/>
+            <a:off x="159588" y="2915605"/>
+            <a:ext cx="936475" cy="1015663"/>
           </a:xfrm>
           <a:prstGeom prst="rect">
             <a:avLst/>
@@ -3121,7 +4029,7 @@
           <a:lstStyle/>
           <a:p>
             <a:r>
-              <a:rPr lang="en-US" dirty="0">
+              <a:rPr lang="en-US" sz="1600" dirty="0">
                 <a:latin typeface="Roboto Condensed" panose="02000000000000000000" pitchFamily="2" charset="0"/>
                 <a:ea typeface="Roboto Condensed" panose="02000000000000000000" pitchFamily="2" charset="0"/>
               </a:rPr>
@@ -3134,7 +4042,29 @@
                 <a:latin typeface="Roboto Condensed" panose="02000000000000000000" pitchFamily="2" charset="0"/>
                 <a:ea typeface="Roboto Condensed" panose="02000000000000000000" pitchFamily="2" charset="0"/>
               </a:rPr>
-              <a:t>mean =</a:t>
+              <a:t>Long-term</a:t>
+            </a:r>
+            <a:br>
+              <a:rPr lang="en-US" sz="1100" dirty="0">
+                <a:latin typeface="Roboto Condensed" panose="02000000000000000000" pitchFamily="2" charset="0"/>
+                <a:ea typeface="Roboto Condensed" panose="02000000000000000000" pitchFamily="2" charset="0"/>
+              </a:rPr>
+            </a:br>
+            <a:r>
+              <a:rPr lang="en-US" sz="1100" dirty="0">
+                <a:latin typeface="Roboto Condensed" panose="02000000000000000000" pitchFamily="2" charset="0"/>
+                <a:ea typeface="Roboto Condensed" panose="02000000000000000000" pitchFamily="2" charset="0"/>
+              </a:rPr>
+              <a:t>mean = 12.43</a:t>
+            </a:r>
+          </a:p>
+          <a:p>
+            <a:r>
+              <a:rPr lang="en-US" sz="1100" dirty="0">
+                <a:latin typeface="Roboto Condensed" panose="02000000000000000000" pitchFamily="2" charset="0"/>
+                <a:ea typeface="Roboto Condensed" panose="02000000000000000000" pitchFamily="2" charset="0"/>
+              </a:rPr>
+              <a:t>Long-term</a:t>
             </a:r>
           </a:p>
           <a:p>
@@ -3150,7 +4080,7 @@
                 <a:latin typeface="Roboto Condensed" panose="02000000000000000000" pitchFamily="2" charset="0"/>
                 <a:ea typeface="Roboto Condensed" panose="02000000000000000000" pitchFamily="2" charset="0"/>
               </a:rPr>
-              <a:t> = </a:t>
+              <a:t> = 1.91</a:t>
             </a:r>
           </a:p>
         </p:txBody>
@@ -3169,8 +4099,8 @@
         </p:nvSpPr>
         <p:spPr>
           <a:xfrm>
-            <a:off x="1807524" y="39156"/>
-            <a:ext cx="761747" cy="369332"/>
+            <a:off x="1831744" y="39156"/>
+            <a:ext cx="696024" cy="338554"/>
           </a:xfrm>
           <a:prstGeom prst="rect">
             <a:avLst/>
@@ -3184,7 +4114,7 @@
           <a:lstStyle/>
           <a:p>
             <a:r>
-              <a:rPr lang="en-US" dirty="0">
+              <a:rPr lang="en-US" sz="1600" dirty="0">
                 <a:latin typeface="Roboto Condensed" panose="02000000000000000000" pitchFamily="2" charset="0"/>
                 <a:ea typeface="Roboto Condensed" panose="02000000000000000000" pitchFamily="2" charset="0"/>
               </a:rPr>
@@ -3207,8 +4137,8 @@
         </p:nvSpPr>
         <p:spPr>
           <a:xfrm>
-            <a:off x="3525993" y="39156"/>
-            <a:ext cx="761747" cy="369332"/>
+            <a:off x="3658409" y="39156"/>
+            <a:ext cx="696024" cy="338554"/>
           </a:xfrm>
           <a:prstGeom prst="rect">
             <a:avLst/>
@@ -3222,7 +4152,7 @@
           <a:lstStyle/>
           <a:p>
             <a:r>
-              <a:rPr lang="en-US" dirty="0">
+              <a:rPr lang="en-US" sz="1600" dirty="0">
                 <a:latin typeface="Roboto Condensed" panose="02000000000000000000" pitchFamily="2" charset="0"/>
                 <a:ea typeface="Roboto Condensed" panose="02000000000000000000" pitchFamily="2" charset="0"/>
               </a:rPr>
@@ -3245,8 +4175,8 @@
         </p:nvSpPr>
         <p:spPr>
           <a:xfrm>
-            <a:off x="5244461" y="39156"/>
-            <a:ext cx="761747" cy="369332"/>
+            <a:off x="5430650" y="39156"/>
+            <a:ext cx="696024" cy="338554"/>
           </a:xfrm>
           <a:prstGeom prst="rect">
             <a:avLst/>
@@ -3260,1192 +4190,12 @@
           <a:lstStyle/>
           <a:p>
             <a:r>
-              <a:rPr lang="en-US" dirty="0">
+              <a:rPr lang="en-US" sz="1600" dirty="0">
                 <a:latin typeface="Roboto Condensed" panose="02000000000000000000" pitchFamily="2" charset="0"/>
                 <a:ea typeface="Roboto Condensed" panose="02000000000000000000" pitchFamily="2" charset="0"/>
               </a:rPr>
               <a:t>Year 3</a:t>
             </a:r>
-          </a:p>
-        </p:txBody>
-      </p:sp>
-      <p:sp>
-        <p:nvSpPr>
-          <p:cNvPr id="12" name="Freeform: Shape 11">
-            <a:extLst>
-              <a:ext uri="{FF2B5EF4-FFF2-40B4-BE49-F238E27FC236}">
-                <a16:creationId xmlns:a16="http://schemas.microsoft.com/office/drawing/2014/main" id="{E26FC335-6470-4F65-A27A-ABD6BF72AF20}"/>
-              </a:ext>
-            </a:extLst>
-          </p:cNvPr>
-          <p:cNvSpPr/>
-          <p:nvPr/>
-        </p:nvSpPr>
-        <p:spPr>
-          <a:xfrm>
-            <a:off x="1686725" y="586002"/>
-            <a:ext cx="914400" cy="731520"/>
-          </a:xfrm>
-          <a:custGeom>
-            <a:avLst/>
-            <a:gdLst>
-              <a:gd name="connsiteX0" fmla="*/ 287001 w 1041215"/>
-              <a:gd name="connsiteY0" fmla="*/ 146838 h 794260"/>
-              <a:gd name="connsiteX1" fmla="*/ 0 w 1041215"/>
-              <a:gd name="connsiteY1" fmla="*/ 313699 h 794260"/>
-              <a:gd name="connsiteX2" fmla="*/ 133489 w 1041215"/>
-              <a:gd name="connsiteY2" fmla="*/ 654096 h 794260"/>
-              <a:gd name="connsiteX3" fmla="*/ 400467 w 1041215"/>
-              <a:gd name="connsiteY3" fmla="*/ 794260 h 794260"/>
-              <a:gd name="connsiteX4" fmla="*/ 740864 w 1041215"/>
-              <a:gd name="connsiteY4" fmla="*/ 754213 h 794260"/>
-              <a:gd name="connsiteX5" fmla="*/ 947772 w 1041215"/>
-              <a:gd name="connsiteY5" fmla="*/ 547305 h 794260"/>
-              <a:gd name="connsiteX6" fmla="*/ 1041215 w 1041215"/>
-              <a:gd name="connsiteY6" fmla="*/ 246955 h 794260"/>
-              <a:gd name="connsiteX7" fmla="*/ 820958 w 1041215"/>
-              <a:gd name="connsiteY7" fmla="*/ 0 h 794260"/>
-              <a:gd name="connsiteX8" fmla="*/ 513933 w 1041215"/>
-              <a:gd name="connsiteY8" fmla="*/ 66745 h 794260"/>
-              <a:gd name="connsiteX9" fmla="*/ 387118 w 1041215"/>
-              <a:gd name="connsiteY9" fmla="*/ 273653 h 794260"/>
-              <a:gd name="connsiteX10" fmla="*/ 287001 w 1041215"/>
-              <a:gd name="connsiteY10" fmla="*/ 146838 h 794260"/>
-            </a:gdLst>
-            <a:ahLst/>
-            <a:cxnLst>
-              <a:cxn ang="0">
-                <a:pos x="connsiteX0" y="connsiteY0"/>
-              </a:cxn>
-              <a:cxn ang="0">
-                <a:pos x="connsiteX1" y="connsiteY1"/>
-              </a:cxn>
-              <a:cxn ang="0">
-                <a:pos x="connsiteX2" y="connsiteY2"/>
-              </a:cxn>
-              <a:cxn ang="0">
-                <a:pos x="connsiteX3" y="connsiteY3"/>
-              </a:cxn>
-              <a:cxn ang="0">
-                <a:pos x="connsiteX4" y="connsiteY4"/>
-              </a:cxn>
-              <a:cxn ang="0">
-                <a:pos x="connsiteX5" y="connsiteY5"/>
-              </a:cxn>
-              <a:cxn ang="0">
-                <a:pos x="connsiteX6" y="connsiteY6"/>
-              </a:cxn>
-              <a:cxn ang="0">
-                <a:pos x="connsiteX7" y="connsiteY7"/>
-              </a:cxn>
-              <a:cxn ang="0">
-                <a:pos x="connsiteX8" y="connsiteY8"/>
-              </a:cxn>
-              <a:cxn ang="0">
-                <a:pos x="connsiteX9" y="connsiteY9"/>
-              </a:cxn>
-              <a:cxn ang="0">
-                <a:pos x="connsiteX10" y="connsiteY10"/>
-              </a:cxn>
-            </a:cxnLst>
-            <a:rect l="l" t="t" r="r" b="b"/>
-            <a:pathLst>
-              <a:path w="1041215" h="794260">
-                <a:moveTo>
-                  <a:pt x="287001" y="146838"/>
-                </a:moveTo>
-                <a:lnTo>
-                  <a:pt x="0" y="313699"/>
-                </a:lnTo>
-                <a:lnTo>
-                  <a:pt x="133489" y="654096"/>
-                </a:lnTo>
-                <a:lnTo>
-                  <a:pt x="400467" y="794260"/>
-                </a:lnTo>
-                <a:lnTo>
-                  <a:pt x="740864" y="754213"/>
-                </a:lnTo>
-                <a:lnTo>
-                  <a:pt x="947772" y="547305"/>
-                </a:lnTo>
-                <a:lnTo>
-                  <a:pt x="1041215" y="246955"/>
-                </a:lnTo>
-                <a:lnTo>
-                  <a:pt x="820958" y="0"/>
-                </a:lnTo>
-                <a:lnTo>
-                  <a:pt x="513933" y="66745"/>
-                </a:lnTo>
-                <a:lnTo>
-                  <a:pt x="387118" y="273653"/>
-                </a:lnTo>
-                <a:lnTo>
-                  <a:pt x="287001" y="146838"/>
-                </a:lnTo>
-                <a:close/>
-              </a:path>
-            </a:pathLst>
-          </a:custGeom>
-          <a:noFill/>
-          <a:ln w="22225">
-            <a:solidFill>
-              <a:srgbClr val="00008B"/>
-            </a:solidFill>
-          </a:ln>
-        </p:spPr>
-        <p:style>
-          <a:lnRef idx="2">
-            <a:schemeClr val="accent1">
-              <a:shade val="50000"/>
-            </a:schemeClr>
-          </a:lnRef>
-          <a:fillRef idx="1">
-            <a:schemeClr val="accent1"/>
-          </a:fillRef>
-          <a:effectRef idx="0">
-            <a:schemeClr val="accent1"/>
-          </a:effectRef>
-          <a:fontRef idx="minor">
-            <a:schemeClr val="lt1"/>
-          </a:fontRef>
-        </p:style>
-        <p:txBody>
-          <a:bodyPr rtlCol="0" anchor="ctr"/>
-          <a:lstStyle/>
-          <a:p>
-            <a:pPr algn="ctr"/>
-            <a:endParaRPr lang="en-US" sz="1100"/>
-          </a:p>
-        </p:txBody>
-      </p:sp>
-      <p:sp>
-        <p:nvSpPr>
-          <p:cNvPr id="13" name="Freeform: Shape 12">
-            <a:extLst>
-              <a:ext uri="{FF2B5EF4-FFF2-40B4-BE49-F238E27FC236}">
-                <a16:creationId xmlns:a16="http://schemas.microsoft.com/office/drawing/2014/main" id="{1F89BDFB-FD54-443B-89A7-0E102DD69BE0}"/>
-              </a:ext>
-            </a:extLst>
-          </p:cNvPr>
-          <p:cNvSpPr/>
-          <p:nvPr/>
-        </p:nvSpPr>
-        <p:spPr>
-          <a:xfrm>
-            <a:off x="5168134" y="586002"/>
-            <a:ext cx="914400" cy="731520"/>
-          </a:xfrm>
-          <a:custGeom>
-            <a:avLst/>
-            <a:gdLst>
-              <a:gd name="connsiteX0" fmla="*/ 287001 w 1041215"/>
-              <a:gd name="connsiteY0" fmla="*/ 146838 h 794260"/>
-              <a:gd name="connsiteX1" fmla="*/ 0 w 1041215"/>
-              <a:gd name="connsiteY1" fmla="*/ 313699 h 794260"/>
-              <a:gd name="connsiteX2" fmla="*/ 133489 w 1041215"/>
-              <a:gd name="connsiteY2" fmla="*/ 654096 h 794260"/>
-              <a:gd name="connsiteX3" fmla="*/ 400467 w 1041215"/>
-              <a:gd name="connsiteY3" fmla="*/ 794260 h 794260"/>
-              <a:gd name="connsiteX4" fmla="*/ 740864 w 1041215"/>
-              <a:gd name="connsiteY4" fmla="*/ 754213 h 794260"/>
-              <a:gd name="connsiteX5" fmla="*/ 947772 w 1041215"/>
-              <a:gd name="connsiteY5" fmla="*/ 547305 h 794260"/>
-              <a:gd name="connsiteX6" fmla="*/ 1041215 w 1041215"/>
-              <a:gd name="connsiteY6" fmla="*/ 246955 h 794260"/>
-              <a:gd name="connsiteX7" fmla="*/ 820958 w 1041215"/>
-              <a:gd name="connsiteY7" fmla="*/ 0 h 794260"/>
-              <a:gd name="connsiteX8" fmla="*/ 513933 w 1041215"/>
-              <a:gd name="connsiteY8" fmla="*/ 66745 h 794260"/>
-              <a:gd name="connsiteX9" fmla="*/ 387118 w 1041215"/>
-              <a:gd name="connsiteY9" fmla="*/ 273653 h 794260"/>
-              <a:gd name="connsiteX10" fmla="*/ 287001 w 1041215"/>
-              <a:gd name="connsiteY10" fmla="*/ 146838 h 794260"/>
-            </a:gdLst>
-            <a:ahLst/>
-            <a:cxnLst>
-              <a:cxn ang="0">
-                <a:pos x="connsiteX0" y="connsiteY0"/>
-              </a:cxn>
-              <a:cxn ang="0">
-                <a:pos x="connsiteX1" y="connsiteY1"/>
-              </a:cxn>
-              <a:cxn ang="0">
-                <a:pos x="connsiteX2" y="connsiteY2"/>
-              </a:cxn>
-              <a:cxn ang="0">
-                <a:pos x="connsiteX3" y="connsiteY3"/>
-              </a:cxn>
-              <a:cxn ang="0">
-                <a:pos x="connsiteX4" y="connsiteY4"/>
-              </a:cxn>
-              <a:cxn ang="0">
-                <a:pos x="connsiteX5" y="connsiteY5"/>
-              </a:cxn>
-              <a:cxn ang="0">
-                <a:pos x="connsiteX6" y="connsiteY6"/>
-              </a:cxn>
-              <a:cxn ang="0">
-                <a:pos x="connsiteX7" y="connsiteY7"/>
-              </a:cxn>
-              <a:cxn ang="0">
-                <a:pos x="connsiteX8" y="connsiteY8"/>
-              </a:cxn>
-              <a:cxn ang="0">
-                <a:pos x="connsiteX9" y="connsiteY9"/>
-              </a:cxn>
-              <a:cxn ang="0">
-                <a:pos x="connsiteX10" y="connsiteY10"/>
-              </a:cxn>
-            </a:cxnLst>
-            <a:rect l="l" t="t" r="r" b="b"/>
-            <a:pathLst>
-              <a:path w="1041215" h="794260">
-                <a:moveTo>
-                  <a:pt x="287001" y="146838"/>
-                </a:moveTo>
-                <a:lnTo>
-                  <a:pt x="0" y="313699"/>
-                </a:lnTo>
-                <a:lnTo>
-                  <a:pt x="133489" y="654096"/>
-                </a:lnTo>
-                <a:lnTo>
-                  <a:pt x="400467" y="794260"/>
-                </a:lnTo>
-                <a:lnTo>
-                  <a:pt x="740864" y="754213"/>
-                </a:lnTo>
-                <a:lnTo>
-                  <a:pt x="947772" y="547305"/>
-                </a:lnTo>
-                <a:lnTo>
-                  <a:pt x="1041215" y="246955"/>
-                </a:lnTo>
-                <a:lnTo>
-                  <a:pt x="820958" y="0"/>
-                </a:lnTo>
-                <a:lnTo>
-                  <a:pt x="513933" y="66745"/>
-                </a:lnTo>
-                <a:lnTo>
-                  <a:pt x="387118" y="273653"/>
-                </a:lnTo>
-                <a:lnTo>
-                  <a:pt x="287001" y="146838"/>
-                </a:lnTo>
-                <a:close/>
-              </a:path>
-            </a:pathLst>
-          </a:custGeom>
-          <a:noFill/>
-          <a:ln w="22225">
-            <a:solidFill>
-              <a:srgbClr val="00008B"/>
-            </a:solidFill>
-          </a:ln>
-        </p:spPr>
-        <p:style>
-          <a:lnRef idx="2">
-            <a:schemeClr val="accent1">
-              <a:shade val="50000"/>
-            </a:schemeClr>
-          </a:lnRef>
-          <a:fillRef idx="1">
-            <a:schemeClr val="accent1"/>
-          </a:fillRef>
-          <a:effectRef idx="0">
-            <a:schemeClr val="accent1"/>
-          </a:effectRef>
-          <a:fontRef idx="minor">
-            <a:schemeClr val="lt1"/>
-          </a:fontRef>
-        </p:style>
-        <p:txBody>
-          <a:bodyPr rtlCol="0" anchor="ctr"/>
-          <a:lstStyle/>
-          <a:p>
-            <a:pPr algn="ctr"/>
-            <a:endParaRPr lang="en-US" sz="1100"/>
-          </a:p>
-        </p:txBody>
-      </p:sp>
-      <p:sp>
-        <p:nvSpPr>
-          <p:cNvPr id="14" name="Freeform: Shape 13">
-            <a:extLst>
-              <a:ext uri="{FF2B5EF4-FFF2-40B4-BE49-F238E27FC236}">
-                <a16:creationId xmlns:a16="http://schemas.microsoft.com/office/drawing/2014/main" id="{04BE2884-0EA2-42F3-AFAC-B726D945C13C}"/>
-              </a:ext>
-            </a:extLst>
-          </p:cNvPr>
-          <p:cNvSpPr/>
-          <p:nvPr/>
-        </p:nvSpPr>
-        <p:spPr>
-          <a:xfrm>
-            <a:off x="3427429" y="586002"/>
-            <a:ext cx="914400" cy="731520"/>
-          </a:xfrm>
-          <a:custGeom>
-            <a:avLst/>
-            <a:gdLst>
-              <a:gd name="connsiteX0" fmla="*/ 287001 w 1041215"/>
-              <a:gd name="connsiteY0" fmla="*/ 146838 h 794260"/>
-              <a:gd name="connsiteX1" fmla="*/ 0 w 1041215"/>
-              <a:gd name="connsiteY1" fmla="*/ 313699 h 794260"/>
-              <a:gd name="connsiteX2" fmla="*/ 133489 w 1041215"/>
-              <a:gd name="connsiteY2" fmla="*/ 654096 h 794260"/>
-              <a:gd name="connsiteX3" fmla="*/ 400467 w 1041215"/>
-              <a:gd name="connsiteY3" fmla="*/ 794260 h 794260"/>
-              <a:gd name="connsiteX4" fmla="*/ 740864 w 1041215"/>
-              <a:gd name="connsiteY4" fmla="*/ 754213 h 794260"/>
-              <a:gd name="connsiteX5" fmla="*/ 947772 w 1041215"/>
-              <a:gd name="connsiteY5" fmla="*/ 547305 h 794260"/>
-              <a:gd name="connsiteX6" fmla="*/ 1041215 w 1041215"/>
-              <a:gd name="connsiteY6" fmla="*/ 246955 h 794260"/>
-              <a:gd name="connsiteX7" fmla="*/ 820958 w 1041215"/>
-              <a:gd name="connsiteY7" fmla="*/ 0 h 794260"/>
-              <a:gd name="connsiteX8" fmla="*/ 513933 w 1041215"/>
-              <a:gd name="connsiteY8" fmla="*/ 66745 h 794260"/>
-              <a:gd name="connsiteX9" fmla="*/ 387118 w 1041215"/>
-              <a:gd name="connsiteY9" fmla="*/ 273653 h 794260"/>
-              <a:gd name="connsiteX10" fmla="*/ 287001 w 1041215"/>
-              <a:gd name="connsiteY10" fmla="*/ 146838 h 794260"/>
-            </a:gdLst>
-            <a:ahLst/>
-            <a:cxnLst>
-              <a:cxn ang="0">
-                <a:pos x="connsiteX0" y="connsiteY0"/>
-              </a:cxn>
-              <a:cxn ang="0">
-                <a:pos x="connsiteX1" y="connsiteY1"/>
-              </a:cxn>
-              <a:cxn ang="0">
-                <a:pos x="connsiteX2" y="connsiteY2"/>
-              </a:cxn>
-              <a:cxn ang="0">
-                <a:pos x="connsiteX3" y="connsiteY3"/>
-              </a:cxn>
-              <a:cxn ang="0">
-                <a:pos x="connsiteX4" y="connsiteY4"/>
-              </a:cxn>
-              <a:cxn ang="0">
-                <a:pos x="connsiteX5" y="connsiteY5"/>
-              </a:cxn>
-              <a:cxn ang="0">
-                <a:pos x="connsiteX6" y="connsiteY6"/>
-              </a:cxn>
-              <a:cxn ang="0">
-                <a:pos x="connsiteX7" y="connsiteY7"/>
-              </a:cxn>
-              <a:cxn ang="0">
-                <a:pos x="connsiteX8" y="connsiteY8"/>
-              </a:cxn>
-              <a:cxn ang="0">
-                <a:pos x="connsiteX9" y="connsiteY9"/>
-              </a:cxn>
-              <a:cxn ang="0">
-                <a:pos x="connsiteX10" y="connsiteY10"/>
-              </a:cxn>
-            </a:cxnLst>
-            <a:rect l="l" t="t" r="r" b="b"/>
-            <a:pathLst>
-              <a:path w="1041215" h="794260">
-                <a:moveTo>
-                  <a:pt x="287001" y="146838"/>
-                </a:moveTo>
-                <a:lnTo>
-                  <a:pt x="0" y="313699"/>
-                </a:lnTo>
-                <a:lnTo>
-                  <a:pt x="133489" y="654096"/>
-                </a:lnTo>
-                <a:lnTo>
-                  <a:pt x="400467" y="794260"/>
-                </a:lnTo>
-                <a:lnTo>
-                  <a:pt x="740864" y="754213"/>
-                </a:lnTo>
-                <a:lnTo>
-                  <a:pt x="947772" y="547305"/>
-                </a:lnTo>
-                <a:lnTo>
-                  <a:pt x="1041215" y="246955"/>
-                </a:lnTo>
-                <a:lnTo>
-                  <a:pt x="820958" y="0"/>
-                </a:lnTo>
-                <a:lnTo>
-                  <a:pt x="513933" y="66745"/>
-                </a:lnTo>
-                <a:lnTo>
-                  <a:pt x="387118" y="273653"/>
-                </a:lnTo>
-                <a:lnTo>
-                  <a:pt x="287001" y="146838"/>
-                </a:lnTo>
-                <a:close/>
-              </a:path>
-            </a:pathLst>
-          </a:custGeom>
-          <a:noFill/>
-          <a:ln w="22225">
-            <a:solidFill>
-              <a:srgbClr val="00008B"/>
-            </a:solidFill>
-          </a:ln>
-        </p:spPr>
-        <p:style>
-          <a:lnRef idx="2">
-            <a:schemeClr val="accent1">
-              <a:shade val="50000"/>
-            </a:schemeClr>
-          </a:lnRef>
-          <a:fillRef idx="1">
-            <a:schemeClr val="accent1"/>
-          </a:fillRef>
-          <a:effectRef idx="0">
-            <a:schemeClr val="accent1"/>
-          </a:effectRef>
-          <a:fontRef idx="minor">
-            <a:schemeClr val="lt1"/>
-          </a:fontRef>
-        </p:style>
-        <p:txBody>
-          <a:bodyPr rtlCol="0" anchor="ctr"/>
-          <a:lstStyle/>
-          <a:p>
-            <a:pPr algn="ctr"/>
-            <a:endParaRPr lang="en-US" sz="1100"/>
-          </a:p>
-        </p:txBody>
-      </p:sp>
-      <p:sp>
-        <p:nvSpPr>
-          <p:cNvPr id="15" name="Freeform: Shape 14">
-            <a:extLst>
-              <a:ext uri="{FF2B5EF4-FFF2-40B4-BE49-F238E27FC236}">
-                <a16:creationId xmlns:a16="http://schemas.microsoft.com/office/drawing/2014/main" id="{364F0BFC-4DF9-447D-8450-9101085C5177}"/>
-              </a:ext>
-            </a:extLst>
-          </p:cNvPr>
-          <p:cNvSpPr/>
-          <p:nvPr/>
-        </p:nvSpPr>
-        <p:spPr>
-          <a:xfrm>
-            <a:off x="1686725" y="1700140"/>
-            <a:ext cx="914400" cy="731520"/>
-          </a:xfrm>
-          <a:custGeom>
-            <a:avLst/>
-            <a:gdLst>
-              <a:gd name="connsiteX0" fmla="*/ 654096 w 1301518"/>
-              <a:gd name="connsiteY0" fmla="*/ 113466 h 1067913"/>
-              <a:gd name="connsiteX1" fmla="*/ 807608 w 1301518"/>
-              <a:gd name="connsiteY1" fmla="*/ 0 h 1067913"/>
-              <a:gd name="connsiteX2" fmla="*/ 1114633 w 1301518"/>
-              <a:gd name="connsiteY2" fmla="*/ 113466 h 1067913"/>
-              <a:gd name="connsiteX3" fmla="*/ 1301518 w 1301518"/>
-              <a:gd name="connsiteY3" fmla="*/ 413816 h 1067913"/>
-              <a:gd name="connsiteX4" fmla="*/ 1134657 w 1301518"/>
-              <a:gd name="connsiteY4" fmla="*/ 814284 h 1067913"/>
-              <a:gd name="connsiteX5" fmla="*/ 727515 w 1301518"/>
-              <a:gd name="connsiteY5" fmla="*/ 1067913 h 1067913"/>
-              <a:gd name="connsiteX6" fmla="*/ 473886 w 1301518"/>
-              <a:gd name="connsiteY6" fmla="*/ 820958 h 1067913"/>
-              <a:gd name="connsiteX7" fmla="*/ 160187 w 1301518"/>
-              <a:gd name="connsiteY7" fmla="*/ 694143 h 1067913"/>
-              <a:gd name="connsiteX8" fmla="*/ 0 w 1301518"/>
-              <a:gd name="connsiteY8" fmla="*/ 333723 h 1067913"/>
-              <a:gd name="connsiteX9" fmla="*/ 360420 w 1301518"/>
-              <a:gd name="connsiteY9" fmla="*/ 280327 h 1067913"/>
-              <a:gd name="connsiteX10" fmla="*/ 654096 w 1301518"/>
-              <a:gd name="connsiteY10" fmla="*/ 113466 h 1067913"/>
-            </a:gdLst>
-            <a:ahLst/>
-            <a:cxnLst>
-              <a:cxn ang="0">
-                <a:pos x="connsiteX0" y="connsiteY0"/>
-              </a:cxn>
-              <a:cxn ang="0">
-                <a:pos x="connsiteX1" y="connsiteY1"/>
-              </a:cxn>
-              <a:cxn ang="0">
-                <a:pos x="connsiteX2" y="connsiteY2"/>
-              </a:cxn>
-              <a:cxn ang="0">
-                <a:pos x="connsiteX3" y="connsiteY3"/>
-              </a:cxn>
-              <a:cxn ang="0">
-                <a:pos x="connsiteX4" y="connsiteY4"/>
-              </a:cxn>
-              <a:cxn ang="0">
-                <a:pos x="connsiteX5" y="connsiteY5"/>
-              </a:cxn>
-              <a:cxn ang="0">
-                <a:pos x="connsiteX6" y="connsiteY6"/>
-              </a:cxn>
-              <a:cxn ang="0">
-                <a:pos x="connsiteX7" y="connsiteY7"/>
-              </a:cxn>
-              <a:cxn ang="0">
-                <a:pos x="connsiteX8" y="connsiteY8"/>
-              </a:cxn>
-              <a:cxn ang="0">
-                <a:pos x="connsiteX9" y="connsiteY9"/>
-              </a:cxn>
-              <a:cxn ang="0">
-                <a:pos x="connsiteX10" y="connsiteY10"/>
-              </a:cxn>
-            </a:cxnLst>
-            <a:rect l="l" t="t" r="r" b="b"/>
-            <a:pathLst>
-              <a:path w="1301518" h="1067913">
-                <a:moveTo>
-                  <a:pt x="654096" y="113466"/>
-                </a:moveTo>
-                <a:lnTo>
-                  <a:pt x="807608" y="0"/>
-                </a:lnTo>
-                <a:lnTo>
-                  <a:pt x="1114633" y="113466"/>
-                </a:lnTo>
-                <a:lnTo>
-                  <a:pt x="1301518" y="413816"/>
-                </a:lnTo>
-                <a:lnTo>
-                  <a:pt x="1134657" y="814284"/>
-                </a:lnTo>
-                <a:lnTo>
-                  <a:pt x="727515" y="1067913"/>
-                </a:lnTo>
-                <a:lnTo>
-                  <a:pt x="473886" y="820958"/>
-                </a:lnTo>
-                <a:lnTo>
-                  <a:pt x="160187" y="694143"/>
-                </a:lnTo>
-                <a:lnTo>
-                  <a:pt x="0" y="333723"/>
-                </a:lnTo>
-                <a:lnTo>
-                  <a:pt x="360420" y="280327"/>
-                </a:lnTo>
-                <a:lnTo>
-                  <a:pt x="654096" y="113466"/>
-                </a:lnTo>
-                <a:close/>
-              </a:path>
-            </a:pathLst>
-          </a:custGeom>
-          <a:noFill/>
-          <a:ln w="22225">
-            <a:solidFill>
-              <a:srgbClr val="00008B"/>
-            </a:solidFill>
-          </a:ln>
-        </p:spPr>
-        <p:style>
-          <a:lnRef idx="2">
-            <a:schemeClr val="accent1">
-              <a:shade val="50000"/>
-            </a:schemeClr>
-          </a:lnRef>
-          <a:fillRef idx="1">
-            <a:schemeClr val="accent1"/>
-          </a:fillRef>
-          <a:effectRef idx="0">
-            <a:schemeClr val="accent1"/>
-          </a:effectRef>
-          <a:fontRef idx="minor">
-            <a:schemeClr val="lt1"/>
-          </a:fontRef>
-        </p:style>
-        <p:txBody>
-          <a:bodyPr rtlCol="0" anchor="ctr"/>
-          <a:lstStyle/>
-          <a:p>
-            <a:pPr algn="ctr"/>
-            <a:endParaRPr lang="en-US" sz="1100"/>
-          </a:p>
-        </p:txBody>
-      </p:sp>
-      <p:sp>
-        <p:nvSpPr>
-          <p:cNvPr id="17" name="Freeform: Shape 16">
-            <a:extLst>
-              <a:ext uri="{FF2B5EF4-FFF2-40B4-BE49-F238E27FC236}">
-                <a16:creationId xmlns:a16="http://schemas.microsoft.com/office/drawing/2014/main" id="{E9E1D1D6-1D8E-4CC9-ADFB-B6C2841046AA}"/>
-              </a:ext>
-            </a:extLst>
-          </p:cNvPr>
-          <p:cNvSpPr/>
-          <p:nvPr/>
-        </p:nvSpPr>
-        <p:spPr>
-          <a:xfrm>
-            <a:off x="5168134" y="1700140"/>
-            <a:ext cx="914400" cy="731520"/>
-          </a:xfrm>
-          <a:custGeom>
-            <a:avLst/>
-            <a:gdLst>
-              <a:gd name="connsiteX0" fmla="*/ 654096 w 1301518"/>
-              <a:gd name="connsiteY0" fmla="*/ 113466 h 1067913"/>
-              <a:gd name="connsiteX1" fmla="*/ 807608 w 1301518"/>
-              <a:gd name="connsiteY1" fmla="*/ 0 h 1067913"/>
-              <a:gd name="connsiteX2" fmla="*/ 1114633 w 1301518"/>
-              <a:gd name="connsiteY2" fmla="*/ 113466 h 1067913"/>
-              <a:gd name="connsiteX3" fmla="*/ 1301518 w 1301518"/>
-              <a:gd name="connsiteY3" fmla="*/ 413816 h 1067913"/>
-              <a:gd name="connsiteX4" fmla="*/ 1134657 w 1301518"/>
-              <a:gd name="connsiteY4" fmla="*/ 814284 h 1067913"/>
-              <a:gd name="connsiteX5" fmla="*/ 727515 w 1301518"/>
-              <a:gd name="connsiteY5" fmla="*/ 1067913 h 1067913"/>
-              <a:gd name="connsiteX6" fmla="*/ 473886 w 1301518"/>
-              <a:gd name="connsiteY6" fmla="*/ 820958 h 1067913"/>
-              <a:gd name="connsiteX7" fmla="*/ 160187 w 1301518"/>
-              <a:gd name="connsiteY7" fmla="*/ 694143 h 1067913"/>
-              <a:gd name="connsiteX8" fmla="*/ 0 w 1301518"/>
-              <a:gd name="connsiteY8" fmla="*/ 333723 h 1067913"/>
-              <a:gd name="connsiteX9" fmla="*/ 360420 w 1301518"/>
-              <a:gd name="connsiteY9" fmla="*/ 280327 h 1067913"/>
-              <a:gd name="connsiteX10" fmla="*/ 654096 w 1301518"/>
-              <a:gd name="connsiteY10" fmla="*/ 113466 h 1067913"/>
-            </a:gdLst>
-            <a:ahLst/>
-            <a:cxnLst>
-              <a:cxn ang="0">
-                <a:pos x="connsiteX0" y="connsiteY0"/>
-              </a:cxn>
-              <a:cxn ang="0">
-                <a:pos x="connsiteX1" y="connsiteY1"/>
-              </a:cxn>
-              <a:cxn ang="0">
-                <a:pos x="connsiteX2" y="connsiteY2"/>
-              </a:cxn>
-              <a:cxn ang="0">
-                <a:pos x="connsiteX3" y="connsiteY3"/>
-              </a:cxn>
-              <a:cxn ang="0">
-                <a:pos x="connsiteX4" y="connsiteY4"/>
-              </a:cxn>
-              <a:cxn ang="0">
-                <a:pos x="connsiteX5" y="connsiteY5"/>
-              </a:cxn>
-              <a:cxn ang="0">
-                <a:pos x="connsiteX6" y="connsiteY6"/>
-              </a:cxn>
-              <a:cxn ang="0">
-                <a:pos x="connsiteX7" y="connsiteY7"/>
-              </a:cxn>
-              <a:cxn ang="0">
-                <a:pos x="connsiteX8" y="connsiteY8"/>
-              </a:cxn>
-              <a:cxn ang="0">
-                <a:pos x="connsiteX9" y="connsiteY9"/>
-              </a:cxn>
-              <a:cxn ang="0">
-                <a:pos x="connsiteX10" y="connsiteY10"/>
-              </a:cxn>
-            </a:cxnLst>
-            <a:rect l="l" t="t" r="r" b="b"/>
-            <a:pathLst>
-              <a:path w="1301518" h="1067913">
-                <a:moveTo>
-                  <a:pt x="654096" y="113466"/>
-                </a:moveTo>
-                <a:lnTo>
-                  <a:pt x="807608" y="0"/>
-                </a:lnTo>
-                <a:lnTo>
-                  <a:pt x="1114633" y="113466"/>
-                </a:lnTo>
-                <a:lnTo>
-                  <a:pt x="1301518" y="413816"/>
-                </a:lnTo>
-                <a:lnTo>
-                  <a:pt x="1134657" y="814284"/>
-                </a:lnTo>
-                <a:lnTo>
-                  <a:pt x="727515" y="1067913"/>
-                </a:lnTo>
-                <a:lnTo>
-                  <a:pt x="473886" y="820958"/>
-                </a:lnTo>
-                <a:lnTo>
-                  <a:pt x="160187" y="694143"/>
-                </a:lnTo>
-                <a:lnTo>
-                  <a:pt x="0" y="333723"/>
-                </a:lnTo>
-                <a:lnTo>
-                  <a:pt x="360420" y="280327"/>
-                </a:lnTo>
-                <a:lnTo>
-                  <a:pt x="654096" y="113466"/>
-                </a:lnTo>
-                <a:close/>
-              </a:path>
-            </a:pathLst>
-          </a:custGeom>
-          <a:noFill/>
-          <a:ln w="22225"/>
-        </p:spPr>
-        <p:style>
-          <a:lnRef idx="2">
-            <a:schemeClr val="accent1">
-              <a:shade val="50000"/>
-            </a:schemeClr>
-          </a:lnRef>
-          <a:fillRef idx="1">
-            <a:schemeClr val="accent1"/>
-          </a:fillRef>
-          <a:effectRef idx="0">
-            <a:schemeClr val="accent1"/>
-          </a:effectRef>
-          <a:fontRef idx="minor">
-            <a:schemeClr val="lt1"/>
-          </a:fontRef>
-        </p:style>
-        <p:txBody>
-          <a:bodyPr rtlCol="0" anchor="ctr"/>
-          <a:lstStyle/>
-          <a:p>
-            <a:pPr algn="ctr"/>
-            <a:endParaRPr lang="en-US" sz="1100"/>
-          </a:p>
-        </p:txBody>
-      </p:sp>
-      <p:sp>
-        <p:nvSpPr>
-          <p:cNvPr id="19" name="Freeform: Shape 18">
-            <a:extLst>
-              <a:ext uri="{FF2B5EF4-FFF2-40B4-BE49-F238E27FC236}">
-                <a16:creationId xmlns:a16="http://schemas.microsoft.com/office/drawing/2014/main" id="{50611B56-33EC-45D0-B906-B855C8DDF2E9}"/>
-              </a:ext>
-            </a:extLst>
-          </p:cNvPr>
-          <p:cNvSpPr/>
-          <p:nvPr/>
-        </p:nvSpPr>
-        <p:spPr>
-          <a:xfrm>
-            <a:off x="1686725" y="2814279"/>
-            <a:ext cx="914400" cy="731520"/>
-          </a:xfrm>
-          <a:custGeom>
-            <a:avLst/>
-            <a:gdLst>
-              <a:gd name="connsiteX0" fmla="*/ 69668 w 836023"/>
-              <a:gd name="connsiteY0" fmla="*/ 862148 h 888274"/>
-              <a:gd name="connsiteX1" fmla="*/ 287383 w 836023"/>
-              <a:gd name="connsiteY1" fmla="*/ 670560 h 888274"/>
-              <a:gd name="connsiteX2" fmla="*/ 531223 w 836023"/>
-              <a:gd name="connsiteY2" fmla="*/ 888274 h 888274"/>
-              <a:gd name="connsiteX3" fmla="*/ 836023 w 836023"/>
-              <a:gd name="connsiteY3" fmla="*/ 740228 h 888274"/>
-              <a:gd name="connsiteX4" fmla="*/ 757645 w 836023"/>
-              <a:gd name="connsiteY4" fmla="*/ 426720 h 888274"/>
-              <a:gd name="connsiteX5" fmla="*/ 400594 w 836023"/>
-              <a:gd name="connsiteY5" fmla="*/ 148045 h 888274"/>
-              <a:gd name="connsiteX6" fmla="*/ 287383 w 836023"/>
-              <a:gd name="connsiteY6" fmla="*/ 0 h 888274"/>
-              <a:gd name="connsiteX7" fmla="*/ 113211 w 836023"/>
-              <a:gd name="connsiteY7" fmla="*/ 235131 h 888274"/>
-              <a:gd name="connsiteX8" fmla="*/ 0 w 836023"/>
-              <a:gd name="connsiteY8" fmla="*/ 566057 h 888274"/>
-              <a:gd name="connsiteX9" fmla="*/ 69668 w 836023"/>
-              <a:gd name="connsiteY9" fmla="*/ 862148 h 888274"/>
-            </a:gdLst>
-            <a:ahLst/>
-            <a:cxnLst>
-              <a:cxn ang="0">
-                <a:pos x="connsiteX0" y="connsiteY0"/>
-              </a:cxn>
-              <a:cxn ang="0">
-                <a:pos x="connsiteX1" y="connsiteY1"/>
-              </a:cxn>
-              <a:cxn ang="0">
-                <a:pos x="connsiteX2" y="connsiteY2"/>
-              </a:cxn>
-              <a:cxn ang="0">
-                <a:pos x="connsiteX3" y="connsiteY3"/>
-              </a:cxn>
-              <a:cxn ang="0">
-                <a:pos x="connsiteX4" y="connsiteY4"/>
-              </a:cxn>
-              <a:cxn ang="0">
-                <a:pos x="connsiteX5" y="connsiteY5"/>
-              </a:cxn>
-              <a:cxn ang="0">
-                <a:pos x="connsiteX6" y="connsiteY6"/>
-              </a:cxn>
-              <a:cxn ang="0">
-                <a:pos x="connsiteX7" y="connsiteY7"/>
-              </a:cxn>
-              <a:cxn ang="0">
-                <a:pos x="connsiteX8" y="connsiteY8"/>
-              </a:cxn>
-              <a:cxn ang="0">
-                <a:pos x="connsiteX9" y="connsiteY9"/>
-              </a:cxn>
-            </a:cxnLst>
-            <a:rect l="l" t="t" r="r" b="b"/>
-            <a:pathLst>
-              <a:path w="836023" h="888274">
-                <a:moveTo>
-                  <a:pt x="69668" y="862148"/>
-                </a:moveTo>
-                <a:lnTo>
-                  <a:pt x="287383" y="670560"/>
-                </a:lnTo>
-                <a:lnTo>
-                  <a:pt x="531223" y="888274"/>
-                </a:lnTo>
-                <a:lnTo>
-                  <a:pt x="836023" y="740228"/>
-                </a:lnTo>
-                <a:lnTo>
-                  <a:pt x="757645" y="426720"/>
-                </a:lnTo>
-                <a:lnTo>
-                  <a:pt x="400594" y="148045"/>
-                </a:lnTo>
-                <a:lnTo>
-                  <a:pt x="287383" y="0"/>
-                </a:lnTo>
-                <a:lnTo>
-                  <a:pt x="113211" y="235131"/>
-                </a:lnTo>
-                <a:lnTo>
-                  <a:pt x="0" y="566057"/>
-                </a:lnTo>
-                <a:lnTo>
-                  <a:pt x="69668" y="862148"/>
-                </a:lnTo>
-                <a:close/>
-              </a:path>
-            </a:pathLst>
-          </a:custGeom>
-          <a:noFill/>
-          <a:ln w="22225">
-            <a:solidFill>
-              <a:srgbClr val="00008B"/>
-            </a:solidFill>
-          </a:ln>
-        </p:spPr>
-        <p:style>
-          <a:lnRef idx="2">
-            <a:schemeClr val="accent1">
-              <a:shade val="50000"/>
-            </a:schemeClr>
-          </a:lnRef>
-          <a:fillRef idx="1">
-            <a:schemeClr val="accent1"/>
-          </a:fillRef>
-          <a:effectRef idx="0">
-            <a:schemeClr val="accent1"/>
-          </a:effectRef>
-          <a:fontRef idx="minor">
-            <a:schemeClr val="lt1"/>
-          </a:fontRef>
-        </p:style>
-        <p:txBody>
-          <a:bodyPr rtlCol="0" anchor="ctr"/>
-          <a:lstStyle/>
-          <a:p>
-            <a:pPr algn="ctr"/>
-            <a:endParaRPr lang="en-US" sz="1100"/>
-          </a:p>
-        </p:txBody>
-      </p:sp>
-      <p:sp>
-        <p:nvSpPr>
-          <p:cNvPr id="20" name="Freeform: Shape 19">
-            <a:extLst>
-              <a:ext uri="{FF2B5EF4-FFF2-40B4-BE49-F238E27FC236}">
-                <a16:creationId xmlns:a16="http://schemas.microsoft.com/office/drawing/2014/main" id="{2C863259-D288-4427-A5DA-64C647A8BA5E}"/>
-              </a:ext>
-            </a:extLst>
-          </p:cNvPr>
-          <p:cNvSpPr/>
-          <p:nvPr/>
-        </p:nvSpPr>
-        <p:spPr>
-          <a:xfrm>
-            <a:off x="3427429" y="2814279"/>
-            <a:ext cx="914400" cy="731520"/>
-          </a:xfrm>
-          <a:custGeom>
-            <a:avLst/>
-            <a:gdLst>
-              <a:gd name="connsiteX0" fmla="*/ 69668 w 836023"/>
-              <a:gd name="connsiteY0" fmla="*/ 862148 h 888274"/>
-              <a:gd name="connsiteX1" fmla="*/ 287383 w 836023"/>
-              <a:gd name="connsiteY1" fmla="*/ 670560 h 888274"/>
-              <a:gd name="connsiteX2" fmla="*/ 531223 w 836023"/>
-              <a:gd name="connsiteY2" fmla="*/ 888274 h 888274"/>
-              <a:gd name="connsiteX3" fmla="*/ 836023 w 836023"/>
-              <a:gd name="connsiteY3" fmla="*/ 740228 h 888274"/>
-              <a:gd name="connsiteX4" fmla="*/ 757645 w 836023"/>
-              <a:gd name="connsiteY4" fmla="*/ 426720 h 888274"/>
-              <a:gd name="connsiteX5" fmla="*/ 400594 w 836023"/>
-              <a:gd name="connsiteY5" fmla="*/ 148045 h 888274"/>
-              <a:gd name="connsiteX6" fmla="*/ 287383 w 836023"/>
-              <a:gd name="connsiteY6" fmla="*/ 0 h 888274"/>
-              <a:gd name="connsiteX7" fmla="*/ 113211 w 836023"/>
-              <a:gd name="connsiteY7" fmla="*/ 235131 h 888274"/>
-              <a:gd name="connsiteX8" fmla="*/ 0 w 836023"/>
-              <a:gd name="connsiteY8" fmla="*/ 566057 h 888274"/>
-              <a:gd name="connsiteX9" fmla="*/ 69668 w 836023"/>
-              <a:gd name="connsiteY9" fmla="*/ 862148 h 888274"/>
-            </a:gdLst>
-            <a:ahLst/>
-            <a:cxnLst>
-              <a:cxn ang="0">
-                <a:pos x="connsiteX0" y="connsiteY0"/>
-              </a:cxn>
-              <a:cxn ang="0">
-                <a:pos x="connsiteX1" y="connsiteY1"/>
-              </a:cxn>
-              <a:cxn ang="0">
-                <a:pos x="connsiteX2" y="connsiteY2"/>
-              </a:cxn>
-              <a:cxn ang="0">
-                <a:pos x="connsiteX3" y="connsiteY3"/>
-              </a:cxn>
-              <a:cxn ang="0">
-                <a:pos x="connsiteX4" y="connsiteY4"/>
-              </a:cxn>
-              <a:cxn ang="0">
-                <a:pos x="connsiteX5" y="connsiteY5"/>
-              </a:cxn>
-              <a:cxn ang="0">
-                <a:pos x="connsiteX6" y="connsiteY6"/>
-              </a:cxn>
-              <a:cxn ang="0">
-                <a:pos x="connsiteX7" y="connsiteY7"/>
-              </a:cxn>
-              <a:cxn ang="0">
-                <a:pos x="connsiteX8" y="connsiteY8"/>
-              </a:cxn>
-              <a:cxn ang="0">
-                <a:pos x="connsiteX9" y="connsiteY9"/>
-              </a:cxn>
-            </a:cxnLst>
-            <a:rect l="l" t="t" r="r" b="b"/>
-            <a:pathLst>
-              <a:path w="836023" h="888274">
-                <a:moveTo>
-                  <a:pt x="69668" y="862148"/>
-                </a:moveTo>
-                <a:lnTo>
-                  <a:pt x="287383" y="670560"/>
-                </a:lnTo>
-                <a:lnTo>
-                  <a:pt x="531223" y="888274"/>
-                </a:lnTo>
-                <a:lnTo>
-                  <a:pt x="836023" y="740228"/>
-                </a:lnTo>
-                <a:lnTo>
-                  <a:pt x="757645" y="426720"/>
-                </a:lnTo>
-                <a:lnTo>
-                  <a:pt x="400594" y="148045"/>
-                </a:lnTo>
-                <a:lnTo>
-                  <a:pt x="287383" y="0"/>
-                </a:lnTo>
-                <a:lnTo>
-                  <a:pt x="113211" y="235131"/>
-                </a:lnTo>
-                <a:lnTo>
-                  <a:pt x="0" y="566057"/>
-                </a:lnTo>
-                <a:lnTo>
-                  <a:pt x="69668" y="862148"/>
-                </a:lnTo>
-                <a:close/>
-              </a:path>
-            </a:pathLst>
-          </a:custGeom>
-          <a:noFill/>
-          <a:ln w="22225">
-            <a:solidFill>
-              <a:srgbClr val="00008B"/>
-            </a:solidFill>
-          </a:ln>
-        </p:spPr>
-        <p:style>
-          <a:lnRef idx="2">
-            <a:schemeClr val="accent1">
-              <a:shade val="50000"/>
-            </a:schemeClr>
-          </a:lnRef>
-          <a:fillRef idx="1">
-            <a:schemeClr val="accent1"/>
-          </a:fillRef>
-          <a:effectRef idx="0">
-            <a:schemeClr val="accent1"/>
-          </a:effectRef>
-          <a:fontRef idx="minor">
-            <a:schemeClr val="lt1"/>
-          </a:fontRef>
-        </p:style>
-        <p:txBody>
-          <a:bodyPr rtlCol="0" anchor="ctr"/>
-          <a:lstStyle/>
-          <a:p>
-            <a:pPr algn="ctr"/>
-            <a:endParaRPr lang="en-US" sz="1100"/>
-          </a:p>
-        </p:txBody>
-      </p:sp>
-      <p:sp>
-        <p:nvSpPr>
-          <p:cNvPr id="21" name="Freeform: Shape 20">
-            <a:extLst>
-              <a:ext uri="{FF2B5EF4-FFF2-40B4-BE49-F238E27FC236}">
-                <a16:creationId xmlns:a16="http://schemas.microsoft.com/office/drawing/2014/main" id="{562B3502-CD93-41AA-AC03-E1E62B619144}"/>
-              </a:ext>
-            </a:extLst>
-          </p:cNvPr>
-          <p:cNvSpPr/>
-          <p:nvPr/>
-        </p:nvSpPr>
-        <p:spPr>
-          <a:xfrm>
-            <a:off x="5168134" y="2814279"/>
-            <a:ext cx="914400" cy="731520"/>
-          </a:xfrm>
-          <a:custGeom>
-            <a:avLst/>
-            <a:gdLst>
-              <a:gd name="connsiteX0" fmla="*/ 69668 w 836023"/>
-              <a:gd name="connsiteY0" fmla="*/ 862148 h 888274"/>
-              <a:gd name="connsiteX1" fmla="*/ 287383 w 836023"/>
-              <a:gd name="connsiteY1" fmla="*/ 670560 h 888274"/>
-              <a:gd name="connsiteX2" fmla="*/ 531223 w 836023"/>
-              <a:gd name="connsiteY2" fmla="*/ 888274 h 888274"/>
-              <a:gd name="connsiteX3" fmla="*/ 836023 w 836023"/>
-              <a:gd name="connsiteY3" fmla="*/ 740228 h 888274"/>
-              <a:gd name="connsiteX4" fmla="*/ 757645 w 836023"/>
-              <a:gd name="connsiteY4" fmla="*/ 426720 h 888274"/>
-              <a:gd name="connsiteX5" fmla="*/ 400594 w 836023"/>
-              <a:gd name="connsiteY5" fmla="*/ 148045 h 888274"/>
-              <a:gd name="connsiteX6" fmla="*/ 287383 w 836023"/>
-              <a:gd name="connsiteY6" fmla="*/ 0 h 888274"/>
-              <a:gd name="connsiteX7" fmla="*/ 113211 w 836023"/>
-              <a:gd name="connsiteY7" fmla="*/ 235131 h 888274"/>
-              <a:gd name="connsiteX8" fmla="*/ 0 w 836023"/>
-              <a:gd name="connsiteY8" fmla="*/ 566057 h 888274"/>
-              <a:gd name="connsiteX9" fmla="*/ 69668 w 836023"/>
-              <a:gd name="connsiteY9" fmla="*/ 862148 h 888274"/>
-            </a:gdLst>
-            <a:ahLst/>
-            <a:cxnLst>
-              <a:cxn ang="0">
-                <a:pos x="connsiteX0" y="connsiteY0"/>
-              </a:cxn>
-              <a:cxn ang="0">
-                <a:pos x="connsiteX1" y="connsiteY1"/>
-              </a:cxn>
-              <a:cxn ang="0">
-                <a:pos x="connsiteX2" y="connsiteY2"/>
-              </a:cxn>
-              <a:cxn ang="0">
-                <a:pos x="connsiteX3" y="connsiteY3"/>
-              </a:cxn>
-              <a:cxn ang="0">
-                <a:pos x="connsiteX4" y="connsiteY4"/>
-              </a:cxn>
-              <a:cxn ang="0">
-                <a:pos x="connsiteX5" y="connsiteY5"/>
-              </a:cxn>
-              <a:cxn ang="0">
-                <a:pos x="connsiteX6" y="connsiteY6"/>
-              </a:cxn>
-              <a:cxn ang="0">
-                <a:pos x="connsiteX7" y="connsiteY7"/>
-              </a:cxn>
-              <a:cxn ang="0">
-                <a:pos x="connsiteX8" y="connsiteY8"/>
-              </a:cxn>
-              <a:cxn ang="0">
-                <a:pos x="connsiteX9" y="connsiteY9"/>
-              </a:cxn>
-            </a:cxnLst>
-            <a:rect l="l" t="t" r="r" b="b"/>
-            <a:pathLst>
-              <a:path w="836023" h="888274">
-                <a:moveTo>
-                  <a:pt x="69668" y="862148"/>
-                </a:moveTo>
-                <a:lnTo>
-                  <a:pt x="287383" y="670560"/>
-                </a:lnTo>
-                <a:lnTo>
-                  <a:pt x="531223" y="888274"/>
-                </a:lnTo>
-                <a:lnTo>
-                  <a:pt x="836023" y="740228"/>
-                </a:lnTo>
-                <a:lnTo>
-                  <a:pt x="757645" y="426720"/>
-                </a:lnTo>
-                <a:lnTo>
-                  <a:pt x="400594" y="148045"/>
-                </a:lnTo>
-                <a:lnTo>
-                  <a:pt x="287383" y="0"/>
-                </a:lnTo>
-                <a:lnTo>
-                  <a:pt x="113211" y="235131"/>
-                </a:lnTo>
-                <a:lnTo>
-                  <a:pt x="0" y="566057"/>
-                </a:lnTo>
-                <a:lnTo>
-                  <a:pt x="69668" y="862148"/>
-                </a:lnTo>
-                <a:close/>
-              </a:path>
-            </a:pathLst>
-          </a:custGeom>
-          <a:noFill/>
-          <a:ln w="22225">
-            <a:solidFill>
-              <a:srgbClr val="00008B"/>
-            </a:solidFill>
-          </a:ln>
-        </p:spPr>
-        <p:style>
-          <a:lnRef idx="2">
-            <a:schemeClr val="accent1">
-              <a:shade val="50000"/>
-            </a:schemeClr>
-          </a:lnRef>
-          <a:fillRef idx="1">
-            <a:schemeClr val="accent1"/>
-          </a:fillRef>
-          <a:effectRef idx="0">
-            <a:schemeClr val="accent1"/>
-          </a:effectRef>
-          <a:fontRef idx="minor">
-            <a:schemeClr val="lt1"/>
-          </a:fontRef>
-        </p:style>
-        <p:txBody>
-          <a:bodyPr rtlCol="0" anchor="ctr"/>
-          <a:lstStyle/>
-          <a:p>
-            <a:pPr algn="ctr"/>
-            <a:endParaRPr lang="en-US" sz="1100"/>
           </a:p>
         </p:txBody>
       </p:sp>
@@ -4508,7 +4258,7 @@
         </p:nvCxnSpPr>
         <p:spPr>
           <a:xfrm>
-            <a:off x="1362907" y="3792903"/>
+            <a:off x="1362907" y="3874881"/>
             <a:ext cx="5332576" cy="0"/>
           </a:xfrm>
           <a:prstGeom prst="line">
@@ -4535,12 +4285,1241 @@
           </a:fontRef>
         </p:style>
       </p:cxnSp>
+      <p:sp>
+        <p:nvSpPr>
+          <p:cNvPr id="46" name="TextBox 45">
+            <a:extLst>
+              <a:ext uri="{FF2B5EF4-FFF2-40B4-BE49-F238E27FC236}">
+                <a16:creationId xmlns:a16="http://schemas.microsoft.com/office/drawing/2014/main" id="{C3A20179-B135-43EF-8DAB-9E7F9E30EB7E}"/>
+              </a:ext>
+            </a:extLst>
+          </p:cNvPr>
+          <p:cNvSpPr txBox="1"/>
+          <p:nvPr/>
+        </p:nvSpPr>
+        <p:spPr>
+          <a:xfrm>
+            <a:off x="1598293" y="3917530"/>
+            <a:ext cx="1176925" cy="646331"/>
+          </a:xfrm>
+          <a:prstGeom prst="rect">
+            <a:avLst/>
+          </a:prstGeom>
+          <a:noFill/>
+        </p:spPr>
+        <p:txBody>
+          <a:bodyPr wrap="none" rtlCol="0">
+            <a:spAutoFit/>
+          </a:bodyPr>
+          <a:lstStyle/>
+          <a:p>
+            <a:r>
+              <a:rPr lang="en-US" sz="1200" dirty="0">
+                <a:latin typeface="Roboto Condensed" panose="02000000000000000000" pitchFamily="2" charset="0"/>
+                <a:ea typeface="Roboto Condensed" panose="02000000000000000000" pitchFamily="2" charset="0"/>
+              </a:rPr>
+              <a:t>mean z-scores =</a:t>
+            </a:r>
+          </a:p>
+          <a:p>
+            <a:r>
+              <a:rPr lang="en-US" sz="1200" dirty="0" err="1">
+                <a:latin typeface="Roboto Condensed" panose="02000000000000000000" pitchFamily="2" charset="0"/>
+                <a:ea typeface="Roboto Condensed" panose="02000000000000000000" pitchFamily="2" charset="0"/>
+              </a:rPr>
+              <a:t>s.d.</a:t>
+            </a:r>
+            <a:r>
+              <a:rPr lang="en-US" sz="1200" dirty="0">
+                <a:latin typeface="Roboto Condensed" panose="02000000000000000000" pitchFamily="2" charset="0"/>
+                <a:ea typeface="Roboto Condensed" panose="02000000000000000000" pitchFamily="2" charset="0"/>
+              </a:rPr>
+              <a:t> z-scores =</a:t>
+            </a:r>
+          </a:p>
+          <a:p>
+            <a:r>
+              <a:rPr lang="en-US" sz="1200" dirty="0">
+                <a:latin typeface="Roboto Condensed" panose="02000000000000000000" pitchFamily="2" charset="0"/>
+                <a:ea typeface="Roboto Condensed" panose="02000000000000000000" pitchFamily="2" charset="0"/>
+              </a:rPr>
+              <a:t>n = 3</a:t>
+            </a:r>
+          </a:p>
+        </p:txBody>
+      </p:sp>
+      <p:sp>
+        <p:nvSpPr>
+          <p:cNvPr id="47" name="TextBox 46">
+            <a:extLst>
+              <a:ext uri="{FF2B5EF4-FFF2-40B4-BE49-F238E27FC236}">
+                <a16:creationId xmlns:a16="http://schemas.microsoft.com/office/drawing/2014/main" id="{FE0C46E8-9AEC-473D-A4E5-7E175F91BEBD}"/>
+              </a:ext>
+            </a:extLst>
+          </p:cNvPr>
+          <p:cNvSpPr txBox="1"/>
+          <p:nvPr/>
+        </p:nvSpPr>
+        <p:spPr>
+          <a:xfrm>
+            <a:off x="3340004" y="3917530"/>
+            <a:ext cx="1176925" cy="646331"/>
+          </a:xfrm>
+          <a:prstGeom prst="rect">
+            <a:avLst/>
+          </a:prstGeom>
+          <a:noFill/>
+        </p:spPr>
+        <p:txBody>
+          <a:bodyPr wrap="none" rtlCol="0">
+            <a:spAutoFit/>
+          </a:bodyPr>
+          <a:lstStyle/>
+          <a:p>
+            <a:r>
+              <a:rPr lang="en-US" sz="1200" dirty="0">
+                <a:latin typeface="Roboto Condensed" panose="02000000000000000000" pitchFamily="2" charset="0"/>
+                <a:ea typeface="Roboto Condensed" panose="02000000000000000000" pitchFamily="2" charset="0"/>
+              </a:rPr>
+              <a:t>mean z-scores =</a:t>
+            </a:r>
+          </a:p>
+          <a:p>
+            <a:r>
+              <a:rPr lang="en-US" sz="1200" dirty="0" err="1">
+                <a:latin typeface="Roboto Condensed" panose="02000000000000000000" pitchFamily="2" charset="0"/>
+                <a:ea typeface="Roboto Condensed" panose="02000000000000000000" pitchFamily="2" charset="0"/>
+              </a:rPr>
+              <a:t>s.d.</a:t>
+            </a:r>
+            <a:r>
+              <a:rPr lang="en-US" sz="1200" dirty="0">
+                <a:latin typeface="Roboto Condensed" panose="02000000000000000000" pitchFamily="2" charset="0"/>
+                <a:ea typeface="Roboto Condensed" panose="02000000000000000000" pitchFamily="2" charset="0"/>
+              </a:rPr>
+              <a:t> z-scores =</a:t>
+            </a:r>
+          </a:p>
+          <a:p>
+            <a:r>
+              <a:rPr lang="en-US" sz="1200" dirty="0">
+                <a:latin typeface="Roboto Condensed" panose="02000000000000000000" pitchFamily="2" charset="0"/>
+                <a:ea typeface="Roboto Condensed" panose="02000000000000000000" pitchFamily="2" charset="0"/>
+              </a:rPr>
+              <a:t>n = 2</a:t>
+            </a:r>
+          </a:p>
+        </p:txBody>
+      </p:sp>
+      <p:sp>
+        <p:nvSpPr>
+          <p:cNvPr id="48" name="TextBox 47">
+            <a:extLst>
+              <a:ext uri="{FF2B5EF4-FFF2-40B4-BE49-F238E27FC236}">
+                <a16:creationId xmlns:a16="http://schemas.microsoft.com/office/drawing/2014/main" id="{643CB40A-4BCF-4B4D-8D89-F0145DFA33D3}"/>
+              </a:ext>
+            </a:extLst>
+          </p:cNvPr>
+          <p:cNvSpPr txBox="1"/>
+          <p:nvPr/>
+        </p:nvSpPr>
+        <p:spPr>
+          <a:xfrm>
+            <a:off x="5262301" y="3917530"/>
+            <a:ext cx="1176925" cy="646331"/>
+          </a:xfrm>
+          <a:prstGeom prst="rect">
+            <a:avLst/>
+          </a:prstGeom>
+          <a:noFill/>
+        </p:spPr>
+        <p:txBody>
+          <a:bodyPr wrap="none" rtlCol="0">
+            <a:spAutoFit/>
+          </a:bodyPr>
+          <a:lstStyle/>
+          <a:p>
+            <a:r>
+              <a:rPr lang="en-US" sz="1200" dirty="0">
+                <a:latin typeface="Roboto Condensed" panose="02000000000000000000" pitchFamily="2" charset="0"/>
+                <a:ea typeface="Roboto Condensed" panose="02000000000000000000" pitchFamily="2" charset="0"/>
+              </a:rPr>
+              <a:t>mean z-scores =</a:t>
+            </a:r>
+          </a:p>
+          <a:p>
+            <a:r>
+              <a:rPr lang="en-US" sz="1200" dirty="0" err="1">
+                <a:latin typeface="Roboto Condensed" panose="02000000000000000000" pitchFamily="2" charset="0"/>
+                <a:ea typeface="Roboto Condensed" panose="02000000000000000000" pitchFamily="2" charset="0"/>
+              </a:rPr>
+              <a:t>s.d.</a:t>
+            </a:r>
+            <a:r>
+              <a:rPr lang="en-US" sz="1200" dirty="0">
+                <a:latin typeface="Roboto Condensed" panose="02000000000000000000" pitchFamily="2" charset="0"/>
+                <a:ea typeface="Roboto Condensed" panose="02000000000000000000" pitchFamily="2" charset="0"/>
+              </a:rPr>
+              <a:t> =</a:t>
+            </a:r>
+          </a:p>
+          <a:p>
+            <a:r>
+              <a:rPr lang="en-US" sz="1200" dirty="0">
+                <a:latin typeface="Roboto Condensed" panose="02000000000000000000" pitchFamily="2" charset="0"/>
+                <a:ea typeface="Roboto Condensed" panose="02000000000000000000" pitchFamily="2" charset="0"/>
+              </a:rPr>
+              <a:t>n = 3</a:t>
+            </a:r>
+          </a:p>
+        </p:txBody>
+      </p:sp>
+      <p:sp>
+        <p:nvSpPr>
+          <p:cNvPr id="53" name="TextBox 52">
+            <a:extLst>
+              <a:ext uri="{FF2B5EF4-FFF2-40B4-BE49-F238E27FC236}">
+                <a16:creationId xmlns:a16="http://schemas.microsoft.com/office/drawing/2014/main" id="{63E96BA2-DCBA-4505-BDD2-C510302C3B6B}"/>
+              </a:ext>
+            </a:extLst>
+          </p:cNvPr>
+          <p:cNvSpPr txBox="1"/>
+          <p:nvPr/>
+        </p:nvSpPr>
+        <p:spPr>
+          <a:xfrm>
+            <a:off x="1477499" y="595267"/>
+            <a:ext cx="447558" cy="769441"/>
+          </a:xfrm>
+          <a:prstGeom prst="rect">
+            <a:avLst/>
+          </a:prstGeom>
+          <a:noFill/>
+        </p:spPr>
+        <p:txBody>
+          <a:bodyPr wrap="none" rtlCol="0">
+            <a:spAutoFit/>
+          </a:bodyPr>
+          <a:lstStyle/>
+          <a:p>
+            <a:pPr algn="ctr"/>
+            <a:r>
+              <a:rPr lang="en-US" sz="1100" b="1" dirty="0"/>
+              <a:t>data</a:t>
+            </a:r>
+          </a:p>
+          <a:p>
+            <a:pPr algn="ctr"/>
+            <a:r>
+              <a:rPr lang="en-US" sz="1100" dirty="0"/>
+              <a:t>5</a:t>
+            </a:r>
+          </a:p>
+          <a:p>
+            <a:pPr algn="ctr"/>
+            <a:r>
+              <a:rPr lang="en-US" sz="1100" dirty="0"/>
+              <a:t>4</a:t>
+            </a:r>
+          </a:p>
+          <a:p>
+            <a:pPr algn="ctr"/>
+            <a:r>
+              <a:rPr lang="en-US" sz="1100" dirty="0"/>
+              <a:t>8</a:t>
+            </a:r>
+          </a:p>
+        </p:txBody>
+      </p:sp>
+      <p:sp>
+        <p:nvSpPr>
+          <p:cNvPr id="78" name="TextBox 77">
+            <a:extLst>
+              <a:ext uri="{FF2B5EF4-FFF2-40B4-BE49-F238E27FC236}">
+                <a16:creationId xmlns:a16="http://schemas.microsoft.com/office/drawing/2014/main" id="{7C7F0A6A-CADA-4A85-A1AB-018058996648}"/>
+              </a:ext>
+            </a:extLst>
+          </p:cNvPr>
+          <p:cNvSpPr txBox="1"/>
+          <p:nvPr/>
+        </p:nvSpPr>
+        <p:spPr>
+          <a:xfrm>
+            <a:off x="107753" y="3892735"/>
+            <a:ext cx="1293944" cy="584775"/>
+          </a:xfrm>
+          <a:prstGeom prst="rect">
+            <a:avLst/>
+          </a:prstGeom>
+          <a:noFill/>
+        </p:spPr>
+        <p:txBody>
+          <a:bodyPr wrap="none" rtlCol="0">
+            <a:spAutoFit/>
+          </a:bodyPr>
+          <a:lstStyle/>
+          <a:p>
+            <a:pPr algn="ctr"/>
+            <a:r>
+              <a:rPr lang="en-US" sz="1600" dirty="0">
+                <a:latin typeface="Roboto Condensed" panose="02000000000000000000" pitchFamily="2" charset="0"/>
+                <a:ea typeface="Roboto Condensed" panose="02000000000000000000" pitchFamily="2" charset="0"/>
+              </a:rPr>
+              <a:t>Yearly</a:t>
+            </a:r>
+          </a:p>
+          <a:p>
+            <a:pPr algn="ctr"/>
+            <a:r>
+              <a:rPr lang="en-US" sz="1600" dirty="0">
+                <a:latin typeface="Roboto Condensed" panose="02000000000000000000" pitchFamily="2" charset="0"/>
+                <a:ea typeface="Roboto Condensed" panose="02000000000000000000" pitchFamily="2" charset="0"/>
+              </a:rPr>
+              <a:t>Avg. Z-scores</a:t>
+            </a:r>
+          </a:p>
+        </p:txBody>
+      </p:sp>
+      <p:sp>
+        <p:nvSpPr>
+          <p:cNvPr id="2" name="Rectangle 1">
+            <a:extLst>
+              <a:ext uri="{FF2B5EF4-FFF2-40B4-BE49-F238E27FC236}">
+                <a16:creationId xmlns:a16="http://schemas.microsoft.com/office/drawing/2014/main" id="{6C56BEAB-01BB-4A01-9A49-8F5AF03418B2}"/>
+              </a:ext>
+            </a:extLst>
+          </p:cNvPr>
+          <p:cNvSpPr/>
+          <p:nvPr/>
+        </p:nvSpPr>
+        <p:spPr>
+          <a:xfrm>
+            <a:off x="1461318" y="537118"/>
+            <a:ext cx="463740" cy="1005840"/>
+          </a:xfrm>
+          <a:prstGeom prst="rect">
+            <a:avLst/>
+          </a:prstGeom>
+          <a:noFill/>
+          <a:ln w="28575">
+            <a:solidFill>
+              <a:srgbClr val="00008B"/>
+            </a:solidFill>
+          </a:ln>
+        </p:spPr>
+        <p:style>
+          <a:lnRef idx="2">
+            <a:schemeClr val="accent1">
+              <a:shade val="50000"/>
+            </a:schemeClr>
+          </a:lnRef>
+          <a:fillRef idx="1">
+            <a:schemeClr val="accent1"/>
+          </a:fillRef>
+          <a:effectRef idx="0">
+            <a:schemeClr val="accent1"/>
+          </a:effectRef>
+          <a:fontRef idx="minor">
+            <a:schemeClr val="lt1"/>
+          </a:fontRef>
+        </p:style>
+        <p:txBody>
+          <a:bodyPr rtlCol="0" anchor="ctr"/>
+          <a:lstStyle/>
+          <a:p>
+            <a:pPr algn="ctr"/>
+            <a:endParaRPr lang="en-US"/>
+          </a:p>
+        </p:txBody>
+      </p:sp>
+      <p:sp>
+        <p:nvSpPr>
+          <p:cNvPr id="49" name="Rectangle 48">
+            <a:extLst>
+              <a:ext uri="{FF2B5EF4-FFF2-40B4-BE49-F238E27FC236}">
+                <a16:creationId xmlns:a16="http://schemas.microsoft.com/office/drawing/2014/main" id="{C0EDB5EE-0710-4F80-A28A-F28C8344FD08}"/>
+              </a:ext>
+            </a:extLst>
+          </p:cNvPr>
+          <p:cNvSpPr/>
+          <p:nvPr/>
+        </p:nvSpPr>
+        <p:spPr>
+          <a:xfrm>
+            <a:off x="3401608" y="533374"/>
+            <a:ext cx="463740" cy="1005840"/>
+          </a:xfrm>
+          <a:prstGeom prst="rect">
+            <a:avLst/>
+          </a:prstGeom>
+          <a:noFill/>
+          <a:ln w="28575">
+            <a:solidFill>
+              <a:srgbClr val="00008B"/>
+            </a:solidFill>
+          </a:ln>
+        </p:spPr>
+        <p:style>
+          <a:lnRef idx="2">
+            <a:schemeClr val="accent1">
+              <a:shade val="50000"/>
+            </a:schemeClr>
+          </a:lnRef>
+          <a:fillRef idx="1">
+            <a:schemeClr val="accent1"/>
+          </a:fillRef>
+          <a:effectRef idx="0">
+            <a:schemeClr val="accent1"/>
+          </a:effectRef>
+          <a:fontRef idx="minor">
+            <a:schemeClr val="lt1"/>
+          </a:fontRef>
+        </p:style>
+        <p:txBody>
+          <a:bodyPr rtlCol="0" anchor="ctr"/>
+          <a:lstStyle/>
+          <a:p>
+            <a:pPr algn="ctr"/>
+            <a:endParaRPr lang="en-US"/>
+          </a:p>
+        </p:txBody>
+      </p:sp>
+      <p:sp>
+        <p:nvSpPr>
+          <p:cNvPr id="50" name="Rectangle 49">
+            <a:extLst>
+              <a:ext uri="{FF2B5EF4-FFF2-40B4-BE49-F238E27FC236}">
+                <a16:creationId xmlns:a16="http://schemas.microsoft.com/office/drawing/2014/main" id="{EEC9AD62-41CA-446F-BF69-BDDBB3D2CEF9}"/>
+              </a:ext>
+            </a:extLst>
+          </p:cNvPr>
+          <p:cNvSpPr/>
+          <p:nvPr/>
+        </p:nvSpPr>
+        <p:spPr>
+          <a:xfrm>
+            <a:off x="5080003" y="537431"/>
+            <a:ext cx="431374" cy="1005840"/>
+          </a:xfrm>
+          <a:prstGeom prst="rect">
+            <a:avLst/>
+          </a:prstGeom>
+          <a:noFill/>
+          <a:ln w="28575">
+            <a:solidFill>
+              <a:srgbClr val="00008B"/>
+            </a:solidFill>
+          </a:ln>
+        </p:spPr>
+        <p:style>
+          <a:lnRef idx="2">
+            <a:schemeClr val="accent1">
+              <a:shade val="50000"/>
+            </a:schemeClr>
+          </a:lnRef>
+          <a:fillRef idx="1">
+            <a:schemeClr val="accent1"/>
+          </a:fillRef>
+          <a:effectRef idx="0">
+            <a:schemeClr val="accent1"/>
+          </a:effectRef>
+          <a:fontRef idx="minor">
+            <a:schemeClr val="lt1"/>
+          </a:fontRef>
+        </p:style>
+        <p:txBody>
+          <a:bodyPr rtlCol="0" anchor="ctr"/>
+          <a:lstStyle/>
+          <a:p>
+            <a:pPr algn="ctr"/>
+            <a:endParaRPr lang="en-US"/>
+          </a:p>
+        </p:txBody>
+      </p:sp>
+      <p:sp>
+        <p:nvSpPr>
+          <p:cNvPr id="80" name="TextBox 79">
+            <a:extLst>
+              <a:ext uri="{FF2B5EF4-FFF2-40B4-BE49-F238E27FC236}">
+                <a16:creationId xmlns:a16="http://schemas.microsoft.com/office/drawing/2014/main" id="{BABACCD6-1B99-4874-97AD-46FFA87B7A11}"/>
+              </a:ext>
+            </a:extLst>
+          </p:cNvPr>
+          <p:cNvSpPr txBox="1"/>
+          <p:nvPr/>
+        </p:nvSpPr>
+        <p:spPr>
+          <a:xfrm>
+            <a:off x="3401606" y="610844"/>
+            <a:ext cx="447558" cy="769441"/>
+          </a:xfrm>
+          <a:prstGeom prst="rect">
+            <a:avLst/>
+          </a:prstGeom>
+          <a:noFill/>
+        </p:spPr>
+        <p:txBody>
+          <a:bodyPr wrap="none" rtlCol="0">
+            <a:spAutoFit/>
+          </a:bodyPr>
+          <a:lstStyle/>
+          <a:p>
+            <a:pPr algn="ctr"/>
+            <a:r>
+              <a:rPr lang="en-US" sz="1100" b="1" dirty="0"/>
+              <a:t>data</a:t>
+            </a:r>
+            <a:endParaRPr lang="en-US" sz="1100" dirty="0"/>
+          </a:p>
+          <a:p>
+            <a:pPr algn="ctr"/>
+            <a:r>
+              <a:rPr lang="en-US" sz="1100" dirty="0"/>
+              <a:t>6</a:t>
+            </a:r>
+          </a:p>
+          <a:p>
+            <a:pPr algn="ctr"/>
+            <a:r>
+              <a:rPr lang="en-US" sz="1100" dirty="0"/>
+              <a:t>9</a:t>
+            </a:r>
+          </a:p>
+          <a:p>
+            <a:pPr algn="ctr"/>
+            <a:r>
+              <a:rPr lang="en-US" sz="1100" dirty="0"/>
+              <a:t>6</a:t>
+            </a:r>
+          </a:p>
+        </p:txBody>
+      </p:sp>
+      <p:sp>
+        <p:nvSpPr>
+          <p:cNvPr id="81" name="Rectangle 80">
+            <a:extLst>
+              <a:ext uri="{FF2B5EF4-FFF2-40B4-BE49-F238E27FC236}">
+                <a16:creationId xmlns:a16="http://schemas.microsoft.com/office/drawing/2014/main" id="{F39017AD-7EFE-4788-926C-4E6BD37E1114}"/>
+              </a:ext>
+            </a:extLst>
+          </p:cNvPr>
+          <p:cNvSpPr/>
+          <p:nvPr/>
+        </p:nvSpPr>
+        <p:spPr>
+          <a:xfrm>
+            <a:off x="1461318" y="1657479"/>
+            <a:ext cx="463740" cy="1005840"/>
+          </a:xfrm>
+          <a:prstGeom prst="rect">
+            <a:avLst/>
+          </a:prstGeom>
+          <a:noFill/>
+          <a:ln w="28575">
+            <a:solidFill>
+              <a:srgbClr val="8B0000"/>
+            </a:solidFill>
+          </a:ln>
+        </p:spPr>
+        <p:style>
+          <a:lnRef idx="2">
+            <a:schemeClr val="accent1">
+              <a:shade val="50000"/>
+            </a:schemeClr>
+          </a:lnRef>
+          <a:fillRef idx="1">
+            <a:schemeClr val="accent1"/>
+          </a:fillRef>
+          <a:effectRef idx="0">
+            <a:schemeClr val="accent1"/>
+          </a:effectRef>
+          <a:fontRef idx="minor">
+            <a:schemeClr val="lt1"/>
+          </a:fontRef>
+        </p:style>
+        <p:txBody>
+          <a:bodyPr rtlCol="0" anchor="ctr"/>
+          <a:lstStyle/>
+          <a:p>
+            <a:pPr algn="ctr"/>
+            <a:endParaRPr lang="en-US"/>
+          </a:p>
+        </p:txBody>
+      </p:sp>
+      <p:sp>
+        <p:nvSpPr>
+          <p:cNvPr id="82" name="Rectangle 81">
+            <a:extLst>
+              <a:ext uri="{FF2B5EF4-FFF2-40B4-BE49-F238E27FC236}">
+                <a16:creationId xmlns:a16="http://schemas.microsoft.com/office/drawing/2014/main" id="{CDFC8B0C-23AC-4D1D-8897-C149BC512D91}"/>
+              </a:ext>
+            </a:extLst>
+          </p:cNvPr>
+          <p:cNvSpPr/>
+          <p:nvPr/>
+        </p:nvSpPr>
+        <p:spPr>
+          <a:xfrm>
+            <a:off x="5110202" y="1635758"/>
+            <a:ext cx="447558" cy="1005840"/>
+          </a:xfrm>
+          <a:prstGeom prst="rect">
+            <a:avLst/>
+          </a:prstGeom>
+          <a:noFill/>
+          <a:ln w="28575">
+            <a:solidFill>
+              <a:srgbClr val="8B0000"/>
+            </a:solidFill>
+          </a:ln>
+        </p:spPr>
+        <p:style>
+          <a:lnRef idx="2">
+            <a:schemeClr val="accent1">
+              <a:shade val="50000"/>
+            </a:schemeClr>
+          </a:lnRef>
+          <a:fillRef idx="1">
+            <a:schemeClr val="accent1"/>
+          </a:fillRef>
+          <a:effectRef idx="0">
+            <a:schemeClr val="accent1"/>
+          </a:effectRef>
+          <a:fontRef idx="minor">
+            <a:schemeClr val="lt1"/>
+          </a:fontRef>
+        </p:style>
+        <p:txBody>
+          <a:bodyPr rtlCol="0" anchor="ctr"/>
+          <a:lstStyle/>
+          <a:p>
+            <a:pPr algn="ctr"/>
+            <a:endParaRPr lang="en-US"/>
+          </a:p>
+        </p:txBody>
+      </p:sp>
+      <p:sp>
+        <p:nvSpPr>
+          <p:cNvPr id="83" name="Rectangle 82">
+            <a:extLst>
+              <a:ext uri="{FF2B5EF4-FFF2-40B4-BE49-F238E27FC236}">
+                <a16:creationId xmlns:a16="http://schemas.microsoft.com/office/drawing/2014/main" id="{6AF7727E-D979-4AF2-B823-FEC2C43106C3}"/>
+              </a:ext>
+            </a:extLst>
+          </p:cNvPr>
+          <p:cNvSpPr/>
+          <p:nvPr/>
+        </p:nvSpPr>
+        <p:spPr>
+          <a:xfrm>
+            <a:off x="1462370" y="2783170"/>
+            <a:ext cx="462687" cy="1005840"/>
+          </a:xfrm>
+          <a:prstGeom prst="rect">
+            <a:avLst/>
+          </a:prstGeom>
+          <a:noFill/>
+          <a:ln w="28575">
+            <a:solidFill>
+              <a:srgbClr val="8B8B8B"/>
+            </a:solidFill>
+          </a:ln>
+        </p:spPr>
+        <p:style>
+          <a:lnRef idx="2">
+            <a:schemeClr val="accent1">
+              <a:shade val="50000"/>
+            </a:schemeClr>
+          </a:lnRef>
+          <a:fillRef idx="1">
+            <a:schemeClr val="accent1"/>
+          </a:fillRef>
+          <a:effectRef idx="0">
+            <a:schemeClr val="accent1"/>
+          </a:effectRef>
+          <a:fontRef idx="minor">
+            <a:schemeClr val="lt1"/>
+          </a:fontRef>
+        </p:style>
+        <p:txBody>
+          <a:bodyPr rtlCol="0" anchor="ctr"/>
+          <a:lstStyle/>
+          <a:p>
+            <a:pPr algn="ctr"/>
+            <a:endParaRPr lang="en-US"/>
+          </a:p>
+        </p:txBody>
+      </p:sp>
+      <p:sp>
+        <p:nvSpPr>
+          <p:cNvPr id="84" name="Rectangle 83">
+            <a:extLst>
+              <a:ext uri="{FF2B5EF4-FFF2-40B4-BE49-F238E27FC236}">
+                <a16:creationId xmlns:a16="http://schemas.microsoft.com/office/drawing/2014/main" id="{8D9D8415-31BE-4B84-9ED3-ACBA082148FF}"/>
+              </a:ext>
+            </a:extLst>
+          </p:cNvPr>
+          <p:cNvSpPr/>
+          <p:nvPr/>
+        </p:nvSpPr>
+        <p:spPr>
+          <a:xfrm>
+            <a:off x="3308815" y="2783483"/>
+            <a:ext cx="556533" cy="1005840"/>
+          </a:xfrm>
+          <a:prstGeom prst="rect">
+            <a:avLst/>
+          </a:prstGeom>
+          <a:noFill/>
+          <a:ln w="28575">
+            <a:solidFill>
+              <a:srgbClr val="8B8B8B"/>
+            </a:solidFill>
+          </a:ln>
+        </p:spPr>
+        <p:style>
+          <a:lnRef idx="2">
+            <a:schemeClr val="accent1">
+              <a:shade val="50000"/>
+            </a:schemeClr>
+          </a:lnRef>
+          <a:fillRef idx="1">
+            <a:schemeClr val="accent1"/>
+          </a:fillRef>
+          <a:effectRef idx="0">
+            <a:schemeClr val="accent1"/>
+          </a:effectRef>
+          <a:fontRef idx="minor">
+            <a:schemeClr val="lt1"/>
+          </a:fontRef>
+        </p:style>
+        <p:txBody>
+          <a:bodyPr rtlCol="0" anchor="ctr"/>
+          <a:lstStyle/>
+          <a:p>
+            <a:pPr algn="ctr"/>
+            <a:endParaRPr lang="en-US"/>
+          </a:p>
+        </p:txBody>
+      </p:sp>
+      <p:sp>
+        <p:nvSpPr>
+          <p:cNvPr id="85" name="Rectangle 84">
+            <a:extLst>
+              <a:ext uri="{FF2B5EF4-FFF2-40B4-BE49-F238E27FC236}">
+                <a16:creationId xmlns:a16="http://schemas.microsoft.com/office/drawing/2014/main" id="{F54E2C3C-8529-4FCE-8673-6F1BA0A6F945}"/>
+              </a:ext>
+            </a:extLst>
+          </p:cNvPr>
+          <p:cNvSpPr/>
+          <p:nvPr/>
+        </p:nvSpPr>
+        <p:spPr>
+          <a:xfrm>
+            <a:off x="5081056" y="2783483"/>
+            <a:ext cx="476704" cy="1005840"/>
+          </a:xfrm>
+          <a:prstGeom prst="rect">
+            <a:avLst/>
+          </a:prstGeom>
+          <a:noFill/>
+          <a:ln w="28575">
+            <a:solidFill>
+              <a:srgbClr val="8B8B8B"/>
+            </a:solidFill>
+          </a:ln>
+        </p:spPr>
+        <p:style>
+          <a:lnRef idx="2">
+            <a:schemeClr val="accent1">
+              <a:shade val="50000"/>
+            </a:schemeClr>
+          </a:lnRef>
+          <a:fillRef idx="1">
+            <a:schemeClr val="accent1"/>
+          </a:fillRef>
+          <a:effectRef idx="0">
+            <a:schemeClr val="accent1"/>
+          </a:effectRef>
+          <a:fontRef idx="minor">
+            <a:schemeClr val="lt1"/>
+          </a:fontRef>
+        </p:style>
+        <p:txBody>
+          <a:bodyPr rtlCol="0" anchor="ctr"/>
+          <a:lstStyle/>
+          <a:p>
+            <a:pPr algn="ctr"/>
+            <a:endParaRPr lang="en-US"/>
+          </a:p>
+        </p:txBody>
+      </p:sp>
+      <p:sp>
+        <p:nvSpPr>
+          <p:cNvPr id="86" name="TextBox 85">
+            <a:extLst>
+              <a:ext uri="{FF2B5EF4-FFF2-40B4-BE49-F238E27FC236}">
+                <a16:creationId xmlns:a16="http://schemas.microsoft.com/office/drawing/2014/main" id="{E1E5A249-457C-4295-B7A8-24C6887E5DB6}"/>
+              </a:ext>
+            </a:extLst>
+          </p:cNvPr>
+          <p:cNvSpPr txBox="1"/>
+          <p:nvPr/>
+        </p:nvSpPr>
+        <p:spPr>
+          <a:xfrm>
+            <a:off x="5063819" y="594075"/>
+            <a:ext cx="447558" cy="769441"/>
+          </a:xfrm>
+          <a:prstGeom prst="rect">
+            <a:avLst/>
+          </a:prstGeom>
+          <a:noFill/>
+        </p:spPr>
+        <p:txBody>
+          <a:bodyPr wrap="none" rtlCol="0">
+            <a:spAutoFit/>
+          </a:bodyPr>
+          <a:lstStyle/>
+          <a:p>
+            <a:pPr algn="ctr"/>
+            <a:r>
+              <a:rPr lang="en-US" sz="1100" b="1" dirty="0"/>
+              <a:t>data</a:t>
+            </a:r>
+            <a:endParaRPr lang="en-US" sz="1100" dirty="0"/>
+          </a:p>
+          <a:p>
+            <a:pPr algn="ctr"/>
+            <a:r>
+              <a:rPr lang="en-US" sz="1100" dirty="0"/>
+              <a:t>8</a:t>
+            </a:r>
+          </a:p>
+          <a:p>
+            <a:pPr algn="ctr"/>
+            <a:r>
+              <a:rPr lang="en-US" sz="1100" dirty="0"/>
+              <a:t>9</a:t>
+            </a:r>
+          </a:p>
+          <a:p>
+            <a:pPr algn="ctr"/>
+            <a:endParaRPr lang="en-US" sz="1100" dirty="0"/>
+          </a:p>
+        </p:txBody>
+      </p:sp>
+      <p:sp>
+        <p:nvSpPr>
+          <p:cNvPr id="87" name="TextBox 86">
+            <a:extLst>
+              <a:ext uri="{FF2B5EF4-FFF2-40B4-BE49-F238E27FC236}">
+                <a16:creationId xmlns:a16="http://schemas.microsoft.com/office/drawing/2014/main" id="{A034A73A-A55A-42EC-B37B-966CBCF31C03}"/>
+              </a:ext>
+            </a:extLst>
+          </p:cNvPr>
+          <p:cNvSpPr txBox="1"/>
+          <p:nvPr/>
+        </p:nvSpPr>
+        <p:spPr>
+          <a:xfrm>
+            <a:off x="1455376" y="1724600"/>
+            <a:ext cx="447558" cy="938719"/>
+          </a:xfrm>
+          <a:prstGeom prst="rect">
+            <a:avLst/>
+          </a:prstGeom>
+          <a:noFill/>
+        </p:spPr>
+        <p:txBody>
+          <a:bodyPr wrap="none" rtlCol="0">
+            <a:spAutoFit/>
+          </a:bodyPr>
+          <a:lstStyle/>
+          <a:p>
+            <a:pPr algn="ctr"/>
+            <a:r>
+              <a:rPr lang="en-US" sz="1100" b="1" dirty="0"/>
+              <a:t>data</a:t>
+            </a:r>
+            <a:endParaRPr lang="en-US" sz="1100" dirty="0"/>
+          </a:p>
+          <a:p>
+            <a:pPr algn="ctr"/>
+            <a:r>
+              <a:rPr lang="en-US" sz="1100" dirty="0"/>
+              <a:t>2</a:t>
+            </a:r>
+          </a:p>
+          <a:p>
+            <a:pPr algn="ctr"/>
+            <a:r>
+              <a:rPr lang="en-US" sz="1100" dirty="0"/>
+              <a:t>3</a:t>
+            </a:r>
+          </a:p>
+          <a:p>
+            <a:pPr algn="ctr"/>
+            <a:r>
+              <a:rPr lang="en-US" sz="1100" dirty="0"/>
+              <a:t>3</a:t>
+            </a:r>
+          </a:p>
+          <a:p>
+            <a:pPr algn="ctr"/>
+            <a:r>
+              <a:rPr lang="en-US" sz="1100" dirty="0"/>
+              <a:t>4</a:t>
+            </a:r>
+          </a:p>
+        </p:txBody>
+      </p:sp>
+      <p:sp>
+        <p:nvSpPr>
+          <p:cNvPr id="88" name="TextBox 87">
+            <a:extLst>
+              <a:ext uri="{FF2B5EF4-FFF2-40B4-BE49-F238E27FC236}">
+                <a16:creationId xmlns:a16="http://schemas.microsoft.com/office/drawing/2014/main" id="{74124756-EDDB-4411-B0B1-AE91317ADB06}"/>
+              </a:ext>
+            </a:extLst>
+          </p:cNvPr>
+          <p:cNvSpPr txBox="1"/>
+          <p:nvPr/>
+        </p:nvSpPr>
+        <p:spPr>
+          <a:xfrm>
+            <a:off x="5088078" y="1744553"/>
+            <a:ext cx="447558" cy="769441"/>
+          </a:xfrm>
+          <a:prstGeom prst="rect">
+            <a:avLst/>
+          </a:prstGeom>
+          <a:noFill/>
+        </p:spPr>
+        <p:txBody>
+          <a:bodyPr wrap="none" rtlCol="0">
+            <a:spAutoFit/>
+          </a:bodyPr>
+          <a:lstStyle/>
+          <a:p>
+            <a:pPr algn="ctr"/>
+            <a:r>
+              <a:rPr lang="en-US" sz="1100" b="1" dirty="0"/>
+              <a:t>data</a:t>
+            </a:r>
+            <a:endParaRPr lang="en-US" sz="1100" dirty="0"/>
+          </a:p>
+          <a:p>
+            <a:pPr algn="ctr"/>
+            <a:r>
+              <a:rPr lang="en-US" sz="1100" dirty="0"/>
+              <a:t>4</a:t>
+            </a:r>
+          </a:p>
+          <a:p>
+            <a:pPr algn="ctr"/>
+            <a:r>
+              <a:rPr lang="en-US" sz="1100" dirty="0"/>
+              <a:t>3</a:t>
+            </a:r>
+          </a:p>
+          <a:p>
+            <a:pPr algn="ctr"/>
+            <a:r>
+              <a:rPr lang="en-US" sz="1100" dirty="0"/>
+              <a:t>6</a:t>
+            </a:r>
+          </a:p>
+        </p:txBody>
+      </p:sp>
+      <p:sp>
+        <p:nvSpPr>
+          <p:cNvPr id="89" name="TextBox 88">
+            <a:extLst>
+              <a:ext uri="{FF2B5EF4-FFF2-40B4-BE49-F238E27FC236}">
+                <a16:creationId xmlns:a16="http://schemas.microsoft.com/office/drawing/2014/main" id="{6CF321B7-0F90-4E94-A936-D5DA116AA7C8}"/>
+              </a:ext>
+            </a:extLst>
+          </p:cNvPr>
+          <p:cNvSpPr txBox="1"/>
+          <p:nvPr/>
+        </p:nvSpPr>
+        <p:spPr>
+          <a:xfrm>
+            <a:off x="1462370" y="2783170"/>
+            <a:ext cx="447558" cy="600164"/>
+          </a:xfrm>
+          <a:prstGeom prst="rect">
+            <a:avLst/>
+          </a:prstGeom>
+          <a:noFill/>
+        </p:spPr>
+        <p:txBody>
+          <a:bodyPr wrap="none" rtlCol="0">
+            <a:spAutoFit/>
+          </a:bodyPr>
+          <a:lstStyle/>
+          <a:p>
+            <a:pPr algn="ctr"/>
+            <a:r>
+              <a:rPr lang="en-US" sz="1100" b="1" dirty="0"/>
+              <a:t>data</a:t>
+            </a:r>
+            <a:endParaRPr lang="en-US" sz="1100" dirty="0"/>
+          </a:p>
+          <a:p>
+            <a:pPr algn="ctr"/>
+            <a:r>
+              <a:rPr lang="en-US" sz="1100" dirty="0"/>
+              <a:t>11</a:t>
+            </a:r>
+          </a:p>
+          <a:p>
+            <a:pPr algn="ctr"/>
+            <a:r>
+              <a:rPr lang="en-US" sz="1100" dirty="0"/>
+              <a:t>15</a:t>
+            </a:r>
+          </a:p>
+        </p:txBody>
+      </p:sp>
+      <p:sp>
+        <p:nvSpPr>
+          <p:cNvPr id="91" name="TextBox 90">
+            <a:extLst>
+              <a:ext uri="{FF2B5EF4-FFF2-40B4-BE49-F238E27FC236}">
+                <a16:creationId xmlns:a16="http://schemas.microsoft.com/office/drawing/2014/main" id="{681872E3-21D0-4CBB-A121-49398BAA84F9}"/>
+              </a:ext>
+            </a:extLst>
+          </p:cNvPr>
+          <p:cNvSpPr txBox="1"/>
+          <p:nvPr/>
+        </p:nvSpPr>
+        <p:spPr>
+          <a:xfrm>
+            <a:off x="3293686" y="2855203"/>
+            <a:ext cx="447558" cy="430887"/>
+          </a:xfrm>
+          <a:prstGeom prst="rect">
+            <a:avLst/>
+          </a:prstGeom>
+          <a:noFill/>
+        </p:spPr>
+        <p:txBody>
+          <a:bodyPr wrap="none" rtlCol="0">
+            <a:spAutoFit/>
+          </a:bodyPr>
+          <a:lstStyle/>
+          <a:p>
+            <a:pPr algn="ctr"/>
+            <a:r>
+              <a:rPr lang="en-US" sz="1100" b="1" dirty="0"/>
+              <a:t>data</a:t>
+            </a:r>
+            <a:endParaRPr lang="en-US" sz="1100" dirty="0"/>
+          </a:p>
+          <a:p>
+            <a:pPr algn="ctr"/>
+            <a:r>
+              <a:rPr lang="en-US" sz="1100" dirty="0"/>
+              <a:t>14</a:t>
+            </a:r>
+          </a:p>
+        </p:txBody>
+      </p:sp>
+      <p:sp>
+        <p:nvSpPr>
+          <p:cNvPr id="92" name="TextBox 91">
+            <a:extLst>
+              <a:ext uri="{FF2B5EF4-FFF2-40B4-BE49-F238E27FC236}">
+                <a16:creationId xmlns:a16="http://schemas.microsoft.com/office/drawing/2014/main" id="{B10AF8BC-C583-4B94-BD50-8605C7C27D69}"/>
+              </a:ext>
+            </a:extLst>
+          </p:cNvPr>
+          <p:cNvSpPr txBox="1"/>
+          <p:nvPr/>
+        </p:nvSpPr>
+        <p:spPr>
+          <a:xfrm>
+            <a:off x="5101588" y="2848676"/>
+            <a:ext cx="447558" cy="769441"/>
+          </a:xfrm>
+          <a:prstGeom prst="rect">
+            <a:avLst/>
+          </a:prstGeom>
+          <a:noFill/>
+        </p:spPr>
+        <p:txBody>
+          <a:bodyPr wrap="none" rtlCol="0">
+            <a:spAutoFit/>
+          </a:bodyPr>
+          <a:lstStyle/>
+          <a:p>
+            <a:pPr algn="ctr"/>
+            <a:r>
+              <a:rPr lang="en-US" sz="1100" b="1" dirty="0"/>
+              <a:t>data</a:t>
+            </a:r>
+            <a:endParaRPr lang="en-US" sz="1100" dirty="0"/>
+          </a:p>
+          <a:p>
+            <a:pPr algn="ctr"/>
+            <a:r>
+              <a:rPr lang="en-US" sz="1100" dirty="0"/>
+              <a:t>10</a:t>
+            </a:r>
+          </a:p>
+          <a:p>
+            <a:pPr algn="ctr"/>
+            <a:r>
+              <a:rPr lang="en-US" sz="1100" dirty="0"/>
+              <a:t>12</a:t>
+            </a:r>
+          </a:p>
+          <a:p>
+            <a:pPr algn="ctr"/>
+            <a:r>
+              <a:rPr lang="en-US" sz="1100" dirty="0"/>
+              <a:t>9</a:t>
+            </a:r>
+          </a:p>
+        </p:txBody>
+      </p:sp>
+      <p:sp>
+        <p:nvSpPr>
+          <p:cNvPr id="93" name="TextBox 92">
+            <a:extLst>
+              <a:ext uri="{FF2B5EF4-FFF2-40B4-BE49-F238E27FC236}">
+                <a16:creationId xmlns:a16="http://schemas.microsoft.com/office/drawing/2014/main" id="{03EC8AA9-91BF-4941-9103-3A491FE76F10}"/>
+              </a:ext>
+            </a:extLst>
+          </p:cNvPr>
+          <p:cNvSpPr txBox="1"/>
+          <p:nvPr/>
+        </p:nvSpPr>
+        <p:spPr>
+          <a:xfrm>
+            <a:off x="1902674" y="519265"/>
+            <a:ext cx="1316386" cy="430887"/>
+          </a:xfrm>
+          <a:prstGeom prst="rect">
+            <a:avLst/>
+          </a:prstGeom>
+          <a:noFill/>
+        </p:spPr>
+        <p:txBody>
+          <a:bodyPr wrap="none" rtlCol="0">
+            <a:spAutoFit/>
+          </a:bodyPr>
+          <a:lstStyle/>
+          <a:p>
+            <a:pPr algn="ctr"/>
+            <a:r>
+              <a:rPr lang="en-US" sz="1100" b="1" dirty="0"/>
+              <a:t>Site and Year mean</a:t>
+            </a:r>
+          </a:p>
+          <a:p>
+            <a:pPr algn="ctr"/>
+            <a:r>
+              <a:rPr lang="en-US" sz="1100" dirty="0"/>
+              <a:t>5.67</a:t>
+            </a:r>
+          </a:p>
+        </p:txBody>
+      </p:sp>
+      <p:sp>
+        <p:nvSpPr>
+          <p:cNvPr id="94" name="TextBox 93">
+            <a:extLst>
+              <a:ext uri="{FF2B5EF4-FFF2-40B4-BE49-F238E27FC236}">
+                <a16:creationId xmlns:a16="http://schemas.microsoft.com/office/drawing/2014/main" id="{61A07EEC-C58A-4746-AFA6-B9F5F0F9B7DA}"/>
+              </a:ext>
+            </a:extLst>
+          </p:cNvPr>
+          <p:cNvSpPr txBox="1"/>
+          <p:nvPr/>
+        </p:nvSpPr>
+        <p:spPr>
+          <a:xfrm>
+            <a:off x="3837706" y="538208"/>
+            <a:ext cx="1316386" cy="430887"/>
+          </a:xfrm>
+          <a:prstGeom prst="rect">
+            <a:avLst/>
+          </a:prstGeom>
+          <a:noFill/>
+        </p:spPr>
+        <p:txBody>
+          <a:bodyPr wrap="none" rtlCol="0">
+            <a:spAutoFit/>
+          </a:bodyPr>
+          <a:lstStyle/>
+          <a:p>
+            <a:pPr algn="ctr"/>
+            <a:r>
+              <a:rPr lang="en-US" sz="1100" b="1" dirty="0"/>
+              <a:t>Site and Year mean</a:t>
+            </a:r>
+          </a:p>
+          <a:p>
+            <a:pPr algn="ctr"/>
+            <a:r>
+              <a:rPr lang="en-US" sz="1100" dirty="0"/>
+              <a:t>7</a:t>
+            </a:r>
+          </a:p>
+        </p:txBody>
+      </p:sp>
+      <p:sp>
+        <p:nvSpPr>
+          <p:cNvPr id="95" name="TextBox 94">
+            <a:extLst>
+              <a:ext uri="{FF2B5EF4-FFF2-40B4-BE49-F238E27FC236}">
+                <a16:creationId xmlns:a16="http://schemas.microsoft.com/office/drawing/2014/main" id="{32EA453E-9F8A-4E1A-89B3-C467B5B9351E}"/>
+              </a:ext>
+            </a:extLst>
+          </p:cNvPr>
+          <p:cNvSpPr txBox="1"/>
+          <p:nvPr/>
+        </p:nvSpPr>
+        <p:spPr>
+          <a:xfrm>
+            <a:off x="5507986" y="545411"/>
+            <a:ext cx="1316386" cy="430887"/>
+          </a:xfrm>
+          <a:prstGeom prst="rect">
+            <a:avLst/>
+          </a:prstGeom>
+          <a:noFill/>
+        </p:spPr>
+        <p:txBody>
+          <a:bodyPr wrap="none" rtlCol="0">
+            <a:spAutoFit/>
+          </a:bodyPr>
+          <a:lstStyle/>
+          <a:p>
+            <a:pPr algn="ctr"/>
+            <a:r>
+              <a:rPr lang="en-US" sz="1100" b="1" dirty="0"/>
+              <a:t>Site and Year mean</a:t>
+            </a:r>
+          </a:p>
+          <a:p>
+            <a:pPr algn="ctr"/>
+            <a:r>
+              <a:rPr lang="en-US" sz="1100" dirty="0"/>
+              <a:t>8.5</a:t>
+            </a:r>
+          </a:p>
+        </p:txBody>
+      </p:sp>
       <p:grpSp>
         <p:nvGrpSpPr>
-          <p:cNvPr id="45" name="Group 44">
+          <p:cNvPr id="23" name="Group 22">
             <a:extLst>
               <a:ext uri="{FF2B5EF4-FFF2-40B4-BE49-F238E27FC236}">
-                <a16:creationId xmlns:a16="http://schemas.microsoft.com/office/drawing/2014/main" id="{0D0D1B79-89F5-444E-9CA2-EA796D509836}"/>
+                <a16:creationId xmlns:a16="http://schemas.microsoft.com/office/drawing/2014/main" id="{012324FA-EF9B-4B6E-A9A9-942BC520FAB7}"/>
               </a:ext>
             </a:extLst>
           </p:cNvPr>
@@ -4549,18 +5528,18 @@
         </p:nvGrpSpPr>
         <p:grpSpPr>
           <a:xfrm>
-            <a:off x="1814642" y="3917530"/>
-            <a:ext cx="4065635" cy="646331"/>
-            <a:chOff x="1807524" y="39156"/>
-            <a:chExt cx="4065635" cy="646331"/>
+            <a:off x="1939490" y="943625"/>
+            <a:ext cx="1337206" cy="600164"/>
+            <a:chOff x="1939490" y="943625"/>
+            <a:chExt cx="1337206" cy="600164"/>
           </a:xfrm>
         </p:grpSpPr>
         <p:sp>
           <p:nvSpPr>
-            <p:cNvPr id="46" name="TextBox 45">
+            <p:cNvPr id="96" name="TextBox 95">
               <a:extLst>
                 <a:ext uri="{FF2B5EF4-FFF2-40B4-BE49-F238E27FC236}">
-                  <a16:creationId xmlns:a16="http://schemas.microsoft.com/office/drawing/2014/main" id="{C3A20179-B135-43EF-8DAB-9E7F9E30EB7E}"/>
+                  <a16:creationId xmlns:a16="http://schemas.microsoft.com/office/drawing/2014/main" id="{14BCB8E2-1C0D-4D5E-BD48-91628AB4E5F4}"/>
                 </a:ext>
               </a:extLst>
             </p:cNvPr>
@@ -4569,8 +5548,8 @@
           </p:nvSpPr>
           <p:spPr>
             <a:xfrm>
-              <a:off x="1807524" y="39156"/>
-              <a:ext cx="628698" cy="646331"/>
+              <a:off x="1939490" y="943625"/>
+              <a:ext cx="909223" cy="600164"/>
             </a:xfrm>
             <a:prstGeom prst="rect">
               <a:avLst/>
@@ -4583,47 +5562,34 @@
             </a:bodyPr>
             <a:lstStyle/>
             <a:p>
+              <a:pPr algn="ctr"/>
               <a:r>
-                <a:rPr lang="en-US" sz="1200" dirty="0">
-                  <a:latin typeface="Roboto Condensed" panose="02000000000000000000" pitchFamily="2" charset="0"/>
-                  <a:ea typeface="Roboto Condensed" panose="02000000000000000000" pitchFamily="2" charset="0"/>
-                </a:rPr>
-                <a:t>mean =</a:t>
+                <a:rPr lang="en-US" sz="1100" b="1" dirty="0"/>
+                <a:t>Z-score</a:t>
               </a:r>
             </a:p>
             <a:p>
+              <a:pPr algn="ctr"/>
               <a:r>
-                <a:rPr lang="en-US" sz="1200" dirty="0" err="1">
-                  <a:latin typeface="Roboto Condensed" panose="02000000000000000000" pitchFamily="2" charset="0"/>
-                  <a:ea typeface="Roboto Condensed" panose="02000000000000000000" pitchFamily="2" charset="0"/>
-                </a:rPr>
-                <a:t>s.d.</a:t>
+                <a:rPr lang="en-US" sz="1100" dirty="0"/>
+                <a:t>(5.67 – 7.06)</a:t>
               </a:r>
+              <a:br>
+                <a:rPr lang="en-US" sz="1100" dirty="0"/>
+              </a:br>
               <a:r>
-                <a:rPr lang="en-US" sz="1200" dirty="0">
-                  <a:latin typeface="Roboto Condensed" panose="02000000000000000000" pitchFamily="2" charset="0"/>
-                  <a:ea typeface="Roboto Condensed" panose="02000000000000000000" pitchFamily="2" charset="0"/>
-                </a:rPr>
-                <a:t> =</a:t>
-              </a:r>
-            </a:p>
-            <a:p>
-              <a:r>
-                <a:rPr lang="en-US" sz="1200" dirty="0">
-                  <a:latin typeface="Roboto Condensed" panose="02000000000000000000" pitchFamily="2" charset="0"/>
-                  <a:ea typeface="Roboto Condensed" panose="02000000000000000000" pitchFamily="2" charset="0"/>
-                </a:rPr>
-                <a:t>n = 3</a:t>
+                <a:rPr lang="en-US" sz="1100" dirty="0"/>
+                <a:t>1.42 </a:t>
               </a:r>
             </a:p>
           </p:txBody>
         </p:sp>
         <p:sp>
           <p:nvSpPr>
-            <p:cNvPr id="47" name="TextBox 46">
+            <p:cNvPr id="99" name="TextBox 98">
               <a:extLst>
                 <a:ext uri="{FF2B5EF4-FFF2-40B4-BE49-F238E27FC236}">
-                  <a16:creationId xmlns:a16="http://schemas.microsoft.com/office/drawing/2014/main" id="{FE0C46E8-9AEC-473D-A4E5-7E175F91BEBD}"/>
+                  <a16:creationId xmlns:a16="http://schemas.microsoft.com/office/drawing/2014/main" id="{ED7EA899-0709-42ED-84BF-F2B0DF1CCC30}"/>
                 </a:ext>
               </a:extLst>
             </p:cNvPr>
@@ -4632,8 +5598,8 @@
           </p:nvSpPr>
           <p:spPr>
             <a:xfrm>
-              <a:off x="3525993" y="39156"/>
-              <a:ext cx="628698" cy="646331"/>
+              <a:off x="2694484" y="1180089"/>
+              <a:ext cx="582212" cy="261610"/>
             </a:xfrm>
             <a:prstGeom prst="rect">
               <a:avLst/>
@@ -4646,47 +5612,86 @@
             </a:bodyPr>
             <a:lstStyle/>
             <a:p>
+              <a:pPr algn="ctr"/>
               <a:r>
-                <a:rPr lang="en-US" sz="1200" dirty="0">
-                  <a:latin typeface="Roboto Condensed" panose="02000000000000000000" pitchFamily="2" charset="0"/>
-                  <a:ea typeface="Roboto Condensed" panose="02000000000000000000" pitchFamily="2" charset="0"/>
-                </a:rPr>
-                <a:t>mean =</a:t>
-              </a:r>
-            </a:p>
-            <a:p>
-              <a:r>
-                <a:rPr lang="en-US" sz="1200" dirty="0" err="1">
-                  <a:latin typeface="Roboto Condensed" panose="02000000000000000000" pitchFamily="2" charset="0"/>
-                  <a:ea typeface="Roboto Condensed" panose="02000000000000000000" pitchFamily="2" charset="0"/>
-                </a:rPr>
-                <a:t>s.d.</a:t>
+                <a:rPr lang="en-US" sz="1100" b="1" dirty="0"/>
+                <a:t>= </a:t>
               </a:r>
               <a:r>
-                <a:rPr lang="en-US" sz="1200" dirty="0">
-                  <a:latin typeface="Roboto Condensed" panose="02000000000000000000" pitchFamily="2" charset="0"/>
-                  <a:ea typeface="Roboto Condensed" panose="02000000000000000000" pitchFamily="2" charset="0"/>
-                </a:rPr>
-                <a:t> =</a:t>
-              </a:r>
-            </a:p>
-            <a:p>
-              <a:r>
-                <a:rPr lang="en-US" sz="1200" dirty="0">
-                  <a:latin typeface="Roboto Condensed" panose="02000000000000000000" pitchFamily="2" charset="0"/>
-                  <a:ea typeface="Roboto Condensed" panose="02000000000000000000" pitchFamily="2" charset="0"/>
-                </a:rPr>
-                <a:t>n = 2</a:t>
+                <a:rPr lang="en-US" sz="1100" dirty="0"/>
+                <a:t>-0.98</a:t>
               </a:r>
             </a:p>
           </p:txBody>
         </p:sp>
+        <p:cxnSp>
+          <p:nvCxnSpPr>
+            <p:cNvPr id="22" name="Straight Connector 21">
+              <a:extLst>
+                <a:ext uri="{FF2B5EF4-FFF2-40B4-BE49-F238E27FC236}">
+                  <a16:creationId xmlns:a16="http://schemas.microsoft.com/office/drawing/2014/main" id="{9D141CA7-78FF-4583-AC95-8F66072B238C}"/>
+                </a:ext>
+              </a:extLst>
+            </p:cNvPr>
+            <p:cNvCxnSpPr/>
+            <p:nvPr/>
+          </p:nvCxnSpPr>
+          <p:spPr>
+            <a:xfrm>
+              <a:off x="2121510" y="1336067"/>
+              <a:ext cx="584785" cy="0"/>
+            </a:xfrm>
+            <a:prstGeom prst="line">
+              <a:avLst/>
+            </a:prstGeom>
+            <a:ln w="15875">
+              <a:solidFill>
+                <a:schemeClr val="tx1"/>
+              </a:solidFill>
+            </a:ln>
+          </p:spPr>
+          <p:style>
+            <a:lnRef idx="1">
+              <a:schemeClr val="accent1"/>
+            </a:lnRef>
+            <a:fillRef idx="0">
+              <a:schemeClr val="accent1"/>
+            </a:fillRef>
+            <a:effectRef idx="0">
+              <a:schemeClr val="accent1"/>
+            </a:effectRef>
+            <a:fontRef idx="minor">
+              <a:schemeClr val="tx1"/>
+            </a:fontRef>
+          </p:style>
+        </p:cxnSp>
+      </p:grpSp>
+      <p:grpSp>
+        <p:nvGrpSpPr>
+          <p:cNvPr id="101" name="Group 100">
+            <a:extLst>
+              <a:ext uri="{FF2B5EF4-FFF2-40B4-BE49-F238E27FC236}">
+                <a16:creationId xmlns:a16="http://schemas.microsoft.com/office/drawing/2014/main" id="{5B7F0953-F89A-477C-99DE-54CBC4836759}"/>
+              </a:ext>
+            </a:extLst>
+          </p:cNvPr>
+          <p:cNvGrpSpPr/>
+          <p:nvPr/>
+        </p:nvGrpSpPr>
+        <p:grpSpPr>
+          <a:xfrm>
+            <a:off x="3855373" y="940635"/>
+            <a:ext cx="1247439" cy="600164"/>
+            <a:chOff x="2029257" y="943625"/>
+            <a:chExt cx="1247439" cy="600164"/>
+          </a:xfrm>
+        </p:grpSpPr>
         <p:sp>
           <p:nvSpPr>
-            <p:cNvPr id="48" name="TextBox 47">
+            <p:cNvPr id="102" name="TextBox 101">
               <a:extLst>
                 <a:ext uri="{FF2B5EF4-FFF2-40B4-BE49-F238E27FC236}">
-                  <a16:creationId xmlns:a16="http://schemas.microsoft.com/office/drawing/2014/main" id="{643CB40A-4BCF-4B4D-8D89-F0145DFA33D3}"/>
+                  <a16:creationId xmlns:a16="http://schemas.microsoft.com/office/drawing/2014/main" id="{8B4C6213-3632-49F6-BE13-71C2AC79244D}"/>
                 </a:ext>
               </a:extLst>
             </p:cNvPr>
@@ -4695,8 +5700,8 @@
           </p:nvSpPr>
           <p:spPr>
             <a:xfrm>
-              <a:off x="5244461" y="39156"/>
-              <a:ext cx="628698" cy="646331"/>
+              <a:off x="2029257" y="943625"/>
+              <a:ext cx="729687" cy="600164"/>
             </a:xfrm>
             <a:prstGeom prst="rect">
               <a:avLst/>
@@ -4709,48 +5714,268 @@
             </a:bodyPr>
             <a:lstStyle/>
             <a:p>
+              <a:pPr algn="ctr"/>
               <a:r>
-                <a:rPr lang="en-US" sz="1200" dirty="0">
-                  <a:latin typeface="Roboto Condensed" panose="02000000000000000000" pitchFamily="2" charset="0"/>
-                  <a:ea typeface="Roboto Condensed" panose="02000000000000000000" pitchFamily="2" charset="0"/>
-                </a:rPr>
-                <a:t>mean =</a:t>
+                <a:rPr lang="en-US" sz="1100" b="1" dirty="0"/>
+                <a:t>Z-score</a:t>
               </a:r>
             </a:p>
             <a:p>
+              <a:pPr algn="ctr"/>
               <a:r>
-                <a:rPr lang="en-US" sz="1200" dirty="0" err="1">
-                  <a:latin typeface="Roboto Condensed" panose="02000000000000000000" pitchFamily="2" charset="0"/>
-                  <a:ea typeface="Roboto Condensed" panose="02000000000000000000" pitchFamily="2" charset="0"/>
-                </a:rPr>
-                <a:t>s.d.</a:t>
+                <a:rPr lang="en-US" sz="1100" dirty="0"/>
+                <a:t>(7 – 7.06)</a:t>
               </a:r>
+              <a:br>
+                <a:rPr lang="en-US" sz="1100" dirty="0"/>
+              </a:br>
               <a:r>
-                <a:rPr lang="en-US" sz="1200" dirty="0">
-                  <a:latin typeface="Roboto Condensed" panose="02000000000000000000" pitchFamily="2" charset="0"/>
-                  <a:ea typeface="Roboto Condensed" panose="02000000000000000000" pitchFamily="2" charset="0"/>
-                </a:rPr>
-                <a:t> =</a:t>
-              </a:r>
-            </a:p>
-            <a:p>
-              <a:r>
-                <a:rPr lang="en-US" sz="1200" dirty="0">
-                  <a:latin typeface="Roboto Condensed" panose="02000000000000000000" pitchFamily="2" charset="0"/>
-                  <a:ea typeface="Roboto Condensed" panose="02000000000000000000" pitchFamily="2" charset="0"/>
-                </a:rPr>
-                <a:t>n = 3</a:t>
+                <a:rPr lang="en-US" sz="1100" dirty="0"/>
+                <a:t>1.42 </a:t>
               </a:r>
             </a:p>
           </p:txBody>
         </p:sp>
+        <p:sp>
+          <p:nvSpPr>
+            <p:cNvPr id="103" name="TextBox 102">
+              <a:extLst>
+                <a:ext uri="{FF2B5EF4-FFF2-40B4-BE49-F238E27FC236}">
+                  <a16:creationId xmlns:a16="http://schemas.microsoft.com/office/drawing/2014/main" id="{B4E331AA-2DE6-448C-B158-00AE2A12FC8A}"/>
+                </a:ext>
+              </a:extLst>
+            </p:cNvPr>
+            <p:cNvSpPr txBox="1"/>
+            <p:nvPr/>
+          </p:nvSpPr>
+          <p:spPr>
+            <a:xfrm>
+              <a:off x="2694484" y="1180089"/>
+              <a:ext cx="582212" cy="261610"/>
+            </a:xfrm>
+            <a:prstGeom prst="rect">
+              <a:avLst/>
+            </a:prstGeom>
+            <a:noFill/>
+          </p:spPr>
+          <p:txBody>
+            <a:bodyPr wrap="none" rtlCol="0">
+              <a:spAutoFit/>
+            </a:bodyPr>
+            <a:lstStyle/>
+            <a:p>
+              <a:pPr algn="ctr"/>
+              <a:r>
+                <a:rPr lang="en-US" sz="1100" b="1" dirty="0"/>
+                <a:t>= </a:t>
+              </a:r>
+              <a:r>
+                <a:rPr lang="en-US" sz="1100" dirty="0"/>
+                <a:t>-0.04</a:t>
+              </a:r>
+            </a:p>
+          </p:txBody>
+        </p:sp>
+        <p:cxnSp>
+          <p:nvCxnSpPr>
+            <p:cNvPr id="104" name="Straight Connector 103">
+              <a:extLst>
+                <a:ext uri="{FF2B5EF4-FFF2-40B4-BE49-F238E27FC236}">
+                  <a16:creationId xmlns:a16="http://schemas.microsoft.com/office/drawing/2014/main" id="{2EF419DC-CF1F-415F-9C3B-525CF6C4431F}"/>
+                </a:ext>
+              </a:extLst>
+            </p:cNvPr>
+            <p:cNvCxnSpPr/>
+            <p:nvPr/>
+          </p:nvCxnSpPr>
+          <p:spPr>
+            <a:xfrm>
+              <a:off x="2121510" y="1336067"/>
+              <a:ext cx="584785" cy="0"/>
+            </a:xfrm>
+            <a:prstGeom prst="line">
+              <a:avLst/>
+            </a:prstGeom>
+            <a:ln w="15875">
+              <a:solidFill>
+                <a:schemeClr val="tx1"/>
+              </a:solidFill>
+            </a:ln>
+          </p:spPr>
+          <p:style>
+            <a:lnRef idx="1">
+              <a:schemeClr val="accent1"/>
+            </a:lnRef>
+            <a:fillRef idx="0">
+              <a:schemeClr val="accent1"/>
+            </a:fillRef>
+            <a:effectRef idx="0">
+              <a:schemeClr val="accent1"/>
+            </a:effectRef>
+            <a:fontRef idx="minor">
+              <a:schemeClr val="tx1"/>
+            </a:fontRef>
+          </p:style>
+        </p:cxnSp>
       </p:grpSp>
-      <p:sp>
-        <p:nvSpPr>
-          <p:cNvPr id="53" name="TextBox 52">
+      <p:grpSp>
+        <p:nvGrpSpPr>
+          <p:cNvPr id="105" name="Group 104">
             <a:extLst>
               <a:ext uri="{FF2B5EF4-FFF2-40B4-BE49-F238E27FC236}">
-                <a16:creationId xmlns:a16="http://schemas.microsoft.com/office/drawing/2014/main" id="{63E96BA2-DCBA-4505-BDD2-C510302C3B6B}"/>
+                <a16:creationId xmlns:a16="http://schemas.microsoft.com/office/drawing/2014/main" id="{E7DBB7C6-327F-4AA4-A0F9-0C8258CC1043}"/>
+              </a:ext>
+            </a:extLst>
+          </p:cNvPr>
+          <p:cNvGrpSpPr/>
+          <p:nvPr/>
+        </p:nvGrpSpPr>
+        <p:grpSpPr>
+          <a:xfrm>
+            <a:off x="5544053" y="952034"/>
+            <a:ext cx="1281101" cy="600164"/>
+            <a:chOff x="1975557" y="943625"/>
+            <a:chExt cx="1281101" cy="600164"/>
+          </a:xfrm>
+        </p:grpSpPr>
+        <p:sp>
+          <p:nvSpPr>
+            <p:cNvPr id="106" name="TextBox 105">
+              <a:extLst>
+                <a:ext uri="{FF2B5EF4-FFF2-40B4-BE49-F238E27FC236}">
+                  <a16:creationId xmlns:a16="http://schemas.microsoft.com/office/drawing/2014/main" id="{0BD43627-D57C-4C22-BE71-199859184EB2}"/>
+                </a:ext>
+              </a:extLst>
+            </p:cNvPr>
+            <p:cNvSpPr txBox="1"/>
+            <p:nvPr/>
+          </p:nvSpPr>
+          <p:spPr>
+            <a:xfrm>
+              <a:off x="1975557" y="943625"/>
+              <a:ext cx="837089" cy="600164"/>
+            </a:xfrm>
+            <a:prstGeom prst="rect">
+              <a:avLst/>
+            </a:prstGeom>
+            <a:noFill/>
+          </p:spPr>
+          <p:txBody>
+            <a:bodyPr wrap="none" rtlCol="0">
+              <a:spAutoFit/>
+            </a:bodyPr>
+            <a:lstStyle/>
+            <a:p>
+              <a:pPr algn="ctr"/>
+              <a:r>
+                <a:rPr lang="en-US" sz="1100" b="1" dirty="0"/>
+                <a:t>Z-score</a:t>
+              </a:r>
+            </a:p>
+            <a:p>
+              <a:pPr algn="ctr"/>
+              <a:r>
+                <a:rPr lang="en-US" sz="1100" dirty="0"/>
+                <a:t>(8.5 – 7.06)</a:t>
+              </a:r>
+              <a:br>
+                <a:rPr lang="en-US" sz="1100" dirty="0"/>
+              </a:br>
+              <a:r>
+                <a:rPr lang="en-US" sz="1100" dirty="0"/>
+                <a:t>1.42 </a:t>
+              </a:r>
+            </a:p>
+          </p:txBody>
+        </p:sp>
+        <p:sp>
+          <p:nvSpPr>
+            <p:cNvPr id="107" name="TextBox 106">
+              <a:extLst>
+                <a:ext uri="{FF2B5EF4-FFF2-40B4-BE49-F238E27FC236}">
+                  <a16:creationId xmlns:a16="http://schemas.microsoft.com/office/drawing/2014/main" id="{360DC2C8-CFCF-4B18-B5D9-01A28A7BD7A0}"/>
+                </a:ext>
+              </a:extLst>
+            </p:cNvPr>
+            <p:cNvSpPr txBox="1"/>
+            <p:nvPr/>
+          </p:nvSpPr>
+          <p:spPr>
+            <a:xfrm>
+              <a:off x="2714522" y="1180089"/>
+              <a:ext cx="542136" cy="261610"/>
+            </a:xfrm>
+            <a:prstGeom prst="rect">
+              <a:avLst/>
+            </a:prstGeom>
+            <a:noFill/>
+          </p:spPr>
+          <p:txBody>
+            <a:bodyPr wrap="none" rtlCol="0">
+              <a:spAutoFit/>
+            </a:bodyPr>
+            <a:lstStyle/>
+            <a:p>
+              <a:pPr algn="ctr"/>
+              <a:r>
+                <a:rPr lang="en-US" sz="1100" b="1" dirty="0"/>
+                <a:t>= </a:t>
+              </a:r>
+              <a:r>
+                <a:rPr lang="en-US" sz="1100" dirty="0"/>
+                <a:t>1.01</a:t>
+              </a:r>
+            </a:p>
+          </p:txBody>
+        </p:sp>
+        <p:cxnSp>
+          <p:nvCxnSpPr>
+            <p:cNvPr id="108" name="Straight Connector 107">
+              <a:extLst>
+                <a:ext uri="{FF2B5EF4-FFF2-40B4-BE49-F238E27FC236}">
+                  <a16:creationId xmlns:a16="http://schemas.microsoft.com/office/drawing/2014/main" id="{7BBDCF56-CB3C-4C04-97CA-2F6E28AB555A}"/>
+                </a:ext>
+              </a:extLst>
+            </p:cNvPr>
+            <p:cNvCxnSpPr/>
+            <p:nvPr/>
+          </p:nvCxnSpPr>
+          <p:spPr>
+            <a:xfrm>
+              <a:off x="2121510" y="1336067"/>
+              <a:ext cx="584785" cy="0"/>
+            </a:xfrm>
+            <a:prstGeom prst="line">
+              <a:avLst/>
+            </a:prstGeom>
+            <a:ln w="15875">
+              <a:solidFill>
+                <a:schemeClr val="tx1"/>
+              </a:solidFill>
+            </a:ln>
+          </p:spPr>
+          <p:style>
+            <a:lnRef idx="1">
+              <a:schemeClr val="accent1"/>
+            </a:lnRef>
+            <a:fillRef idx="0">
+              <a:schemeClr val="accent1"/>
+            </a:fillRef>
+            <a:effectRef idx="0">
+              <a:schemeClr val="accent1"/>
+            </a:effectRef>
+            <a:fontRef idx="minor">
+              <a:schemeClr val="tx1"/>
+            </a:fontRef>
+          </p:style>
+        </p:cxnSp>
+      </p:grpSp>
+      <p:sp>
+        <p:nvSpPr>
+          <p:cNvPr id="109" name="TextBox 108">
+            <a:extLst>
+              <a:ext uri="{FF2B5EF4-FFF2-40B4-BE49-F238E27FC236}">
+                <a16:creationId xmlns:a16="http://schemas.microsoft.com/office/drawing/2014/main" id="{F2325510-088D-4E4D-B7CF-0F5E7D8755F3}"/>
               </a:ext>
             </a:extLst>
           </p:cNvPr>
@@ -4759,8 +5984,8 @@
         </p:nvSpPr>
         <p:spPr>
           <a:xfrm>
-            <a:off x="1761749" y="783064"/>
-            <a:ext cx="256802" cy="261610"/>
+            <a:off x="1910034" y="1718494"/>
+            <a:ext cx="1316386" cy="430887"/>
           </a:xfrm>
           <a:prstGeom prst="rect">
             <a:avLst/>
@@ -4773,19 +5998,179 @@
           </a:bodyPr>
           <a:lstStyle/>
           <a:p>
+            <a:pPr algn="ctr"/>
+            <a:r>
+              <a:rPr lang="en-US" sz="1100" b="1" dirty="0"/>
+              <a:t>Site and Year mean</a:t>
+            </a:r>
+          </a:p>
+          <a:p>
+            <a:pPr algn="ctr"/>
             <a:r>
               <a:rPr lang="en-US" sz="1100" dirty="0"/>
-              <a:t>5</a:t>
-            </a:r>
-          </a:p>
-        </p:txBody>
-      </p:sp>
-      <p:sp>
-        <p:nvSpPr>
-          <p:cNvPr id="54" name="TextBox 53">
+              <a:t>3</a:t>
+            </a:r>
+          </a:p>
+        </p:txBody>
+      </p:sp>
+      <p:grpSp>
+        <p:nvGrpSpPr>
+          <p:cNvPr id="110" name="Group 109">
             <a:extLst>
               <a:ext uri="{FF2B5EF4-FFF2-40B4-BE49-F238E27FC236}">
-                <a16:creationId xmlns:a16="http://schemas.microsoft.com/office/drawing/2014/main" id="{0A030AEA-041C-426D-9CE6-CD55B2C6FDD3}"/>
+                <a16:creationId xmlns:a16="http://schemas.microsoft.com/office/drawing/2014/main" id="{EE254810-1FD5-487C-9E5A-EA47C35A2605}"/>
+              </a:ext>
+            </a:extLst>
+          </p:cNvPr>
+          <p:cNvGrpSpPr/>
+          <p:nvPr/>
+        </p:nvGrpSpPr>
+        <p:grpSpPr>
+          <a:xfrm>
+            <a:off x="2036618" y="2142854"/>
+            <a:ext cx="1247438" cy="600164"/>
+            <a:chOff x="2029258" y="943625"/>
+            <a:chExt cx="1247438" cy="600164"/>
+          </a:xfrm>
+        </p:grpSpPr>
+        <p:sp>
+          <p:nvSpPr>
+            <p:cNvPr id="111" name="TextBox 110">
+              <a:extLst>
+                <a:ext uri="{FF2B5EF4-FFF2-40B4-BE49-F238E27FC236}">
+                  <a16:creationId xmlns:a16="http://schemas.microsoft.com/office/drawing/2014/main" id="{5CB2CB70-33F4-4AF0-AF95-1292470AE5F1}"/>
+                </a:ext>
+              </a:extLst>
+            </p:cNvPr>
+            <p:cNvSpPr txBox="1"/>
+            <p:nvPr/>
+          </p:nvSpPr>
+          <p:spPr>
+            <a:xfrm>
+              <a:off x="2029258" y="943625"/>
+              <a:ext cx="729687" cy="600164"/>
+            </a:xfrm>
+            <a:prstGeom prst="rect">
+              <a:avLst/>
+            </a:prstGeom>
+            <a:noFill/>
+          </p:spPr>
+          <p:txBody>
+            <a:bodyPr wrap="none" rtlCol="0">
+              <a:spAutoFit/>
+            </a:bodyPr>
+            <a:lstStyle/>
+            <a:p>
+              <a:pPr algn="ctr"/>
+              <a:r>
+                <a:rPr lang="en-US" sz="1100" b="1" dirty="0"/>
+                <a:t>Z-score</a:t>
+              </a:r>
+            </a:p>
+            <a:p>
+              <a:pPr algn="ctr"/>
+              <a:r>
+                <a:rPr lang="en-US" sz="1100" dirty="0"/>
+                <a:t>(3 – 3.65)</a:t>
+              </a:r>
+              <a:br>
+                <a:rPr lang="en-US" sz="1100" dirty="0"/>
+              </a:br>
+              <a:r>
+                <a:rPr lang="en-US" sz="1100" dirty="0"/>
+                <a:t>0.92 </a:t>
+              </a:r>
+            </a:p>
+          </p:txBody>
+        </p:sp>
+        <p:sp>
+          <p:nvSpPr>
+            <p:cNvPr id="112" name="TextBox 111">
+              <a:extLst>
+                <a:ext uri="{FF2B5EF4-FFF2-40B4-BE49-F238E27FC236}">
+                  <a16:creationId xmlns:a16="http://schemas.microsoft.com/office/drawing/2014/main" id="{956A151E-9F20-4E28-AF99-50959238DA61}"/>
+                </a:ext>
+              </a:extLst>
+            </p:cNvPr>
+            <p:cNvSpPr txBox="1"/>
+            <p:nvPr/>
+          </p:nvSpPr>
+          <p:spPr>
+            <a:xfrm>
+              <a:off x="2694484" y="1180089"/>
+              <a:ext cx="582212" cy="261610"/>
+            </a:xfrm>
+            <a:prstGeom prst="rect">
+              <a:avLst/>
+            </a:prstGeom>
+            <a:noFill/>
+          </p:spPr>
+          <p:txBody>
+            <a:bodyPr wrap="none" rtlCol="0">
+              <a:spAutoFit/>
+            </a:bodyPr>
+            <a:lstStyle/>
+            <a:p>
+              <a:pPr algn="ctr"/>
+              <a:r>
+                <a:rPr lang="en-US" sz="1100" b="1" dirty="0"/>
+                <a:t>= </a:t>
+              </a:r>
+              <a:r>
+                <a:rPr lang="en-US" sz="1100" dirty="0"/>
+                <a:t>-0.71</a:t>
+              </a:r>
+            </a:p>
+          </p:txBody>
+        </p:sp>
+        <p:cxnSp>
+          <p:nvCxnSpPr>
+            <p:cNvPr id="113" name="Straight Connector 112">
+              <a:extLst>
+                <a:ext uri="{FF2B5EF4-FFF2-40B4-BE49-F238E27FC236}">
+                  <a16:creationId xmlns:a16="http://schemas.microsoft.com/office/drawing/2014/main" id="{B7B2B526-6875-4751-84CB-C87FBF0C190D}"/>
+                </a:ext>
+              </a:extLst>
+            </p:cNvPr>
+            <p:cNvCxnSpPr/>
+            <p:nvPr/>
+          </p:nvCxnSpPr>
+          <p:spPr>
+            <a:xfrm>
+              <a:off x="2115204" y="1336067"/>
+              <a:ext cx="584785" cy="0"/>
+            </a:xfrm>
+            <a:prstGeom prst="line">
+              <a:avLst/>
+            </a:prstGeom>
+            <a:ln w="15875">
+              <a:solidFill>
+                <a:schemeClr val="tx1"/>
+              </a:solidFill>
+            </a:ln>
+          </p:spPr>
+          <p:style>
+            <a:lnRef idx="1">
+              <a:schemeClr val="accent1"/>
+            </a:lnRef>
+            <a:fillRef idx="0">
+              <a:schemeClr val="accent1"/>
+            </a:fillRef>
+            <a:effectRef idx="0">
+              <a:schemeClr val="accent1"/>
+            </a:effectRef>
+            <a:fontRef idx="minor">
+              <a:schemeClr val="tx1"/>
+            </a:fontRef>
+          </p:style>
+        </p:cxnSp>
+      </p:grpSp>
+      <p:sp>
+        <p:nvSpPr>
+          <p:cNvPr id="114" name="TextBox 113">
+            <a:extLst>
+              <a:ext uri="{FF2B5EF4-FFF2-40B4-BE49-F238E27FC236}">
+                <a16:creationId xmlns:a16="http://schemas.microsoft.com/office/drawing/2014/main" id="{0CBDC3EA-16B2-432C-BAC7-9D3899C2584C}"/>
               </a:ext>
             </a:extLst>
           </p:cNvPr>
@@ -4794,8 +6179,8 @@
         </p:nvSpPr>
         <p:spPr>
           <a:xfrm>
-            <a:off x="1882480" y="1031185"/>
-            <a:ext cx="263214" cy="261610"/>
+            <a:off x="5518231" y="1719549"/>
+            <a:ext cx="1316386" cy="430887"/>
           </a:xfrm>
           <a:prstGeom prst="rect">
             <a:avLst/>
@@ -4803,24 +6188,184 @@
           <a:noFill/>
         </p:spPr>
         <p:txBody>
-          <a:bodyPr wrap="square" rtlCol="0">
+          <a:bodyPr wrap="none" rtlCol="0">
             <a:spAutoFit/>
           </a:bodyPr>
           <a:lstStyle/>
           <a:p>
+            <a:pPr algn="ctr"/>
+            <a:r>
+              <a:rPr lang="en-US" sz="1100" b="1" dirty="0"/>
+              <a:t>Site and Year mean</a:t>
+            </a:r>
+          </a:p>
+          <a:p>
+            <a:pPr algn="ctr"/>
             <a:r>
               <a:rPr lang="en-US" sz="1100" dirty="0"/>
-              <a:t>8</a:t>
-            </a:r>
-          </a:p>
-        </p:txBody>
-      </p:sp>
-      <p:sp>
-        <p:nvSpPr>
-          <p:cNvPr id="55" name="TextBox 54">
+              <a:t>4.3</a:t>
+            </a:r>
+          </a:p>
+        </p:txBody>
+      </p:sp>
+      <p:grpSp>
+        <p:nvGrpSpPr>
+          <p:cNvPr id="115" name="Group 114">
             <a:extLst>
               <a:ext uri="{FF2B5EF4-FFF2-40B4-BE49-F238E27FC236}">
-                <a16:creationId xmlns:a16="http://schemas.microsoft.com/office/drawing/2014/main" id="{4F105DC3-8040-4C49-BD22-72A8193C024A}"/>
+                <a16:creationId xmlns:a16="http://schemas.microsoft.com/office/drawing/2014/main" id="{E7D3E79F-2C2D-46C5-A5E4-9F83457E81F3}"/>
+              </a:ext>
+            </a:extLst>
+          </p:cNvPr>
+          <p:cNvGrpSpPr/>
+          <p:nvPr/>
+        </p:nvGrpSpPr>
+        <p:grpSpPr>
+          <a:xfrm>
+            <a:off x="5591113" y="2143909"/>
+            <a:ext cx="1245034" cy="600164"/>
+            <a:chOff x="1975556" y="943625"/>
+            <a:chExt cx="1245034" cy="600164"/>
+          </a:xfrm>
+        </p:grpSpPr>
+        <p:sp>
+          <p:nvSpPr>
+            <p:cNvPr id="116" name="TextBox 115">
+              <a:extLst>
+                <a:ext uri="{FF2B5EF4-FFF2-40B4-BE49-F238E27FC236}">
+                  <a16:creationId xmlns:a16="http://schemas.microsoft.com/office/drawing/2014/main" id="{4227A31B-ADAE-4A52-BAF8-2C136D66D48A}"/>
+                </a:ext>
+              </a:extLst>
+            </p:cNvPr>
+            <p:cNvSpPr txBox="1"/>
+            <p:nvPr/>
+          </p:nvSpPr>
+          <p:spPr>
+            <a:xfrm>
+              <a:off x="1975556" y="943625"/>
+              <a:ext cx="837089" cy="600164"/>
+            </a:xfrm>
+            <a:prstGeom prst="rect">
+              <a:avLst/>
+            </a:prstGeom>
+            <a:noFill/>
+          </p:spPr>
+          <p:txBody>
+            <a:bodyPr wrap="none" rtlCol="0">
+              <a:spAutoFit/>
+            </a:bodyPr>
+            <a:lstStyle/>
+            <a:p>
+              <a:pPr algn="ctr"/>
+              <a:r>
+                <a:rPr lang="en-US" sz="1100" b="1" dirty="0"/>
+                <a:t>Z-score</a:t>
+              </a:r>
+            </a:p>
+            <a:p>
+              <a:pPr algn="ctr"/>
+              <a:r>
+                <a:rPr lang="en-US" sz="1100" dirty="0"/>
+                <a:t>(4.3 – 3.65)</a:t>
+              </a:r>
+              <a:br>
+                <a:rPr lang="en-US" sz="1100" dirty="0"/>
+              </a:br>
+              <a:r>
+                <a:rPr lang="en-US" sz="1100" dirty="0"/>
+                <a:t>0.92 </a:t>
+              </a:r>
+            </a:p>
+          </p:txBody>
+        </p:sp>
+        <p:sp>
+          <p:nvSpPr>
+            <p:cNvPr id="117" name="TextBox 116">
+              <a:extLst>
+                <a:ext uri="{FF2B5EF4-FFF2-40B4-BE49-F238E27FC236}">
+                  <a16:creationId xmlns:a16="http://schemas.microsoft.com/office/drawing/2014/main" id="{6B96F7EA-EBBC-42AB-9700-E1EB400F6E64}"/>
+                </a:ext>
+              </a:extLst>
+            </p:cNvPr>
+            <p:cNvSpPr txBox="1"/>
+            <p:nvPr/>
+          </p:nvSpPr>
+          <p:spPr>
+            <a:xfrm>
+              <a:off x="2750589" y="1180089"/>
+              <a:ext cx="470001" cy="261610"/>
+            </a:xfrm>
+            <a:prstGeom prst="rect">
+              <a:avLst/>
+            </a:prstGeom>
+            <a:noFill/>
+          </p:spPr>
+          <p:txBody>
+            <a:bodyPr wrap="none" rtlCol="0">
+              <a:spAutoFit/>
+            </a:bodyPr>
+            <a:lstStyle/>
+            <a:p>
+              <a:pPr algn="ctr"/>
+              <a:r>
+                <a:rPr lang="en-US" sz="1100" b="1" dirty="0"/>
+                <a:t>= </a:t>
+              </a:r>
+              <a:r>
+                <a:rPr lang="en-US" sz="1100" dirty="0"/>
+                <a:t>0.7</a:t>
+              </a:r>
+            </a:p>
+          </p:txBody>
+        </p:sp>
+        <p:cxnSp>
+          <p:nvCxnSpPr>
+            <p:cNvPr id="118" name="Straight Connector 117">
+              <a:extLst>
+                <a:ext uri="{FF2B5EF4-FFF2-40B4-BE49-F238E27FC236}">
+                  <a16:creationId xmlns:a16="http://schemas.microsoft.com/office/drawing/2014/main" id="{5F327A6A-34CE-4FD7-AF35-B910CB626586}"/>
+                </a:ext>
+              </a:extLst>
+            </p:cNvPr>
+            <p:cNvCxnSpPr/>
+            <p:nvPr/>
+          </p:nvCxnSpPr>
+          <p:spPr>
+            <a:xfrm>
+              <a:off x="2121510" y="1336067"/>
+              <a:ext cx="584785" cy="0"/>
+            </a:xfrm>
+            <a:prstGeom prst="line">
+              <a:avLst/>
+            </a:prstGeom>
+            <a:ln w="15875">
+              <a:solidFill>
+                <a:schemeClr val="tx1"/>
+              </a:solidFill>
+            </a:ln>
+          </p:spPr>
+          <p:style>
+            <a:lnRef idx="1">
+              <a:schemeClr val="accent1"/>
+            </a:lnRef>
+            <a:fillRef idx="0">
+              <a:schemeClr val="accent1"/>
+            </a:fillRef>
+            <a:effectRef idx="0">
+              <a:schemeClr val="accent1"/>
+            </a:effectRef>
+            <a:fontRef idx="minor">
+              <a:schemeClr val="tx1"/>
+            </a:fontRef>
+          </p:style>
+        </p:cxnSp>
+      </p:grpSp>
+      <p:sp>
+        <p:nvSpPr>
+          <p:cNvPr id="119" name="TextBox 118">
+            <a:extLst>
+              <a:ext uri="{FF2B5EF4-FFF2-40B4-BE49-F238E27FC236}">
+                <a16:creationId xmlns:a16="http://schemas.microsoft.com/office/drawing/2014/main" id="{C2017ADA-ED80-4F53-B5E9-E734B25FD51C}"/>
               </a:ext>
             </a:extLst>
           </p:cNvPr>
@@ -4829,8 +6374,8 @@
         </p:nvSpPr>
         <p:spPr>
           <a:xfrm>
-            <a:off x="2154763" y="758388"/>
-            <a:ext cx="263214" cy="261610"/>
+            <a:off x="5544509" y="2735897"/>
+            <a:ext cx="1316386" cy="430887"/>
           </a:xfrm>
           <a:prstGeom prst="rect">
             <a:avLst/>
@@ -4838,24 +6383,184 @@
           <a:noFill/>
         </p:spPr>
         <p:txBody>
-          <a:bodyPr wrap="square" rtlCol="0">
+          <a:bodyPr wrap="none" rtlCol="0">
             <a:spAutoFit/>
           </a:bodyPr>
           <a:lstStyle/>
           <a:p>
+            <a:pPr algn="ctr"/>
+            <a:r>
+              <a:rPr lang="en-US" sz="1100" b="1" dirty="0"/>
+              <a:t>Site and Year mean</a:t>
+            </a:r>
+          </a:p>
+          <a:p>
+            <a:pPr algn="ctr"/>
             <a:r>
               <a:rPr lang="en-US" sz="1100" dirty="0"/>
-              <a:t>4</a:t>
-            </a:r>
-          </a:p>
-        </p:txBody>
-      </p:sp>
-      <p:sp>
-        <p:nvSpPr>
-          <p:cNvPr id="56" name="TextBox 55">
+              <a:t>10.3</a:t>
+            </a:r>
+          </a:p>
+        </p:txBody>
+      </p:sp>
+      <p:grpSp>
+        <p:nvGrpSpPr>
+          <p:cNvPr id="120" name="Group 119">
             <a:extLst>
               <a:ext uri="{FF2B5EF4-FFF2-40B4-BE49-F238E27FC236}">
-                <a16:creationId xmlns:a16="http://schemas.microsoft.com/office/drawing/2014/main" id="{8CF07A81-401C-4295-BBCB-08E28EC6D233}"/>
+                <a16:creationId xmlns:a16="http://schemas.microsoft.com/office/drawing/2014/main" id="{4648D32E-90BD-45E9-9D2E-656D04FDDEC2}"/>
+              </a:ext>
+            </a:extLst>
+          </p:cNvPr>
+          <p:cNvGrpSpPr/>
+          <p:nvPr/>
+        </p:nvGrpSpPr>
+        <p:grpSpPr>
+          <a:xfrm>
+            <a:off x="5545256" y="3160257"/>
+            <a:ext cx="1373275" cy="600164"/>
+            <a:chOff x="1903421" y="943625"/>
+            <a:chExt cx="1373275" cy="600164"/>
+          </a:xfrm>
+        </p:grpSpPr>
+        <p:sp>
+          <p:nvSpPr>
+            <p:cNvPr id="121" name="TextBox 120">
+              <a:extLst>
+                <a:ext uri="{FF2B5EF4-FFF2-40B4-BE49-F238E27FC236}">
+                  <a16:creationId xmlns:a16="http://schemas.microsoft.com/office/drawing/2014/main" id="{28093264-CDD9-4E84-865D-BBBFF74C77B9}"/>
+                </a:ext>
+              </a:extLst>
+            </p:cNvPr>
+            <p:cNvSpPr txBox="1"/>
+            <p:nvPr/>
+          </p:nvSpPr>
+          <p:spPr>
+            <a:xfrm>
+              <a:off x="1903421" y="943625"/>
+              <a:ext cx="981359" cy="600164"/>
+            </a:xfrm>
+            <a:prstGeom prst="rect">
+              <a:avLst/>
+            </a:prstGeom>
+            <a:noFill/>
+          </p:spPr>
+          <p:txBody>
+            <a:bodyPr wrap="none" rtlCol="0">
+              <a:spAutoFit/>
+            </a:bodyPr>
+            <a:lstStyle/>
+            <a:p>
+              <a:pPr algn="ctr"/>
+              <a:r>
+                <a:rPr lang="en-US" sz="1100" b="1" dirty="0"/>
+                <a:t>Z-score</a:t>
+              </a:r>
+            </a:p>
+            <a:p>
+              <a:pPr algn="ctr"/>
+              <a:r>
+                <a:rPr lang="en-US" sz="1100" dirty="0"/>
+                <a:t>(10.3 – 12.43)</a:t>
+              </a:r>
+              <a:br>
+                <a:rPr lang="en-US" sz="1100" dirty="0"/>
+              </a:br>
+              <a:r>
+                <a:rPr lang="en-US" sz="1100" dirty="0"/>
+                <a:t>1.91 </a:t>
+              </a:r>
+            </a:p>
+          </p:txBody>
+        </p:sp>
+        <p:sp>
+          <p:nvSpPr>
+            <p:cNvPr id="122" name="TextBox 121">
+              <a:extLst>
+                <a:ext uri="{FF2B5EF4-FFF2-40B4-BE49-F238E27FC236}">
+                  <a16:creationId xmlns:a16="http://schemas.microsoft.com/office/drawing/2014/main" id="{8E5122A9-F45C-42BF-AC36-1495D2047006}"/>
+                </a:ext>
+              </a:extLst>
+            </p:cNvPr>
+            <p:cNvSpPr txBox="1"/>
+            <p:nvPr/>
+          </p:nvSpPr>
+          <p:spPr>
+            <a:xfrm>
+              <a:off x="2694484" y="1180089"/>
+              <a:ext cx="582212" cy="261610"/>
+            </a:xfrm>
+            <a:prstGeom prst="rect">
+              <a:avLst/>
+            </a:prstGeom>
+            <a:noFill/>
+          </p:spPr>
+          <p:txBody>
+            <a:bodyPr wrap="none" rtlCol="0">
+              <a:spAutoFit/>
+            </a:bodyPr>
+            <a:lstStyle/>
+            <a:p>
+              <a:pPr algn="ctr"/>
+              <a:r>
+                <a:rPr lang="en-US" sz="1100" b="1" dirty="0"/>
+                <a:t>= </a:t>
+              </a:r>
+              <a:r>
+                <a:rPr lang="en-US" sz="1100" dirty="0"/>
+                <a:t>-1.12</a:t>
+              </a:r>
+            </a:p>
+          </p:txBody>
+        </p:sp>
+        <p:cxnSp>
+          <p:nvCxnSpPr>
+            <p:cNvPr id="123" name="Straight Connector 122">
+              <a:extLst>
+                <a:ext uri="{FF2B5EF4-FFF2-40B4-BE49-F238E27FC236}">
+                  <a16:creationId xmlns:a16="http://schemas.microsoft.com/office/drawing/2014/main" id="{11DB1AAB-CDB5-4AE4-B318-99A66DB19DFD}"/>
+                </a:ext>
+              </a:extLst>
+            </p:cNvPr>
+            <p:cNvCxnSpPr/>
+            <p:nvPr/>
+          </p:nvCxnSpPr>
+          <p:spPr>
+            <a:xfrm>
+              <a:off x="2121510" y="1336067"/>
+              <a:ext cx="584785" cy="0"/>
+            </a:xfrm>
+            <a:prstGeom prst="line">
+              <a:avLst/>
+            </a:prstGeom>
+            <a:ln w="15875">
+              <a:solidFill>
+                <a:schemeClr val="tx1"/>
+              </a:solidFill>
+            </a:ln>
+          </p:spPr>
+          <p:style>
+            <a:lnRef idx="1">
+              <a:schemeClr val="accent1"/>
+            </a:lnRef>
+            <a:fillRef idx="0">
+              <a:schemeClr val="accent1"/>
+            </a:fillRef>
+            <a:effectRef idx="0">
+              <a:schemeClr val="accent1"/>
+            </a:effectRef>
+            <a:fontRef idx="minor">
+              <a:schemeClr val="tx1"/>
+            </a:fontRef>
+          </p:style>
+        </p:cxnSp>
+      </p:grpSp>
+      <p:sp>
+        <p:nvSpPr>
+          <p:cNvPr id="124" name="TextBox 123">
+            <a:extLst>
+              <a:ext uri="{FF2B5EF4-FFF2-40B4-BE49-F238E27FC236}">
+                <a16:creationId xmlns:a16="http://schemas.microsoft.com/office/drawing/2014/main" id="{50ACC572-958B-443B-8C3C-BE14D33824D9}"/>
               </a:ext>
             </a:extLst>
           </p:cNvPr>
@@ -4864,8 +6569,8 @@
         </p:nvSpPr>
         <p:spPr>
           <a:xfrm>
-            <a:off x="2116677" y="1718159"/>
-            <a:ext cx="263214" cy="261610"/>
+            <a:off x="3817662" y="2774787"/>
+            <a:ext cx="1316386" cy="430887"/>
           </a:xfrm>
           <a:prstGeom prst="rect">
             <a:avLst/>
@@ -4873,24 +6578,184 @@
           <a:noFill/>
         </p:spPr>
         <p:txBody>
-          <a:bodyPr wrap="square" rtlCol="0">
+          <a:bodyPr wrap="none" rtlCol="0">
             <a:spAutoFit/>
           </a:bodyPr>
           <a:lstStyle/>
           <a:p>
+            <a:pPr algn="ctr"/>
+            <a:r>
+              <a:rPr lang="en-US" sz="1100" b="1" dirty="0"/>
+              <a:t>Site and Year mean</a:t>
+            </a:r>
+          </a:p>
+          <a:p>
+            <a:pPr algn="ctr"/>
             <a:r>
               <a:rPr lang="en-US" sz="1100" dirty="0"/>
-              <a:t>3</a:t>
-            </a:r>
-          </a:p>
-        </p:txBody>
-      </p:sp>
-      <p:sp>
-        <p:nvSpPr>
-          <p:cNvPr id="57" name="TextBox 56">
+              <a:t>14</a:t>
+            </a:r>
+          </a:p>
+        </p:txBody>
+      </p:sp>
+      <p:grpSp>
+        <p:nvGrpSpPr>
+          <p:cNvPr id="125" name="Group 124">
             <a:extLst>
               <a:ext uri="{FF2B5EF4-FFF2-40B4-BE49-F238E27FC236}">
-                <a16:creationId xmlns:a16="http://schemas.microsoft.com/office/drawing/2014/main" id="{CB82CA4F-7C37-48D6-B4A7-015B5EABBBF8}"/>
+                <a16:creationId xmlns:a16="http://schemas.microsoft.com/office/drawing/2014/main" id="{4B1391B0-885F-4AE4-8AF3-4C1C38F48673}"/>
+              </a:ext>
+            </a:extLst>
+          </p:cNvPr>
+          <p:cNvGrpSpPr/>
+          <p:nvPr/>
+        </p:nvGrpSpPr>
+        <p:grpSpPr>
+          <a:xfrm>
+            <a:off x="3872111" y="3199147"/>
+            <a:ext cx="1297931" cy="600164"/>
+            <a:chOff x="1957123" y="943625"/>
+            <a:chExt cx="1297931" cy="600164"/>
+          </a:xfrm>
+        </p:grpSpPr>
+        <p:sp>
+          <p:nvSpPr>
+            <p:cNvPr id="126" name="TextBox 125">
+              <a:extLst>
+                <a:ext uri="{FF2B5EF4-FFF2-40B4-BE49-F238E27FC236}">
+                  <a16:creationId xmlns:a16="http://schemas.microsoft.com/office/drawing/2014/main" id="{0056F91C-D8E2-4B3E-B104-4450BEDBF4E8}"/>
+                </a:ext>
+              </a:extLst>
+            </p:cNvPr>
+            <p:cNvSpPr txBox="1"/>
+            <p:nvPr/>
+          </p:nvSpPr>
+          <p:spPr>
+            <a:xfrm>
+              <a:off x="1957123" y="943625"/>
+              <a:ext cx="873957" cy="600164"/>
+            </a:xfrm>
+            <a:prstGeom prst="rect">
+              <a:avLst/>
+            </a:prstGeom>
+            <a:noFill/>
+          </p:spPr>
+          <p:txBody>
+            <a:bodyPr wrap="none" rtlCol="0">
+              <a:spAutoFit/>
+            </a:bodyPr>
+            <a:lstStyle/>
+            <a:p>
+              <a:pPr algn="ctr"/>
+              <a:r>
+                <a:rPr lang="en-US" sz="1100" b="1" dirty="0"/>
+                <a:t>Z-score</a:t>
+              </a:r>
+            </a:p>
+            <a:p>
+              <a:pPr algn="ctr"/>
+              <a:r>
+                <a:rPr lang="en-US" sz="1100" dirty="0"/>
+                <a:t>(14 – 12.43)</a:t>
+              </a:r>
+              <a:br>
+                <a:rPr lang="en-US" sz="1100" dirty="0"/>
+              </a:br>
+              <a:r>
+                <a:rPr lang="en-US" sz="1100" dirty="0"/>
+                <a:t>1.91 </a:t>
+              </a:r>
+            </a:p>
+          </p:txBody>
+        </p:sp>
+        <p:sp>
+          <p:nvSpPr>
+            <p:cNvPr id="127" name="TextBox 126">
+              <a:extLst>
+                <a:ext uri="{FF2B5EF4-FFF2-40B4-BE49-F238E27FC236}">
+                  <a16:creationId xmlns:a16="http://schemas.microsoft.com/office/drawing/2014/main" id="{7EC1D9D6-7A9C-4696-9471-BE747BADF0A2}"/>
+                </a:ext>
+              </a:extLst>
+            </p:cNvPr>
+            <p:cNvSpPr txBox="1"/>
+            <p:nvPr/>
+          </p:nvSpPr>
+          <p:spPr>
+            <a:xfrm>
+              <a:off x="2716125" y="1180089"/>
+              <a:ext cx="538929" cy="261610"/>
+            </a:xfrm>
+            <a:prstGeom prst="rect">
+              <a:avLst/>
+            </a:prstGeom>
+            <a:noFill/>
+          </p:spPr>
+          <p:txBody>
+            <a:bodyPr wrap="none" rtlCol="0">
+              <a:spAutoFit/>
+            </a:bodyPr>
+            <a:lstStyle/>
+            <a:p>
+              <a:pPr algn="ctr"/>
+              <a:r>
+                <a:rPr lang="en-US" sz="1100" b="1" dirty="0"/>
+                <a:t>= </a:t>
+              </a:r>
+              <a:r>
+                <a:rPr lang="en-US" sz="1100" dirty="0"/>
+                <a:t>0.82</a:t>
+              </a:r>
+            </a:p>
+          </p:txBody>
+        </p:sp>
+        <p:cxnSp>
+          <p:nvCxnSpPr>
+            <p:cNvPr id="128" name="Straight Connector 127">
+              <a:extLst>
+                <a:ext uri="{FF2B5EF4-FFF2-40B4-BE49-F238E27FC236}">
+                  <a16:creationId xmlns:a16="http://schemas.microsoft.com/office/drawing/2014/main" id="{3784E78E-E3EB-4680-8C4A-FFE0DCE9E7E1}"/>
+                </a:ext>
+              </a:extLst>
+            </p:cNvPr>
+            <p:cNvCxnSpPr/>
+            <p:nvPr/>
+          </p:nvCxnSpPr>
+          <p:spPr>
+            <a:xfrm>
+              <a:off x="2121510" y="1336067"/>
+              <a:ext cx="584785" cy="0"/>
+            </a:xfrm>
+            <a:prstGeom prst="line">
+              <a:avLst/>
+            </a:prstGeom>
+            <a:ln w="15875">
+              <a:solidFill>
+                <a:schemeClr val="tx1"/>
+              </a:solidFill>
+            </a:ln>
+          </p:spPr>
+          <p:style>
+            <a:lnRef idx="1">
+              <a:schemeClr val="accent1"/>
+            </a:lnRef>
+            <a:fillRef idx="0">
+              <a:schemeClr val="accent1"/>
+            </a:fillRef>
+            <a:effectRef idx="0">
+              <a:schemeClr val="accent1"/>
+            </a:effectRef>
+            <a:fontRef idx="minor">
+              <a:schemeClr val="tx1"/>
+            </a:fontRef>
+          </p:style>
+        </p:cxnSp>
+      </p:grpSp>
+      <p:sp>
+        <p:nvSpPr>
+          <p:cNvPr id="129" name="TextBox 128">
+            <a:extLst>
+              <a:ext uri="{FF2B5EF4-FFF2-40B4-BE49-F238E27FC236}">
+                <a16:creationId xmlns:a16="http://schemas.microsoft.com/office/drawing/2014/main" id="{D339B13B-F819-4880-8E0D-CCCF7485ED0E}"/>
               </a:ext>
             </a:extLst>
           </p:cNvPr>
@@ -4899,8 +6764,8 @@
         </p:nvSpPr>
         <p:spPr>
           <a:xfrm>
-            <a:off x="2269077" y="1870559"/>
-            <a:ext cx="263214" cy="261610"/>
+            <a:off x="1964693" y="2788452"/>
+            <a:ext cx="1316386" cy="430887"/>
           </a:xfrm>
           <a:prstGeom prst="rect">
             <a:avLst/>
@@ -4908,616 +6773,178 @@
           <a:noFill/>
         </p:spPr>
         <p:txBody>
-          <a:bodyPr wrap="square" rtlCol="0">
+          <a:bodyPr wrap="none" rtlCol="0">
             <a:spAutoFit/>
           </a:bodyPr>
           <a:lstStyle/>
           <a:p>
+            <a:pPr algn="ctr"/>
+            <a:r>
+              <a:rPr lang="en-US" sz="1100" b="1" dirty="0"/>
+              <a:t>Site and Year mean</a:t>
+            </a:r>
+          </a:p>
+          <a:p>
+            <a:pPr algn="ctr"/>
             <a:r>
               <a:rPr lang="en-US" sz="1100" dirty="0"/>
-              <a:t>4</a:t>
-            </a:r>
-          </a:p>
-        </p:txBody>
-      </p:sp>
-      <p:sp>
-        <p:nvSpPr>
-          <p:cNvPr id="58" name="TextBox 57">
+              <a:t>13</a:t>
+            </a:r>
+          </a:p>
+        </p:txBody>
+      </p:sp>
+      <p:grpSp>
+        <p:nvGrpSpPr>
+          <p:cNvPr id="130" name="Group 129">
             <a:extLst>
               <a:ext uri="{FF2B5EF4-FFF2-40B4-BE49-F238E27FC236}">
-                <a16:creationId xmlns:a16="http://schemas.microsoft.com/office/drawing/2014/main" id="{5670797B-7396-4519-BE29-9FAC9DAEA24E}"/>
+                <a16:creationId xmlns:a16="http://schemas.microsoft.com/office/drawing/2014/main" id="{2112ED87-36AE-49A5-A9E7-E32401A4EA32}"/>
               </a:ext>
             </a:extLst>
           </p:cNvPr>
-          <p:cNvSpPr txBox="1"/>
+          <p:cNvGrpSpPr/>
           <p:nvPr/>
-        </p:nvSpPr>
-        <p:spPr>
+        </p:nvGrpSpPr>
+        <p:grpSpPr>
           <a:xfrm>
-            <a:off x="2113177" y="2061868"/>
-            <a:ext cx="266714" cy="261610"/>
+            <a:off x="2019141" y="3212812"/>
+            <a:ext cx="1297932" cy="600164"/>
+            <a:chOff x="1957122" y="943625"/>
+            <a:chExt cx="1297932" cy="600164"/>
           </a:xfrm>
-          <a:prstGeom prst="rect">
-            <a:avLst/>
-          </a:prstGeom>
-          <a:noFill/>
-        </p:spPr>
-        <p:txBody>
-          <a:bodyPr wrap="square" rtlCol="0">
-            <a:spAutoFit/>
-          </a:bodyPr>
-          <a:lstStyle/>
-          <a:p>
-            <a:r>
-              <a:rPr lang="en-US" sz="1100" dirty="0"/>
-              <a:t>3</a:t>
-            </a:r>
-          </a:p>
-        </p:txBody>
-      </p:sp>
-      <p:sp>
-        <p:nvSpPr>
-          <p:cNvPr id="59" name="TextBox 58">
-            <a:extLst>
-              <a:ext uri="{FF2B5EF4-FFF2-40B4-BE49-F238E27FC236}">
-                <a16:creationId xmlns:a16="http://schemas.microsoft.com/office/drawing/2014/main" id="{A1DFE03C-224B-4232-B820-8D810003A5C6}"/>
-              </a:ext>
-            </a:extLst>
-          </p:cNvPr>
-          <p:cNvSpPr txBox="1"/>
-          <p:nvPr/>
-        </p:nvSpPr>
-        <p:spPr>
-          <a:xfrm>
-            <a:off x="1863257" y="1915729"/>
-            <a:ext cx="266714" cy="261610"/>
-          </a:xfrm>
-          <a:prstGeom prst="rect">
-            <a:avLst/>
-          </a:prstGeom>
-          <a:noFill/>
-        </p:spPr>
-        <p:txBody>
-          <a:bodyPr wrap="square" rtlCol="0">
-            <a:spAutoFit/>
-          </a:bodyPr>
-          <a:lstStyle/>
-          <a:p>
-            <a:r>
-              <a:rPr lang="en-US" sz="1100" dirty="0"/>
-              <a:t>2</a:t>
-            </a:r>
-          </a:p>
-        </p:txBody>
-      </p:sp>
-      <p:sp>
-        <p:nvSpPr>
-          <p:cNvPr id="60" name="TextBox 59">
-            <a:extLst>
-              <a:ext uri="{FF2B5EF4-FFF2-40B4-BE49-F238E27FC236}">
-                <a16:creationId xmlns:a16="http://schemas.microsoft.com/office/drawing/2014/main" id="{34A0E35A-E8F9-4964-A87B-E0B3938DC33E}"/>
-              </a:ext>
-            </a:extLst>
-          </p:cNvPr>
-          <p:cNvSpPr txBox="1"/>
-          <p:nvPr/>
-        </p:nvSpPr>
-        <p:spPr>
-          <a:xfrm>
-            <a:off x="1836508" y="2931595"/>
-            <a:ext cx="398321" cy="261610"/>
-          </a:xfrm>
-          <a:prstGeom prst="rect">
-            <a:avLst/>
-          </a:prstGeom>
-          <a:noFill/>
-        </p:spPr>
-        <p:txBody>
-          <a:bodyPr wrap="square" rtlCol="0">
-            <a:spAutoFit/>
-          </a:bodyPr>
-          <a:lstStyle/>
-          <a:p>
-            <a:r>
-              <a:rPr lang="en-US" sz="1100" dirty="0"/>
-              <a:t>11</a:t>
-            </a:r>
-          </a:p>
-        </p:txBody>
-      </p:sp>
-      <p:sp>
-        <p:nvSpPr>
-          <p:cNvPr id="61" name="TextBox 60">
-            <a:extLst>
-              <a:ext uri="{FF2B5EF4-FFF2-40B4-BE49-F238E27FC236}">
-                <a16:creationId xmlns:a16="http://schemas.microsoft.com/office/drawing/2014/main" id="{DBB47FA4-DE84-4340-A88B-3C2EF6E6AB68}"/>
-              </a:ext>
-            </a:extLst>
-          </p:cNvPr>
-          <p:cNvSpPr txBox="1"/>
-          <p:nvPr/>
-        </p:nvSpPr>
-        <p:spPr>
-          <a:xfrm>
-            <a:off x="2112441" y="3134562"/>
-            <a:ext cx="456829" cy="261610"/>
-          </a:xfrm>
-          <a:prstGeom prst="rect">
-            <a:avLst/>
-          </a:prstGeom>
-          <a:noFill/>
-        </p:spPr>
-        <p:txBody>
-          <a:bodyPr wrap="square" rtlCol="0">
-            <a:spAutoFit/>
-          </a:bodyPr>
-          <a:lstStyle/>
-          <a:p>
-            <a:r>
-              <a:rPr lang="en-US" sz="1100" dirty="0"/>
-              <a:t>15</a:t>
-            </a:r>
-          </a:p>
-        </p:txBody>
-      </p:sp>
-      <p:sp>
-        <p:nvSpPr>
-          <p:cNvPr id="62" name="TextBox 61">
-            <a:extLst>
-              <a:ext uri="{FF2B5EF4-FFF2-40B4-BE49-F238E27FC236}">
-                <a16:creationId xmlns:a16="http://schemas.microsoft.com/office/drawing/2014/main" id="{5722917B-5E11-4324-86D2-F79F1C23B6FB}"/>
-              </a:ext>
-            </a:extLst>
-          </p:cNvPr>
-          <p:cNvSpPr txBox="1"/>
-          <p:nvPr/>
-        </p:nvSpPr>
-        <p:spPr>
-          <a:xfrm>
-            <a:off x="3714903" y="3041539"/>
-            <a:ext cx="413455" cy="261610"/>
-          </a:xfrm>
-          <a:prstGeom prst="rect">
-            <a:avLst/>
-          </a:prstGeom>
-          <a:noFill/>
-        </p:spPr>
-        <p:txBody>
-          <a:bodyPr wrap="square" rtlCol="0">
-            <a:spAutoFit/>
-          </a:bodyPr>
-          <a:lstStyle/>
-          <a:p>
-            <a:r>
-              <a:rPr lang="en-US" sz="1100" dirty="0"/>
-              <a:t>14</a:t>
-            </a:r>
-          </a:p>
-        </p:txBody>
-      </p:sp>
-      <p:sp>
-        <p:nvSpPr>
-          <p:cNvPr id="63" name="TextBox 62">
-            <a:extLst>
-              <a:ext uri="{FF2B5EF4-FFF2-40B4-BE49-F238E27FC236}">
-                <a16:creationId xmlns:a16="http://schemas.microsoft.com/office/drawing/2014/main" id="{FA603794-3FE2-47F2-8550-98A888649FE8}"/>
-              </a:ext>
-            </a:extLst>
-          </p:cNvPr>
-          <p:cNvSpPr txBox="1"/>
-          <p:nvPr/>
-        </p:nvSpPr>
-        <p:spPr>
-          <a:xfrm>
-            <a:off x="3585170" y="867290"/>
-            <a:ext cx="266714" cy="261610"/>
-          </a:xfrm>
-          <a:prstGeom prst="rect">
-            <a:avLst/>
-          </a:prstGeom>
-          <a:noFill/>
-        </p:spPr>
-        <p:txBody>
-          <a:bodyPr wrap="square" rtlCol="0">
-            <a:spAutoFit/>
-          </a:bodyPr>
-          <a:lstStyle/>
-          <a:p>
-            <a:r>
-              <a:rPr lang="en-US" sz="1100" dirty="0"/>
-              <a:t>6</a:t>
-            </a:r>
-          </a:p>
-        </p:txBody>
-      </p:sp>
-      <p:sp>
-        <p:nvSpPr>
-          <p:cNvPr id="64" name="TextBox 63">
-            <a:extLst>
-              <a:ext uri="{FF2B5EF4-FFF2-40B4-BE49-F238E27FC236}">
-                <a16:creationId xmlns:a16="http://schemas.microsoft.com/office/drawing/2014/main" id="{52601761-FDEE-4B0E-8BD2-4FE70C22DBC1}"/>
-              </a:ext>
-            </a:extLst>
-          </p:cNvPr>
-          <p:cNvSpPr txBox="1"/>
-          <p:nvPr/>
-        </p:nvSpPr>
-        <p:spPr>
-          <a:xfrm>
-            <a:off x="3956656" y="728790"/>
-            <a:ext cx="266714" cy="261610"/>
-          </a:xfrm>
-          <a:prstGeom prst="rect">
-            <a:avLst/>
-          </a:prstGeom>
-          <a:noFill/>
-        </p:spPr>
-        <p:txBody>
-          <a:bodyPr wrap="square" rtlCol="0">
-            <a:spAutoFit/>
-          </a:bodyPr>
-          <a:lstStyle/>
-          <a:p>
-            <a:r>
-              <a:rPr lang="en-US" sz="1100" dirty="0"/>
-              <a:t>6</a:t>
-            </a:r>
-          </a:p>
-        </p:txBody>
-      </p:sp>
-      <p:sp>
-        <p:nvSpPr>
-          <p:cNvPr id="65" name="TextBox 64">
-            <a:extLst>
-              <a:ext uri="{FF2B5EF4-FFF2-40B4-BE49-F238E27FC236}">
-                <a16:creationId xmlns:a16="http://schemas.microsoft.com/office/drawing/2014/main" id="{081DC5C0-5968-476B-AC01-5DD30BBA1A5B}"/>
-              </a:ext>
-            </a:extLst>
-          </p:cNvPr>
-          <p:cNvSpPr txBox="1"/>
-          <p:nvPr/>
-        </p:nvSpPr>
-        <p:spPr>
-          <a:xfrm>
-            <a:off x="3773509" y="1000368"/>
-            <a:ext cx="266714" cy="261610"/>
-          </a:xfrm>
-          <a:prstGeom prst="rect">
-            <a:avLst/>
-          </a:prstGeom>
-          <a:noFill/>
-        </p:spPr>
-        <p:txBody>
-          <a:bodyPr wrap="square" rtlCol="0">
-            <a:spAutoFit/>
-          </a:bodyPr>
-          <a:lstStyle/>
-          <a:p>
-            <a:r>
-              <a:rPr lang="en-US" sz="1100" dirty="0"/>
-              <a:t>9</a:t>
-            </a:r>
-          </a:p>
-        </p:txBody>
-      </p:sp>
-      <p:sp>
-        <p:nvSpPr>
-          <p:cNvPr id="68" name="TextBox 67">
-            <a:extLst>
-              <a:ext uri="{FF2B5EF4-FFF2-40B4-BE49-F238E27FC236}">
-                <a16:creationId xmlns:a16="http://schemas.microsoft.com/office/drawing/2014/main" id="{65F819A5-6435-4F89-947C-6B2D53C6CE3D}"/>
-              </a:ext>
-            </a:extLst>
-          </p:cNvPr>
-          <p:cNvSpPr txBox="1"/>
-          <p:nvPr/>
-        </p:nvSpPr>
-        <p:spPr>
-          <a:xfrm>
-            <a:off x="5574730" y="1725798"/>
-            <a:ext cx="263214" cy="261610"/>
-          </a:xfrm>
-          <a:prstGeom prst="rect">
-            <a:avLst/>
-          </a:prstGeom>
-          <a:noFill/>
-        </p:spPr>
-        <p:txBody>
-          <a:bodyPr wrap="square" rtlCol="0">
-            <a:spAutoFit/>
-          </a:bodyPr>
-          <a:lstStyle/>
-          <a:p>
-            <a:r>
-              <a:rPr lang="en-US" sz="1100" dirty="0"/>
-              <a:t>4</a:t>
-            </a:r>
-          </a:p>
-        </p:txBody>
-      </p:sp>
-      <p:sp>
-        <p:nvSpPr>
-          <p:cNvPr id="70" name="TextBox 69">
-            <a:extLst>
-              <a:ext uri="{FF2B5EF4-FFF2-40B4-BE49-F238E27FC236}">
-                <a16:creationId xmlns:a16="http://schemas.microsoft.com/office/drawing/2014/main" id="{6846EA3B-C941-418F-97DC-AAE516B4683B}"/>
-              </a:ext>
-            </a:extLst>
-          </p:cNvPr>
-          <p:cNvSpPr txBox="1"/>
-          <p:nvPr/>
-        </p:nvSpPr>
-        <p:spPr>
-          <a:xfrm>
-            <a:off x="5571230" y="2069507"/>
-            <a:ext cx="266714" cy="261610"/>
-          </a:xfrm>
-          <a:prstGeom prst="rect">
-            <a:avLst/>
-          </a:prstGeom>
-          <a:noFill/>
-        </p:spPr>
-        <p:txBody>
-          <a:bodyPr wrap="square" rtlCol="0">
-            <a:spAutoFit/>
-          </a:bodyPr>
-          <a:lstStyle/>
-          <a:p>
-            <a:r>
-              <a:rPr lang="en-US" sz="1100" dirty="0"/>
-              <a:t>6</a:t>
-            </a:r>
-          </a:p>
-        </p:txBody>
-      </p:sp>
-      <p:sp>
-        <p:nvSpPr>
-          <p:cNvPr id="71" name="TextBox 70">
-            <a:extLst>
-              <a:ext uri="{FF2B5EF4-FFF2-40B4-BE49-F238E27FC236}">
-                <a16:creationId xmlns:a16="http://schemas.microsoft.com/office/drawing/2014/main" id="{9AC981CD-FDE8-4D46-903A-F5D77DFA291D}"/>
-              </a:ext>
-            </a:extLst>
-          </p:cNvPr>
-          <p:cNvSpPr txBox="1"/>
-          <p:nvPr/>
-        </p:nvSpPr>
-        <p:spPr>
-          <a:xfrm>
-            <a:off x="5321310" y="1923368"/>
-            <a:ext cx="266714" cy="261610"/>
-          </a:xfrm>
-          <a:prstGeom prst="rect">
-            <a:avLst/>
-          </a:prstGeom>
-          <a:noFill/>
-        </p:spPr>
-        <p:txBody>
-          <a:bodyPr wrap="square" rtlCol="0">
-            <a:spAutoFit/>
-          </a:bodyPr>
-          <a:lstStyle/>
-          <a:p>
-            <a:r>
-              <a:rPr lang="en-US" sz="1100" dirty="0"/>
-              <a:t>3</a:t>
-            </a:r>
-          </a:p>
-        </p:txBody>
-      </p:sp>
-      <p:sp>
-        <p:nvSpPr>
-          <p:cNvPr id="73" name="TextBox 72">
-            <a:extLst>
-              <a:ext uri="{FF2B5EF4-FFF2-40B4-BE49-F238E27FC236}">
-                <a16:creationId xmlns:a16="http://schemas.microsoft.com/office/drawing/2014/main" id="{60C7C5C7-82D5-44CE-8678-52499A455C6A}"/>
-              </a:ext>
-            </a:extLst>
-          </p:cNvPr>
-          <p:cNvSpPr txBox="1"/>
-          <p:nvPr/>
-        </p:nvSpPr>
-        <p:spPr>
-          <a:xfrm>
-            <a:off x="5495650" y="975819"/>
-            <a:ext cx="263214" cy="261610"/>
-          </a:xfrm>
-          <a:prstGeom prst="rect">
-            <a:avLst/>
-          </a:prstGeom>
-          <a:noFill/>
-        </p:spPr>
-        <p:txBody>
-          <a:bodyPr wrap="square" rtlCol="0">
-            <a:spAutoFit/>
-          </a:bodyPr>
-          <a:lstStyle/>
-          <a:p>
-            <a:r>
-              <a:rPr lang="en-US" sz="1100" dirty="0"/>
-              <a:t>9</a:t>
-            </a:r>
-          </a:p>
-        </p:txBody>
-      </p:sp>
-      <p:sp>
-        <p:nvSpPr>
-          <p:cNvPr id="74" name="TextBox 73">
-            <a:extLst>
-              <a:ext uri="{FF2B5EF4-FFF2-40B4-BE49-F238E27FC236}">
-                <a16:creationId xmlns:a16="http://schemas.microsoft.com/office/drawing/2014/main" id="{AD8C9A75-532E-4991-8CEC-3A5EA65B2E1E}"/>
-              </a:ext>
-            </a:extLst>
-          </p:cNvPr>
-          <p:cNvSpPr txBox="1"/>
-          <p:nvPr/>
-        </p:nvSpPr>
-        <p:spPr>
-          <a:xfrm>
-            <a:off x="5678797" y="712544"/>
-            <a:ext cx="263214" cy="261610"/>
-          </a:xfrm>
-          <a:prstGeom prst="rect">
-            <a:avLst/>
-          </a:prstGeom>
-          <a:noFill/>
-        </p:spPr>
-        <p:txBody>
-          <a:bodyPr wrap="square" rtlCol="0">
-            <a:spAutoFit/>
-          </a:bodyPr>
-          <a:lstStyle/>
-          <a:p>
-            <a:r>
-              <a:rPr lang="en-US" sz="1100" dirty="0"/>
-              <a:t>8</a:t>
-            </a:r>
-          </a:p>
-        </p:txBody>
-      </p:sp>
-      <p:sp>
-        <p:nvSpPr>
-          <p:cNvPr id="75" name="TextBox 74">
-            <a:extLst>
-              <a:ext uri="{FF2B5EF4-FFF2-40B4-BE49-F238E27FC236}">
-                <a16:creationId xmlns:a16="http://schemas.microsoft.com/office/drawing/2014/main" id="{5F6188CB-107D-427D-A3B9-F0F1E439BB56}"/>
-              </a:ext>
-            </a:extLst>
-          </p:cNvPr>
-          <p:cNvSpPr txBox="1"/>
-          <p:nvPr/>
-        </p:nvSpPr>
-        <p:spPr>
-          <a:xfrm>
-            <a:off x="5412082" y="2969289"/>
-            <a:ext cx="346781" cy="261610"/>
-          </a:xfrm>
-          <a:prstGeom prst="rect">
-            <a:avLst/>
-          </a:prstGeom>
-          <a:noFill/>
-        </p:spPr>
-        <p:txBody>
-          <a:bodyPr wrap="square" rtlCol="0">
-            <a:spAutoFit/>
-          </a:bodyPr>
-          <a:lstStyle/>
-          <a:p>
-            <a:r>
-              <a:rPr lang="en-US" sz="1100" dirty="0"/>
-              <a:t>12</a:t>
-            </a:r>
-          </a:p>
-        </p:txBody>
-      </p:sp>
-      <p:sp>
-        <p:nvSpPr>
-          <p:cNvPr id="76" name="TextBox 75">
-            <a:extLst>
-              <a:ext uri="{FF2B5EF4-FFF2-40B4-BE49-F238E27FC236}">
-                <a16:creationId xmlns:a16="http://schemas.microsoft.com/office/drawing/2014/main" id="{29BB147C-886C-4294-9982-046E1CBEAB4F}"/>
-              </a:ext>
-            </a:extLst>
-          </p:cNvPr>
-          <p:cNvSpPr txBox="1"/>
-          <p:nvPr/>
-        </p:nvSpPr>
-        <p:spPr>
-          <a:xfrm>
-            <a:off x="5688016" y="3172256"/>
-            <a:ext cx="266714" cy="261610"/>
-          </a:xfrm>
-          <a:prstGeom prst="rect">
-            <a:avLst/>
-          </a:prstGeom>
-          <a:noFill/>
-        </p:spPr>
-        <p:txBody>
-          <a:bodyPr wrap="square" rtlCol="0">
-            <a:spAutoFit/>
-          </a:bodyPr>
-          <a:lstStyle/>
-          <a:p>
-            <a:r>
-              <a:rPr lang="en-US" sz="1100" dirty="0"/>
-              <a:t>9</a:t>
-            </a:r>
-          </a:p>
-        </p:txBody>
-      </p:sp>
-      <p:sp>
-        <p:nvSpPr>
-          <p:cNvPr id="77" name="TextBox 76">
-            <a:extLst>
-              <a:ext uri="{FF2B5EF4-FFF2-40B4-BE49-F238E27FC236}">
-                <a16:creationId xmlns:a16="http://schemas.microsoft.com/office/drawing/2014/main" id="{AD1E8905-7E57-4BD8-8A18-BC458AB5BFCF}"/>
-              </a:ext>
-            </a:extLst>
-          </p:cNvPr>
-          <p:cNvSpPr txBox="1"/>
-          <p:nvPr/>
-        </p:nvSpPr>
-        <p:spPr>
-          <a:xfrm>
-            <a:off x="5187952" y="3124299"/>
-            <a:ext cx="372259" cy="261610"/>
-          </a:xfrm>
-          <a:prstGeom prst="rect">
-            <a:avLst/>
-          </a:prstGeom>
-          <a:noFill/>
-        </p:spPr>
-        <p:txBody>
-          <a:bodyPr wrap="square" rtlCol="0">
-            <a:spAutoFit/>
-          </a:bodyPr>
-          <a:lstStyle/>
-          <a:p>
-            <a:r>
-              <a:rPr lang="en-US" sz="1100" dirty="0"/>
-              <a:t>10</a:t>
-            </a:r>
-          </a:p>
-        </p:txBody>
-      </p:sp>
-      <p:sp>
-        <p:nvSpPr>
-          <p:cNvPr id="78" name="TextBox 77">
-            <a:extLst>
-              <a:ext uri="{FF2B5EF4-FFF2-40B4-BE49-F238E27FC236}">
-                <a16:creationId xmlns:a16="http://schemas.microsoft.com/office/drawing/2014/main" id="{7C7F0A6A-CADA-4A85-A1AB-018058996648}"/>
-              </a:ext>
-            </a:extLst>
-          </p:cNvPr>
-          <p:cNvSpPr txBox="1"/>
-          <p:nvPr/>
-        </p:nvSpPr>
-        <p:spPr>
-          <a:xfrm>
-            <a:off x="159587" y="4056029"/>
-            <a:ext cx="974947" cy="369332"/>
-          </a:xfrm>
-          <a:prstGeom prst="rect">
-            <a:avLst/>
-          </a:prstGeom>
-          <a:noFill/>
-        </p:spPr>
-        <p:txBody>
-          <a:bodyPr wrap="none" rtlCol="0">
-            <a:spAutoFit/>
-          </a:bodyPr>
-          <a:lstStyle/>
-          <a:p>
-            <a:r>
-              <a:rPr lang="en-US" dirty="0">
-                <a:latin typeface="Roboto Condensed" panose="02000000000000000000" pitchFamily="2" charset="0"/>
-                <a:ea typeface="Roboto Condensed" panose="02000000000000000000" pitchFamily="2" charset="0"/>
-              </a:rPr>
-              <a:t>Z-scores</a:t>
-            </a:r>
-          </a:p>
-        </p:txBody>
-      </p:sp>
+        </p:grpSpPr>
+        <p:sp>
+          <p:nvSpPr>
+            <p:cNvPr id="131" name="TextBox 130">
+              <a:extLst>
+                <a:ext uri="{FF2B5EF4-FFF2-40B4-BE49-F238E27FC236}">
+                  <a16:creationId xmlns:a16="http://schemas.microsoft.com/office/drawing/2014/main" id="{FF7E9A94-2C10-44AB-91EB-8AF4D6D06F02}"/>
+                </a:ext>
+              </a:extLst>
+            </p:cNvPr>
+            <p:cNvSpPr txBox="1"/>
+            <p:nvPr/>
+          </p:nvSpPr>
+          <p:spPr>
+            <a:xfrm>
+              <a:off x="1957122" y="943625"/>
+              <a:ext cx="873957" cy="600164"/>
+            </a:xfrm>
+            <a:prstGeom prst="rect">
+              <a:avLst/>
+            </a:prstGeom>
+            <a:noFill/>
+          </p:spPr>
+          <p:txBody>
+            <a:bodyPr wrap="none" rtlCol="0">
+              <a:spAutoFit/>
+            </a:bodyPr>
+            <a:lstStyle/>
+            <a:p>
+              <a:pPr algn="ctr"/>
+              <a:r>
+                <a:rPr lang="en-US" sz="1100" b="1" dirty="0"/>
+                <a:t>Z-score</a:t>
+              </a:r>
+            </a:p>
+            <a:p>
+              <a:pPr algn="ctr"/>
+              <a:r>
+                <a:rPr lang="en-US" sz="1100" dirty="0"/>
+                <a:t>(13 – 12.43)</a:t>
+              </a:r>
+              <a:br>
+                <a:rPr lang="en-US" sz="1100" dirty="0"/>
+              </a:br>
+              <a:r>
+                <a:rPr lang="en-US" sz="1100" dirty="0"/>
+                <a:t>1.91 </a:t>
+              </a:r>
+            </a:p>
+          </p:txBody>
+        </p:sp>
+        <p:sp>
+          <p:nvSpPr>
+            <p:cNvPr id="132" name="TextBox 131">
+              <a:extLst>
+                <a:ext uri="{FF2B5EF4-FFF2-40B4-BE49-F238E27FC236}">
+                  <a16:creationId xmlns:a16="http://schemas.microsoft.com/office/drawing/2014/main" id="{165956A5-53C0-49D2-A6BF-EEC73B0B526A}"/>
+                </a:ext>
+              </a:extLst>
+            </p:cNvPr>
+            <p:cNvSpPr txBox="1"/>
+            <p:nvPr/>
+          </p:nvSpPr>
+          <p:spPr>
+            <a:xfrm>
+              <a:off x="2716124" y="1180089"/>
+              <a:ext cx="538930" cy="261610"/>
+            </a:xfrm>
+            <a:prstGeom prst="rect">
+              <a:avLst/>
+            </a:prstGeom>
+            <a:noFill/>
+          </p:spPr>
+          <p:txBody>
+            <a:bodyPr wrap="none" rtlCol="0">
+              <a:spAutoFit/>
+            </a:bodyPr>
+            <a:lstStyle/>
+            <a:p>
+              <a:pPr algn="ctr"/>
+              <a:r>
+                <a:rPr lang="en-US" sz="1100" b="1" dirty="0"/>
+                <a:t>= </a:t>
+              </a:r>
+              <a:r>
+                <a:rPr lang="en-US" sz="1100" dirty="0"/>
+                <a:t>0.30</a:t>
+              </a:r>
+            </a:p>
+          </p:txBody>
+        </p:sp>
+        <p:cxnSp>
+          <p:nvCxnSpPr>
+            <p:cNvPr id="133" name="Straight Connector 132">
+              <a:extLst>
+                <a:ext uri="{FF2B5EF4-FFF2-40B4-BE49-F238E27FC236}">
+                  <a16:creationId xmlns:a16="http://schemas.microsoft.com/office/drawing/2014/main" id="{28A98C48-D08E-498B-98E5-11639C586DAF}"/>
+                </a:ext>
+              </a:extLst>
+            </p:cNvPr>
+            <p:cNvCxnSpPr/>
+            <p:nvPr/>
+          </p:nvCxnSpPr>
+          <p:spPr>
+            <a:xfrm>
+              <a:off x="2121510" y="1336067"/>
+              <a:ext cx="584785" cy="0"/>
+            </a:xfrm>
+            <a:prstGeom prst="line">
+              <a:avLst/>
+            </a:prstGeom>
+            <a:ln w="15875">
+              <a:solidFill>
+                <a:schemeClr val="tx1"/>
+              </a:solidFill>
+            </a:ln>
+          </p:spPr>
+          <p:style>
+            <a:lnRef idx="1">
+              <a:schemeClr val="accent1"/>
+            </a:lnRef>
+            <a:fillRef idx="0">
+              <a:schemeClr val="accent1"/>
+            </a:fillRef>
+            <a:effectRef idx="0">
+              <a:schemeClr val="accent1"/>
+            </a:effectRef>
+            <a:fontRef idx="minor">
+              <a:schemeClr val="tx1"/>
+            </a:fontRef>
+          </p:style>
+        </p:cxnSp>
+      </p:grpSp>
     </p:spTree>
     <p:extLst>
       <p:ext uri="{BB962C8B-B14F-4D97-AF65-F5344CB8AC3E}">

--- a/figures/z-score_schematic.pptx
+++ b/figures/z-score_schematic.pptx
@@ -5,10 +5,10 @@
     <p:sldMasterId id="2147483660" r:id="rId1"/>
   </p:sldMasterIdLst>
   <p:sldIdLst>
-    <p:sldId id="256" r:id="rId2"/>
+    <p:sldId id="257" r:id="rId2"/>
   </p:sldIdLst>
   <p:sldSz cx="6858000" cy="4572000"/>
-  <p:notesSz cx="6858000" cy="9144000"/>
+  <p:notesSz cx="7010400" cy="9296400"/>
   <p:defaultTextStyle>
     <a:defPPr>
       <a:defRPr lang="en-US"/>
@@ -116,19 +116,19 @@
 <pc:chgInfo xmlns:a="http://schemas.openxmlformats.org/drawingml/2006/main" xmlns:r="http://schemas.openxmlformats.org/officeDocument/2006/relationships" xmlns:ac="http://schemas.microsoft.com/office/drawing/2013/main/command" xmlns:pc="http://schemas.microsoft.com/office/powerpoint/2013/main/command">
   <pc:docChgLst>
     <pc:chgData name="Hollister, Jeff" userId="90904e2a-aa82-465e-9922-afce4bc6d524" providerId="ADAL" clId="{ED486670-7F59-4038-B9BC-E9238978F7A3}"/>
-    <pc:docChg chg="undo custSel modSld">
-      <pc:chgData name="Hollister, Jeff" userId="90904e2a-aa82-465e-9922-afce4bc6d524" providerId="ADAL" clId="{ED486670-7F59-4038-B9BC-E9238978F7A3}" dt="2019-05-02T19:08:17.803" v="1412" actId="20577"/>
+    <pc:docChg chg="undo redo custSel delSld modSld">
+      <pc:chgData name="Hollister, Jeff" userId="90904e2a-aa82-465e-9922-afce4bc6d524" providerId="ADAL" clId="{ED486670-7F59-4038-B9BC-E9238978F7A3}" dt="2019-05-06T17:24:18.589" v="2381" actId="20577"/>
       <pc:docMkLst>
         <pc:docMk/>
       </pc:docMkLst>
-      <pc:sldChg chg="addSp delSp modSp">
-        <pc:chgData name="Hollister, Jeff" userId="90904e2a-aa82-465e-9922-afce4bc6d524" providerId="ADAL" clId="{ED486670-7F59-4038-B9BC-E9238978F7A3}" dt="2019-05-02T19:08:17.803" v="1412" actId="20577"/>
+      <pc:sldChg chg="addSp delSp modSp del">
+        <pc:chgData name="Hollister, Jeff" userId="90904e2a-aa82-465e-9922-afce4bc6d524" providerId="ADAL" clId="{ED486670-7F59-4038-B9BC-E9238978F7A3}" dt="2019-05-06T14:14:19.989" v="2261" actId="2696"/>
         <pc:sldMkLst>
           <pc:docMk/>
           <pc:sldMk cId="4037393715" sldId="256"/>
         </pc:sldMkLst>
         <pc:spChg chg="add mod">
-          <ac:chgData name="Hollister, Jeff" userId="90904e2a-aa82-465e-9922-afce4bc6d524" providerId="ADAL" clId="{ED486670-7F59-4038-B9BC-E9238978F7A3}" dt="2019-05-02T18:35:37.278" v="599" actId="14100"/>
+          <ac:chgData name="Hollister, Jeff" userId="90904e2a-aa82-465e-9922-afce4bc6d524" providerId="ADAL" clId="{ED486670-7F59-4038-B9BC-E9238978F7A3}" dt="2019-05-06T12:58:20.559" v="1568" actId="164"/>
           <ac:spMkLst>
             <pc:docMk/>
             <pc:sldMk cId="4037393715" sldId="256"/>
@@ -144,7 +144,7 @@
           </ac:spMkLst>
         </pc:spChg>
         <pc:spChg chg="mod">
-          <ac:chgData name="Hollister, Jeff" userId="90904e2a-aa82-465e-9922-afce4bc6d524" providerId="ADAL" clId="{ED486670-7F59-4038-B9BC-E9238978F7A3}" dt="2019-05-02T18:50:32.704" v="733" actId="20577"/>
+          <ac:chgData name="Hollister, Jeff" userId="90904e2a-aa82-465e-9922-afce4bc6d524" providerId="ADAL" clId="{ED486670-7F59-4038-B9BC-E9238978F7A3}" dt="2019-05-06T12:57:35.446" v="1534" actId="1037"/>
           <ac:spMkLst>
             <pc:docMk/>
             <pc:sldMk cId="4037393715" sldId="256"/>
@@ -152,7 +152,7 @@
           </ac:spMkLst>
         </pc:spChg>
         <pc:spChg chg="mod">
-          <ac:chgData name="Hollister, Jeff" userId="90904e2a-aa82-465e-9922-afce4bc6d524" providerId="ADAL" clId="{ED486670-7F59-4038-B9BC-E9238978F7A3}" dt="2019-05-02T19:04:00.235" v="1293" actId="20577"/>
+          <ac:chgData name="Hollister, Jeff" userId="90904e2a-aa82-465e-9922-afce4bc6d524" providerId="ADAL" clId="{ED486670-7F59-4038-B9BC-E9238978F7A3}" dt="2019-05-06T12:57:35.446" v="1534" actId="1037"/>
           <ac:spMkLst>
             <pc:docMk/>
             <pc:sldMk cId="4037393715" sldId="256"/>
@@ -160,7 +160,7 @@
           </ac:spMkLst>
         </pc:spChg>
         <pc:spChg chg="mod">
-          <ac:chgData name="Hollister, Jeff" userId="90904e2a-aa82-465e-9922-afce4bc6d524" providerId="ADAL" clId="{ED486670-7F59-4038-B9BC-E9238978F7A3}" dt="2019-05-02T19:04:44.294" v="1306" actId="20577"/>
+          <ac:chgData name="Hollister, Jeff" userId="90904e2a-aa82-465e-9922-afce4bc6d524" providerId="ADAL" clId="{ED486670-7F59-4038-B9BC-E9238978F7A3}" dt="2019-05-06T12:57:35.446" v="1534" actId="1037"/>
           <ac:spMkLst>
             <pc:docMk/>
             <pc:sldMk cId="4037393715" sldId="256"/>
@@ -264,7 +264,7 @@
           </ac:spMkLst>
         </pc:spChg>
         <pc:spChg chg="mod topLvl">
-          <ac:chgData name="Hollister, Jeff" userId="90904e2a-aa82-465e-9922-afce4bc6d524" providerId="ADAL" clId="{ED486670-7F59-4038-B9BC-E9238978F7A3}" dt="2019-05-02T18:08:05.274" v="440" actId="552"/>
+          <ac:chgData name="Hollister, Jeff" userId="90904e2a-aa82-465e-9922-afce4bc6d524" providerId="ADAL" clId="{ED486670-7F59-4038-B9BC-E9238978F7A3}" dt="2019-05-06T12:29:42.082" v="1477" actId="1036"/>
           <ac:spMkLst>
             <pc:docMk/>
             <pc:sldMk cId="4037393715" sldId="256"/>
@@ -272,7 +272,7 @@
           </ac:spMkLst>
         </pc:spChg>
         <pc:spChg chg="mod topLvl">
-          <ac:chgData name="Hollister, Jeff" userId="90904e2a-aa82-465e-9922-afce4bc6d524" providerId="ADAL" clId="{ED486670-7F59-4038-B9BC-E9238978F7A3}" dt="2019-05-02T18:08:16.447" v="441" actId="552"/>
+          <ac:chgData name="Hollister, Jeff" userId="90904e2a-aa82-465e-9922-afce4bc6d524" providerId="ADAL" clId="{ED486670-7F59-4038-B9BC-E9238978F7A3}" dt="2019-05-06T12:29:42.082" v="1477" actId="1036"/>
           <ac:spMkLst>
             <pc:docMk/>
             <pc:sldMk cId="4037393715" sldId="256"/>
@@ -280,7 +280,7 @@
           </ac:spMkLst>
         </pc:spChg>
         <pc:spChg chg="mod topLvl">
-          <ac:chgData name="Hollister, Jeff" userId="90904e2a-aa82-465e-9922-afce4bc6d524" providerId="ADAL" clId="{ED486670-7F59-4038-B9BC-E9238978F7A3}" dt="2019-05-02T18:08:29.202" v="444" actId="552"/>
+          <ac:chgData name="Hollister, Jeff" userId="90904e2a-aa82-465e-9922-afce4bc6d524" providerId="ADAL" clId="{ED486670-7F59-4038-B9BC-E9238978F7A3}" dt="2019-05-06T12:29:42.082" v="1477" actId="1036"/>
           <ac:spMkLst>
             <pc:docMk/>
             <pc:sldMk cId="4037393715" sldId="256"/>
@@ -288,7 +288,7 @@
           </ac:spMkLst>
         </pc:spChg>
         <pc:spChg chg="add mod">
-          <ac:chgData name="Hollister, Jeff" userId="90904e2a-aa82-465e-9922-afce4bc6d524" providerId="ADAL" clId="{ED486670-7F59-4038-B9BC-E9238978F7A3}" dt="2019-05-02T18:46:36.386" v="617" actId="14100"/>
+          <ac:chgData name="Hollister, Jeff" userId="90904e2a-aa82-465e-9922-afce4bc6d524" providerId="ADAL" clId="{ED486670-7F59-4038-B9BC-E9238978F7A3}" dt="2019-05-06T12:58:35.769" v="1570" actId="164"/>
           <ac:spMkLst>
             <pc:docMk/>
             <pc:sldMk cId="4037393715" sldId="256"/>
@@ -296,7 +296,7 @@
           </ac:spMkLst>
         </pc:spChg>
         <pc:spChg chg="add mod">
-          <ac:chgData name="Hollister, Jeff" userId="90904e2a-aa82-465e-9922-afce4bc6d524" providerId="ADAL" clId="{ED486670-7F59-4038-B9BC-E9238978F7A3}" dt="2019-05-02T18:47:13.705" v="624" actId="14100"/>
+          <ac:chgData name="Hollister, Jeff" userId="90904e2a-aa82-465e-9922-afce4bc6d524" providerId="ADAL" clId="{ED486670-7F59-4038-B9BC-E9238978F7A3}" dt="2019-05-06T12:58:46.685" v="1572" actId="164"/>
           <ac:spMkLst>
             <pc:docMk/>
             <pc:sldMk cId="4037393715" sldId="256"/>
@@ -320,7 +320,7 @@
           </ac:spMkLst>
         </pc:spChg>
         <pc:spChg chg="mod">
-          <ac:chgData name="Hollister, Jeff" userId="90904e2a-aa82-465e-9922-afce4bc6d524" providerId="ADAL" clId="{ED486670-7F59-4038-B9BC-E9238978F7A3}" dt="2019-05-02T18:35:32.321" v="598" actId="1076"/>
+          <ac:chgData name="Hollister, Jeff" userId="90904e2a-aa82-465e-9922-afce4bc6d524" providerId="ADAL" clId="{ED486670-7F59-4038-B9BC-E9238978F7A3}" dt="2019-05-06T12:58:20.559" v="1568" actId="164"/>
           <ac:spMkLst>
             <pc:docMk/>
             <pc:sldMk cId="4037393715" sldId="256"/>
@@ -520,7 +520,7 @@
           </ac:spMkLst>
         </pc:spChg>
         <pc:spChg chg="mod">
-          <ac:chgData name="Hollister, Jeff" userId="90904e2a-aa82-465e-9922-afce4bc6d524" providerId="ADAL" clId="{ED486670-7F59-4038-B9BC-E9238978F7A3}" dt="2019-05-02T16:27:15.480" v="206" actId="255"/>
+          <ac:chgData name="Hollister, Jeff" userId="90904e2a-aa82-465e-9922-afce4bc6d524" providerId="ADAL" clId="{ED486670-7F59-4038-B9BC-E9238978F7A3}" dt="2019-05-06T12:57:21.431" v="1518" actId="1038"/>
           <ac:spMkLst>
             <pc:docMk/>
             <pc:sldMk cId="4037393715" sldId="256"/>
@@ -536,7 +536,7 @@
           </ac:spMkLst>
         </pc:spChg>
         <pc:spChg chg="add mod">
-          <ac:chgData name="Hollister, Jeff" userId="90904e2a-aa82-465e-9922-afce4bc6d524" providerId="ADAL" clId="{ED486670-7F59-4038-B9BC-E9238978F7A3}" dt="2019-05-02T18:46:30.610" v="616" actId="1076"/>
+          <ac:chgData name="Hollister, Jeff" userId="90904e2a-aa82-465e-9922-afce4bc6d524" providerId="ADAL" clId="{ED486670-7F59-4038-B9BC-E9238978F7A3}" dt="2019-05-06T12:58:35.769" v="1570" actId="164"/>
           <ac:spMkLst>
             <pc:docMk/>
             <pc:sldMk cId="4037393715" sldId="256"/>
@@ -552,7 +552,7 @@
           </ac:spMkLst>
         </pc:spChg>
         <pc:spChg chg="add mod">
-          <ac:chgData name="Hollister, Jeff" userId="90904e2a-aa82-465e-9922-afce4bc6d524" providerId="ADAL" clId="{ED486670-7F59-4038-B9BC-E9238978F7A3}" dt="2019-05-02T18:58:04.454" v="887" actId="14100"/>
+          <ac:chgData name="Hollister, Jeff" userId="90904e2a-aa82-465e-9922-afce4bc6d524" providerId="ADAL" clId="{ED486670-7F59-4038-B9BC-E9238978F7A3}" dt="2019-05-06T12:30:50.597" v="1483" actId="14100"/>
           <ac:spMkLst>
             <pc:docMk/>
             <pc:sldMk cId="4037393715" sldId="256"/>
@@ -560,7 +560,7 @@
           </ac:spMkLst>
         </pc:spChg>
         <pc:spChg chg="add mod">
-          <ac:chgData name="Hollister, Jeff" userId="90904e2a-aa82-465e-9922-afce4bc6d524" providerId="ADAL" clId="{ED486670-7F59-4038-B9BC-E9238978F7A3}" dt="2019-05-02T18:36:27.765" v="609" actId="14100"/>
+          <ac:chgData name="Hollister, Jeff" userId="90904e2a-aa82-465e-9922-afce4bc6d524" providerId="ADAL" clId="{ED486670-7F59-4038-B9BC-E9238978F7A3}" dt="2019-05-06T12:30:50.597" v="1483" actId="14100"/>
           <ac:spMkLst>
             <pc:docMk/>
             <pc:sldMk cId="4037393715" sldId="256"/>
@@ -568,7 +568,7 @@
           </ac:spMkLst>
         </pc:spChg>
         <pc:spChg chg="add mod">
-          <ac:chgData name="Hollister, Jeff" userId="90904e2a-aa82-465e-9922-afce4bc6d524" providerId="ADAL" clId="{ED486670-7F59-4038-B9BC-E9238978F7A3}" dt="2019-05-02T18:57:55.086" v="885" actId="14100"/>
+          <ac:chgData name="Hollister, Jeff" userId="90904e2a-aa82-465e-9922-afce4bc6d524" providerId="ADAL" clId="{ED486670-7F59-4038-B9BC-E9238978F7A3}" dt="2019-05-06T12:30:50.597" v="1483" actId="14100"/>
           <ac:spMkLst>
             <pc:docMk/>
             <pc:sldMk cId="4037393715" sldId="256"/>
@@ -576,7 +576,7 @@
           </ac:spMkLst>
         </pc:spChg>
         <pc:spChg chg="add mod">
-          <ac:chgData name="Hollister, Jeff" userId="90904e2a-aa82-465e-9922-afce4bc6d524" providerId="ADAL" clId="{ED486670-7F59-4038-B9BC-E9238978F7A3}" dt="2019-05-02T18:58:12.763" v="889" actId="14100"/>
+          <ac:chgData name="Hollister, Jeff" userId="90904e2a-aa82-465e-9922-afce4bc6d524" providerId="ADAL" clId="{ED486670-7F59-4038-B9BC-E9238978F7A3}" dt="2019-05-06T12:30:50.597" v="1483" actId="14100"/>
           <ac:spMkLst>
             <pc:docMk/>
             <pc:sldMk cId="4037393715" sldId="256"/>
@@ -584,7 +584,7 @@
           </ac:spMkLst>
         </pc:spChg>
         <pc:spChg chg="add mod">
-          <ac:chgData name="Hollister, Jeff" userId="90904e2a-aa82-465e-9922-afce4bc6d524" providerId="ADAL" clId="{ED486670-7F59-4038-B9BC-E9238978F7A3}" dt="2019-05-02T18:47:09.560" v="623" actId="1076"/>
+          <ac:chgData name="Hollister, Jeff" userId="90904e2a-aa82-465e-9922-afce4bc6d524" providerId="ADAL" clId="{ED486670-7F59-4038-B9BC-E9238978F7A3}" dt="2019-05-06T12:58:46.685" v="1572" actId="164"/>
           <ac:spMkLst>
             <pc:docMk/>
             <pc:sldMk cId="4037393715" sldId="256"/>
@@ -592,7 +592,7 @@
           </ac:spMkLst>
         </pc:spChg>
         <pc:spChg chg="add mod">
-          <ac:chgData name="Hollister, Jeff" userId="90904e2a-aa82-465e-9922-afce4bc6d524" providerId="ADAL" clId="{ED486670-7F59-4038-B9BC-E9238978F7A3}" dt="2019-05-02T18:36:17.754" v="607" actId="1076"/>
+          <ac:chgData name="Hollister, Jeff" userId="90904e2a-aa82-465e-9922-afce4bc6d524" providerId="ADAL" clId="{ED486670-7F59-4038-B9BC-E9238978F7A3}" dt="2019-05-06T13:00:02.490" v="1586" actId="1036"/>
           <ac:spMkLst>
             <pc:docMk/>
             <pc:sldMk cId="4037393715" sldId="256"/>
@@ -600,7 +600,7 @@
           </ac:spMkLst>
         </pc:spChg>
         <pc:spChg chg="add mod">
-          <ac:chgData name="Hollister, Jeff" userId="90904e2a-aa82-465e-9922-afce4bc6d524" providerId="ADAL" clId="{ED486670-7F59-4038-B9BC-E9238978F7A3}" dt="2019-05-02T18:57:59.908" v="886" actId="1076"/>
+          <ac:chgData name="Hollister, Jeff" userId="90904e2a-aa82-465e-9922-afce4bc6d524" providerId="ADAL" clId="{ED486670-7F59-4038-B9BC-E9238978F7A3}" dt="2019-05-06T12:29:00.524" v="1457" actId="554"/>
           <ac:spMkLst>
             <pc:docMk/>
             <pc:sldMk cId="4037393715" sldId="256"/>
@@ -608,7 +608,7 @@
           </ac:spMkLst>
         </pc:spChg>
         <pc:spChg chg="add mod">
-          <ac:chgData name="Hollister, Jeff" userId="90904e2a-aa82-465e-9922-afce4bc6d524" providerId="ADAL" clId="{ED486670-7F59-4038-B9BC-E9238978F7A3}" dt="2019-05-02T18:36:22.898" v="608" actId="1076"/>
+          <ac:chgData name="Hollister, Jeff" userId="90904e2a-aa82-465e-9922-afce4bc6d524" providerId="ADAL" clId="{ED486670-7F59-4038-B9BC-E9238978F7A3}" dt="2019-05-06T12:29:14.919" v="1458" actId="554"/>
           <ac:spMkLst>
             <pc:docMk/>
             <pc:sldMk cId="4037393715" sldId="256"/>
@@ -624,7 +624,7 @@
           </ac:spMkLst>
         </pc:spChg>
         <pc:spChg chg="add mod">
-          <ac:chgData name="Hollister, Jeff" userId="90904e2a-aa82-465e-9922-afce4bc6d524" providerId="ADAL" clId="{ED486670-7F59-4038-B9BC-E9238978F7A3}" dt="2019-05-02T18:46:46.466" v="618" actId="1076"/>
+          <ac:chgData name="Hollister, Jeff" userId="90904e2a-aa82-465e-9922-afce4bc6d524" providerId="ADAL" clId="{ED486670-7F59-4038-B9BC-E9238978F7A3}" dt="2019-05-06T12:29:14.919" v="1458" actId="554"/>
           <ac:spMkLst>
             <pc:docMk/>
             <pc:sldMk cId="4037393715" sldId="256"/>
@@ -632,7 +632,7 @@
           </ac:spMkLst>
         </pc:spChg>
         <pc:spChg chg="add mod">
-          <ac:chgData name="Hollister, Jeff" userId="90904e2a-aa82-465e-9922-afce4bc6d524" providerId="ADAL" clId="{ED486670-7F59-4038-B9BC-E9238978F7A3}" dt="2019-05-02T18:58:07.670" v="888" actId="1076"/>
+          <ac:chgData name="Hollister, Jeff" userId="90904e2a-aa82-465e-9922-afce4bc6d524" providerId="ADAL" clId="{ED486670-7F59-4038-B9BC-E9238978F7A3}" dt="2019-05-06T12:29:14.919" v="1458" actId="554"/>
           <ac:spMkLst>
             <pc:docMk/>
             <pc:sldMk cId="4037393715" sldId="256"/>
@@ -640,7 +640,7 @@
           </ac:spMkLst>
         </pc:spChg>
         <pc:spChg chg="add mod">
-          <ac:chgData name="Hollister, Jeff" userId="90904e2a-aa82-465e-9922-afce4bc6d524" providerId="ADAL" clId="{ED486670-7F59-4038-B9BC-E9238978F7A3}" dt="2019-05-02T18:51:05.777" v="749" actId="1076"/>
+          <ac:chgData name="Hollister, Jeff" userId="90904e2a-aa82-465e-9922-afce4bc6d524" providerId="ADAL" clId="{ED486670-7F59-4038-B9BC-E9238978F7A3}" dt="2019-05-06T12:59:09.953" v="1574" actId="164"/>
           <ac:spMkLst>
             <pc:docMk/>
             <pc:sldMk cId="4037393715" sldId="256"/>
@@ -648,7 +648,7 @@
           </ac:spMkLst>
         </pc:spChg>
         <pc:spChg chg="add mod">
-          <ac:chgData name="Hollister, Jeff" userId="90904e2a-aa82-465e-9922-afce4bc6d524" providerId="ADAL" clId="{ED486670-7F59-4038-B9BC-E9238978F7A3}" dt="2019-05-02T18:56:18.056" v="835" actId="1076"/>
+          <ac:chgData name="Hollister, Jeff" userId="90904e2a-aa82-465e-9922-afce4bc6d524" providerId="ADAL" clId="{ED486670-7F59-4038-B9BC-E9238978F7A3}" dt="2019-05-06T12:28:48.798" v="1456" actId="554"/>
           <ac:spMkLst>
             <pc:docMk/>
             <pc:sldMk cId="4037393715" sldId="256"/>
@@ -656,7 +656,7 @@
           </ac:spMkLst>
         </pc:spChg>
         <pc:spChg chg="add mod">
-          <ac:chgData name="Hollister, Jeff" userId="90904e2a-aa82-465e-9922-afce4bc6d524" providerId="ADAL" clId="{ED486670-7F59-4038-B9BC-E9238978F7A3}" dt="2019-05-02T18:57:09.075" v="867" actId="1076"/>
+          <ac:chgData name="Hollister, Jeff" userId="90904e2a-aa82-465e-9922-afce4bc6d524" providerId="ADAL" clId="{ED486670-7F59-4038-B9BC-E9238978F7A3}" dt="2019-05-06T12:28:48.798" v="1456" actId="554"/>
           <ac:spMkLst>
             <pc:docMk/>
             <pc:sldMk cId="4037393715" sldId="256"/>
@@ -728,7 +728,7 @@
           </ac:spMkLst>
         </pc:spChg>
         <pc:spChg chg="mod">
-          <ac:chgData name="Hollister, Jeff" userId="90904e2a-aa82-465e-9922-afce4bc6d524" providerId="ADAL" clId="{ED486670-7F59-4038-B9BC-E9238978F7A3}" dt="2019-05-02T18:57:38.228" v="884" actId="113"/>
+          <ac:chgData name="Hollister, Jeff" userId="90904e2a-aa82-465e-9922-afce4bc6d524" providerId="ADAL" clId="{ED486670-7F59-4038-B9BC-E9238978F7A3}" dt="2019-05-06T12:25:27.988" v="1447" actId="20577"/>
           <ac:spMkLst>
             <pc:docMk/>
             <pc:sldMk cId="4037393715" sldId="256"/>
@@ -736,7 +736,7 @@
           </ac:spMkLst>
         </pc:spChg>
         <pc:spChg chg="add mod">
-          <ac:chgData name="Hollister, Jeff" userId="90904e2a-aa82-465e-9922-afce4bc6d524" providerId="ADAL" clId="{ED486670-7F59-4038-B9BC-E9238978F7A3}" dt="2019-05-02T19:01:31.927" v="1246" actId="20577"/>
+          <ac:chgData name="Hollister, Jeff" userId="90904e2a-aa82-465e-9922-afce4bc6d524" providerId="ADAL" clId="{ED486670-7F59-4038-B9BC-E9238978F7A3}" dt="2019-05-06T12:29:00.524" v="1457" actId="554"/>
           <ac:spMkLst>
             <pc:docMk/>
             <pc:sldMk cId="4037393715" sldId="256"/>
@@ -760,7 +760,7 @@
           </ac:spMkLst>
         </pc:spChg>
         <pc:spChg chg="add mod">
-          <ac:chgData name="Hollister, Jeff" userId="90904e2a-aa82-465e-9922-afce4bc6d524" providerId="ADAL" clId="{ED486670-7F59-4038-B9BC-E9238978F7A3}" dt="2019-05-02T19:02:00.491" v="1254" actId="20577"/>
+          <ac:chgData name="Hollister, Jeff" userId="90904e2a-aa82-465e-9922-afce4bc6d524" providerId="ADAL" clId="{ED486670-7F59-4038-B9BC-E9238978F7A3}" dt="2019-05-06T12:29:00.524" v="1457" actId="554"/>
           <ac:spMkLst>
             <pc:docMk/>
             <pc:sldMk cId="4037393715" sldId="256"/>
@@ -784,7 +784,7 @@
           </ac:spMkLst>
         </pc:spChg>
         <pc:spChg chg="add mod">
-          <ac:chgData name="Hollister, Jeff" userId="90904e2a-aa82-465e-9922-afce4bc6d524" providerId="ADAL" clId="{ED486670-7F59-4038-B9BC-E9238978F7A3}" dt="2019-05-02T19:02:41.772" v="1269" actId="20577"/>
+          <ac:chgData name="Hollister, Jeff" userId="90904e2a-aa82-465e-9922-afce4bc6d524" providerId="ADAL" clId="{ED486670-7F59-4038-B9BC-E9238978F7A3}" dt="2019-05-06T12:29:14.919" v="1458" actId="554"/>
           <ac:spMkLst>
             <pc:docMk/>
             <pc:sldMk cId="4037393715" sldId="256"/>
@@ -800,7 +800,7 @@
           </ac:spMkLst>
         </pc:spChg>
         <pc:spChg chg="mod">
-          <ac:chgData name="Hollister, Jeff" userId="90904e2a-aa82-465e-9922-afce4bc6d524" providerId="ADAL" clId="{ED486670-7F59-4038-B9BC-E9238978F7A3}" dt="2019-05-02T19:08:17.803" v="1412" actId="20577"/>
+          <ac:chgData name="Hollister, Jeff" userId="90904e2a-aa82-465e-9922-afce4bc6d524" providerId="ADAL" clId="{ED486670-7F59-4038-B9BC-E9238978F7A3}" dt="2019-05-06T12:25:27.309" v="1446" actId="20577"/>
           <ac:spMkLst>
             <pc:docMk/>
             <pc:sldMk cId="4037393715" sldId="256"/>
@@ -808,7 +808,7 @@
           </ac:spMkLst>
         </pc:spChg>
         <pc:spChg chg="add mod">
-          <ac:chgData name="Hollister, Jeff" userId="90904e2a-aa82-465e-9922-afce4bc6d524" providerId="ADAL" clId="{ED486670-7F59-4038-B9BC-E9238978F7A3}" dt="2019-05-02T19:02:24.668" v="1265" actId="20577"/>
+          <ac:chgData name="Hollister, Jeff" userId="90904e2a-aa82-465e-9922-afce4bc6d524" providerId="ADAL" clId="{ED486670-7F59-4038-B9BC-E9238978F7A3}" dt="2019-05-06T12:29:14.919" v="1458" actId="554"/>
           <ac:spMkLst>
             <pc:docMk/>
             <pc:sldMk cId="4037393715" sldId="256"/>
@@ -832,7 +832,7 @@
           </ac:spMkLst>
         </pc:spChg>
         <pc:spChg chg="add mod">
-          <ac:chgData name="Hollister, Jeff" userId="90904e2a-aa82-465e-9922-afce4bc6d524" providerId="ADAL" clId="{ED486670-7F59-4038-B9BC-E9238978F7A3}" dt="2019-05-02T19:02:18.427" v="1263" actId="20577"/>
+          <ac:chgData name="Hollister, Jeff" userId="90904e2a-aa82-465e-9922-afce4bc6d524" providerId="ADAL" clId="{ED486670-7F59-4038-B9BC-E9238978F7A3}" dt="2019-05-06T12:29:14.919" v="1458" actId="554"/>
           <ac:spMkLst>
             <pc:docMk/>
             <pc:sldMk cId="4037393715" sldId="256"/>
@@ -856,7 +856,47 @@
           </ac:spMkLst>
         </pc:spChg>
         <pc:grpChg chg="add mod">
-          <ac:chgData name="Hollister, Jeff" userId="90904e2a-aa82-465e-9922-afce4bc6d524" providerId="ADAL" clId="{ED486670-7F59-4038-B9BC-E9238978F7A3}" dt="2019-05-02T18:55:01.648" v="811" actId="164"/>
+          <ac:chgData name="Hollister, Jeff" userId="90904e2a-aa82-465e-9922-afce4bc6d524" providerId="ADAL" clId="{ED486670-7F59-4038-B9BC-E9238978F7A3}" dt="2019-05-06T12:59:22.846" v="1575" actId="164"/>
+          <ac:grpSpMkLst>
+            <pc:docMk/>
+            <pc:sldMk cId="4037393715" sldId="256"/>
+            <ac:grpSpMk id="3" creationId="{5F3A5354-A2F2-496C-8FF1-4144F3094C69}"/>
+          </ac:grpSpMkLst>
+        </pc:grpChg>
+        <pc:grpChg chg="add mod">
+          <ac:chgData name="Hollister, Jeff" userId="90904e2a-aa82-465e-9922-afce4bc6d524" providerId="ADAL" clId="{ED486670-7F59-4038-B9BC-E9238978F7A3}" dt="2019-05-06T12:58:35.769" v="1570" actId="164"/>
+          <ac:grpSpMkLst>
+            <pc:docMk/>
+            <pc:sldMk cId="4037393715" sldId="256"/>
+            <ac:grpSpMk id="10" creationId="{1BC14BB0-8615-428C-B9F9-0E8E839FFBA0}"/>
+          </ac:grpSpMkLst>
+        </pc:grpChg>
+        <pc:grpChg chg="add mod">
+          <ac:chgData name="Hollister, Jeff" userId="90904e2a-aa82-465e-9922-afce4bc6d524" providerId="ADAL" clId="{ED486670-7F59-4038-B9BC-E9238978F7A3}" dt="2019-05-06T12:58:46.685" v="1572" actId="164"/>
+          <ac:grpSpMkLst>
+            <pc:docMk/>
+            <pc:sldMk cId="4037393715" sldId="256"/>
+            <ac:grpSpMk id="11" creationId="{D0D3F184-FBF3-4015-8A20-02AAE3A8C85B}"/>
+          </ac:grpSpMkLst>
+        </pc:grpChg>
+        <pc:grpChg chg="add mod">
+          <ac:chgData name="Hollister, Jeff" userId="90904e2a-aa82-465e-9922-afce4bc6d524" providerId="ADAL" clId="{ED486670-7F59-4038-B9BC-E9238978F7A3}" dt="2019-05-06T12:59:22.846" v="1575" actId="164"/>
+          <ac:grpSpMkLst>
+            <pc:docMk/>
+            <pc:sldMk cId="4037393715" sldId="256"/>
+            <ac:grpSpMk id="12" creationId="{B97566DA-F2D5-4595-A6BB-C6258AE7A000}"/>
+          </ac:grpSpMkLst>
+        </pc:grpChg>
+        <pc:grpChg chg="add mod">
+          <ac:chgData name="Hollister, Jeff" userId="90904e2a-aa82-465e-9922-afce4bc6d524" providerId="ADAL" clId="{ED486670-7F59-4038-B9BC-E9238978F7A3}" dt="2019-05-06T12:59:22.846" v="1575" actId="164"/>
+          <ac:grpSpMkLst>
+            <pc:docMk/>
+            <pc:sldMk cId="4037393715" sldId="256"/>
+            <ac:grpSpMk id="13" creationId="{6846167F-C3D6-4165-AC86-110B1CC20F29}"/>
+          </ac:grpSpMkLst>
+        </pc:grpChg>
+        <pc:grpChg chg="add mod">
+          <ac:chgData name="Hollister, Jeff" userId="90904e2a-aa82-465e-9922-afce4bc6d524" providerId="ADAL" clId="{ED486670-7F59-4038-B9BC-E9238978F7A3}" dt="2019-05-06T12:59:09.953" v="1574" actId="164"/>
           <ac:grpSpMkLst>
             <pc:docMk/>
             <pc:sldMk cId="4037393715" sldId="256"/>
@@ -872,7 +912,7 @@
           </ac:grpSpMkLst>
         </pc:grpChg>
         <pc:grpChg chg="add mod">
-          <ac:chgData name="Hollister, Jeff" userId="90904e2a-aa82-465e-9922-afce4bc6d524" providerId="ADAL" clId="{ED486670-7F59-4038-B9BC-E9238978F7A3}" dt="2019-05-02T18:56:23.097" v="842" actId="1037"/>
+          <ac:chgData name="Hollister, Jeff" userId="90904e2a-aa82-465e-9922-afce4bc6d524" providerId="ADAL" clId="{ED486670-7F59-4038-B9BC-E9238978F7A3}" dt="2019-05-06T12:32:10.335" v="1489" actId="1035"/>
           <ac:grpSpMkLst>
             <pc:docMk/>
             <pc:sldMk cId="4037393715" sldId="256"/>
@@ -880,7 +920,7 @@
           </ac:grpSpMkLst>
         </pc:grpChg>
         <pc:grpChg chg="add mod">
-          <ac:chgData name="Hollister, Jeff" userId="90904e2a-aa82-465e-9922-afce4bc6d524" providerId="ADAL" clId="{ED486670-7F59-4038-B9BC-E9238978F7A3}" dt="2019-05-02T18:56:59.948" v="850" actId="1076"/>
+          <ac:chgData name="Hollister, Jeff" userId="90904e2a-aa82-465e-9922-afce4bc6d524" providerId="ADAL" clId="{ED486670-7F59-4038-B9BC-E9238978F7A3}" dt="2019-05-06T12:32:10.335" v="1489" actId="1035"/>
           <ac:grpSpMkLst>
             <pc:docMk/>
             <pc:sldMk cId="4037393715" sldId="256"/>
@@ -944,7 +984,15 @@
           </ac:cxnSpMkLst>
         </pc:cxnChg>
         <pc:cxnChg chg="mod">
-          <ac:chgData name="Hollister, Jeff" userId="90904e2a-aa82-465e-9922-afce4bc6d524" providerId="ADAL" clId="{ED486670-7F59-4038-B9BC-E9238978F7A3}" dt="2019-05-02T16:14:52.127" v="115" actId="1035"/>
+          <ac:chgData name="Hollister, Jeff" userId="90904e2a-aa82-465e-9922-afce4bc6d524" providerId="ADAL" clId="{ED486670-7F59-4038-B9BC-E9238978F7A3}" dt="2019-05-06T12:58:09.423" v="1567" actId="1037"/>
+          <ac:cxnSpMkLst>
+            <pc:docMk/>
+            <pc:sldMk cId="4037393715" sldId="256"/>
+            <ac:cxnSpMk id="36" creationId="{0DCD3480-AF90-4303-96DA-AEAFF95ECE3E}"/>
+          </ac:cxnSpMkLst>
+        </pc:cxnChg>
+        <pc:cxnChg chg="mod">
+          <ac:chgData name="Hollister, Jeff" userId="90904e2a-aa82-465e-9922-afce4bc6d524" providerId="ADAL" clId="{ED486670-7F59-4038-B9BC-E9238978F7A3}" dt="2019-05-06T12:58:09.423" v="1567" actId="1037"/>
           <ac:cxnSpMkLst>
             <pc:docMk/>
             <pc:sldMk cId="4037393715" sldId="256"/>
@@ -957,6 +1005,1029 @@
             <pc:docMk/>
             <pc:sldMk cId="4037393715" sldId="256"/>
             <ac:cxnSpMk id="113" creationId="{B7B2B526-6875-4751-84CB-C87FBF0C190D}"/>
+          </ac:cxnSpMkLst>
+        </pc:cxnChg>
+      </pc:sldChg>
+      <pc:sldChg chg="addSp delSp modSp">
+        <pc:chgData name="Hollister, Jeff" userId="90904e2a-aa82-465e-9922-afce4bc6d524" providerId="ADAL" clId="{ED486670-7F59-4038-B9BC-E9238978F7A3}" dt="2019-05-06T17:24:18.589" v="2381" actId="20577"/>
+        <pc:sldMkLst>
+          <pc:docMk/>
+          <pc:sldMk cId="1258879937" sldId="257"/>
+        </pc:sldMkLst>
+        <pc:spChg chg="mod">
+          <ac:chgData name="Hollister, Jeff" userId="90904e2a-aa82-465e-9922-afce4bc6d524" providerId="ADAL" clId="{ED486670-7F59-4038-B9BC-E9238978F7A3}" dt="2019-05-06T17:04:57.365" v="2327" actId="692"/>
+          <ac:spMkLst>
+            <pc:docMk/>
+            <pc:sldMk cId="1258879937" sldId="257"/>
+            <ac:spMk id="2" creationId="{6C56BEAB-01BB-4A01-9A49-8F5AF03418B2}"/>
+          </ac:spMkLst>
+        </pc:spChg>
+        <pc:spChg chg="mod">
+          <ac:chgData name="Hollister, Jeff" userId="90904e2a-aa82-465e-9922-afce4bc6d524" providerId="ADAL" clId="{ED486670-7F59-4038-B9BC-E9238978F7A3}" dt="2019-05-06T17:11:04.826" v="2341" actId="20577"/>
+          <ac:spMkLst>
+            <pc:docMk/>
+            <pc:sldMk cId="1258879937" sldId="257"/>
+            <ac:spMk id="4" creationId="{9DAAA7D2-1A2B-4088-BAD1-9556A15760E2}"/>
+          </ac:spMkLst>
+        </pc:spChg>
+        <pc:spChg chg="mod">
+          <ac:chgData name="Hollister, Jeff" userId="90904e2a-aa82-465e-9922-afce4bc6d524" providerId="ADAL" clId="{ED486670-7F59-4038-B9BC-E9238978F7A3}" dt="2019-05-06T17:21:50.147" v="2372" actId="20577"/>
+          <ac:spMkLst>
+            <pc:docMk/>
+            <pc:sldMk cId="1258879937" sldId="257"/>
+            <ac:spMk id="5" creationId="{8C9786EB-34F3-4C77-BDCA-E8BD08FE1D11}"/>
+          </ac:spMkLst>
+        </pc:spChg>
+        <pc:spChg chg="mod">
+          <ac:chgData name="Hollister, Jeff" userId="90904e2a-aa82-465e-9922-afce4bc6d524" providerId="ADAL" clId="{ED486670-7F59-4038-B9BC-E9238978F7A3}" dt="2019-05-06T17:23:01.490" v="2379" actId="20577"/>
+          <ac:spMkLst>
+            <pc:docMk/>
+            <pc:sldMk cId="1258879937" sldId="257"/>
+            <ac:spMk id="6" creationId="{6A1187EE-F5D0-4199-837E-29800767DC0A}"/>
+          </ac:spMkLst>
+        </pc:spChg>
+        <pc:spChg chg="mod">
+          <ac:chgData name="Hollister, Jeff" userId="90904e2a-aa82-465e-9922-afce4bc6d524" providerId="ADAL" clId="{ED486670-7F59-4038-B9BC-E9238978F7A3}" dt="2019-05-06T14:12:23.881" v="2236" actId="12788"/>
+          <ac:spMkLst>
+            <pc:docMk/>
+            <pc:sldMk cId="1258879937" sldId="257"/>
+            <ac:spMk id="7" creationId="{78AB19B3-7DF4-4103-B447-9726179C1822}"/>
+          </ac:spMkLst>
+        </pc:spChg>
+        <pc:spChg chg="mod">
+          <ac:chgData name="Hollister, Jeff" userId="90904e2a-aa82-465e-9922-afce4bc6d524" providerId="ADAL" clId="{ED486670-7F59-4038-B9BC-E9238978F7A3}" dt="2019-05-06T14:12:32.911" v="2237" actId="12788"/>
+          <ac:spMkLst>
+            <pc:docMk/>
+            <pc:sldMk cId="1258879937" sldId="257"/>
+            <ac:spMk id="8" creationId="{4CA24146-E92A-4417-8FA0-B675C21987B3}"/>
+          </ac:spMkLst>
+        </pc:spChg>
+        <pc:spChg chg="mod">
+          <ac:chgData name="Hollister, Jeff" userId="90904e2a-aa82-465e-9922-afce4bc6d524" providerId="ADAL" clId="{ED486670-7F59-4038-B9BC-E9238978F7A3}" dt="2019-05-06T14:12:45.303" v="2238" actId="12788"/>
+          <ac:spMkLst>
+            <pc:docMk/>
+            <pc:sldMk cId="1258879937" sldId="257"/>
+            <ac:spMk id="9" creationId="{AFC3A614-EDF0-4DE1-A14E-AEA75B26B4BB}"/>
+          </ac:spMkLst>
+        </pc:spChg>
+        <pc:spChg chg="add mod">
+          <ac:chgData name="Hollister, Jeff" userId="90904e2a-aa82-465e-9922-afce4bc6d524" providerId="ADAL" clId="{ED486670-7F59-4038-B9BC-E9238978F7A3}" dt="2019-05-06T13:58:44.630" v="1905" actId="164"/>
+          <ac:spMkLst>
+            <pc:docMk/>
+            <pc:sldMk cId="1258879937" sldId="257"/>
+            <ac:spMk id="17" creationId="{5A0B819A-6092-412C-9924-B3C364E52138}"/>
+          </ac:spMkLst>
+        </pc:spChg>
+        <pc:spChg chg="mod">
+          <ac:chgData name="Hollister, Jeff" userId="90904e2a-aa82-465e-9922-afce4bc6d524" providerId="ADAL" clId="{ED486670-7F59-4038-B9BC-E9238978F7A3}" dt="2019-05-06T17:24:18.589" v="2381" actId="20577"/>
+          <ac:spMkLst>
+            <pc:docMk/>
+            <pc:sldMk cId="1258879937" sldId="257"/>
+            <ac:spMk id="46" creationId="{C3A20179-B135-43EF-8DAB-9E7F9E30EB7E}"/>
+          </ac:spMkLst>
+        </pc:spChg>
+        <pc:spChg chg="mod">
+          <ac:chgData name="Hollister, Jeff" userId="90904e2a-aa82-465e-9922-afce4bc6d524" providerId="ADAL" clId="{ED486670-7F59-4038-B9BC-E9238978F7A3}" dt="2019-05-06T16:45:35.174" v="2296" actId="207"/>
+          <ac:spMkLst>
+            <pc:docMk/>
+            <pc:sldMk cId="1258879937" sldId="257"/>
+            <ac:spMk id="47" creationId="{FE0C46E8-9AEC-473D-A4E5-7E175F91BEBD}"/>
+          </ac:spMkLst>
+        </pc:spChg>
+        <pc:spChg chg="mod">
+          <ac:chgData name="Hollister, Jeff" userId="90904e2a-aa82-465e-9922-afce4bc6d524" providerId="ADAL" clId="{ED486670-7F59-4038-B9BC-E9238978F7A3}" dt="2019-05-06T16:45:41.963" v="2298" actId="207"/>
+          <ac:spMkLst>
+            <pc:docMk/>
+            <pc:sldMk cId="1258879937" sldId="257"/>
+            <ac:spMk id="48" creationId="{643CB40A-4BCF-4B4D-8D89-F0145DFA33D3}"/>
+          </ac:spMkLst>
+        </pc:spChg>
+        <pc:spChg chg="mod">
+          <ac:chgData name="Hollister, Jeff" userId="90904e2a-aa82-465e-9922-afce4bc6d524" providerId="ADAL" clId="{ED486670-7F59-4038-B9BC-E9238978F7A3}" dt="2019-05-06T13:52:41.982" v="1630" actId="122"/>
+          <ac:spMkLst>
+            <pc:docMk/>
+            <pc:sldMk cId="1258879937" sldId="257"/>
+            <ac:spMk id="53" creationId="{63E96BA2-DCBA-4505-BDD2-C510302C3B6B}"/>
+          </ac:spMkLst>
+        </pc:spChg>
+        <pc:spChg chg="mod">
+          <ac:chgData name="Hollister, Jeff" userId="90904e2a-aa82-465e-9922-afce4bc6d524" providerId="ADAL" clId="{ED486670-7F59-4038-B9BC-E9238978F7A3}" dt="2019-05-06T15:20:17.201" v="2276" actId="20577"/>
+          <ac:spMkLst>
+            <pc:docMk/>
+            <pc:sldMk cId="1258879937" sldId="257"/>
+            <ac:spMk id="78" creationId="{7C7F0A6A-CADA-4A85-A1AB-018058996648}"/>
+          </ac:spMkLst>
+        </pc:spChg>
+        <pc:spChg chg="del">
+          <ac:chgData name="Hollister, Jeff" userId="90904e2a-aa82-465e-9922-afce4bc6d524" providerId="ADAL" clId="{ED486670-7F59-4038-B9BC-E9238978F7A3}" dt="2019-05-06T13:10:04.997" v="1587" actId="478"/>
+          <ac:spMkLst>
+            <pc:docMk/>
+            <pc:sldMk cId="1258879937" sldId="257"/>
+            <ac:spMk id="81" creationId="{F39017AD-7EFE-4788-926C-4E6BD37E1114}"/>
+          </ac:spMkLst>
+        </pc:spChg>
+        <pc:spChg chg="del">
+          <ac:chgData name="Hollister, Jeff" userId="90904e2a-aa82-465e-9922-afce4bc6d524" providerId="ADAL" clId="{ED486670-7F59-4038-B9BC-E9238978F7A3}" dt="2019-05-06T13:10:04.997" v="1587" actId="478"/>
+          <ac:spMkLst>
+            <pc:docMk/>
+            <pc:sldMk cId="1258879937" sldId="257"/>
+            <ac:spMk id="82" creationId="{CDFC8B0C-23AC-4D1D-8897-C149BC512D91}"/>
+          </ac:spMkLst>
+        </pc:spChg>
+        <pc:spChg chg="del">
+          <ac:chgData name="Hollister, Jeff" userId="90904e2a-aa82-465e-9922-afce4bc6d524" providerId="ADAL" clId="{ED486670-7F59-4038-B9BC-E9238978F7A3}" dt="2019-05-06T13:10:04.997" v="1587" actId="478"/>
+          <ac:spMkLst>
+            <pc:docMk/>
+            <pc:sldMk cId="1258879937" sldId="257"/>
+            <ac:spMk id="83" creationId="{6AF7727E-D979-4AF2-B823-FEC2C43106C3}"/>
+          </ac:spMkLst>
+        </pc:spChg>
+        <pc:spChg chg="del">
+          <ac:chgData name="Hollister, Jeff" userId="90904e2a-aa82-465e-9922-afce4bc6d524" providerId="ADAL" clId="{ED486670-7F59-4038-B9BC-E9238978F7A3}" dt="2019-05-06T13:10:04.997" v="1587" actId="478"/>
+          <ac:spMkLst>
+            <pc:docMk/>
+            <pc:sldMk cId="1258879937" sldId="257"/>
+            <ac:spMk id="84" creationId="{8D9D8415-31BE-4B84-9ED3-ACBA082148FF}"/>
+          </ac:spMkLst>
+        </pc:spChg>
+        <pc:spChg chg="del">
+          <ac:chgData name="Hollister, Jeff" userId="90904e2a-aa82-465e-9922-afce4bc6d524" providerId="ADAL" clId="{ED486670-7F59-4038-B9BC-E9238978F7A3}" dt="2019-05-06T13:10:04.997" v="1587" actId="478"/>
+          <ac:spMkLst>
+            <pc:docMk/>
+            <pc:sldMk cId="1258879937" sldId="257"/>
+            <ac:spMk id="85" creationId="{F54E2C3C-8529-4FCE-8673-6F1BA0A6F945}"/>
+          </ac:spMkLst>
+        </pc:spChg>
+        <pc:spChg chg="del">
+          <ac:chgData name="Hollister, Jeff" userId="90904e2a-aa82-465e-9922-afce4bc6d524" providerId="ADAL" clId="{ED486670-7F59-4038-B9BC-E9238978F7A3}" dt="2019-05-06T13:10:04.997" v="1587" actId="478"/>
+          <ac:spMkLst>
+            <pc:docMk/>
+            <pc:sldMk cId="1258879937" sldId="257"/>
+            <ac:spMk id="87" creationId="{A034A73A-A55A-42EC-B37B-966CBCF31C03}"/>
+          </ac:spMkLst>
+        </pc:spChg>
+        <pc:spChg chg="del">
+          <ac:chgData name="Hollister, Jeff" userId="90904e2a-aa82-465e-9922-afce4bc6d524" providerId="ADAL" clId="{ED486670-7F59-4038-B9BC-E9238978F7A3}" dt="2019-05-06T13:10:04.997" v="1587" actId="478"/>
+          <ac:spMkLst>
+            <pc:docMk/>
+            <pc:sldMk cId="1258879937" sldId="257"/>
+            <ac:spMk id="88" creationId="{74124756-EDDB-4411-B0B1-AE91317ADB06}"/>
+          </ac:spMkLst>
+        </pc:spChg>
+        <pc:spChg chg="del">
+          <ac:chgData name="Hollister, Jeff" userId="90904e2a-aa82-465e-9922-afce4bc6d524" providerId="ADAL" clId="{ED486670-7F59-4038-B9BC-E9238978F7A3}" dt="2019-05-06T13:10:04.997" v="1587" actId="478"/>
+          <ac:spMkLst>
+            <pc:docMk/>
+            <pc:sldMk cId="1258879937" sldId="257"/>
+            <ac:spMk id="89" creationId="{6CF321B7-0F90-4E94-A936-D5DA116AA7C8}"/>
+          </ac:spMkLst>
+        </pc:spChg>
+        <pc:spChg chg="del">
+          <ac:chgData name="Hollister, Jeff" userId="90904e2a-aa82-465e-9922-afce4bc6d524" providerId="ADAL" clId="{ED486670-7F59-4038-B9BC-E9238978F7A3}" dt="2019-05-06T13:10:04.997" v="1587" actId="478"/>
+          <ac:spMkLst>
+            <pc:docMk/>
+            <pc:sldMk cId="1258879937" sldId="257"/>
+            <ac:spMk id="91" creationId="{681872E3-21D0-4CBB-A121-49398BAA84F9}"/>
+          </ac:spMkLst>
+        </pc:spChg>
+        <pc:spChg chg="del">
+          <ac:chgData name="Hollister, Jeff" userId="90904e2a-aa82-465e-9922-afce4bc6d524" providerId="ADAL" clId="{ED486670-7F59-4038-B9BC-E9238978F7A3}" dt="2019-05-06T13:10:04.997" v="1587" actId="478"/>
+          <ac:spMkLst>
+            <pc:docMk/>
+            <pc:sldMk cId="1258879937" sldId="257"/>
+            <ac:spMk id="92" creationId="{B10AF8BC-C583-4B94-BD50-8605C7C27D69}"/>
+          </ac:spMkLst>
+        </pc:spChg>
+        <pc:spChg chg="mod topLvl">
+          <ac:chgData name="Hollister, Jeff" userId="90904e2a-aa82-465e-9922-afce4bc6d524" providerId="ADAL" clId="{ED486670-7F59-4038-B9BC-E9238978F7A3}" dt="2019-05-06T13:58:44.630" v="1905" actId="164"/>
+          <ac:spMkLst>
+            <pc:docMk/>
+            <pc:sldMk cId="1258879937" sldId="257"/>
+            <ac:spMk id="93" creationId="{03EC8AA9-91BF-4941-9103-3A491FE76F10}"/>
+          </ac:spMkLst>
+        </pc:spChg>
+        <pc:spChg chg="del">
+          <ac:chgData name="Hollister, Jeff" userId="90904e2a-aa82-465e-9922-afce4bc6d524" providerId="ADAL" clId="{ED486670-7F59-4038-B9BC-E9238978F7A3}" dt="2019-05-06T13:10:17.409" v="1589" actId="478"/>
+          <ac:spMkLst>
+            <pc:docMk/>
+            <pc:sldMk cId="1258879937" sldId="257"/>
+            <ac:spMk id="94" creationId="{61A07EEC-C58A-4746-AFA6-B9F5F0F9B7DA}"/>
+          </ac:spMkLst>
+        </pc:spChg>
+        <pc:spChg chg="del">
+          <ac:chgData name="Hollister, Jeff" userId="90904e2a-aa82-465e-9922-afce4bc6d524" providerId="ADAL" clId="{ED486670-7F59-4038-B9BC-E9238978F7A3}" dt="2019-05-06T13:10:17.409" v="1589" actId="478"/>
+          <ac:spMkLst>
+            <pc:docMk/>
+            <pc:sldMk cId="1258879937" sldId="257"/>
+            <ac:spMk id="95" creationId="{32EA453E-9F8A-4E1A-89B3-C467B5B9351E}"/>
+          </ac:spMkLst>
+        </pc:spChg>
+        <pc:spChg chg="mod topLvl">
+          <ac:chgData name="Hollister, Jeff" userId="90904e2a-aa82-465e-9922-afce4bc6d524" providerId="ADAL" clId="{ED486670-7F59-4038-B9BC-E9238978F7A3}" dt="2019-05-06T13:54:57.816" v="1687" actId="164"/>
+          <ac:spMkLst>
+            <pc:docMk/>
+            <pc:sldMk cId="1258879937" sldId="257"/>
+            <ac:spMk id="96" creationId="{14BCB8E2-1C0D-4D5E-BD48-91628AB4E5F4}"/>
+          </ac:spMkLst>
+        </pc:spChg>
+        <pc:spChg chg="mod topLvl">
+          <ac:chgData name="Hollister, Jeff" userId="90904e2a-aa82-465e-9922-afce4bc6d524" providerId="ADAL" clId="{ED486670-7F59-4038-B9BC-E9238978F7A3}" dt="2019-05-06T16:43:41.591" v="2278" actId="113"/>
+          <ac:spMkLst>
+            <pc:docMk/>
+            <pc:sldMk cId="1258879937" sldId="257"/>
+            <ac:spMk id="99" creationId="{ED7EA899-0709-42ED-84BF-F2B0DF1CCC30}"/>
+          </ac:spMkLst>
+        </pc:spChg>
+        <pc:spChg chg="mod">
+          <ac:chgData name="Hollister, Jeff" userId="90904e2a-aa82-465e-9922-afce4bc6d524" providerId="ADAL" clId="{ED486670-7F59-4038-B9BC-E9238978F7A3}" dt="2019-05-06T14:05:25.835" v="2025" actId="20577"/>
+          <ac:spMkLst>
+            <pc:docMk/>
+            <pc:sldMk cId="1258879937" sldId="257"/>
+            <ac:spMk id="100" creationId="{F7244D2D-C59F-4B1C-99D0-4A05C6D862C9}"/>
+          </ac:spMkLst>
+        </pc:spChg>
+        <pc:spChg chg="del">
+          <ac:chgData name="Hollister, Jeff" userId="90904e2a-aa82-465e-9922-afce4bc6d524" providerId="ADAL" clId="{ED486670-7F59-4038-B9BC-E9238978F7A3}" dt="2019-05-06T13:10:04.997" v="1587" actId="478"/>
+          <ac:spMkLst>
+            <pc:docMk/>
+            <pc:sldMk cId="1258879937" sldId="257"/>
+            <ac:spMk id="109" creationId="{F2325510-088D-4E4D-B7CF-0F5E7D8755F3}"/>
+          </ac:spMkLst>
+        </pc:spChg>
+        <pc:spChg chg="del">
+          <ac:chgData name="Hollister, Jeff" userId="90904e2a-aa82-465e-9922-afce4bc6d524" providerId="ADAL" clId="{ED486670-7F59-4038-B9BC-E9238978F7A3}" dt="2019-05-06T13:10:12.480" v="1588" actId="478"/>
+          <ac:spMkLst>
+            <pc:docMk/>
+            <pc:sldMk cId="1258879937" sldId="257"/>
+            <ac:spMk id="114" creationId="{0CBDC3EA-16B2-432C-BAC7-9D3899C2584C}"/>
+          </ac:spMkLst>
+        </pc:spChg>
+        <pc:spChg chg="del">
+          <ac:chgData name="Hollister, Jeff" userId="90904e2a-aa82-465e-9922-afce4bc6d524" providerId="ADAL" clId="{ED486670-7F59-4038-B9BC-E9238978F7A3}" dt="2019-05-06T13:10:12.480" v="1588" actId="478"/>
+          <ac:spMkLst>
+            <pc:docMk/>
+            <pc:sldMk cId="1258879937" sldId="257"/>
+            <ac:spMk id="119" creationId="{C2017ADA-ED80-4F53-B5E9-E734B25FD51C}"/>
+          </ac:spMkLst>
+        </pc:spChg>
+        <pc:spChg chg="del">
+          <ac:chgData name="Hollister, Jeff" userId="90904e2a-aa82-465e-9922-afce4bc6d524" providerId="ADAL" clId="{ED486670-7F59-4038-B9BC-E9238978F7A3}" dt="2019-05-06T13:10:04.997" v="1587" actId="478"/>
+          <ac:spMkLst>
+            <pc:docMk/>
+            <pc:sldMk cId="1258879937" sldId="257"/>
+            <ac:spMk id="124" creationId="{50ACC572-958B-443B-8C3C-BE14D33824D9}"/>
+          </ac:spMkLst>
+        </pc:spChg>
+        <pc:spChg chg="del">
+          <ac:chgData name="Hollister, Jeff" userId="90904e2a-aa82-465e-9922-afce4bc6d524" providerId="ADAL" clId="{ED486670-7F59-4038-B9BC-E9238978F7A3}" dt="2019-05-06T13:10:04.997" v="1587" actId="478"/>
+          <ac:spMkLst>
+            <pc:docMk/>
+            <pc:sldMk cId="1258879937" sldId="257"/>
+            <ac:spMk id="129" creationId="{D339B13B-F819-4880-8E0D-CCCF7485ED0E}"/>
+          </ac:spMkLst>
+        </pc:spChg>
+        <pc:spChg chg="mod">
+          <ac:chgData name="Hollister, Jeff" userId="90904e2a-aa82-465e-9922-afce4bc6d524" providerId="ADAL" clId="{ED486670-7F59-4038-B9BC-E9238978F7A3}" dt="2019-05-06T17:22:30.691" v="2377" actId="20577"/>
+          <ac:spMkLst>
+            <pc:docMk/>
+            <pc:sldMk cId="1258879937" sldId="257"/>
+            <ac:spMk id="136" creationId="{95811727-A0AF-4E42-B625-B88FECB2EF50}"/>
+          </ac:spMkLst>
+        </pc:spChg>
+        <pc:spChg chg="mod">
+          <ac:chgData name="Hollister, Jeff" userId="90904e2a-aa82-465e-9922-afce4bc6d524" providerId="ADAL" clId="{ED486670-7F59-4038-B9BC-E9238978F7A3}" dt="2019-05-06T14:05:33.298" v="2028" actId="20577"/>
+          <ac:spMkLst>
+            <pc:docMk/>
+            <pc:sldMk cId="1258879937" sldId="257"/>
+            <ac:spMk id="138" creationId="{F26D9E84-F54D-4FD9-921A-CC567E76721D}"/>
+          </ac:spMkLst>
+        </pc:spChg>
+        <pc:spChg chg="mod">
+          <ac:chgData name="Hollister, Jeff" userId="90904e2a-aa82-465e-9922-afce4bc6d524" providerId="ADAL" clId="{ED486670-7F59-4038-B9BC-E9238978F7A3}" dt="2019-05-06T14:05:21.748" v="2024" actId="20577"/>
+          <ac:spMkLst>
+            <pc:docMk/>
+            <pc:sldMk cId="1258879937" sldId="257"/>
+            <ac:spMk id="140" creationId="{C7193F7E-EED9-4FD2-ABF8-A333D0D7F359}"/>
+          </ac:spMkLst>
+        </pc:spChg>
+        <pc:spChg chg="mod">
+          <ac:chgData name="Hollister, Jeff" userId="90904e2a-aa82-465e-9922-afce4bc6d524" providerId="ADAL" clId="{ED486670-7F59-4038-B9BC-E9238978F7A3}" dt="2019-05-06T17:05:03.929" v="2328" actId="692"/>
+          <ac:spMkLst>
+            <pc:docMk/>
+            <pc:sldMk cId="1258879937" sldId="257"/>
+            <ac:spMk id="141" creationId="{5B558C0B-861C-4036-A09D-1DBFC95AE9F7}"/>
+          </ac:spMkLst>
+        </pc:spChg>
+        <pc:spChg chg="mod">
+          <ac:chgData name="Hollister, Jeff" userId="90904e2a-aa82-465e-9922-afce4bc6d524" providerId="ADAL" clId="{ED486670-7F59-4038-B9BC-E9238978F7A3}" dt="2019-05-06T14:05:52.236" v="2035" actId="20577"/>
+          <ac:spMkLst>
+            <pc:docMk/>
+            <pc:sldMk cId="1258879937" sldId="257"/>
+            <ac:spMk id="145" creationId="{40B959CA-F2FB-47F1-8034-BC0CC14DBDCE}"/>
+          </ac:spMkLst>
+        </pc:spChg>
+        <pc:spChg chg="mod">
+          <ac:chgData name="Hollister, Jeff" userId="90904e2a-aa82-465e-9922-afce4bc6d524" providerId="ADAL" clId="{ED486670-7F59-4038-B9BC-E9238978F7A3}" dt="2019-05-06T17:20:09.883" v="2361" actId="20577"/>
+          <ac:spMkLst>
+            <pc:docMk/>
+            <pc:sldMk cId="1258879937" sldId="257"/>
+            <ac:spMk id="148" creationId="{A2EC6638-6C8B-4CC1-B0FD-0CDBD11C3498}"/>
+          </ac:spMkLst>
+        </pc:spChg>
+        <pc:spChg chg="mod">
+          <ac:chgData name="Hollister, Jeff" userId="90904e2a-aa82-465e-9922-afce4bc6d524" providerId="ADAL" clId="{ED486670-7F59-4038-B9BC-E9238978F7A3}" dt="2019-05-06T14:06:01.284" v="2042" actId="20577"/>
+          <ac:spMkLst>
+            <pc:docMk/>
+            <pc:sldMk cId="1258879937" sldId="257"/>
+            <ac:spMk id="150" creationId="{2615D540-94AE-4704-9D0E-CB12FD36979F}"/>
+          </ac:spMkLst>
+        </pc:spChg>
+        <pc:spChg chg="mod">
+          <ac:chgData name="Hollister, Jeff" userId="90904e2a-aa82-465e-9922-afce4bc6d524" providerId="ADAL" clId="{ED486670-7F59-4038-B9BC-E9238978F7A3}" dt="2019-05-06T14:06:30.240" v="2062" actId="20577"/>
+          <ac:spMkLst>
+            <pc:docMk/>
+            <pc:sldMk cId="1258879937" sldId="257"/>
+            <ac:spMk id="152" creationId="{7EE7B463-1DB7-4F44-8CFC-85B1EC0188A2}"/>
+          </ac:spMkLst>
+        </pc:spChg>
+        <pc:spChg chg="mod">
+          <ac:chgData name="Hollister, Jeff" userId="90904e2a-aa82-465e-9922-afce4bc6d524" providerId="ADAL" clId="{ED486670-7F59-4038-B9BC-E9238978F7A3}" dt="2019-05-06T17:05:08.442" v="2329" actId="692"/>
+          <ac:spMkLst>
+            <pc:docMk/>
+            <pc:sldMk cId="1258879937" sldId="257"/>
+            <ac:spMk id="153" creationId="{FD5A860F-8082-4FC0-BB11-EDC4C91A3CA6}"/>
+          </ac:spMkLst>
+        </pc:spChg>
+        <pc:spChg chg="mod">
+          <ac:chgData name="Hollister, Jeff" userId="90904e2a-aa82-465e-9922-afce4bc6d524" providerId="ADAL" clId="{ED486670-7F59-4038-B9BC-E9238978F7A3}" dt="2019-05-06T14:07:12.244" v="2101" actId="20577"/>
+          <ac:spMkLst>
+            <pc:docMk/>
+            <pc:sldMk cId="1258879937" sldId="257"/>
+            <ac:spMk id="157" creationId="{915B7EE8-59B1-4DFF-B2D4-5E1FC6D7163A}"/>
+          </ac:spMkLst>
+        </pc:spChg>
+        <pc:spChg chg="mod">
+          <ac:chgData name="Hollister, Jeff" userId="90904e2a-aa82-465e-9922-afce4bc6d524" providerId="ADAL" clId="{ED486670-7F59-4038-B9BC-E9238978F7A3}" dt="2019-05-06T16:44:36.449" v="2286" actId="113"/>
+          <ac:spMkLst>
+            <pc:docMk/>
+            <pc:sldMk cId="1258879937" sldId="257"/>
+            <ac:spMk id="160" creationId="{477124F7-D039-4D02-AA73-8EED1B6543D8}"/>
+          </ac:spMkLst>
+        </pc:spChg>
+        <pc:spChg chg="mod">
+          <ac:chgData name="Hollister, Jeff" userId="90904e2a-aa82-465e-9922-afce4bc6d524" providerId="ADAL" clId="{ED486670-7F59-4038-B9BC-E9238978F7A3}" dt="2019-05-06T14:07:40.492" v="2118" actId="20577"/>
+          <ac:spMkLst>
+            <pc:docMk/>
+            <pc:sldMk cId="1258879937" sldId="257"/>
+            <ac:spMk id="162" creationId="{B87F0568-AE66-4387-B905-7E678EB3B00A}"/>
+          </ac:spMkLst>
+        </pc:spChg>
+        <pc:spChg chg="mod">
+          <ac:chgData name="Hollister, Jeff" userId="90904e2a-aa82-465e-9922-afce4bc6d524" providerId="ADAL" clId="{ED486670-7F59-4038-B9BC-E9238978F7A3}" dt="2019-05-06T14:06:37.627" v="2070" actId="20577"/>
+          <ac:spMkLst>
+            <pc:docMk/>
+            <pc:sldMk cId="1258879937" sldId="257"/>
+            <ac:spMk id="164" creationId="{BB871B4F-D4FB-4B4B-A801-4C2B19E68744}"/>
+          </ac:spMkLst>
+        </pc:spChg>
+        <pc:spChg chg="mod">
+          <ac:chgData name="Hollister, Jeff" userId="90904e2a-aa82-465e-9922-afce4bc6d524" providerId="ADAL" clId="{ED486670-7F59-4038-B9BC-E9238978F7A3}" dt="2019-05-06T17:05:13.686" v="2330" actId="692"/>
+          <ac:spMkLst>
+            <pc:docMk/>
+            <pc:sldMk cId="1258879937" sldId="257"/>
+            <ac:spMk id="165" creationId="{2D36232A-E5ED-4058-A2FE-A627FEF50D0A}"/>
+          </ac:spMkLst>
+        </pc:spChg>
+        <pc:spChg chg="mod">
+          <ac:chgData name="Hollister, Jeff" userId="90904e2a-aa82-465e-9922-afce4bc6d524" providerId="ADAL" clId="{ED486670-7F59-4038-B9BC-E9238978F7A3}" dt="2019-05-06T17:19:30.732" v="2356" actId="20577"/>
+          <ac:spMkLst>
+            <pc:docMk/>
+            <pc:sldMk cId="1258879937" sldId="257"/>
+            <ac:spMk id="169" creationId="{792C1AA7-2FF4-4810-80F3-5F7D3F2AF538}"/>
+          </ac:spMkLst>
+        </pc:spChg>
+        <pc:spChg chg="mod">
+          <ac:chgData name="Hollister, Jeff" userId="90904e2a-aa82-465e-9922-afce4bc6d524" providerId="ADAL" clId="{ED486670-7F59-4038-B9BC-E9238978F7A3}" dt="2019-05-06T17:20:20.948" v="2362" actId="20577"/>
+          <ac:spMkLst>
+            <pc:docMk/>
+            <pc:sldMk cId="1258879937" sldId="257"/>
+            <ac:spMk id="172" creationId="{0A35D830-CDEA-4BC5-93A7-2EBF1EEDB8ED}"/>
+          </ac:spMkLst>
+        </pc:spChg>
+        <pc:spChg chg="mod">
+          <ac:chgData name="Hollister, Jeff" userId="90904e2a-aa82-465e-9922-afce4bc6d524" providerId="ADAL" clId="{ED486670-7F59-4038-B9BC-E9238978F7A3}" dt="2019-05-06T14:08:17.516" v="2144" actId="20577"/>
+          <ac:spMkLst>
+            <pc:docMk/>
+            <pc:sldMk cId="1258879937" sldId="257"/>
+            <ac:spMk id="174" creationId="{C26140ED-8E95-4625-BE83-7CD39FDA6E09}"/>
+          </ac:spMkLst>
+        </pc:spChg>
+        <pc:spChg chg="mod">
+          <ac:chgData name="Hollister, Jeff" userId="90904e2a-aa82-465e-9922-afce4bc6d524" providerId="ADAL" clId="{ED486670-7F59-4038-B9BC-E9238978F7A3}" dt="2019-05-06T14:06:45.675" v="2076" actId="20577"/>
+          <ac:spMkLst>
+            <pc:docMk/>
+            <pc:sldMk cId="1258879937" sldId="257"/>
+            <ac:spMk id="176" creationId="{8D3273F4-C3F0-4776-BF37-FFC671E9A809}"/>
+          </ac:spMkLst>
+        </pc:spChg>
+        <pc:spChg chg="mod">
+          <ac:chgData name="Hollister, Jeff" userId="90904e2a-aa82-465e-9922-afce4bc6d524" providerId="ADAL" clId="{ED486670-7F59-4038-B9BC-E9238978F7A3}" dt="2019-05-06T17:05:19.648" v="2331" actId="692"/>
+          <ac:spMkLst>
+            <pc:docMk/>
+            <pc:sldMk cId="1258879937" sldId="257"/>
+            <ac:spMk id="177" creationId="{EEE329CB-CE33-4AFF-BF00-9CD30CE133EC}"/>
+          </ac:spMkLst>
+        </pc:spChg>
+        <pc:spChg chg="mod">
+          <ac:chgData name="Hollister, Jeff" userId="90904e2a-aa82-465e-9922-afce4bc6d524" providerId="ADAL" clId="{ED486670-7F59-4038-B9BC-E9238978F7A3}" dt="2019-05-06T14:08:34.917" v="2150" actId="20577"/>
+          <ac:spMkLst>
+            <pc:docMk/>
+            <pc:sldMk cId="1258879937" sldId="257"/>
+            <ac:spMk id="181" creationId="{B29F950C-7C2C-489E-9431-F784191C1339}"/>
+          </ac:spMkLst>
+        </pc:spChg>
+        <pc:spChg chg="mod">
+          <ac:chgData name="Hollister, Jeff" userId="90904e2a-aa82-465e-9922-afce4bc6d524" providerId="ADAL" clId="{ED486670-7F59-4038-B9BC-E9238978F7A3}" dt="2019-05-06T17:21:06.664" v="2368" actId="207"/>
+          <ac:spMkLst>
+            <pc:docMk/>
+            <pc:sldMk cId="1258879937" sldId="257"/>
+            <ac:spMk id="184" creationId="{A30BC1CE-0A80-4BD5-9B54-1560D7A480C5}"/>
+          </ac:spMkLst>
+        </pc:spChg>
+        <pc:spChg chg="mod">
+          <ac:chgData name="Hollister, Jeff" userId="90904e2a-aa82-465e-9922-afce4bc6d524" providerId="ADAL" clId="{ED486670-7F59-4038-B9BC-E9238978F7A3}" dt="2019-05-06T14:08:52.772" v="2161" actId="20577"/>
+          <ac:spMkLst>
+            <pc:docMk/>
+            <pc:sldMk cId="1258879937" sldId="257"/>
+            <ac:spMk id="186" creationId="{CB73E94B-A1AD-435B-9852-84C33666407F}"/>
+          </ac:spMkLst>
+        </pc:spChg>
+        <pc:spChg chg="mod">
+          <ac:chgData name="Hollister, Jeff" userId="90904e2a-aa82-465e-9922-afce4bc6d524" providerId="ADAL" clId="{ED486670-7F59-4038-B9BC-E9238978F7A3}" dt="2019-05-06T14:06:51.984" v="2083" actId="20577"/>
+          <ac:spMkLst>
+            <pc:docMk/>
+            <pc:sldMk cId="1258879937" sldId="257"/>
+            <ac:spMk id="188" creationId="{3A6C437B-3F59-488C-B784-A6C006383F6F}"/>
+          </ac:spMkLst>
+        </pc:spChg>
+        <pc:spChg chg="mod">
+          <ac:chgData name="Hollister, Jeff" userId="90904e2a-aa82-465e-9922-afce4bc6d524" providerId="ADAL" clId="{ED486670-7F59-4038-B9BC-E9238978F7A3}" dt="2019-05-06T17:05:26.222" v="2332" actId="692"/>
+          <ac:spMkLst>
+            <pc:docMk/>
+            <pc:sldMk cId="1258879937" sldId="257"/>
+            <ac:spMk id="189" creationId="{B8F3C425-21C0-47FF-9FA9-EC45F6A0A0A8}"/>
+          </ac:spMkLst>
+        </pc:spChg>
+        <pc:spChg chg="add del">
+          <ac:chgData name="Hollister, Jeff" userId="90904e2a-aa82-465e-9922-afce4bc6d524" providerId="ADAL" clId="{ED486670-7F59-4038-B9BC-E9238978F7A3}" dt="2019-05-06T14:02:14.298" v="1998"/>
+          <ac:spMkLst>
+            <pc:docMk/>
+            <pc:sldMk cId="1258879937" sldId="257"/>
+            <ac:spMk id="190" creationId="{ED2F8AFF-8B3A-4C66-BE98-FEF7698AF10E}"/>
+          </ac:spMkLst>
+        </pc:spChg>
+        <pc:spChg chg="mod">
+          <ac:chgData name="Hollister, Jeff" userId="90904e2a-aa82-465e-9922-afce4bc6d524" providerId="ADAL" clId="{ED486670-7F59-4038-B9BC-E9238978F7A3}" dt="2019-05-06T14:08:56.884" v="2163" actId="20577"/>
+          <ac:spMkLst>
+            <pc:docMk/>
+            <pc:sldMk cId="1258879937" sldId="257"/>
+            <ac:spMk id="194" creationId="{69FC8C15-20BE-4F1D-A797-BC6A67E97706}"/>
+          </ac:spMkLst>
+        </pc:spChg>
+        <pc:spChg chg="mod">
+          <ac:chgData name="Hollister, Jeff" userId="90904e2a-aa82-465e-9922-afce4bc6d524" providerId="ADAL" clId="{ED486670-7F59-4038-B9BC-E9238978F7A3}" dt="2019-05-06T16:44:52.679" v="2290" actId="207"/>
+          <ac:spMkLst>
+            <pc:docMk/>
+            <pc:sldMk cId="1258879937" sldId="257"/>
+            <ac:spMk id="197" creationId="{B6290DFD-ED08-4336-A2A9-96335A639159}"/>
+          </ac:spMkLst>
+        </pc:spChg>
+        <pc:spChg chg="mod">
+          <ac:chgData name="Hollister, Jeff" userId="90904e2a-aa82-465e-9922-afce4bc6d524" providerId="ADAL" clId="{ED486670-7F59-4038-B9BC-E9238978F7A3}" dt="2019-05-06T14:09:26.789" v="2187" actId="20577"/>
+          <ac:spMkLst>
+            <pc:docMk/>
+            <pc:sldMk cId="1258879937" sldId="257"/>
+            <ac:spMk id="199" creationId="{75461500-F3B6-4F2E-9E0D-A8C5059ACFEA}"/>
+          </ac:spMkLst>
+        </pc:spChg>
+        <pc:spChg chg="mod">
+          <ac:chgData name="Hollister, Jeff" userId="90904e2a-aa82-465e-9922-afce4bc6d524" providerId="ADAL" clId="{ED486670-7F59-4038-B9BC-E9238978F7A3}" dt="2019-05-06T14:06:57.655" v="2088" actId="20577"/>
+          <ac:spMkLst>
+            <pc:docMk/>
+            <pc:sldMk cId="1258879937" sldId="257"/>
+            <ac:spMk id="201" creationId="{89A7132A-8F66-4813-A266-E0AC62EEEF8A}"/>
+          </ac:spMkLst>
+        </pc:spChg>
+        <pc:spChg chg="mod">
+          <ac:chgData name="Hollister, Jeff" userId="90904e2a-aa82-465e-9922-afce4bc6d524" providerId="ADAL" clId="{ED486670-7F59-4038-B9BC-E9238978F7A3}" dt="2019-05-06T17:05:34.623" v="2333" actId="692"/>
+          <ac:spMkLst>
+            <pc:docMk/>
+            <pc:sldMk cId="1258879937" sldId="257"/>
+            <ac:spMk id="202" creationId="{29B8DDC0-FD8C-4A65-ABFE-B6DBB21E2684}"/>
+          </ac:spMkLst>
+        </pc:spChg>
+        <pc:spChg chg="mod">
+          <ac:chgData name="Hollister, Jeff" userId="90904e2a-aa82-465e-9922-afce4bc6d524" providerId="ADAL" clId="{ED486670-7F59-4038-B9BC-E9238978F7A3}" dt="2019-05-06T14:09:01.219" v="2167" actId="20577"/>
+          <ac:spMkLst>
+            <pc:docMk/>
+            <pc:sldMk cId="1258879937" sldId="257"/>
+            <ac:spMk id="206" creationId="{ADD0D959-3286-4615-AADA-DFA3E6A52FBE}"/>
+          </ac:spMkLst>
+        </pc:spChg>
+        <pc:spChg chg="mod">
+          <ac:chgData name="Hollister, Jeff" userId="90904e2a-aa82-465e-9922-afce4bc6d524" providerId="ADAL" clId="{ED486670-7F59-4038-B9BC-E9238978F7A3}" dt="2019-05-06T17:21:15.994" v="2370" actId="20577"/>
+          <ac:spMkLst>
+            <pc:docMk/>
+            <pc:sldMk cId="1258879937" sldId="257"/>
+            <ac:spMk id="209" creationId="{6121EB08-82EC-41D9-B852-92EADCC3CB41}"/>
+          </ac:spMkLst>
+        </pc:spChg>
+        <pc:spChg chg="mod">
+          <ac:chgData name="Hollister, Jeff" userId="90904e2a-aa82-465e-9922-afce4bc6d524" providerId="ADAL" clId="{ED486670-7F59-4038-B9BC-E9238978F7A3}" dt="2019-05-06T14:09:30.609" v="2191" actId="20577"/>
+          <ac:spMkLst>
+            <pc:docMk/>
+            <pc:sldMk cId="1258879937" sldId="257"/>
+            <ac:spMk id="211" creationId="{C26D201E-C4A9-44BE-994D-A4538F2427C5}"/>
+          </ac:spMkLst>
+        </pc:spChg>
+        <pc:spChg chg="mod">
+          <ac:chgData name="Hollister, Jeff" userId="90904e2a-aa82-465e-9922-afce4bc6d524" providerId="ADAL" clId="{ED486670-7F59-4038-B9BC-E9238978F7A3}" dt="2019-05-06T14:07:05.772" v="2096" actId="20577"/>
+          <ac:spMkLst>
+            <pc:docMk/>
+            <pc:sldMk cId="1258879937" sldId="257"/>
+            <ac:spMk id="213" creationId="{22D1D387-4040-400D-A8A2-11A0DCF57807}"/>
+          </ac:spMkLst>
+        </pc:spChg>
+        <pc:spChg chg="mod">
+          <ac:chgData name="Hollister, Jeff" userId="90904e2a-aa82-465e-9922-afce4bc6d524" providerId="ADAL" clId="{ED486670-7F59-4038-B9BC-E9238978F7A3}" dt="2019-05-06T17:05:40.502" v="2334" actId="692"/>
+          <ac:spMkLst>
+            <pc:docMk/>
+            <pc:sldMk cId="1258879937" sldId="257"/>
+            <ac:spMk id="214" creationId="{2139A641-5691-43F7-A76D-7B8CB7099F08}"/>
+          </ac:spMkLst>
+        </pc:spChg>
+        <pc:grpChg chg="mod topLvl">
+          <ac:chgData name="Hollister, Jeff" userId="90904e2a-aa82-465e-9922-afce4bc6d524" providerId="ADAL" clId="{ED486670-7F59-4038-B9BC-E9238978F7A3}" dt="2019-05-06T14:12:23.881" v="2236" actId="12788"/>
+          <ac:grpSpMkLst>
+            <pc:docMk/>
+            <pc:sldMk cId="1258879937" sldId="257"/>
+            <ac:grpSpMk id="3" creationId="{5F3A5354-A2F2-496C-8FF1-4144F3094C69}"/>
+          </ac:grpSpMkLst>
+        </pc:grpChg>
+        <pc:grpChg chg="del">
+          <ac:chgData name="Hollister, Jeff" userId="90904e2a-aa82-465e-9922-afce4bc6d524" providerId="ADAL" clId="{ED486670-7F59-4038-B9BC-E9238978F7A3}" dt="2019-05-06T13:10:17.409" v="1589" actId="478"/>
+          <ac:grpSpMkLst>
+            <pc:docMk/>
+            <pc:sldMk cId="1258879937" sldId="257"/>
+            <ac:grpSpMk id="10" creationId="{1BC14BB0-8615-428C-B9F9-0E8E839FFBA0}"/>
+          </ac:grpSpMkLst>
+        </pc:grpChg>
+        <pc:grpChg chg="del">
+          <ac:chgData name="Hollister, Jeff" userId="90904e2a-aa82-465e-9922-afce4bc6d524" providerId="ADAL" clId="{ED486670-7F59-4038-B9BC-E9238978F7A3}" dt="2019-05-06T13:10:17.409" v="1589" actId="478"/>
+          <ac:grpSpMkLst>
+            <pc:docMk/>
+            <pc:sldMk cId="1258879937" sldId="257"/>
+            <ac:grpSpMk id="11" creationId="{D0D3F184-FBF3-4015-8A20-02AAE3A8C85B}"/>
+          </ac:grpSpMkLst>
+        </pc:grpChg>
+        <pc:grpChg chg="del mod topLvl">
+          <ac:chgData name="Hollister, Jeff" userId="90904e2a-aa82-465e-9922-afce4bc6d524" providerId="ADAL" clId="{ED486670-7F59-4038-B9BC-E9238978F7A3}" dt="2019-05-06T13:54:44.617" v="1685" actId="165"/>
+          <ac:grpSpMkLst>
+            <pc:docMk/>
+            <pc:sldMk cId="1258879937" sldId="257"/>
+            <ac:grpSpMk id="12" creationId="{B97566DA-F2D5-4595-A6BB-C6258AE7A000}"/>
+          </ac:grpSpMkLst>
+        </pc:grpChg>
+        <pc:grpChg chg="del mod">
+          <ac:chgData name="Hollister, Jeff" userId="90904e2a-aa82-465e-9922-afce4bc6d524" providerId="ADAL" clId="{ED486670-7F59-4038-B9BC-E9238978F7A3}" dt="2019-05-06T13:54:40.023" v="1684" actId="165"/>
+          <ac:grpSpMkLst>
+            <pc:docMk/>
+            <pc:sldMk cId="1258879937" sldId="257"/>
+            <ac:grpSpMk id="13" creationId="{6846167F-C3D6-4165-AC86-110B1CC20F29}"/>
+          </ac:grpSpMkLst>
+        </pc:grpChg>
+        <pc:grpChg chg="add mod">
+          <ac:chgData name="Hollister, Jeff" userId="90904e2a-aa82-465e-9922-afce4bc6d524" providerId="ADAL" clId="{ED486670-7F59-4038-B9BC-E9238978F7A3}" dt="2019-05-06T14:12:23.881" v="2236" actId="12788"/>
+          <ac:grpSpMkLst>
+            <pc:docMk/>
+            <pc:sldMk cId="1258879937" sldId="257"/>
+            <ac:grpSpMk id="15" creationId="{EA7CD6E2-0082-44AD-A42C-9BDB4A55341E}"/>
+          </ac:grpSpMkLst>
+        </pc:grpChg>
+        <pc:grpChg chg="add mod">
+          <ac:chgData name="Hollister, Jeff" userId="90904e2a-aa82-465e-9922-afce4bc6d524" providerId="ADAL" clId="{ED486670-7F59-4038-B9BC-E9238978F7A3}" dt="2019-05-06T14:12:23.881" v="2236" actId="12788"/>
+          <ac:grpSpMkLst>
+            <pc:docMk/>
+            <pc:sldMk cId="1258879937" sldId="257"/>
+            <ac:grpSpMk id="16" creationId="{0EB5E783-2730-4AAB-AA7A-B4755B360868}"/>
+          </ac:grpSpMkLst>
+        </pc:grpChg>
+        <pc:grpChg chg="add mod">
+          <ac:chgData name="Hollister, Jeff" userId="90904e2a-aa82-465e-9922-afce4bc6d524" providerId="ADAL" clId="{ED486670-7F59-4038-B9BC-E9238978F7A3}" dt="2019-05-06T14:12:23.881" v="2236" actId="12788"/>
+          <ac:grpSpMkLst>
+            <pc:docMk/>
+            <pc:sldMk cId="1258879937" sldId="257"/>
+            <ac:grpSpMk id="18" creationId="{DB7FB628-99C7-474D-9158-CB6EA355E6F3}"/>
+          </ac:grpSpMkLst>
+        </pc:grpChg>
+        <pc:grpChg chg="add mod">
+          <ac:chgData name="Hollister, Jeff" userId="90904e2a-aa82-465e-9922-afce4bc6d524" providerId="ADAL" clId="{ED486670-7F59-4038-B9BC-E9238978F7A3}" dt="2019-05-06T14:13:01.649" v="2239" actId="164"/>
+          <ac:grpSpMkLst>
+            <pc:docMk/>
+            <pc:sldMk cId="1258879937" sldId="257"/>
+            <ac:grpSpMk id="19" creationId="{1EF90590-007A-4001-897F-7394EAA6E23B}"/>
+          </ac:grpSpMkLst>
+        </pc:grpChg>
+        <pc:grpChg chg="add mod">
+          <ac:chgData name="Hollister, Jeff" userId="90904e2a-aa82-465e-9922-afce4bc6d524" providerId="ADAL" clId="{ED486670-7F59-4038-B9BC-E9238978F7A3}" dt="2019-05-06T14:13:20.916" v="2242" actId="554"/>
+          <ac:grpSpMkLst>
+            <pc:docMk/>
+            <pc:sldMk cId="1258879937" sldId="257"/>
+            <ac:grpSpMk id="20" creationId="{6B7CCD5F-2F0D-4364-8297-C37DAD299591}"/>
+          </ac:grpSpMkLst>
+        </pc:grpChg>
+        <pc:grpChg chg="add mod">
+          <ac:chgData name="Hollister, Jeff" userId="90904e2a-aa82-465e-9922-afce4bc6d524" providerId="ADAL" clId="{ED486670-7F59-4038-B9BC-E9238978F7A3}" dt="2019-05-06T14:13:27.531" v="2243" actId="554"/>
+          <ac:grpSpMkLst>
+            <pc:docMk/>
+            <pc:sldMk cId="1258879937" sldId="257"/>
+            <ac:grpSpMk id="21" creationId="{F67789FA-6EFE-4B30-9168-107DA84E36C5}"/>
+          </ac:grpSpMkLst>
+        </pc:grpChg>
+        <pc:grpChg chg="del mod topLvl">
+          <ac:chgData name="Hollister, Jeff" userId="90904e2a-aa82-465e-9922-afce4bc6d524" providerId="ADAL" clId="{ED486670-7F59-4038-B9BC-E9238978F7A3}" dt="2019-05-06T13:54:51.574" v="1686" actId="165"/>
+          <ac:grpSpMkLst>
+            <pc:docMk/>
+            <pc:sldMk cId="1258879937" sldId="257"/>
+            <ac:grpSpMk id="23" creationId="{012324FA-EF9B-4B6E-A9A9-942BC520FAB7}"/>
+          </ac:grpSpMkLst>
+        </pc:grpChg>
+        <pc:grpChg chg="add mod">
+          <ac:chgData name="Hollister, Jeff" userId="90904e2a-aa82-465e-9922-afce4bc6d524" providerId="ADAL" clId="{ED486670-7F59-4038-B9BC-E9238978F7A3}" dt="2019-05-06T14:13:54.244" v="2260" actId="554"/>
+          <ac:grpSpMkLst>
+            <pc:docMk/>
+            <pc:sldMk cId="1258879937" sldId="257"/>
+            <ac:grpSpMk id="24" creationId="{2349805E-343D-441E-8FD9-0693C5AB22AF}"/>
+          </ac:grpSpMkLst>
+        </pc:grpChg>
+        <pc:grpChg chg="add mod">
+          <ac:chgData name="Hollister, Jeff" userId="90904e2a-aa82-465e-9922-afce4bc6d524" providerId="ADAL" clId="{ED486670-7F59-4038-B9BC-E9238978F7A3}" dt="2019-05-06T14:13:01.649" v="2239" actId="164"/>
+          <ac:grpSpMkLst>
+            <pc:docMk/>
+            <pc:sldMk cId="1258879937" sldId="257"/>
+            <ac:grpSpMk id="90" creationId="{04AFCD5E-E7F5-4DCE-9453-F7190F7B2BC6}"/>
+          </ac:grpSpMkLst>
+        </pc:grpChg>
+        <pc:grpChg chg="mod">
+          <ac:chgData name="Hollister, Jeff" userId="90904e2a-aa82-465e-9922-afce4bc6d524" providerId="ADAL" clId="{ED486670-7F59-4038-B9BC-E9238978F7A3}" dt="2019-05-06T14:12:32.911" v="2237" actId="12788"/>
+          <ac:grpSpMkLst>
+            <pc:docMk/>
+            <pc:sldMk cId="1258879937" sldId="257"/>
+            <ac:grpSpMk id="97" creationId="{76FCE6B2-A99E-47C2-864B-ED6DC05DB471}"/>
+          </ac:grpSpMkLst>
+        </pc:grpChg>
+        <pc:grpChg chg="mod">
+          <ac:chgData name="Hollister, Jeff" userId="90904e2a-aa82-465e-9922-afce4bc6d524" providerId="ADAL" clId="{ED486670-7F59-4038-B9BC-E9238978F7A3}" dt="2019-05-06T14:12:32.911" v="2237" actId="12788"/>
+          <ac:grpSpMkLst>
+            <pc:docMk/>
+            <pc:sldMk cId="1258879937" sldId="257"/>
+            <ac:grpSpMk id="98" creationId="{64C6B9ED-14D8-4D30-9EAA-E87DD4C1263F}"/>
+          </ac:grpSpMkLst>
+        </pc:grpChg>
+        <pc:grpChg chg="del">
+          <ac:chgData name="Hollister, Jeff" userId="90904e2a-aa82-465e-9922-afce4bc6d524" providerId="ADAL" clId="{ED486670-7F59-4038-B9BC-E9238978F7A3}" dt="2019-05-06T13:10:17.409" v="1589" actId="478"/>
+          <ac:grpSpMkLst>
+            <pc:docMk/>
+            <pc:sldMk cId="1258879937" sldId="257"/>
+            <ac:grpSpMk id="101" creationId="{5B7F0953-F89A-477C-99DE-54CBC4836759}"/>
+          </ac:grpSpMkLst>
+        </pc:grpChg>
+        <pc:grpChg chg="del">
+          <ac:chgData name="Hollister, Jeff" userId="90904e2a-aa82-465e-9922-afce4bc6d524" providerId="ADAL" clId="{ED486670-7F59-4038-B9BC-E9238978F7A3}" dt="2019-05-06T13:10:17.409" v="1589" actId="478"/>
+          <ac:grpSpMkLst>
+            <pc:docMk/>
+            <pc:sldMk cId="1258879937" sldId="257"/>
+            <ac:grpSpMk id="105" creationId="{E7DBB7C6-327F-4AA4-A0F9-0C8258CC1043}"/>
+          </ac:grpSpMkLst>
+        </pc:grpChg>
+        <pc:grpChg chg="del">
+          <ac:chgData name="Hollister, Jeff" userId="90904e2a-aa82-465e-9922-afce4bc6d524" providerId="ADAL" clId="{ED486670-7F59-4038-B9BC-E9238978F7A3}" dt="2019-05-06T13:10:04.997" v="1587" actId="478"/>
+          <ac:grpSpMkLst>
+            <pc:docMk/>
+            <pc:sldMk cId="1258879937" sldId="257"/>
+            <ac:grpSpMk id="110" creationId="{EE254810-1FD5-487C-9E5A-EA47C35A2605}"/>
+          </ac:grpSpMkLst>
+        </pc:grpChg>
+        <pc:grpChg chg="del">
+          <ac:chgData name="Hollister, Jeff" userId="90904e2a-aa82-465e-9922-afce4bc6d524" providerId="ADAL" clId="{ED486670-7F59-4038-B9BC-E9238978F7A3}" dt="2019-05-06T13:10:12.480" v="1588" actId="478"/>
+          <ac:grpSpMkLst>
+            <pc:docMk/>
+            <pc:sldMk cId="1258879937" sldId="257"/>
+            <ac:grpSpMk id="115" creationId="{E7D3E79F-2C2D-46C5-A5E4-9F83457E81F3}"/>
+          </ac:grpSpMkLst>
+        </pc:grpChg>
+        <pc:grpChg chg="del">
+          <ac:chgData name="Hollister, Jeff" userId="90904e2a-aa82-465e-9922-afce4bc6d524" providerId="ADAL" clId="{ED486670-7F59-4038-B9BC-E9238978F7A3}" dt="2019-05-06T13:10:12.480" v="1588" actId="478"/>
+          <ac:grpSpMkLst>
+            <pc:docMk/>
+            <pc:sldMk cId="1258879937" sldId="257"/>
+            <ac:grpSpMk id="120" creationId="{4648D32E-90BD-45E9-9D2E-656D04FDDEC2}"/>
+          </ac:grpSpMkLst>
+        </pc:grpChg>
+        <pc:grpChg chg="del">
+          <ac:chgData name="Hollister, Jeff" userId="90904e2a-aa82-465e-9922-afce4bc6d524" providerId="ADAL" clId="{ED486670-7F59-4038-B9BC-E9238978F7A3}" dt="2019-05-06T13:10:04.997" v="1587" actId="478"/>
+          <ac:grpSpMkLst>
+            <pc:docMk/>
+            <pc:sldMk cId="1258879937" sldId="257"/>
+            <ac:grpSpMk id="125" creationId="{4B1391B0-885F-4AE4-8AF3-4C1C38F48673}"/>
+          </ac:grpSpMkLst>
+        </pc:grpChg>
+        <pc:grpChg chg="del">
+          <ac:chgData name="Hollister, Jeff" userId="90904e2a-aa82-465e-9922-afce4bc6d524" providerId="ADAL" clId="{ED486670-7F59-4038-B9BC-E9238978F7A3}" dt="2019-05-06T13:10:04.997" v="1587" actId="478"/>
+          <ac:grpSpMkLst>
+            <pc:docMk/>
+            <pc:sldMk cId="1258879937" sldId="257"/>
+            <ac:grpSpMk id="130" creationId="{2112ED87-36AE-49A5-A9E7-E32401A4EA32}"/>
+          </ac:grpSpMkLst>
+        </pc:grpChg>
+        <pc:grpChg chg="mod">
+          <ac:chgData name="Hollister, Jeff" userId="90904e2a-aa82-465e-9922-afce4bc6d524" providerId="ADAL" clId="{ED486670-7F59-4038-B9BC-E9238978F7A3}" dt="2019-05-06T14:12:32.911" v="2237" actId="12788"/>
+          <ac:grpSpMkLst>
+            <pc:docMk/>
+            <pc:sldMk cId="1258879937" sldId="257"/>
+            <ac:grpSpMk id="134" creationId="{DA845D18-B8EC-425B-A40D-9FE03806EED0}"/>
+          </ac:grpSpMkLst>
+        </pc:grpChg>
+        <pc:grpChg chg="mod">
+          <ac:chgData name="Hollister, Jeff" userId="90904e2a-aa82-465e-9922-afce4bc6d524" providerId="ADAL" clId="{ED486670-7F59-4038-B9BC-E9238978F7A3}" dt="2019-05-06T14:12:32.911" v="2237" actId="12788"/>
+          <ac:grpSpMkLst>
+            <pc:docMk/>
+            <pc:sldMk cId="1258879937" sldId="257"/>
+            <ac:grpSpMk id="137" creationId="{284D5F58-C47E-494D-8D05-8B80D8A25625}"/>
+          </ac:grpSpMkLst>
+        </pc:grpChg>
+        <pc:grpChg chg="add mod">
+          <ac:chgData name="Hollister, Jeff" userId="90904e2a-aa82-465e-9922-afce4bc6d524" providerId="ADAL" clId="{ED486670-7F59-4038-B9BC-E9238978F7A3}" dt="2019-05-06T14:13:01.649" v="2239" actId="164"/>
+          <ac:grpSpMkLst>
+            <pc:docMk/>
+            <pc:sldMk cId="1258879937" sldId="257"/>
+            <ac:grpSpMk id="142" creationId="{34D0D8BC-6A86-4DA5-9147-AB00F7182656}"/>
+          </ac:grpSpMkLst>
+        </pc:grpChg>
+        <pc:grpChg chg="mod">
+          <ac:chgData name="Hollister, Jeff" userId="90904e2a-aa82-465e-9922-afce4bc6d524" providerId="ADAL" clId="{ED486670-7F59-4038-B9BC-E9238978F7A3}" dt="2019-05-06T14:12:45.303" v="2238" actId="12788"/>
+          <ac:grpSpMkLst>
+            <pc:docMk/>
+            <pc:sldMk cId="1258879937" sldId="257"/>
+            <ac:grpSpMk id="143" creationId="{063460BB-46D0-4D67-8385-CF6A2385348D}"/>
+          </ac:grpSpMkLst>
+        </pc:grpChg>
+        <pc:grpChg chg="mod">
+          <ac:chgData name="Hollister, Jeff" userId="90904e2a-aa82-465e-9922-afce4bc6d524" providerId="ADAL" clId="{ED486670-7F59-4038-B9BC-E9238978F7A3}" dt="2019-05-06T14:12:45.303" v="2238" actId="12788"/>
+          <ac:grpSpMkLst>
+            <pc:docMk/>
+            <pc:sldMk cId="1258879937" sldId="257"/>
+            <ac:grpSpMk id="144" creationId="{74E44B00-805C-4BAE-8EFE-009DAF02D9B1}"/>
+          </ac:grpSpMkLst>
+        </pc:grpChg>
+        <pc:grpChg chg="mod">
+          <ac:chgData name="Hollister, Jeff" userId="90904e2a-aa82-465e-9922-afce4bc6d524" providerId="ADAL" clId="{ED486670-7F59-4038-B9BC-E9238978F7A3}" dt="2019-05-06T14:12:45.303" v="2238" actId="12788"/>
+          <ac:grpSpMkLst>
+            <pc:docMk/>
+            <pc:sldMk cId="1258879937" sldId="257"/>
+            <ac:grpSpMk id="146" creationId="{C9464A7D-EB72-475D-94C0-CE9F88ABF1DF}"/>
+          </ac:grpSpMkLst>
+        </pc:grpChg>
+        <pc:grpChg chg="mod">
+          <ac:chgData name="Hollister, Jeff" userId="90904e2a-aa82-465e-9922-afce4bc6d524" providerId="ADAL" clId="{ED486670-7F59-4038-B9BC-E9238978F7A3}" dt="2019-05-06T14:12:45.303" v="2238" actId="12788"/>
+          <ac:grpSpMkLst>
+            <pc:docMk/>
+            <pc:sldMk cId="1258879937" sldId="257"/>
+            <ac:grpSpMk id="149" creationId="{27C7D696-6F24-4C4C-83A4-C84E2B87490C}"/>
+          </ac:grpSpMkLst>
+        </pc:grpChg>
+        <pc:grpChg chg="add mod">
+          <ac:chgData name="Hollister, Jeff" userId="90904e2a-aa82-465e-9922-afce4bc6d524" providerId="ADAL" clId="{ED486670-7F59-4038-B9BC-E9238978F7A3}" dt="2019-05-06T14:13:07.207" v="2240" actId="164"/>
+          <ac:grpSpMkLst>
+            <pc:docMk/>
+            <pc:sldMk cId="1258879937" sldId="257"/>
+            <ac:grpSpMk id="154" creationId="{4787EC51-A030-4E68-80B8-AEEFD7B0E2A3}"/>
+          </ac:grpSpMkLst>
+        </pc:grpChg>
+        <pc:grpChg chg="mod">
+          <ac:chgData name="Hollister, Jeff" userId="90904e2a-aa82-465e-9922-afce4bc6d524" providerId="ADAL" clId="{ED486670-7F59-4038-B9BC-E9238978F7A3}" dt="2019-05-06T14:12:23.881" v="2236" actId="12788"/>
+          <ac:grpSpMkLst>
+            <pc:docMk/>
+            <pc:sldMk cId="1258879937" sldId="257"/>
+            <ac:grpSpMk id="155" creationId="{C126516F-9A52-461E-BEA2-640F8E793AF7}"/>
+          </ac:grpSpMkLst>
+        </pc:grpChg>
+        <pc:grpChg chg="mod">
+          <ac:chgData name="Hollister, Jeff" userId="90904e2a-aa82-465e-9922-afce4bc6d524" providerId="ADAL" clId="{ED486670-7F59-4038-B9BC-E9238978F7A3}" dt="2019-05-06T14:12:23.881" v="2236" actId="12788"/>
+          <ac:grpSpMkLst>
+            <pc:docMk/>
+            <pc:sldMk cId="1258879937" sldId="257"/>
+            <ac:grpSpMk id="156" creationId="{E282476F-4C57-4802-9E3B-5AFB9ECF7DEA}"/>
+          </ac:grpSpMkLst>
+        </pc:grpChg>
+        <pc:grpChg chg="mod">
+          <ac:chgData name="Hollister, Jeff" userId="90904e2a-aa82-465e-9922-afce4bc6d524" providerId="ADAL" clId="{ED486670-7F59-4038-B9BC-E9238978F7A3}" dt="2019-05-06T14:12:23.881" v="2236" actId="12788"/>
+          <ac:grpSpMkLst>
+            <pc:docMk/>
+            <pc:sldMk cId="1258879937" sldId="257"/>
+            <ac:grpSpMk id="158" creationId="{C7CCE405-E821-4927-B980-6889EFD80B8A}"/>
+          </ac:grpSpMkLst>
+        </pc:grpChg>
+        <pc:grpChg chg="mod">
+          <ac:chgData name="Hollister, Jeff" userId="90904e2a-aa82-465e-9922-afce4bc6d524" providerId="ADAL" clId="{ED486670-7F59-4038-B9BC-E9238978F7A3}" dt="2019-05-06T14:12:23.881" v="2236" actId="12788"/>
+          <ac:grpSpMkLst>
+            <pc:docMk/>
+            <pc:sldMk cId="1258879937" sldId="257"/>
+            <ac:grpSpMk id="161" creationId="{E6BB0B26-2897-4917-AE5A-35EF939F3E2A}"/>
+          </ac:grpSpMkLst>
+        </pc:grpChg>
+        <pc:grpChg chg="add mod">
+          <ac:chgData name="Hollister, Jeff" userId="90904e2a-aa82-465e-9922-afce4bc6d524" providerId="ADAL" clId="{ED486670-7F59-4038-B9BC-E9238978F7A3}" dt="2019-05-06T14:13:07.207" v="2240" actId="164"/>
+          <ac:grpSpMkLst>
+            <pc:docMk/>
+            <pc:sldMk cId="1258879937" sldId="257"/>
+            <ac:grpSpMk id="166" creationId="{4B5A9B0B-99AB-44FC-93F0-18822F093BBC}"/>
+          </ac:grpSpMkLst>
+        </pc:grpChg>
+        <pc:grpChg chg="mod">
+          <ac:chgData name="Hollister, Jeff" userId="90904e2a-aa82-465e-9922-afce4bc6d524" providerId="ADAL" clId="{ED486670-7F59-4038-B9BC-E9238978F7A3}" dt="2019-05-06T14:12:45.303" v="2238" actId="12788"/>
+          <ac:grpSpMkLst>
+            <pc:docMk/>
+            <pc:sldMk cId="1258879937" sldId="257"/>
+            <ac:grpSpMk id="167" creationId="{BACFFF53-D207-4F41-BB1F-EBC1EE36DD98}"/>
+          </ac:grpSpMkLst>
+        </pc:grpChg>
+        <pc:grpChg chg="mod">
+          <ac:chgData name="Hollister, Jeff" userId="90904e2a-aa82-465e-9922-afce4bc6d524" providerId="ADAL" clId="{ED486670-7F59-4038-B9BC-E9238978F7A3}" dt="2019-05-06T14:12:45.303" v="2238" actId="12788"/>
+          <ac:grpSpMkLst>
+            <pc:docMk/>
+            <pc:sldMk cId="1258879937" sldId="257"/>
+            <ac:grpSpMk id="168" creationId="{FDEC0464-5B0A-4656-A0A8-C2D0FB8E07A6}"/>
+          </ac:grpSpMkLst>
+        </pc:grpChg>
+        <pc:grpChg chg="mod">
+          <ac:chgData name="Hollister, Jeff" userId="90904e2a-aa82-465e-9922-afce4bc6d524" providerId="ADAL" clId="{ED486670-7F59-4038-B9BC-E9238978F7A3}" dt="2019-05-06T14:12:45.303" v="2238" actId="12788"/>
+          <ac:grpSpMkLst>
+            <pc:docMk/>
+            <pc:sldMk cId="1258879937" sldId="257"/>
+            <ac:grpSpMk id="170" creationId="{652B6B78-17F6-41CD-B198-24BA5FEA602E}"/>
+          </ac:grpSpMkLst>
+        </pc:grpChg>
+        <pc:grpChg chg="mod">
+          <ac:chgData name="Hollister, Jeff" userId="90904e2a-aa82-465e-9922-afce4bc6d524" providerId="ADAL" clId="{ED486670-7F59-4038-B9BC-E9238978F7A3}" dt="2019-05-06T14:12:45.303" v="2238" actId="12788"/>
+          <ac:grpSpMkLst>
+            <pc:docMk/>
+            <pc:sldMk cId="1258879937" sldId="257"/>
+            <ac:grpSpMk id="173" creationId="{943FE4BA-C98D-4480-B98A-AE61F2273C01}"/>
+          </ac:grpSpMkLst>
+        </pc:grpChg>
+        <pc:grpChg chg="add mod">
+          <ac:chgData name="Hollister, Jeff" userId="90904e2a-aa82-465e-9922-afce4bc6d524" providerId="ADAL" clId="{ED486670-7F59-4038-B9BC-E9238978F7A3}" dt="2019-05-06T14:13:41.901" v="2245" actId="554"/>
+          <ac:grpSpMkLst>
+            <pc:docMk/>
+            <pc:sldMk cId="1258879937" sldId="257"/>
+            <ac:grpSpMk id="178" creationId="{33E02C1B-0350-41A4-A259-CC54039ADDAD}"/>
+          </ac:grpSpMkLst>
+        </pc:grpChg>
+        <pc:grpChg chg="mod">
+          <ac:chgData name="Hollister, Jeff" userId="90904e2a-aa82-465e-9922-afce4bc6d524" providerId="ADAL" clId="{ED486670-7F59-4038-B9BC-E9238978F7A3}" dt="2019-05-06T14:13:41.901" v="2245" actId="554"/>
+          <ac:grpSpMkLst>
+            <pc:docMk/>
+            <pc:sldMk cId="1258879937" sldId="257"/>
+            <ac:grpSpMk id="179" creationId="{EB392F52-36CF-48E2-A4F6-FC55E71AC47D}"/>
+          </ac:grpSpMkLst>
+        </pc:grpChg>
+        <pc:grpChg chg="mod">
+          <ac:chgData name="Hollister, Jeff" userId="90904e2a-aa82-465e-9922-afce4bc6d524" providerId="ADAL" clId="{ED486670-7F59-4038-B9BC-E9238978F7A3}" dt="2019-05-06T14:13:41.901" v="2245" actId="554"/>
+          <ac:grpSpMkLst>
+            <pc:docMk/>
+            <pc:sldMk cId="1258879937" sldId="257"/>
+            <ac:grpSpMk id="180" creationId="{F48C8B05-4CCC-410C-B1DC-B5241673CD58}"/>
+          </ac:grpSpMkLst>
+        </pc:grpChg>
+        <pc:grpChg chg="mod">
+          <ac:chgData name="Hollister, Jeff" userId="90904e2a-aa82-465e-9922-afce4bc6d524" providerId="ADAL" clId="{ED486670-7F59-4038-B9BC-E9238978F7A3}" dt="2019-05-06T14:13:41.901" v="2245" actId="554"/>
+          <ac:grpSpMkLst>
+            <pc:docMk/>
+            <pc:sldMk cId="1258879937" sldId="257"/>
+            <ac:grpSpMk id="182" creationId="{10C62B39-FAB9-4CA4-A3C6-3FE455371740}"/>
+          </ac:grpSpMkLst>
+        </pc:grpChg>
+        <pc:grpChg chg="mod">
+          <ac:chgData name="Hollister, Jeff" userId="90904e2a-aa82-465e-9922-afce4bc6d524" providerId="ADAL" clId="{ED486670-7F59-4038-B9BC-E9238978F7A3}" dt="2019-05-06T14:13:41.901" v="2245" actId="554"/>
+          <ac:grpSpMkLst>
+            <pc:docMk/>
+            <pc:sldMk cId="1258879937" sldId="257"/>
+            <ac:grpSpMk id="185" creationId="{E3C5702E-9B8A-4F12-9598-C5BB22FA4237}"/>
+          </ac:grpSpMkLst>
+        </pc:grpChg>
+        <pc:grpChg chg="add mod">
+          <ac:chgData name="Hollister, Jeff" userId="90904e2a-aa82-465e-9922-afce4bc6d524" providerId="ADAL" clId="{ED486670-7F59-4038-B9BC-E9238978F7A3}" dt="2019-05-06T14:13:41.901" v="2245" actId="554"/>
+          <ac:grpSpMkLst>
+            <pc:docMk/>
+            <pc:sldMk cId="1258879937" sldId="257"/>
+            <ac:grpSpMk id="191" creationId="{16D9DFDC-A295-443F-8C12-4C06AFF5BD6C}"/>
+          </ac:grpSpMkLst>
+        </pc:grpChg>
+        <pc:grpChg chg="mod">
+          <ac:chgData name="Hollister, Jeff" userId="90904e2a-aa82-465e-9922-afce4bc6d524" providerId="ADAL" clId="{ED486670-7F59-4038-B9BC-E9238978F7A3}" dt="2019-05-06T14:13:41.901" v="2245" actId="554"/>
+          <ac:grpSpMkLst>
+            <pc:docMk/>
+            <pc:sldMk cId="1258879937" sldId="257"/>
+            <ac:grpSpMk id="192" creationId="{AA91D2AB-A553-42F7-854D-4C95B66C224F}"/>
+          </ac:grpSpMkLst>
+        </pc:grpChg>
+        <pc:grpChg chg="mod">
+          <ac:chgData name="Hollister, Jeff" userId="90904e2a-aa82-465e-9922-afce4bc6d524" providerId="ADAL" clId="{ED486670-7F59-4038-B9BC-E9238978F7A3}" dt="2019-05-06T14:13:41.901" v="2245" actId="554"/>
+          <ac:grpSpMkLst>
+            <pc:docMk/>
+            <pc:sldMk cId="1258879937" sldId="257"/>
+            <ac:grpSpMk id="193" creationId="{CB467748-95C3-4A6F-B977-05EDA97D7B86}"/>
+          </ac:grpSpMkLst>
+        </pc:grpChg>
+        <pc:grpChg chg="mod">
+          <ac:chgData name="Hollister, Jeff" userId="90904e2a-aa82-465e-9922-afce4bc6d524" providerId="ADAL" clId="{ED486670-7F59-4038-B9BC-E9238978F7A3}" dt="2019-05-06T14:13:41.901" v="2245" actId="554"/>
+          <ac:grpSpMkLst>
+            <pc:docMk/>
+            <pc:sldMk cId="1258879937" sldId="257"/>
+            <ac:grpSpMk id="195" creationId="{DCF8B337-3E64-4C34-A29E-4954F1C569CD}"/>
+          </ac:grpSpMkLst>
+        </pc:grpChg>
+        <pc:grpChg chg="mod">
+          <ac:chgData name="Hollister, Jeff" userId="90904e2a-aa82-465e-9922-afce4bc6d524" providerId="ADAL" clId="{ED486670-7F59-4038-B9BC-E9238978F7A3}" dt="2019-05-06T14:13:41.901" v="2245" actId="554"/>
+          <ac:grpSpMkLst>
+            <pc:docMk/>
+            <pc:sldMk cId="1258879937" sldId="257"/>
+            <ac:grpSpMk id="198" creationId="{D1CC0148-F448-46A7-A136-D36530A0D8BC}"/>
+          </ac:grpSpMkLst>
+        </pc:grpChg>
+        <pc:grpChg chg="add mod">
+          <ac:chgData name="Hollister, Jeff" userId="90904e2a-aa82-465e-9922-afce4bc6d524" providerId="ADAL" clId="{ED486670-7F59-4038-B9BC-E9238978F7A3}" dt="2019-05-06T14:13:41.901" v="2245" actId="554"/>
+          <ac:grpSpMkLst>
+            <pc:docMk/>
+            <pc:sldMk cId="1258879937" sldId="257"/>
+            <ac:grpSpMk id="203" creationId="{FE45FFA7-A03E-4CCB-8C41-2BDA470919A3}"/>
+          </ac:grpSpMkLst>
+        </pc:grpChg>
+        <pc:grpChg chg="mod">
+          <ac:chgData name="Hollister, Jeff" userId="90904e2a-aa82-465e-9922-afce4bc6d524" providerId="ADAL" clId="{ED486670-7F59-4038-B9BC-E9238978F7A3}" dt="2019-05-06T14:13:41.901" v="2245" actId="554"/>
+          <ac:grpSpMkLst>
+            <pc:docMk/>
+            <pc:sldMk cId="1258879937" sldId="257"/>
+            <ac:grpSpMk id="204" creationId="{A01B96B2-635C-4BF5-90FB-6FE5CDC93E7F}"/>
+          </ac:grpSpMkLst>
+        </pc:grpChg>
+        <pc:grpChg chg="mod">
+          <ac:chgData name="Hollister, Jeff" userId="90904e2a-aa82-465e-9922-afce4bc6d524" providerId="ADAL" clId="{ED486670-7F59-4038-B9BC-E9238978F7A3}" dt="2019-05-06T14:13:41.901" v="2245" actId="554"/>
+          <ac:grpSpMkLst>
+            <pc:docMk/>
+            <pc:sldMk cId="1258879937" sldId="257"/>
+            <ac:grpSpMk id="205" creationId="{5E717098-1E4C-456B-A36D-4EA74E7B7F64}"/>
+          </ac:grpSpMkLst>
+        </pc:grpChg>
+        <pc:grpChg chg="mod">
+          <ac:chgData name="Hollister, Jeff" userId="90904e2a-aa82-465e-9922-afce4bc6d524" providerId="ADAL" clId="{ED486670-7F59-4038-B9BC-E9238978F7A3}" dt="2019-05-06T14:13:41.901" v="2245" actId="554"/>
+          <ac:grpSpMkLst>
+            <pc:docMk/>
+            <pc:sldMk cId="1258879937" sldId="257"/>
+            <ac:grpSpMk id="207" creationId="{8517040C-3878-4D18-9737-A55DA341C41B}"/>
+          </ac:grpSpMkLst>
+        </pc:grpChg>
+        <pc:grpChg chg="mod">
+          <ac:chgData name="Hollister, Jeff" userId="90904e2a-aa82-465e-9922-afce4bc6d524" providerId="ADAL" clId="{ED486670-7F59-4038-B9BC-E9238978F7A3}" dt="2019-05-06T14:13:41.901" v="2245" actId="554"/>
+          <ac:grpSpMkLst>
+            <pc:docMk/>
+            <pc:sldMk cId="1258879937" sldId="257"/>
+            <ac:grpSpMk id="210" creationId="{41CB295D-4C25-4FAC-882C-C67C26228C37}"/>
+          </ac:grpSpMkLst>
+        </pc:grpChg>
+        <pc:cxnChg chg="mod topLvl">
+          <ac:chgData name="Hollister, Jeff" userId="90904e2a-aa82-465e-9922-afce4bc6d524" providerId="ADAL" clId="{ED486670-7F59-4038-B9BC-E9238978F7A3}" dt="2019-05-06T13:54:57.816" v="1687" actId="164"/>
+          <ac:cxnSpMkLst>
+            <pc:docMk/>
+            <pc:sldMk cId="1258879937" sldId="257"/>
+            <ac:cxnSpMk id="22" creationId="{9D141CA7-78FF-4583-AC95-8F66072B238C}"/>
+          </ac:cxnSpMkLst>
+        </pc:cxnChg>
+        <pc:cxnChg chg="mod">
+          <ac:chgData name="Hollister, Jeff" userId="90904e2a-aa82-465e-9922-afce4bc6d524" providerId="ADAL" clId="{ED486670-7F59-4038-B9BC-E9238978F7A3}" dt="2019-05-06T14:05:08.510" v="2018" actId="1035"/>
+          <ac:cxnSpMkLst>
+            <pc:docMk/>
+            <pc:sldMk cId="1258879937" sldId="257"/>
+            <ac:cxnSpMk id="36" creationId="{0DCD3480-AF90-4303-96DA-AEAFF95ECE3E}"/>
+          </ac:cxnSpMkLst>
+        </pc:cxnChg>
+        <pc:cxnChg chg="mod">
+          <ac:chgData name="Hollister, Jeff" userId="90904e2a-aa82-465e-9922-afce4bc6d524" providerId="ADAL" clId="{ED486670-7F59-4038-B9BC-E9238978F7A3}" dt="2019-05-06T14:11:10.708" v="2230" actId="1036"/>
+          <ac:cxnSpMkLst>
+            <pc:docMk/>
+            <pc:sldMk cId="1258879937" sldId="257"/>
+            <ac:cxnSpMk id="43" creationId="{6B15B882-AB86-4D06-A728-ECC4F25E7823}"/>
           </ac:cxnSpMkLst>
         </pc:cxnChg>
       </pc:sldChg>
@@ -1096,7 +2167,7 @@
           <a:p>
             <a:fld id="{F7167FF9-F47C-4F59-88DD-9CEB65E35CFA}" type="datetimeFigureOut">
               <a:rPr lang="en-US" smtClean="0"/>
-              <a:t>5/2/2019</a:t>
+              <a:t>5/6/2019</a:t>
             </a:fld>
             <a:endParaRPr lang="en-US"/>
           </a:p>
@@ -1266,7 +2337,7 @@
           <a:p>
             <a:fld id="{F7167FF9-F47C-4F59-88DD-9CEB65E35CFA}" type="datetimeFigureOut">
               <a:rPr lang="en-US" smtClean="0"/>
-              <a:t>5/2/2019</a:t>
+              <a:t>5/6/2019</a:t>
             </a:fld>
             <a:endParaRPr lang="en-US"/>
           </a:p>
@@ -1446,7 +2517,7 @@
           <a:p>
             <a:fld id="{F7167FF9-F47C-4F59-88DD-9CEB65E35CFA}" type="datetimeFigureOut">
               <a:rPr lang="en-US" smtClean="0"/>
-              <a:t>5/2/2019</a:t>
+              <a:t>5/6/2019</a:t>
             </a:fld>
             <a:endParaRPr lang="en-US"/>
           </a:p>
@@ -1616,7 +2687,7 @@
           <a:p>
             <a:fld id="{F7167FF9-F47C-4F59-88DD-9CEB65E35CFA}" type="datetimeFigureOut">
               <a:rPr lang="en-US" smtClean="0"/>
-              <a:t>5/2/2019</a:t>
+              <a:t>5/6/2019</a:t>
             </a:fld>
             <a:endParaRPr lang="en-US"/>
           </a:p>
@@ -1860,7 +2931,7 @@
           <a:p>
             <a:fld id="{F7167FF9-F47C-4F59-88DD-9CEB65E35CFA}" type="datetimeFigureOut">
               <a:rPr lang="en-US" smtClean="0"/>
-              <a:t>5/2/2019</a:t>
+              <a:t>5/6/2019</a:t>
             </a:fld>
             <a:endParaRPr lang="en-US"/>
           </a:p>
@@ -2092,7 +3163,7 @@
           <a:p>
             <a:fld id="{F7167FF9-F47C-4F59-88DD-9CEB65E35CFA}" type="datetimeFigureOut">
               <a:rPr lang="en-US" smtClean="0"/>
-              <a:t>5/2/2019</a:t>
+              <a:t>5/6/2019</a:t>
             </a:fld>
             <a:endParaRPr lang="en-US"/>
           </a:p>
@@ -2459,7 +3530,7 @@
           <a:p>
             <a:fld id="{F7167FF9-F47C-4F59-88DD-9CEB65E35CFA}" type="datetimeFigureOut">
               <a:rPr lang="en-US" smtClean="0"/>
-              <a:t>5/2/2019</a:t>
+              <a:t>5/6/2019</a:t>
             </a:fld>
             <a:endParaRPr lang="en-US"/>
           </a:p>
@@ -2577,7 +3648,7 @@
           <a:p>
             <a:fld id="{F7167FF9-F47C-4F59-88DD-9CEB65E35CFA}" type="datetimeFigureOut">
               <a:rPr lang="en-US" smtClean="0"/>
-              <a:t>5/2/2019</a:t>
+              <a:t>5/6/2019</a:t>
             </a:fld>
             <a:endParaRPr lang="en-US"/>
           </a:p>
@@ -2672,7 +3743,7 @@
           <a:p>
             <a:fld id="{F7167FF9-F47C-4F59-88DD-9CEB65E35CFA}" type="datetimeFigureOut">
               <a:rPr lang="en-US" smtClean="0"/>
-              <a:t>5/2/2019</a:t>
+              <a:t>5/6/2019</a:t>
             </a:fld>
             <a:endParaRPr lang="en-US"/>
           </a:p>
@@ -2949,7 +4020,7 @@
           <a:p>
             <a:fld id="{F7167FF9-F47C-4F59-88DD-9CEB65E35CFA}" type="datetimeFigureOut">
               <a:rPr lang="en-US" smtClean="0"/>
-              <a:t>5/2/2019</a:t>
+              <a:t>5/6/2019</a:t>
             </a:fld>
             <a:endParaRPr lang="en-US"/>
           </a:p>
@@ -3206,7 +4277,7 @@
           <a:p>
             <a:fld id="{F7167FF9-F47C-4F59-88DD-9CEB65E35CFA}" type="datetimeFigureOut">
               <a:rPr lang="en-US" smtClean="0"/>
-              <a:t>5/2/2019</a:t>
+              <a:t>5/6/2019</a:t>
             </a:fld>
             <a:endParaRPr lang="en-US"/>
           </a:p>
@@ -3419,7 +4490,7 @@
           <a:p>
             <a:fld id="{F7167FF9-F47C-4F59-88DD-9CEB65E35CFA}" type="datetimeFigureOut">
               <a:rPr lang="en-US" smtClean="0"/>
-              <a:t>5/2/2019</a:t>
+              <a:t>5/6/2019</a:t>
             </a:fld>
             <a:endParaRPr lang="en-US"/>
           </a:p>
@@ -3838,7 +4909,7 @@
         </p:nvSpPr>
         <p:spPr>
           <a:xfrm>
-            <a:off x="159588" y="686408"/>
+            <a:off x="14306" y="419141"/>
             <a:ext cx="867545" cy="1184940"/>
           </a:xfrm>
           <a:prstGeom prst="rect">
@@ -3853,11 +4924,16 @@
           <a:lstStyle/>
           <a:p>
             <a:r>
-              <a:rPr lang="en-US" sz="1600" dirty="0">
+              <a:rPr lang="en-US" sz="1400" b="1" dirty="0">
+                <a:solidFill>
+                  <a:schemeClr val="bg2">
+                    <a:lumMod val="75000"/>
+                  </a:schemeClr>
+                </a:solidFill>
                 <a:latin typeface="Roboto Condensed" panose="02000000000000000000" pitchFamily="2" charset="0"/>
                 <a:ea typeface="Roboto Condensed" panose="02000000000000000000" pitchFamily="2" charset="0"/>
               </a:rPr>
-              <a:t>Site 1</a:t>
+              <a:t>Station 1</a:t>
             </a:r>
           </a:p>
           <a:p>
@@ -3929,8 +5005,8 @@
         </p:nvSpPr>
         <p:spPr>
           <a:xfrm>
-            <a:off x="159588" y="1790720"/>
-            <a:ext cx="867545" cy="1015663"/>
+            <a:off x="14306" y="1619475"/>
+            <a:ext cx="867545" cy="984885"/>
           </a:xfrm>
           <a:prstGeom prst="rect">
             <a:avLst/>
@@ -3944,11 +5020,16 @@
           <a:lstStyle/>
           <a:p>
             <a:r>
-              <a:rPr lang="en-US" sz="1600" dirty="0">
+              <a:rPr lang="en-US" sz="1400" b="1" dirty="0">
+                <a:solidFill>
+                  <a:schemeClr val="bg2">
+                    <a:lumMod val="50000"/>
+                  </a:schemeClr>
+                </a:solidFill>
                 <a:latin typeface="Roboto Condensed" panose="02000000000000000000" pitchFamily="2" charset="0"/>
                 <a:ea typeface="Roboto Condensed" panose="02000000000000000000" pitchFamily="2" charset="0"/>
               </a:rPr>
-              <a:t>Site 2</a:t>
+              <a:t>Station 2</a:t>
             </a:r>
           </a:p>
           <a:p>
@@ -3970,7 +5051,7 @@
                 <a:latin typeface="Roboto Condensed" panose="02000000000000000000" pitchFamily="2" charset="0"/>
                 <a:ea typeface="Roboto Condensed" panose="02000000000000000000" pitchFamily="2" charset="0"/>
               </a:rPr>
-              <a:t>mean = 3.65</a:t>
+              <a:t>mean = 3.67</a:t>
             </a:r>
           </a:p>
           <a:p>
@@ -4014,8 +5095,8 @@
         </p:nvSpPr>
         <p:spPr>
           <a:xfrm>
-            <a:off x="159588" y="2915605"/>
-            <a:ext cx="936475" cy="1015663"/>
+            <a:off x="14306" y="2819809"/>
+            <a:ext cx="936475" cy="984885"/>
           </a:xfrm>
           <a:prstGeom prst="rect">
             <a:avLst/>
@@ -4029,11 +5110,16 @@
           <a:lstStyle/>
           <a:p>
             <a:r>
-              <a:rPr lang="en-US" sz="1600" dirty="0">
+              <a:rPr lang="en-US" sz="1400" b="1" dirty="0">
+                <a:solidFill>
+                  <a:schemeClr val="bg2">
+                    <a:lumMod val="25000"/>
+                  </a:schemeClr>
+                </a:solidFill>
                 <a:latin typeface="Roboto Condensed" panose="02000000000000000000" pitchFamily="2" charset="0"/>
                 <a:ea typeface="Roboto Condensed" panose="02000000000000000000" pitchFamily="2" charset="0"/>
               </a:rPr>
-              <a:t>Site 3</a:t>
+              <a:t>Station 3</a:t>
             </a:r>
           </a:p>
           <a:p>
@@ -4055,7 +5141,7 @@
                 <a:latin typeface="Roboto Condensed" panose="02000000000000000000" pitchFamily="2" charset="0"/>
                 <a:ea typeface="Roboto Condensed" panose="02000000000000000000" pitchFamily="2" charset="0"/>
               </a:rPr>
-              <a:t>mean = 12.43</a:t>
+              <a:t>mean = 12.44</a:t>
             </a:r>
           </a:p>
           <a:p>
@@ -4080,7 +5166,7 @@
                 <a:latin typeface="Roboto Condensed" panose="02000000000000000000" pitchFamily="2" charset="0"/>
                 <a:ea typeface="Roboto Condensed" panose="02000000000000000000" pitchFamily="2" charset="0"/>
               </a:rPr>
-              <a:t> = 1.91</a:t>
+              <a:t> = 1.90</a:t>
             </a:r>
           </a:p>
         </p:txBody>
@@ -4099,8 +5185,8 @@
         </p:nvSpPr>
         <p:spPr>
           <a:xfrm>
-            <a:off x="1831744" y="39156"/>
-            <a:ext cx="696024" cy="338554"/>
+            <a:off x="1636772" y="14820"/>
+            <a:ext cx="646331" cy="307777"/>
           </a:xfrm>
           <a:prstGeom prst="rect">
             <a:avLst/>
@@ -4114,7 +5200,7 @@
           <a:lstStyle/>
           <a:p>
             <a:r>
-              <a:rPr lang="en-US" sz="1600" dirty="0">
+              <a:rPr lang="en-US" sz="1400" b="1" dirty="0">
                 <a:latin typeface="Roboto Condensed" panose="02000000000000000000" pitchFamily="2" charset="0"/>
                 <a:ea typeface="Roboto Condensed" panose="02000000000000000000" pitchFamily="2" charset="0"/>
               </a:rPr>
@@ -4137,8 +5223,8 @@
         </p:nvSpPr>
         <p:spPr>
           <a:xfrm>
-            <a:off x="3658409" y="39156"/>
-            <a:ext cx="696024" cy="338554"/>
+            <a:off x="3558914" y="14820"/>
+            <a:ext cx="646331" cy="307777"/>
           </a:xfrm>
           <a:prstGeom prst="rect">
             <a:avLst/>
@@ -4152,7 +5238,7 @@
           <a:lstStyle/>
           <a:p>
             <a:r>
-              <a:rPr lang="en-US" sz="1600" dirty="0">
+              <a:rPr lang="en-US" sz="1400" b="1" dirty="0">
                 <a:latin typeface="Roboto Condensed" panose="02000000000000000000" pitchFamily="2" charset="0"/>
                 <a:ea typeface="Roboto Condensed" panose="02000000000000000000" pitchFamily="2" charset="0"/>
               </a:rPr>
@@ -4175,8 +5261,8 @@
         </p:nvSpPr>
         <p:spPr>
           <a:xfrm>
-            <a:off x="5430650" y="39156"/>
-            <a:ext cx="696024" cy="338554"/>
+            <a:off x="5541629" y="14820"/>
+            <a:ext cx="646331" cy="307777"/>
           </a:xfrm>
           <a:prstGeom prst="rect">
             <a:avLst/>
@@ -4190,7 +5276,7 @@
           <a:lstStyle/>
           <a:p>
             <a:r>
-              <a:rPr lang="en-US" sz="1600" dirty="0">
+              <a:rPr lang="en-US" sz="1400" b="1" dirty="0">
                 <a:latin typeface="Roboto Condensed" panose="02000000000000000000" pitchFamily="2" charset="0"/>
                 <a:ea typeface="Roboto Condensed" panose="02000000000000000000" pitchFamily="2" charset="0"/>
               </a:rPr>
@@ -4215,8 +5301,8 @@
         </p:nvCxnSpPr>
         <p:spPr>
           <a:xfrm>
-            <a:off x="1362907" y="452923"/>
-            <a:ext cx="5332576" cy="0"/>
+            <a:off x="935614" y="329098"/>
+            <a:ext cx="5760720" cy="0"/>
           </a:xfrm>
           <a:prstGeom prst="line">
             <a:avLst/>
@@ -4258,8 +5344,8 @@
         </p:nvCxnSpPr>
         <p:spPr>
           <a:xfrm>
-            <a:off x="1362907" y="3874881"/>
-            <a:ext cx="5332576" cy="0"/>
+            <a:off x="935614" y="3932031"/>
+            <a:ext cx="5760720" cy="0"/>
           </a:xfrm>
           <a:prstGeom prst="line">
             <a:avLst/>
@@ -4299,8 +5385,8 @@
         </p:nvSpPr>
         <p:spPr>
           <a:xfrm>
-            <a:off x="1598293" y="3917530"/>
-            <a:ext cx="1176925" cy="646331"/>
+            <a:off x="1256860" y="3981550"/>
+            <a:ext cx="1436612" cy="600164"/>
           </a:xfrm>
           <a:prstGeom prst="rect">
             <a:avLst/>
@@ -4314,32 +5400,42 @@
           <a:lstStyle/>
           <a:p>
             <a:r>
-              <a:rPr lang="en-US" sz="1200" dirty="0">
+              <a:rPr lang="en-US" sz="1100" dirty="0">
                 <a:latin typeface="Roboto Condensed" panose="02000000000000000000" pitchFamily="2" charset="0"/>
                 <a:ea typeface="Roboto Condensed" panose="02000000000000000000" pitchFamily="2" charset="0"/>
               </a:rPr>
-              <a:t>mean z-scores =</a:t>
-            </a:r>
-          </a:p>
-          <a:p>
-            <a:r>
-              <a:rPr lang="en-US" sz="1200" dirty="0" err="1">
+              <a:t>mean z-scores = </a:t>
+            </a:r>
+            <a:r>
+              <a:rPr lang="en-US" sz="1100" b="1" dirty="0">
+                <a:solidFill>
+                  <a:srgbClr val="00008B"/>
+                </a:solidFill>
+                <a:latin typeface="Roboto Condensed" panose="02000000000000000000" pitchFamily="2" charset="0"/>
+                <a:ea typeface="Roboto Condensed" panose="02000000000000000000" pitchFamily="2" charset="0"/>
+              </a:rPr>
+              <a:t>-0.47</a:t>
+            </a:r>
+          </a:p>
+          <a:p>
+            <a:r>
+              <a:rPr lang="en-US" sz="1100" dirty="0" err="1">
                 <a:latin typeface="Roboto Condensed" panose="02000000000000000000" pitchFamily="2" charset="0"/>
                 <a:ea typeface="Roboto Condensed" panose="02000000000000000000" pitchFamily="2" charset="0"/>
               </a:rPr>
               <a:t>s.d.</a:t>
             </a:r>
             <a:r>
-              <a:rPr lang="en-US" sz="1200" dirty="0">
+              <a:rPr lang="en-US" sz="1100" dirty="0">
                 <a:latin typeface="Roboto Condensed" panose="02000000000000000000" pitchFamily="2" charset="0"/>
                 <a:ea typeface="Roboto Condensed" panose="02000000000000000000" pitchFamily="2" charset="0"/>
               </a:rPr>
-              <a:t> z-scores =</a:t>
-            </a:r>
-          </a:p>
-          <a:p>
-            <a:r>
-              <a:rPr lang="en-US" sz="1200" dirty="0">
+              <a:t> z-scores = 0.67</a:t>
+            </a:r>
+          </a:p>
+          <a:p>
+            <a:r>
+              <a:rPr lang="en-US" sz="1100" dirty="0">
                 <a:latin typeface="Roboto Condensed" panose="02000000000000000000" pitchFamily="2" charset="0"/>
                 <a:ea typeface="Roboto Condensed" panose="02000000000000000000" pitchFamily="2" charset="0"/>
               </a:rPr>
@@ -4362,8 +5458,8 @@
         </p:nvSpPr>
         <p:spPr>
           <a:xfrm>
-            <a:off x="3340004" y="3917530"/>
-            <a:ext cx="1176925" cy="646331"/>
+            <a:off x="3196635" y="4016825"/>
+            <a:ext cx="1385316" cy="600164"/>
           </a:xfrm>
           <a:prstGeom prst="rect">
             <a:avLst/>
@@ -4377,32 +5473,42 @@
           <a:lstStyle/>
           <a:p>
             <a:r>
-              <a:rPr lang="en-US" sz="1200" dirty="0">
+              <a:rPr lang="en-US" sz="1100" dirty="0">
                 <a:latin typeface="Roboto Condensed" panose="02000000000000000000" pitchFamily="2" charset="0"/>
                 <a:ea typeface="Roboto Condensed" panose="02000000000000000000" pitchFamily="2" charset="0"/>
               </a:rPr>
-              <a:t>mean z-scores =</a:t>
-            </a:r>
-          </a:p>
-          <a:p>
-            <a:r>
-              <a:rPr lang="en-US" sz="1200" dirty="0" err="1">
+              <a:t>mean z-scores = </a:t>
+            </a:r>
+            <a:r>
+              <a:rPr lang="en-US" sz="1100" b="1" dirty="0">
+                <a:solidFill>
+                  <a:srgbClr val="8B0000"/>
+                </a:solidFill>
+                <a:latin typeface="Roboto Condensed" panose="02000000000000000000" pitchFamily="2" charset="0"/>
+                <a:ea typeface="Roboto Condensed" panose="02000000000000000000" pitchFamily="2" charset="0"/>
+              </a:rPr>
+              <a:t>0.39</a:t>
+            </a:r>
+          </a:p>
+          <a:p>
+            <a:r>
+              <a:rPr lang="en-US" sz="1100" dirty="0" err="1">
                 <a:latin typeface="Roboto Condensed" panose="02000000000000000000" pitchFamily="2" charset="0"/>
                 <a:ea typeface="Roboto Condensed" panose="02000000000000000000" pitchFamily="2" charset="0"/>
               </a:rPr>
               <a:t>s.d.</a:t>
             </a:r>
             <a:r>
-              <a:rPr lang="en-US" sz="1200" dirty="0">
+              <a:rPr lang="en-US" sz="1100" dirty="0">
                 <a:latin typeface="Roboto Condensed" panose="02000000000000000000" pitchFamily="2" charset="0"/>
                 <a:ea typeface="Roboto Condensed" panose="02000000000000000000" pitchFamily="2" charset="0"/>
               </a:rPr>
-              <a:t> z-scores =</a:t>
-            </a:r>
-          </a:p>
-          <a:p>
-            <a:r>
-              <a:rPr lang="en-US" sz="1200" dirty="0">
+              <a:t> z-scores = 0.61</a:t>
+            </a:r>
+          </a:p>
+          <a:p>
+            <a:r>
+              <a:rPr lang="en-US" sz="1100" dirty="0">
                 <a:latin typeface="Roboto Condensed" panose="02000000000000000000" pitchFamily="2" charset="0"/>
                 <a:ea typeface="Roboto Condensed" panose="02000000000000000000" pitchFamily="2" charset="0"/>
               </a:rPr>
@@ -4425,8 +5531,8 @@
         </p:nvSpPr>
         <p:spPr>
           <a:xfrm>
-            <a:off x="5262301" y="3917530"/>
-            <a:ext cx="1176925" cy="646331"/>
+            <a:off x="5179350" y="4016825"/>
+            <a:ext cx="1385316" cy="600164"/>
           </a:xfrm>
           <a:prstGeom prst="rect">
             <a:avLst/>
@@ -4440,93 +5546,46 @@
           <a:lstStyle/>
           <a:p>
             <a:r>
-              <a:rPr lang="en-US" sz="1200" dirty="0">
+              <a:rPr lang="en-US" sz="1100" dirty="0">
                 <a:latin typeface="Roboto Condensed" panose="02000000000000000000" pitchFamily="2" charset="0"/>
                 <a:ea typeface="Roboto Condensed" panose="02000000000000000000" pitchFamily="2" charset="0"/>
               </a:rPr>
-              <a:t>mean z-scores =</a:t>
-            </a:r>
-          </a:p>
-          <a:p>
-            <a:r>
-              <a:rPr lang="en-US" sz="1200" dirty="0" err="1">
+              <a:t>mean z-scores = </a:t>
+            </a:r>
+            <a:r>
+              <a:rPr lang="en-US" sz="1100" b="1" dirty="0">
+                <a:solidFill>
+                  <a:srgbClr val="8B0000"/>
+                </a:solidFill>
+                <a:latin typeface="Roboto Condensed" panose="02000000000000000000" pitchFamily="2" charset="0"/>
+                <a:ea typeface="Roboto Condensed" panose="02000000000000000000" pitchFamily="2" charset="0"/>
+              </a:rPr>
+              <a:t>0.20</a:t>
+            </a:r>
+          </a:p>
+          <a:p>
+            <a:r>
+              <a:rPr lang="en-US" sz="1100" dirty="0" err="1">
                 <a:latin typeface="Roboto Condensed" panose="02000000000000000000" pitchFamily="2" charset="0"/>
                 <a:ea typeface="Roboto Condensed" panose="02000000000000000000" pitchFamily="2" charset="0"/>
               </a:rPr>
               <a:t>s.d.</a:t>
             </a:r>
             <a:r>
-              <a:rPr lang="en-US" sz="1200" dirty="0">
+              <a:rPr lang="en-US" sz="1100" dirty="0">
                 <a:latin typeface="Roboto Condensed" panose="02000000000000000000" pitchFamily="2" charset="0"/>
                 <a:ea typeface="Roboto Condensed" panose="02000000000000000000" pitchFamily="2" charset="0"/>
               </a:rPr>
-              <a:t> =</a:t>
-            </a:r>
-          </a:p>
-          <a:p>
-            <a:r>
-              <a:rPr lang="en-US" sz="1200" dirty="0">
+              <a:t> = 1.15</a:t>
+            </a:r>
+          </a:p>
+          <a:p>
+            <a:r>
+              <a:rPr lang="en-US" sz="1100" dirty="0">
                 <a:latin typeface="Roboto Condensed" panose="02000000000000000000" pitchFamily="2" charset="0"/>
                 <a:ea typeface="Roboto Condensed" panose="02000000000000000000" pitchFamily="2" charset="0"/>
               </a:rPr>
               <a:t>n = 3</a:t>
-            </a:r>
-          </a:p>
-        </p:txBody>
-      </p:sp>
-      <p:sp>
-        <p:nvSpPr>
-          <p:cNvPr id="53" name="TextBox 52">
-            <a:extLst>
-              <a:ext uri="{FF2B5EF4-FFF2-40B4-BE49-F238E27FC236}">
-                <a16:creationId xmlns:a16="http://schemas.microsoft.com/office/drawing/2014/main" id="{63E96BA2-DCBA-4505-BDD2-C510302C3B6B}"/>
-              </a:ext>
-            </a:extLst>
-          </p:cNvPr>
-          <p:cNvSpPr txBox="1"/>
-          <p:nvPr/>
-        </p:nvSpPr>
-        <p:spPr>
-          <a:xfrm>
-            <a:off x="1477499" y="595267"/>
-            <a:ext cx="447558" cy="769441"/>
-          </a:xfrm>
-          <a:prstGeom prst="rect">
-            <a:avLst/>
-          </a:prstGeom>
-          <a:noFill/>
-        </p:spPr>
-        <p:txBody>
-          <a:bodyPr wrap="none" rtlCol="0">
-            <a:spAutoFit/>
-          </a:bodyPr>
-          <a:lstStyle/>
-          <a:p>
-            <a:pPr algn="ctr"/>
-            <a:r>
-              <a:rPr lang="en-US" sz="1100" b="1" dirty="0"/>
-              <a:t>data</a:t>
-            </a:r>
-          </a:p>
-          <a:p>
-            <a:pPr algn="ctr"/>
-            <a:r>
-              <a:rPr lang="en-US" sz="1100" dirty="0"/>
-              <a:t>5</a:t>
-            </a:r>
-          </a:p>
-          <a:p>
-            <a:pPr algn="ctr"/>
-            <a:r>
-              <a:rPr lang="en-US" sz="1100" dirty="0"/>
-              <a:t>4</a:t>
-            </a:r>
-          </a:p>
-          <a:p>
-            <a:pPr algn="ctr"/>
-            <a:r>
-              <a:rPr lang="en-US" sz="1100" dirty="0"/>
-              <a:t>8</a:t>
             </a:r>
           </a:p>
         </p:txBody>
@@ -4545,8 +5604,8 @@
         </p:nvSpPr>
         <p:spPr>
           <a:xfrm>
-            <a:off x="107753" y="3892735"/>
-            <a:ext cx="1293944" cy="584775"/>
+            <a:off x="34342" y="4008331"/>
+            <a:ext cx="827471" cy="523220"/>
           </a:xfrm>
           <a:prstGeom prst="rect">
             <a:avLst/>
@@ -4561,965 +5620,31 @@
           <a:p>
             <a:pPr algn="ctr"/>
             <a:r>
-              <a:rPr lang="en-US" sz="1600" dirty="0">
+              <a:rPr lang="en-US" sz="1400" b="1" dirty="0">
                 <a:latin typeface="Roboto Condensed" panose="02000000000000000000" pitchFamily="2" charset="0"/>
                 <a:ea typeface="Roboto Condensed" panose="02000000000000000000" pitchFamily="2" charset="0"/>
               </a:rPr>
-              <a:t>Yearly</a:t>
+              <a:t>Mean </a:t>
             </a:r>
           </a:p>
           <a:p>
             <a:pPr algn="ctr"/>
             <a:r>
-              <a:rPr lang="en-US" sz="1600" dirty="0">
+              <a:rPr lang="en-US" sz="1400" b="1" dirty="0">
                 <a:latin typeface="Roboto Condensed" panose="02000000000000000000" pitchFamily="2" charset="0"/>
                 <a:ea typeface="Roboto Condensed" panose="02000000000000000000" pitchFamily="2" charset="0"/>
               </a:rPr>
-              <a:t>Avg. Z-scores</a:t>
-            </a:r>
-          </a:p>
-        </p:txBody>
-      </p:sp>
-      <p:sp>
-        <p:nvSpPr>
-          <p:cNvPr id="2" name="Rectangle 1">
-            <a:extLst>
-              <a:ext uri="{FF2B5EF4-FFF2-40B4-BE49-F238E27FC236}">
-                <a16:creationId xmlns:a16="http://schemas.microsoft.com/office/drawing/2014/main" id="{6C56BEAB-01BB-4A01-9A49-8F5AF03418B2}"/>
-              </a:ext>
-            </a:extLst>
-          </p:cNvPr>
-          <p:cNvSpPr/>
-          <p:nvPr/>
-        </p:nvSpPr>
-        <p:spPr>
-          <a:xfrm>
-            <a:off x="1461318" y="537118"/>
-            <a:ext cx="463740" cy="1005840"/>
-          </a:xfrm>
-          <a:prstGeom prst="rect">
-            <a:avLst/>
-          </a:prstGeom>
-          <a:noFill/>
-          <a:ln w="28575">
-            <a:solidFill>
-              <a:srgbClr val="00008B"/>
-            </a:solidFill>
-          </a:ln>
-        </p:spPr>
-        <p:style>
-          <a:lnRef idx="2">
-            <a:schemeClr val="accent1">
-              <a:shade val="50000"/>
-            </a:schemeClr>
-          </a:lnRef>
-          <a:fillRef idx="1">
-            <a:schemeClr val="accent1"/>
-          </a:fillRef>
-          <a:effectRef idx="0">
-            <a:schemeClr val="accent1"/>
-          </a:effectRef>
-          <a:fontRef idx="minor">
-            <a:schemeClr val="lt1"/>
-          </a:fontRef>
-        </p:style>
-        <p:txBody>
-          <a:bodyPr rtlCol="0" anchor="ctr"/>
-          <a:lstStyle/>
-          <a:p>
-            <a:pPr algn="ctr"/>
-            <a:endParaRPr lang="en-US"/>
-          </a:p>
-        </p:txBody>
-      </p:sp>
-      <p:sp>
-        <p:nvSpPr>
-          <p:cNvPr id="49" name="Rectangle 48">
-            <a:extLst>
-              <a:ext uri="{FF2B5EF4-FFF2-40B4-BE49-F238E27FC236}">
-                <a16:creationId xmlns:a16="http://schemas.microsoft.com/office/drawing/2014/main" id="{C0EDB5EE-0710-4F80-A28A-F28C8344FD08}"/>
-              </a:ext>
-            </a:extLst>
-          </p:cNvPr>
-          <p:cNvSpPr/>
-          <p:nvPr/>
-        </p:nvSpPr>
-        <p:spPr>
-          <a:xfrm>
-            <a:off x="3401608" y="533374"/>
-            <a:ext cx="463740" cy="1005840"/>
-          </a:xfrm>
-          <a:prstGeom prst="rect">
-            <a:avLst/>
-          </a:prstGeom>
-          <a:noFill/>
-          <a:ln w="28575">
-            <a:solidFill>
-              <a:srgbClr val="00008B"/>
-            </a:solidFill>
-          </a:ln>
-        </p:spPr>
-        <p:style>
-          <a:lnRef idx="2">
-            <a:schemeClr val="accent1">
-              <a:shade val="50000"/>
-            </a:schemeClr>
-          </a:lnRef>
-          <a:fillRef idx="1">
-            <a:schemeClr val="accent1"/>
-          </a:fillRef>
-          <a:effectRef idx="0">
-            <a:schemeClr val="accent1"/>
-          </a:effectRef>
-          <a:fontRef idx="minor">
-            <a:schemeClr val="lt1"/>
-          </a:fontRef>
-        </p:style>
-        <p:txBody>
-          <a:bodyPr rtlCol="0" anchor="ctr"/>
-          <a:lstStyle/>
-          <a:p>
-            <a:pPr algn="ctr"/>
-            <a:endParaRPr lang="en-US"/>
-          </a:p>
-        </p:txBody>
-      </p:sp>
-      <p:sp>
-        <p:nvSpPr>
-          <p:cNvPr id="50" name="Rectangle 49">
-            <a:extLst>
-              <a:ext uri="{FF2B5EF4-FFF2-40B4-BE49-F238E27FC236}">
-                <a16:creationId xmlns:a16="http://schemas.microsoft.com/office/drawing/2014/main" id="{EEC9AD62-41CA-446F-BF69-BDDBB3D2CEF9}"/>
-              </a:ext>
-            </a:extLst>
-          </p:cNvPr>
-          <p:cNvSpPr/>
-          <p:nvPr/>
-        </p:nvSpPr>
-        <p:spPr>
-          <a:xfrm>
-            <a:off x="5080003" y="537431"/>
-            <a:ext cx="431374" cy="1005840"/>
-          </a:xfrm>
-          <a:prstGeom prst="rect">
-            <a:avLst/>
-          </a:prstGeom>
-          <a:noFill/>
-          <a:ln w="28575">
-            <a:solidFill>
-              <a:srgbClr val="00008B"/>
-            </a:solidFill>
-          </a:ln>
-        </p:spPr>
-        <p:style>
-          <a:lnRef idx="2">
-            <a:schemeClr val="accent1">
-              <a:shade val="50000"/>
-            </a:schemeClr>
-          </a:lnRef>
-          <a:fillRef idx="1">
-            <a:schemeClr val="accent1"/>
-          </a:fillRef>
-          <a:effectRef idx="0">
-            <a:schemeClr val="accent1"/>
-          </a:effectRef>
-          <a:fontRef idx="minor">
-            <a:schemeClr val="lt1"/>
-          </a:fontRef>
-        </p:style>
-        <p:txBody>
-          <a:bodyPr rtlCol="0" anchor="ctr"/>
-          <a:lstStyle/>
-          <a:p>
-            <a:pPr algn="ctr"/>
-            <a:endParaRPr lang="en-US"/>
-          </a:p>
-        </p:txBody>
-      </p:sp>
-      <p:sp>
-        <p:nvSpPr>
-          <p:cNvPr id="80" name="TextBox 79">
-            <a:extLst>
-              <a:ext uri="{FF2B5EF4-FFF2-40B4-BE49-F238E27FC236}">
-                <a16:creationId xmlns:a16="http://schemas.microsoft.com/office/drawing/2014/main" id="{BABACCD6-1B99-4874-97AD-46FFA87B7A11}"/>
-              </a:ext>
-            </a:extLst>
-          </p:cNvPr>
-          <p:cNvSpPr txBox="1"/>
-          <p:nvPr/>
-        </p:nvSpPr>
-        <p:spPr>
-          <a:xfrm>
-            <a:off x="3401606" y="610844"/>
-            <a:ext cx="447558" cy="769441"/>
-          </a:xfrm>
-          <a:prstGeom prst="rect">
-            <a:avLst/>
-          </a:prstGeom>
-          <a:noFill/>
-        </p:spPr>
-        <p:txBody>
-          <a:bodyPr wrap="none" rtlCol="0">
-            <a:spAutoFit/>
-          </a:bodyPr>
-          <a:lstStyle/>
-          <a:p>
-            <a:pPr algn="ctr"/>
-            <a:r>
-              <a:rPr lang="en-US" sz="1100" b="1" dirty="0"/>
-              <a:t>data</a:t>
-            </a:r>
-            <a:endParaRPr lang="en-US" sz="1100" dirty="0"/>
-          </a:p>
-          <a:p>
-            <a:pPr algn="ctr"/>
-            <a:r>
-              <a:rPr lang="en-US" sz="1100" dirty="0"/>
-              <a:t>6</a:t>
-            </a:r>
-          </a:p>
-          <a:p>
-            <a:pPr algn="ctr"/>
-            <a:r>
-              <a:rPr lang="en-US" sz="1100" dirty="0"/>
-              <a:t>9</a:t>
-            </a:r>
-          </a:p>
-          <a:p>
-            <a:pPr algn="ctr"/>
-            <a:r>
-              <a:rPr lang="en-US" sz="1100" dirty="0"/>
-              <a:t>6</a:t>
-            </a:r>
-          </a:p>
-        </p:txBody>
-      </p:sp>
-      <p:sp>
-        <p:nvSpPr>
-          <p:cNvPr id="81" name="Rectangle 80">
-            <a:extLst>
-              <a:ext uri="{FF2B5EF4-FFF2-40B4-BE49-F238E27FC236}">
-                <a16:creationId xmlns:a16="http://schemas.microsoft.com/office/drawing/2014/main" id="{F39017AD-7EFE-4788-926C-4E6BD37E1114}"/>
-              </a:ext>
-            </a:extLst>
-          </p:cNvPr>
-          <p:cNvSpPr/>
-          <p:nvPr/>
-        </p:nvSpPr>
-        <p:spPr>
-          <a:xfrm>
-            <a:off x="1461318" y="1657479"/>
-            <a:ext cx="463740" cy="1005840"/>
-          </a:xfrm>
-          <a:prstGeom prst="rect">
-            <a:avLst/>
-          </a:prstGeom>
-          <a:noFill/>
-          <a:ln w="28575">
-            <a:solidFill>
-              <a:srgbClr val="8B0000"/>
-            </a:solidFill>
-          </a:ln>
-        </p:spPr>
-        <p:style>
-          <a:lnRef idx="2">
-            <a:schemeClr val="accent1">
-              <a:shade val="50000"/>
-            </a:schemeClr>
-          </a:lnRef>
-          <a:fillRef idx="1">
-            <a:schemeClr val="accent1"/>
-          </a:fillRef>
-          <a:effectRef idx="0">
-            <a:schemeClr val="accent1"/>
-          </a:effectRef>
-          <a:fontRef idx="minor">
-            <a:schemeClr val="lt1"/>
-          </a:fontRef>
-        </p:style>
-        <p:txBody>
-          <a:bodyPr rtlCol="0" anchor="ctr"/>
-          <a:lstStyle/>
-          <a:p>
-            <a:pPr algn="ctr"/>
-            <a:endParaRPr lang="en-US"/>
-          </a:p>
-        </p:txBody>
-      </p:sp>
-      <p:sp>
-        <p:nvSpPr>
-          <p:cNvPr id="82" name="Rectangle 81">
-            <a:extLst>
-              <a:ext uri="{FF2B5EF4-FFF2-40B4-BE49-F238E27FC236}">
-                <a16:creationId xmlns:a16="http://schemas.microsoft.com/office/drawing/2014/main" id="{CDFC8B0C-23AC-4D1D-8897-C149BC512D91}"/>
-              </a:ext>
-            </a:extLst>
-          </p:cNvPr>
-          <p:cNvSpPr/>
-          <p:nvPr/>
-        </p:nvSpPr>
-        <p:spPr>
-          <a:xfrm>
-            <a:off x="5110202" y="1635758"/>
-            <a:ext cx="447558" cy="1005840"/>
-          </a:xfrm>
-          <a:prstGeom prst="rect">
-            <a:avLst/>
-          </a:prstGeom>
-          <a:noFill/>
-          <a:ln w="28575">
-            <a:solidFill>
-              <a:srgbClr val="8B0000"/>
-            </a:solidFill>
-          </a:ln>
-        </p:spPr>
-        <p:style>
-          <a:lnRef idx="2">
-            <a:schemeClr val="accent1">
-              <a:shade val="50000"/>
-            </a:schemeClr>
-          </a:lnRef>
-          <a:fillRef idx="1">
-            <a:schemeClr val="accent1"/>
-          </a:fillRef>
-          <a:effectRef idx="0">
-            <a:schemeClr val="accent1"/>
-          </a:effectRef>
-          <a:fontRef idx="minor">
-            <a:schemeClr val="lt1"/>
-          </a:fontRef>
-        </p:style>
-        <p:txBody>
-          <a:bodyPr rtlCol="0" anchor="ctr"/>
-          <a:lstStyle/>
-          <a:p>
-            <a:pPr algn="ctr"/>
-            <a:endParaRPr lang="en-US"/>
-          </a:p>
-        </p:txBody>
-      </p:sp>
-      <p:sp>
-        <p:nvSpPr>
-          <p:cNvPr id="83" name="Rectangle 82">
-            <a:extLst>
-              <a:ext uri="{FF2B5EF4-FFF2-40B4-BE49-F238E27FC236}">
-                <a16:creationId xmlns:a16="http://schemas.microsoft.com/office/drawing/2014/main" id="{6AF7727E-D979-4AF2-B823-FEC2C43106C3}"/>
-              </a:ext>
-            </a:extLst>
-          </p:cNvPr>
-          <p:cNvSpPr/>
-          <p:nvPr/>
-        </p:nvSpPr>
-        <p:spPr>
-          <a:xfrm>
-            <a:off x="1462370" y="2783170"/>
-            <a:ext cx="462687" cy="1005840"/>
-          </a:xfrm>
-          <a:prstGeom prst="rect">
-            <a:avLst/>
-          </a:prstGeom>
-          <a:noFill/>
-          <a:ln w="28575">
-            <a:solidFill>
-              <a:srgbClr val="8B8B8B"/>
-            </a:solidFill>
-          </a:ln>
-        </p:spPr>
-        <p:style>
-          <a:lnRef idx="2">
-            <a:schemeClr val="accent1">
-              <a:shade val="50000"/>
-            </a:schemeClr>
-          </a:lnRef>
-          <a:fillRef idx="1">
-            <a:schemeClr val="accent1"/>
-          </a:fillRef>
-          <a:effectRef idx="0">
-            <a:schemeClr val="accent1"/>
-          </a:effectRef>
-          <a:fontRef idx="minor">
-            <a:schemeClr val="lt1"/>
-          </a:fontRef>
-        </p:style>
-        <p:txBody>
-          <a:bodyPr rtlCol="0" anchor="ctr"/>
-          <a:lstStyle/>
-          <a:p>
-            <a:pPr algn="ctr"/>
-            <a:endParaRPr lang="en-US"/>
-          </a:p>
-        </p:txBody>
-      </p:sp>
-      <p:sp>
-        <p:nvSpPr>
-          <p:cNvPr id="84" name="Rectangle 83">
-            <a:extLst>
-              <a:ext uri="{FF2B5EF4-FFF2-40B4-BE49-F238E27FC236}">
-                <a16:creationId xmlns:a16="http://schemas.microsoft.com/office/drawing/2014/main" id="{8D9D8415-31BE-4B84-9ED3-ACBA082148FF}"/>
-              </a:ext>
-            </a:extLst>
-          </p:cNvPr>
-          <p:cNvSpPr/>
-          <p:nvPr/>
-        </p:nvSpPr>
-        <p:spPr>
-          <a:xfrm>
-            <a:off x="3308815" y="2783483"/>
-            <a:ext cx="556533" cy="1005840"/>
-          </a:xfrm>
-          <a:prstGeom prst="rect">
-            <a:avLst/>
-          </a:prstGeom>
-          <a:noFill/>
-          <a:ln w="28575">
-            <a:solidFill>
-              <a:srgbClr val="8B8B8B"/>
-            </a:solidFill>
-          </a:ln>
-        </p:spPr>
-        <p:style>
-          <a:lnRef idx="2">
-            <a:schemeClr val="accent1">
-              <a:shade val="50000"/>
-            </a:schemeClr>
-          </a:lnRef>
-          <a:fillRef idx="1">
-            <a:schemeClr val="accent1"/>
-          </a:fillRef>
-          <a:effectRef idx="0">
-            <a:schemeClr val="accent1"/>
-          </a:effectRef>
-          <a:fontRef idx="minor">
-            <a:schemeClr val="lt1"/>
-          </a:fontRef>
-        </p:style>
-        <p:txBody>
-          <a:bodyPr rtlCol="0" anchor="ctr"/>
-          <a:lstStyle/>
-          <a:p>
-            <a:pPr algn="ctr"/>
-            <a:endParaRPr lang="en-US"/>
-          </a:p>
-        </p:txBody>
-      </p:sp>
-      <p:sp>
-        <p:nvSpPr>
-          <p:cNvPr id="85" name="Rectangle 84">
-            <a:extLst>
-              <a:ext uri="{FF2B5EF4-FFF2-40B4-BE49-F238E27FC236}">
-                <a16:creationId xmlns:a16="http://schemas.microsoft.com/office/drawing/2014/main" id="{F54E2C3C-8529-4FCE-8673-6F1BA0A6F945}"/>
-              </a:ext>
-            </a:extLst>
-          </p:cNvPr>
-          <p:cNvSpPr/>
-          <p:nvPr/>
-        </p:nvSpPr>
-        <p:spPr>
-          <a:xfrm>
-            <a:off x="5081056" y="2783483"/>
-            <a:ext cx="476704" cy="1005840"/>
-          </a:xfrm>
-          <a:prstGeom prst="rect">
-            <a:avLst/>
-          </a:prstGeom>
-          <a:noFill/>
-          <a:ln w="28575">
-            <a:solidFill>
-              <a:srgbClr val="8B8B8B"/>
-            </a:solidFill>
-          </a:ln>
-        </p:spPr>
-        <p:style>
-          <a:lnRef idx="2">
-            <a:schemeClr val="accent1">
-              <a:shade val="50000"/>
-            </a:schemeClr>
-          </a:lnRef>
-          <a:fillRef idx="1">
-            <a:schemeClr val="accent1"/>
-          </a:fillRef>
-          <a:effectRef idx="0">
-            <a:schemeClr val="accent1"/>
-          </a:effectRef>
-          <a:fontRef idx="minor">
-            <a:schemeClr val="lt1"/>
-          </a:fontRef>
-        </p:style>
-        <p:txBody>
-          <a:bodyPr rtlCol="0" anchor="ctr"/>
-          <a:lstStyle/>
-          <a:p>
-            <a:pPr algn="ctr"/>
-            <a:endParaRPr lang="en-US"/>
-          </a:p>
-        </p:txBody>
-      </p:sp>
-      <p:sp>
-        <p:nvSpPr>
-          <p:cNvPr id="86" name="TextBox 85">
-            <a:extLst>
-              <a:ext uri="{FF2B5EF4-FFF2-40B4-BE49-F238E27FC236}">
-                <a16:creationId xmlns:a16="http://schemas.microsoft.com/office/drawing/2014/main" id="{E1E5A249-457C-4295-B7A8-24C6887E5DB6}"/>
-              </a:ext>
-            </a:extLst>
-          </p:cNvPr>
-          <p:cNvSpPr txBox="1"/>
-          <p:nvPr/>
-        </p:nvSpPr>
-        <p:spPr>
-          <a:xfrm>
-            <a:off x="5063819" y="594075"/>
-            <a:ext cx="447558" cy="769441"/>
-          </a:xfrm>
-          <a:prstGeom prst="rect">
-            <a:avLst/>
-          </a:prstGeom>
-          <a:noFill/>
-        </p:spPr>
-        <p:txBody>
-          <a:bodyPr wrap="none" rtlCol="0">
-            <a:spAutoFit/>
-          </a:bodyPr>
-          <a:lstStyle/>
-          <a:p>
-            <a:pPr algn="ctr"/>
-            <a:r>
-              <a:rPr lang="en-US" sz="1100" b="1" dirty="0"/>
-              <a:t>data</a:t>
-            </a:r>
-            <a:endParaRPr lang="en-US" sz="1100" dirty="0"/>
-          </a:p>
-          <a:p>
-            <a:pPr algn="ctr"/>
-            <a:r>
-              <a:rPr lang="en-US" sz="1100" dirty="0"/>
-              <a:t>8</a:t>
-            </a:r>
-          </a:p>
-          <a:p>
-            <a:pPr algn="ctr"/>
-            <a:r>
-              <a:rPr lang="en-US" sz="1100" dirty="0"/>
-              <a:t>9</a:t>
-            </a:r>
-          </a:p>
-          <a:p>
-            <a:pPr algn="ctr"/>
-            <a:endParaRPr lang="en-US" sz="1100" dirty="0"/>
-          </a:p>
-        </p:txBody>
-      </p:sp>
-      <p:sp>
-        <p:nvSpPr>
-          <p:cNvPr id="87" name="TextBox 86">
-            <a:extLst>
-              <a:ext uri="{FF2B5EF4-FFF2-40B4-BE49-F238E27FC236}">
-                <a16:creationId xmlns:a16="http://schemas.microsoft.com/office/drawing/2014/main" id="{A034A73A-A55A-42EC-B37B-966CBCF31C03}"/>
-              </a:ext>
-            </a:extLst>
-          </p:cNvPr>
-          <p:cNvSpPr txBox="1"/>
-          <p:nvPr/>
-        </p:nvSpPr>
-        <p:spPr>
-          <a:xfrm>
-            <a:off x="1455376" y="1724600"/>
-            <a:ext cx="447558" cy="938719"/>
-          </a:xfrm>
-          <a:prstGeom prst="rect">
-            <a:avLst/>
-          </a:prstGeom>
-          <a:noFill/>
-        </p:spPr>
-        <p:txBody>
-          <a:bodyPr wrap="none" rtlCol="0">
-            <a:spAutoFit/>
-          </a:bodyPr>
-          <a:lstStyle/>
-          <a:p>
-            <a:pPr algn="ctr"/>
-            <a:r>
-              <a:rPr lang="en-US" sz="1100" b="1" dirty="0"/>
-              <a:t>data</a:t>
-            </a:r>
-            <a:endParaRPr lang="en-US" sz="1100" dirty="0"/>
-          </a:p>
-          <a:p>
-            <a:pPr algn="ctr"/>
-            <a:r>
-              <a:rPr lang="en-US" sz="1100" dirty="0"/>
-              <a:t>2</a:t>
-            </a:r>
-          </a:p>
-          <a:p>
-            <a:pPr algn="ctr"/>
-            <a:r>
-              <a:rPr lang="en-US" sz="1100" dirty="0"/>
-              <a:t>3</a:t>
-            </a:r>
-          </a:p>
-          <a:p>
-            <a:pPr algn="ctr"/>
-            <a:r>
-              <a:rPr lang="en-US" sz="1100" dirty="0"/>
-              <a:t>3</a:t>
-            </a:r>
-          </a:p>
-          <a:p>
-            <a:pPr algn="ctr"/>
-            <a:r>
-              <a:rPr lang="en-US" sz="1100" dirty="0"/>
-              <a:t>4</a:t>
-            </a:r>
-          </a:p>
-        </p:txBody>
-      </p:sp>
-      <p:sp>
-        <p:nvSpPr>
-          <p:cNvPr id="88" name="TextBox 87">
-            <a:extLst>
-              <a:ext uri="{FF2B5EF4-FFF2-40B4-BE49-F238E27FC236}">
-                <a16:creationId xmlns:a16="http://schemas.microsoft.com/office/drawing/2014/main" id="{74124756-EDDB-4411-B0B1-AE91317ADB06}"/>
-              </a:ext>
-            </a:extLst>
-          </p:cNvPr>
-          <p:cNvSpPr txBox="1"/>
-          <p:nvPr/>
-        </p:nvSpPr>
-        <p:spPr>
-          <a:xfrm>
-            <a:off x="5088078" y="1744553"/>
-            <a:ext cx="447558" cy="769441"/>
-          </a:xfrm>
-          <a:prstGeom prst="rect">
-            <a:avLst/>
-          </a:prstGeom>
-          <a:noFill/>
-        </p:spPr>
-        <p:txBody>
-          <a:bodyPr wrap="none" rtlCol="0">
-            <a:spAutoFit/>
-          </a:bodyPr>
-          <a:lstStyle/>
-          <a:p>
-            <a:pPr algn="ctr"/>
-            <a:r>
-              <a:rPr lang="en-US" sz="1100" b="1" dirty="0"/>
-              <a:t>data</a:t>
-            </a:r>
-            <a:endParaRPr lang="en-US" sz="1100" dirty="0"/>
-          </a:p>
-          <a:p>
-            <a:pPr algn="ctr"/>
-            <a:r>
-              <a:rPr lang="en-US" sz="1100" dirty="0"/>
-              <a:t>4</a:t>
-            </a:r>
-          </a:p>
-          <a:p>
-            <a:pPr algn="ctr"/>
-            <a:r>
-              <a:rPr lang="en-US" sz="1100" dirty="0"/>
-              <a:t>3</a:t>
-            </a:r>
-          </a:p>
-          <a:p>
-            <a:pPr algn="ctr"/>
-            <a:r>
-              <a:rPr lang="en-US" sz="1100" dirty="0"/>
-              <a:t>6</a:t>
-            </a:r>
-          </a:p>
-        </p:txBody>
-      </p:sp>
-      <p:sp>
-        <p:nvSpPr>
-          <p:cNvPr id="89" name="TextBox 88">
-            <a:extLst>
-              <a:ext uri="{FF2B5EF4-FFF2-40B4-BE49-F238E27FC236}">
-                <a16:creationId xmlns:a16="http://schemas.microsoft.com/office/drawing/2014/main" id="{6CF321B7-0F90-4E94-A936-D5DA116AA7C8}"/>
-              </a:ext>
-            </a:extLst>
-          </p:cNvPr>
-          <p:cNvSpPr txBox="1"/>
-          <p:nvPr/>
-        </p:nvSpPr>
-        <p:spPr>
-          <a:xfrm>
-            <a:off x="1462370" y="2783170"/>
-            <a:ext cx="447558" cy="600164"/>
-          </a:xfrm>
-          <a:prstGeom prst="rect">
-            <a:avLst/>
-          </a:prstGeom>
-          <a:noFill/>
-        </p:spPr>
-        <p:txBody>
-          <a:bodyPr wrap="none" rtlCol="0">
-            <a:spAutoFit/>
-          </a:bodyPr>
-          <a:lstStyle/>
-          <a:p>
-            <a:pPr algn="ctr"/>
-            <a:r>
-              <a:rPr lang="en-US" sz="1100" b="1" dirty="0"/>
-              <a:t>data</a:t>
-            </a:r>
-            <a:endParaRPr lang="en-US" sz="1100" dirty="0"/>
-          </a:p>
-          <a:p>
-            <a:pPr algn="ctr"/>
-            <a:r>
-              <a:rPr lang="en-US" sz="1100" dirty="0"/>
-              <a:t>11</a:t>
-            </a:r>
-          </a:p>
-          <a:p>
-            <a:pPr algn="ctr"/>
-            <a:r>
-              <a:rPr lang="en-US" sz="1100" dirty="0"/>
-              <a:t>15</a:t>
-            </a:r>
-          </a:p>
-        </p:txBody>
-      </p:sp>
-      <p:sp>
-        <p:nvSpPr>
-          <p:cNvPr id="91" name="TextBox 90">
-            <a:extLst>
-              <a:ext uri="{FF2B5EF4-FFF2-40B4-BE49-F238E27FC236}">
-                <a16:creationId xmlns:a16="http://schemas.microsoft.com/office/drawing/2014/main" id="{681872E3-21D0-4CBB-A121-49398BAA84F9}"/>
-              </a:ext>
-            </a:extLst>
-          </p:cNvPr>
-          <p:cNvSpPr txBox="1"/>
-          <p:nvPr/>
-        </p:nvSpPr>
-        <p:spPr>
-          <a:xfrm>
-            <a:off x="3293686" y="2855203"/>
-            <a:ext cx="447558" cy="430887"/>
-          </a:xfrm>
-          <a:prstGeom prst="rect">
-            <a:avLst/>
-          </a:prstGeom>
-          <a:noFill/>
-        </p:spPr>
-        <p:txBody>
-          <a:bodyPr wrap="none" rtlCol="0">
-            <a:spAutoFit/>
-          </a:bodyPr>
-          <a:lstStyle/>
-          <a:p>
-            <a:pPr algn="ctr"/>
-            <a:r>
-              <a:rPr lang="en-US" sz="1100" b="1" dirty="0"/>
-              <a:t>data</a:t>
-            </a:r>
-            <a:endParaRPr lang="en-US" sz="1100" dirty="0"/>
-          </a:p>
-          <a:p>
-            <a:pPr algn="ctr"/>
-            <a:r>
-              <a:rPr lang="en-US" sz="1100" dirty="0"/>
-              <a:t>14</a:t>
-            </a:r>
-          </a:p>
-        </p:txBody>
-      </p:sp>
-      <p:sp>
-        <p:nvSpPr>
-          <p:cNvPr id="92" name="TextBox 91">
-            <a:extLst>
-              <a:ext uri="{FF2B5EF4-FFF2-40B4-BE49-F238E27FC236}">
-                <a16:creationId xmlns:a16="http://schemas.microsoft.com/office/drawing/2014/main" id="{B10AF8BC-C583-4B94-BD50-8605C7C27D69}"/>
-              </a:ext>
-            </a:extLst>
-          </p:cNvPr>
-          <p:cNvSpPr txBox="1"/>
-          <p:nvPr/>
-        </p:nvSpPr>
-        <p:spPr>
-          <a:xfrm>
-            <a:off x="5101588" y="2848676"/>
-            <a:ext cx="447558" cy="769441"/>
-          </a:xfrm>
-          <a:prstGeom prst="rect">
-            <a:avLst/>
-          </a:prstGeom>
-          <a:noFill/>
-        </p:spPr>
-        <p:txBody>
-          <a:bodyPr wrap="none" rtlCol="0">
-            <a:spAutoFit/>
-          </a:bodyPr>
-          <a:lstStyle/>
-          <a:p>
-            <a:pPr algn="ctr"/>
-            <a:r>
-              <a:rPr lang="en-US" sz="1100" b="1" dirty="0"/>
-              <a:t>data</a:t>
-            </a:r>
-            <a:endParaRPr lang="en-US" sz="1100" dirty="0"/>
-          </a:p>
-          <a:p>
-            <a:pPr algn="ctr"/>
-            <a:r>
-              <a:rPr lang="en-US" sz="1100" dirty="0"/>
-              <a:t>10</a:t>
-            </a:r>
-          </a:p>
-          <a:p>
-            <a:pPr algn="ctr"/>
-            <a:r>
-              <a:rPr lang="en-US" sz="1100" dirty="0"/>
-              <a:t>12</a:t>
-            </a:r>
-          </a:p>
-          <a:p>
-            <a:pPr algn="ctr"/>
-            <a:r>
-              <a:rPr lang="en-US" sz="1100" dirty="0"/>
-              <a:t>9</a:t>
-            </a:r>
-          </a:p>
-        </p:txBody>
-      </p:sp>
-      <p:sp>
-        <p:nvSpPr>
-          <p:cNvPr id="93" name="TextBox 92">
-            <a:extLst>
-              <a:ext uri="{FF2B5EF4-FFF2-40B4-BE49-F238E27FC236}">
-                <a16:creationId xmlns:a16="http://schemas.microsoft.com/office/drawing/2014/main" id="{03EC8AA9-91BF-4941-9103-3A491FE76F10}"/>
-              </a:ext>
-            </a:extLst>
-          </p:cNvPr>
-          <p:cNvSpPr txBox="1"/>
-          <p:nvPr/>
-        </p:nvSpPr>
-        <p:spPr>
-          <a:xfrm>
-            <a:off x="1902674" y="519265"/>
-            <a:ext cx="1316386" cy="430887"/>
-          </a:xfrm>
-          <a:prstGeom prst="rect">
-            <a:avLst/>
-          </a:prstGeom>
-          <a:noFill/>
-        </p:spPr>
-        <p:txBody>
-          <a:bodyPr wrap="none" rtlCol="0">
-            <a:spAutoFit/>
-          </a:bodyPr>
-          <a:lstStyle/>
-          <a:p>
-            <a:pPr algn="ctr"/>
-            <a:r>
-              <a:rPr lang="en-US" sz="1100" b="1" dirty="0"/>
-              <a:t>Site and Year mean</a:t>
-            </a:r>
-          </a:p>
-          <a:p>
-            <a:pPr algn="ctr"/>
-            <a:r>
-              <a:rPr lang="en-US" sz="1100" dirty="0"/>
-              <a:t>5.67</a:t>
-            </a:r>
-          </a:p>
-        </p:txBody>
-      </p:sp>
-      <p:sp>
-        <p:nvSpPr>
-          <p:cNvPr id="94" name="TextBox 93">
-            <a:extLst>
-              <a:ext uri="{FF2B5EF4-FFF2-40B4-BE49-F238E27FC236}">
-                <a16:creationId xmlns:a16="http://schemas.microsoft.com/office/drawing/2014/main" id="{61A07EEC-C58A-4746-AFA6-B9F5F0F9B7DA}"/>
-              </a:ext>
-            </a:extLst>
-          </p:cNvPr>
-          <p:cNvSpPr txBox="1"/>
-          <p:nvPr/>
-        </p:nvSpPr>
-        <p:spPr>
-          <a:xfrm>
-            <a:off x="3837706" y="538208"/>
-            <a:ext cx="1316386" cy="430887"/>
-          </a:xfrm>
-          <a:prstGeom prst="rect">
-            <a:avLst/>
-          </a:prstGeom>
-          <a:noFill/>
-        </p:spPr>
-        <p:txBody>
-          <a:bodyPr wrap="none" rtlCol="0">
-            <a:spAutoFit/>
-          </a:bodyPr>
-          <a:lstStyle/>
-          <a:p>
-            <a:pPr algn="ctr"/>
-            <a:r>
-              <a:rPr lang="en-US" sz="1100" b="1" dirty="0"/>
-              <a:t>Site and Year mean</a:t>
-            </a:r>
-          </a:p>
-          <a:p>
-            <a:pPr algn="ctr"/>
-            <a:r>
-              <a:rPr lang="en-US" sz="1100" dirty="0"/>
-              <a:t>7</a:t>
-            </a:r>
-          </a:p>
-        </p:txBody>
-      </p:sp>
-      <p:sp>
-        <p:nvSpPr>
-          <p:cNvPr id="95" name="TextBox 94">
-            <a:extLst>
-              <a:ext uri="{FF2B5EF4-FFF2-40B4-BE49-F238E27FC236}">
-                <a16:creationId xmlns:a16="http://schemas.microsoft.com/office/drawing/2014/main" id="{32EA453E-9F8A-4E1A-89B3-C467B5B9351E}"/>
-              </a:ext>
-            </a:extLst>
-          </p:cNvPr>
-          <p:cNvSpPr txBox="1"/>
-          <p:nvPr/>
-        </p:nvSpPr>
-        <p:spPr>
-          <a:xfrm>
-            <a:off x="5507986" y="545411"/>
-            <a:ext cx="1316386" cy="430887"/>
-          </a:xfrm>
-          <a:prstGeom prst="rect">
-            <a:avLst/>
-          </a:prstGeom>
-          <a:noFill/>
-        </p:spPr>
-        <p:txBody>
-          <a:bodyPr wrap="none" rtlCol="0">
-            <a:spAutoFit/>
-          </a:bodyPr>
-          <a:lstStyle/>
-          <a:p>
-            <a:pPr algn="ctr"/>
-            <a:r>
-              <a:rPr lang="en-US" sz="1100" b="1" dirty="0"/>
-              <a:t>Site and Year mean</a:t>
-            </a:r>
-          </a:p>
-          <a:p>
-            <a:pPr algn="ctr"/>
-            <a:r>
-              <a:rPr lang="en-US" sz="1100" dirty="0"/>
-              <a:t>8.5</a:t>
+              <a:t>Z-scores</a:t>
             </a:r>
           </a:p>
         </p:txBody>
       </p:sp>
       <p:grpSp>
         <p:nvGrpSpPr>
-          <p:cNvPr id="23" name="Group 22">
+          <p:cNvPr id="20" name="Group 19">
             <a:extLst>
               <a:ext uri="{FF2B5EF4-FFF2-40B4-BE49-F238E27FC236}">
-                <a16:creationId xmlns:a16="http://schemas.microsoft.com/office/drawing/2014/main" id="{012324FA-EF9B-4B6E-A9A9-942BC520FAB7}"/>
+                <a16:creationId xmlns:a16="http://schemas.microsoft.com/office/drawing/2014/main" id="{6B7CCD5F-2F0D-4364-8297-C37DAD299591}"/>
               </a:ext>
             </a:extLst>
           </p:cNvPr>
@@ -5528,150 +5653,1288 @@
         </p:nvGrpSpPr>
         <p:grpSpPr>
           <a:xfrm>
-            <a:off x="1939490" y="943625"/>
-            <a:ext cx="1337206" cy="600164"/>
-            <a:chOff x="1939490" y="943625"/>
-            <a:chExt cx="1337206" cy="600164"/>
+            <a:off x="1044666" y="419141"/>
+            <a:ext cx="5735399" cy="1036023"/>
+            <a:chOff x="1044666" y="419141"/>
+            <a:chExt cx="5735399" cy="1036023"/>
           </a:xfrm>
         </p:grpSpPr>
-        <p:sp>
-          <p:nvSpPr>
-            <p:cNvPr id="96" name="TextBox 95">
+        <p:grpSp>
+          <p:nvGrpSpPr>
+            <p:cNvPr id="19" name="Group 18">
               <a:extLst>
                 <a:ext uri="{FF2B5EF4-FFF2-40B4-BE49-F238E27FC236}">
-                  <a16:creationId xmlns:a16="http://schemas.microsoft.com/office/drawing/2014/main" id="{14BCB8E2-1C0D-4D5E-BD48-91628AB4E5F4}"/>
+                  <a16:creationId xmlns:a16="http://schemas.microsoft.com/office/drawing/2014/main" id="{1EF90590-007A-4001-897F-7394EAA6E23B}"/>
                 </a:ext>
               </a:extLst>
             </p:cNvPr>
-            <p:cNvSpPr txBox="1"/>
+            <p:cNvGrpSpPr/>
             <p:nvPr/>
-          </p:nvSpPr>
-          <p:spPr>
+          </p:nvGrpSpPr>
+          <p:grpSpPr>
             <a:xfrm>
-              <a:off x="1939490" y="943625"/>
-              <a:ext cx="909223" cy="600164"/>
+              <a:off x="1044666" y="419141"/>
+              <a:ext cx="1830542" cy="1036023"/>
+              <a:chOff x="1031360" y="562016"/>
+              <a:chExt cx="1830542" cy="1036023"/>
             </a:xfrm>
-            <a:prstGeom prst="rect">
-              <a:avLst/>
-            </a:prstGeom>
-            <a:noFill/>
-          </p:spPr>
-          <p:txBody>
-            <a:bodyPr wrap="none" rtlCol="0">
-              <a:spAutoFit/>
-            </a:bodyPr>
-            <a:lstStyle/>
-            <a:p>
-              <a:pPr algn="ctr"/>
-              <a:r>
-                <a:rPr lang="en-US" sz="1100" b="1" dirty="0"/>
-                <a:t>Z-score</a:t>
-              </a:r>
-            </a:p>
-            <a:p>
-              <a:pPr algn="ctr"/>
-              <a:r>
-                <a:rPr lang="en-US" sz="1100" dirty="0"/>
-                <a:t>(5.67 – 7.06)</a:t>
-              </a:r>
-              <a:br>
-                <a:rPr lang="en-US" sz="1100" dirty="0"/>
-              </a:br>
-              <a:r>
-                <a:rPr lang="en-US" sz="1100" dirty="0"/>
-                <a:t>1.42 </a:t>
-              </a:r>
-            </a:p>
-          </p:txBody>
-        </p:sp>
-        <p:sp>
-          <p:nvSpPr>
-            <p:cNvPr id="99" name="TextBox 98">
+          </p:grpSpPr>
+          <p:grpSp>
+            <p:nvGrpSpPr>
+              <p:cNvPr id="3" name="Group 2">
+                <a:extLst>
+                  <a:ext uri="{FF2B5EF4-FFF2-40B4-BE49-F238E27FC236}">
+                    <a16:creationId xmlns:a16="http://schemas.microsoft.com/office/drawing/2014/main" id="{5F3A5354-A2F2-496C-8FF1-4144F3094C69}"/>
+                  </a:ext>
+                </a:extLst>
+              </p:cNvPr>
+              <p:cNvGrpSpPr/>
+              <p:nvPr/>
+            </p:nvGrpSpPr>
+            <p:grpSpPr>
+              <a:xfrm>
+                <a:off x="1031360" y="613900"/>
+                <a:ext cx="457200" cy="932254"/>
+                <a:chOff x="1463877" y="519264"/>
+                <a:chExt cx="457200" cy="932254"/>
+              </a:xfrm>
+            </p:grpSpPr>
+            <p:sp>
+              <p:nvSpPr>
+                <p:cNvPr id="53" name="TextBox 52">
+                  <a:extLst>
+                    <a:ext uri="{FF2B5EF4-FFF2-40B4-BE49-F238E27FC236}">
+                      <a16:creationId xmlns:a16="http://schemas.microsoft.com/office/drawing/2014/main" id="{63E96BA2-DCBA-4505-BDD2-C510302C3B6B}"/>
+                    </a:ext>
+                  </a:extLst>
+                </p:cNvPr>
+                <p:cNvSpPr txBox="1"/>
+                <p:nvPr/>
+              </p:nvSpPr>
+              <p:spPr>
+                <a:xfrm>
+                  <a:off x="1468698" y="519264"/>
+                  <a:ext cx="447559" cy="769441"/>
+                </a:xfrm>
+                <a:prstGeom prst="rect">
+                  <a:avLst/>
+                </a:prstGeom>
+                <a:noFill/>
+              </p:spPr>
+              <p:txBody>
+                <a:bodyPr wrap="none" rtlCol="0">
+                  <a:spAutoFit/>
+                </a:bodyPr>
+                <a:lstStyle/>
+                <a:p>
+                  <a:pPr algn="ctr"/>
+                  <a:r>
+                    <a:rPr lang="en-US" sz="1100" i="1" dirty="0"/>
+                    <a:t>data</a:t>
+                  </a:r>
+                </a:p>
+                <a:p>
+                  <a:pPr algn="ctr"/>
+                  <a:r>
+                    <a:rPr lang="en-US" sz="1100" dirty="0"/>
+                    <a:t>5</a:t>
+                  </a:r>
+                </a:p>
+                <a:p>
+                  <a:pPr algn="ctr"/>
+                  <a:r>
+                    <a:rPr lang="en-US" sz="1100" dirty="0"/>
+                    <a:t>4</a:t>
+                  </a:r>
+                </a:p>
+                <a:p>
+                  <a:pPr algn="ctr"/>
+                  <a:r>
+                    <a:rPr lang="en-US" sz="1100" dirty="0"/>
+                    <a:t>8</a:t>
+                  </a:r>
+                </a:p>
+              </p:txBody>
+            </p:sp>
+            <p:sp>
+              <p:nvSpPr>
+                <p:cNvPr id="2" name="Rectangle 1">
+                  <a:extLst>
+                    <a:ext uri="{FF2B5EF4-FFF2-40B4-BE49-F238E27FC236}">
+                      <a16:creationId xmlns:a16="http://schemas.microsoft.com/office/drawing/2014/main" id="{6C56BEAB-01BB-4A01-9A49-8F5AF03418B2}"/>
+                    </a:ext>
+                  </a:extLst>
+                </p:cNvPr>
+                <p:cNvSpPr/>
+                <p:nvPr/>
+              </p:nvSpPr>
+              <p:spPr>
+                <a:xfrm>
+                  <a:off x="1463877" y="537118"/>
+                  <a:ext cx="457200" cy="914400"/>
+                </a:xfrm>
+                <a:prstGeom prst="rect">
+                  <a:avLst/>
+                </a:prstGeom>
+                <a:noFill/>
+                <a:ln w="28575">
+                  <a:solidFill>
+                    <a:schemeClr val="bg2">
+                      <a:lumMod val="75000"/>
+                    </a:schemeClr>
+                  </a:solidFill>
+                </a:ln>
+              </p:spPr>
+              <p:style>
+                <a:lnRef idx="2">
+                  <a:schemeClr val="accent1">
+                    <a:shade val="50000"/>
+                  </a:schemeClr>
+                </a:lnRef>
+                <a:fillRef idx="1">
+                  <a:schemeClr val="accent1"/>
+                </a:fillRef>
+                <a:effectRef idx="0">
+                  <a:schemeClr val="accent1"/>
+                </a:effectRef>
+                <a:fontRef idx="minor">
+                  <a:schemeClr val="lt1"/>
+                </a:fontRef>
+              </p:style>
+              <p:txBody>
+                <a:bodyPr rtlCol="0" anchor="ctr"/>
+                <a:lstStyle/>
+                <a:p>
+                  <a:pPr algn="ctr"/>
+                  <a:endParaRPr lang="en-US" dirty="0"/>
+                </a:p>
+              </p:txBody>
+            </p:sp>
+          </p:grpSp>
+          <p:grpSp>
+            <p:nvGrpSpPr>
+              <p:cNvPr id="18" name="Group 17">
+                <a:extLst>
+                  <a:ext uri="{FF2B5EF4-FFF2-40B4-BE49-F238E27FC236}">
+                    <a16:creationId xmlns:a16="http://schemas.microsoft.com/office/drawing/2014/main" id="{DB7FB628-99C7-474D-9158-CB6EA355E6F3}"/>
+                  </a:ext>
+                </a:extLst>
+              </p:cNvPr>
+              <p:cNvGrpSpPr/>
+              <p:nvPr/>
+            </p:nvGrpSpPr>
+            <p:grpSpPr>
+              <a:xfrm>
+                <a:off x="1487808" y="562016"/>
+                <a:ext cx="1374094" cy="1036023"/>
+                <a:chOff x="1487808" y="562016"/>
+                <a:chExt cx="1374094" cy="1036023"/>
+              </a:xfrm>
+            </p:grpSpPr>
+            <p:sp>
+              <p:nvSpPr>
+                <p:cNvPr id="93" name="TextBox 92">
+                  <a:extLst>
+                    <a:ext uri="{FF2B5EF4-FFF2-40B4-BE49-F238E27FC236}">
+                      <a16:creationId xmlns:a16="http://schemas.microsoft.com/office/drawing/2014/main" id="{03EC8AA9-91BF-4941-9103-3A491FE76F10}"/>
+                    </a:ext>
+                  </a:extLst>
+                </p:cNvPr>
+                <p:cNvSpPr txBox="1"/>
+                <p:nvPr/>
+              </p:nvSpPr>
+              <p:spPr>
+                <a:xfrm>
+                  <a:off x="1516662" y="562016"/>
+                  <a:ext cx="1316386" cy="430887"/>
+                </a:xfrm>
+                <a:prstGeom prst="rect">
+                  <a:avLst/>
+                </a:prstGeom>
+                <a:noFill/>
+              </p:spPr>
+              <p:txBody>
+                <a:bodyPr wrap="none" rtlCol="0">
+                  <a:spAutoFit/>
+                </a:bodyPr>
+                <a:lstStyle/>
+                <a:p>
+                  <a:pPr algn="ctr"/>
+                  <a:r>
+                    <a:rPr lang="en-US" sz="1100" i="1" dirty="0"/>
+                    <a:t>Site and Year mean</a:t>
+                  </a:r>
+                </a:p>
+                <a:p>
+                  <a:pPr algn="ctr"/>
+                  <a:r>
+                    <a:rPr lang="en-US" sz="1100" dirty="0"/>
+                    <a:t>5.67</a:t>
+                  </a:r>
+                </a:p>
+              </p:txBody>
+            </p:sp>
+            <p:grpSp>
+              <p:nvGrpSpPr>
+                <p:cNvPr id="16" name="Group 15">
+                  <a:extLst>
+                    <a:ext uri="{FF2B5EF4-FFF2-40B4-BE49-F238E27FC236}">
+                      <a16:creationId xmlns:a16="http://schemas.microsoft.com/office/drawing/2014/main" id="{0EB5E783-2730-4AAB-AA7A-B4755B360868}"/>
+                    </a:ext>
+                  </a:extLst>
+                </p:cNvPr>
+                <p:cNvGrpSpPr/>
+                <p:nvPr/>
+              </p:nvGrpSpPr>
+              <p:grpSpPr>
+                <a:xfrm>
+                  <a:off x="1497946" y="1167152"/>
+                  <a:ext cx="1353818" cy="430887"/>
+                  <a:chOff x="1493381" y="1067142"/>
+                  <a:chExt cx="1353818" cy="430887"/>
+                </a:xfrm>
+              </p:grpSpPr>
+              <p:sp>
+                <p:nvSpPr>
+                  <p:cNvPr id="99" name="TextBox 98">
+                    <a:extLst>
+                      <a:ext uri="{FF2B5EF4-FFF2-40B4-BE49-F238E27FC236}">
+                        <a16:creationId xmlns:a16="http://schemas.microsoft.com/office/drawing/2014/main" id="{ED7EA899-0709-42ED-84BF-F2B0DF1CCC30}"/>
+                      </a:ext>
+                    </a:extLst>
+                  </p:cNvPr>
+                  <p:cNvSpPr txBox="1"/>
+                  <p:nvPr/>
+                </p:nvSpPr>
+                <p:spPr>
+                  <a:xfrm>
+                    <a:off x="2264987" y="1156112"/>
+                    <a:ext cx="582212" cy="261610"/>
+                  </a:xfrm>
+                  <a:prstGeom prst="rect">
+                    <a:avLst/>
+                  </a:prstGeom>
+                  <a:noFill/>
+                </p:spPr>
+                <p:txBody>
+                  <a:bodyPr wrap="none" rtlCol="0">
+                    <a:spAutoFit/>
+                  </a:bodyPr>
+                  <a:lstStyle/>
+                  <a:p>
+                    <a:pPr algn="ctr"/>
+                    <a:r>
+                      <a:rPr lang="en-US" sz="1100" b="1" dirty="0"/>
+                      <a:t>= </a:t>
+                    </a:r>
+                    <a:r>
+                      <a:rPr lang="en-US" sz="1100" b="1" dirty="0">
+                        <a:solidFill>
+                          <a:srgbClr val="00008B"/>
+                        </a:solidFill>
+                      </a:rPr>
+                      <a:t>-0.98</a:t>
+                    </a:r>
+                  </a:p>
+                </p:txBody>
+              </p:sp>
+              <p:grpSp>
+                <p:nvGrpSpPr>
+                  <p:cNvPr id="15" name="Group 14">
+                    <a:extLst>
+                      <a:ext uri="{FF2B5EF4-FFF2-40B4-BE49-F238E27FC236}">
+                        <a16:creationId xmlns:a16="http://schemas.microsoft.com/office/drawing/2014/main" id="{EA7CD6E2-0082-44AD-A42C-9BDB4A55341E}"/>
+                      </a:ext>
+                    </a:extLst>
+                  </p:cNvPr>
+                  <p:cNvGrpSpPr/>
+                  <p:nvPr/>
+                </p:nvGrpSpPr>
+                <p:grpSpPr>
+                  <a:xfrm>
+                    <a:off x="1493381" y="1067142"/>
+                    <a:ext cx="909223" cy="430887"/>
+                    <a:chOff x="1488565" y="966294"/>
+                    <a:chExt cx="909223" cy="430887"/>
+                  </a:xfrm>
+                </p:grpSpPr>
+                <p:sp>
+                  <p:nvSpPr>
+                    <p:cNvPr id="96" name="TextBox 95">
+                      <a:extLst>
+                        <a:ext uri="{FF2B5EF4-FFF2-40B4-BE49-F238E27FC236}">
+                          <a16:creationId xmlns:a16="http://schemas.microsoft.com/office/drawing/2014/main" id="{14BCB8E2-1C0D-4D5E-BD48-91628AB4E5F4}"/>
+                        </a:ext>
+                      </a:extLst>
+                    </p:cNvPr>
+                    <p:cNvSpPr txBox="1"/>
+                    <p:nvPr/>
+                  </p:nvSpPr>
+                  <p:spPr>
+                    <a:xfrm>
+                      <a:off x="1488565" y="966294"/>
+                      <a:ext cx="909223" cy="430887"/>
+                    </a:xfrm>
+                    <a:prstGeom prst="rect">
+                      <a:avLst/>
+                    </a:prstGeom>
+                    <a:noFill/>
+                  </p:spPr>
+                  <p:txBody>
+                    <a:bodyPr wrap="none" rtlCol="0">
+                      <a:spAutoFit/>
+                    </a:bodyPr>
+                    <a:lstStyle/>
+                    <a:p>
+                      <a:pPr algn="ctr"/>
+                      <a:r>
+                        <a:rPr lang="en-US" sz="1100" dirty="0"/>
+                        <a:t>(5.67 – 7.06)</a:t>
+                      </a:r>
+                      <a:br>
+                        <a:rPr lang="en-US" sz="1100" dirty="0"/>
+                      </a:br>
+                      <a:r>
+                        <a:rPr lang="en-US" sz="1100" dirty="0"/>
+                        <a:t>1.42 </a:t>
+                      </a:r>
+                    </a:p>
+                  </p:txBody>
+                </p:sp>
+                <p:cxnSp>
+                  <p:nvCxnSpPr>
+                    <p:cNvPr id="22" name="Straight Connector 21">
+                      <a:extLst>
+                        <a:ext uri="{FF2B5EF4-FFF2-40B4-BE49-F238E27FC236}">
+                          <a16:creationId xmlns:a16="http://schemas.microsoft.com/office/drawing/2014/main" id="{9D141CA7-78FF-4583-AC95-8F66072B238C}"/>
+                        </a:ext>
+                      </a:extLst>
+                    </p:cNvPr>
+                    <p:cNvCxnSpPr>
+                      <a:cxnSpLocks/>
+                    </p:cNvCxnSpPr>
+                    <p:nvPr/>
+                  </p:nvCxnSpPr>
+                  <p:spPr>
+                    <a:xfrm>
+                      <a:off x="1586490" y="1191261"/>
+                      <a:ext cx="731520" cy="0"/>
+                    </a:xfrm>
+                    <a:prstGeom prst="line">
+                      <a:avLst/>
+                    </a:prstGeom>
+                    <a:ln w="15875">
+                      <a:solidFill>
+                        <a:schemeClr val="tx1"/>
+                      </a:solidFill>
+                    </a:ln>
+                  </p:spPr>
+                  <p:style>
+                    <a:lnRef idx="1">
+                      <a:schemeClr val="accent1"/>
+                    </a:lnRef>
+                    <a:fillRef idx="0">
+                      <a:schemeClr val="accent1"/>
+                    </a:fillRef>
+                    <a:effectRef idx="0">
+                      <a:schemeClr val="accent1"/>
+                    </a:effectRef>
+                    <a:fontRef idx="minor">
+                      <a:schemeClr val="tx1"/>
+                    </a:fontRef>
+                  </p:style>
+                </p:cxnSp>
+              </p:grpSp>
+            </p:grpSp>
+            <p:sp>
+              <p:nvSpPr>
+                <p:cNvPr id="17" name="Rectangle 16">
+                  <a:extLst>
+                    <a:ext uri="{FF2B5EF4-FFF2-40B4-BE49-F238E27FC236}">
+                      <a16:creationId xmlns:a16="http://schemas.microsoft.com/office/drawing/2014/main" id="{5A0B819A-6092-412C-9924-B3C364E52138}"/>
+                    </a:ext>
+                  </a:extLst>
+                </p:cNvPr>
+                <p:cNvSpPr/>
+                <p:nvPr/>
+              </p:nvSpPr>
+              <p:spPr>
+                <a:xfrm>
+                  <a:off x="1487808" y="984093"/>
+                  <a:ext cx="1374094" cy="261610"/>
+                </a:xfrm>
+                <a:prstGeom prst="rect">
+                  <a:avLst/>
+                </a:prstGeom>
+              </p:spPr>
+              <p:txBody>
+                <a:bodyPr wrap="none">
+                  <a:spAutoFit/>
+                </a:bodyPr>
+                <a:lstStyle/>
+                <a:p>
+                  <a:pPr algn="ctr"/>
+                  <a:r>
+                    <a:rPr lang="en-US" sz="1100" i="1" dirty="0"/>
+                    <a:t>Site and Year Z-score</a:t>
+                  </a:r>
+                </a:p>
+              </p:txBody>
+            </p:sp>
+          </p:grpSp>
+        </p:grpSp>
+        <p:grpSp>
+          <p:nvGrpSpPr>
+            <p:cNvPr id="90" name="Group 89">
               <a:extLst>
                 <a:ext uri="{FF2B5EF4-FFF2-40B4-BE49-F238E27FC236}">
-                  <a16:creationId xmlns:a16="http://schemas.microsoft.com/office/drawing/2014/main" id="{ED7EA899-0709-42ED-84BF-F2B0DF1CCC30}"/>
+                  <a16:creationId xmlns:a16="http://schemas.microsoft.com/office/drawing/2014/main" id="{04AFCD5E-E7F5-4DCE-9453-F7190F7B2BC6}"/>
                 </a:ext>
               </a:extLst>
             </p:cNvPr>
-            <p:cNvSpPr txBox="1"/>
+            <p:cNvGrpSpPr/>
             <p:nvPr/>
-          </p:nvSpPr>
-          <p:spPr>
+          </p:nvGrpSpPr>
+          <p:grpSpPr>
             <a:xfrm>
-              <a:off x="2694484" y="1180089"/>
-              <a:ext cx="582212" cy="261610"/>
+              <a:off x="2966808" y="419141"/>
+              <a:ext cx="1830542" cy="1036023"/>
+              <a:chOff x="1031360" y="562016"/>
+              <a:chExt cx="1830542" cy="1036023"/>
             </a:xfrm>
-            <a:prstGeom prst="rect">
-              <a:avLst/>
-            </a:prstGeom>
-            <a:noFill/>
-          </p:spPr>
-          <p:txBody>
-            <a:bodyPr wrap="none" rtlCol="0">
-              <a:spAutoFit/>
-            </a:bodyPr>
-            <a:lstStyle/>
-            <a:p>
-              <a:pPr algn="ctr"/>
-              <a:r>
-                <a:rPr lang="en-US" sz="1100" b="1" dirty="0"/>
-                <a:t>= </a:t>
-              </a:r>
-              <a:r>
-                <a:rPr lang="en-US" sz="1100" dirty="0"/>
-                <a:t>-0.98</a:t>
-              </a:r>
-            </a:p>
-          </p:txBody>
-        </p:sp>
-        <p:cxnSp>
-          <p:nvCxnSpPr>
-            <p:cNvPr id="22" name="Straight Connector 21">
+          </p:grpSpPr>
+          <p:grpSp>
+            <p:nvGrpSpPr>
+              <p:cNvPr id="97" name="Group 96">
+                <a:extLst>
+                  <a:ext uri="{FF2B5EF4-FFF2-40B4-BE49-F238E27FC236}">
+                    <a16:creationId xmlns:a16="http://schemas.microsoft.com/office/drawing/2014/main" id="{76FCE6B2-A99E-47C2-864B-ED6DC05DB471}"/>
+                  </a:ext>
+                </a:extLst>
+              </p:cNvPr>
+              <p:cNvGrpSpPr/>
+              <p:nvPr/>
+            </p:nvGrpSpPr>
+            <p:grpSpPr>
+              <a:xfrm>
+                <a:off x="1031360" y="613900"/>
+                <a:ext cx="457200" cy="932254"/>
+                <a:chOff x="1463877" y="519264"/>
+                <a:chExt cx="457200" cy="932254"/>
+              </a:xfrm>
+            </p:grpSpPr>
+            <p:sp>
+              <p:nvSpPr>
+                <p:cNvPr id="140" name="TextBox 139">
+                  <a:extLst>
+                    <a:ext uri="{FF2B5EF4-FFF2-40B4-BE49-F238E27FC236}">
+                      <a16:creationId xmlns:a16="http://schemas.microsoft.com/office/drawing/2014/main" id="{C7193F7E-EED9-4FD2-ABF8-A333D0D7F359}"/>
+                    </a:ext>
+                  </a:extLst>
+                </p:cNvPr>
+                <p:cNvSpPr txBox="1"/>
+                <p:nvPr/>
+              </p:nvSpPr>
+              <p:spPr>
+                <a:xfrm>
+                  <a:off x="1468698" y="519264"/>
+                  <a:ext cx="447559" cy="769441"/>
+                </a:xfrm>
+                <a:prstGeom prst="rect">
+                  <a:avLst/>
+                </a:prstGeom>
+                <a:noFill/>
+              </p:spPr>
+              <p:txBody>
+                <a:bodyPr wrap="none" rtlCol="0">
+                  <a:spAutoFit/>
+                </a:bodyPr>
+                <a:lstStyle/>
+                <a:p>
+                  <a:pPr algn="ctr"/>
+                  <a:r>
+                    <a:rPr lang="en-US" sz="1100" i="1" dirty="0"/>
+                    <a:t>data</a:t>
+                  </a:r>
+                </a:p>
+                <a:p>
+                  <a:pPr algn="ctr"/>
+                  <a:r>
+                    <a:rPr lang="en-US" sz="1100" dirty="0"/>
+                    <a:t>6</a:t>
+                  </a:r>
+                </a:p>
+                <a:p>
+                  <a:pPr algn="ctr"/>
+                  <a:r>
+                    <a:rPr lang="en-US" sz="1100" dirty="0"/>
+                    <a:t>9</a:t>
+                  </a:r>
+                </a:p>
+                <a:p>
+                  <a:pPr algn="ctr"/>
+                  <a:r>
+                    <a:rPr lang="en-US" sz="1100" dirty="0"/>
+                    <a:t>6</a:t>
+                  </a:r>
+                </a:p>
+              </p:txBody>
+            </p:sp>
+            <p:sp>
+              <p:nvSpPr>
+                <p:cNvPr id="141" name="Rectangle 140">
+                  <a:extLst>
+                    <a:ext uri="{FF2B5EF4-FFF2-40B4-BE49-F238E27FC236}">
+                      <a16:creationId xmlns:a16="http://schemas.microsoft.com/office/drawing/2014/main" id="{5B558C0B-861C-4036-A09D-1DBFC95AE9F7}"/>
+                    </a:ext>
+                  </a:extLst>
+                </p:cNvPr>
+                <p:cNvSpPr/>
+                <p:nvPr/>
+              </p:nvSpPr>
+              <p:spPr>
+                <a:xfrm>
+                  <a:off x="1463877" y="537118"/>
+                  <a:ext cx="457200" cy="914400"/>
+                </a:xfrm>
+                <a:prstGeom prst="rect">
+                  <a:avLst/>
+                </a:prstGeom>
+                <a:noFill/>
+                <a:ln w="28575">
+                  <a:solidFill>
+                    <a:schemeClr val="bg2">
+                      <a:lumMod val="75000"/>
+                    </a:schemeClr>
+                  </a:solidFill>
+                </a:ln>
+              </p:spPr>
+              <p:style>
+                <a:lnRef idx="2">
+                  <a:schemeClr val="accent1">
+                    <a:shade val="50000"/>
+                  </a:schemeClr>
+                </a:lnRef>
+                <a:fillRef idx="1">
+                  <a:schemeClr val="accent1"/>
+                </a:fillRef>
+                <a:effectRef idx="0">
+                  <a:schemeClr val="accent1"/>
+                </a:effectRef>
+                <a:fontRef idx="minor">
+                  <a:schemeClr val="lt1"/>
+                </a:fontRef>
+              </p:style>
+              <p:txBody>
+                <a:bodyPr rtlCol="0" anchor="ctr"/>
+                <a:lstStyle/>
+                <a:p>
+                  <a:pPr algn="ctr"/>
+                  <a:endParaRPr lang="en-US"/>
+                </a:p>
+              </p:txBody>
+            </p:sp>
+          </p:grpSp>
+          <p:grpSp>
+            <p:nvGrpSpPr>
+              <p:cNvPr id="98" name="Group 97">
+                <a:extLst>
+                  <a:ext uri="{FF2B5EF4-FFF2-40B4-BE49-F238E27FC236}">
+                    <a16:creationId xmlns:a16="http://schemas.microsoft.com/office/drawing/2014/main" id="{64C6B9ED-14D8-4D30-9EAA-E87DD4C1263F}"/>
+                  </a:ext>
+                </a:extLst>
+              </p:cNvPr>
+              <p:cNvGrpSpPr/>
+              <p:nvPr/>
+            </p:nvGrpSpPr>
+            <p:grpSpPr>
+              <a:xfrm>
+                <a:off x="1487808" y="562016"/>
+                <a:ext cx="1374094" cy="1036023"/>
+                <a:chOff x="1487808" y="562016"/>
+                <a:chExt cx="1374094" cy="1036023"/>
+              </a:xfrm>
+            </p:grpSpPr>
+            <p:sp>
+              <p:nvSpPr>
+                <p:cNvPr id="100" name="TextBox 99">
+                  <a:extLst>
+                    <a:ext uri="{FF2B5EF4-FFF2-40B4-BE49-F238E27FC236}">
+                      <a16:creationId xmlns:a16="http://schemas.microsoft.com/office/drawing/2014/main" id="{F7244D2D-C59F-4B1C-99D0-4A05C6D862C9}"/>
+                    </a:ext>
+                  </a:extLst>
+                </p:cNvPr>
+                <p:cNvSpPr txBox="1"/>
+                <p:nvPr/>
+              </p:nvSpPr>
+              <p:spPr>
+                <a:xfrm>
+                  <a:off x="1516662" y="562016"/>
+                  <a:ext cx="1316386" cy="430887"/>
+                </a:xfrm>
+                <a:prstGeom prst="rect">
+                  <a:avLst/>
+                </a:prstGeom>
+                <a:noFill/>
+              </p:spPr>
+              <p:txBody>
+                <a:bodyPr wrap="none" rtlCol="0">
+                  <a:spAutoFit/>
+                </a:bodyPr>
+                <a:lstStyle/>
+                <a:p>
+                  <a:pPr algn="ctr"/>
+                  <a:r>
+                    <a:rPr lang="en-US" sz="1100" i="1" dirty="0"/>
+                    <a:t>Site and Year mean</a:t>
+                  </a:r>
+                </a:p>
+                <a:p>
+                  <a:pPr algn="ctr"/>
+                  <a:r>
+                    <a:rPr lang="en-US" sz="1100" dirty="0"/>
+                    <a:t>7</a:t>
+                  </a:r>
+                </a:p>
+              </p:txBody>
+            </p:sp>
+            <p:grpSp>
+              <p:nvGrpSpPr>
+                <p:cNvPr id="134" name="Group 133">
+                  <a:extLst>
+                    <a:ext uri="{FF2B5EF4-FFF2-40B4-BE49-F238E27FC236}">
+                      <a16:creationId xmlns:a16="http://schemas.microsoft.com/office/drawing/2014/main" id="{DA845D18-B8EC-425B-A40D-9FE03806EED0}"/>
+                    </a:ext>
+                  </a:extLst>
+                </p:cNvPr>
+                <p:cNvGrpSpPr/>
+                <p:nvPr/>
+              </p:nvGrpSpPr>
+              <p:grpSpPr>
+                <a:xfrm>
+                  <a:off x="1587713" y="1167152"/>
+                  <a:ext cx="1265653" cy="430887"/>
+                  <a:chOff x="1583148" y="1067142"/>
+                  <a:chExt cx="1265653" cy="430887"/>
+                </a:xfrm>
+              </p:grpSpPr>
+              <p:sp>
+                <p:nvSpPr>
+                  <p:cNvPr id="136" name="TextBox 135">
+                    <a:extLst>
+                      <a:ext uri="{FF2B5EF4-FFF2-40B4-BE49-F238E27FC236}">
+                        <a16:creationId xmlns:a16="http://schemas.microsoft.com/office/drawing/2014/main" id="{95811727-A0AF-4E42-B625-B88FECB2EF50}"/>
+                      </a:ext>
+                    </a:extLst>
+                  </p:cNvPr>
+                  <p:cNvSpPr txBox="1"/>
+                  <p:nvPr/>
+                </p:nvSpPr>
+                <p:spPr>
+                  <a:xfrm>
+                    <a:off x="2263383" y="1156112"/>
+                    <a:ext cx="585418" cy="261610"/>
+                  </a:xfrm>
+                  <a:prstGeom prst="rect">
+                    <a:avLst/>
+                  </a:prstGeom>
+                  <a:noFill/>
+                </p:spPr>
+                <p:txBody>
+                  <a:bodyPr wrap="none" rtlCol="0">
+                    <a:spAutoFit/>
+                  </a:bodyPr>
+                  <a:lstStyle/>
+                  <a:p>
+                    <a:pPr algn="ctr"/>
+                    <a:r>
+                      <a:rPr lang="en-US" sz="1100" b="1" dirty="0"/>
+                      <a:t>= </a:t>
+                    </a:r>
+                    <a:r>
+                      <a:rPr lang="en-US" sz="1100" b="1" dirty="0">
+                        <a:solidFill>
+                          <a:srgbClr val="00008B"/>
+                        </a:solidFill>
+                      </a:rPr>
+                      <a:t>-0.04</a:t>
+                    </a:r>
+                  </a:p>
+                </p:txBody>
+              </p:sp>
+              <p:grpSp>
+                <p:nvGrpSpPr>
+                  <p:cNvPr id="137" name="Group 136">
+                    <a:extLst>
+                      <a:ext uri="{FF2B5EF4-FFF2-40B4-BE49-F238E27FC236}">
+                        <a16:creationId xmlns:a16="http://schemas.microsoft.com/office/drawing/2014/main" id="{284D5F58-C47E-494D-8D05-8B80D8A25625}"/>
+                      </a:ext>
+                    </a:extLst>
+                  </p:cNvPr>
+                  <p:cNvGrpSpPr/>
+                  <p:nvPr/>
+                </p:nvGrpSpPr>
+                <p:grpSpPr>
+                  <a:xfrm>
+                    <a:off x="1583148" y="1067142"/>
+                    <a:ext cx="739678" cy="430887"/>
+                    <a:chOff x="1578332" y="966294"/>
+                    <a:chExt cx="739678" cy="430887"/>
+                  </a:xfrm>
+                </p:grpSpPr>
+                <p:sp>
+                  <p:nvSpPr>
+                    <p:cNvPr id="138" name="TextBox 137">
+                      <a:extLst>
+                        <a:ext uri="{FF2B5EF4-FFF2-40B4-BE49-F238E27FC236}">
+                          <a16:creationId xmlns:a16="http://schemas.microsoft.com/office/drawing/2014/main" id="{F26D9E84-F54D-4FD9-921A-CC567E76721D}"/>
+                        </a:ext>
+                      </a:extLst>
+                    </p:cNvPr>
+                    <p:cNvSpPr txBox="1"/>
+                    <p:nvPr/>
+                  </p:nvSpPr>
+                  <p:spPr>
+                    <a:xfrm>
+                      <a:off x="1578332" y="966294"/>
+                      <a:ext cx="729687" cy="430887"/>
+                    </a:xfrm>
+                    <a:prstGeom prst="rect">
+                      <a:avLst/>
+                    </a:prstGeom>
+                    <a:noFill/>
+                  </p:spPr>
+                  <p:txBody>
+                    <a:bodyPr wrap="none" rtlCol="0">
+                      <a:spAutoFit/>
+                    </a:bodyPr>
+                    <a:lstStyle/>
+                    <a:p>
+                      <a:pPr algn="ctr"/>
+                      <a:r>
+                        <a:rPr lang="en-US" sz="1100" dirty="0"/>
+                        <a:t>(7 – 7.06)</a:t>
+                      </a:r>
+                      <a:br>
+                        <a:rPr lang="en-US" sz="1100" dirty="0"/>
+                      </a:br>
+                      <a:r>
+                        <a:rPr lang="en-US" sz="1100" dirty="0"/>
+                        <a:t>1.42 </a:t>
+                      </a:r>
+                    </a:p>
+                  </p:txBody>
+                </p:sp>
+                <p:cxnSp>
+                  <p:nvCxnSpPr>
+                    <p:cNvPr id="139" name="Straight Connector 138">
+                      <a:extLst>
+                        <a:ext uri="{FF2B5EF4-FFF2-40B4-BE49-F238E27FC236}">
+                          <a16:creationId xmlns:a16="http://schemas.microsoft.com/office/drawing/2014/main" id="{2C38F7C7-F88D-480A-A97B-1A60FC4DB3A5}"/>
+                        </a:ext>
+                      </a:extLst>
+                    </p:cNvPr>
+                    <p:cNvCxnSpPr>
+                      <a:cxnSpLocks/>
+                    </p:cNvCxnSpPr>
+                    <p:nvPr/>
+                  </p:nvCxnSpPr>
+                  <p:spPr>
+                    <a:xfrm>
+                      <a:off x="1586490" y="1191261"/>
+                      <a:ext cx="731520" cy="0"/>
+                    </a:xfrm>
+                    <a:prstGeom prst="line">
+                      <a:avLst/>
+                    </a:prstGeom>
+                    <a:ln w="15875">
+                      <a:solidFill>
+                        <a:schemeClr val="tx1"/>
+                      </a:solidFill>
+                    </a:ln>
+                  </p:spPr>
+                  <p:style>
+                    <a:lnRef idx="1">
+                      <a:schemeClr val="accent1"/>
+                    </a:lnRef>
+                    <a:fillRef idx="0">
+                      <a:schemeClr val="accent1"/>
+                    </a:fillRef>
+                    <a:effectRef idx="0">
+                      <a:schemeClr val="accent1"/>
+                    </a:effectRef>
+                    <a:fontRef idx="minor">
+                      <a:schemeClr val="tx1"/>
+                    </a:fontRef>
+                  </p:style>
+                </p:cxnSp>
+              </p:grpSp>
+            </p:grpSp>
+            <p:sp>
+              <p:nvSpPr>
+                <p:cNvPr id="135" name="Rectangle 134">
+                  <a:extLst>
+                    <a:ext uri="{FF2B5EF4-FFF2-40B4-BE49-F238E27FC236}">
+                      <a16:creationId xmlns:a16="http://schemas.microsoft.com/office/drawing/2014/main" id="{8B1A4E2D-846F-490F-825E-A5F984B10B52}"/>
+                    </a:ext>
+                  </a:extLst>
+                </p:cNvPr>
+                <p:cNvSpPr/>
+                <p:nvPr/>
+              </p:nvSpPr>
+              <p:spPr>
+                <a:xfrm>
+                  <a:off x="1487808" y="984093"/>
+                  <a:ext cx="1374094" cy="261610"/>
+                </a:xfrm>
+                <a:prstGeom prst="rect">
+                  <a:avLst/>
+                </a:prstGeom>
+              </p:spPr>
+              <p:txBody>
+                <a:bodyPr wrap="none">
+                  <a:spAutoFit/>
+                </a:bodyPr>
+                <a:lstStyle/>
+                <a:p>
+                  <a:pPr algn="ctr"/>
+                  <a:r>
+                    <a:rPr lang="en-US" sz="1100" i="1" dirty="0"/>
+                    <a:t>Site and Year Z-score</a:t>
+                  </a:r>
+                </a:p>
+              </p:txBody>
+            </p:sp>
+          </p:grpSp>
+        </p:grpSp>
+        <p:grpSp>
+          <p:nvGrpSpPr>
+            <p:cNvPr id="142" name="Group 141">
               <a:extLst>
                 <a:ext uri="{FF2B5EF4-FFF2-40B4-BE49-F238E27FC236}">
-                  <a16:creationId xmlns:a16="http://schemas.microsoft.com/office/drawing/2014/main" id="{9D141CA7-78FF-4583-AC95-8F66072B238C}"/>
+                  <a16:creationId xmlns:a16="http://schemas.microsoft.com/office/drawing/2014/main" id="{34D0D8BC-6A86-4DA5-9147-AB00F7182656}"/>
                 </a:ext>
               </a:extLst>
             </p:cNvPr>
-            <p:cNvCxnSpPr/>
+            <p:cNvGrpSpPr/>
             <p:nvPr/>
-          </p:nvCxnSpPr>
-          <p:spPr>
+          </p:nvGrpSpPr>
+          <p:grpSpPr>
             <a:xfrm>
-              <a:off x="2121510" y="1336067"/>
-              <a:ext cx="584785" cy="0"/>
+              <a:off x="4949523" y="419141"/>
+              <a:ext cx="1830542" cy="1036023"/>
+              <a:chOff x="1031360" y="562016"/>
+              <a:chExt cx="1830542" cy="1036023"/>
             </a:xfrm>
-            <a:prstGeom prst="line">
-              <a:avLst/>
-            </a:prstGeom>
-            <a:ln w="15875">
-              <a:solidFill>
-                <a:schemeClr val="tx1"/>
-              </a:solidFill>
-            </a:ln>
-          </p:spPr>
-          <p:style>
-            <a:lnRef idx="1">
-              <a:schemeClr val="accent1"/>
-            </a:lnRef>
-            <a:fillRef idx="0">
-              <a:schemeClr val="accent1"/>
-            </a:fillRef>
-            <a:effectRef idx="0">
-              <a:schemeClr val="accent1"/>
-            </a:effectRef>
-            <a:fontRef idx="minor">
-              <a:schemeClr val="tx1"/>
-            </a:fontRef>
-          </p:style>
-        </p:cxnSp>
+          </p:grpSpPr>
+          <p:grpSp>
+            <p:nvGrpSpPr>
+              <p:cNvPr id="143" name="Group 142">
+                <a:extLst>
+                  <a:ext uri="{FF2B5EF4-FFF2-40B4-BE49-F238E27FC236}">
+                    <a16:creationId xmlns:a16="http://schemas.microsoft.com/office/drawing/2014/main" id="{063460BB-46D0-4D67-8385-CF6A2385348D}"/>
+                  </a:ext>
+                </a:extLst>
+              </p:cNvPr>
+              <p:cNvGrpSpPr/>
+              <p:nvPr/>
+            </p:nvGrpSpPr>
+            <p:grpSpPr>
+              <a:xfrm>
+                <a:off x="1031360" y="613900"/>
+                <a:ext cx="457200" cy="932254"/>
+                <a:chOff x="1463877" y="519264"/>
+                <a:chExt cx="457200" cy="932254"/>
+              </a:xfrm>
+            </p:grpSpPr>
+            <p:sp>
+              <p:nvSpPr>
+                <p:cNvPr id="152" name="TextBox 151">
+                  <a:extLst>
+                    <a:ext uri="{FF2B5EF4-FFF2-40B4-BE49-F238E27FC236}">
+                      <a16:creationId xmlns:a16="http://schemas.microsoft.com/office/drawing/2014/main" id="{7EE7B463-1DB7-4F44-8CFC-85B1EC0188A2}"/>
+                    </a:ext>
+                  </a:extLst>
+                </p:cNvPr>
+                <p:cNvSpPr txBox="1"/>
+                <p:nvPr/>
+              </p:nvSpPr>
+              <p:spPr>
+                <a:xfrm>
+                  <a:off x="1468698" y="519264"/>
+                  <a:ext cx="447559" cy="769441"/>
+                </a:xfrm>
+                <a:prstGeom prst="rect">
+                  <a:avLst/>
+                </a:prstGeom>
+                <a:noFill/>
+              </p:spPr>
+              <p:txBody>
+                <a:bodyPr wrap="none" rtlCol="0">
+                  <a:spAutoFit/>
+                </a:bodyPr>
+                <a:lstStyle/>
+                <a:p>
+                  <a:pPr algn="ctr"/>
+                  <a:r>
+                    <a:rPr lang="en-US" sz="1100" i="1" dirty="0"/>
+                    <a:t>data</a:t>
+                  </a:r>
+                </a:p>
+                <a:p>
+                  <a:pPr algn="ctr"/>
+                  <a:r>
+                    <a:rPr lang="en-US" sz="1100" dirty="0"/>
+                    <a:t>8</a:t>
+                  </a:r>
+                </a:p>
+                <a:p>
+                  <a:pPr algn="ctr"/>
+                  <a:r>
+                    <a:rPr lang="en-US" sz="1100" dirty="0"/>
+                    <a:t>9</a:t>
+                  </a:r>
+                </a:p>
+                <a:p>
+                  <a:pPr algn="ctr"/>
+                  <a:endParaRPr lang="en-US" sz="1100" dirty="0"/>
+                </a:p>
+              </p:txBody>
+            </p:sp>
+            <p:sp>
+              <p:nvSpPr>
+                <p:cNvPr id="153" name="Rectangle 152">
+                  <a:extLst>
+                    <a:ext uri="{FF2B5EF4-FFF2-40B4-BE49-F238E27FC236}">
+                      <a16:creationId xmlns:a16="http://schemas.microsoft.com/office/drawing/2014/main" id="{FD5A860F-8082-4FC0-BB11-EDC4C91A3CA6}"/>
+                    </a:ext>
+                  </a:extLst>
+                </p:cNvPr>
+                <p:cNvSpPr/>
+                <p:nvPr/>
+              </p:nvSpPr>
+              <p:spPr>
+                <a:xfrm>
+                  <a:off x="1463877" y="537118"/>
+                  <a:ext cx="457200" cy="914400"/>
+                </a:xfrm>
+                <a:prstGeom prst="rect">
+                  <a:avLst/>
+                </a:prstGeom>
+                <a:noFill/>
+                <a:ln w="28575">
+                  <a:solidFill>
+                    <a:schemeClr val="bg2">
+                      <a:lumMod val="75000"/>
+                    </a:schemeClr>
+                  </a:solidFill>
+                </a:ln>
+              </p:spPr>
+              <p:style>
+                <a:lnRef idx="2">
+                  <a:schemeClr val="accent1">
+                    <a:shade val="50000"/>
+                  </a:schemeClr>
+                </a:lnRef>
+                <a:fillRef idx="1">
+                  <a:schemeClr val="accent1"/>
+                </a:fillRef>
+                <a:effectRef idx="0">
+                  <a:schemeClr val="accent1"/>
+                </a:effectRef>
+                <a:fontRef idx="minor">
+                  <a:schemeClr val="lt1"/>
+                </a:fontRef>
+              </p:style>
+              <p:txBody>
+                <a:bodyPr rtlCol="0" anchor="ctr"/>
+                <a:lstStyle/>
+                <a:p>
+                  <a:pPr algn="ctr"/>
+                  <a:endParaRPr lang="en-US"/>
+                </a:p>
+              </p:txBody>
+            </p:sp>
+          </p:grpSp>
+          <p:grpSp>
+            <p:nvGrpSpPr>
+              <p:cNvPr id="144" name="Group 143">
+                <a:extLst>
+                  <a:ext uri="{FF2B5EF4-FFF2-40B4-BE49-F238E27FC236}">
+                    <a16:creationId xmlns:a16="http://schemas.microsoft.com/office/drawing/2014/main" id="{74E44B00-805C-4BAE-8EFE-009DAF02D9B1}"/>
+                  </a:ext>
+                </a:extLst>
+              </p:cNvPr>
+              <p:cNvGrpSpPr/>
+              <p:nvPr/>
+            </p:nvGrpSpPr>
+            <p:grpSpPr>
+              <a:xfrm>
+                <a:off x="1487808" y="562016"/>
+                <a:ext cx="1374094" cy="1036023"/>
+                <a:chOff x="1487808" y="562016"/>
+                <a:chExt cx="1374094" cy="1036023"/>
+              </a:xfrm>
+            </p:grpSpPr>
+            <p:sp>
+              <p:nvSpPr>
+                <p:cNvPr id="145" name="TextBox 144">
+                  <a:extLst>
+                    <a:ext uri="{FF2B5EF4-FFF2-40B4-BE49-F238E27FC236}">
+                      <a16:creationId xmlns:a16="http://schemas.microsoft.com/office/drawing/2014/main" id="{40B959CA-F2FB-47F1-8034-BC0CC14DBDCE}"/>
+                    </a:ext>
+                  </a:extLst>
+                </p:cNvPr>
+                <p:cNvSpPr txBox="1"/>
+                <p:nvPr/>
+              </p:nvSpPr>
+              <p:spPr>
+                <a:xfrm>
+                  <a:off x="1516662" y="562016"/>
+                  <a:ext cx="1316386" cy="430887"/>
+                </a:xfrm>
+                <a:prstGeom prst="rect">
+                  <a:avLst/>
+                </a:prstGeom>
+                <a:noFill/>
+              </p:spPr>
+              <p:txBody>
+                <a:bodyPr wrap="none" rtlCol="0">
+                  <a:spAutoFit/>
+                </a:bodyPr>
+                <a:lstStyle/>
+                <a:p>
+                  <a:pPr algn="ctr"/>
+                  <a:r>
+                    <a:rPr lang="en-US" sz="1100" i="1" dirty="0"/>
+                    <a:t>Site and Year mean</a:t>
+                  </a:r>
+                </a:p>
+                <a:p>
+                  <a:pPr algn="ctr"/>
+                  <a:r>
+                    <a:rPr lang="en-US" sz="1100" dirty="0"/>
+                    <a:t>8.5</a:t>
+                  </a:r>
+                </a:p>
+              </p:txBody>
+            </p:sp>
+            <p:grpSp>
+              <p:nvGrpSpPr>
+                <p:cNvPr id="146" name="Group 145">
+                  <a:extLst>
+                    <a:ext uri="{FF2B5EF4-FFF2-40B4-BE49-F238E27FC236}">
+                      <a16:creationId xmlns:a16="http://schemas.microsoft.com/office/drawing/2014/main" id="{C9464A7D-EB72-475D-94C0-CE9F88ABF1DF}"/>
+                    </a:ext>
+                  </a:extLst>
+                </p:cNvPr>
+                <p:cNvGrpSpPr/>
+                <p:nvPr/>
+              </p:nvGrpSpPr>
+              <p:grpSpPr>
+                <a:xfrm>
+                  <a:off x="1534013" y="1167152"/>
+                  <a:ext cx="1297713" cy="430887"/>
+                  <a:chOff x="1529448" y="1067142"/>
+                  <a:chExt cx="1297713" cy="430887"/>
+                </a:xfrm>
+              </p:grpSpPr>
+              <p:sp>
+                <p:nvSpPr>
+                  <p:cNvPr id="148" name="TextBox 147">
+                    <a:extLst>
+                      <a:ext uri="{FF2B5EF4-FFF2-40B4-BE49-F238E27FC236}">
+                        <a16:creationId xmlns:a16="http://schemas.microsoft.com/office/drawing/2014/main" id="{A2EC6638-6C8B-4CC1-B0FD-0CDBD11C3498}"/>
+                      </a:ext>
+                    </a:extLst>
+                  </p:cNvPr>
+                  <p:cNvSpPr txBox="1"/>
+                  <p:nvPr/>
+                </p:nvSpPr>
+                <p:spPr>
+                  <a:xfrm>
+                    <a:off x="2285025" y="1156112"/>
+                    <a:ext cx="542136" cy="261610"/>
+                  </a:xfrm>
+                  <a:prstGeom prst="rect">
+                    <a:avLst/>
+                  </a:prstGeom>
+                  <a:noFill/>
+                </p:spPr>
+                <p:txBody>
+                  <a:bodyPr wrap="none" rtlCol="0">
+                    <a:spAutoFit/>
+                  </a:bodyPr>
+                  <a:lstStyle/>
+                  <a:p>
+                    <a:pPr algn="ctr"/>
+                    <a:r>
+                      <a:rPr lang="en-US" sz="1100" b="1" dirty="0"/>
+                      <a:t>= </a:t>
+                    </a:r>
+                    <a:r>
+                      <a:rPr lang="en-US" sz="1100" b="1" dirty="0">
+                        <a:solidFill>
+                          <a:srgbClr val="8B0000"/>
+                        </a:solidFill>
+                      </a:rPr>
+                      <a:t>1.02</a:t>
+                    </a:r>
+                  </a:p>
+                </p:txBody>
+              </p:sp>
+              <p:grpSp>
+                <p:nvGrpSpPr>
+                  <p:cNvPr id="149" name="Group 148">
+                    <a:extLst>
+                      <a:ext uri="{FF2B5EF4-FFF2-40B4-BE49-F238E27FC236}">
+                        <a16:creationId xmlns:a16="http://schemas.microsoft.com/office/drawing/2014/main" id="{27C7D696-6F24-4C4C-83A4-C84E2B87490C}"/>
+                      </a:ext>
+                    </a:extLst>
+                  </p:cNvPr>
+                  <p:cNvGrpSpPr/>
+                  <p:nvPr/>
+                </p:nvGrpSpPr>
+                <p:grpSpPr>
+                  <a:xfrm>
+                    <a:off x="1529448" y="1067142"/>
+                    <a:ext cx="837089" cy="430887"/>
+                    <a:chOff x="1524632" y="966294"/>
+                    <a:chExt cx="837089" cy="430887"/>
+                  </a:xfrm>
+                </p:grpSpPr>
+                <p:sp>
+                  <p:nvSpPr>
+                    <p:cNvPr id="150" name="TextBox 149">
+                      <a:extLst>
+                        <a:ext uri="{FF2B5EF4-FFF2-40B4-BE49-F238E27FC236}">
+                          <a16:creationId xmlns:a16="http://schemas.microsoft.com/office/drawing/2014/main" id="{2615D540-94AE-4704-9D0E-CB12FD36979F}"/>
+                        </a:ext>
+                      </a:extLst>
+                    </p:cNvPr>
+                    <p:cNvSpPr txBox="1"/>
+                    <p:nvPr/>
+                  </p:nvSpPr>
+                  <p:spPr>
+                    <a:xfrm>
+                      <a:off x="1524632" y="966294"/>
+                      <a:ext cx="837089" cy="430887"/>
+                    </a:xfrm>
+                    <a:prstGeom prst="rect">
+                      <a:avLst/>
+                    </a:prstGeom>
+                    <a:noFill/>
+                  </p:spPr>
+                  <p:txBody>
+                    <a:bodyPr wrap="none" rtlCol="0">
+                      <a:spAutoFit/>
+                    </a:bodyPr>
+                    <a:lstStyle/>
+                    <a:p>
+                      <a:pPr algn="ctr"/>
+                      <a:r>
+                        <a:rPr lang="en-US" sz="1100" dirty="0"/>
+                        <a:t>(8.5 – 7.06)</a:t>
+                      </a:r>
+                      <a:br>
+                        <a:rPr lang="en-US" sz="1100" dirty="0"/>
+                      </a:br>
+                      <a:r>
+                        <a:rPr lang="en-US" sz="1100" dirty="0"/>
+                        <a:t>1.42 </a:t>
+                      </a:r>
+                    </a:p>
+                  </p:txBody>
+                </p:sp>
+                <p:cxnSp>
+                  <p:nvCxnSpPr>
+                    <p:cNvPr id="151" name="Straight Connector 150">
+                      <a:extLst>
+                        <a:ext uri="{FF2B5EF4-FFF2-40B4-BE49-F238E27FC236}">
+                          <a16:creationId xmlns:a16="http://schemas.microsoft.com/office/drawing/2014/main" id="{73EA40DF-3FA9-4BF5-A0DC-D360B0E315CD}"/>
+                        </a:ext>
+                      </a:extLst>
+                    </p:cNvPr>
+                    <p:cNvCxnSpPr>
+                      <a:cxnSpLocks/>
+                    </p:cNvCxnSpPr>
+                    <p:nvPr/>
+                  </p:nvCxnSpPr>
+                  <p:spPr>
+                    <a:xfrm>
+                      <a:off x="1586490" y="1191261"/>
+                      <a:ext cx="731520" cy="0"/>
+                    </a:xfrm>
+                    <a:prstGeom prst="line">
+                      <a:avLst/>
+                    </a:prstGeom>
+                    <a:ln w="15875">
+                      <a:solidFill>
+                        <a:schemeClr val="tx1"/>
+                      </a:solidFill>
+                    </a:ln>
+                  </p:spPr>
+                  <p:style>
+                    <a:lnRef idx="1">
+                      <a:schemeClr val="accent1"/>
+                    </a:lnRef>
+                    <a:fillRef idx="0">
+                      <a:schemeClr val="accent1"/>
+                    </a:fillRef>
+                    <a:effectRef idx="0">
+                      <a:schemeClr val="accent1"/>
+                    </a:effectRef>
+                    <a:fontRef idx="minor">
+                      <a:schemeClr val="tx1"/>
+                    </a:fontRef>
+                  </p:style>
+                </p:cxnSp>
+              </p:grpSp>
+            </p:grpSp>
+            <p:sp>
+              <p:nvSpPr>
+                <p:cNvPr id="147" name="Rectangle 146">
+                  <a:extLst>
+                    <a:ext uri="{FF2B5EF4-FFF2-40B4-BE49-F238E27FC236}">
+                      <a16:creationId xmlns:a16="http://schemas.microsoft.com/office/drawing/2014/main" id="{7DF66D5F-D811-43C2-B6C6-515E8DC43039}"/>
+                    </a:ext>
+                  </a:extLst>
+                </p:cNvPr>
+                <p:cNvSpPr/>
+                <p:nvPr/>
+              </p:nvSpPr>
+              <p:spPr>
+                <a:xfrm>
+                  <a:off x="1487808" y="984093"/>
+                  <a:ext cx="1374094" cy="261610"/>
+                </a:xfrm>
+                <a:prstGeom prst="rect">
+                  <a:avLst/>
+                </a:prstGeom>
+              </p:spPr>
+              <p:txBody>
+                <a:bodyPr wrap="none">
+                  <a:spAutoFit/>
+                </a:bodyPr>
+                <a:lstStyle/>
+                <a:p>
+                  <a:pPr algn="ctr"/>
+                  <a:r>
+                    <a:rPr lang="en-US" sz="1100" i="1" dirty="0"/>
+                    <a:t>Site and Year Z-score</a:t>
+                  </a:r>
+                </a:p>
+              </p:txBody>
+            </p:sp>
+          </p:grpSp>
+        </p:grpSp>
       </p:grpSp>
       <p:grpSp>
         <p:nvGrpSpPr>
-          <p:cNvPr id="101" name="Group 100">
+          <p:cNvPr id="21" name="Group 20">
             <a:extLst>
               <a:ext uri="{FF2B5EF4-FFF2-40B4-BE49-F238E27FC236}">
-                <a16:creationId xmlns:a16="http://schemas.microsoft.com/office/drawing/2014/main" id="{5B7F0953-F89A-477C-99DE-54CBC4836759}"/>
+                <a16:creationId xmlns:a16="http://schemas.microsoft.com/office/drawing/2014/main" id="{F67789FA-6EFE-4B30-9168-107DA84E36C5}"/>
               </a:ext>
             </a:extLst>
           </p:cNvPr>
@@ -5680,150 +6943,874 @@
         </p:nvGrpSpPr>
         <p:grpSpPr>
           <a:xfrm>
-            <a:off x="3855373" y="940635"/>
-            <a:ext cx="1247439" cy="600164"/>
-            <a:chOff x="2029257" y="943625"/>
-            <a:chExt cx="1247439" cy="600164"/>
+            <a:off x="1044666" y="1619475"/>
+            <a:ext cx="5735399" cy="1036023"/>
+            <a:chOff x="1044666" y="1619475"/>
+            <a:chExt cx="5735399" cy="1036023"/>
           </a:xfrm>
         </p:grpSpPr>
-        <p:sp>
-          <p:nvSpPr>
-            <p:cNvPr id="102" name="TextBox 101">
+        <p:grpSp>
+          <p:nvGrpSpPr>
+            <p:cNvPr id="154" name="Group 153">
               <a:extLst>
                 <a:ext uri="{FF2B5EF4-FFF2-40B4-BE49-F238E27FC236}">
-                  <a16:creationId xmlns:a16="http://schemas.microsoft.com/office/drawing/2014/main" id="{8B4C6213-3632-49F6-BE13-71C2AC79244D}"/>
+                  <a16:creationId xmlns:a16="http://schemas.microsoft.com/office/drawing/2014/main" id="{4787EC51-A030-4E68-80B8-AEEFD7B0E2A3}"/>
                 </a:ext>
               </a:extLst>
             </p:cNvPr>
-            <p:cNvSpPr txBox="1"/>
+            <p:cNvGrpSpPr/>
             <p:nvPr/>
-          </p:nvSpPr>
-          <p:spPr>
+          </p:nvGrpSpPr>
+          <p:grpSpPr>
             <a:xfrm>
-              <a:off x="2029257" y="943625"/>
-              <a:ext cx="729687" cy="600164"/>
+              <a:off x="1044666" y="1619475"/>
+              <a:ext cx="1830542" cy="1036023"/>
+              <a:chOff x="1031360" y="562016"/>
+              <a:chExt cx="1830542" cy="1036023"/>
             </a:xfrm>
-            <a:prstGeom prst="rect">
-              <a:avLst/>
-            </a:prstGeom>
-            <a:noFill/>
-          </p:spPr>
-          <p:txBody>
-            <a:bodyPr wrap="none" rtlCol="0">
-              <a:spAutoFit/>
-            </a:bodyPr>
-            <a:lstStyle/>
-            <a:p>
-              <a:pPr algn="ctr"/>
-              <a:r>
-                <a:rPr lang="en-US" sz="1100" b="1" dirty="0"/>
-                <a:t>Z-score</a:t>
-              </a:r>
-            </a:p>
-            <a:p>
-              <a:pPr algn="ctr"/>
-              <a:r>
-                <a:rPr lang="en-US" sz="1100" dirty="0"/>
-                <a:t>(7 – 7.06)</a:t>
-              </a:r>
-              <a:br>
-                <a:rPr lang="en-US" sz="1100" dirty="0"/>
-              </a:br>
-              <a:r>
-                <a:rPr lang="en-US" sz="1100" dirty="0"/>
-                <a:t>1.42 </a:t>
-              </a:r>
-            </a:p>
-          </p:txBody>
-        </p:sp>
-        <p:sp>
-          <p:nvSpPr>
-            <p:cNvPr id="103" name="TextBox 102">
+          </p:grpSpPr>
+          <p:grpSp>
+            <p:nvGrpSpPr>
+              <p:cNvPr id="155" name="Group 154">
+                <a:extLst>
+                  <a:ext uri="{FF2B5EF4-FFF2-40B4-BE49-F238E27FC236}">
+                    <a16:creationId xmlns:a16="http://schemas.microsoft.com/office/drawing/2014/main" id="{C126516F-9A52-461E-BEA2-640F8E793AF7}"/>
+                  </a:ext>
+                </a:extLst>
+              </p:cNvPr>
+              <p:cNvGrpSpPr/>
+              <p:nvPr/>
+            </p:nvGrpSpPr>
+            <p:grpSpPr>
+              <a:xfrm>
+                <a:off x="1031360" y="613900"/>
+                <a:ext cx="457200" cy="938719"/>
+                <a:chOff x="1463877" y="519264"/>
+                <a:chExt cx="457200" cy="938719"/>
+              </a:xfrm>
+            </p:grpSpPr>
+            <p:sp>
+              <p:nvSpPr>
+                <p:cNvPr id="164" name="TextBox 163">
+                  <a:extLst>
+                    <a:ext uri="{FF2B5EF4-FFF2-40B4-BE49-F238E27FC236}">
+                      <a16:creationId xmlns:a16="http://schemas.microsoft.com/office/drawing/2014/main" id="{BB871B4F-D4FB-4B4B-A801-4C2B19E68744}"/>
+                    </a:ext>
+                  </a:extLst>
+                </p:cNvPr>
+                <p:cNvSpPr txBox="1"/>
+                <p:nvPr/>
+              </p:nvSpPr>
+              <p:spPr>
+                <a:xfrm>
+                  <a:off x="1468698" y="519264"/>
+                  <a:ext cx="447558" cy="938719"/>
+                </a:xfrm>
+                <a:prstGeom prst="rect">
+                  <a:avLst/>
+                </a:prstGeom>
+                <a:noFill/>
+              </p:spPr>
+              <p:txBody>
+                <a:bodyPr wrap="none" rtlCol="0">
+                  <a:spAutoFit/>
+                </a:bodyPr>
+                <a:lstStyle/>
+                <a:p>
+                  <a:pPr algn="ctr"/>
+                  <a:r>
+                    <a:rPr lang="en-US" sz="1100" i="1" dirty="0"/>
+                    <a:t>data</a:t>
+                  </a:r>
+                </a:p>
+                <a:p>
+                  <a:pPr algn="ctr"/>
+                  <a:r>
+                    <a:rPr lang="en-US" sz="1100" dirty="0"/>
+                    <a:t>2</a:t>
+                  </a:r>
+                </a:p>
+                <a:p>
+                  <a:pPr algn="ctr"/>
+                  <a:r>
+                    <a:rPr lang="en-US" sz="1100" dirty="0"/>
+                    <a:t>3</a:t>
+                  </a:r>
+                </a:p>
+                <a:p>
+                  <a:pPr algn="ctr"/>
+                  <a:r>
+                    <a:rPr lang="en-US" sz="1100" dirty="0"/>
+                    <a:t>3</a:t>
+                  </a:r>
+                </a:p>
+                <a:p>
+                  <a:pPr algn="ctr"/>
+                  <a:r>
+                    <a:rPr lang="en-US" sz="1100" dirty="0"/>
+                    <a:t>4</a:t>
+                  </a:r>
+                </a:p>
+              </p:txBody>
+            </p:sp>
+            <p:sp>
+              <p:nvSpPr>
+                <p:cNvPr id="165" name="Rectangle 164">
+                  <a:extLst>
+                    <a:ext uri="{FF2B5EF4-FFF2-40B4-BE49-F238E27FC236}">
+                      <a16:creationId xmlns:a16="http://schemas.microsoft.com/office/drawing/2014/main" id="{2D36232A-E5ED-4058-A2FE-A627FEF50D0A}"/>
+                    </a:ext>
+                  </a:extLst>
+                </p:cNvPr>
+                <p:cNvSpPr/>
+                <p:nvPr/>
+              </p:nvSpPr>
+              <p:spPr>
+                <a:xfrm>
+                  <a:off x="1463877" y="537118"/>
+                  <a:ext cx="457200" cy="914400"/>
+                </a:xfrm>
+                <a:prstGeom prst="rect">
+                  <a:avLst/>
+                </a:prstGeom>
+                <a:noFill/>
+                <a:ln w="28575">
+                  <a:solidFill>
+                    <a:schemeClr val="bg2">
+                      <a:lumMod val="50000"/>
+                    </a:schemeClr>
+                  </a:solidFill>
+                </a:ln>
+              </p:spPr>
+              <p:style>
+                <a:lnRef idx="2">
+                  <a:schemeClr val="accent1">
+                    <a:shade val="50000"/>
+                  </a:schemeClr>
+                </a:lnRef>
+                <a:fillRef idx="1">
+                  <a:schemeClr val="accent1"/>
+                </a:fillRef>
+                <a:effectRef idx="0">
+                  <a:schemeClr val="accent1"/>
+                </a:effectRef>
+                <a:fontRef idx="minor">
+                  <a:schemeClr val="lt1"/>
+                </a:fontRef>
+              </p:style>
+              <p:txBody>
+                <a:bodyPr rtlCol="0" anchor="ctr"/>
+                <a:lstStyle/>
+                <a:p>
+                  <a:pPr algn="ctr"/>
+                  <a:endParaRPr lang="en-US" dirty="0"/>
+                </a:p>
+              </p:txBody>
+            </p:sp>
+          </p:grpSp>
+          <p:grpSp>
+            <p:nvGrpSpPr>
+              <p:cNvPr id="156" name="Group 155">
+                <a:extLst>
+                  <a:ext uri="{FF2B5EF4-FFF2-40B4-BE49-F238E27FC236}">
+                    <a16:creationId xmlns:a16="http://schemas.microsoft.com/office/drawing/2014/main" id="{E282476F-4C57-4802-9E3B-5AFB9ECF7DEA}"/>
+                  </a:ext>
+                </a:extLst>
+              </p:cNvPr>
+              <p:cNvGrpSpPr/>
+              <p:nvPr/>
+            </p:nvGrpSpPr>
+            <p:grpSpPr>
+              <a:xfrm>
+                <a:off x="1487808" y="562016"/>
+                <a:ext cx="1374094" cy="1036023"/>
+                <a:chOff x="1487808" y="562016"/>
+                <a:chExt cx="1374094" cy="1036023"/>
+              </a:xfrm>
+            </p:grpSpPr>
+            <p:sp>
+              <p:nvSpPr>
+                <p:cNvPr id="157" name="TextBox 156">
+                  <a:extLst>
+                    <a:ext uri="{FF2B5EF4-FFF2-40B4-BE49-F238E27FC236}">
+                      <a16:creationId xmlns:a16="http://schemas.microsoft.com/office/drawing/2014/main" id="{915B7EE8-59B1-4DFF-B2D4-5E1FC6D7163A}"/>
+                    </a:ext>
+                  </a:extLst>
+                </p:cNvPr>
+                <p:cNvSpPr txBox="1"/>
+                <p:nvPr/>
+              </p:nvSpPr>
+              <p:spPr>
+                <a:xfrm>
+                  <a:off x="1516662" y="562016"/>
+                  <a:ext cx="1316386" cy="430887"/>
+                </a:xfrm>
+                <a:prstGeom prst="rect">
+                  <a:avLst/>
+                </a:prstGeom>
+                <a:noFill/>
+              </p:spPr>
+              <p:txBody>
+                <a:bodyPr wrap="none" rtlCol="0">
+                  <a:spAutoFit/>
+                </a:bodyPr>
+                <a:lstStyle/>
+                <a:p>
+                  <a:pPr algn="ctr"/>
+                  <a:r>
+                    <a:rPr lang="en-US" sz="1100" i="1" dirty="0"/>
+                    <a:t>Site and Year mean</a:t>
+                  </a:r>
+                </a:p>
+                <a:p>
+                  <a:pPr algn="ctr"/>
+                  <a:r>
+                    <a:rPr lang="en-US" sz="1100" dirty="0"/>
+                    <a:t>3</a:t>
+                  </a:r>
+                </a:p>
+              </p:txBody>
+            </p:sp>
+            <p:grpSp>
+              <p:nvGrpSpPr>
+                <p:cNvPr id="158" name="Group 157">
+                  <a:extLst>
+                    <a:ext uri="{FF2B5EF4-FFF2-40B4-BE49-F238E27FC236}">
+                      <a16:creationId xmlns:a16="http://schemas.microsoft.com/office/drawing/2014/main" id="{C7CCE405-E821-4927-B980-6889EFD80B8A}"/>
+                    </a:ext>
+                  </a:extLst>
+                </p:cNvPr>
+                <p:cNvGrpSpPr/>
+                <p:nvPr/>
+              </p:nvGrpSpPr>
+              <p:grpSpPr>
+                <a:xfrm>
+                  <a:off x="1587713" y="1167152"/>
+                  <a:ext cx="1264051" cy="430887"/>
+                  <a:chOff x="1583148" y="1067142"/>
+                  <a:chExt cx="1264051" cy="430887"/>
+                </a:xfrm>
+              </p:grpSpPr>
+              <p:sp>
+                <p:nvSpPr>
+                  <p:cNvPr id="160" name="TextBox 159">
+                    <a:extLst>
+                      <a:ext uri="{FF2B5EF4-FFF2-40B4-BE49-F238E27FC236}">
+                        <a16:creationId xmlns:a16="http://schemas.microsoft.com/office/drawing/2014/main" id="{477124F7-D039-4D02-AA73-8EED1B6543D8}"/>
+                      </a:ext>
+                    </a:extLst>
+                  </p:cNvPr>
+                  <p:cNvSpPr txBox="1"/>
+                  <p:nvPr/>
+                </p:nvSpPr>
+                <p:spPr>
+                  <a:xfrm>
+                    <a:off x="2264987" y="1156112"/>
+                    <a:ext cx="582212" cy="261610"/>
+                  </a:xfrm>
+                  <a:prstGeom prst="rect">
+                    <a:avLst/>
+                  </a:prstGeom>
+                  <a:noFill/>
+                </p:spPr>
+                <p:txBody>
+                  <a:bodyPr wrap="none" rtlCol="0">
+                    <a:spAutoFit/>
+                  </a:bodyPr>
+                  <a:lstStyle/>
+                  <a:p>
+                    <a:pPr algn="ctr"/>
+                    <a:r>
+                      <a:rPr lang="en-US" sz="1100" b="1" dirty="0"/>
+                      <a:t>= </a:t>
+                    </a:r>
+                    <a:r>
+                      <a:rPr lang="en-US" sz="1100" b="1" dirty="0">
+                        <a:solidFill>
+                          <a:srgbClr val="00008B"/>
+                        </a:solidFill>
+                      </a:rPr>
+                      <a:t>-0.71</a:t>
+                    </a:r>
+                  </a:p>
+                </p:txBody>
+              </p:sp>
+              <p:grpSp>
+                <p:nvGrpSpPr>
+                  <p:cNvPr id="161" name="Group 160">
+                    <a:extLst>
+                      <a:ext uri="{FF2B5EF4-FFF2-40B4-BE49-F238E27FC236}">
+                        <a16:creationId xmlns:a16="http://schemas.microsoft.com/office/drawing/2014/main" id="{E6BB0B26-2897-4917-AE5A-35EF939F3E2A}"/>
+                      </a:ext>
+                    </a:extLst>
+                  </p:cNvPr>
+                  <p:cNvGrpSpPr/>
+                  <p:nvPr/>
+                </p:nvGrpSpPr>
+                <p:grpSpPr>
+                  <a:xfrm>
+                    <a:off x="1583148" y="1067142"/>
+                    <a:ext cx="739678" cy="430887"/>
+                    <a:chOff x="1578332" y="966294"/>
+                    <a:chExt cx="739678" cy="430887"/>
+                  </a:xfrm>
+                </p:grpSpPr>
+                <p:sp>
+                  <p:nvSpPr>
+                    <p:cNvPr id="162" name="TextBox 161">
+                      <a:extLst>
+                        <a:ext uri="{FF2B5EF4-FFF2-40B4-BE49-F238E27FC236}">
+                          <a16:creationId xmlns:a16="http://schemas.microsoft.com/office/drawing/2014/main" id="{B87F0568-AE66-4387-B905-7E678EB3B00A}"/>
+                        </a:ext>
+                      </a:extLst>
+                    </p:cNvPr>
+                    <p:cNvSpPr txBox="1"/>
+                    <p:nvPr/>
+                  </p:nvSpPr>
+                  <p:spPr>
+                    <a:xfrm>
+                      <a:off x="1578332" y="966294"/>
+                      <a:ext cx="729687" cy="430887"/>
+                    </a:xfrm>
+                    <a:prstGeom prst="rect">
+                      <a:avLst/>
+                    </a:prstGeom>
+                    <a:noFill/>
+                  </p:spPr>
+                  <p:txBody>
+                    <a:bodyPr wrap="none" rtlCol="0">
+                      <a:spAutoFit/>
+                    </a:bodyPr>
+                    <a:lstStyle/>
+                    <a:p>
+                      <a:pPr algn="ctr"/>
+                      <a:r>
+                        <a:rPr lang="en-US" sz="1100" dirty="0"/>
+                        <a:t>(3 – 3.65)</a:t>
+                      </a:r>
+                      <a:br>
+                        <a:rPr lang="en-US" sz="1100" dirty="0"/>
+                      </a:br>
+                      <a:r>
+                        <a:rPr lang="en-US" sz="1100" dirty="0"/>
+                        <a:t>0.92 </a:t>
+                      </a:r>
+                    </a:p>
+                  </p:txBody>
+                </p:sp>
+                <p:cxnSp>
+                  <p:nvCxnSpPr>
+                    <p:cNvPr id="163" name="Straight Connector 162">
+                      <a:extLst>
+                        <a:ext uri="{FF2B5EF4-FFF2-40B4-BE49-F238E27FC236}">
+                          <a16:creationId xmlns:a16="http://schemas.microsoft.com/office/drawing/2014/main" id="{B697E74B-DCCA-446D-B52B-8CA46E1E51E6}"/>
+                        </a:ext>
+                      </a:extLst>
+                    </p:cNvPr>
+                    <p:cNvCxnSpPr>
+                      <a:cxnSpLocks/>
+                    </p:cNvCxnSpPr>
+                    <p:nvPr/>
+                  </p:nvCxnSpPr>
+                  <p:spPr>
+                    <a:xfrm>
+                      <a:off x="1586490" y="1191261"/>
+                      <a:ext cx="731520" cy="0"/>
+                    </a:xfrm>
+                    <a:prstGeom prst="line">
+                      <a:avLst/>
+                    </a:prstGeom>
+                    <a:ln w="15875">
+                      <a:solidFill>
+                        <a:schemeClr val="tx1"/>
+                      </a:solidFill>
+                    </a:ln>
+                  </p:spPr>
+                  <p:style>
+                    <a:lnRef idx="1">
+                      <a:schemeClr val="accent1"/>
+                    </a:lnRef>
+                    <a:fillRef idx="0">
+                      <a:schemeClr val="accent1"/>
+                    </a:fillRef>
+                    <a:effectRef idx="0">
+                      <a:schemeClr val="accent1"/>
+                    </a:effectRef>
+                    <a:fontRef idx="minor">
+                      <a:schemeClr val="tx1"/>
+                    </a:fontRef>
+                  </p:style>
+                </p:cxnSp>
+              </p:grpSp>
+            </p:grpSp>
+            <p:sp>
+              <p:nvSpPr>
+                <p:cNvPr id="159" name="Rectangle 158">
+                  <a:extLst>
+                    <a:ext uri="{FF2B5EF4-FFF2-40B4-BE49-F238E27FC236}">
+                      <a16:creationId xmlns:a16="http://schemas.microsoft.com/office/drawing/2014/main" id="{77874112-F8D8-43ED-889C-23DBA9611583}"/>
+                    </a:ext>
+                  </a:extLst>
+                </p:cNvPr>
+                <p:cNvSpPr/>
+                <p:nvPr/>
+              </p:nvSpPr>
+              <p:spPr>
+                <a:xfrm>
+                  <a:off x="1487808" y="984093"/>
+                  <a:ext cx="1374094" cy="261610"/>
+                </a:xfrm>
+                <a:prstGeom prst="rect">
+                  <a:avLst/>
+                </a:prstGeom>
+              </p:spPr>
+              <p:txBody>
+                <a:bodyPr wrap="none">
+                  <a:spAutoFit/>
+                </a:bodyPr>
+                <a:lstStyle/>
+                <a:p>
+                  <a:pPr algn="ctr"/>
+                  <a:r>
+                    <a:rPr lang="en-US" sz="1100" i="1" dirty="0"/>
+                    <a:t>Site and Year Z-score</a:t>
+                  </a:r>
+                </a:p>
+              </p:txBody>
+            </p:sp>
+          </p:grpSp>
+        </p:grpSp>
+        <p:grpSp>
+          <p:nvGrpSpPr>
+            <p:cNvPr id="166" name="Group 165">
               <a:extLst>
                 <a:ext uri="{FF2B5EF4-FFF2-40B4-BE49-F238E27FC236}">
-                  <a16:creationId xmlns:a16="http://schemas.microsoft.com/office/drawing/2014/main" id="{B4E331AA-2DE6-448C-B158-00AE2A12FC8A}"/>
+                  <a16:creationId xmlns:a16="http://schemas.microsoft.com/office/drawing/2014/main" id="{4B5A9B0B-99AB-44FC-93F0-18822F093BBC}"/>
                 </a:ext>
               </a:extLst>
             </p:cNvPr>
-            <p:cNvSpPr txBox="1"/>
+            <p:cNvGrpSpPr/>
             <p:nvPr/>
-          </p:nvSpPr>
-          <p:spPr>
+          </p:nvGrpSpPr>
+          <p:grpSpPr>
             <a:xfrm>
-              <a:off x="2694484" y="1180089"/>
-              <a:ext cx="582212" cy="261610"/>
+              <a:off x="4949523" y="1619475"/>
+              <a:ext cx="1830542" cy="1036023"/>
+              <a:chOff x="1031360" y="562016"/>
+              <a:chExt cx="1830542" cy="1036023"/>
             </a:xfrm>
-            <a:prstGeom prst="rect">
-              <a:avLst/>
-            </a:prstGeom>
-            <a:noFill/>
-          </p:spPr>
-          <p:txBody>
-            <a:bodyPr wrap="none" rtlCol="0">
-              <a:spAutoFit/>
-            </a:bodyPr>
-            <a:lstStyle/>
-            <a:p>
-              <a:pPr algn="ctr"/>
-              <a:r>
-                <a:rPr lang="en-US" sz="1100" b="1" dirty="0"/>
-                <a:t>= </a:t>
-              </a:r>
-              <a:r>
-                <a:rPr lang="en-US" sz="1100" dirty="0"/>
-                <a:t>-0.04</a:t>
-              </a:r>
-            </a:p>
-          </p:txBody>
-        </p:sp>
-        <p:cxnSp>
-          <p:nvCxnSpPr>
-            <p:cNvPr id="104" name="Straight Connector 103">
-              <a:extLst>
-                <a:ext uri="{FF2B5EF4-FFF2-40B4-BE49-F238E27FC236}">
-                  <a16:creationId xmlns:a16="http://schemas.microsoft.com/office/drawing/2014/main" id="{2EF419DC-CF1F-415F-9C3B-525CF6C4431F}"/>
-                </a:ext>
-              </a:extLst>
-            </p:cNvPr>
-            <p:cNvCxnSpPr/>
-            <p:nvPr/>
-          </p:nvCxnSpPr>
-          <p:spPr>
-            <a:xfrm>
-              <a:off x="2121510" y="1336067"/>
-              <a:ext cx="584785" cy="0"/>
-            </a:xfrm>
-            <a:prstGeom prst="line">
-              <a:avLst/>
-            </a:prstGeom>
-            <a:ln w="15875">
-              <a:solidFill>
-                <a:schemeClr val="tx1"/>
-              </a:solidFill>
-            </a:ln>
-          </p:spPr>
-          <p:style>
-            <a:lnRef idx="1">
-              <a:schemeClr val="accent1"/>
-            </a:lnRef>
-            <a:fillRef idx="0">
-              <a:schemeClr val="accent1"/>
-            </a:fillRef>
-            <a:effectRef idx="0">
-              <a:schemeClr val="accent1"/>
-            </a:effectRef>
-            <a:fontRef idx="minor">
-              <a:schemeClr val="tx1"/>
-            </a:fontRef>
-          </p:style>
-        </p:cxnSp>
+          </p:grpSpPr>
+          <p:grpSp>
+            <p:nvGrpSpPr>
+              <p:cNvPr id="167" name="Group 166">
+                <a:extLst>
+                  <a:ext uri="{FF2B5EF4-FFF2-40B4-BE49-F238E27FC236}">
+                    <a16:creationId xmlns:a16="http://schemas.microsoft.com/office/drawing/2014/main" id="{BACFFF53-D207-4F41-BB1F-EBC1EE36DD98}"/>
+                  </a:ext>
+                </a:extLst>
+              </p:cNvPr>
+              <p:cNvGrpSpPr/>
+              <p:nvPr/>
+            </p:nvGrpSpPr>
+            <p:grpSpPr>
+              <a:xfrm>
+                <a:off x="1031360" y="613900"/>
+                <a:ext cx="457200" cy="932254"/>
+                <a:chOff x="1463877" y="519264"/>
+                <a:chExt cx="457200" cy="932254"/>
+              </a:xfrm>
+            </p:grpSpPr>
+            <p:sp>
+              <p:nvSpPr>
+                <p:cNvPr id="176" name="TextBox 175">
+                  <a:extLst>
+                    <a:ext uri="{FF2B5EF4-FFF2-40B4-BE49-F238E27FC236}">
+                      <a16:creationId xmlns:a16="http://schemas.microsoft.com/office/drawing/2014/main" id="{8D3273F4-C3F0-4776-BF37-FFC671E9A809}"/>
+                    </a:ext>
+                  </a:extLst>
+                </p:cNvPr>
+                <p:cNvSpPr txBox="1"/>
+                <p:nvPr/>
+              </p:nvSpPr>
+              <p:spPr>
+                <a:xfrm>
+                  <a:off x="1468698" y="519264"/>
+                  <a:ext cx="447559" cy="769441"/>
+                </a:xfrm>
+                <a:prstGeom prst="rect">
+                  <a:avLst/>
+                </a:prstGeom>
+                <a:noFill/>
+              </p:spPr>
+              <p:txBody>
+                <a:bodyPr wrap="none" rtlCol="0">
+                  <a:spAutoFit/>
+                </a:bodyPr>
+                <a:lstStyle/>
+                <a:p>
+                  <a:pPr algn="ctr"/>
+                  <a:r>
+                    <a:rPr lang="en-US" sz="1100" i="1" dirty="0"/>
+                    <a:t>data</a:t>
+                  </a:r>
+                </a:p>
+                <a:p>
+                  <a:pPr algn="ctr"/>
+                  <a:r>
+                    <a:rPr lang="en-US" sz="1100" dirty="0"/>
+                    <a:t>4</a:t>
+                  </a:r>
+                </a:p>
+                <a:p>
+                  <a:pPr algn="ctr"/>
+                  <a:r>
+                    <a:rPr lang="en-US" sz="1100" dirty="0"/>
+                    <a:t>3</a:t>
+                  </a:r>
+                </a:p>
+                <a:p>
+                  <a:pPr algn="ctr"/>
+                  <a:r>
+                    <a:rPr lang="en-US" sz="1100" dirty="0"/>
+                    <a:t>6</a:t>
+                  </a:r>
+                </a:p>
+              </p:txBody>
+            </p:sp>
+            <p:sp>
+              <p:nvSpPr>
+                <p:cNvPr id="177" name="Rectangle 176">
+                  <a:extLst>
+                    <a:ext uri="{FF2B5EF4-FFF2-40B4-BE49-F238E27FC236}">
+                      <a16:creationId xmlns:a16="http://schemas.microsoft.com/office/drawing/2014/main" id="{EEE329CB-CE33-4AFF-BF00-9CD30CE133EC}"/>
+                    </a:ext>
+                  </a:extLst>
+                </p:cNvPr>
+                <p:cNvSpPr/>
+                <p:nvPr/>
+              </p:nvSpPr>
+              <p:spPr>
+                <a:xfrm>
+                  <a:off x="1463877" y="537118"/>
+                  <a:ext cx="457200" cy="914400"/>
+                </a:xfrm>
+                <a:prstGeom prst="rect">
+                  <a:avLst/>
+                </a:prstGeom>
+                <a:noFill/>
+                <a:ln w="28575">
+                  <a:solidFill>
+                    <a:schemeClr val="bg2">
+                      <a:lumMod val="50000"/>
+                    </a:schemeClr>
+                  </a:solidFill>
+                </a:ln>
+              </p:spPr>
+              <p:style>
+                <a:lnRef idx="2">
+                  <a:schemeClr val="accent1">
+                    <a:shade val="50000"/>
+                  </a:schemeClr>
+                </a:lnRef>
+                <a:fillRef idx="1">
+                  <a:schemeClr val="accent1"/>
+                </a:fillRef>
+                <a:effectRef idx="0">
+                  <a:schemeClr val="accent1"/>
+                </a:effectRef>
+                <a:fontRef idx="minor">
+                  <a:schemeClr val="lt1"/>
+                </a:fontRef>
+              </p:style>
+              <p:txBody>
+                <a:bodyPr rtlCol="0" anchor="ctr"/>
+                <a:lstStyle/>
+                <a:p>
+                  <a:pPr algn="ctr"/>
+                  <a:endParaRPr lang="en-US" dirty="0"/>
+                </a:p>
+              </p:txBody>
+            </p:sp>
+          </p:grpSp>
+          <p:grpSp>
+            <p:nvGrpSpPr>
+              <p:cNvPr id="168" name="Group 167">
+                <a:extLst>
+                  <a:ext uri="{FF2B5EF4-FFF2-40B4-BE49-F238E27FC236}">
+                    <a16:creationId xmlns:a16="http://schemas.microsoft.com/office/drawing/2014/main" id="{FDEC0464-5B0A-4656-A0A8-C2D0FB8E07A6}"/>
+                  </a:ext>
+                </a:extLst>
+              </p:cNvPr>
+              <p:cNvGrpSpPr/>
+              <p:nvPr/>
+            </p:nvGrpSpPr>
+            <p:grpSpPr>
+              <a:xfrm>
+                <a:off x="1487808" y="562016"/>
+                <a:ext cx="1374094" cy="1036023"/>
+                <a:chOff x="1487808" y="562016"/>
+                <a:chExt cx="1374094" cy="1036023"/>
+              </a:xfrm>
+            </p:grpSpPr>
+            <p:sp>
+              <p:nvSpPr>
+                <p:cNvPr id="169" name="TextBox 168">
+                  <a:extLst>
+                    <a:ext uri="{FF2B5EF4-FFF2-40B4-BE49-F238E27FC236}">
+                      <a16:creationId xmlns:a16="http://schemas.microsoft.com/office/drawing/2014/main" id="{792C1AA7-2FF4-4810-80F3-5F7D3F2AF538}"/>
+                    </a:ext>
+                  </a:extLst>
+                </p:cNvPr>
+                <p:cNvSpPr txBox="1"/>
+                <p:nvPr/>
+              </p:nvSpPr>
+              <p:spPr>
+                <a:xfrm>
+                  <a:off x="1516662" y="562016"/>
+                  <a:ext cx="1316386" cy="430887"/>
+                </a:xfrm>
+                <a:prstGeom prst="rect">
+                  <a:avLst/>
+                </a:prstGeom>
+                <a:noFill/>
+              </p:spPr>
+              <p:txBody>
+                <a:bodyPr wrap="none" rtlCol="0">
+                  <a:spAutoFit/>
+                </a:bodyPr>
+                <a:lstStyle/>
+                <a:p>
+                  <a:pPr algn="ctr"/>
+                  <a:r>
+                    <a:rPr lang="en-US" sz="1100" i="1" dirty="0"/>
+                    <a:t>Site and Year mean</a:t>
+                  </a:r>
+                </a:p>
+                <a:p>
+                  <a:pPr algn="ctr"/>
+                  <a:r>
+                    <a:rPr lang="en-US" sz="1100" dirty="0"/>
+                    <a:t>4.33</a:t>
+                  </a:r>
+                </a:p>
+              </p:txBody>
+            </p:sp>
+            <p:grpSp>
+              <p:nvGrpSpPr>
+                <p:cNvPr id="170" name="Group 169">
+                  <a:extLst>
+                    <a:ext uri="{FF2B5EF4-FFF2-40B4-BE49-F238E27FC236}">
+                      <a16:creationId xmlns:a16="http://schemas.microsoft.com/office/drawing/2014/main" id="{652B6B78-17F6-41CD-B198-24BA5FEA602E}"/>
+                    </a:ext>
+                  </a:extLst>
+                </p:cNvPr>
+                <p:cNvGrpSpPr/>
+                <p:nvPr/>
+              </p:nvGrpSpPr>
+              <p:grpSpPr>
+                <a:xfrm>
+                  <a:off x="1534014" y="1167152"/>
+                  <a:ext cx="1297712" cy="430887"/>
+                  <a:chOff x="1529449" y="1067142"/>
+                  <a:chExt cx="1297712" cy="430887"/>
+                </a:xfrm>
+              </p:grpSpPr>
+              <p:sp>
+                <p:nvSpPr>
+                  <p:cNvPr id="172" name="TextBox 171">
+                    <a:extLst>
+                      <a:ext uri="{FF2B5EF4-FFF2-40B4-BE49-F238E27FC236}">
+                        <a16:creationId xmlns:a16="http://schemas.microsoft.com/office/drawing/2014/main" id="{0A35D830-CDEA-4BC5-93A7-2EBF1EEDB8ED}"/>
+                      </a:ext>
+                    </a:extLst>
+                  </p:cNvPr>
+                  <p:cNvSpPr txBox="1"/>
+                  <p:nvPr/>
+                </p:nvSpPr>
+                <p:spPr>
+                  <a:xfrm>
+                    <a:off x="2285025" y="1156112"/>
+                    <a:ext cx="542136" cy="261610"/>
+                  </a:xfrm>
+                  <a:prstGeom prst="rect">
+                    <a:avLst/>
+                  </a:prstGeom>
+                  <a:noFill/>
+                </p:spPr>
+                <p:txBody>
+                  <a:bodyPr wrap="none" rtlCol="0">
+                    <a:spAutoFit/>
+                  </a:bodyPr>
+                  <a:lstStyle/>
+                  <a:p>
+                    <a:pPr algn="ctr"/>
+                    <a:r>
+                      <a:rPr lang="en-US" sz="1100" b="1" dirty="0"/>
+                      <a:t>= </a:t>
+                    </a:r>
+                    <a:r>
+                      <a:rPr lang="en-US" sz="1100" b="1" dirty="0">
+                        <a:solidFill>
+                          <a:srgbClr val="8B0000"/>
+                        </a:solidFill>
+                      </a:rPr>
+                      <a:t>0.71</a:t>
+                    </a:r>
+                  </a:p>
+                </p:txBody>
+              </p:sp>
+              <p:grpSp>
+                <p:nvGrpSpPr>
+                  <p:cNvPr id="173" name="Group 172">
+                    <a:extLst>
+                      <a:ext uri="{FF2B5EF4-FFF2-40B4-BE49-F238E27FC236}">
+                        <a16:creationId xmlns:a16="http://schemas.microsoft.com/office/drawing/2014/main" id="{943FE4BA-C98D-4480-B98A-AE61F2273C01}"/>
+                      </a:ext>
+                    </a:extLst>
+                  </p:cNvPr>
+                  <p:cNvGrpSpPr/>
+                  <p:nvPr/>
+                </p:nvGrpSpPr>
+                <p:grpSpPr>
+                  <a:xfrm>
+                    <a:off x="1529449" y="1067142"/>
+                    <a:ext cx="837089" cy="430887"/>
+                    <a:chOff x="1524633" y="966294"/>
+                    <a:chExt cx="837089" cy="430887"/>
+                  </a:xfrm>
+                </p:grpSpPr>
+                <p:sp>
+                  <p:nvSpPr>
+                    <p:cNvPr id="174" name="TextBox 173">
+                      <a:extLst>
+                        <a:ext uri="{FF2B5EF4-FFF2-40B4-BE49-F238E27FC236}">
+                          <a16:creationId xmlns:a16="http://schemas.microsoft.com/office/drawing/2014/main" id="{C26140ED-8E95-4625-BE83-7CD39FDA6E09}"/>
+                        </a:ext>
+                      </a:extLst>
+                    </p:cNvPr>
+                    <p:cNvSpPr txBox="1"/>
+                    <p:nvPr/>
+                  </p:nvSpPr>
+                  <p:spPr>
+                    <a:xfrm>
+                      <a:off x="1524633" y="966294"/>
+                      <a:ext cx="837089" cy="430887"/>
+                    </a:xfrm>
+                    <a:prstGeom prst="rect">
+                      <a:avLst/>
+                    </a:prstGeom>
+                    <a:noFill/>
+                  </p:spPr>
+                  <p:txBody>
+                    <a:bodyPr wrap="none" rtlCol="0">
+                      <a:spAutoFit/>
+                    </a:bodyPr>
+                    <a:lstStyle/>
+                    <a:p>
+                      <a:pPr algn="ctr"/>
+                      <a:r>
+                        <a:rPr lang="en-US" sz="1100" dirty="0"/>
+                        <a:t>(4.3 – 3.65)</a:t>
+                      </a:r>
+                      <a:br>
+                        <a:rPr lang="en-US" sz="1100" dirty="0"/>
+                      </a:br>
+                      <a:r>
+                        <a:rPr lang="en-US" sz="1100" dirty="0"/>
+                        <a:t>0.92 </a:t>
+                      </a:r>
+                    </a:p>
+                  </p:txBody>
+                </p:sp>
+                <p:cxnSp>
+                  <p:nvCxnSpPr>
+                    <p:cNvPr id="175" name="Straight Connector 174">
+                      <a:extLst>
+                        <a:ext uri="{FF2B5EF4-FFF2-40B4-BE49-F238E27FC236}">
+                          <a16:creationId xmlns:a16="http://schemas.microsoft.com/office/drawing/2014/main" id="{2E3DAAAE-6ED9-427B-BFA7-9652446C154B}"/>
+                        </a:ext>
+                      </a:extLst>
+                    </p:cNvPr>
+                    <p:cNvCxnSpPr>
+                      <a:cxnSpLocks/>
+                    </p:cNvCxnSpPr>
+                    <p:nvPr/>
+                  </p:nvCxnSpPr>
+                  <p:spPr>
+                    <a:xfrm>
+                      <a:off x="1586490" y="1191261"/>
+                      <a:ext cx="731520" cy="0"/>
+                    </a:xfrm>
+                    <a:prstGeom prst="line">
+                      <a:avLst/>
+                    </a:prstGeom>
+                    <a:ln w="15875">
+                      <a:solidFill>
+                        <a:schemeClr val="tx1"/>
+                      </a:solidFill>
+                    </a:ln>
+                  </p:spPr>
+                  <p:style>
+                    <a:lnRef idx="1">
+                      <a:schemeClr val="accent1"/>
+                    </a:lnRef>
+                    <a:fillRef idx="0">
+                      <a:schemeClr val="accent1"/>
+                    </a:fillRef>
+                    <a:effectRef idx="0">
+                      <a:schemeClr val="accent1"/>
+                    </a:effectRef>
+                    <a:fontRef idx="minor">
+                      <a:schemeClr val="tx1"/>
+                    </a:fontRef>
+                  </p:style>
+                </p:cxnSp>
+              </p:grpSp>
+            </p:grpSp>
+            <p:sp>
+              <p:nvSpPr>
+                <p:cNvPr id="171" name="Rectangle 170">
+                  <a:extLst>
+                    <a:ext uri="{FF2B5EF4-FFF2-40B4-BE49-F238E27FC236}">
+                      <a16:creationId xmlns:a16="http://schemas.microsoft.com/office/drawing/2014/main" id="{C28611AB-32E9-411D-A218-02ECB3D0F66B}"/>
+                    </a:ext>
+                  </a:extLst>
+                </p:cNvPr>
+                <p:cNvSpPr/>
+                <p:nvPr/>
+              </p:nvSpPr>
+              <p:spPr>
+                <a:xfrm>
+                  <a:off x="1487808" y="984093"/>
+                  <a:ext cx="1374094" cy="261610"/>
+                </a:xfrm>
+                <a:prstGeom prst="rect">
+                  <a:avLst/>
+                </a:prstGeom>
+              </p:spPr>
+              <p:txBody>
+                <a:bodyPr wrap="none">
+                  <a:spAutoFit/>
+                </a:bodyPr>
+                <a:lstStyle/>
+                <a:p>
+                  <a:pPr algn="ctr"/>
+                  <a:r>
+                    <a:rPr lang="en-US" sz="1100" i="1" dirty="0"/>
+                    <a:t>Site and Year Z-score</a:t>
+                  </a:r>
+                </a:p>
+              </p:txBody>
+            </p:sp>
+          </p:grpSp>
+        </p:grpSp>
       </p:grpSp>
       <p:grpSp>
         <p:nvGrpSpPr>
-          <p:cNvPr id="105" name="Group 104">
+          <p:cNvPr id="24" name="Group 23">
             <a:extLst>
               <a:ext uri="{FF2B5EF4-FFF2-40B4-BE49-F238E27FC236}">
-                <a16:creationId xmlns:a16="http://schemas.microsoft.com/office/drawing/2014/main" id="{E7DBB7C6-327F-4AA4-A0F9-0C8258CC1043}"/>
+                <a16:creationId xmlns:a16="http://schemas.microsoft.com/office/drawing/2014/main" id="{2349805E-343D-441E-8FD9-0693C5AB22AF}"/>
               </a:ext>
             </a:extLst>
           </p:cNvPr>
@@ -5832,1123 +7819,1280 @@
         </p:nvGrpSpPr>
         <p:grpSpPr>
           <a:xfrm>
-            <a:off x="5544053" y="952034"/>
-            <a:ext cx="1281101" cy="600164"/>
-            <a:chOff x="1975557" y="943625"/>
-            <a:chExt cx="1281101" cy="600164"/>
+            <a:off x="1044666" y="2819809"/>
+            <a:ext cx="5735399" cy="1036023"/>
+            <a:chOff x="1044666" y="2819809"/>
+            <a:chExt cx="5735399" cy="1036023"/>
           </a:xfrm>
         </p:grpSpPr>
-        <p:sp>
-          <p:nvSpPr>
-            <p:cNvPr id="106" name="TextBox 105">
+        <p:grpSp>
+          <p:nvGrpSpPr>
+            <p:cNvPr id="178" name="Group 177">
               <a:extLst>
                 <a:ext uri="{FF2B5EF4-FFF2-40B4-BE49-F238E27FC236}">
-                  <a16:creationId xmlns:a16="http://schemas.microsoft.com/office/drawing/2014/main" id="{0BD43627-D57C-4C22-BE71-199859184EB2}"/>
+                  <a16:creationId xmlns:a16="http://schemas.microsoft.com/office/drawing/2014/main" id="{33E02C1B-0350-41A4-A259-CC54039ADDAD}"/>
                 </a:ext>
               </a:extLst>
             </p:cNvPr>
-            <p:cNvSpPr txBox="1"/>
+            <p:cNvGrpSpPr/>
             <p:nvPr/>
-          </p:nvSpPr>
-          <p:spPr>
+          </p:nvGrpSpPr>
+          <p:grpSpPr>
             <a:xfrm>
-              <a:off x="1975557" y="943625"/>
-              <a:ext cx="837089" cy="600164"/>
+              <a:off x="1044666" y="2819809"/>
+              <a:ext cx="1830542" cy="1036023"/>
+              <a:chOff x="1031360" y="562016"/>
+              <a:chExt cx="1830542" cy="1036023"/>
             </a:xfrm>
-            <a:prstGeom prst="rect">
-              <a:avLst/>
-            </a:prstGeom>
-            <a:noFill/>
-          </p:spPr>
-          <p:txBody>
-            <a:bodyPr wrap="none" rtlCol="0">
-              <a:spAutoFit/>
-            </a:bodyPr>
-            <a:lstStyle/>
-            <a:p>
-              <a:pPr algn="ctr"/>
-              <a:r>
-                <a:rPr lang="en-US" sz="1100" b="1" dirty="0"/>
-                <a:t>Z-score</a:t>
-              </a:r>
-            </a:p>
-            <a:p>
-              <a:pPr algn="ctr"/>
-              <a:r>
-                <a:rPr lang="en-US" sz="1100" dirty="0"/>
-                <a:t>(8.5 – 7.06)</a:t>
-              </a:r>
-              <a:br>
-                <a:rPr lang="en-US" sz="1100" dirty="0"/>
-              </a:br>
-              <a:r>
-                <a:rPr lang="en-US" sz="1100" dirty="0"/>
-                <a:t>1.42 </a:t>
-              </a:r>
-            </a:p>
-          </p:txBody>
-        </p:sp>
-        <p:sp>
-          <p:nvSpPr>
-            <p:cNvPr id="107" name="TextBox 106">
+          </p:grpSpPr>
+          <p:grpSp>
+            <p:nvGrpSpPr>
+              <p:cNvPr id="179" name="Group 178">
+                <a:extLst>
+                  <a:ext uri="{FF2B5EF4-FFF2-40B4-BE49-F238E27FC236}">
+                    <a16:creationId xmlns:a16="http://schemas.microsoft.com/office/drawing/2014/main" id="{EB392F52-36CF-48E2-A4F6-FC55E71AC47D}"/>
+                  </a:ext>
+                </a:extLst>
+              </p:cNvPr>
+              <p:cNvGrpSpPr/>
+              <p:nvPr/>
+            </p:nvGrpSpPr>
+            <p:grpSpPr>
+              <a:xfrm>
+                <a:off x="1031360" y="613900"/>
+                <a:ext cx="457200" cy="932254"/>
+                <a:chOff x="1463877" y="519264"/>
+                <a:chExt cx="457200" cy="932254"/>
+              </a:xfrm>
+            </p:grpSpPr>
+            <p:sp>
+              <p:nvSpPr>
+                <p:cNvPr id="188" name="TextBox 187">
+                  <a:extLst>
+                    <a:ext uri="{FF2B5EF4-FFF2-40B4-BE49-F238E27FC236}">
+                      <a16:creationId xmlns:a16="http://schemas.microsoft.com/office/drawing/2014/main" id="{3A6C437B-3F59-488C-B784-A6C006383F6F}"/>
+                    </a:ext>
+                  </a:extLst>
+                </p:cNvPr>
+                <p:cNvSpPr txBox="1"/>
+                <p:nvPr/>
+              </p:nvSpPr>
+              <p:spPr>
+                <a:xfrm>
+                  <a:off x="1468698" y="519264"/>
+                  <a:ext cx="447559" cy="769441"/>
+                </a:xfrm>
+                <a:prstGeom prst="rect">
+                  <a:avLst/>
+                </a:prstGeom>
+                <a:noFill/>
+              </p:spPr>
+              <p:txBody>
+                <a:bodyPr wrap="none" rtlCol="0">
+                  <a:spAutoFit/>
+                </a:bodyPr>
+                <a:lstStyle/>
+                <a:p>
+                  <a:pPr algn="ctr"/>
+                  <a:r>
+                    <a:rPr lang="en-US" sz="1100" i="1" dirty="0"/>
+                    <a:t>data</a:t>
+                  </a:r>
+                </a:p>
+                <a:p>
+                  <a:pPr algn="ctr"/>
+                  <a:r>
+                    <a:rPr lang="en-US" sz="1100" dirty="0"/>
+                    <a:t>11</a:t>
+                  </a:r>
+                </a:p>
+                <a:p>
+                  <a:pPr algn="ctr"/>
+                  <a:r>
+                    <a:rPr lang="en-US" sz="1100" dirty="0"/>
+                    <a:t>15</a:t>
+                  </a:r>
+                </a:p>
+                <a:p>
+                  <a:pPr algn="ctr"/>
+                  <a:endParaRPr lang="en-US" sz="1100" dirty="0"/>
+                </a:p>
+              </p:txBody>
+            </p:sp>
+            <p:sp>
+              <p:nvSpPr>
+                <p:cNvPr id="189" name="Rectangle 188">
+                  <a:extLst>
+                    <a:ext uri="{FF2B5EF4-FFF2-40B4-BE49-F238E27FC236}">
+                      <a16:creationId xmlns:a16="http://schemas.microsoft.com/office/drawing/2014/main" id="{B8F3C425-21C0-47FF-9FA9-EC45F6A0A0A8}"/>
+                    </a:ext>
+                  </a:extLst>
+                </p:cNvPr>
+                <p:cNvSpPr/>
+                <p:nvPr/>
+              </p:nvSpPr>
+              <p:spPr>
+                <a:xfrm>
+                  <a:off x="1463877" y="537118"/>
+                  <a:ext cx="457200" cy="914400"/>
+                </a:xfrm>
+                <a:prstGeom prst="rect">
+                  <a:avLst/>
+                </a:prstGeom>
+                <a:noFill/>
+                <a:ln w="28575">
+                  <a:solidFill>
+                    <a:schemeClr val="bg2">
+                      <a:lumMod val="25000"/>
+                    </a:schemeClr>
+                  </a:solidFill>
+                </a:ln>
+              </p:spPr>
+              <p:style>
+                <a:lnRef idx="2">
+                  <a:schemeClr val="accent1">
+                    <a:shade val="50000"/>
+                  </a:schemeClr>
+                </a:lnRef>
+                <a:fillRef idx="1">
+                  <a:schemeClr val="accent1"/>
+                </a:fillRef>
+                <a:effectRef idx="0">
+                  <a:schemeClr val="accent1"/>
+                </a:effectRef>
+                <a:fontRef idx="minor">
+                  <a:schemeClr val="lt1"/>
+                </a:fontRef>
+              </p:style>
+              <p:txBody>
+                <a:bodyPr rtlCol="0" anchor="ctr"/>
+                <a:lstStyle/>
+                <a:p>
+                  <a:pPr algn="ctr"/>
+                  <a:endParaRPr lang="en-US" dirty="0"/>
+                </a:p>
+              </p:txBody>
+            </p:sp>
+          </p:grpSp>
+          <p:grpSp>
+            <p:nvGrpSpPr>
+              <p:cNvPr id="180" name="Group 179">
+                <a:extLst>
+                  <a:ext uri="{FF2B5EF4-FFF2-40B4-BE49-F238E27FC236}">
+                    <a16:creationId xmlns:a16="http://schemas.microsoft.com/office/drawing/2014/main" id="{F48C8B05-4CCC-410C-B1DC-B5241673CD58}"/>
+                  </a:ext>
+                </a:extLst>
+              </p:cNvPr>
+              <p:cNvGrpSpPr/>
+              <p:nvPr/>
+            </p:nvGrpSpPr>
+            <p:grpSpPr>
+              <a:xfrm>
+                <a:off x="1487808" y="562016"/>
+                <a:ext cx="1374094" cy="1036023"/>
+                <a:chOff x="1487808" y="562016"/>
+                <a:chExt cx="1374094" cy="1036023"/>
+              </a:xfrm>
+            </p:grpSpPr>
+            <p:sp>
+              <p:nvSpPr>
+                <p:cNvPr id="181" name="TextBox 180">
+                  <a:extLst>
+                    <a:ext uri="{FF2B5EF4-FFF2-40B4-BE49-F238E27FC236}">
+                      <a16:creationId xmlns:a16="http://schemas.microsoft.com/office/drawing/2014/main" id="{B29F950C-7C2C-489E-9431-F784191C1339}"/>
+                    </a:ext>
+                  </a:extLst>
+                </p:cNvPr>
+                <p:cNvSpPr txBox="1"/>
+                <p:nvPr/>
+              </p:nvSpPr>
+              <p:spPr>
+                <a:xfrm>
+                  <a:off x="1516662" y="562016"/>
+                  <a:ext cx="1316386" cy="430887"/>
+                </a:xfrm>
+                <a:prstGeom prst="rect">
+                  <a:avLst/>
+                </a:prstGeom>
+                <a:noFill/>
+              </p:spPr>
+              <p:txBody>
+                <a:bodyPr wrap="none" rtlCol="0">
+                  <a:spAutoFit/>
+                </a:bodyPr>
+                <a:lstStyle/>
+                <a:p>
+                  <a:pPr algn="ctr"/>
+                  <a:r>
+                    <a:rPr lang="en-US" sz="1100" i="1" dirty="0"/>
+                    <a:t>Site and Year mean</a:t>
+                  </a:r>
+                </a:p>
+                <a:p>
+                  <a:pPr algn="ctr"/>
+                  <a:r>
+                    <a:rPr lang="en-US" sz="1100" dirty="0"/>
+                    <a:t>13</a:t>
+                  </a:r>
+                </a:p>
+              </p:txBody>
+            </p:sp>
+            <p:grpSp>
+              <p:nvGrpSpPr>
+                <p:cNvPr id="182" name="Group 181">
+                  <a:extLst>
+                    <a:ext uri="{FF2B5EF4-FFF2-40B4-BE49-F238E27FC236}">
+                      <a16:creationId xmlns:a16="http://schemas.microsoft.com/office/drawing/2014/main" id="{10C62B39-FAB9-4CA4-A3C6-3FE455371740}"/>
+                    </a:ext>
+                  </a:extLst>
+                </p:cNvPr>
+                <p:cNvGrpSpPr/>
+                <p:nvPr/>
+              </p:nvGrpSpPr>
+              <p:grpSpPr>
+                <a:xfrm>
+                  <a:off x="1515579" y="1167152"/>
+                  <a:ext cx="1316147" cy="430887"/>
+                  <a:chOff x="1511014" y="1067142"/>
+                  <a:chExt cx="1316147" cy="430887"/>
+                </a:xfrm>
+              </p:grpSpPr>
+              <p:sp>
+                <p:nvSpPr>
+                  <p:cNvPr id="184" name="TextBox 183">
+                    <a:extLst>
+                      <a:ext uri="{FF2B5EF4-FFF2-40B4-BE49-F238E27FC236}">
+                        <a16:creationId xmlns:a16="http://schemas.microsoft.com/office/drawing/2014/main" id="{A30BC1CE-0A80-4BD5-9B54-1560D7A480C5}"/>
+                      </a:ext>
+                    </a:extLst>
+                  </p:cNvPr>
+                  <p:cNvSpPr txBox="1"/>
+                  <p:nvPr/>
+                </p:nvSpPr>
+                <p:spPr>
+                  <a:xfrm>
+                    <a:off x="2285025" y="1156112"/>
+                    <a:ext cx="542136" cy="261610"/>
+                  </a:xfrm>
+                  <a:prstGeom prst="rect">
+                    <a:avLst/>
+                  </a:prstGeom>
+                  <a:noFill/>
+                </p:spPr>
+                <p:txBody>
+                  <a:bodyPr wrap="none" rtlCol="0">
+                    <a:spAutoFit/>
+                  </a:bodyPr>
+                  <a:lstStyle/>
+                  <a:p>
+                    <a:pPr algn="ctr"/>
+                    <a:r>
+                      <a:rPr lang="en-US" sz="1100" b="1" dirty="0"/>
+                      <a:t>= </a:t>
+                    </a:r>
+                    <a:r>
+                      <a:rPr lang="en-US" sz="1100" b="1" dirty="0">
+                        <a:solidFill>
+                          <a:srgbClr val="8B0000"/>
+                        </a:solidFill>
+                      </a:rPr>
+                      <a:t>0.29</a:t>
+                    </a:r>
+                  </a:p>
+                </p:txBody>
+              </p:sp>
+              <p:grpSp>
+                <p:nvGrpSpPr>
+                  <p:cNvPr id="185" name="Group 184">
+                    <a:extLst>
+                      <a:ext uri="{FF2B5EF4-FFF2-40B4-BE49-F238E27FC236}">
+                        <a16:creationId xmlns:a16="http://schemas.microsoft.com/office/drawing/2014/main" id="{E3C5702E-9B8A-4F12-9598-C5BB22FA4237}"/>
+                      </a:ext>
+                    </a:extLst>
+                  </p:cNvPr>
+                  <p:cNvGrpSpPr/>
+                  <p:nvPr/>
+                </p:nvGrpSpPr>
+                <p:grpSpPr>
+                  <a:xfrm>
+                    <a:off x="1511014" y="1067142"/>
+                    <a:ext cx="873957" cy="430887"/>
+                    <a:chOff x="1506198" y="966294"/>
+                    <a:chExt cx="873957" cy="430887"/>
+                  </a:xfrm>
+                </p:grpSpPr>
+                <p:sp>
+                  <p:nvSpPr>
+                    <p:cNvPr id="186" name="TextBox 185">
+                      <a:extLst>
+                        <a:ext uri="{FF2B5EF4-FFF2-40B4-BE49-F238E27FC236}">
+                          <a16:creationId xmlns:a16="http://schemas.microsoft.com/office/drawing/2014/main" id="{CB73E94B-A1AD-435B-9852-84C33666407F}"/>
+                        </a:ext>
+                      </a:extLst>
+                    </p:cNvPr>
+                    <p:cNvSpPr txBox="1"/>
+                    <p:nvPr/>
+                  </p:nvSpPr>
+                  <p:spPr>
+                    <a:xfrm>
+                      <a:off x="1506198" y="966294"/>
+                      <a:ext cx="873957" cy="430887"/>
+                    </a:xfrm>
+                    <a:prstGeom prst="rect">
+                      <a:avLst/>
+                    </a:prstGeom>
+                    <a:noFill/>
+                  </p:spPr>
+                  <p:txBody>
+                    <a:bodyPr wrap="none" rtlCol="0">
+                      <a:spAutoFit/>
+                    </a:bodyPr>
+                    <a:lstStyle/>
+                    <a:p>
+                      <a:pPr algn="ctr"/>
+                      <a:r>
+                        <a:rPr lang="en-US" sz="1100" dirty="0"/>
+                        <a:t>(13 – 12.43)</a:t>
+                      </a:r>
+                      <a:br>
+                        <a:rPr lang="en-US" sz="1100" dirty="0"/>
+                      </a:br>
+                      <a:r>
+                        <a:rPr lang="en-US" sz="1100" dirty="0"/>
+                        <a:t>1.91 </a:t>
+                      </a:r>
+                    </a:p>
+                  </p:txBody>
+                </p:sp>
+                <p:cxnSp>
+                  <p:nvCxnSpPr>
+                    <p:cNvPr id="187" name="Straight Connector 186">
+                      <a:extLst>
+                        <a:ext uri="{FF2B5EF4-FFF2-40B4-BE49-F238E27FC236}">
+                          <a16:creationId xmlns:a16="http://schemas.microsoft.com/office/drawing/2014/main" id="{6087B080-FF8A-4022-BCEA-01A735A0CBB1}"/>
+                        </a:ext>
+                      </a:extLst>
+                    </p:cNvPr>
+                    <p:cNvCxnSpPr>
+                      <a:cxnSpLocks/>
+                    </p:cNvCxnSpPr>
+                    <p:nvPr/>
+                  </p:nvCxnSpPr>
+                  <p:spPr>
+                    <a:xfrm>
+                      <a:off x="1586490" y="1191261"/>
+                      <a:ext cx="731520" cy="0"/>
+                    </a:xfrm>
+                    <a:prstGeom prst="line">
+                      <a:avLst/>
+                    </a:prstGeom>
+                    <a:ln w="15875">
+                      <a:solidFill>
+                        <a:schemeClr val="tx1"/>
+                      </a:solidFill>
+                    </a:ln>
+                  </p:spPr>
+                  <p:style>
+                    <a:lnRef idx="1">
+                      <a:schemeClr val="accent1"/>
+                    </a:lnRef>
+                    <a:fillRef idx="0">
+                      <a:schemeClr val="accent1"/>
+                    </a:fillRef>
+                    <a:effectRef idx="0">
+                      <a:schemeClr val="accent1"/>
+                    </a:effectRef>
+                    <a:fontRef idx="minor">
+                      <a:schemeClr val="tx1"/>
+                    </a:fontRef>
+                  </p:style>
+                </p:cxnSp>
+              </p:grpSp>
+            </p:grpSp>
+            <p:sp>
+              <p:nvSpPr>
+                <p:cNvPr id="183" name="Rectangle 182">
+                  <a:extLst>
+                    <a:ext uri="{FF2B5EF4-FFF2-40B4-BE49-F238E27FC236}">
+                      <a16:creationId xmlns:a16="http://schemas.microsoft.com/office/drawing/2014/main" id="{5AB003E2-E911-4941-A9BA-04977682940A}"/>
+                    </a:ext>
+                  </a:extLst>
+                </p:cNvPr>
+                <p:cNvSpPr/>
+                <p:nvPr/>
+              </p:nvSpPr>
+              <p:spPr>
+                <a:xfrm>
+                  <a:off x="1487808" y="984093"/>
+                  <a:ext cx="1374094" cy="261610"/>
+                </a:xfrm>
+                <a:prstGeom prst="rect">
+                  <a:avLst/>
+                </a:prstGeom>
+              </p:spPr>
+              <p:txBody>
+                <a:bodyPr wrap="none">
+                  <a:spAutoFit/>
+                </a:bodyPr>
+                <a:lstStyle/>
+                <a:p>
+                  <a:pPr algn="ctr"/>
+                  <a:r>
+                    <a:rPr lang="en-US" sz="1100" i="1" dirty="0"/>
+                    <a:t>Site and Year Z-score</a:t>
+                  </a:r>
+                </a:p>
+              </p:txBody>
+            </p:sp>
+          </p:grpSp>
+        </p:grpSp>
+        <p:grpSp>
+          <p:nvGrpSpPr>
+            <p:cNvPr id="191" name="Group 190">
               <a:extLst>
                 <a:ext uri="{FF2B5EF4-FFF2-40B4-BE49-F238E27FC236}">
-                  <a16:creationId xmlns:a16="http://schemas.microsoft.com/office/drawing/2014/main" id="{360DC2C8-CFCF-4B18-B5D9-01A28A7BD7A0}"/>
+                  <a16:creationId xmlns:a16="http://schemas.microsoft.com/office/drawing/2014/main" id="{16D9DFDC-A295-443F-8C12-4C06AFF5BD6C}"/>
                 </a:ext>
               </a:extLst>
             </p:cNvPr>
-            <p:cNvSpPr txBox="1"/>
+            <p:cNvGrpSpPr/>
             <p:nvPr/>
-          </p:nvSpPr>
-          <p:spPr>
+          </p:nvGrpSpPr>
+          <p:grpSpPr>
             <a:xfrm>
-              <a:off x="2714522" y="1180089"/>
-              <a:ext cx="542136" cy="261610"/>
+              <a:off x="2966808" y="2819809"/>
+              <a:ext cx="1830542" cy="1036023"/>
+              <a:chOff x="1031360" y="562016"/>
+              <a:chExt cx="1830542" cy="1036023"/>
             </a:xfrm>
-            <a:prstGeom prst="rect">
-              <a:avLst/>
-            </a:prstGeom>
-            <a:noFill/>
-          </p:spPr>
-          <p:txBody>
-            <a:bodyPr wrap="none" rtlCol="0">
-              <a:spAutoFit/>
-            </a:bodyPr>
-            <a:lstStyle/>
-            <a:p>
-              <a:pPr algn="ctr"/>
-              <a:r>
-                <a:rPr lang="en-US" sz="1100" b="1" dirty="0"/>
-                <a:t>= </a:t>
-              </a:r>
-              <a:r>
-                <a:rPr lang="en-US" sz="1100" dirty="0"/>
-                <a:t>1.01</a:t>
-              </a:r>
-            </a:p>
-          </p:txBody>
-        </p:sp>
-        <p:cxnSp>
-          <p:nvCxnSpPr>
-            <p:cNvPr id="108" name="Straight Connector 107">
+          </p:grpSpPr>
+          <p:grpSp>
+            <p:nvGrpSpPr>
+              <p:cNvPr id="192" name="Group 191">
+                <a:extLst>
+                  <a:ext uri="{FF2B5EF4-FFF2-40B4-BE49-F238E27FC236}">
+                    <a16:creationId xmlns:a16="http://schemas.microsoft.com/office/drawing/2014/main" id="{AA91D2AB-A553-42F7-854D-4C95B66C224F}"/>
+                  </a:ext>
+                </a:extLst>
+              </p:cNvPr>
+              <p:cNvGrpSpPr/>
+              <p:nvPr/>
+            </p:nvGrpSpPr>
+            <p:grpSpPr>
+              <a:xfrm>
+                <a:off x="1031360" y="613900"/>
+                <a:ext cx="457200" cy="932254"/>
+                <a:chOff x="1463877" y="519264"/>
+                <a:chExt cx="457200" cy="932254"/>
+              </a:xfrm>
+            </p:grpSpPr>
+            <p:sp>
+              <p:nvSpPr>
+                <p:cNvPr id="201" name="TextBox 200">
+                  <a:extLst>
+                    <a:ext uri="{FF2B5EF4-FFF2-40B4-BE49-F238E27FC236}">
+                      <a16:creationId xmlns:a16="http://schemas.microsoft.com/office/drawing/2014/main" id="{89A7132A-8F66-4813-A266-E0AC62EEEF8A}"/>
+                    </a:ext>
+                  </a:extLst>
+                </p:cNvPr>
+                <p:cNvSpPr txBox="1"/>
+                <p:nvPr/>
+              </p:nvSpPr>
+              <p:spPr>
+                <a:xfrm>
+                  <a:off x="1468698" y="519264"/>
+                  <a:ext cx="447559" cy="769441"/>
+                </a:xfrm>
+                <a:prstGeom prst="rect">
+                  <a:avLst/>
+                </a:prstGeom>
+                <a:noFill/>
+              </p:spPr>
+              <p:txBody>
+                <a:bodyPr wrap="none" rtlCol="0">
+                  <a:spAutoFit/>
+                </a:bodyPr>
+                <a:lstStyle/>
+                <a:p>
+                  <a:pPr algn="ctr"/>
+                  <a:r>
+                    <a:rPr lang="en-US" sz="1100" i="1" dirty="0"/>
+                    <a:t>data</a:t>
+                  </a:r>
+                </a:p>
+                <a:p>
+                  <a:pPr algn="ctr"/>
+                  <a:r>
+                    <a:rPr lang="en-US" sz="1100" dirty="0"/>
+                    <a:t>14</a:t>
+                  </a:r>
+                </a:p>
+                <a:p>
+                  <a:pPr algn="ctr"/>
+                  <a:endParaRPr lang="en-US" sz="1100" dirty="0"/>
+                </a:p>
+                <a:p>
+                  <a:pPr algn="ctr"/>
+                  <a:endParaRPr lang="en-US" sz="1100" dirty="0"/>
+                </a:p>
+              </p:txBody>
+            </p:sp>
+            <p:sp>
+              <p:nvSpPr>
+                <p:cNvPr id="202" name="Rectangle 201">
+                  <a:extLst>
+                    <a:ext uri="{FF2B5EF4-FFF2-40B4-BE49-F238E27FC236}">
+                      <a16:creationId xmlns:a16="http://schemas.microsoft.com/office/drawing/2014/main" id="{29B8DDC0-FD8C-4A65-ABFE-B6DBB21E2684}"/>
+                    </a:ext>
+                  </a:extLst>
+                </p:cNvPr>
+                <p:cNvSpPr/>
+                <p:nvPr/>
+              </p:nvSpPr>
+              <p:spPr>
+                <a:xfrm>
+                  <a:off x="1463877" y="537118"/>
+                  <a:ext cx="457200" cy="914400"/>
+                </a:xfrm>
+                <a:prstGeom prst="rect">
+                  <a:avLst/>
+                </a:prstGeom>
+                <a:noFill/>
+                <a:ln w="28575">
+                  <a:solidFill>
+                    <a:schemeClr val="bg2">
+                      <a:lumMod val="25000"/>
+                    </a:schemeClr>
+                  </a:solidFill>
+                </a:ln>
+              </p:spPr>
+              <p:style>
+                <a:lnRef idx="2">
+                  <a:schemeClr val="accent1">
+                    <a:shade val="50000"/>
+                  </a:schemeClr>
+                </a:lnRef>
+                <a:fillRef idx="1">
+                  <a:schemeClr val="accent1"/>
+                </a:fillRef>
+                <a:effectRef idx="0">
+                  <a:schemeClr val="accent1"/>
+                </a:effectRef>
+                <a:fontRef idx="minor">
+                  <a:schemeClr val="lt1"/>
+                </a:fontRef>
+              </p:style>
+              <p:txBody>
+                <a:bodyPr rtlCol="0" anchor="ctr"/>
+                <a:lstStyle/>
+                <a:p>
+                  <a:pPr algn="ctr"/>
+                  <a:endParaRPr lang="en-US"/>
+                </a:p>
+              </p:txBody>
+            </p:sp>
+          </p:grpSp>
+          <p:grpSp>
+            <p:nvGrpSpPr>
+              <p:cNvPr id="193" name="Group 192">
+                <a:extLst>
+                  <a:ext uri="{FF2B5EF4-FFF2-40B4-BE49-F238E27FC236}">
+                    <a16:creationId xmlns:a16="http://schemas.microsoft.com/office/drawing/2014/main" id="{CB467748-95C3-4A6F-B977-05EDA97D7B86}"/>
+                  </a:ext>
+                </a:extLst>
+              </p:cNvPr>
+              <p:cNvGrpSpPr/>
+              <p:nvPr/>
+            </p:nvGrpSpPr>
+            <p:grpSpPr>
+              <a:xfrm>
+                <a:off x="1487808" y="562016"/>
+                <a:ext cx="1374094" cy="1036023"/>
+                <a:chOff x="1487808" y="562016"/>
+                <a:chExt cx="1374094" cy="1036023"/>
+              </a:xfrm>
+            </p:grpSpPr>
+            <p:sp>
+              <p:nvSpPr>
+                <p:cNvPr id="194" name="TextBox 193">
+                  <a:extLst>
+                    <a:ext uri="{FF2B5EF4-FFF2-40B4-BE49-F238E27FC236}">
+                      <a16:creationId xmlns:a16="http://schemas.microsoft.com/office/drawing/2014/main" id="{69FC8C15-20BE-4F1D-A797-BC6A67E97706}"/>
+                    </a:ext>
+                  </a:extLst>
+                </p:cNvPr>
+                <p:cNvSpPr txBox="1"/>
+                <p:nvPr/>
+              </p:nvSpPr>
+              <p:spPr>
+                <a:xfrm>
+                  <a:off x="1516662" y="562016"/>
+                  <a:ext cx="1316386" cy="430887"/>
+                </a:xfrm>
+                <a:prstGeom prst="rect">
+                  <a:avLst/>
+                </a:prstGeom>
+                <a:noFill/>
+              </p:spPr>
+              <p:txBody>
+                <a:bodyPr wrap="none" rtlCol="0">
+                  <a:spAutoFit/>
+                </a:bodyPr>
+                <a:lstStyle/>
+                <a:p>
+                  <a:pPr algn="ctr"/>
+                  <a:r>
+                    <a:rPr lang="en-US" sz="1100" i="1" dirty="0"/>
+                    <a:t>Site and Year mean</a:t>
+                  </a:r>
+                </a:p>
+                <a:p>
+                  <a:pPr algn="ctr"/>
+                  <a:r>
+                    <a:rPr lang="en-US" sz="1100" dirty="0"/>
+                    <a:t>14</a:t>
+                  </a:r>
+                </a:p>
+              </p:txBody>
+            </p:sp>
+            <p:grpSp>
+              <p:nvGrpSpPr>
+                <p:cNvPr id="195" name="Group 194">
+                  <a:extLst>
+                    <a:ext uri="{FF2B5EF4-FFF2-40B4-BE49-F238E27FC236}">
+                      <a16:creationId xmlns:a16="http://schemas.microsoft.com/office/drawing/2014/main" id="{DCF8B337-3E64-4C34-A29E-4954F1C569CD}"/>
+                    </a:ext>
+                  </a:extLst>
+                </p:cNvPr>
+                <p:cNvGrpSpPr/>
+                <p:nvPr/>
+              </p:nvGrpSpPr>
+              <p:grpSpPr>
+                <a:xfrm>
+                  <a:off x="1515579" y="1167152"/>
+                  <a:ext cx="1314543" cy="430887"/>
+                  <a:chOff x="1511014" y="1067142"/>
+                  <a:chExt cx="1314543" cy="430887"/>
+                </a:xfrm>
+              </p:grpSpPr>
+              <p:sp>
+                <p:nvSpPr>
+                  <p:cNvPr id="197" name="TextBox 196">
+                    <a:extLst>
+                      <a:ext uri="{FF2B5EF4-FFF2-40B4-BE49-F238E27FC236}">
+                        <a16:creationId xmlns:a16="http://schemas.microsoft.com/office/drawing/2014/main" id="{B6290DFD-ED08-4336-A2A9-96335A639159}"/>
+                      </a:ext>
+                    </a:extLst>
+                  </p:cNvPr>
+                  <p:cNvSpPr txBox="1"/>
+                  <p:nvPr/>
+                </p:nvSpPr>
+                <p:spPr>
+                  <a:xfrm>
+                    <a:off x="2286628" y="1156112"/>
+                    <a:ext cx="538929" cy="261610"/>
+                  </a:xfrm>
+                  <a:prstGeom prst="rect">
+                    <a:avLst/>
+                  </a:prstGeom>
+                  <a:noFill/>
+                </p:spPr>
+                <p:txBody>
+                  <a:bodyPr wrap="none" rtlCol="0">
+                    <a:spAutoFit/>
+                  </a:bodyPr>
+                  <a:lstStyle/>
+                  <a:p>
+                    <a:pPr algn="ctr"/>
+                    <a:r>
+                      <a:rPr lang="en-US" sz="1100" b="1" dirty="0"/>
+                      <a:t>= </a:t>
+                    </a:r>
+                    <a:r>
+                      <a:rPr lang="en-US" sz="1100" b="1" dirty="0">
+                        <a:solidFill>
+                          <a:srgbClr val="8B0000"/>
+                        </a:solidFill>
+                      </a:rPr>
+                      <a:t>0.82</a:t>
+                    </a:r>
+                  </a:p>
+                </p:txBody>
+              </p:sp>
+              <p:grpSp>
+                <p:nvGrpSpPr>
+                  <p:cNvPr id="198" name="Group 197">
+                    <a:extLst>
+                      <a:ext uri="{FF2B5EF4-FFF2-40B4-BE49-F238E27FC236}">
+                        <a16:creationId xmlns:a16="http://schemas.microsoft.com/office/drawing/2014/main" id="{D1CC0148-F448-46A7-A136-D36530A0D8BC}"/>
+                      </a:ext>
+                    </a:extLst>
+                  </p:cNvPr>
+                  <p:cNvGrpSpPr/>
+                  <p:nvPr/>
+                </p:nvGrpSpPr>
+                <p:grpSpPr>
+                  <a:xfrm>
+                    <a:off x="1511014" y="1067142"/>
+                    <a:ext cx="873957" cy="430887"/>
+                    <a:chOff x="1506198" y="966294"/>
+                    <a:chExt cx="873957" cy="430887"/>
+                  </a:xfrm>
+                </p:grpSpPr>
+                <p:sp>
+                  <p:nvSpPr>
+                    <p:cNvPr id="199" name="TextBox 198">
+                      <a:extLst>
+                        <a:ext uri="{FF2B5EF4-FFF2-40B4-BE49-F238E27FC236}">
+                          <a16:creationId xmlns:a16="http://schemas.microsoft.com/office/drawing/2014/main" id="{75461500-F3B6-4F2E-9E0D-A8C5059ACFEA}"/>
+                        </a:ext>
+                      </a:extLst>
+                    </p:cNvPr>
+                    <p:cNvSpPr txBox="1"/>
+                    <p:nvPr/>
+                  </p:nvSpPr>
+                  <p:spPr>
+                    <a:xfrm>
+                      <a:off x="1506198" y="966294"/>
+                      <a:ext cx="873957" cy="430887"/>
+                    </a:xfrm>
+                    <a:prstGeom prst="rect">
+                      <a:avLst/>
+                    </a:prstGeom>
+                    <a:noFill/>
+                  </p:spPr>
+                  <p:txBody>
+                    <a:bodyPr wrap="none" rtlCol="0">
+                      <a:spAutoFit/>
+                    </a:bodyPr>
+                    <a:lstStyle/>
+                    <a:p>
+                      <a:pPr algn="ctr"/>
+                      <a:r>
+                        <a:rPr lang="en-US" sz="1100" dirty="0"/>
+                        <a:t>(14 – 12.43)</a:t>
+                      </a:r>
+                      <a:br>
+                        <a:rPr lang="en-US" sz="1100" dirty="0"/>
+                      </a:br>
+                      <a:r>
+                        <a:rPr lang="en-US" sz="1100" dirty="0"/>
+                        <a:t>1.91 </a:t>
+                      </a:r>
+                    </a:p>
+                  </p:txBody>
+                </p:sp>
+                <p:cxnSp>
+                  <p:nvCxnSpPr>
+                    <p:cNvPr id="200" name="Straight Connector 199">
+                      <a:extLst>
+                        <a:ext uri="{FF2B5EF4-FFF2-40B4-BE49-F238E27FC236}">
+                          <a16:creationId xmlns:a16="http://schemas.microsoft.com/office/drawing/2014/main" id="{86646E31-58B4-4C7C-8CEC-383DBD54D4D4}"/>
+                        </a:ext>
+                      </a:extLst>
+                    </p:cNvPr>
+                    <p:cNvCxnSpPr>
+                      <a:cxnSpLocks/>
+                    </p:cNvCxnSpPr>
+                    <p:nvPr/>
+                  </p:nvCxnSpPr>
+                  <p:spPr>
+                    <a:xfrm>
+                      <a:off x="1586490" y="1191261"/>
+                      <a:ext cx="731520" cy="0"/>
+                    </a:xfrm>
+                    <a:prstGeom prst="line">
+                      <a:avLst/>
+                    </a:prstGeom>
+                    <a:ln w="15875">
+                      <a:solidFill>
+                        <a:schemeClr val="tx1"/>
+                      </a:solidFill>
+                    </a:ln>
+                  </p:spPr>
+                  <p:style>
+                    <a:lnRef idx="1">
+                      <a:schemeClr val="accent1"/>
+                    </a:lnRef>
+                    <a:fillRef idx="0">
+                      <a:schemeClr val="accent1"/>
+                    </a:fillRef>
+                    <a:effectRef idx="0">
+                      <a:schemeClr val="accent1"/>
+                    </a:effectRef>
+                    <a:fontRef idx="minor">
+                      <a:schemeClr val="tx1"/>
+                    </a:fontRef>
+                  </p:style>
+                </p:cxnSp>
+              </p:grpSp>
+            </p:grpSp>
+            <p:sp>
+              <p:nvSpPr>
+                <p:cNvPr id="196" name="Rectangle 195">
+                  <a:extLst>
+                    <a:ext uri="{FF2B5EF4-FFF2-40B4-BE49-F238E27FC236}">
+                      <a16:creationId xmlns:a16="http://schemas.microsoft.com/office/drawing/2014/main" id="{0231B5BA-5F9C-4DC5-979C-BCC881FC61EE}"/>
+                    </a:ext>
+                  </a:extLst>
+                </p:cNvPr>
+                <p:cNvSpPr/>
+                <p:nvPr/>
+              </p:nvSpPr>
+              <p:spPr>
+                <a:xfrm>
+                  <a:off x="1487808" y="984093"/>
+                  <a:ext cx="1374094" cy="261610"/>
+                </a:xfrm>
+                <a:prstGeom prst="rect">
+                  <a:avLst/>
+                </a:prstGeom>
+              </p:spPr>
+              <p:txBody>
+                <a:bodyPr wrap="none">
+                  <a:spAutoFit/>
+                </a:bodyPr>
+                <a:lstStyle/>
+                <a:p>
+                  <a:pPr algn="ctr"/>
+                  <a:r>
+                    <a:rPr lang="en-US" sz="1100" i="1" dirty="0"/>
+                    <a:t>Site and Year Z-score</a:t>
+                  </a:r>
+                </a:p>
+              </p:txBody>
+            </p:sp>
+          </p:grpSp>
+        </p:grpSp>
+        <p:grpSp>
+          <p:nvGrpSpPr>
+            <p:cNvPr id="203" name="Group 202">
               <a:extLst>
                 <a:ext uri="{FF2B5EF4-FFF2-40B4-BE49-F238E27FC236}">
-                  <a16:creationId xmlns:a16="http://schemas.microsoft.com/office/drawing/2014/main" id="{7BBDCF56-CB3C-4C04-97CA-2F6E28AB555A}"/>
+                  <a16:creationId xmlns:a16="http://schemas.microsoft.com/office/drawing/2014/main" id="{FE45FFA7-A03E-4CCB-8C41-2BDA470919A3}"/>
                 </a:ext>
               </a:extLst>
             </p:cNvPr>
-            <p:cNvCxnSpPr/>
+            <p:cNvGrpSpPr/>
             <p:nvPr/>
-          </p:nvCxnSpPr>
-          <p:spPr>
+          </p:nvGrpSpPr>
+          <p:grpSpPr>
             <a:xfrm>
-              <a:off x="2121510" y="1336067"/>
-              <a:ext cx="584785" cy="0"/>
+              <a:off x="4949523" y="2819809"/>
+              <a:ext cx="1830542" cy="1036023"/>
+              <a:chOff x="1031360" y="562016"/>
+              <a:chExt cx="1830542" cy="1036023"/>
             </a:xfrm>
-            <a:prstGeom prst="line">
-              <a:avLst/>
-            </a:prstGeom>
-            <a:ln w="15875">
-              <a:solidFill>
-                <a:schemeClr val="tx1"/>
-              </a:solidFill>
-            </a:ln>
-          </p:spPr>
-          <p:style>
-            <a:lnRef idx="1">
-              <a:schemeClr val="accent1"/>
-            </a:lnRef>
-            <a:fillRef idx="0">
-              <a:schemeClr val="accent1"/>
-            </a:fillRef>
-            <a:effectRef idx="0">
-              <a:schemeClr val="accent1"/>
-            </a:effectRef>
-            <a:fontRef idx="minor">
-              <a:schemeClr val="tx1"/>
-            </a:fontRef>
-          </p:style>
-        </p:cxnSp>
-      </p:grpSp>
-      <p:sp>
-        <p:nvSpPr>
-          <p:cNvPr id="109" name="TextBox 108">
-            <a:extLst>
-              <a:ext uri="{FF2B5EF4-FFF2-40B4-BE49-F238E27FC236}">
-                <a16:creationId xmlns:a16="http://schemas.microsoft.com/office/drawing/2014/main" id="{F2325510-088D-4E4D-B7CF-0F5E7D8755F3}"/>
-              </a:ext>
-            </a:extLst>
-          </p:cNvPr>
-          <p:cNvSpPr txBox="1"/>
-          <p:nvPr/>
-        </p:nvSpPr>
-        <p:spPr>
-          <a:xfrm>
-            <a:off x="1910034" y="1718494"/>
-            <a:ext cx="1316386" cy="430887"/>
-          </a:xfrm>
-          <a:prstGeom prst="rect">
-            <a:avLst/>
-          </a:prstGeom>
-          <a:noFill/>
-        </p:spPr>
-        <p:txBody>
-          <a:bodyPr wrap="none" rtlCol="0">
-            <a:spAutoFit/>
-          </a:bodyPr>
-          <a:lstStyle/>
-          <a:p>
-            <a:pPr algn="ctr"/>
-            <a:r>
-              <a:rPr lang="en-US" sz="1100" b="1" dirty="0"/>
-              <a:t>Site and Year mean</a:t>
-            </a:r>
-          </a:p>
-          <a:p>
-            <a:pPr algn="ctr"/>
-            <a:r>
-              <a:rPr lang="en-US" sz="1100" dirty="0"/>
-              <a:t>3</a:t>
-            </a:r>
-          </a:p>
-        </p:txBody>
-      </p:sp>
-      <p:grpSp>
-        <p:nvGrpSpPr>
-          <p:cNvPr id="110" name="Group 109">
-            <a:extLst>
-              <a:ext uri="{FF2B5EF4-FFF2-40B4-BE49-F238E27FC236}">
-                <a16:creationId xmlns:a16="http://schemas.microsoft.com/office/drawing/2014/main" id="{EE254810-1FD5-487C-9E5A-EA47C35A2605}"/>
-              </a:ext>
-            </a:extLst>
-          </p:cNvPr>
-          <p:cNvGrpSpPr/>
-          <p:nvPr/>
-        </p:nvGrpSpPr>
-        <p:grpSpPr>
-          <a:xfrm>
-            <a:off x="2036618" y="2142854"/>
-            <a:ext cx="1247438" cy="600164"/>
-            <a:chOff x="2029258" y="943625"/>
-            <a:chExt cx="1247438" cy="600164"/>
-          </a:xfrm>
-        </p:grpSpPr>
-        <p:sp>
-          <p:nvSpPr>
-            <p:cNvPr id="111" name="TextBox 110">
-              <a:extLst>
-                <a:ext uri="{FF2B5EF4-FFF2-40B4-BE49-F238E27FC236}">
-                  <a16:creationId xmlns:a16="http://schemas.microsoft.com/office/drawing/2014/main" id="{5CB2CB70-33F4-4AF0-AF95-1292470AE5F1}"/>
-                </a:ext>
-              </a:extLst>
-            </p:cNvPr>
-            <p:cNvSpPr txBox="1"/>
-            <p:nvPr/>
-          </p:nvSpPr>
-          <p:spPr>
-            <a:xfrm>
-              <a:off x="2029258" y="943625"/>
-              <a:ext cx="729687" cy="600164"/>
-            </a:xfrm>
-            <a:prstGeom prst="rect">
-              <a:avLst/>
-            </a:prstGeom>
-            <a:noFill/>
-          </p:spPr>
-          <p:txBody>
-            <a:bodyPr wrap="none" rtlCol="0">
-              <a:spAutoFit/>
-            </a:bodyPr>
-            <a:lstStyle/>
-            <a:p>
-              <a:pPr algn="ctr"/>
-              <a:r>
-                <a:rPr lang="en-US" sz="1100" b="1" dirty="0"/>
-                <a:t>Z-score</a:t>
-              </a:r>
-            </a:p>
-            <a:p>
-              <a:pPr algn="ctr"/>
-              <a:r>
-                <a:rPr lang="en-US" sz="1100" dirty="0"/>
-                <a:t>(3 – 3.65)</a:t>
-              </a:r>
-              <a:br>
-                <a:rPr lang="en-US" sz="1100" dirty="0"/>
-              </a:br>
-              <a:r>
-                <a:rPr lang="en-US" sz="1100" dirty="0"/>
-                <a:t>0.92 </a:t>
-              </a:r>
-            </a:p>
-          </p:txBody>
-        </p:sp>
-        <p:sp>
-          <p:nvSpPr>
-            <p:cNvPr id="112" name="TextBox 111">
-              <a:extLst>
-                <a:ext uri="{FF2B5EF4-FFF2-40B4-BE49-F238E27FC236}">
-                  <a16:creationId xmlns:a16="http://schemas.microsoft.com/office/drawing/2014/main" id="{956A151E-9F20-4E28-AF99-50959238DA61}"/>
-                </a:ext>
-              </a:extLst>
-            </p:cNvPr>
-            <p:cNvSpPr txBox="1"/>
-            <p:nvPr/>
-          </p:nvSpPr>
-          <p:spPr>
-            <a:xfrm>
-              <a:off x="2694484" y="1180089"/>
-              <a:ext cx="582212" cy="261610"/>
-            </a:xfrm>
-            <a:prstGeom prst="rect">
-              <a:avLst/>
-            </a:prstGeom>
-            <a:noFill/>
-          </p:spPr>
-          <p:txBody>
-            <a:bodyPr wrap="none" rtlCol="0">
-              <a:spAutoFit/>
-            </a:bodyPr>
-            <a:lstStyle/>
-            <a:p>
-              <a:pPr algn="ctr"/>
-              <a:r>
-                <a:rPr lang="en-US" sz="1100" b="1" dirty="0"/>
-                <a:t>= </a:t>
-              </a:r>
-              <a:r>
-                <a:rPr lang="en-US" sz="1100" dirty="0"/>
-                <a:t>-0.71</a:t>
-              </a:r>
-            </a:p>
-          </p:txBody>
-        </p:sp>
-        <p:cxnSp>
-          <p:nvCxnSpPr>
-            <p:cNvPr id="113" name="Straight Connector 112">
-              <a:extLst>
-                <a:ext uri="{FF2B5EF4-FFF2-40B4-BE49-F238E27FC236}">
-                  <a16:creationId xmlns:a16="http://schemas.microsoft.com/office/drawing/2014/main" id="{B7B2B526-6875-4751-84CB-C87FBF0C190D}"/>
-                </a:ext>
-              </a:extLst>
-            </p:cNvPr>
-            <p:cNvCxnSpPr/>
-            <p:nvPr/>
-          </p:nvCxnSpPr>
-          <p:spPr>
-            <a:xfrm>
-              <a:off x="2115204" y="1336067"/>
-              <a:ext cx="584785" cy="0"/>
-            </a:xfrm>
-            <a:prstGeom prst="line">
-              <a:avLst/>
-            </a:prstGeom>
-            <a:ln w="15875">
-              <a:solidFill>
-                <a:schemeClr val="tx1"/>
-              </a:solidFill>
-            </a:ln>
-          </p:spPr>
-          <p:style>
-            <a:lnRef idx="1">
-              <a:schemeClr val="accent1"/>
-            </a:lnRef>
-            <a:fillRef idx="0">
-              <a:schemeClr val="accent1"/>
-            </a:fillRef>
-            <a:effectRef idx="0">
-              <a:schemeClr val="accent1"/>
-            </a:effectRef>
-            <a:fontRef idx="minor">
-              <a:schemeClr val="tx1"/>
-            </a:fontRef>
-          </p:style>
-        </p:cxnSp>
-      </p:grpSp>
-      <p:sp>
-        <p:nvSpPr>
-          <p:cNvPr id="114" name="TextBox 113">
-            <a:extLst>
-              <a:ext uri="{FF2B5EF4-FFF2-40B4-BE49-F238E27FC236}">
-                <a16:creationId xmlns:a16="http://schemas.microsoft.com/office/drawing/2014/main" id="{0CBDC3EA-16B2-432C-BAC7-9D3899C2584C}"/>
-              </a:ext>
-            </a:extLst>
-          </p:cNvPr>
-          <p:cNvSpPr txBox="1"/>
-          <p:nvPr/>
-        </p:nvSpPr>
-        <p:spPr>
-          <a:xfrm>
-            <a:off x="5518231" y="1719549"/>
-            <a:ext cx="1316386" cy="430887"/>
-          </a:xfrm>
-          <a:prstGeom prst="rect">
-            <a:avLst/>
-          </a:prstGeom>
-          <a:noFill/>
-        </p:spPr>
-        <p:txBody>
-          <a:bodyPr wrap="none" rtlCol="0">
-            <a:spAutoFit/>
-          </a:bodyPr>
-          <a:lstStyle/>
-          <a:p>
-            <a:pPr algn="ctr"/>
-            <a:r>
-              <a:rPr lang="en-US" sz="1100" b="1" dirty="0"/>
-              <a:t>Site and Year mean</a:t>
-            </a:r>
-          </a:p>
-          <a:p>
-            <a:pPr algn="ctr"/>
-            <a:r>
-              <a:rPr lang="en-US" sz="1100" dirty="0"/>
-              <a:t>4.3</a:t>
-            </a:r>
-          </a:p>
-        </p:txBody>
-      </p:sp>
-      <p:grpSp>
-        <p:nvGrpSpPr>
-          <p:cNvPr id="115" name="Group 114">
-            <a:extLst>
-              <a:ext uri="{FF2B5EF4-FFF2-40B4-BE49-F238E27FC236}">
-                <a16:creationId xmlns:a16="http://schemas.microsoft.com/office/drawing/2014/main" id="{E7D3E79F-2C2D-46C5-A5E4-9F83457E81F3}"/>
-              </a:ext>
-            </a:extLst>
-          </p:cNvPr>
-          <p:cNvGrpSpPr/>
-          <p:nvPr/>
-        </p:nvGrpSpPr>
-        <p:grpSpPr>
-          <a:xfrm>
-            <a:off x="5591113" y="2143909"/>
-            <a:ext cx="1245034" cy="600164"/>
-            <a:chOff x="1975556" y="943625"/>
-            <a:chExt cx="1245034" cy="600164"/>
-          </a:xfrm>
-        </p:grpSpPr>
-        <p:sp>
-          <p:nvSpPr>
-            <p:cNvPr id="116" name="TextBox 115">
-              <a:extLst>
-                <a:ext uri="{FF2B5EF4-FFF2-40B4-BE49-F238E27FC236}">
-                  <a16:creationId xmlns:a16="http://schemas.microsoft.com/office/drawing/2014/main" id="{4227A31B-ADAE-4A52-BAF8-2C136D66D48A}"/>
-                </a:ext>
-              </a:extLst>
-            </p:cNvPr>
-            <p:cNvSpPr txBox="1"/>
-            <p:nvPr/>
-          </p:nvSpPr>
-          <p:spPr>
-            <a:xfrm>
-              <a:off x="1975556" y="943625"/>
-              <a:ext cx="837089" cy="600164"/>
-            </a:xfrm>
-            <a:prstGeom prst="rect">
-              <a:avLst/>
-            </a:prstGeom>
-            <a:noFill/>
-          </p:spPr>
-          <p:txBody>
-            <a:bodyPr wrap="none" rtlCol="0">
-              <a:spAutoFit/>
-            </a:bodyPr>
-            <a:lstStyle/>
-            <a:p>
-              <a:pPr algn="ctr"/>
-              <a:r>
-                <a:rPr lang="en-US" sz="1100" b="1" dirty="0"/>
-                <a:t>Z-score</a:t>
-              </a:r>
-            </a:p>
-            <a:p>
-              <a:pPr algn="ctr"/>
-              <a:r>
-                <a:rPr lang="en-US" sz="1100" dirty="0"/>
-                <a:t>(4.3 – 3.65)</a:t>
-              </a:r>
-              <a:br>
-                <a:rPr lang="en-US" sz="1100" dirty="0"/>
-              </a:br>
-              <a:r>
-                <a:rPr lang="en-US" sz="1100" dirty="0"/>
-                <a:t>0.92 </a:t>
-              </a:r>
-            </a:p>
-          </p:txBody>
-        </p:sp>
-        <p:sp>
-          <p:nvSpPr>
-            <p:cNvPr id="117" name="TextBox 116">
-              <a:extLst>
-                <a:ext uri="{FF2B5EF4-FFF2-40B4-BE49-F238E27FC236}">
-                  <a16:creationId xmlns:a16="http://schemas.microsoft.com/office/drawing/2014/main" id="{6B96F7EA-EBBC-42AB-9700-E1EB400F6E64}"/>
-                </a:ext>
-              </a:extLst>
-            </p:cNvPr>
-            <p:cNvSpPr txBox="1"/>
-            <p:nvPr/>
-          </p:nvSpPr>
-          <p:spPr>
-            <a:xfrm>
-              <a:off x="2750589" y="1180089"/>
-              <a:ext cx="470001" cy="261610"/>
-            </a:xfrm>
-            <a:prstGeom prst="rect">
-              <a:avLst/>
-            </a:prstGeom>
-            <a:noFill/>
-          </p:spPr>
-          <p:txBody>
-            <a:bodyPr wrap="none" rtlCol="0">
-              <a:spAutoFit/>
-            </a:bodyPr>
-            <a:lstStyle/>
-            <a:p>
-              <a:pPr algn="ctr"/>
-              <a:r>
-                <a:rPr lang="en-US" sz="1100" b="1" dirty="0"/>
-                <a:t>= </a:t>
-              </a:r>
-              <a:r>
-                <a:rPr lang="en-US" sz="1100" dirty="0"/>
-                <a:t>0.7</a:t>
-              </a:r>
-            </a:p>
-          </p:txBody>
-        </p:sp>
-        <p:cxnSp>
-          <p:nvCxnSpPr>
-            <p:cNvPr id="118" name="Straight Connector 117">
-              <a:extLst>
-                <a:ext uri="{FF2B5EF4-FFF2-40B4-BE49-F238E27FC236}">
-                  <a16:creationId xmlns:a16="http://schemas.microsoft.com/office/drawing/2014/main" id="{5F327A6A-34CE-4FD7-AF35-B910CB626586}"/>
-                </a:ext>
-              </a:extLst>
-            </p:cNvPr>
-            <p:cNvCxnSpPr/>
-            <p:nvPr/>
-          </p:nvCxnSpPr>
-          <p:spPr>
-            <a:xfrm>
-              <a:off x="2121510" y="1336067"/>
-              <a:ext cx="584785" cy="0"/>
-            </a:xfrm>
-            <a:prstGeom prst="line">
-              <a:avLst/>
-            </a:prstGeom>
-            <a:ln w="15875">
-              <a:solidFill>
-                <a:schemeClr val="tx1"/>
-              </a:solidFill>
-            </a:ln>
-          </p:spPr>
-          <p:style>
-            <a:lnRef idx="1">
-              <a:schemeClr val="accent1"/>
-            </a:lnRef>
-            <a:fillRef idx="0">
-              <a:schemeClr val="accent1"/>
-            </a:fillRef>
-            <a:effectRef idx="0">
-              <a:schemeClr val="accent1"/>
-            </a:effectRef>
-            <a:fontRef idx="minor">
-              <a:schemeClr val="tx1"/>
-            </a:fontRef>
-          </p:style>
-        </p:cxnSp>
-      </p:grpSp>
-      <p:sp>
-        <p:nvSpPr>
-          <p:cNvPr id="119" name="TextBox 118">
-            <a:extLst>
-              <a:ext uri="{FF2B5EF4-FFF2-40B4-BE49-F238E27FC236}">
-                <a16:creationId xmlns:a16="http://schemas.microsoft.com/office/drawing/2014/main" id="{C2017ADA-ED80-4F53-B5E9-E734B25FD51C}"/>
-              </a:ext>
-            </a:extLst>
-          </p:cNvPr>
-          <p:cNvSpPr txBox="1"/>
-          <p:nvPr/>
-        </p:nvSpPr>
-        <p:spPr>
-          <a:xfrm>
-            <a:off x="5544509" y="2735897"/>
-            <a:ext cx="1316386" cy="430887"/>
-          </a:xfrm>
-          <a:prstGeom prst="rect">
-            <a:avLst/>
-          </a:prstGeom>
-          <a:noFill/>
-        </p:spPr>
-        <p:txBody>
-          <a:bodyPr wrap="none" rtlCol="0">
-            <a:spAutoFit/>
-          </a:bodyPr>
-          <a:lstStyle/>
-          <a:p>
-            <a:pPr algn="ctr"/>
-            <a:r>
-              <a:rPr lang="en-US" sz="1100" b="1" dirty="0"/>
-              <a:t>Site and Year mean</a:t>
-            </a:r>
-          </a:p>
-          <a:p>
-            <a:pPr algn="ctr"/>
-            <a:r>
-              <a:rPr lang="en-US" sz="1100" dirty="0"/>
-              <a:t>10.3</a:t>
-            </a:r>
-          </a:p>
-        </p:txBody>
-      </p:sp>
-      <p:grpSp>
-        <p:nvGrpSpPr>
-          <p:cNvPr id="120" name="Group 119">
-            <a:extLst>
-              <a:ext uri="{FF2B5EF4-FFF2-40B4-BE49-F238E27FC236}">
-                <a16:creationId xmlns:a16="http://schemas.microsoft.com/office/drawing/2014/main" id="{4648D32E-90BD-45E9-9D2E-656D04FDDEC2}"/>
-              </a:ext>
-            </a:extLst>
-          </p:cNvPr>
-          <p:cNvGrpSpPr/>
-          <p:nvPr/>
-        </p:nvGrpSpPr>
-        <p:grpSpPr>
-          <a:xfrm>
-            <a:off x="5545256" y="3160257"/>
-            <a:ext cx="1373275" cy="600164"/>
-            <a:chOff x="1903421" y="943625"/>
-            <a:chExt cx="1373275" cy="600164"/>
-          </a:xfrm>
-        </p:grpSpPr>
-        <p:sp>
-          <p:nvSpPr>
-            <p:cNvPr id="121" name="TextBox 120">
-              <a:extLst>
-                <a:ext uri="{FF2B5EF4-FFF2-40B4-BE49-F238E27FC236}">
-                  <a16:creationId xmlns:a16="http://schemas.microsoft.com/office/drawing/2014/main" id="{28093264-CDD9-4E84-865D-BBBFF74C77B9}"/>
-                </a:ext>
-              </a:extLst>
-            </p:cNvPr>
-            <p:cNvSpPr txBox="1"/>
-            <p:nvPr/>
-          </p:nvSpPr>
-          <p:spPr>
-            <a:xfrm>
-              <a:off x="1903421" y="943625"/>
-              <a:ext cx="981359" cy="600164"/>
-            </a:xfrm>
-            <a:prstGeom prst="rect">
-              <a:avLst/>
-            </a:prstGeom>
-            <a:noFill/>
-          </p:spPr>
-          <p:txBody>
-            <a:bodyPr wrap="none" rtlCol="0">
-              <a:spAutoFit/>
-            </a:bodyPr>
-            <a:lstStyle/>
-            <a:p>
-              <a:pPr algn="ctr"/>
-              <a:r>
-                <a:rPr lang="en-US" sz="1100" b="1" dirty="0"/>
-                <a:t>Z-score</a:t>
-              </a:r>
-            </a:p>
-            <a:p>
-              <a:pPr algn="ctr"/>
-              <a:r>
-                <a:rPr lang="en-US" sz="1100" dirty="0"/>
-                <a:t>(10.3 – 12.43)</a:t>
-              </a:r>
-              <a:br>
-                <a:rPr lang="en-US" sz="1100" dirty="0"/>
-              </a:br>
-              <a:r>
-                <a:rPr lang="en-US" sz="1100" dirty="0"/>
-                <a:t>1.91 </a:t>
-              </a:r>
-            </a:p>
-          </p:txBody>
-        </p:sp>
-        <p:sp>
-          <p:nvSpPr>
-            <p:cNvPr id="122" name="TextBox 121">
-              <a:extLst>
-                <a:ext uri="{FF2B5EF4-FFF2-40B4-BE49-F238E27FC236}">
-                  <a16:creationId xmlns:a16="http://schemas.microsoft.com/office/drawing/2014/main" id="{8E5122A9-F45C-42BF-AC36-1495D2047006}"/>
-                </a:ext>
-              </a:extLst>
-            </p:cNvPr>
-            <p:cNvSpPr txBox="1"/>
-            <p:nvPr/>
-          </p:nvSpPr>
-          <p:spPr>
-            <a:xfrm>
-              <a:off x="2694484" y="1180089"/>
-              <a:ext cx="582212" cy="261610"/>
-            </a:xfrm>
-            <a:prstGeom prst="rect">
-              <a:avLst/>
-            </a:prstGeom>
-            <a:noFill/>
-          </p:spPr>
-          <p:txBody>
-            <a:bodyPr wrap="none" rtlCol="0">
-              <a:spAutoFit/>
-            </a:bodyPr>
-            <a:lstStyle/>
-            <a:p>
-              <a:pPr algn="ctr"/>
-              <a:r>
-                <a:rPr lang="en-US" sz="1100" b="1" dirty="0"/>
-                <a:t>= </a:t>
-              </a:r>
-              <a:r>
-                <a:rPr lang="en-US" sz="1100" dirty="0"/>
-                <a:t>-1.12</a:t>
-              </a:r>
-            </a:p>
-          </p:txBody>
-        </p:sp>
-        <p:cxnSp>
-          <p:nvCxnSpPr>
-            <p:cNvPr id="123" name="Straight Connector 122">
-              <a:extLst>
-                <a:ext uri="{FF2B5EF4-FFF2-40B4-BE49-F238E27FC236}">
-                  <a16:creationId xmlns:a16="http://schemas.microsoft.com/office/drawing/2014/main" id="{11DB1AAB-CDB5-4AE4-B318-99A66DB19DFD}"/>
-                </a:ext>
-              </a:extLst>
-            </p:cNvPr>
-            <p:cNvCxnSpPr/>
-            <p:nvPr/>
-          </p:nvCxnSpPr>
-          <p:spPr>
-            <a:xfrm>
-              <a:off x="2121510" y="1336067"/>
-              <a:ext cx="584785" cy="0"/>
-            </a:xfrm>
-            <a:prstGeom prst="line">
-              <a:avLst/>
-            </a:prstGeom>
-            <a:ln w="15875">
-              <a:solidFill>
-                <a:schemeClr val="tx1"/>
-              </a:solidFill>
-            </a:ln>
-          </p:spPr>
-          <p:style>
-            <a:lnRef idx="1">
-              <a:schemeClr val="accent1"/>
-            </a:lnRef>
-            <a:fillRef idx="0">
-              <a:schemeClr val="accent1"/>
-            </a:fillRef>
-            <a:effectRef idx="0">
-              <a:schemeClr val="accent1"/>
-            </a:effectRef>
-            <a:fontRef idx="minor">
-              <a:schemeClr val="tx1"/>
-            </a:fontRef>
-          </p:style>
-        </p:cxnSp>
-      </p:grpSp>
-      <p:sp>
-        <p:nvSpPr>
-          <p:cNvPr id="124" name="TextBox 123">
-            <a:extLst>
-              <a:ext uri="{FF2B5EF4-FFF2-40B4-BE49-F238E27FC236}">
-                <a16:creationId xmlns:a16="http://schemas.microsoft.com/office/drawing/2014/main" id="{50ACC572-958B-443B-8C3C-BE14D33824D9}"/>
-              </a:ext>
-            </a:extLst>
-          </p:cNvPr>
-          <p:cNvSpPr txBox="1"/>
-          <p:nvPr/>
-        </p:nvSpPr>
-        <p:spPr>
-          <a:xfrm>
-            <a:off x="3817662" y="2774787"/>
-            <a:ext cx="1316386" cy="430887"/>
-          </a:xfrm>
-          <a:prstGeom prst="rect">
-            <a:avLst/>
-          </a:prstGeom>
-          <a:noFill/>
-        </p:spPr>
-        <p:txBody>
-          <a:bodyPr wrap="none" rtlCol="0">
-            <a:spAutoFit/>
-          </a:bodyPr>
-          <a:lstStyle/>
-          <a:p>
-            <a:pPr algn="ctr"/>
-            <a:r>
-              <a:rPr lang="en-US" sz="1100" b="1" dirty="0"/>
-              <a:t>Site and Year mean</a:t>
-            </a:r>
-          </a:p>
-          <a:p>
-            <a:pPr algn="ctr"/>
-            <a:r>
-              <a:rPr lang="en-US" sz="1100" dirty="0"/>
-              <a:t>14</a:t>
-            </a:r>
-          </a:p>
-        </p:txBody>
-      </p:sp>
-      <p:grpSp>
-        <p:nvGrpSpPr>
-          <p:cNvPr id="125" name="Group 124">
-            <a:extLst>
-              <a:ext uri="{FF2B5EF4-FFF2-40B4-BE49-F238E27FC236}">
-                <a16:creationId xmlns:a16="http://schemas.microsoft.com/office/drawing/2014/main" id="{4B1391B0-885F-4AE4-8AF3-4C1C38F48673}"/>
-              </a:ext>
-            </a:extLst>
-          </p:cNvPr>
-          <p:cNvGrpSpPr/>
-          <p:nvPr/>
-        </p:nvGrpSpPr>
-        <p:grpSpPr>
-          <a:xfrm>
-            <a:off x="3872111" y="3199147"/>
-            <a:ext cx="1297931" cy="600164"/>
-            <a:chOff x="1957123" y="943625"/>
-            <a:chExt cx="1297931" cy="600164"/>
-          </a:xfrm>
-        </p:grpSpPr>
-        <p:sp>
-          <p:nvSpPr>
-            <p:cNvPr id="126" name="TextBox 125">
-              <a:extLst>
-                <a:ext uri="{FF2B5EF4-FFF2-40B4-BE49-F238E27FC236}">
-                  <a16:creationId xmlns:a16="http://schemas.microsoft.com/office/drawing/2014/main" id="{0056F91C-D8E2-4B3E-B104-4450BEDBF4E8}"/>
-                </a:ext>
-              </a:extLst>
-            </p:cNvPr>
-            <p:cNvSpPr txBox="1"/>
-            <p:nvPr/>
-          </p:nvSpPr>
-          <p:spPr>
-            <a:xfrm>
-              <a:off x="1957123" y="943625"/>
-              <a:ext cx="873957" cy="600164"/>
-            </a:xfrm>
-            <a:prstGeom prst="rect">
-              <a:avLst/>
-            </a:prstGeom>
-            <a:noFill/>
-          </p:spPr>
-          <p:txBody>
-            <a:bodyPr wrap="none" rtlCol="0">
-              <a:spAutoFit/>
-            </a:bodyPr>
-            <a:lstStyle/>
-            <a:p>
-              <a:pPr algn="ctr"/>
-              <a:r>
-                <a:rPr lang="en-US" sz="1100" b="1" dirty="0"/>
-                <a:t>Z-score</a:t>
-              </a:r>
-            </a:p>
-            <a:p>
-              <a:pPr algn="ctr"/>
-              <a:r>
-                <a:rPr lang="en-US" sz="1100" dirty="0"/>
-                <a:t>(14 – 12.43)</a:t>
-              </a:r>
-              <a:br>
-                <a:rPr lang="en-US" sz="1100" dirty="0"/>
-              </a:br>
-              <a:r>
-                <a:rPr lang="en-US" sz="1100" dirty="0"/>
-                <a:t>1.91 </a:t>
-              </a:r>
-            </a:p>
-          </p:txBody>
-        </p:sp>
-        <p:sp>
-          <p:nvSpPr>
-            <p:cNvPr id="127" name="TextBox 126">
-              <a:extLst>
-                <a:ext uri="{FF2B5EF4-FFF2-40B4-BE49-F238E27FC236}">
-                  <a16:creationId xmlns:a16="http://schemas.microsoft.com/office/drawing/2014/main" id="{7EC1D9D6-7A9C-4696-9471-BE747BADF0A2}"/>
-                </a:ext>
-              </a:extLst>
-            </p:cNvPr>
-            <p:cNvSpPr txBox="1"/>
-            <p:nvPr/>
-          </p:nvSpPr>
-          <p:spPr>
-            <a:xfrm>
-              <a:off x="2716125" y="1180089"/>
-              <a:ext cx="538929" cy="261610"/>
-            </a:xfrm>
-            <a:prstGeom prst="rect">
-              <a:avLst/>
-            </a:prstGeom>
-            <a:noFill/>
-          </p:spPr>
-          <p:txBody>
-            <a:bodyPr wrap="none" rtlCol="0">
-              <a:spAutoFit/>
-            </a:bodyPr>
-            <a:lstStyle/>
-            <a:p>
-              <a:pPr algn="ctr"/>
-              <a:r>
-                <a:rPr lang="en-US" sz="1100" b="1" dirty="0"/>
-                <a:t>= </a:t>
-              </a:r>
-              <a:r>
-                <a:rPr lang="en-US" sz="1100" dirty="0"/>
-                <a:t>0.82</a:t>
-              </a:r>
-            </a:p>
-          </p:txBody>
-        </p:sp>
-        <p:cxnSp>
-          <p:nvCxnSpPr>
-            <p:cNvPr id="128" name="Straight Connector 127">
-              <a:extLst>
-                <a:ext uri="{FF2B5EF4-FFF2-40B4-BE49-F238E27FC236}">
-                  <a16:creationId xmlns:a16="http://schemas.microsoft.com/office/drawing/2014/main" id="{3784E78E-E3EB-4680-8C4A-FFE0DCE9E7E1}"/>
-                </a:ext>
-              </a:extLst>
-            </p:cNvPr>
-            <p:cNvCxnSpPr/>
-            <p:nvPr/>
-          </p:nvCxnSpPr>
-          <p:spPr>
-            <a:xfrm>
-              <a:off x="2121510" y="1336067"/>
-              <a:ext cx="584785" cy="0"/>
-            </a:xfrm>
-            <a:prstGeom prst="line">
-              <a:avLst/>
-            </a:prstGeom>
-            <a:ln w="15875">
-              <a:solidFill>
-                <a:schemeClr val="tx1"/>
-              </a:solidFill>
-            </a:ln>
-          </p:spPr>
-          <p:style>
-            <a:lnRef idx="1">
-              <a:schemeClr val="accent1"/>
-            </a:lnRef>
-            <a:fillRef idx="0">
-              <a:schemeClr val="accent1"/>
-            </a:fillRef>
-            <a:effectRef idx="0">
-              <a:schemeClr val="accent1"/>
-            </a:effectRef>
-            <a:fontRef idx="minor">
-              <a:schemeClr val="tx1"/>
-            </a:fontRef>
-          </p:style>
-        </p:cxnSp>
-      </p:grpSp>
-      <p:sp>
-        <p:nvSpPr>
-          <p:cNvPr id="129" name="TextBox 128">
-            <a:extLst>
-              <a:ext uri="{FF2B5EF4-FFF2-40B4-BE49-F238E27FC236}">
-                <a16:creationId xmlns:a16="http://schemas.microsoft.com/office/drawing/2014/main" id="{D339B13B-F819-4880-8E0D-CCCF7485ED0E}"/>
-              </a:ext>
-            </a:extLst>
-          </p:cNvPr>
-          <p:cNvSpPr txBox="1"/>
-          <p:nvPr/>
-        </p:nvSpPr>
-        <p:spPr>
-          <a:xfrm>
-            <a:off x="1964693" y="2788452"/>
-            <a:ext cx="1316386" cy="430887"/>
-          </a:xfrm>
-          <a:prstGeom prst="rect">
-            <a:avLst/>
-          </a:prstGeom>
-          <a:noFill/>
-        </p:spPr>
-        <p:txBody>
-          <a:bodyPr wrap="none" rtlCol="0">
-            <a:spAutoFit/>
-          </a:bodyPr>
-          <a:lstStyle/>
-          <a:p>
-            <a:pPr algn="ctr"/>
-            <a:r>
-              <a:rPr lang="en-US" sz="1100" b="1" dirty="0"/>
-              <a:t>Site and Year mean</a:t>
-            </a:r>
-          </a:p>
-          <a:p>
-            <a:pPr algn="ctr"/>
-            <a:r>
-              <a:rPr lang="en-US" sz="1100" dirty="0"/>
-              <a:t>13</a:t>
-            </a:r>
-          </a:p>
-        </p:txBody>
-      </p:sp>
-      <p:grpSp>
-        <p:nvGrpSpPr>
-          <p:cNvPr id="130" name="Group 129">
-            <a:extLst>
-              <a:ext uri="{FF2B5EF4-FFF2-40B4-BE49-F238E27FC236}">
-                <a16:creationId xmlns:a16="http://schemas.microsoft.com/office/drawing/2014/main" id="{2112ED87-36AE-49A5-A9E7-E32401A4EA32}"/>
-              </a:ext>
-            </a:extLst>
-          </p:cNvPr>
-          <p:cNvGrpSpPr/>
-          <p:nvPr/>
-        </p:nvGrpSpPr>
-        <p:grpSpPr>
-          <a:xfrm>
-            <a:off x="2019141" y="3212812"/>
-            <a:ext cx="1297932" cy="600164"/>
-            <a:chOff x="1957122" y="943625"/>
-            <a:chExt cx="1297932" cy="600164"/>
-          </a:xfrm>
-        </p:grpSpPr>
-        <p:sp>
-          <p:nvSpPr>
-            <p:cNvPr id="131" name="TextBox 130">
-              <a:extLst>
-                <a:ext uri="{FF2B5EF4-FFF2-40B4-BE49-F238E27FC236}">
-                  <a16:creationId xmlns:a16="http://schemas.microsoft.com/office/drawing/2014/main" id="{FF7E9A94-2C10-44AB-91EB-8AF4D6D06F02}"/>
-                </a:ext>
-              </a:extLst>
-            </p:cNvPr>
-            <p:cNvSpPr txBox="1"/>
-            <p:nvPr/>
-          </p:nvSpPr>
-          <p:spPr>
-            <a:xfrm>
-              <a:off x="1957122" y="943625"/>
-              <a:ext cx="873957" cy="600164"/>
-            </a:xfrm>
-            <a:prstGeom prst="rect">
-              <a:avLst/>
-            </a:prstGeom>
-            <a:noFill/>
-          </p:spPr>
-          <p:txBody>
-            <a:bodyPr wrap="none" rtlCol="0">
-              <a:spAutoFit/>
-            </a:bodyPr>
-            <a:lstStyle/>
-            <a:p>
-              <a:pPr algn="ctr"/>
-              <a:r>
-                <a:rPr lang="en-US" sz="1100" b="1" dirty="0"/>
-                <a:t>Z-score</a:t>
-              </a:r>
-            </a:p>
-            <a:p>
-              <a:pPr algn="ctr"/>
-              <a:r>
-                <a:rPr lang="en-US" sz="1100" dirty="0"/>
-                <a:t>(13 – 12.43)</a:t>
-              </a:r>
-              <a:br>
-                <a:rPr lang="en-US" sz="1100" dirty="0"/>
-              </a:br>
-              <a:r>
-                <a:rPr lang="en-US" sz="1100" dirty="0"/>
-                <a:t>1.91 </a:t>
-              </a:r>
-            </a:p>
-          </p:txBody>
-        </p:sp>
-        <p:sp>
-          <p:nvSpPr>
-            <p:cNvPr id="132" name="TextBox 131">
-              <a:extLst>
-                <a:ext uri="{FF2B5EF4-FFF2-40B4-BE49-F238E27FC236}">
-                  <a16:creationId xmlns:a16="http://schemas.microsoft.com/office/drawing/2014/main" id="{165956A5-53C0-49D2-A6BF-EEC73B0B526A}"/>
-                </a:ext>
-              </a:extLst>
-            </p:cNvPr>
-            <p:cNvSpPr txBox="1"/>
-            <p:nvPr/>
-          </p:nvSpPr>
-          <p:spPr>
-            <a:xfrm>
-              <a:off x="2716124" y="1180089"/>
-              <a:ext cx="538930" cy="261610"/>
-            </a:xfrm>
-            <a:prstGeom prst="rect">
-              <a:avLst/>
-            </a:prstGeom>
-            <a:noFill/>
-          </p:spPr>
-          <p:txBody>
-            <a:bodyPr wrap="none" rtlCol="0">
-              <a:spAutoFit/>
-            </a:bodyPr>
-            <a:lstStyle/>
-            <a:p>
-              <a:pPr algn="ctr"/>
-              <a:r>
-                <a:rPr lang="en-US" sz="1100" b="1" dirty="0"/>
-                <a:t>= </a:t>
-              </a:r>
-              <a:r>
-                <a:rPr lang="en-US" sz="1100" dirty="0"/>
-                <a:t>0.30</a:t>
-              </a:r>
-            </a:p>
-          </p:txBody>
-        </p:sp>
-        <p:cxnSp>
-          <p:nvCxnSpPr>
-            <p:cNvPr id="133" name="Straight Connector 132">
-              <a:extLst>
-                <a:ext uri="{FF2B5EF4-FFF2-40B4-BE49-F238E27FC236}">
-                  <a16:creationId xmlns:a16="http://schemas.microsoft.com/office/drawing/2014/main" id="{28A98C48-D08E-498B-98E5-11639C586DAF}"/>
-                </a:ext>
-              </a:extLst>
-            </p:cNvPr>
-            <p:cNvCxnSpPr/>
-            <p:nvPr/>
-          </p:nvCxnSpPr>
-          <p:spPr>
-            <a:xfrm>
-              <a:off x="2121510" y="1336067"/>
-              <a:ext cx="584785" cy="0"/>
-            </a:xfrm>
-            <a:prstGeom prst="line">
-              <a:avLst/>
-            </a:prstGeom>
-            <a:ln w="15875">
-              <a:solidFill>
-                <a:schemeClr val="tx1"/>
-              </a:solidFill>
-            </a:ln>
-          </p:spPr>
-          <p:style>
-            <a:lnRef idx="1">
-              <a:schemeClr val="accent1"/>
-            </a:lnRef>
-            <a:fillRef idx="0">
-              <a:schemeClr val="accent1"/>
-            </a:fillRef>
-            <a:effectRef idx="0">
-              <a:schemeClr val="accent1"/>
-            </a:effectRef>
-            <a:fontRef idx="minor">
-              <a:schemeClr val="tx1"/>
-            </a:fontRef>
-          </p:style>
-        </p:cxnSp>
+          </p:grpSpPr>
+          <p:grpSp>
+            <p:nvGrpSpPr>
+              <p:cNvPr id="204" name="Group 203">
+                <a:extLst>
+                  <a:ext uri="{FF2B5EF4-FFF2-40B4-BE49-F238E27FC236}">
+                    <a16:creationId xmlns:a16="http://schemas.microsoft.com/office/drawing/2014/main" id="{A01B96B2-635C-4BF5-90FB-6FE5CDC93E7F}"/>
+                  </a:ext>
+                </a:extLst>
+              </p:cNvPr>
+              <p:cNvGrpSpPr/>
+              <p:nvPr/>
+            </p:nvGrpSpPr>
+            <p:grpSpPr>
+              <a:xfrm>
+                <a:off x="1031360" y="613900"/>
+                <a:ext cx="457200" cy="932254"/>
+                <a:chOff x="1463877" y="519264"/>
+                <a:chExt cx="457200" cy="932254"/>
+              </a:xfrm>
+            </p:grpSpPr>
+            <p:sp>
+              <p:nvSpPr>
+                <p:cNvPr id="213" name="TextBox 212">
+                  <a:extLst>
+                    <a:ext uri="{FF2B5EF4-FFF2-40B4-BE49-F238E27FC236}">
+                      <a16:creationId xmlns:a16="http://schemas.microsoft.com/office/drawing/2014/main" id="{22D1D387-4040-400D-A8A2-11A0DCF57807}"/>
+                    </a:ext>
+                  </a:extLst>
+                </p:cNvPr>
+                <p:cNvSpPr txBox="1"/>
+                <p:nvPr/>
+              </p:nvSpPr>
+              <p:spPr>
+                <a:xfrm>
+                  <a:off x="1468698" y="519264"/>
+                  <a:ext cx="447559" cy="769441"/>
+                </a:xfrm>
+                <a:prstGeom prst="rect">
+                  <a:avLst/>
+                </a:prstGeom>
+                <a:noFill/>
+              </p:spPr>
+              <p:txBody>
+                <a:bodyPr wrap="none" rtlCol="0">
+                  <a:spAutoFit/>
+                </a:bodyPr>
+                <a:lstStyle/>
+                <a:p>
+                  <a:pPr algn="ctr"/>
+                  <a:r>
+                    <a:rPr lang="en-US" sz="1100" i="1" dirty="0"/>
+                    <a:t>data</a:t>
+                  </a:r>
+                </a:p>
+                <a:p>
+                  <a:pPr algn="ctr"/>
+                  <a:r>
+                    <a:rPr lang="en-US" sz="1100" dirty="0"/>
+                    <a:t>10</a:t>
+                  </a:r>
+                </a:p>
+                <a:p>
+                  <a:pPr algn="ctr"/>
+                  <a:r>
+                    <a:rPr lang="en-US" sz="1100" dirty="0"/>
+                    <a:t>12</a:t>
+                  </a:r>
+                </a:p>
+                <a:p>
+                  <a:pPr algn="ctr"/>
+                  <a:r>
+                    <a:rPr lang="en-US" sz="1100" dirty="0"/>
+                    <a:t>9</a:t>
+                  </a:r>
+                </a:p>
+              </p:txBody>
+            </p:sp>
+            <p:sp>
+              <p:nvSpPr>
+                <p:cNvPr id="214" name="Rectangle 213">
+                  <a:extLst>
+                    <a:ext uri="{FF2B5EF4-FFF2-40B4-BE49-F238E27FC236}">
+                      <a16:creationId xmlns:a16="http://schemas.microsoft.com/office/drawing/2014/main" id="{2139A641-5691-43F7-A76D-7B8CB7099F08}"/>
+                    </a:ext>
+                  </a:extLst>
+                </p:cNvPr>
+                <p:cNvSpPr/>
+                <p:nvPr/>
+              </p:nvSpPr>
+              <p:spPr>
+                <a:xfrm>
+                  <a:off x="1463877" y="537118"/>
+                  <a:ext cx="457200" cy="914400"/>
+                </a:xfrm>
+                <a:prstGeom prst="rect">
+                  <a:avLst/>
+                </a:prstGeom>
+                <a:noFill/>
+                <a:ln w="28575">
+                  <a:solidFill>
+                    <a:schemeClr val="bg2">
+                      <a:lumMod val="25000"/>
+                    </a:schemeClr>
+                  </a:solidFill>
+                </a:ln>
+              </p:spPr>
+              <p:style>
+                <a:lnRef idx="2">
+                  <a:schemeClr val="accent1">
+                    <a:shade val="50000"/>
+                  </a:schemeClr>
+                </a:lnRef>
+                <a:fillRef idx="1">
+                  <a:schemeClr val="accent1"/>
+                </a:fillRef>
+                <a:effectRef idx="0">
+                  <a:schemeClr val="accent1"/>
+                </a:effectRef>
+                <a:fontRef idx="minor">
+                  <a:schemeClr val="lt1"/>
+                </a:fontRef>
+              </p:style>
+              <p:txBody>
+                <a:bodyPr rtlCol="0" anchor="ctr"/>
+                <a:lstStyle/>
+                <a:p>
+                  <a:pPr algn="ctr"/>
+                  <a:endParaRPr lang="en-US"/>
+                </a:p>
+              </p:txBody>
+            </p:sp>
+          </p:grpSp>
+          <p:grpSp>
+            <p:nvGrpSpPr>
+              <p:cNvPr id="205" name="Group 204">
+                <a:extLst>
+                  <a:ext uri="{FF2B5EF4-FFF2-40B4-BE49-F238E27FC236}">
+                    <a16:creationId xmlns:a16="http://schemas.microsoft.com/office/drawing/2014/main" id="{5E717098-1E4C-456B-A36D-4EA74E7B7F64}"/>
+                  </a:ext>
+                </a:extLst>
+              </p:cNvPr>
+              <p:cNvGrpSpPr/>
+              <p:nvPr/>
+            </p:nvGrpSpPr>
+            <p:grpSpPr>
+              <a:xfrm>
+                <a:off x="1461878" y="562016"/>
+                <a:ext cx="1400024" cy="1036023"/>
+                <a:chOff x="1461878" y="562016"/>
+                <a:chExt cx="1400024" cy="1036023"/>
+              </a:xfrm>
+            </p:grpSpPr>
+            <p:sp>
+              <p:nvSpPr>
+                <p:cNvPr id="206" name="TextBox 205">
+                  <a:extLst>
+                    <a:ext uri="{FF2B5EF4-FFF2-40B4-BE49-F238E27FC236}">
+                      <a16:creationId xmlns:a16="http://schemas.microsoft.com/office/drawing/2014/main" id="{ADD0D959-3286-4615-AADA-DFA3E6A52FBE}"/>
+                    </a:ext>
+                  </a:extLst>
+                </p:cNvPr>
+                <p:cNvSpPr txBox="1"/>
+                <p:nvPr/>
+              </p:nvSpPr>
+              <p:spPr>
+                <a:xfrm>
+                  <a:off x="1516662" y="562016"/>
+                  <a:ext cx="1316386" cy="430887"/>
+                </a:xfrm>
+                <a:prstGeom prst="rect">
+                  <a:avLst/>
+                </a:prstGeom>
+                <a:noFill/>
+              </p:spPr>
+              <p:txBody>
+                <a:bodyPr wrap="none" rtlCol="0">
+                  <a:spAutoFit/>
+                </a:bodyPr>
+                <a:lstStyle/>
+                <a:p>
+                  <a:pPr algn="ctr"/>
+                  <a:r>
+                    <a:rPr lang="en-US" sz="1100" i="1" dirty="0"/>
+                    <a:t>Site and Year mean</a:t>
+                  </a:r>
+                </a:p>
+                <a:p>
+                  <a:pPr algn="ctr"/>
+                  <a:r>
+                    <a:rPr lang="en-US" sz="1100" dirty="0"/>
+                    <a:t>10.3</a:t>
+                  </a:r>
+                </a:p>
+              </p:txBody>
+            </p:sp>
+            <p:grpSp>
+              <p:nvGrpSpPr>
+                <p:cNvPr id="207" name="Group 206">
+                  <a:extLst>
+                    <a:ext uri="{FF2B5EF4-FFF2-40B4-BE49-F238E27FC236}">
+                      <a16:creationId xmlns:a16="http://schemas.microsoft.com/office/drawing/2014/main" id="{8517040C-3878-4D18-9737-A55DA341C41B}"/>
+                    </a:ext>
+                  </a:extLst>
+                </p:cNvPr>
+                <p:cNvGrpSpPr/>
+                <p:nvPr/>
+              </p:nvGrpSpPr>
+              <p:grpSpPr>
+                <a:xfrm>
+                  <a:off x="1461878" y="1167152"/>
+                  <a:ext cx="1391489" cy="430887"/>
+                  <a:chOff x="1457313" y="1067142"/>
+                  <a:chExt cx="1391489" cy="430887"/>
+                </a:xfrm>
+              </p:grpSpPr>
+              <p:sp>
+                <p:nvSpPr>
+                  <p:cNvPr id="209" name="TextBox 208">
+                    <a:extLst>
+                      <a:ext uri="{FF2B5EF4-FFF2-40B4-BE49-F238E27FC236}">
+                        <a16:creationId xmlns:a16="http://schemas.microsoft.com/office/drawing/2014/main" id="{6121EB08-82EC-41D9-B852-92EADCC3CB41}"/>
+                      </a:ext>
+                    </a:extLst>
+                  </p:cNvPr>
+                  <p:cNvSpPr txBox="1"/>
+                  <p:nvPr/>
+                </p:nvSpPr>
+                <p:spPr>
+                  <a:xfrm>
+                    <a:off x="2263384" y="1156112"/>
+                    <a:ext cx="585418" cy="261610"/>
+                  </a:xfrm>
+                  <a:prstGeom prst="rect">
+                    <a:avLst/>
+                  </a:prstGeom>
+                  <a:noFill/>
+                </p:spPr>
+                <p:txBody>
+                  <a:bodyPr wrap="none" rtlCol="0">
+                    <a:spAutoFit/>
+                  </a:bodyPr>
+                  <a:lstStyle/>
+                  <a:p>
+                    <a:pPr algn="ctr"/>
+                    <a:r>
+                      <a:rPr lang="en-US" sz="1100" b="1" dirty="0"/>
+                      <a:t>= </a:t>
+                    </a:r>
+                    <a:r>
+                      <a:rPr lang="en-US" sz="1100" b="1" dirty="0">
+                        <a:solidFill>
+                          <a:srgbClr val="00008B"/>
+                        </a:solidFill>
+                      </a:rPr>
+                      <a:t>-1.11</a:t>
+                    </a:r>
+                  </a:p>
+                </p:txBody>
+              </p:sp>
+              <p:grpSp>
+                <p:nvGrpSpPr>
+                  <p:cNvPr id="210" name="Group 209">
+                    <a:extLst>
+                      <a:ext uri="{FF2B5EF4-FFF2-40B4-BE49-F238E27FC236}">
+                        <a16:creationId xmlns:a16="http://schemas.microsoft.com/office/drawing/2014/main" id="{41CB295D-4C25-4FAC-882C-C67C26228C37}"/>
+                      </a:ext>
+                    </a:extLst>
+                  </p:cNvPr>
+                  <p:cNvGrpSpPr/>
+                  <p:nvPr/>
+                </p:nvGrpSpPr>
+                <p:grpSpPr>
+                  <a:xfrm>
+                    <a:off x="1457313" y="1067142"/>
+                    <a:ext cx="981359" cy="430887"/>
+                    <a:chOff x="1452497" y="966294"/>
+                    <a:chExt cx="981359" cy="430887"/>
+                  </a:xfrm>
+                </p:grpSpPr>
+                <p:sp>
+                  <p:nvSpPr>
+                    <p:cNvPr id="211" name="TextBox 210">
+                      <a:extLst>
+                        <a:ext uri="{FF2B5EF4-FFF2-40B4-BE49-F238E27FC236}">
+                          <a16:creationId xmlns:a16="http://schemas.microsoft.com/office/drawing/2014/main" id="{C26D201E-C4A9-44BE-994D-A4538F2427C5}"/>
+                        </a:ext>
+                      </a:extLst>
+                    </p:cNvPr>
+                    <p:cNvSpPr txBox="1"/>
+                    <p:nvPr/>
+                  </p:nvSpPr>
+                  <p:spPr>
+                    <a:xfrm>
+                      <a:off x="1452497" y="966294"/>
+                      <a:ext cx="981359" cy="430887"/>
+                    </a:xfrm>
+                    <a:prstGeom prst="rect">
+                      <a:avLst/>
+                    </a:prstGeom>
+                    <a:noFill/>
+                  </p:spPr>
+                  <p:txBody>
+                    <a:bodyPr wrap="none" rtlCol="0">
+                      <a:spAutoFit/>
+                    </a:bodyPr>
+                    <a:lstStyle/>
+                    <a:p>
+                      <a:pPr algn="ctr"/>
+                      <a:r>
+                        <a:rPr lang="en-US" sz="1100" dirty="0"/>
+                        <a:t>(10.3 – 12.42)</a:t>
+                      </a:r>
+                      <a:br>
+                        <a:rPr lang="en-US" sz="1100" dirty="0"/>
+                      </a:br>
+                      <a:r>
+                        <a:rPr lang="en-US" sz="1100" dirty="0"/>
+                        <a:t>1.91 </a:t>
+                      </a:r>
+                    </a:p>
+                  </p:txBody>
+                </p:sp>
+                <p:cxnSp>
+                  <p:nvCxnSpPr>
+                    <p:cNvPr id="212" name="Straight Connector 211">
+                      <a:extLst>
+                        <a:ext uri="{FF2B5EF4-FFF2-40B4-BE49-F238E27FC236}">
+                          <a16:creationId xmlns:a16="http://schemas.microsoft.com/office/drawing/2014/main" id="{C2912ABD-393E-461F-8700-242E6ABEA66E}"/>
+                        </a:ext>
+                      </a:extLst>
+                    </p:cNvPr>
+                    <p:cNvCxnSpPr>
+                      <a:cxnSpLocks/>
+                    </p:cNvCxnSpPr>
+                    <p:nvPr/>
+                  </p:nvCxnSpPr>
+                  <p:spPr>
+                    <a:xfrm>
+                      <a:off x="1586490" y="1191261"/>
+                      <a:ext cx="731520" cy="0"/>
+                    </a:xfrm>
+                    <a:prstGeom prst="line">
+                      <a:avLst/>
+                    </a:prstGeom>
+                    <a:ln w="15875">
+                      <a:solidFill>
+                        <a:schemeClr val="tx1"/>
+                      </a:solidFill>
+                    </a:ln>
+                  </p:spPr>
+                  <p:style>
+                    <a:lnRef idx="1">
+                      <a:schemeClr val="accent1"/>
+                    </a:lnRef>
+                    <a:fillRef idx="0">
+                      <a:schemeClr val="accent1"/>
+                    </a:fillRef>
+                    <a:effectRef idx="0">
+                      <a:schemeClr val="accent1"/>
+                    </a:effectRef>
+                    <a:fontRef idx="minor">
+                      <a:schemeClr val="tx1"/>
+                    </a:fontRef>
+                  </p:style>
+                </p:cxnSp>
+              </p:grpSp>
+            </p:grpSp>
+            <p:sp>
+              <p:nvSpPr>
+                <p:cNvPr id="208" name="Rectangle 207">
+                  <a:extLst>
+                    <a:ext uri="{FF2B5EF4-FFF2-40B4-BE49-F238E27FC236}">
+                      <a16:creationId xmlns:a16="http://schemas.microsoft.com/office/drawing/2014/main" id="{D4CDB1DE-EB33-4A43-8FDD-0C3A454D5385}"/>
+                    </a:ext>
+                  </a:extLst>
+                </p:cNvPr>
+                <p:cNvSpPr/>
+                <p:nvPr/>
+              </p:nvSpPr>
+              <p:spPr>
+                <a:xfrm>
+                  <a:off x="1487808" y="984093"/>
+                  <a:ext cx="1374094" cy="261610"/>
+                </a:xfrm>
+                <a:prstGeom prst="rect">
+                  <a:avLst/>
+                </a:prstGeom>
+              </p:spPr>
+              <p:txBody>
+                <a:bodyPr wrap="none">
+                  <a:spAutoFit/>
+                </a:bodyPr>
+                <a:lstStyle/>
+                <a:p>
+                  <a:pPr algn="ctr"/>
+                  <a:r>
+                    <a:rPr lang="en-US" sz="1100" i="1" dirty="0"/>
+                    <a:t>Site and Year Z-score</a:t>
+                  </a:r>
+                </a:p>
+              </p:txBody>
+            </p:sp>
+          </p:grpSp>
+        </p:grpSp>
       </p:grpSp>
     </p:spTree>
     <p:extLst>
       <p:ext uri="{BB962C8B-B14F-4D97-AF65-F5344CB8AC3E}">
-        <p14:creationId xmlns:p14="http://schemas.microsoft.com/office/powerpoint/2010/main" val="4037393715"/>
+        <p14:creationId xmlns:p14="http://schemas.microsoft.com/office/powerpoint/2010/main" val="1258879937"/>
       </p:ext>
     </p:extLst>
   </p:cSld>

--- a/figures/z-score_schematic.pptx
+++ b/figures/z-score_schematic.pptx
@@ -117,899 +117,12 @@
   <pc:docChgLst>
     <pc:chgData name="Hollister, Jeff" userId="90904e2a-aa82-465e-9922-afce4bc6d524" providerId="ADAL" clId="{ED486670-7F59-4038-B9BC-E9238978F7A3}"/>
     <pc:docChg chg="undo redo custSel delSld modSld">
-      <pc:chgData name="Hollister, Jeff" userId="90904e2a-aa82-465e-9922-afce4bc6d524" providerId="ADAL" clId="{ED486670-7F59-4038-B9BC-E9238978F7A3}" dt="2019-05-06T17:24:18.589" v="2381" actId="20577"/>
+      <pc:chgData name="Hollister, Jeff" userId="90904e2a-aa82-465e-9922-afce4bc6d524" providerId="ADAL" clId="{ED486670-7F59-4038-B9BC-E9238978F7A3}" dt="2019-05-14T12:46:40.107" v="2437" actId="20577"/>
       <pc:docMkLst>
         <pc:docMk/>
       </pc:docMkLst>
-      <pc:sldChg chg="addSp delSp modSp del">
-        <pc:chgData name="Hollister, Jeff" userId="90904e2a-aa82-465e-9922-afce4bc6d524" providerId="ADAL" clId="{ED486670-7F59-4038-B9BC-E9238978F7A3}" dt="2019-05-06T14:14:19.989" v="2261" actId="2696"/>
-        <pc:sldMkLst>
-          <pc:docMk/>
-          <pc:sldMk cId="4037393715" sldId="256"/>
-        </pc:sldMkLst>
-        <pc:spChg chg="add mod">
-          <ac:chgData name="Hollister, Jeff" userId="90904e2a-aa82-465e-9922-afce4bc6d524" providerId="ADAL" clId="{ED486670-7F59-4038-B9BC-E9238978F7A3}" dt="2019-05-06T12:58:20.559" v="1568" actId="164"/>
-          <ac:spMkLst>
-            <pc:docMk/>
-            <pc:sldMk cId="4037393715" sldId="256"/>
-            <ac:spMk id="2" creationId="{6C56BEAB-01BB-4A01-9A49-8F5AF03418B2}"/>
-          </ac:spMkLst>
-        </pc:spChg>
-        <pc:spChg chg="add del mod">
-          <ac:chgData name="Hollister, Jeff" userId="90904e2a-aa82-465e-9922-afce4bc6d524" providerId="ADAL" clId="{ED486670-7F59-4038-B9BC-E9238978F7A3}" dt="2019-05-02T17:52:19.352" v="216" actId="478"/>
-          <ac:spMkLst>
-            <pc:docMk/>
-            <pc:sldMk cId="4037393715" sldId="256"/>
-            <ac:spMk id="3" creationId="{6C369E69-8F2A-48AA-82F4-6E325A09508B}"/>
-          </ac:spMkLst>
-        </pc:spChg>
-        <pc:spChg chg="mod">
-          <ac:chgData name="Hollister, Jeff" userId="90904e2a-aa82-465e-9922-afce4bc6d524" providerId="ADAL" clId="{ED486670-7F59-4038-B9BC-E9238978F7A3}" dt="2019-05-06T12:57:35.446" v="1534" actId="1037"/>
-          <ac:spMkLst>
-            <pc:docMk/>
-            <pc:sldMk cId="4037393715" sldId="256"/>
-            <ac:spMk id="4" creationId="{9DAAA7D2-1A2B-4088-BAD1-9556A15760E2}"/>
-          </ac:spMkLst>
-        </pc:spChg>
-        <pc:spChg chg="mod">
-          <ac:chgData name="Hollister, Jeff" userId="90904e2a-aa82-465e-9922-afce4bc6d524" providerId="ADAL" clId="{ED486670-7F59-4038-B9BC-E9238978F7A3}" dt="2019-05-06T12:57:35.446" v="1534" actId="1037"/>
-          <ac:spMkLst>
-            <pc:docMk/>
-            <pc:sldMk cId="4037393715" sldId="256"/>
-            <ac:spMk id="5" creationId="{8C9786EB-34F3-4C77-BDCA-E8BD08FE1D11}"/>
-          </ac:spMkLst>
-        </pc:spChg>
-        <pc:spChg chg="mod">
-          <ac:chgData name="Hollister, Jeff" userId="90904e2a-aa82-465e-9922-afce4bc6d524" providerId="ADAL" clId="{ED486670-7F59-4038-B9BC-E9238978F7A3}" dt="2019-05-06T12:57:35.446" v="1534" actId="1037"/>
-          <ac:spMkLst>
-            <pc:docMk/>
-            <pc:sldMk cId="4037393715" sldId="256"/>
-            <ac:spMk id="6" creationId="{6A1187EE-F5D0-4199-837E-29800767DC0A}"/>
-          </ac:spMkLst>
-        </pc:spChg>
-        <pc:spChg chg="mod">
-          <ac:chgData name="Hollister, Jeff" userId="90904e2a-aa82-465e-9922-afce4bc6d524" providerId="ADAL" clId="{ED486670-7F59-4038-B9BC-E9238978F7A3}" dt="2019-05-02T16:27:43.096" v="210" actId="255"/>
-          <ac:spMkLst>
-            <pc:docMk/>
-            <pc:sldMk cId="4037393715" sldId="256"/>
-            <ac:spMk id="7" creationId="{78AB19B3-7DF4-4103-B447-9726179C1822}"/>
-          </ac:spMkLst>
-        </pc:spChg>
-        <pc:spChg chg="mod">
-          <ac:chgData name="Hollister, Jeff" userId="90904e2a-aa82-465e-9922-afce4bc6d524" providerId="ADAL" clId="{ED486670-7F59-4038-B9BC-E9238978F7A3}" dt="2019-05-02T16:27:50.417" v="213" actId="404"/>
-          <ac:spMkLst>
-            <pc:docMk/>
-            <pc:sldMk cId="4037393715" sldId="256"/>
-            <ac:spMk id="8" creationId="{4CA24146-E92A-4417-8FA0-B675C21987B3}"/>
-          </ac:spMkLst>
-        </pc:spChg>
-        <pc:spChg chg="mod">
-          <ac:chgData name="Hollister, Jeff" userId="90904e2a-aa82-465e-9922-afce4bc6d524" providerId="ADAL" clId="{ED486670-7F59-4038-B9BC-E9238978F7A3}" dt="2019-05-02T16:27:54.568" v="214" actId="404"/>
-          <ac:spMkLst>
-            <pc:docMk/>
-            <pc:sldMk cId="4037393715" sldId="256"/>
-            <ac:spMk id="9" creationId="{AFC3A614-EDF0-4DE1-A14E-AEA75B26B4BB}"/>
-          </ac:spMkLst>
-        </pc:spChg>
-        <pc:spChg chg="add del mod">
-          <ac:chgData name="Hollister, Jeff" userId="90904e2a-aa82-465e-9922-afce4bc6d524" providerId="ADAL" clId="{ED486670-7F59-4038-B9BC-E9238978F7A3}" dt="2019-05-02T17:52:22.126" v="217" actId="478"/>
-          <ac:spMkLst>
-            <pc:docMk/>
-            <pc:sldMk cId="4037393715" sldId="256"/>
-            <ac:spMk id="10" creationId="{366AC054-ECA9-4FC9-B2C4-A032A508C6AB}"/>
-          </ac:spMkLst>
-        </pc:spChg>
-        <pc:spChg chg="del mod">
-          <ac:chgData name="Hollister, Jeff" userId="90904e2a-aa82-465e-9922-afce4bc6d524" providerId="ADAL" clId="{ED486670-7F59-4038-B9BC-E9238978F7A3}" dt="2019-05-02T16:01:56.680" v="1" actId="478"/>
-          <ac:spMkLst>
-            <pc:docMk/>
-            <pc:sldMk cId="4037393715" sldId="256"/>
-            <ac:spMk id="12" creationId="{E26FC335-6470-4F65-A27A-ABD6BF72AF20}"/>
-          </ac:spMkLst>
-        </pc:spChg>
-        <pc:spChg chg="del">
-          <ac:chgData name="Hollister, Jeff" userId="90904e2a-aa82-465e-9922-afce4bc6d524" providerId="ADAL" clId="{ED486670-7F59-4038-B9BC-E9238978F7A3}" dt="2019-05-02T16:02:15.785" v="9" actId="478"/>
-          <ac:spMkLst>
-            <pc:docMk/>
-            <pc:sldMk cId="4037393715" sldId="256"/>
-            <ac:spMk id="13" creationId="{1F89BDFB-FD54-443B-89A7-0E102DD69BE0}"/>
-          </ac:spMkLst>
-        </pc:spChg>
-        <pc:spChg chg="del">
-          <ac:chgData name="Hollister, Jeff" userId="90904e2a-aa82-465e-9922-afce4bc6d524" providerId="ADAL" clId="{ED486670-7F59-4038-B9BC-E9238978F7A3}" dt="2019-05-02T16:02:17.345" v="10" actId="478"/>
-          <ac:spMkLst>
-            <pc:docMk/>
-            <pc:sldMk cId="4037393715" sldId="256"/>
-            <ac:spMk id="14" creationId="{04BE2884-0EA2-42F3-AFAC-B726D945C13C}"/>
-          </ac:spMkLst>
-        </pc:spChg>
-        <pc:spChg chg="del">
-          <ac:chgData name="Hollister, Jeff" userId="90904e2a-aa82-465e-9922-afce4bc6d524" providerId="ADAL" clId="{ED486670-7F59-4038-B9BC-E9238978F7A3}" dt="2019-05-02T16:02:05.513" v="4" actId="478"/>
-          <ac:spMkLst>
-            <pc:docMk/>
-            <pc:sldMk cId="4037393715" sldId="256"/>
-            <ac:spMk id="15" creationId="{364F0BFC-4DF9-447D-8450-9101085C5177}"/>
-          </ac:spMkLst>
-        </pc:spChg>
-        <pc:spChg chg="del">
-          <ac:chgData name="Hollister, Jeff" userId="90904e2a-aa82-465e-9922-afce4bc6d524" providerId="ADAL" clId="{ED486670-7F59-4038-B9BC-E9238978F7A3}" dt="2019-05-02T16:02:14.191" v="8" actId="478"/>
-          <ac:spMkLst>
-            <pc:docMk/>
-            <pc:sldMk cId="4037393715" sldId="256"/>
-            <ac:spMk id="17" creationId="{E9E1D1D6-1D8E-4CC9-ADFB-B6C2841046AA}"/>
-          </ac:spMkLst>
-        </pc:spChg>
-        <pc:spChg chg="del">
-          <ac:chgData name="Hollister, Jeff" userId="90904e2a-aa82-465e-9922-afce4bc6d524" providerId="ADAL" clId="{ED486670-7F59-4038-B9BC-E9238978F7A3}" dt="2019-05-02T16:02:07.391" v="5" actId="478"/>
-          <ac:spMkLst>
-            <pc:docMk/>
-            <pc:sldMk cId="4037393715" sldId="256"/>
-            <ac:spMk id="19" creationId="{50611B56-33EC-45D0-B906-B855C8DDF2E9}"/>
-          </ac:spMkLst>
-        </pc:spChg>
-        <pc:spChg chg="del">
-          <ac:chgData name="Hollister, Jeff" userId="90904e2a-aa82-465e-9922-afce4bc6d524" providerId="ADAL" clId="{ED486670-7F59-4038-B9BC-E9238978F7A3}" dt="2019-05-02T16:02:09.602" v="6" actId="478"/>
-          <ac:spMkLst>
-            <pc:docMk/>
-            <pc:sldMk cId="4037393715" sldId="256"/>
-            <ac:spMk id="20" creationId="{2C863259-D288-4427-A5DA-64C647A8BA5E}"/>
-          </ac:spMkLst>
-        </pc:spChg>
-        <pc:spChg chg="del">
-          <ac:chgData name="Hollister, Jeff" userId="90904e2a-aa82-465e-9922-afce4bc6d524" providerId="ADAL" clId="{ED486670-7F59-4038-B9BC-E9238978F7A3}" dt="2019-05-02T16:02:12.603" v="7" actId="478"/>
-          <ac:spMkLst>
-            <pc:docMk/>
-            <pc:sldMk cId="4037393715" sldId="256"/>
-            <ac:spMk id="21" creationId="{562B3502-CD93-41AA-AC03-E1E62B619144}"/>
-          </ac:spMkLst>
-        </pc:spChg>
-        <pc:spChg chg="mod topLvl">
-          <ac:chgData name="Hollister, Jeff" userId="90904e2a-aa82-465e-9922-afce4bc6d524" providerId="ADAL" clId="{ED486670-7F59-4038-B9BC-E9238978F7A3}" dt="2019-05-06T12:29:42.082" v="1477" actId="1036"/>
-          <ac:spMkLst>
-            <pc:docMk/>
-            <pc:sldMk cId="4037393715" sldId="256"/>
-            <ac:spMk id="46" creationId="{C3A20179-B135-43EF-8DAB-9E7F9E30EB7E}"/>
-          </ac:spMkLst>
-        </pc:spChg>
-        <pc:spChg chg="mod topLvl">
-          <ac:chgData name="Hollister, Jeff" userId="90904e2a-aa82-465e-9922-afce4bc6d524" providerId="ADAL" clId="{ED486670-7F59-4038-B9BC-E9238978F7A3}" dt="2019-05-06T12:29:42.082" v="1477" actId="1036"/>
-          <ac:spMkLst>
-            <pc:docMk/>
-            <pc:sldMk cId="4037393715" sldId="256"/>
-            <ac:spMk id="47" creationId="{FE0C46E8-9AEC-473D-A4E5-7E175F91BEBD}"/>
-          </ac:spMkLst>
-        </pc:spChg>
-        <pc:spChg chg="mod topLvl">
-          <ac:chgData name="Hollister, Jeff" userId="90904e2a-aa82-465e-9922-afce4bc6d524" providerId="ADAL" clId="{ED486670-7F59-4038-B9BC-E9238978F7A3}" dt="2019-05-06T12:29:42.082" v="1477" actId="1036"/>
-          <ac:spMkLst>
-            <pc:docMk/>
-            <pc:sldMk cId="4037393715" sldId="256"/>
-            <ac:spMk id="48" creationId="{643CB40A-4BCF-4B4D-8D89-F0145DFA33D3}"/>
-          </ac:spMkLst>
-        </pc:spChg>
-        <pc:spChg chg="add mod">
-          <ac:chgData name="Hollister, Jeff" userId="90904e2a-aa82-465e-9922-afce4bc6d524" providerId="ADAL" clId="{ED486670-7F59-4038-B9BC-E9238978F7A3}" dt="2019-05-06T12:58:35.769" v="1570" actId="164"/>
-          <ac:spMkLst>
-            <pc:docMk/>
-            <pc:sldMk cId="4037393715" sldId="256"/>
-            <ac:spMk id="49" creationId="{C0EDB5EE-0710-4F80-A28A-F28C8344FD08}"/>
-          </ac:spMkLst>
-        </pc:spChg>
-        <pc:spChg chg="add mod">
-          <ac:chgData name="Hollister, Jeff" userId="90904e2a-aa82-465e-9922-afce4bc6d524" providerId="ADAL" clId="{ED486670-7F59-4038-B9BC-E9238978F7A3}" dt="2019-05-06T12:58:46.685" v="1572" actId="164"/>
-          <ac:spMkLst>
-            <pc:docMk/>
-            <pc:sldMk cId="4037393715" sldId="256"/>
-            <ac:spMk id="50" creationId="{EEC9AD62-41CA-446F-BF69-BDDBB3D2CEF9}"/>
-          </ac:spMkLst>
-        </pc:spChg>
-        <pc:spChg chg="add del mod">
-          <ac:chgData name="Hollister, Jeff" userId="90904e2a-aa82-465e-9922-afce4bc6d524" providerId="ADAL" clId="{ED486670-7F59-4038-B9BC-E9238978F7A3}" dt="2019-05-02T17:52:26.451" v="219" actId="478"/>
-          <ac:spMkLst>
-            <pc:docMk/>
-            <pc:sldMk cId="4037393715" sldId="256"/>
-            <ac:spMk id="51" creationId="{199FB866-3BE1-43EF-BE72-8F021F0FC074}"/>
-          </ac:spMkLst>
-        </pc:spChg>
-        <pc:spChg chg="add del">
-          <ac:chgData name="Hollister, Jeff" userId="90904e2a-aa82-465e-9922-afce4bc6d524" providerId="ADAL" clId="{ED486670-7F59-4038-B9BC-E9238978F7A3}" dt="2019-05-02T16:03:59.492" v="37" actId="478"/>
-          <ac:spMkLst>
-            <pc:docMk/>
-            <pc:sldMk cId="4037393715" sldId="256"/>
-            <ac:spMk id="52" creationId="{6DC39AA0-064C-4879-A93C-72B80A76D3CF}"/>
-          </ac:spMkLst>
-        </pc:spChg>
-        <pc:spChg chg="mod">
-          <ac:chgData name="Hollister, Jeff" userId="90904e2a-aa82-465e-9922-afce4bc6d524" providerId="ADAL" clId="{ED486670-7F59-4038-B9BC-E9238978F7A3}" dt="2019-05-06T12:58:20.559" v="1568" actId="164"/>
-          <ac:spMkLst>
-            <pc:docMk/>
-            <pc:sldMk cId="4037393715" sldId="256"/>
-            <ac:spMk id="53" creationId="{63E96BA2-DCBA-4505-BDD2-C510302C3B6B}"/>
-          </ac:spMkLst>
-        </pc:spChg>
-        <pc:spChg chg="del">
-          <ac:chgData name="Hollister, Jeff" userId="90904e2a-aa82-465e-9922-afce4bc6d524" providerId="ADAL" clId="{ED486670-7F59-4038-B9BC-E9238978F7A3}" dt="2019-05-02T16:19:08.982" v="142" actId="478"/>
-          <ac:spMkLst>
-            <pc:docMk/>
-            <pc:sldMk cId="4037393715" sldId="256"/>
-            <ac:spMk id="54" creationId="{0A030AEA-041C-426D-9CE6-CD55B2C6FDD3}"/>
-          </ac:spMkLst>
-        </pc:spChg>
-        <pc:spChg chg="del mod">
-          <ac:chgData name="Hollister, Jeff" userId="90904e2a-aa82-465e-9922-afce4bc6d524" providerId="ADAL" clId="{ED486670-7F59-4038-B9BC-E9238978F7A3}" dt="2019-05-02T16:19:24.005" v="148"/>
-          <ac:spMkLst>
-            <pc:docMk/>
-            <pc:sldMk cId="4037393715" sldId="256"/>
-            <ac:spMk id="55" creationId="{4F105DC3-8040-4C49-BD22-72A8193C024A}"/>
-          </ac:spMkLst>
-        </pc:spChg>
-        <pc:spChg chg="del mod">
-          <ac:chgData name="Hollister, Jeff" userId="90904e2a-aa82-465e-9922-afce4bc6d524" providerId="ADAL" clId="{ED486670-7F59-4038-B9BC-E9238978F7A3}" dt="2019-05-02T17:57:44.616" v="365"/>
-          <ac:spMkLst>
-            <pc:docMk/>
-            <pc:sldMk cId="4037393715" sldId="256"/>
-            <ac:spMk id="56" creationId="{8CF07A81-401C-4295-BBCB-08E28EC6D233}"/>
-          </ac:spMkLst>
-        </pc:spChg>
-        <pc:spChg chg="del mod">
-          <ac:chgData name="Hollister, Jeff" userId="90904e2a-aa82-465e-9922-afce4bc6d524" providerId="ADAL" clId="{ED486670-7F59-4038-B9BC-E9238978F7A3}" dt="2019-05-02T17:57:44.615" v="363" actId="478"/>
-          <ac:spMkLst>
-            <pc:docMk/>
-            <pc:sldMk cId="4037393715" sldId="256"/>
-            <ac:spMk id="57" creationId="{CB82CA4F-7C37-48D6-B4A7-015B5EABBBF8}"/>
-          </ac:spMkLst>
-        </pc:spChg>
-        <pc:spChg chg="del">
-          <ac:chgData name="Hollister, Jeff" userId="90904e2a-aa82-465e-9922-afce4bc6d524" providerId="ADAL" clId="{ED486670-7F59-4038-B9BC-E9238978F7A3}" dt="2019-05-02T17:57:46.682" v="366" actId="478"/>
-          <ac:spMkLst>
-            <pc:docMk/>
-            <pc:sldMk cId="4037393715" sldId="256"/>
-            <ac:spMk id="58" creationId="{5670797B-7396-4519-BE29-9FAC9DAEA24E}"/>
-          </ac:spMkLst>
-        </pc:spChg>
-        <pc:spChg chg="add del mod">
-          <ac:chgData name="Hollister, Jeff" userId="90904e2a-aa82-465e-9922-afce4bc6d524" providerId="ADAL" clId="{ED486670-7F59-4038-B9BC-E9238978F7A3}" dt="2019-05-02T18:16:59.903" v="502" actId="478"/>
-          <ac:spMkLst>
-            <pc:docMk/>
-            <pc:sldMk cId="4037393715" sldId="256"/>
-            <ac:spMk id="59" creationId="{A1DFE03C-224B-4232-B820-8D810003A5C6}"/>
-          </ac:spMkLst>
-        </pc:spChg>
-        <pc:spChg chg="del mod">
-          <ac:chgData name="Hollister, Jeff" userId="90904e2a-aa82-465e-9922-afce4bc6d524" providerId="ADAL" clId="{ED486670-7F59-4038-B9BC-E9238978F7A3}" dt="2019-05-02T18:17:49.868" v="522" actId="478"/>
-          <ac:spMkLst>
-            <pc:docMk/>
-            <pc:sldMk cId="4037393715" sldId="256"/>
-            <ac:spMk id="60" creationId="{34A0E35A-E8F9-4964-A87B-E0B3938DC33E}"/>
-          </ac:spMkLst>
-        </pc:spChg>
-        <pc:spChg chg="del mod">
-          <ac:chgData name="Hollister, Jeff" userId="90904e2a-aa82-465e-9922-afce4bc6d524" providerId="ADAL" clId="{ED486670-7F59-4038-B9BC-E9238978F7A3}" dt="2019-05-02T16:19:31.538" v="151" actId="478"/>
-          <ac:spMkLst>
-            <pc:docMk/>
-            <pc:sldMk cId="4037393715" sldId="256"/>
-            <ac:spMk id="61" creationId="{DBB47FA4-DE84-4340-A88B-3C2EF6E6AB68}"/>
-          </ac:spMkLst>
-        </pc:spChg>
-        <pc:spChg chg="add del mod">
-          <ac:chgData name="Hollister, Jeff" userId="90904e2a-aa82-465e-9922-afce4bc6d524" providerId="ADAL" clId="{ED486670-7F59-4038-B9BC-E9238978F7A3}" dt="2019-05-02T18:18:36.153" v="537" actId="478"/>
-          <ac:spMkLst>
-            <pc:docMk/>
-            <pc:sldMk cId="4037393715" sldId="256"/>
-            <ac:spMk id="62" creationId="{5722917B-5E11-4324-86D2-F79F1C23B6FB}"/>
-          </ac:spMkLst>
-        </pc:spChg>
-        <pc:spChg chg="del mod">
-          <ac:chgData name="Hollister, Jeff" userId="90904e2a-aa82-465e-9922-afce4bc6d524" providerId="ADAL" clId="{ED486670-7F59-4038-B9BC-E9238978F7A3}" dt="2019-05-02T16:22:20.220" v="174" actId="478"/>
-          <ac:spMkLst>
-            <pc:docMk/>
-            <pc:sldMk cId="4037393715" sldId="256"/>
-            <ac:spMk id="63" creationId="{FA603794-3FE2-47F2-8550-98A888649FE8}"/>
-          </ac:spMkLst>
-        </pc:spChg>
-        <pc:spChg chg="del">
-          <ac:chgData name="Hollister, Jeff" userId="90904e2a-aa82-465e-9922-afce4bc6d524" providerId="ADAL" clId="{ED486670-7F59-4038-B9BC-E9238978F7A3}" dt="2019-05-02T16:22:23.131" v="175" actId="478"/>
-          <ac:spMkLst>
-            <pc:docMk/>
-            <pc:sldMk cId="4037393715" sldId="256"/>
-            <ac:spMk id="64" creationId="{52601761-FDEE-4B0E-8BD2-4FE70C22DBC1}"/>
-          </ac:spMkLst>
-        </pc:spChg>
-        <pc:spChg chg="del">
-          <ac:chgData name="Hollister, Jeff" userId="90904e2a-aa82-465e-9922-afce4bc6d524" providerId="ADAL" clId="{ED486670-7F59-4038-B9BC-E9238978F7A3}" dt="2019-05-02T16:22:25.268" v="176" actId="478"/>
-          <ac:spMkLst>
-            <pc:docMk/>
-            <pc:sldMk cId="4037393715" sldId="256"/>
-            <ac:spMk id="65" creationId="{081DC5C0-5968-476B-AC01-5DD30BBA1A5B}"/>
-          </ac:spMkLst>
-        </pc:spChg>
-        <pc:spChg chg="add del mod">
-          <ac:chgData name="Hollister, Jeff" userId="90904e2a-aa82-465e-9922-afce4bc6d524" providerId="ADAL" clId="{ED486670-7F59-4038-B9BC-E9238978F7A3}" dt="2019-05-02T17:52:25.079" v="218" actId="478"/>
-          <ac:spMkLst>
-            <pc:docMk/>
-            <pc:sldMk cId="4037393715" sldId="256"/>
-            <ac:spMk id="66" creationId="{11AD7CB3-59FC-41DB-8224-0D399B64038E}"/>
-          </ac:spMkLst>
-        </pc:spChg>
-        <pc:spChg chg="add del mod">
-          <ac:chgData name="Hollister, Jeff" userId="90904e2a-aa82-465e-9922-afce4bc6d524" providerId="ADAL" clId="{ED486670-7F59-4038-B9BC-E9238978F7A3}" dt="2019-05-02T17:52:27.597" v="220" actId="478"/>
-          <ac:spMkLst>
-            <pc:docMk/>
-            <pc:sldMk cId="4037393715" sldId="256"/>
-            <ac:spMk id="67" creationId="{9209E21F-D05A-4522-A455-D256BB3B996F}"/>
-          </ac:spMkLst>
-        </pc:spChg>
-        <pc:spChg chg="del mod">
-          <ac:chgData name="Hollister, Jeff" userId="90904e2a-aa82-465e-9922-afce4bc6d524" providerId="ADAL" clId="{ED486670-7F59-4038-B9BC-E9238978F7A3}" dt="2019-05-02T18:17:25.453" v="510" actId="478"/>
-          <ac:spMkLst>
-            <pc:docMk/>
-            <pc:sldMk cId="4037393715" sldId="256"/>
-            <ac:spMk id="68" creationId="{65F819A5-6435-4F89-947C-6B2D53C6CE3D}"/>
-          </ac:spMkLst>
-        </pc:spChg>
-        <pc:spChg chg="add mod">
-          <ac:chgData name="Hollister, Jeff" userId="90904e2a-aa82-465e-9922-afce4bc6d524" providerId="ADAL" clId="{ED486670-7F59-4038-B9BC-E9238978F7A3}" dt="2019-05-02T16:15:47.409" v="134" actId="571"/>
-          <ac:spMkLst>
-            <pc:docMk/>
-            <pc:sldMk cId="4037393715" sldId="256"/>
-            <ac:spMk id="69" creationId="{1871C07C-8BE3-43DE-9E4A-CC6899B1E9A3}"/>
-          </ac:spMkLst>
-        </pc:spChg>
-        <pc:spChg chg="del mod">
-          <ac:chgData name="Hollister, Jeff" userId="90904e2a-aa82-465e-9922-afce4bc6d524" providerId="ADAL" clId="{ED486670-7F59-4038-B9BC-E9238978F7A3}" dt="2019-05-02T17:58:12.978" v="374" actId="478"/>
-          <ac:spMkLst>
-            <pc:docMk/>
-            <pc:sldMk cId="4037393715" sldId="256"/>
-            <ac:spMk id="70" creationId="{6846EA3B-C941-418F-97DC-AAE516B4683B}"/>
-          </ac:spMkLst>
-        </pc:spChg>
-        <pc:spChg chg="del">
-          <ac:chgData name="Hollister, Jeff" userId="90904e2a-aa82-465e-9922-afce4bc6d524" providerId="ADAL" clId="{ED486670-7F59-4038-B9BC-E9238978F7A3}" dt="2019-05-02T17:58:08.506" v="372" actId="478"/>
-          <ac:spMkLst>
-            <pc:docMk/>
-            <pc:sldMk cId="4037393715" sldId="256"/>
-            <ac:spMk id="71" creationId="{9AC981CD-FDE8-4D46-903A-F5D77DFA291D}"/>
-          </ac:spMkLst>
-        </pc:spChg>
-        <pc:spChg chg="add mod">
-          <ac:chgData name="Hollister, Jeff" userId="90904e2a-aa82-465e-9922-afce4bc6d524" providerId="ADAL" clId="{ED486670-7F59-4038-B9BC-E9238978F7A3}" dt="2019-05-02T16:15:47.409" v="134" actId="571"/>
-          <ac:spMkLst>
-            <pc:docMk/>
-            <pc:sldMk cId="4037393715" sldId="256"/>
-            <ac:spMk id="72" creationId="{338D0E68-C6CE-4FBF-8B1D-6186B0376054}"/>
-          </ac:spMkLst>
-        </pc:spChg>
-        <pc:spChg chg="del">
-          <ac:chgData name="Hollister, Jeff" userId="90904e2a-aa82-465e-9922-afce4bc6d524" providerId="ADAL" clId="{ED486670-7F59-4038-B9BC-E9238978F7A3}" dt="2019-05-02T16:22:35.011" v="179" actId="478"/>
-          <ac:spMkLst>
-            <pc:docMk/>
-            <pc:sldMk cId="4037393715" sldId="256"/>
-            <ac:spMk id="73" creationId="{60C7C5C7-82D5-44CE-8678-52499A455C6A}"/>
-          </ac:spMkLst>
-        </pc:spChg>
-        <pc:spChg chg="del mod">
-          <ac:chgData name="Hollister, Jeff" userId="90904e2a-aa82-465e-9922-afce4bc6d524" providerId="ADAL" clId="{ED486670-7F59-4038-B9BC-E9238978F7A3}" dt="2019-05-02T18:16:05.475" v="486" actId="478"/>
-          <ac:spMkLst>
-            <pc:docMk/>
-            <pc:sldMk cId="4037393715" sldId="256"/>
-            <ac:spMk id="74" creationId="{AD8C9A75-532E-4991-8CEC-3A5EA65B2E1E}"/>
-          </ac:spMkLst>
-        </pc:spChg>
-        <pc:spChg chg="del">
-          <ac:chgData name="Hollister, Jeff" userId="90904e2a-aa82-465e-9922-afce4bc6d524" providerId="ADAL" clId="{ED486670-7F59-4038-B9BC-E9238978F7A3}" dt="2019-05-02T16:20:25.861" v="162" actId="478"/>
-          <ac:spMkLst>
-            <pc:docMk/>
-            <pc:sldMk cId="4037393715" sldId="256"/>
-            <ac:spMk id="75" creationId="{5F6188CB-107D-427D-A3B9-F0F1E439BB56}"/>
-          </ac:spMkLst>
-        </pc:spChg>
-        <pc:spChg chg="del mod">
-          <ac:chgData name="Hollister, Jeff" userId="90904e2a-aa82-465e-9922-afce4bc6d524" providerId="ADAL" clId="{ED486670-7F59-4038-B9BC-E9238978F7A3}" dt="2019-05-02T16:20:22.999" v="161" actId="478"/>
-          <ac:spMkLst>
-            <pc:docMk/>
-            <pc:sldMk cId="4037393715" sldId="256"/>
-            <ac:spMk id="76" creationId="{29BB147C-886C-4294-9982-046E1CBEAB4F}"/>
-          </ac:spMkLst>
-        </pc:spChg>
-        <pc:spChg chg="del mod">
-          <ac:chgData name="Hollister, Jeff" userId="90904e2a-aa82-465e-9922-afce4bc6d524" providerId="ADAL" clId="{ED486670-7F59-4038-B9BC-E9238978F7A3}" dt="2019-05-02T18:19:45.124" v="549" actId="478"/>
-          <ac:spMkLst>
-            <pc:docMk/>
-            <pc:sldMk cId="4037393715" sldId="256"/>
-            <ac:spMk id="77" creationId="{AD1E8905-7E57-4BD8-8A18-BC458AB5BFCF}"/>
-          </ac:spMkLst>
-        </pc:spChg>
-        <pc:spChg chg="mod">
-          <ac:chgData name="Hollister, Jeff" userId="90904e2a-aa82-465e-9922-afce4bc6d524" providerId="ADAL" clId="{ED486670-7F59-4038-B9BC-E9238978F7A3}" dt="2019-05-06T12:57:21.431" v="1518" actId="1038"/>
-          <ac:spMkLst>
-            <pc:docMk/>
-            <pc:sldMk cId="4037393715" sldId="256"/>
-            <ac:spMk id="78" creationId="{7C7F0A6A-CADA-4A85-A1AB-018058996648}"/>
-          </ac:spMkLst>
-        </pc:spChg>
-        <pc:spChg chg="add mod">
-          <ac:chgData name="Hollister, Jeff" userId="90904e2a-aa82-465e-9922-afce4bc6d524" providerId="ADAL" clId="{ED486670-7F59-4038-B9BC-E9238978F7A3}" dt="2019-05-02T16:15:47.409" v="134" actId="571"/>
-          <ac:spMkLst>
-            <pc:docMk/>
-            <pc:sldMk cId="4037393715" sldId="256"/>
-            <ac:spMk id="79" creationId="{B2A0F0F6-3791-4CBE-B3F3-D6C49F8FF007}"/>
-          </ac:spMkLst>
-        </pc:spChg>
-        <pc:spChg chg="add mod">
-          <ac:chgData name="Hollister, Jeff" userId="90904e2a-aa82-465e-9922-afce4bc6d524" providerId="ADAL" clId="{ED486670-7F59-4038-B9BC-E9238978F7A3}" dt="2019-05-06T12:58:35.769" v="1570" actId="164"/>
-          <ac:spMkLst>
-            <pc:docMk/>
-            <pc:sldMk cId="4037393715" sldId="256"/>
-            <ac:spMk id="80" creationId="{BABACCD6-1B99-4874-97AD-46FFA87B7A11}"/>
-          </ac:spMkLst>
-        </pc:spChg>
-        <pc:spChg chg="add mod">
-          <ac:chgData name="Hollister, Jeff" userId="90904e2a-aa82-465e-9922-afce4bc6d524" providerId="ADAL" clId="{ED486670-7F59-4038-B9BC-E9238978F7A3}" dt="2019-05-02T18:36:13.803" v="606" actId="14100"/>
-          <ac:spMkLst>
-            <pc:docMk/>
-            <pc:sldMk cId="4037393715" sldId="256"/>
-            <ac:spMk id="81" creationId="{F39017AD-7EFE-4788-926C-4E6BD37E1114}"/>
-          </ac:spMkLst>
-        </pc:spChg>
-        <pc:spChg chg="add mod">
-          <ac:chgData name="Hollister, Jeff" userId="90904e2a-aa82-465e-9922-afce4bc6d524" providerId="ADAL" clId="{ED486670-7F59-4038-B9BC-E9238978F7A3}" dt="2019-05-06T12:30:50.597" v="1483" actId="14100"/>
-          <ac:spMkLst>
-            <pc:docMk/>
-            <pc:sldMk cId="4037393715" sldId="256"/>
-            <ac:spMk id="82" creationId="{CDFC8B0C-23AC-4D1D-8897-C149BC512D91}"/>
-          </ac:spMkLst>
-        </pc:spChg>
-        <pc:spChg chg="add mod">
-          <ac:chgData name="Hollister, Jeff" userId="90904e2a-aa82-465e-9922-afce4bc6d524" providerId="ADAL" clId="{ED486670-7F59-4038-B9BC-E9238978F7A3}" dt="2019-05-06T12:30:50.597" v="1483" actId="14100"/>
-          <ac:spMkLst>
-            <pc:docMk/>
-            <pc:sldMk cId="4037393715" sldId="256"/>
-            <ac:spMk id="83" creationId="{6AF7727E-D979-4AF2-B823-FEC2C43106C3}"/>
-          </ac:spMkLst>
-        </pc:spChg>
-        <pc:spChg chg="add mod">
-          <ac:chgData name="Hollister, Jeff" userId="90904e2a-aa82-465e-9922-afce4bc6d524" providerId="ADAL" clId="{ED486670-7F59-4038-B9BC-E9238978F7A3}" dt="2019-05-06T12:30:50.597" v="1483" actId="14100"/>
-          <ac:spMkLst>
-            <pc:docMk/>
-            <pc:sldMk cId="4037393715" sldId="256"/>
-            <ac:spMk id="84" creationId="{8D9D8415-31BE-4B84-9ED3-ACBA082148FF}"/>
-          </ac:spMkLst>
-        </pc:spChg>
-        <pc:spChg chg="add mod">
-          <ac:chgData name="Hollister, Jeff" userId="90904e2a-aa82-465e-9922-afce4bc6d524" providerId="ADAL" clId="{ED486670-7F59-4038-B9BC-E9238978F7A3}" dt="2019-05-06T12:30:50.597" v="1483" actId="14100"/>
-          <ac:spMkLst>
-            <pc:docMk/>
-            <pc:sldMk cId="4037393715" sldId="256"/>
-            <ac:spMk id="85" creationId="{F54E2C3C-8529-4FCE-8673-6F1BA0A6F945}"/>
-          </ac:spMkLst>
-        </pc:spChg>
-        <pc:spChg chg="add mod">
-          <ac:chgData name="Hollister, Jeff" userId="90904e2a-aa82-465e-9922-afce4bc6d524" providerId="ADAL" clId="{ED486670-7F59-4038-B9BC-E9238978F7A3}" dt="2019-05-06T12:58:46.685" v="1572" actId="164"/>
-          <ac:spMkLst>
-            <pc:docMk/>
-            <pc:sldMk cId="4037393715" sldId="256"/>
-            <ac:spMk id="86" creationId="{E1E5A249-457C-4295-B7A8-24C6887E5DB6}"/>
-          </ac:spMkLst>
-        </pc:spChg>
-        <pc:spChg chg="add mod">
-          <ac:chgData name="Hollister, Jeff" userId="90904e2a-aa82-465e-9922-afce4bc6d524" providerId="ADAL" clId="{ED486670-7F59-4038-B9BC-E9238978F7A3}" dt="2019-05-06T13:00:02.490" v="1586" actId="1036"/>
-          <ac:spMkLst>
-            <pc:docMk/>
-            <pc:sldMk cId="4037393715" sldId="256"/>
-            <ac:spMk id="87" creationId="{A034A73A-A55A-42EC-B37B-966CBCF31C03}"/>
-          </ac:spMkLst>
-        </pc:spChg>
-        <pc:spChg chg="add mod">
-          <ac:chgData name="Hollister, Jeff" userId="90904e2a-aa82-465e-9922-afce4bc6d524" providerId="ADAL" clId="{ED486670-7F59-4038-B9BC-E9238978F7A3}" dt="2019-05-06T12:29:00.524" v="1457" actId="554"/>
-          <ac:spMkLst>
-            <pc:docMk/>
-            <pc:sldMk cId="4037393715" sldId="256"/>
-            <ac:spMk id="88" creationId="{74124756-EDDB-4411-B0B1-AE91317ADB06}"/>
-          </ac:spMkLst>
-        </pc:spChg>
-        <pc:spChg chg="add mod">
-          <ac:chgData name="Hollister, Jeff" userId="90904e2a-aa82-465e-9922-afce4bc6d524" providerId="ADAL" clId="{ED486670-7F59-4038-B9BC-E9238978F7A3}" dt="2019-05-06T12:29:14.919" v="1458" actId="554"/>
-          <ac:spMkLst>
-            <pc:docMk/>
-            <pc:sldMk cId="4037393715" sldId="256"/>
-            <ac:spMk id="89" creationId="{6CF321B7-0F90-4E94-A936-D5DA116AA7C8}"/>
-          </ac:spMkLst>
-        </pc:spChg>
-        <pc:spChg chg="add del">
-          <ac:chgData name="Hollister, Jeff" userId="90904e2a-aa82-465e-9922-afce4bc6d524" providerId="ADAL" clId="{ED486670-7F59-4038-B9BC-E9238978F7A3}" dt="2019-05-02T18:18:19.993" v="526"/>
-          <ac:spMkLst>
-            <pc:docMk/>
-            <pc:sldMk cId="4037393715" sldId="256"/>
-            <ac:spMk id="90" creationId="{8D7B2DD1-EE43-4FE2-BB35-8EC4A8529DA4}"/>
-          </ac:spMkLst>
-        </pc:spChg>
-        <pc:spChg chg="add mod">
-          <ac:chgData name="Hollister, Jeff" userId="90904e2a-aa82-465e-9922-afce4bc6d524" providerId="ADAL" clId="{ED486670-7F59-4038-B9BC-E9238978F7A3}" dt="2019-05-06T12:29:14.919" v="1458" actId="554"/>
-          <ac:spMkLst>
-            <pc:docMk/>
-            <pc:sldMk cId="4037393715" sldId="256"/>
-            <ac:spMk id="91" creationId="{681872E3-21D0-4CBB-A121-49398BAA84F9}"/>
-          </ac:spMkLst>
-        </pc:spChg>
-        <pc:spChg chg="add mod">
-          <ac:chgData name="Hollister, Jeff" userId="90904e2a-aa82-465e-9922-afce4bc6d524" providerId="ADAL" clId="{ED486670-7F59-4038-B9BC-E9238978F7A3}" dt="2019-05-06T12:29:14.919" v="1458" actId="554"/>
-          <ac:spMkLst>
-            <pc:docMk/>
-            <pc:sldMk cId="4037393715" sldId="256"/>
-            <ac:spMk id="92" creationId="{B10AF8BC-C583-4B94-BD50-8605C7C27D69}"/>
-          </ac:spMkLst>
-        </pc:spChg>
-        <pc:spChg chg="add mod">
-          <ac:chgData name="Hollister, Jeff" userId="90904e2a-aa82-465e-9922-afce4bc6d524" providerId="ADAL" clId="{ED486670-7F59-4038-B9BC-E9238978F7A3}" dt="2019-05-06T12:59:09.953" v="1574" actId="164"/>
-          <ac:spMkLst>
-            <pc:docMk/>
-            <pc:sldMk cId="4037393715" sldId="256"/>
-            <ac:spMk id="93" creationId="{03EC8AA9-91BF-4941-9103-3A491FE76F10}"/>
-          </ac:spMkLst>
-        </pc:spChg>
-        <pc:spChg chg="add mod">
-          <ac:chgData name="Hollister, Jeff" userId="90904e2a-aa82-465e-9922-afce4bc6d524" providerId="ADAL" clId="{ED486670-7F59-4038-B9BC-E9238978F7A3}" dt="2019-05-06T12:28:48.798" v="1456" actId="554"/>
-          <ac:spMkLst>
-            <pc:docMk/>
-            <pc:sldMk cId="4037393715" sldId="256"/>
-            <ac:spMk id="94" creationId="{61A07EEC-C58A-4746-AFA6-B9F5F0F9B7DA}"/>
-          </ac:spMkLst>
-        </pc:spChg>
-        <pc:spChg chg="add mod">
-          <ac:chgData name="Hollister, Jeff" userId="90904e2a-aa82-465e-9922-afce4bc6d524" providerId="ADAL" clId="{ED486670-7F59-4038-B9BC-E9238978F7A3}" dt="2019-05-06T12:28:48.798" v="1456" actId="554"/>
-          <ac:spMkLst>
-            <pc:docMk/>
-            <pc:sldMk cId="4037393715" sldId="256"/>
-            <ac:spMk id="95" creationId="{32EA453E-9F8A-4E1A-89B3-C467B5B9351E}"/>
-          </ac:spMkLst>
-        </pc:spChg>
-        <pc:spChg chg="add mod">
-          <ac:chgData name="Hollister, Jeff" userId="90904e2a-aa82-465e-9922-afce4bc6d524" providerId="ADAL" clId="{ED486670-7F59-4038-B9BC-E9238978F7A3}" dt="2019-05-02T18:55:01.648" v="811" actId="164"/>
-          <ac:spMkLst>
-            <pc:docMk/>
-            <pc:sldMk cId="4037393715" sldId="256"/>
-            <ac:spMk id="96" creationId="{14BCB8E2-1C0D-4D5E-BD48-91628AB4E5F4}"/>
-          </ac:spMkLst>
-        </pc:spChg>
-        <pc:spChg chg="add del mod">
-          <ac:chgData name="Hollister, Jeff" userId="90904e2a-aa82-465e-9922-afce4bc6d524" providerId="ADAL" clId="{ED486670-7F59-4038-B9BC-E9238978F7A3}" dt="2019-05-02T18:55:48.587" v="816" actId="478"/>
-          <ac:spMkLst>
-            <pc:docMk/>
-            <pc:sldMk cId="4037393715" sldId="256"/>
-            <ac:spMk id="97" creationId="{C99EE8BD-0C55-48D6-9145-61FCDD7B6005}"/>
-          </ac:spMkLst>
-        </pc:spChg>
-        <pc:spChg chg="add del mod">
-          <ac:chgData name="Hollister, Jeff" userId="90904e2a-aa82-465e-9922-afce4bc6d524" providerId="ADAL" clId="{ED486670-7F59-4038-B9BC-E9238978F7A3}" dt="2019-05-02T18:56:55.166" v="849" actId="478"/>
-          <ac:spMkLst>
-            <pc:docMk/>
-            <pc:sldMk cId="4037393715" sldId="256"/>
-            <ac:spMk id="98" creationId="{30C89F13-1657-48A6-AA06-2B7489761117}"/>
-          </ac:spMkLst>
-        </pc:spChg>
-        <pc:spChg chg="add mod">
-          <ac:chgData name="Hollister, Jeff" userId="90904e2a-aa82-465e-9922-afce4bc6d524" providerId="ADAL" clId="{ED486670-7F59-4038-B9BC-E9238978F7A3}" dt="2019-05-02T18:55:01.648" v="811" actId="164"/>
-          <ac:spMkLst>
-            <pc:docMk/>
-            <pc:sldMk cId="4037393715" sldId="256"/>
-            <ac:spMk id="99" creationId="{ED7EA899-0709-42ED-84BF-F2B0DF1CCC30}"/>
-          </ac:spMkLst>
-        </pc:spChg>
-        <pc:spChg chg="add del">
-          <ac:chgData name="Hollister, Jeff" userId="90904e2a-aa82-465e-9922-afce4bc6d524" providerId="ADAL" clId="{ED486670-7F59-4038-B9BC-E9238978F7A3}" dt="2019-05-02T18:55:20.448" v="813"/>
-          <ac:spMkLst>
-            <pc:docMk/>
-            <pc:sldMk cId="4037393715" sldId="256"/>
-            <ac:spMk id="100" creationId="{F6450B83-9879-462A-B656-81816E06D2D6}"/>
-          </ac:spMkLst>
-        </pc:spChg>
-        <pc:spChg chg="mod">
-          <ac:chgData name="Hollister, Jeff" userId="90904e2a-aa82-465e-9922-afce4bc6d524" providerId="ADAL" clId="{ED486670-7F59-4038-B9BC-E9238978F7A3}" dt="2019-05-02T18:55:58.366" v="820" actId="20577"/>
-          <ac:spMkLst>
-            <pc:docMk/>
-            <pc:sldMk cId="4037393715" sldId="256"/>
-            <ac:spMk id="102" creationId="{8B4C6213-3632-49F6-BE13-71C2AC79244D}"/>
-          </ac:spMkLst>
-        </pc:spChg>
-        <pc:spChg chg="mod">
-          <ac:chgData name="Hollister, Jeff" userId="90904e2a-aa82-465e-9922-afce4bc6d524" providerId="ADAL" clId="{ED486670-7F59-4038-B9BC-E9238978F7A3}" dt="2019-05-02T18:56:44.158" v="846" actId="20577"/>
-          <ac:spMkLst>
-            <pc:docMk/>
-            <pc:sldMk cId="4037393715" sldId="256"/>
-            <ac:spMk id="103" creationId="{B4E331AA-2DE6-448C-B158-00AE2A12FC8A}"/>
-          </ac:spMkLst>
-        </pc:spChg>
-        <pc:spChg chg="mod">
-          <ac:chgData name="Hollister, Jeff" userId="90904e2a-aa82-465e-9922-afce4bc6d524" providerId="ADAL" clId="{ED486670-7F59-4038-B9BC-E9238978F7A3}" dt="2019-05-02T18:57:14.442" v="874" actId="20577"/>
-          <ac:spMkLst>
-            <pc:docMk/>
-            <pc:sldMk cId="4037393715" sldId="256"/>
-            <ac:spMk id="106" creationId="{0BD43627-D57C-4C22-BE71-199859184EB2}"/>
-          </ac:spMkLst>
-        </pc:spChg>
-        <pc:spChg chg="mod">
-          <ac:chgData name="Hollister, Jeff" userId="90904e2a-aa82-465e-9922-afce4bc6d524" providerId="ADAL" clId="{ED486670-7F59-4038-B9BC-E9238978F7A3}" dt="2019-05-06T12:25:27.988" v="1447" actId="20577"/>
-          <ac:spMkLst>
-            <pc:docMk/>
-            <pc:sldMk cId="4037393715" sldId="256"/>
-            <ac:spMk id="107" creationId="{360DC2C8-CFCF-4B18-B5D9-01A28A7BD7A0}"/>
-          </ac:spMkLst>
-        </pc:spChg>
-        <pc:spChg chg="add mod">
-          <ac:chgData name="Hollister, Jeff" userId="90904e2a-aa82-465e-9922-afce4bc6d524" providerId="ADAL" clId="{ED486670-7F59-4038-B9BC-E9238978F7A3}" dt="2019-05-06T12:29:00.524" v="1457" actId="554"/>
-          <ac:spMkLst>
-            <pc:docMk/>
-            <pc:sldMk cId="4037393715" sldId="256"/>
-            <ac:spMk id="109" creationId="{F2325510-088D-4E4D-B7CF-0F5E7D8755F3}"/>
-          </ac:spMkLst>
-        </pc:spChg>
-        <pc:spChg chg="mod">
-          <ac:chgData name="Hollister, Jeff" userId="90904e2a-aa82-465e-9922-afce4bc6d524" providerId="ADAL" clId="{ED486670-7F59-4038-B9BC-E9238978F7A3}" dt="2019-05-02T19:05:09.984" v="1318" actId="20577"/>
-          <ac:spMkLst>
-            <pc:docMk/>
-            <pc:sldMk cId="4037393715" sldId="256"/>
-            <ac:spMk id="111" creationId="{5CB2CB70-33F4-4AF0-AF95-1292470AE5F1}"/>
-          </ac:spMkLst>
-        </pc:spChg>
-        <pc:spChg chg="mod">
-          <ac:chgData name="Hollister, Jeff" userId="90904e2a-aa82-465e-9922-afce4bc6d524" providerId="ADAL" clId="{ED486670-7F59-4038-B9BC-E9238978F7A3}" dt="2019-05-02T19:06:32.093" v="1381" actId="20577"/>
-          <ac:spMkLst>
-            <pc:docMk/>
-            <pc:sldMk cId="4037393715" sldId="256"/>
-            <ac:spMk id="112" creationId="{956A151E-9F20-4E28-AF99-50959238DA61}"/>
-          </ac:spMkLst>
-        </pc:spChg>
-        <pc:spChg chg="add mod">
-          <ac:chgData name="Hollister, Jeff" userId="90904e2a-aa82-465e-9922-afce4bc6d524" providerId="ADAL" clId="{ED486670-7F59-4038-B9BC-E9238978F7A3}" dt="2019-05-06T12:29:00.524" v="1457" actId="554"/>
-          <ac:spMkLst>
-            <pc:docMk/>
-            <pc:sldMk cId="4037393715" sldId="256"/>
-            <ac:spMk id="114" creationId="{0CBDC3EA-16B2-432C-BAC7-9D3899C2584C}"/>
-          </ac:spMkLst>
-        </pc:spChg>
-        <pc:spChg chg="mod">
-          <ac:chgData name="Hollister, Jeff" userId="90904e2a-aa82-465e-9922-afce4bc6d524" providerId="ADAL" clId="{ED486670-7F59-4038-B9BC-E9238978F7A3}" dt="2019-05-02T19:05:28.889" v="1334" actId="20577"/>
-          <ac:spMkLst>
-            <pc:docMk/>
-            <pc:sldMk cId="4037393715" sldId="256"/>
-            <ac:spMk id="116" creationId="{4227A31B-ADAE-4A52-BAF8-2C136D66D48A}"/>
-          </ac:spMkLst>
-        </pc:spChg>
-        <pc:spChg chg="mod">
-          <ac:chgData name="Hollister, Jeff" userId="90904e2a-aa82-465e-9922-afce4bc6d524" providerId="ADAL" clId="{ED486670-7F59-4038-B9BC-E9238978F7A3}" dt="2019-05-02T19:06:54.901" v="1390" actId="113"/>
-          <ac:spMkLst>
-            <pc:docMk/>
-            <pc:sldMk cId="4037393715" sldId="256"/>
-            <ac:spMk id="117" creationId="{6B96F7EA-EBBC-42AB-9700-E1EB400F6E64}"/>
-          </ac:spMkLst>
-        </pc:spChg>
-        <pc:spChg chg="add mod">
-          <ac:chgData name="Hollister, Jeff" userId="90904e2a-aa82-465e-9922-afce4bc6d524" providerId="ADAL" clId="{ED486670-7F59-4038-B9BC-E9238978F7A3}" dt="2019-05-06T12:29:14.919" v="1458" actId="554"/>
-          <ac:spMkLst>
-            <pc:docMk/>
-            <pc:sldMk cId="4037393715" sldId="256"/>
-            <ac:spMk id="119" creationId="{C2017ADA-ED80-4F53-B5E9-E734B25FD51C}"/>
-          </ac:spMkLst>
-        </pc:spChg>
-        <pc:spChg chg="mod">
-          <ac:chgData name="Hollister, Jeff" userId="90904e2a-aa82-465e-9922-afce4bc6d524" providerId="ADAL" clId="{ED486670-7F59-4038-B9BC-E9238978F7A3}" dt="2019-05-02T19:06:11.500" v="1377" actId="20577"/>
-          <ac:spMkLst>
-            <pc:docMk/>
-            <pc:sldMk cId="4037393715" sldId="256"/>
-            <ac:spMk id="121" creationId="{28093264-CDD9-4E84-865D-BBBFF74C77B9}"/>
-          </ac:spMkLst>
-        </pc:spChg>
-        <pc:spChg chg="mod">
-          <ac:chgData name="Hollister, Jeff" userId="90904e2a-aa82-465e-9922-afce4bc6d524" providerId="ADAL" clId="{ED486670-7F59-4038-B9BC-E9238978F7A3}" dt="2019-05-06T12:25:27.309" v="1446" actId="20577"/>
-          <ac:spMkLst>
-            <pc:docMk/>
-            <pc:sldMk cId="4037393715" sldId="256"/>
-            <ac:spMk id="122" creationId="{8E5122A9-F45C-42BF-AC36-1495D2047006}"/>
-          </ac:spMkLst>
-        </pc:spChg>
-        <pc:spChg chg="add mod">
-          <ac:chgData name="Hollister, Jeff" userId="90904e2a-aa82-465e-9922-afce4bc6d524" providerId="ADAL" clId="{ED486670-7F59-4038-B9BC-E9238978F7A3}" dt="2019-05-06T12:29:14.919" v="1458" actId="554"/>
-          <ac:spMkLst>
-            <pc:docMk/>
-            <pc:sldMk cId="4037393715" sldId="256"/>
-            <ac:spMk id="124" creationId="{50ACC572-958B-443B-8C3C-BE14D33824D9}"/>
-          </ac:spMkLst>
-        </pc:spChg>
-        <pc:spChg chg="mod">
-          <ac:chgData name="Hollister, Jeff" userId="90904e2a-aa82-465e-9922-afce4bc6d524" providerId="ADAL" clId="{ED486670-7F59-4038-B9BC-E9238978F7A3}" dt="2019-05-02T19:05:59.378" v="1364" actId="20577"/>
-          <ac:spMkLst>
-            <pc:docMk/>
-            <pc:sldMk cId="4037393715" sldId="256"/>
-            <ac:spMk id="126" creationId="{0056F91C-D8E2-4B3E-B104-4450BEDBF4E8}"/>
-          </ac:spMkLst>
-        </pc:spChg>
-        <pc:spChg chg="mod">
-          <ac:chgData name="Hollister, Jeff" userId="90904e2a-aa82-465e-9922-afce4bc6d524" providerId="ADAL" clId="{ED486670-7F59-4038-B9BC-E9238978F7A3}" dt="2019-05-02T19:07:55.539" v="1406" actId="20577"/>
-          <ac:spMkLst>
-            <pc:docMk/>
-            <pc:sldMk cId="4037393715" sldId="256"/>
-            <ac:spMk id="127" creationId="{7EC1D9D6-7A9C-4696-9471-BE747BADF0A2}"/>
-          </ac:spMkLst>
-        </pc:spChg>
-        <pc:spChg chg="add mod">
-          <ac:chgData name="Hollister, Jeff" userId="90904e2a-aa82-465e-9922-afce4bc6d524" providerId="ADAL" clId="{ED486670-7F59-4038-B9BC-E9238978F7A3}" dt="2019-05-06T12:29:14.919" v="1458" actId="554"/>
-          <ac:spMkLst>
-            <pc:docMk/>
-            <pc:sldMk cId="4037393715" sldId="256"/>
-            <ac:spMk id="129" creationId="{D339B13B-F819-4880-8E0D-CCCF7485ED0E}"/>
-          </ac:spMkLst>
-        </pc:spChg>
-        <pc:spChg chg="mod">
-          <ac:chgData name="Hollister, Jeff" userId="90904e2a-aa82-465e-9922-afce4bc6d524" providerId="ADAL" clId="{ED486670-7F59-4038-B9BC-E9238978F7A3}" dt="2019-05-02T19:05:46.346" v="1349" actId="20577"/>
-          <ac:spMkLst>
-            <pc:docMk/>
-            <pc:sldMk cId="4037393715" sldId="256"/>
-            <ac:spMk id="131" creationId="{FF7E9A94-2C10-44AB-91EB-8AF4D6D06F02}"/>
-          </ac:spMkLst>
-        </pc:spChg>
-        <pc:spChg chg="mod">
-          <ac:chgData name="Hollister, Jeff" userId="90904e2a-aa82-465e-9922-afce4bc6d524" providerId="ADAL" clId="{ED486670-7F59-4038-B9BC-E9238978F7A3}" dt="2019-05-02T19:07:31.320" v="1403" actId="20577"/>
-          <ac:spMkLst>
-            <pc:docMk/>
-            <pc:sldMk cId="4037393715" sldId="256"/>
-            <ac:spMk id="132" creationId="{165956A5-53C0-49D2-A6BF-EEC73B0B526A}"/>
-          </ac:spMkLst>
-        </pc:spChg>
-        <pc:grpChg chg="add mod">
-          <ac:chgData name="Hollister, Jeff" userId="90904e2a-aa82-465e-9922-afce4bc6d524" providerId="ADAL" clId="{ED486670-7F59-4038-B9BC-E9238978F7A3}" dt="2019-05-06T12:59:22.846" v="1575" actId="164"/>
-          <ac:grpSpMkLst>
-            <pc:docMk/>
-            <pc:sldMk cId="4037393715" sldId="256"/>
-            <ac:grpSpMk id="3" creationId="{5F3A5354-A2F2-496C-8FF1-4144F3094C69}"/>
-          </ac:grpSpMkLst>
-        </pc:grpChg>
-        <pc:grpChg chg="add mod">
-          <ac:chgData name="Hollister, Jeff" userId="90904e2a-aa82-465e-9922-afce4bc6d524" providerId="ADAL" clId="{ED486670-7F59-4038-B9BC-E9238978F7A3}" dt="2019-05-06T12:58:35.769" v="1570" actId="164"/>
-          <ac:grpSpMkLst>
-            <pc:docMk/>
-            <pc:sldMk cId="4037393715" sldId="256"/>
-            <ac:grpSpMk id="10" creationId="{1BC14BB0-8615-428C-B9F9-0E8E839FFBA0}"/>
-          </ac:grpSpMkLst>
-        </pc:grpChg>
-        <pc:grpChg chg="add mod">
-          <ac:chgData name="Hollister, Jeff" userId="90904e2a-aa82-465e-9922-afce4bc6d524" providerId="ADAL" clId="{ED486670-7F59-4038-B9BC-E9238978F7A3}" dt="2019-05-06T12:58:46.685" v="1572" actId="164"/>
-          <ac:grpSpMkLst>
-            <pc:docMk/>
-            <pc:sldMk cId="4037393715" sldId="256"/>
-            <ac:grpSpMk id="11" creationId="{D0D3F184-FBF3-4015-8A20-02AAE3A8C85B}"/>
-          </ac:grpSpMkLst>
-        </pc:grpChg>
-        <pc:grpChg chg="add mod">
-          <ac:chgData name="Hollister, Jeff" userId="90904e2a-aa82-465e-9922-afce4bc6d524" providerId="ADAL" clId="{ED486670-7F59-4038-B9BC-E9238978F7A3}" dt="2019-05-06T12:59:22.846" v="1575" actId="164"/>
-          <ac:grpSpMkLst>
-            <pc:docMk/>
-            <pc:sldMk cId="4037393715" sldId="256"/>
-            <ac:grpSpMk id="12" creationId="{B97566DA-F2D5-4595-A6BB-C6258AE7A000}"/>
-          </ac:grpSpMkLst>
-        </pc:grpChg>
-        <pc:grpChg chg="add mod">
-          <ac:chgData name="Hollister, Jeff" userId="90904e2a-aa82-465e-9922-afce4bc6d524" providerId="ADAL" clId="{ED486670-7F59-4038-B9BC-E9238978F7A3}" dt="2019-05-06T12:59:22.846" v="1575" actId="164"/>
-          <ac:grpSpMkLst>
-            <pc:docMk/>
-            <pc:sldMk cId="4037393715" sldId="256"/>
-            <ac:grpSpMk id="13" creationId="{6846167F-C3D6-4165-AC86-110B1CC20F29}"/>
-          </ac:grpSpMkLst>
-        </pc:grpChg>
-        <pc:grpChg chg="add mod">
-          <ac:chgData name="Hollister, Jeff" userId="90904e2a-aa82-465e-9922-afce4bc6d524" providerId="ADAL" clId="{ED486670-7F59-4038-B9BC-E9238978F7A3}" dt="2019-05-06T12:59:09.953" v="1574" actId="164"/>
-          <ac:grpSpMkLst>
-            <pc:docMk/>
-            <pc:sldMk cId="4037393715" sldId="256"/>
-            <ac:grpSpMk id="23" creationId="{012324FA-EF9B-4B6E-A9A9-942BC520FAB7}"/>
-          </ac:grpSpMkLst>
-        </pc:grpChg>
-        <pc:grpChg chg="del">
-          <ac:chgData name="Hollister, Jeff" userId="90904e2a-aa82-465e-9922-afce4bc6d524" providerId="ADAL" clId="{ED486670-7F59-4038-B9BC-E9238978F7A3}" dt="2019-05-02T16:15:29.901" v="131" actId="165"/>
-          <ac:grpSpMkLst>
-            <pc:docMk/>
-            <pc:sldMk cId="4037393715" sldId="256"/>
-            <ac:grpSpMk id="45" creationId="{0D0D1B79-89F5-444E-9CA2-EA796D509836}"/>
-          </ac:grpSpMkLst>
-        </pc:grpChg>
-        <pc:grpChg chg="add mod">
-          <ac:chgData name="Hollister, Jeff" userId="90904e2a-aa82-465e-9922-afce4bc6d524" providerId="ADAL" clId="{ED486670-7F59-4038-B9BC-E9238978F7A3}" dt="2019-05-06T12:32:10.335" v="1489" actId="1035"/>
-          <ac:grpSpMkLst>
-            <pc:docMk/>
-            <pc:sldMk cId="4037393715" sldId="256"/>
-            <ac:grpSpMk id="101" creationId="{5B7F0953-F89A-477C-99DE-54CBC4836759}"/>
-          </ac:grpSpMkLst>
-        </pc:grpChg>
-        <pc:grpChg chg="add mod">
-          <ac:chgData name="Hollister, Jeff" userId="90904e2a-aa82-465e-9922-afce4bc6d524" providerId="ADAL" clId="{ED486670-7F59-4038-B9BC-E9238978F7A3}" dt="2019-05-06T12:32:10.335" v="1489" actId="1035"/>
-          <ac:grpSpMkLst>
-            <pc:docMk/>
-            <pc:sldMk cId="4037393715" sldId="256"/>
-            <ac:grpSpMk id="105" creationId="{E7DBB7C6-327F-4AA4-A0F9-0C8258CC1043}"/>
-          </ac:grpSpMkLst>
-        </pc:grpChg>
-        <pc:grpChg chg="add mod">
-          <ac:chgData name="Hollister, Jeff" userId="90904e2a-aa82-465e-9922-afce4bc6d524" providerId="ADAL" clId="{ED486670-7F59-4038-B9BC-E9238978F7A3}" dt="2019-05-02T19:00:15.332" v="948" actId="1036"/>
-          <ac:grpSpMkLst>
-            <pc:docMk/>
-            <pc:sldMk cId="4037393715" sldId="256"/>
-            <ac:grpSpMk id="110" creationId="{EE254810-1FD5-487C-9E5A-EA47C35A2605}"/>
-          </ac:grpSpMkLst>
-        </pc:grpChg>
-        <pc:grpChg chg="add mod">
-          <ac:chgData name="Hollister, Jeff" userId="90904e2a-aa82-465e-9922-afce4bc6d524" providerId="ADAL" clId="{ED486670-7F59-4038-B9BC-E9238978F7A3}" dt="2019-05-02T19:00:26.980" v="1039" actId="1038"/>
-          <ac:grpSpMkLst>
-            <pc:docMk/>
-            <pc:sldMk cId="4037393715" sldId="256"/>
-            <ac:grpSpMk id="115" creationId="{E7D3E79F-2C2D-46C5-A5E4-9F83457E81F3}"/>
-          </ac:grpSpMkLst>
-        </pc:grpChg>
-        <pc:grpChg chg="add mod">
-          <ac:chgData name="Hollister, Jeff" userId="90904e2a-aa82-465e-9922-afce4bc6d524" providerId="ADAL" clId="{ED486670-7F59-4038-B9BC-E9238978F7A3}" dt="2019-05-02T19:00:34.097" v="1089" actId="1037"/>
-          <ac:grpSpMkLst>
-            <pc:docMk/>
-            <pc:sldMk cId="4037393715" sldId="256"/>
-            <ac:grpSpMk id="120" creationId="{4648D32E-90BD-45E9-9D2E-656D04FDDEC2}"/>
-          </ac:grpSpMkLst>
-        </pc:grpChg>
-        <pc:grpChg chg="add mod">
-          <ac:chgData name="Hollister, Jeff" userId="90904e2a-aa82-465e-9922-afce4bc6d524" providerId="ADAL" clId="{ED486670-7F59-4038-B9BC-E9238978F7A3}" dt="2019-05-02T19:00:45.357" v="1169" actId="1036"/>
-          <ac:grpSpMkLst>
-            <pc:docMk/>
-            <pc:sldMk cId="4037393715" sldId="256"/>
-            <ac:grpSpMk id="125" creationId="{4B1391B0-885F-4AE4-8AF3-4C1C38F48673}"/>
-          </ac:grpSpMkLst>
-        </pc:grpChg>
-        <pc:grpChg chg="add mod">
-          <ac:chgData name="Hollister, Jeff" userId="90904e2a-aa82-465e-9922-afce4bc6d524" providerId="ADAL" clId="{ED486670-7F59-4038-B9BC-E9238978F7A3}" dt="2019-05-02T19:00:53.791" v="1245" actId="1037"/>
-          <ac:grpSpMkLst>
-            <pc:docMk/>
-            <pc:sldMk cId="4037393715" sldId="256"/>
-            <ac:grpSpMk id="130" creationId="{2112ED87-36AE-49A5-A9E7-E32401A4EA32}"/>
-          </ac:grpSpMkLst>
-        </pc:grpChg>
-        <pc:cxnChg chg="add del mod">
-          <ac:chgData name="Hollister, Jeff" userId="90904e2a-aa82-465e-9922-afce4bc6d524" providerId="ADAL" clId="{ED486670-7F59-4038-B9BC-E9238978F7A3}" dt="2019-05-02T18:54:21.268" v="803" actId="11529"/>
-          <ac:cxnSpMkLst>
-            <pc:docMk/>
-            <pc:sldMk cId="4037393715" sldId="256"/>
-            <ac:cxnSpMk id="16" creationId="{74982352-D867-41F1-AEE1-D776414441AC}"/>
-          </ac:cxnSpMkLst>
-        </pc:cxnChg>
-        <pc:cxnChg chg="add mod">
-          <ac:chgData name="Hollister, Jeff" userId="90904e2a-aa82-465e-9922-afce4bc6d524" providerId="ADAL" clId="{ED486670-7F59-4038-B9BC-E9238978F7A3}" dt="2019-05-02T18:55:01.648" v="811" actId="164"/>
-          <ac:cxnSpMkLst>
-            <pc:docMk/>
-            <pc:sldMk cId="4037393715" sldId="256"/>
-            <ac:cxnSpMk id="22" creationId="{9D141CA7-78FF-4583-AC95-8F66072B238C}"/>
-          </ac:cxnSpMkLst>
-        </pc:cxnChg>
-        <pc:cxnChg chg="mod">
-          <ac:chgData name="Hollister, Jeff" userId="90904e2a-aa82-465e-9922-afce4bc6d524" providerId="ADAL" clId="{ED486670-7F59-4038-B9BC-E9238978F7A3}" dt="2019-05-06T12:58:09.423" v="1567" actId="1037"/>
-          <ac:cxnSpMkLst>
-            <pc:docMk/>
-            <pc:sldMk cId="4037393715" sldId="256"/>
-            <ac:cxnSpMk id="36" creationId="{0DCD3480-AF90-4303-96DA-AEAFF95ECE3E}"/>
-          </ac:cxnSpMkLst>
-        </pc:cxnChg>
-        <pc:cxnChg chg="mod">
-          <ac:chgData name="Hollister, Jeff" userId="90904e2a-aa82-465e-9922-afce4bc6d524" providerId="ADAL" clId="{ED486670-7F59-4038-B9BC-E9238978F7A3}" dt="2019-05-06T12:58:09.423" v="1567" actId="1037"/>
-          <ac:cxnSpMkLst>
-            <pc:docMk/>
-            <pc:sldMk cId="4037393715" sldId="256"/>
-            <ac:cxnSpMk id="43" creationId="{6B15B882-AB86-4D06-A728-ECC4F25E7823}"/>
-          </ac:cxnSpMkLst>
-        </pc:cxnChg>
-        <pc:cxnChg chg="mod">
-          <ac:chgData name="Hollister, Jeff" userId="90904e2a-aa82-465e-9922-afce4bc6d524" providerId="ADAL" clId="{ED486670-7F59-4038-B9BC-E9238978F7A3}" dt="2019-05-02T19:05:01.571" v="1312" actId="1037"/>
-          <ac:cxnSpMkLst>
-            <pc:docMk/>
-            <pc:sldMk cId="4037393715" sldId="256"/>
-            <ac:cxnSpMk id="113" creationId="{B7B2B526-6875-4751-84CB-C87FBF0C190D}"/>
-          </ac:cxnSpMkLst>
-        </pc:cxnChg>
-      </pc:sldChg>
       <pc:sldChg chg="addSp delSp modSp">
-        <pc:chgData name="Hollister, Jeff" userId="90904e2a-aa82-465e-9922-afce4bc6d524" providerId="ADAL" clId="{ED486670-7F59-4038-B9BC-E9238978F7A3}" dt="2019-05-06T17:24:18.589" v="2381" actId="20577"/>
+        <pc:chgData name="Hollister, Jeff" userId="90904e2a-aa82-465e-9922-afce4bc6d524" providerId="ADAL" clId="{ED486670-7F59-4038-B9BC-E9238978F7A3}" dt="2019-05-14T12:46:40.107" v="2437" actId="20577"/>
         <pc:sldMkLst>
           <pc:docMk/>
           <pc:sldMk cId="1258879937" sldId="257"/>
@@ -1031,7 +144,7 @@
           </ac:spMkLst>
         </pc:spChg>
         <pc:spChg chg="mod">
-          <ac:chgData name="Hollister, Jeff" userId="90904e2a-aa82-465e-9922-afce4bc6d524" providerId="ADAL" clId="{ED486670-7F59-4038-B9BC-E9238978F7A3}" dt="2019-05-06T17:21:50.147" v="2372" actId="20577"/>
+          <ac:chgData name="Hollister, Jeff" userId="90904e2a-aa82-465e-9922-afce4bc6d524" providerId="ADAL" clId="{ED486670-7F59-4038-B9BC-E9238978F7A3}" dt="2019-05-14T12:44:28.435" v="2422" actId="20577"/>
           <ac:spMkLst>
             <pc:docMk/>
             <pc:sldMk cId="1258879937" sldId="257"/>
@@ -1063,7 +176,7 @@
           </ac:spMkLst>
         </pc:spChg>
         <pc:spChg chg="mod">
-          <ac:chgData name="Hollister, Jeff" userId="90904e2a-aa82-465e-9922-afce4bc6d524" providerId="ADAL" clId="{ED486670-7F59-4038-B9BC-E9238978F7A3}" dt="2019-05-06T14:12:45.303" v="2238" actId="12788"/>
+          <ac:chgData name="Hollister, Jeff" userId="90904e2a-aa82-465e-9922-afce4bc6d524" providerId="ADAL" clId="{ED486670-7F59-4038-B9BC-E9238978F7A3}" dt="2019-05-14T12:35:41.033" v="2420" actId="12788"/>
           <ac:spMkLst>
             <pc:docMk/>
             <pc:sldMk cId="1258879937" sldId="257"/>
@@ -1095,7 +208,7 @@
           </ac:spMkLst>
         </pc:spChg>
         <pc:spChg chg="mod">
-          <ac:chgData name="Hollister, Jeff" userId="90904e2a-aa82-465e-9922-afce4bc6d524" providerId="ADAL" clId="{ED486670-7F59-4038-B9BC-E9238978F7A3}" dt="2019-05-06T16:45:41.963" v="2298" actId="207"/>
+          <ac:chgData name="Hollister, Jeff" userId="90904e2a-aa82-465e-9922-afce4bc6d524" providerId="ADAL" clId="{ED486670-7F59-4038-B9BC-E9238978F7A3}" dt="2019-05-14T12:46:40.107" v="2437" actId="20577"/>
           <ac:spMkLst>
             <pc:docMk/>
             <pc:sldMk cId="1258879937" sldId="257"/>
@@ -1327,7 +440,7 @@
           </ac:spMkLst>
         </pc:spChg>
         <pc:spChg chg="mod">
-          <ac:chgData name="Hollister, Jeff" userId="90904e2a-aa82-465e-9922-afce4bc6d524" providerId="ADAL" clId="{ED486670-7F59-4038-B9BC-E9238978F7A3}" dt="2019-05-06T17:20:09.883" v="2361" actId="20577"/>
+          <ac:chgData name="Hollister, Jeff" userId="90904e2a-aa82-465e-9922-afce4bc6d524" providerId="ADAL" clId="{ED486670-7F59-4038-B9BC-E9238978F7A3}" dt="2019-05-14T12:26:23.388" v="2407" actId="20577"/>
           <ac:spMkLst>
             <pc:docMk/>
             <pc:sldMk cId="1258879937" sldId="257"/>
@@ -1375,7 +488,7 @@
           </ac:spMkLst>
         </pc:spChg>
         <pc:spChg chg="mod">
-          <ac:chgData name="Hollister, Jeff" userId="90904e2a-aa82-465e-9922-afce4bc6d524" providerId="ADAL" clId="{ED486670-7F59-4038-B9BC-E9238978F7A3}" dt="2019-05-06T14:07:40.492" v="2118" actId="20577"/>
+          <ac:chgData name="Hollister, Jeff" userId="90904e2a-aa82-465e-9922-afce4bc6d524" providerId="ADAL" clId="{ED486670-7F59-4038-B9BC-E9238978F7A3}" dt="2019-05-14T12:44:36.639" v="2424" actId="20577"/>
           <ac:spMkLst>
             <pc:docMk/>
             <pc:sldMk cId="1258879937" sldId="257"/>
@@ -1407,7 +520,7 @@
           </ac:spMkLst>
         </pc:spChg>
         <pc:spChg chg="mod">
-          <ac:chgData name="Hollister, Jeff" userId="90904e2a-aa82-465e-9922-afce4bc6d524" providerId="ADAL" clId="{ED486670-7F59-4038-B9BC-E9238978F7A3}" dt="2019-05-06T17:20:20.948" v="2362" actId="20577"/>
+          <ac:chgData name="Hollister, Jeff" userId="90904e2a-aa82-465e-9922-afce4bc6d524" providerId="ADAL" clId="{ED486670-7F59-4038-B9BC-E9238978F7A3}" dt="2019-05-14T12:45:45.011" v="2431" actId="20577"/>
           <ac:spMkLst>
             <pc:docMk/>
             <pc:sldMk cId="1258879937" sldId="257"/>
@@ -1415,7 +528,7 @@
           </ac:spMkLst>
         </pc:spChg>
         <pc:spChg chg="mod">
-          <ac:chgData name="Hollister, Jeff" userId="90904e2a-aa82-465e-9922-afce4bc6d524" providerId="ADAL" clId="{ED486670-7F59-4038-B9BC-E9238978F7A3}" dt="2019-05-06T14:08:17.516" v="2144" actId="20577"/>
+          <ac:chgData name="Hollister, Jeff" userId="90904e2a-aa82-465e-9922-afce4bc6d524" providerId="ADAL" clId="{ED486670-7F59-4038-B9BC-E9238978F7A3}" dt="2019-05-14T12:45:20.285" v="2427" actId="20577"/>
           <ac:spMkLst>
             <pc:docMk/>
             <pc:sldMk cId="1258879937" sldId="257"/>
@@ -1455,7 +568,7 @@
           </ac:spMkLst>
         </pc:spChg>
         <pc:spChg chg="mod">
-          <ac:chgData name="Hollister, Jeff" userId="90904e2a-aa82-465e-9922-afce4bc6d524" providerId="ADAL" clId="{ED486670-7F59-4038-B9BC-E9238978F7A3}" dt="2019-05-06T14:08:52.772" v="2161" actId="20577"/>
+          <ac:chgData name="Hollister, Jeff" userId="90904e2a-aa82-465e-9922-afce4bc6d524" providerId="ADAL" clId="{ED486670-7F59-4038-B9BC-E9238978F7A3}" dt="2019-05-14T12:25:15.423" v="2401" actId="20577"/>
           <ac:spMkLst>
             <pc:docMk/>
             <pc:sldMk cId="1258879937" sldId="257"/>
@@ -1503,7 +616,7 @@
           </ac:spMkLst>
         </pc:spChg>
         <pc:spChg chg="mod">
-          <ac:chgData name="Hollister, Jeff" userId="90904e2a-aa82-465e-9922-afce4bc6d524" providerId="ADAL" clId="{ED486670-7F59-4038-B9BC-E9238978F7A3}" dt="2019-05-06T14:09:26.789" v="2187" actId="20577"/>
+          <ac:chgData name="Hollister, Jeff" userId="90904e2a-aa82-465e-9922-afce4bc6d524" providerId="ADAL" clId="{ED486670-7F59-4038-B9BC-E9238978F7A3}" dt="2019-05-14T12:25:18.783" v="2403" actId="20577"/>
           <ac:spMkLst>
             <pc:docMk/>
             <pc:sldMk cId="1258879937" sldId="257"/>
@@ -1527,7 +640,7 @@
           </ac:spMkLst>
         </pc:spChg>
         <pc:spChg chg="mod">
-          <ac:chgData name="Hollister, Jeff" userId="90904e2a-aa82-465e-9922-afce4bc6d524" providerId="ADAL" clId="{ED486670-7F59-4038-B9BC-E9238978F7A3}" dt="2019-05-06T14:09:01.219" v="2167" actId="20577"/>
+          <ac:chgData name="Hollister, Jeff" userId="90904e2a-aa82-465e-9922-afce4bc6d524" providerId="ADAL" clId="{ED486670-7F59-4038-B9BC-E9238978F7A3}" dt="2019-05-14T12:22:26.710" v="2384" actId="20577"/>
           <ac:spMkLst>
             <pc:docMk/>
             <pc:sldMk cId="1258879937" sldId="257"/>
@@ -1543,7 +656,7 @@
           </ac:spMkLst>
         </pc:spChg>
         <pc:spChg chg="mod">
-          <ac:chgData name="Hollister, Jeff" userId="90904e2a-aa82-465e-9922-afce4bc6d524" providerId="ADAL" clId="{ED486670-7F59-4038-B9BC-E9238978F7A3}" dt="2019-05-06T14:09:30.609" v="2191" actId="20577"/>
+          <ac:chgData name="Hollister, Jeff" userId="90904e2a-aa82-465e-9922-afce4bc6d524" providerId="ADAL" clId="{ED486670-7F59-4038-B9BC-E9238978F7A3}" dt="2019-05-14T12:25:21.798" v="2405" actId="20577"/>
           <ac:spMkLst>
             <pc:docMk/>
             <pc:sldMk cId="1258879937" sldId="257"/>
@@ -2167,7 +1280,7 @@
           <a:p>
             <a:fld id="{F7167FF9-F47C-4F59-88DD-9CEB65E35CFA}" type="datetimeFigureOut">
               <a:rPr lang="en-US" smtClean="0"/>
-              <a:t>5/6/2019</a:t>
+              <a:t>5/14/2019</a:t>
             </a:fld>
             <a:endParaRPr lang="en-US"/>
           </a:p>
@@ -2337,7 +1450,7 @@
           <a:p>
             <a:fld id="{F7167FF9-F47C-4F59-88DD-9CEB65E35CFA}" type="datetimeFigureOut">
               <a:rPr lang="en-US" smtClean="0"/>
-              <a:t>5/6/2019</a:t>
+              <a:t>5/14/2019</a:t>
             </a:fld>
             <a:endParaRPr lang="en-US"/>
           </a:p>
@@ -2517,7 +1630,7 @@
           <a:p>
             <a:fld id="{F7167FF9-F47C-4F59-88DD-9CEB65E35CFA}" type="datetimeFigureOut">
               <a:rPr lang="en-US" smtClean="0"/>
-              <a:t>5/6/2019</a:t>
+              <a:t>5/14/2019</a:t>
             </a:fld>
             <a:endParaRPr lang="en-US"/>
           </a:p>
@@ -2687,7 +1800,7 @@
           <a:p>
             <a:fld id="{F7167FF9-F47C-4F59-88DD-9CEB65E35CFA}" type="datetimeFigureOut">
               <a:rPr lang="en-US" smtClean="0"/>
-              <a:t>5/6/2019</a:t>
+              <a:t>5/14/2019</a:t>
             </a:fld>
             <a:endParaRPr lang="en-US"/>
           </a:p>
@@ -2931,7 +2044,7 @@
           <a:p>
             <a:fld id="{F7167FF9-F47C-4F59-88DD-9CEB65E35CFA}" type="datetimeFigureOut">
               <a:rPr lang="en-US" smtClean="0"/>
-              <a:t>5/6/2019</a:t>
+              <a:t>5/14/2019</a:t>
             </a:fld>
             <a:endParaRPr lang="en-US"/>
           </a:p>
@@ -3163,7 +2276,7 @@
           <a:p>
             <a:fld id="{F7167FF9-F47C-4F59-88DD-9CEB65E35CFA}" type="datetimeFigureOut">
               <a:rPr lang="en-US" smtClean="0"/>
-              <a:t>5/6/2019</a:t>
+              <a:t>5/14/2019</a:t>
             </a:fld>
             <a:endParaRPr lang="en-US"/>
           </a:p>
@@ -3530,7 +2643,7 @@
           <a:p>
             <a:fld id="{F7167FF9-F47C-4F59-88DD-9CEB65E35CFA}" type="datetimeFigureOut">
               <a:rPr lang="en-US" smtClean="0"/>
-              <a:t>5/6/2019</a:t>
+              <a:t>5/14/2019</a:t>
             </a:fld>
             <a:endParaRPr lang="en-US"/>
           </a:p>
@@ -3648,7 +2761,7 @@
           <a:p>
             <a:fld id="{F7167FF9-F47C-4F59-88DD-9CEB65E35CFA}" type="datetimeFigureOut">
               <a:rPr lang="en-US" smtClean="0"/>
-              <a:t>5/6/2019</a:t>
+              <a:t>5/14/2019</a:t>
             </a:fld>
             <a:endParaRPr lang="en-US"/>
           </a:p>
@@ -3743,7 +2856,7 @@
           <a:p>
             <a:fld id="{F7167FF9-F47C-4F59-88DD-9CEB65E35CFA}" type="datetimeFigureOut">
               <a:rPr lang="en-US" smtClean="0"/>
-              <a:t>5/6/2019</a:t>
+              <a:t>5/14/2019</a:t>
             </a:fld>
             <a:endParaRPr lang="en-US"/>
           </a:p>
@@ -4020,7 +3133,7 @@
           <a:p>
             <a:fld id="{F7167FF9-F47C-4F59-88DD-9CEB65E35CFA}" type="datetimeFigureOut">
               <a:rPr lang="en-US" smtClean="0"/>
-              <a:t>5/6/2019</a:t>
+              <a:t>5/14/2019</a:t>
             </a:fld>
             <a:endParaRPr lang="en-US"/>
           </a:p>
@@ -4277,7 +3390,7 @@
           <a:p>
             <a:fld id="{F7167FF9-F47C-4F59-88DD-9CEB65E35CFA}" type="datetimeFigureOut">
               <a:rPr lang="en-US" smtClean="0"/>
-              <a:t>5/6/2019</a:t>
+              <a:t>5/14/2019</a:t>
             </a:fld>
             <a:endParaRPr lang="en-US"/>
           </a:p>
@@ -4490,7 +3603,7 @@
           <a:p>
             <a:fld id="{F7167FF9-F47C-4F59-88DD-9CEB65E35CFA}" type="datetimeFigureOut">
               <a:rPr lang="en-US" smtClean="0"/>
-              <a:t>5/6/2019</a:t>
+              <a:t>5/14/2019</a:t>
             </a:fld>
             <a:endParaRPr lang="en-US"/>
           </a:p>
@@ -5051,7 +4164,7 @@
                 <a:latin typeface="Roboto Condensed" panose="02000000000000000000" pitchFamily="2" charset="0"/>
                 <a:ea typeface="Roboto Condensed" panose="02000000000000000000" pitchFamily="2" charset="0"/>
               </a:rPr>
-              <a:t>mean = 3.67</a:t>
+              <a:t>mean = 3.66</a:t>
             </a:r>
           </a:p>
           <a:p>
@@ -5076,7 +4189,7 @@
                 <a:latin typeface="Roboto Condensed" panose="02000000000000000000" pitchFamily="2" charset="0"/>
                 <a:ea typeface="Roboto Condensed" panose="02000000000000000000" pitchFamily="2" charset="0"/>
               </a:rPr>
-              <a:t> = 0.92</a:t>
+              <a:t> = 0.94</a:t>
             </a:r>
           </a:p>
         </p:txBody>
@@ -5261,7 +4374,7 @@
         </p:nvSpPr>
         <p:spPr>
           <a:xfrm>
-            <a:off x="5541629" y="14820"/>
+            <a:off x="5548843" y="14820"/>
             <a:ext cx="646331" cy="307777"/>
           </a:xfrm>
           <a:prstGeom prst="rect">
@@ -5560,7 +4673,7 @@
                 <a:latin typeface="Roboto Condensed" panose="02000000000000000000" pitchFamily="2" charset="0"/>
                 <a:ea typeface="Roboto Condensed" panose="02000000000000000000" pitchFamily="2" charset="0"/>
               </a:rPr>
-              <a:t>0.20</a:t>
+              <a:t>0.21</a:t>
             </a:r>
           </a:p>
           <a:p>
@@ -5576,8 +4689,19 @@
                 <a:latin typeface="Roboto Condensed" panose="02000000000000000000" pitchFamily="2" charset="0"/>
                 <a:ea typeface="Roboto Condensed" panose="02000000000000000000" pitchFamily="2" charset="0"/>
               </a:rPr>
-              <a:t> = 1.15</a:t>
-            </a:r>
+              <a:t> </a:t>
+            </a:r>
+            <a:r>
+              <a:rPr lang="en-US" sz="1100">
+                <a:latin typeface="Roboto Condensed" panose="02000000000000000000" pitchFamily="2" charset="0"/>
+                <a:ea typeface="Roboto Condensed" panose="02000000000000000000" pitchFamily="2" charset="0"/>
+              </a:rPr>
+              <a:t>= 1.15</a:t>
+            </a:r>
+            <a:endParaRPr lang="en-US" sz="1100" dirty="0">
+              <a:latin typeface="Roboto Condensed" panose="02000000000000000000" pitchFamily="2" charset="0"/>
+              <a:ea typeface="Roboto Condensed" panose="02000000000000000000" pitchFamily="2" charset="0"/>
+            </a:endParaRPr>
           </a:p>
           <a:p>
             <a:r>
@@ -6778,7 +5902,7 @@
                           <a:srgbClr val="8B0000"/>
                         </a:solidFill>
                       </a:rPr>
-                      <a:t>1.02</a:t>
+                      <a:t>1.01</a:t>
                     </a:r>
                   </a:p>
                 </p:txBody>
@@ -7286,14 +6410,14 @@
                       <a:pPr algn="ctr"/>
                       <a:r>
                         <a:rPr lang="en-US" sz="1100" dirty="0"/>
-                        <a:t>(3 – 3.65)</a:t>
+                        <a:t>(3 – 3.66)</a:t>
                       </a:r>
                       <a:br>
                         <a:rPr lang="en-US" sz="1100" dirty="0"/>
                       </a:br>
                       <a:r>
                         <a:rPr lang="en-US" sz="1100" dirty="0"/>
-                        <a:t>0.92 </a:t>
+                        <a:t>0.94 </a:t>
                       </a:r>
                     </a:p>
                   </p:txBody>
@@ -7609,10 +6733,10 @@
               </p:nvGrpSpPr>
               <p:grpSpPr>
                 <a:xfrm>
-                  <a:off x="1534014" y="1167152"/>
-                  <a:ext cx="1297712" cy="430887"/>
-                  <a:chOff x="1529449" y="1067142"/>
-                  <a:chExt cx="1297712" cy="430887"/>
+                  <a:off x="1497947" y="1167152"/>
+                  <a:ext cx="1333779" cy="430887"/>
+                  <a:chOff x="1493382" y="1067142"/>
+                  <a:chExt cx="1333779" cy="430887"/>
                 </a:xfrm>
               </p:grpSpPr>
               <p:sp>
@@ -7673,10 +6797,10 @@
                 </p:nvGrpSpPr>
                 <p:grpSpPr>
                   <a:xfrm>
-                    <a:off x="1529449" y="1067142"/>
-                    <a:ext cx="837089" cy="430887"/>
-                    <a:chOff x="1524633" y="966294"/>
-                    <a:chExt cx="837089" cy="430887"/>
+                    <a:off x="1493382" y="1067142"/>
+                    <a:ext cx="909223" cy="430887"/>
+                    <a:chOff x="1488566" y="966294"/>
+                    <a:chExt cx="909223" cy="430887"/>
                   </a:xfrm>
                 </p:grpSpPr>
                 <p:sp>
@@ -7693,8 +6817,8 @@
                   </p:nvSpPr>
                   <p:spPr>
                     <a:xfrm>
-                      <a:off x="1524633" y="966294"/>
-                      <a:ext cx="837089" cy="430887"/>
+                      <a:off x="1488566" y="966294"/>
+                      <a:ext cx="909223" cy="430887"/>
                     </a:xfrm>
                     <a:prstGeom prst="rect">
                       <a:avLst/>
@@ -7710,14 +6834,14 @@
                       <a:pPr algn="ctr"/>
                       <a:r>
                         <a:rPr lang="en-US" sz="1100" dirty="0"/>
-                        <a:t>(4.3 – 3.65)</a:t>
+                        <a:t>(4.33 – 3.66)</a:t>
                       </a:r>
                       <a:br>
                         <a:rPr lang="en-US" sz="1100" dirty="0"/>
                       </a:br>
                       <a:r>
                         <a:rPr lang="en-US" sz="1100" dirty="0"/>
-                        <a:t>0.92 </a:t>
+                        <a:t>0.94 </a:t>
                       </a:r>
                     </a:p>
                   </p:txBody>
@@ -8152,14 +7276,14 @@
                       <a:pPr algn="ctr"/>
                       <a:r>
                         <a:rPr lang="en-US" sz="1100" dirty="0"/>
-                        <a:t>(13 – 12.43)</a:t>
+                        <a:t>(13 – 12.44)</a:t>
                       </a:r>
                       <a:br>
                         <a:rPr lang="en-US" sz="1100" dirty="0"/>
                       </a:br>
                       <a:r>
                         <a:rPr lang="en-US" sz="1100" dirty="0"/>
-                        <a:t>1.91 </a:t>
+                        <a:t>1.90 </a:t>
                       </a:r>
                     </a:p>
                   </p:txBody>
@@ -8570,14 +7694,14 @@
                       <a:pPr algn="ctr"/>
                       <a:r>
                         <a:rPr lang="en-US" sz="1100" dirty="0"/>
-                        <a:t>(14 – 12.43)</a:t>
+                        <a:t>(14 – 12.44)</a:t>
                       </a:r>
                       <a:br>
                         <a:rPr lang="en-US" sz="1100" dirty="0"/>
                       </a:br>
                       <a:r>
                         <a:rPr lang="en-US" sz="1100" dirty="0"/>
-                        <a:t>1.91 </a:t>
+                        <a:t>1.90 </a:t>
                       </a:r>
                     </a:p>
                   </p:txBody>
@@ -8830,10 +7954,10 @@
             </p:nvGrpSpPr>
             <p:grpSpPr>
               <a:xfrm>
-                <a:off x="1461878" y="562016"/>
-                <a:ext cx="1400024" cy="1036023"/>
-                <a:chOff x="1461878" y="562016"/>
-                <a:chExt cx="1400024" cy="1036023"/>
+                <a:off x="1425811" y="562016"/>
+                <a:ext cx="1436091" cy="1036023"/>
+                <a:chOff x="1425811" y="562016"/>
+                <a:chExt cx="1436091" cy="1036023"/>
               </a:xfrm>
             </p:grpSpPr>
             <p:sp>
@@ -8874,7 +7998,7 @@
                   <a:pPr algn="ctr"/>
                   <a:r>
                     <a:rPr lang="en-US" sz="1100" dirty="0"/>
-                    <a:t>10.3</a:t>
+                    <a:t>10.33</a:t>
                   </a:r>
                 </a:p>
               </p:txBody>
@@ -8893,10 +8017,10 @@
               </p:nvGrpSpPr>
               <p:grpSpPr>
                 <a:xfrm>
-                  <a:off x="1461878" y="1167152"/>
-                  <a:ext cx="1391489" cy="430887"/>
-                  <a:chOff x="1457313" y="1067142"/>
-                  <a:chExt cx="1391489" cy="430887"/>
+                  <a:off x="1425811" y="1167152"/>
+                  <a:ext cx="1427556" cy="430887"/>
+                  <a:chOff x="1421246" y="1067142"/>
+                  <a:chExt cx="1427556" cy="430887"/>
                 </a:xfrm>
               </p:grpSpPr>
               <p:sp>
@@ -8957,10 +8081,10 @@
                 </p:nvGrpSpPr>
                 <p:grpSpPr>
                   <a:xfrm>
-                    <a:off x="1457313" y="1067142"/>
-                    <a:ext cx="981359" cy="430887"/>
-                    <a:chOff x="1452497" y="966294"/>
-                    <a:chExt cx="981359" cy="430887"/>
+                    <a:off x="1421246" y="1067142"/>
+                    <a:ext cx="1053494" cy="430887"/>
+                    <a:chOff x="1416430" y="966294"/>
+                    <a:chExt cx="1053494" cy="430887"/>
                   </a:xfrm>
                 </p:grpSpPr>
                 <p:sp>
@@ -8977,8 +8101,8 @@
                   </p:nvSpPr>
                   <p:spPr>
                     <a:xfrm>
-                      <a:off x="1452497" y="966294"/>
-                      <a:ext cx="981359" cy="430887"/>
+                      <a:off x="1416430" y="966294"/>
+                      <a:ext cx="1053494" cy="430887"/>
                     </a:xfrm>
                     <a:prstGeom prst="rect">
                       <a:avLst/>
@@ -8994,14 +8118,14 @@
                       <a:pPr algn="ctr"/>
                       <a:r>
                         <a:rPr lang="en-US" sz="1100" dirty="0"/>
-                        <a:t>(10.3 – 12.42)</a:t>
+                        <a:t>(10.33 – 12.44)</a:t>
                       </a:r>
                       <a:br>
                         <a:rPr lang="en-US" sz="1100" dirty="0"/>
                       </a:br>
                       <a:r>
                         <a:rPr lang="en-US" sz="1100" dirty="0"/>
-                        <a:t>1.91 </a:t>
+                        <a:t>1.90 </a:t>
                       </a:r>
                     </a:p>
                   </p:txBody>

--- a/figures/z-score_schematic.pptx
+++ b/figures/z-score_schematic.pptx
@@ -115,84 +115,20 @@
 <file path=ppt/changesInfos/changesInfo1.xml><?xml version="1.0" encoding="utf-8"?>
 <pc:chgInfo xmlns:a="http://schemas.openxmlformats.org/drawingml/2006/main" xmlns:r="http://schemas.openxmlformats.org/officeDocument/2006/relationships" xmlns:ac="http://schemas.microsoft.com/office/drawing/2013/main/command" xmlns:pc="http://schemas.microsoft.com/office/powerpoint/2013/main/command">
   <pc:docChgLst>
-    <pc:chgData name="Hollister, Jeff" userId="90904e2a-aa82-465e-9922-afce4bc6d524" providerId="ADAL" clId="{ED486670-7F59-4038-B9BC-E9238978F7A3}"/>
-    <pc:docChg chg="undo redo custSel delSld modSld">
-      <pc:chgData name="Hollister, Jeff" userId="90904e2a-aa82-465e-9922-afce4bc6d524" providerId="ADAL" clId="{ED486670-7F59-4038-B9BC-E9238978F7A3}" dt="2019-05-14T12:46:40.107" v="2437" actId="20577"/>
+    <pc:chgData name="Hollister, Jeff" userId="90904e2a-aa82-465e-9922-afce4bc6d524" providerId="ADAL" clId="{166A686B-D906-4650-B0BC-EE24A51C1C37}"/>
+    <pc:docChg chg="modSld">
+      <pc:chgData name="Hollister, Jeff" userId="90904e2a-aa82-465e-9922-afce4bc6d524" providerId="ADAL" clId="{166A686B-D906-4650-B0BC-EE24A51C1C37}" dt="2019-11-06T01:05:55.805" v="0" actId="554"/>
       <pc:docMkLst>
         <pc:docMk/>
       </pc:docMkLst>
-      <pc:sldChg chg="addSp delSp modSp">
-        <pc:chgData name="Hollister, Jeff" userId="90904e2a-aa82-465e-9922-afce4bc6d524" providerId="ADAL" clId="{ED486670-7F59-4038-B9BC-E9238978F7A3}" dt="2019-05-14T12:46:40.107" v="2437" actId="20577"/>
+      <pc:sldChg chg="modSp">
+        <pc:chgData name="Hollister, Jeff" userId="90904e2a-aa82-465e-9922-afce4bc6d524" providerId="ADAL" clId="{166A686B-D906-4650-B0BC-EE24A51C1C37}" dt="2019-11-06T01:05:55.805" v="0" actId="554"/>
         <pc:sldMkLst>
           <pc:docMk/>
           <pc:sldMk cId="1258879937" sldId="257"/>
         </pc:sldMkLst>
         <pc:spChg chg="mod">
-          <ac:chgData name="Hollister, Jeff" userId="90904e2a-aa82-465e-9922-afce4bc6d524" providerId="ADAL" clId="{ED486670-7F59-4038-B9BC-E9238978F7A3}" dt="2019-05-06T17:04:57.365" v="2327" actId="692"/>
-          <ac:spMkLst>
-            <pc:docMk/>
-            <pc:sldMk cId="1258879937" sldId="257"/>
-            <ac:spMk id="2" creationId="{6C56BEAB-01BB-4A01-9A49-8F5AF03418B2}"/>
-          </ac:spMkLst>
-        </pc:spChg>
-        <pc:spChg chg="mod">
-          <ac:chgData name="Hollister, Jeff" userId="90904e2a-aa82-465e-9922-afce4bc6d524" providerId="ADAL" clId="{ED486670-7F59-4038-B9BC-E9238978F7A3}" dt="2019-05-06T17:11:04.826" v="2341" actId="20577"/>
-          <ac:spMkLst>
-            <pc:docMk/>
-            <pc:sldMk cId="1258879937" sldId="257"/>
-            <ac:spMk id="4" creationId="{9DAAA7D2-1A2B-4088-BAD1-9556A15760E2}"/>
-          </ac:spMkLst>
-        </pc:spChg>
-        <pc:spChg chg="mod">
-          <ac:chgData name="Hollister, Jeff" userId="90904e2a-aa82-465e-9922-afce4bc6d524" providerId="ADAL" clId="{ED486670-7F59-4038-B9BC-E9238978F7A3}" dt="2019-05-14T12:44:28.435" v="2422" actId="20577"/>
-          <ac:spMkLst>
-            <pc:docMk/>
-            <pc:sldMk cId="1258879937" sldId="257"/>
-            <ac:spMk id="5" creationId="{8C9786EB-34F3-4C77-BDCA-E8BD08FE1D11}"/>
-          </ac:spMkLst>
-        </pc:spChg>
-        <pc:spChg chg="mod">
-          <ac:chgData name="Hollister, Jeff" userId="90904e2a-aa82-465e-9922-afce4bc6d524" providerId="ADAL" clId="{ED486670-7F59-4038-B9BC-E9238978F7A3}" dt="2019-05-06T17:23:01.490" v="2379" actId="20577"/>
-          <ac:spMkLst>
-            <pc:docMk/>
-            <pc:sldMk cId="1258879937" sldId="257"/>
-            <ac:spMk id="6" creationId="{6A1187EE-F5D0-4199-837E-29800767DC0A}"/>
-          </ac:spMkLst>
-        </pc:spChg>
-        <pc:spChg chg="mod">
-          <ac:chgData name="Hollister, Jeff" userId="90904e2a-aa82-465e-9922-afce4bc6d524" providerId="ADAL" clId="{ED486670-7F59-4038-B9BC-E9238978F7A3}" dt="2019-05-06T14:12:23.881" v="2236" actId="12788"/>
-          <ac:spMkLst>
-            <pc:docMk/>
-            <pc:sldMk cId="1258879937" sldId="257"/>
-            <ac:spMk id="7" creationId="{78AB19B3-7DF4-4103-B447-9726179C1822}"/>
-          </ac:spMkLst>
-        </pc:spChg>
-        <pc:spChg chg="mod">
-          <ac:chgData name="Hollister, Jeff" userId="90904e2a-aa82-465e-9922-afce4bc6d524" providerId="ADAL" clId="{ED486670-7F59-4038-B9BC-E9238978F7A3}" dt="2019-05-06T14:12:32.911" v="2237" actId="12788"/>
-          <ac:spMkLst>
-            <pc:docMk/>
-            <pc:sldMk cId="1258879937" sldId="257"/>
-            <ac:spMk id="8" creationId="{4CA24146-E92A-4417-8FA0-B675C21987B3}"/>
-          </ac:spMkLst>
-        </pc:spChg>
-        <pc:spChg chg="mod">
-          <ac:chgData name="Hollister, Jeff" userId="90904e2a-aa82-465e-9922-afce4bc6d524" providerId="ADAL" clId="{ED486670-7F59-4038-B9BC-E9238978F7A3}" dt="2019-05-14T12:35:41.033" v="2420" actId="12788"/>
-          <ac:spMkLst>
-            <pc:docMk/>
-            <pc:sldMk cId="1258879937" sldId="257"/>
-            <ac:spMk id="9" creationId="{AFC3A614-EDF0-4DE1-A14E-AEA75B26B4BB}"/>
-          </ac:spMkLst>
-        </pc:spChg>
-        <pc:spChg chg="add mod">
-          <ac:chgData name="Hollister, Jeff" userId="90904e2a-aa82-465e-9922-afce4bc6d524" providerId="ADAL" clId="{ED486670-7F59-4038-B9BC-E9238978F7A3}" dt="2019-05-06T13:58:44.630" v="1905" actId="164"/>
-          <ac:spMkLst>
-            <pc:docMk/>
-            <pc:sldMk cId="1258879937" sldId="257"/>
-            <ac:spMk id="17" creationId="{5A0B819A-6092-412C-9924-B3C364E52138}"/>
-          </ac:spMkLst>
-        </pc:spChg>
-        <pc:spChg chg="mod">
-          <ac:chgData name="Hollister, Jeff" userId="90904e2a-aa82-465e-9922-afce4bc6d524" providerId="ADAL" clId="{ED486670-7F59-4038-B9BC-E9238978F7A3}" dt="2019-05-06T17:24:18.589" v="2381" actId="20577"/>
+          <ac:chgData name="Hollister, Jeff" userId="90904e2a-aa82-465e-9922-afce4bc6d524" providerId="ADAL" clId="{166A686B-D906-4650-B0BC-EE24A51C1C37}" dt="2019-11-06T01:05:55.805" v="0" actId="554"/>
           <ac:spMkLst>
             <pc:docMk/>
             <pc:sldMk cId="1258879937" sldId="257"/>
@@ -200,7 +136,7 @@
           </ac:spMkLst>
         </pc:spChg>
         <pc:spChg chg="mod">
-          <ac:chgData name="Hollister, Jeff" userId="90904e2a-aa82-465e-9922-afce4bc6d524" providerId="ADAL" clId="{ED486670-7F59-4038-B9BC-E9238978F7A3}" dt="2019-05-06T16:45:35.174" v="2296" actId="207"/>
+          <ac:chgData name="Hollister, Jeff" userId="90904e2a-aa82-465e-9922-afce4bc6d524" providerId="ADAL" clId="{166A686B-D906-4650-B0BC-EE24A51C1C37}" dt="2019-11-06T01:05:55.805" v="0" actId="554"/>
           <ac:spMkLst>
             <pc:docMk/>
             <pc:sldMk cId="1258879937" sldId="257"/>
@@ -208,943 +144,18 @@
           </ac:spMkLst>
         </pc:spChg>
         <pc:spChg chg="mod">
-          <ac:chgData name="Hollister, Jeff" userId="90904e2a-aa82-465e-9922-afce4bc6d524" providerId="ADAL" clId="{ED486670-7F59-4038-B9BC-E9238978F7A3}" dt="2019-05-14T12:46:40.107" v="2437" actId="20577"/>
+          <ac:chgData name="Hollister, Jeff" userId="90904e2a-aa82-465e-9922-afce4bc6d524" providerId="ADAL" clId="{166A686B-D906-4650-B0BC-EE24A51C1C37}" dt="2019-11-06T01:05:55.805" v="0" actId="554"/>
           <ac:spMkLst>
             <pc:docMk/>
             <pc:sldMk cId="1258879937" sldId="257"/>
             <ac:spMk id="48" creationId="{643CB40A-4BCF-4B4D-8D89-F0145DFA33D3}"/>
           </ac:spMkLst>
         </pc:spChg>
-        <pc:spChg chg="mod">
-          <ac:chgData name="Hollister, Jeff" userId="90904e2a-aa82-465e-9922-afce4bc6d524" providerId="ADAL" clId="{ED486670-7F59-4038-B9BC-E9238978F7A3}" dt="2019-05-06T13:52:41.982" v="1630" actId="122"/>
-          <ac:spMkLst>
-            <pc:docMk/>
-            <pc:sldMk cId="1258879937" sldId="257"/>
-            <ac:spMk id="53" creationId="{63E96BA2-DCBA-4505-BDD2-C510302C3B6B}"/>
-          </ac:spMkLst>
-        </pc:spChg>
-        <pc:spChg chg="mod">
-          <ac:chgData name="Hollister, Jeff" userId="90904e2a-aa82-465e-9922-afce4bc6d524" providerId="ADAL" clId="{ED486670-7F59-4038-B9BC-E9238978F7A3}" dt="2019-05-06T15:20:17.201" v="2276" actId="20577"/>
-          <ac:spMkLst>
-            <pc:docMk/>
-            <pc:sldMk cId="1258879937" sldId="257"/>
-            <ac:spMk id="78" creationId="{7C7F0A6A-CADA-4A85-A1AB-018058996648}"/>
-          </ac:spMkLst>
-        </pc:spChg>
-        <pc:spChg chg="del">
-          <ac:chgData name="Hollister, Jeff" userId="90904e2a-aa82-465e-9922-afce4bc6d524" providerId="ADAL" clId="{ED486670-7F59-4038-B9BC-E9238978F7A3}" dt="2019-05-06T13:10:04.997" v="1587" actId="478"/>
-          <ac:spMkLst>
-            <pc:docMk/>
-            <pc:sldMk cId="1258879937" sldId="257"/>
-            <ac:spMk id="81" creationId="{F39017AD-7EFE-4788-926C-4E6BD37E1114}"/>
-          </ac:spMkLst>
-        </pc:spChg>
-        <pc:spChg chg="del">
-          <ac:chgData name="Hollister, Jeff" userId="90904e2a-aa82-465e-9922-afce4bc6d524" providerId="ADAL" clId="{ED486670-7F59-4038-B9BC-E9238978F7A3}" dt="2019-05-06T13:10:04.997" v="1587" actId="478"/>
-          <ac:spMkLst>
-            <pc:docMk/>
-            <pc:sldMk cId="1258879937" sldId="257"/>
-            <ac:spMk id="82" creationId="{CDFC8B0C-23AC-4D1D-8897-C149BC512D91}"/>
-          </ac:spMkLst>
-        </pc:spChg>
-        <pc:spChg chg="del">
-          <ac:chgData name="Hollister, Jeff" userId="90904e2a-aa82-465e-9922-afce4bc6d524" providerId="ADAL" clId="{ED486670-7F59-4038-B9BC-E9238978F7A3}" dt="2019-05-06T13:10:04.997" v="1587" actId="478"/>
-          <ac:spMkLst>
-            <pc:docMk/>
-            <pc:sldMk cId="1258879937" sldId="257"/>
-            <ac:spMk id="83" creationId="{6AF7727E-D979-4AF2-B823-FEC2C43106C3}"/>
-          </ac:spMkLst>
-        </pc:spChg>
-        <pc:spChg chg="del">
-          <ac:chgData name="Hollister, Jeff" userId="90904e2a-aa82-465e-9922-afce4bc6d524" providerId="ADAL" clId="{ED486670-7F59-4038-B9BC-E9238978F7A3}" dt="2019-05-06T13:10:04.997" v="1587" actId="478"/>
-          <ac:spMkLst>
-            <pc:docMk/>
-            <pc:sldMk cId="1258879937" sldId="257"/>
-            <ac:spMk id="84" creationId="{8D9D8415-31BE-4B84-9ED3-ACBA082148FF}"/>
-          </ac:spMkLst>
-        </pc:spChg>
-        <pc:spChg chg="del">
-          <ac:chgData name="Hollister, Jeff" userId="90904e2a-aa82-465e-9922-afce4bc6d524" providerId="ADAL" clId="{ED486670-7F59-4038-B9BC-E9238978F7A3}" dt="2019-05-06T13:10:04.997" v="1587" actId="478"/>
-          <ac:spMkLst>
-            <pc:docMk/>
-            <pc:sldMk cId="1258879937" sldId="257"/>
-            <ac:spMk id="85" creationId="{F54E2C3C-8529-4FCE-8673-6F1BA0A6F945}"/>
-          </ac:spMkLst>
-        </pc:spChg>
-        <pc:spChg chg="del">
-          <ac:chgData name="Hollister, Jeff" userId="90904e2a-aa82-465e-9922-afce4bc6d524" providerId="ADAL" clId="{ED486670-7F59-4038-B9BC-E9238978F7A3}" dt="2019-05-06T13:10:04.997" v="1587" actId="478"/>
-          <ac:spMkLst>
-            <pc:docMk/>
-            <pc:sldMk cId="1258879937" sldId="257"/>
-            <ac:spMk id="87" creationId="{A034A73A-A55A-42EC-B37B-966CBCF31C03}"/>
-          </ac:spMkLst>
-        </pc:spChg>
-        <pc:spChg chg="del">
-          <ac:chgData name="Hollister, Jeff" userId="90904e2a-aa82-465e-9922-afce4bc6d524" providerId="ADAL" clId="{ED486670-7F59-4038-B9BC-E9238978F7A3}" dt="2019-05-06T13:10:04.997" v="1587" actId="478"/>
-          <ac:spMkLst>
-            <pc:docMk/>
-            <pc:sldMk cId="1258879937" sldId="257"/>
-            <ac:spMk id="88" creationId="{74124756-EDDB-4411-B0B1-AE91317ADB06}"/>
-          </ac:spMkLst>
-        </pc:spChg>
-        <pc:spChg chg="del">
-          <ac:chgData name="Hollister, Jeff" userId="90904e2a-aa82-465e-9922-afce4bc6d524" providerId="ADAL" clId="{ED486670-7F59-4038-B9BC-E9238978F7A3}" dt="2019-05-06T13:10:04.997" v="1587" actId="478"/>
-          <ac:spMkLst>
-            <pc:docMk/>
-            <pc:sldMk cId="1258879937" sldId="257"/>
-            <ac:spMk id="89" creationId="{6CF321B7-0F90-4E94-A936-D5DA116AA7C8}"/>
-          </ac:spMkLst>
-        </pc:spChg>
-        <pc:spChg chg="del">
-          <ac:chgData name="Hollister, Jeff" userId="90904e2a-aa82-465e-9922-afce4bc6d524" providerId="ADAL" clId="{ED486670-7F59-4038-B9BC-E9238978F7A3}" dt="2019-05-06T13:10:04.997" v="1587" actId="478"/>
-          <ac:spMkLst>
-            <pc:docMk/>
-            <pc:sldMk cId="1258879937" sldId="257"/>
-            <ac:spMk id="91" creationId="{681872E3-21D0-4CBB-A121-49398BAA84F9}"/>
-          </ac:spMkLst>
-        </pc:spChg>
-        <pc:spChg chg="del">
-          <ac:chgData name="Hollister, Jeff" userId="90904e2a-aa82-465e-9922-afce4bc6d524" providerId="ADAL" clId="{ED486670-7F59-4038-B9BC-E9238978F7A3}" dt="2019-05-06T13:10:04.997" v="1587" actId="478"/>
-          <ac:spMkLst>
-            <pc:docMk/>
-            <pc:sldMk cId="1258879937" sldId="257"/>
-            <ac:spMk id="92" creationId="{B10AF8BC-C583-4B94-BD50-8605C7C27D69}"/>
-          </ac:spMkLst>
-        </pc:spChg>
-        <pc:spChg chg="mod topLvl">
-          <ac:chgData name="Hollister, Jeff" userId="90904e2a-aa82-465e-9922-afce4bc6d524" providerId="ADAL" clId="{ED486670-7F59-4038-B9BC-E9238978F7A3}" dt="2019-05-06T13:58:44.630" v="1905" actId="164"/>
-          <ac:spMkLst>
-            <pc:docMk/>
-            <pc:sldMk cId="1258879937" sldId="257"/>
-            <ac:spMk id="93" creationId="{03EC8AA9-91BF-4941-9103-3A491FE76F10}"/>
-          </ac:spMkLst>
-        </pc:spChg>
-        <pc:spChg chg="del">
-          <ac:chgData name="Hollister, Jeff" userId="90904e2a-aa82-465e-9922-afce4bc6d524" providerId="ADAL" clId="{ED486670-7F59-4038-B9BC-E9238978F7A3}" dt="2019-05-06T13:10:17.409" v="1589" actId="478"/>
-          <ac:spMkLst>
-            <pc:docMk/>
-            <pc:sldMk cId="1258879937" sldId="257"/>
-            <ac:spMk id="94" creationId="{61A07EEC-C58A-4746-AFA6-B9F5F0F9B7DA}"/>
-          </ac:spMkLst>
-        </pc:spChg>
-        <pc:spChg chg="del">
-          <ac:chgData name="Hollister, Jeff" userId="90904e2a-aa82-465e-9922-afce4bc6d524" providerId="ADAL" clId="{ED486670-7F59-4038-B9BC-E9238978F7A3}" dt="2019-05-06T13:10:17.409" v="1589" actId="478"/>
-          <ac:spMkLst>
-            <pc:docMk/>
-            <pc:sldMk cId="1258879937" sldId="257"/>
-            <ac:spMk id="95" creationId="{32EA453E-9F8A-4E1A-89B3-C467B5B9351E}"/>
-          </ac:spMkLst>
-        </pc:spChg>
-        <pc:spChg chg="mod topLvl">
-          <ac:chgData name="Hollister, Jeff" userId="90904e2a-aa82-465e-9922-afce4bc6d524" providerId="ADAL" clId="{ED486670-7F59-4038-B9BC-E9238978F7A3}" dt="2019-05-06T13:54:57.816" v="1687" actId="164"/>
-          <ac:spMkLst>
-            <pc:docMk/>
-            <pc:sldMk cId="1258879937" sldId="257"/>
-            <ac:spMk id="96" creationId="{14BCB8E2-1C0D-4D5E-BD48-91628AB4E5F4}"/>
-          </ac:spMkLst>
-        </pc:spChg>
-        <pc:spChg chg="mod topLvl">
-          <ac:chgData name="Hollister, Jeff" userId="90904e2a-aa82-465e-9922-afce4bc6d524" providerId="ADAL" clId="{ED486670-7F59-4038-B9BC-E9238978F7A3}" dt="2019-05-06T16:43:41.591" v="2278" actId="113"/>
-          <ac:spMkLst>
-            <pc:docMk/>
-            <pc:sldMk cId="1258879937" sldId="257"/>
-            <ac:spMk id="99" creationId="{ED7EA899-0709-42ED-84BF-F2B0DF1CCC30}"/>
-          </ac:spMkLst>
-        </pc:spChg>
-        <pc:spChg chg="mod">
-          <ac:chgData name="Hollister, Jeff" userId="90904e2a-aa82-465e-9922-afce4bc6d524" providerId="ADAL" clId="{ED486670-7F59-4038-B9BC-E9238978F7A3}" dt="2019-05-06T14:05:25.835" v="2025" actId="20577"/>
-          <ac:spMkLst>
-            <pc:docMk/>
-            <pc:sldMk cId="1258879937" sldId="257"/>
-            <ac:spMk id="100" creationId="{F7244D2D-C59F-4B1C-99D0-4A05C6D862C9}"/>
-          </ac:spMkLst>
-        </pc:spChg>
-        <pc:spChg chg="del">
-          <ac:chgData name="Hollister, Jeff" userId="90904e2a-aa82-465e-9922-afce4bc6d524" providerId="ADAL" clId="{ED486670-7F59-4038-B9BC-E9238978F7A3}" dt="2019-05-06T13:10:04.997" v="1587" actId="478"/>
-          <ac:spMkLst>
-            <pc:docMk/>
-            <pc:sldMk cId="1258879937" sldId="257"/>
-            <ac:spMk id="109" creationId="{F2325510-088D-4E4D-B7CF-0F5E7D8755F3}"/>
-          </ac:spMkLst>
-        </pc:spChg>
-        <pc:spChg chg="del">
-          <ac:chgData name="Hollister, Jeff" userId="90904e2a-aa82-465e-9922-afce4bc6d524" providerId="ADAL" clId="{ED486670-7F59-4038-B9BC-E9238978F7A3}" dt="2019-05-06T13:10:12.480" v="1588" actId="478"/>
-          <ac:spMkLst>
-            <pc:docMk/>
-            <pc:sldMk cId="1258879937" sldId="257"/>
-            <ac:spMk id="114" creationId="{0CBDC3EA-16B2-432C-BAC7-9D3899C2584C}"/>
-          </ac:spMkLst>
-        </pc:spChg>
-        <pc:spChg chg="del">
-          <ac:chgData name="Hollister, Jeff" userId="90904e2a-aa82-465e-9922-afce4bc6d524" providerId="ADAL" clId="{ED486670-7F59-4038-B9BC-E9238978F7A3}" dt="2019-05-06T13:10:12.480" v="1588" actId="478"/>
-          <ac:spMkLst>
-            <pc:docMk/>
-            <pc:sldMk cId="1258879937" sldId="257"/>
-            <ac:spMk id="119" creationId="{C2017ADA-ED80-4F53-B5E9-E734B25FD51C}"/>
-          </ac:spMkLst>
-        </pc:spChg>
-        <pc:spChg chg="del">
-          <ac:chgData name="Hollister, Jeff" userId="90904e2a-aa82-465e-9922-afce4bc6d524" providerId="ADAL" clId="{ED486670-7F59-4038-B9BC-E9238978F7A3}" dt="2019-05-06T13:10:04.997" v="1587" actId="478"/>
-          <ac:spMkLst>
-            <pc:docMk/>
-            <pc:sldMk cId="1258879937" sldId="257"/>
-            <ac:spMk id="124" creationId="{50ACC572-958B-443B-8C3C-BE14D33824D9}"/>
-          </ac:spMkLst>
-        </pc:spChg>
-        <pc:spChg chg="del">
-          <ac:chgData name="Hollister, Jeff" userId="90904e2a-aa82-465e-9922-afce4bc6d524" providerId="ADAL" clId="{ED486670-7F59-4038-B9BC-E9238978F7A3}" dt="2019-05-06T13:10:04.997" v="1587" actId="478"/>
-          <ac:spMkLst>
-            <pc:docMk/>
-            <pc:sldMk cId="1258879937" sldId="257"/>
-            <ac:spMk id="129" creationId="{D339B13B-F819-4880-8E0D-CCCF7485ED0E}"/>
-          </ac:spMkLst>
-        </pc:spChg>
-        <pc:spChg chg="mod">
-          <ac:chgData name="Hollister, Jeff" userId="90904e2a-aa82-465e-9922-afce4bc6d524" providerId="ADAL" clId="{ED486670-7F59-4038-B9BC-E9238978F7A3}" dt="2019-05-06T17:22:30.691" v="2377" actId="20577"/>
-          <ac:spMkLst>
-            <pc:docMk/>
-            <pc:sldMk cId="1258879937" sldId="257"/>
-            <ac:spMk id="136" creationId="{95811727-A0AF-4E42-B625-B88FECB2EF50}"/>
-          </ac:spMkLst>
-        </pc:spChg>
-        <pc:spChg chg="mod">
-          <ac:chgData name="Hollister, Jeff" userId="90904e2a-aa82-465e-9922-afce4bc6d524" providerId="ADAL" clId="{ED486670-7F59-4038-B9BC-E9238978F7A3}" dt="2019-05-06T14:05:33.298" v="2028" actId="20577"/>
-          <ac:spMkLst>
-            <pc:docMk/>
-            <pc:sldMk cId="1258879937" sldId="257"/>
-            <ac:spMk id="138" creationId="{F26D9E84-F54D-4FD9-921A-CC567E76721D}"/>
-          </ac:spMkLst>
-        </pc:spChg>
-        <pc:spChg chg="mod">
-          <ac:chgData name="Hollister, Jeff" userId="90904e2a-aa82-465e-9922-afce4bc6d524" providerId="ADAL" clId="{ED486670-7F59-4038-B9BC-E9238978F7A3}" dt="2019-05-06T14:05:21.748" v="2024" actId="20577"/>
-          <ac:spMkLst>
-            <pc:docMk/>
-            <pc:sldMk cId="1258879937" sldId="257"/>
-            <ac:spMk id="140" creationId="{C7193F7E-EED9-4FD2-ABF8-A333D0D7F359}"/>
-          </ac:spMkLst>
-        </pc:spChg>
-        <pc:spChg chg="mod">
-          <ac:chgData name="Hollister, Jeff" userId="90904e2a-aa82-465e-9922-afce4bc6d524" providerId="ADAL" clId="{ED486670-7F59-4038-B9BC-E9238978F7A3}" dt="2019-05-06T17:05:03.929" v="2328" actId="692"/>
-          <ac:spMkLst>
-            <pc:docMk/>
-            <pc:sldMk cId="1258879937" sldId="257"/>
-            <ac:spMk id="141" creationId="{5B558C0B-861C-4036-A09D-1DBFC95AE9F7}"/>
-          </ac:spMkLst>
-        </pc:spChg>
-        <pc:spChg chg="mod">
-          <ac:chgData name="Hollister, Jeff" userId="90904e2a-aa82-465e-9922-afce4bc6d524" providerId="ADAL" clId="{ED486670-7F59-4038-B9BC-E9238978F7A3}" dt="2019-05-06T14:05:52.236" v="2035" actId="20577"/>
-          <ac:spMkLst>
-            <pc:docMk/>
-            <pc:sldMk cId="1258879937" sldId="257"/>
-            <ac:spMk id="145" creationId="{40B959CA-F2FB-47F1-8034-BC0CC14DBDCE}"/>
-          </ac:spMkLst>
-        </pc:spChg>
-        <pc:spChg chg="mod">
-          <ac:chgData name="Hollister, Jeff" userId="90904e2a-aa82-465e-9922-afce4bc6d524" providerId="ADAL" clId="{ED486670-7F59-4038-B9BC-E9238978F7A3}" dt="2019-05-14T12:26:23.388" v="2407" actId="20577"/>
-          <ac:spMkLst>
-            <pc:docMk/>
-            <pc:sldMk cId="1258879937" sldId="257"/>
-            <ac:spMk id="148" creationId="{A2EC6638-6C8B-4CC1-B0FD-0CDBD11C3498}"/>
-          </ac:spMkLst>
-        </pc:spChg>
-        <pc:spChg chg="mod">
-          <ac:chgData name="Hollister, Jeff" userId="90904e2a-aa82-465e-9922-afce4bc6d524" providerId="ADAL" clId="{ED486670-7F59-4038-B9BC-E9238978F7A3}" dt="2019-05-06T14:06:01.284" v="2042" actId="20577"/>
-          <ac:spMkLst>
-            <pc:docMk/>
-            <pc:sldMk cId="1258879937" sldId="257"/>
-            <ac:spMk id="150" creationId="{2615D540-94AE-4704-9D0E-CB12FD36979F}"/>
-          </ac:spMkLst>
-        </pc:spChg>
-        <pc:spChg chg="mod">
-          <ac:chgData name="Hollister, Jeff" userId="90904e2a-aa82-465e-9922-afce4bc6d524" providerId="ADAL" clId="{ED486670-7F59-4038-B9BC-E9238978F7A3}" dt="2019-05-06T14:06:30.240" v="2062" actId="20577"/>
-          <ac:spMkLst>
-            <pc:docMk/>
-            <pc:sldMk cId="1258879937" sldId="257"/>
-            <ac:spMk id="152" creationId="{7EE7B463-1DB7-4F44-8CFC-85B1EC0188A2}"/>
-          </ac:spMkLst>
-        </pc:spChg>
-        <pc:spChg chg="mod">
-          <ac:chgData name="Hollister, Jeff" userId="90904e2a-aa82-465e-9922-afce4bc6d524" providerId="ADAL" clId="{ED486670-7F59-4038-B9BC-E9238978F7A3}" dt="2019-05-06T17:05:08.442" v="2329" actId="692"/>
-          <ac:spMkLst>
-            <pc:docMk/>
-            <pc:sldMk cId="1258879937" sldId="257"/>
-            <ac:spMk id="153" creationId="{FD5A860F-8082-4FC0-BB11-EDC4C91A3CA6}"/>
-          </ac:spMkLst>
-        </pc:spChg>
-        <pc:spChg chg="mod">
-          <ac:chgData name="Hollister, Jeff" userId="90904e2a-aa82-465e-9922-afce4bc6d524" providerId="ADAL" clId="{ED486670-7F59-4038-B9BC-E9238978F7A3}" dt="2019-05-06T14:07:12.244" v="2101" actId="20577"/>
-          <ac:spMkLst>
-            <pc:docMk/>
-            <pc:sldMk cId="1258879937" sldId="257"/>
-            <ac:spMk id="157" creationId="{915B7EE8-59B1-4DFF-B2D4-5E1FC6D7163A}"/>
-          </ac:spMkLst>
-        </pc:spChg>
-        <pc:spChg chg="mod">
-          <ac:chgData name="Hollister, Jeff" userId="90904e2a-aa82-465e-9922-afce4bc6d524" providerId="ADAL" clId="{ED486670-7F59-4038-B9BC-E9238978F7A3}" dt="2019-05-06T16:44:36.449" v="2286" actId="113"/>
-          <ac:spMkLst>
-            <pc:docMk/>
-            <pc:sldMk cId="1258879937" sldId="257"/>
-            <ac:spMk id="160" creationId="{477124F7-D039-4D02-AA73-8EED1B6543D8}"/>
-          </ac:spMkLst>
-        </pc:spChg>
-        <pc:spChg chg="mod">
-          <ac:chgData name="Hollister, Jeff" userId="90904e2a-aa82-465e-9922-afce4bc6d524" providerId="ADAL" clId="{ED486670-7F59-4038-B9BC-E9238978F7A3}" dt="2019-05-14T12:44:36.639" v="2424" actId="20577"/>
-          <ac:spMkLst>
-            <pc:docMk/>
-            <pc:sldMk cId="1258879937" sldId="257"/>
-            <ac:spMk id="162" creationId="{B87F0568-AE66-4387-B905-7E678EB3B00A}"/>
-          </ac:spMkLst>
-        </pc:spChg>
-        <pc:spChg chg="mod">
-          <ac:chgData name="Hollister, Jeff" userId="90904e2a-aa82-465e-9922-afce4bc6d524" providerId="ADAL" clId="{ED486670-7F59-4038-B9BC-E9238978F7A3}" dt="2019-05-06T14:06:37.627" v="2070" actId="20577"/>
-          <ac:spMkLst>
-            <pc:docMk/>
-            <pc:sldMk cId="1258879937" sldId="257"/>
-            <ac:spMk id="164" creationId="{BB871B4F-D4FB-4B4B-A801-4C2B19E68744}"/>
-          </ac:spMkLst>
-        </pc:spChg>
-        <pc:spChg chg="mod">
-          <ac:chgData name="Hollister, Jeff" userId="90904e2a-aa82-465e-9922-afce4bc6d524" providerId="ADAL" clId="{ED486670-7F59-4038-B9BC-E9238978F7A3}" dt="2019-05-06T17:05:13.686" v="2330" actId="692"/>
-          <ac:spMkLst>
-            <pc:docMk/>
-            <pc:sldMk cId="1258879937" sldId="257"/>
-            <ac:spMk id="165" creationId="{2D36232A-E5ED-4058-A2FE-A627FEF50D0A}"/>
-          </ac:spMkLst>
-        </pc:spChg>
-        <pc:spChg chg="mod">
-          <ac:chgData name="Hollister, Jeff" userId="90904e2a-aa82-465e-9922-afce4bc6d524" providerId="ADAL" clId="{ED486670-7F59-4038-B9BC-E9238978F7A3}" dt="2019-05-06T17:19:30.732" v="2356" actId="20577"/>
-          <ac:spMkLst>
-            <pc:docMk/>
-            <pc:sldMk cId="1258879937" sldId="257"/>
-            <ac:spMk id="169" creationId="{792C1AA7-2FF4-4810-80F3-5F7D3F2AF538}"/>
-          </ac:spMkLst>
-        </pc:spChg>
-        <pc:spChg chg="mod">
-          <ac:chgData name="Hollister, Jeff" userId="90904e2a-aa82-465e-9922-afce4bc6d524" providerId="ADAL" clId="{ED486670-7F59-4038-B9BC-E9238978F7A3}" dt="2019-05-14T12:45:45.011" v="2431" actId="20577"/>
-          <ac:spMkLst>
-            <pc:docMk/>
-            <pc:sldMk cId="1258879937" sldId="257"/>
-            <ac:spMk id="172" creationId="{0A35D830-CDEA-4BC5-93A7-2EBF1EEDB8ED}"/>
-          </ac:spMkLst>
-        </pc:spChg>
-        <pc:spChg chg="mod">
-          <ac:chgData name="Hollister, Jeff" userId="90904e2a-aa82-465e-9922-afce4bc6d524" providerId="ADAL" clId="{ED486670-7F59-4038-B9BC-E9238978F7A3}" dt="2019-05-14T12:45:20.285" v="2427" actId="20577"/>
-          <ac:spMkLst>
-            <pc:docMk/>
-            <pc:sldMk cId="1258879937" sldId="257"/>
-            <ac:spMk id="174" creationId="{C26140ED-8E95-4625-BE83-7CD39FDA6E09}"/>
-          </ac:spMkLst>
-        </pc:spChg>
-        <pc:spChg chg="mod">
-          <ac:chgData name="Hollister, Jeff" userId="90904e2a-aa82-465e-9922-afce4bc6d524" providerId="ADAL" clId="{ED486670-7F59-4038-B9BC-E9238978F7A3}" dt="2019-05-06T14:06:45.675" v="2076" actId="20577"/>
-          <ac:spMkLst>
-            <pc:docMk/>
-            <pc:sldMk cId="1258879937" sldId="257"/>
-            <ac:spMk id="176" creationId="{8D3273F4-C3F0-4776-BF37-FFC671E9A809}"/>
-          </ac:spMkLst>
-        </pc:spChg>
-        <pc:spChg chg="mod">
-          <ac:chgData name="Hollister, Jeff" userId="90904e2a-aa82-465e-9922-afce4bc6d524" providerId="ADAL" clId="{ED486670-7F59-4038-B9BC-E9238978F7A3}" dt="2019-05-06T17:05:19.648" v="2331" actId="692"/>
-          <ac:spMkLst>
-            <pc:docMk/>
-            <pc:sldMk cId="1258879937" sldId="257"/>
-            <ac:spMk id="177" creationId="{EEE329CB-CE33-4AFF-BF00-9CD30CE133EC}"/>
-          </ac:spMkLst>
-        </pc:spChg>
-        <pc:spChg chg="mod">
-          <ac:chgData name="Hollister, Jeff" userId="90904e2a-aa82-465e-9922-afce4bc6d524" providerId="ADAL" clId="{ED486670-7F59-4038-B9BC-E9238978F7A3}" dt="2019-05-06T14:08:34.917" v="2150" actId="20577"/>
-          <ac:spMkLst>
-            <pc:docMk/>
-            <pc:sldMk cId="1258879937" sldId="257"/>
-            <ac:spMk id="181" creationId="{B29F950C-7C2C-489E-9431-F784191C1339}"/>
-          </ac:spMkLst>
-        </pc:spChg>
-        <pc:spChg chg="mod">
-          <ac:chgData name="Hollister, Jeff" userId="90904e2a-aa82-465e-9922-afce4bc6d524" providerId="ADAL" clId="{ED486670-7F59-4038-B9BC-E9238978F7A3}" dt="2019-05-06T17:21:06.664" v="2368" actId="207"/>
-          <ac:spMkLst>
-            <pc:docMk/>
-            <pc:sldMk cId="1258879937" sldId="257"/>
-            <ac:spMk id="184" creationId="{A30BC1CE-0A80-4BD5-9B54-1560D7A480C5}"/>
-          </ac:spMkLst>
-        </pc:spChg>
-        <pc:spChg chg="mod">
-          <ac:chgData name="Hollister, Jeff" userId="90904e2a-aa82-465e-9922-afce4bc6d524" providerId="ADAL" clId="{ED486670-7F59-4038-B9BC-E9238978F7A3}" dt="2019-05-14T12:25:15.423" v="2401" actId="20577"/>
-          <ac:spMkLst>
-            <pc:docMk/>
-            <pc:sldMk cId="1258879937" sldId="257"/>
-            <ac:spMk id="186" creationId="{CB73E94B-A1AD-435B-9852-84C33666407F}"/>
-          </ac:spMkLst>
-        </pc:spChg>
-        <pc:spChg chg="mod">
-          <ac:chgData name="Hollister, Jeff" userId="90904e2a-aa82-465e-9922-afce4bc6d524" providerId="ADAL" clId="{ED486670-7F59-4038-B9BC-E9238978F7A3}" dt="2019-05-06T14:06:51.984" v="2083" actId="20577"/>
-          <ac:spMkLst>
-            <pc:docMk/>
-            <pc:sldMk cId="1258879937" sldId="257"/>
-            <ac:spMk id="188" creationId="{3A6C437B-3F59-488C-B784-A6C006383F6F}"/>
-          </ac:spMkLst>
-        </pc:spChg>
-        <pc:spChg chg="mod">
-          <ac:chgData name="Hollister, Jeff" userId="90904e2a-aa82-465e-9922-afce4bc6d524" providerId="ADAL" clId="{ED486670-7F59-4038-B9BC-E9238978F7A3}" dt="2019-05-06T17:05:26.222" v="2332" actId="692"/>
-          <ac:spMkLst>
-            <pc:docMk/>
-            <pc:sldMk cId="1258879937" sldId="257"/>
-            <ac:spMk id="189" creationId="{B8F3C425-21C0-47FF-9FA9-EC45F6A0A0A8}"/>
-          </ac:spMkLst>
-        </pc:spChg>
-        <pc:spChg chg="add del">
-          <ac:chgData name="Hollister, Jeff" userId="90904e2a-aa82-465e-9922-afce4bc6d524" providerId="ADAL" clId="{ED486670-7F59-4038-B9BC-E9238978F7A3}" dt="2019-05-06T14:02:14.298" v="1998"/>
-          <ac:spMkLst>
-            <pc:docMk/>
-            <pc:sldMk cId="1258879937" sldId="257"/>
-            <ac:spMk id="190" creationId="{ED2F8AFF-8B3A-4C66-BE98-FEF7698AF10E}"/>
-          </ac:spMkLst>
-        </pc:spChg>
-        <pc:spChg chg="mod">
-          <ac:chgData name="Hollister, Jeff" userId="90904e2a-aa82-465e-9922-afce4bc6d524" providerId="ADAL" clId="{ED486670-7F59-4038-B9BC-E9238978F7A3}" dt="2019-05-06T14:08:56.884" v="2163" actId="20577"/>
-          <ac:spMkLst>
-            <pc:docMk/>
-            <pc:sldMk cId="1258879937" sldId="257"/>
-            <ac:spMk id="194" creationId="{69FC8C15-20BE-4F1D-A797-BC6A67E97706}"/>
-          </ac:spMkLst>
-        </pc:spChg>
-        <pc:spChg chg="mod">
-          <ac:chgData name="Hollister, Jeff" userId="90904e2a-aa82-465e-9922-afce4bc6d524" providerId="ADAL" clId="{ED486670-7F59-4038-B9BC-E9238978F7A3}" dt="2019-05-06T16:44:52.679" v="2290" actId="207"/>
-          <ac:spMkLst>
-            <pc:docMk/>
-            <pc:sldMk cId="1258879937" sldId="257"/>
-            <ac:spMk id="197" creationId="{B6290DFD-ED08-4336-A2A9-96335A639159}"/>
-          </ac:spMkLst>
-        </pc:spChg>
-        <pc:spChg chg="mod">
-          <ac:chgData name="Hollister, Jeff" userId="90904e2a-aa82-465e-9922-afce4bc6d524" providerId="ADAL" clId="{ED486670-7F59-4038-B9BC-E9238978F7A3}" dt="2019-05-14T12:25:18.783" v="2403" actId="20577"/>
-          <ac:spMkLst>
-            <pc:docMk/>
-            <pc:sldMk cId="1258879937" sldId="257"/>
-            <ac:spMk id="199" creationId="{75461500-F3B6-4F2E-9E0D-A8C5059ACFEA}"/>
-          </ac:spMkLst>
-        </pc:spChg>
-        <pc:spChg chg="mod">
-          <ac:chgData name="Hollister, Jeff" userId="90904e2a-aa82-465e-9922-afce4bc6d524" providerId="ADAL" clId="{ED486670-7F59-4038-B9BC-E9238978F7A3}" dt="2019-05-06T14:06:57.655" v="2088" actId="20577"/>
-          <ac:spMkLst>
-            <pc:docMk/>
-            <pc:sldMk cId="1258879937" sldId="257"/>
-            <ac:spMk id="201" creationId="{89A7132A-8F66-4813-A266-E0AC62EEEF8A}"/>
-          </ac:spMkLst>
-        </pc:spChg>
-        <pc:spChg chg="mod">
-          <ac:chgData name="Hollister, Jeff" userId="90904e2a-aa82-465e-9922-afce4bc6d524" providerId="ADAL" clId="{ED486670-7F59-4038-B9BC-E9238978F7A3}" dt="2019-05-06T17:05:34.623" v="2333" actId="692"/>
-          <ac:spMkLst>
-            <pc:docMk/>
-            <pc:sldMk cId="1258879937" sldId="257"/>
-            <ac:spMk id="202" creationId="{29B8DDC0-FD8C-4A65-ABFE-B6DBB21E2684}"/>
-          </ac:spMkLst>
-        </pc:spChg>
-        <pc:spChg chg="mod">
-          <ac:chgData name="Hollister, Jeff" userId="90904e2a-aa82-465e-9922-afce4bc6d524" providerId="ADAL" clId="{ED486670-7F59-4038-B9BC-E9238978F7A3}" dt="2019-05-14T12:22:26.710" v="2384" actId="20577"/>
-          <ac:spMkLst>
-            <pc:docMk/>
-            <pc:sldMk cId="1258879937" sldId="257"/>
-            <ac:spMk id="206" creationId="{ADD0D959-3286-4615-AADA-DFA3E6A52FBE}"/>
-          </ac:spMkLst>
-        </pc:spChg>
-        <pc:spChg chg="mod">
-          <ac:chgData name="Hollister, Jeff" userId="90904e2a-aa82-465e-9922-afce4bc6d524" providerId="ADAL" clId="{ED486670-7F59-4038-B9BC-E9238978F7A3}" dt="2019-05-06T17:21:15.994" v="2370" actId="20577"/>
-          <ac:spMkLst>
-            <pc:docMk/>
-            <pc:sldMk cId="1258879937" sldId="257"/>
-            <ac:spMk id="209" creationId="{6121EB08-82EC-41D9-B852-92EADCC3CB41}"/>
-          </ac:spMkLst>
-        </pc:spChg>
-        <pc:spChg chg="mod">
-          <ac:chgData name="Hollister, Jeff" userId="90904e2a-aa82-465e-9922-afce4bc6d524" providerId="ADAL" clId="{ED486670-7F59-4038-B9BC-E9238978F7A3}" dt="2019-05-14T12:25:21.798" v="2405" actId="20577"/>
-          <ac:spMkLst>
-            <pc:docMk/>
-            <pc:sldMk cId="1258879937" sldId="257"/>
-            <ac:spMk id="211" creationId="{C26D201E-C4A9-44BE-994D-A4538F2427C5}"/>
-          </ac:spMkLst>
-        </pc:spChg>
-        <pc:spChg chg="mod">
-          <ac:chgData name="Hollister, Jeff" userId="90904e2a-aa82-465e-9922-afce4bc6d524" providerId="ADAL" clId="{ED486670-7F59-4038-B9BC-E9238978F7A3}" dt="2019-05-06T14:07:05.772" v="2096" actId="20577"/>
-          <ac:spMkLst>
-            <pc:docMk/>
-            <pc:sldMk cId="1258879937" sldId="257"/>
-            <ac:spMk id="213" creationId="{22D1D387-4040-400D-A8A2-11A0DCF57807}"/>
-          </ac:spMkLst>
-        </pc:spChg>
-        <pc:spChg chg="mod">
-          <ac:chgData name="Hollister, Jeff" userId="90904e2a-aa82-465e-9922-afce4bc6d524" providerId="ADAL" clId="{ED486670-7F59-4038-B9BC-E9238978F7A3}" dt="2019-05-06T17:05:40.502" v="2334" actId="692"/>
-          <ac:spMkLst>
-            <pc:docMk/>
-            <pc:sldMk cId="1258879937" sldId="257"/>
-            <ac:spMk id="214" creationId="{2139A641-5691-43F7-A76D-7B8CB7099F08}"/>
-          </ac:spMkLst>
-        </pc:spChg>
-        <pc:grpChg chg="mod topLvl">
-          <ac:chgData name="Hollister, Jeff" userId="90904e2a-aa82-465e-9922-afce4bc6d524" providerId="ADAL" clId="{ED486670-7F59-4038-B9BC-E9238978F7A3}" dt="2019-05-06T14:12:23.881" v="2236" actId="12788"/>
-          <ac:grpSpMkLst>
-            <pc:docMk/>
-            <pc:sldMk cId="1258879937" sldId="257"/>
-            <ac:grpSpMk id="3" creationId="{5F3A5354-A2F2-496C-8FF1-4144F3094C69}"/>
-          </ac:grpSpMkLst>
-        </pc:grpChg>
-        <pc:grpChg chg="del">
-          <ac:chgData name="Hollister, Jeff" userId="90904e2a-aa82-465e-9922-afce4bc6d524" providerId="ADAL" clId="{ED486670-7F59-4038-B9BC-E9238978F7A3}" dt="2019-05-06T13:10:17.409" v="1589" actId="478"/>
-          <ac:grpSpMkLst>
-            <pc:docMk/>
-            <pc:sldMk cId="1258879937" sldId="257"/>
-            <ac:grpSpMk id="10" creationId="{1BC14BB0-8615-428C-B9F9-0E8E839FFBA0}"/>
-          </ac:grpSpMkLst>
-        </pc:grpChg>
-        <pc:grpChg chg="del">
-          <ac:chgData name="Hollister, Jeff" userId="90904e2a-aa82-465e-9922-afce4bc6d524" providerId="ADAL" clId="{ED486670-7F59-4038-B9BC-E9238978F7A3}" dt="2019-05-06T13:10:17.409" v="1589" actId="478"/>
-          <ac:grpSpMkLst>
-            <pc:docMk/>
-            <pc:sldMk cId="1258879937" sldId="257"/>
-            <ac:grpSpMk id="11" creationId="{D0D3F184-FBF3-4015-8A20-02AAE3A8C85B}"/>
-          </ac:grpSpMkLst>
-        </pc:grpChg>
-        <pc:grpChg chg="del mod topLvl">
-          <ac:chgData name="Hollister, Jeff" userId="90904e2a-aa82-465e-9922-afce4bc6d524" providerId="ADAL" clId="{ED486670-7F59-4038-B9BC-E9238978F7A3}" dt="2019-05-06T13:54:44.617" v="1685" actId="165"/>
-          <ac:grpSpMkLst>
-            <pc:docMk/>
-            <pc:sldMk cId="1258879937" sldId="257"/>
-            <ac:grpSpMk id="12" creationId="{B97566DA-F2D5-4595-A6BB-C6258AE7A000}"/>
-          </ac:grpSpMkLst>
-        </pc:grpChg>
-        <pc:grpChg chg="del mod">
-          <ac:chgData name="Hollister, Jeff" userId="90904e2a-aa82-465e-9922-afce4bc6d524" providerId="ADAL" clId="{ED486670-7F59-4038-B9BC-E9238978F7A3}" dt="2019-05-06T13:54:40.023" v="1684" actId="165"/>
-          <ac:grpSpMkLst>
-            <pc:docMk/>
-            <pc:sldMk cId="1258879937" sldId="257"/>
-            <ac:grpSpMk id="13" creationId="{6846167F-C3D6-4165-AC86-110B1CC20F29}"/>
-          </ac:grpSpMkLst>
-        </pc:grpChg>
-        <pc:grpChg chg="add mod">
-          <ac:chgData name="Hollister, Jeff" userId="90904e2a-aa82-465e-9922-afce4bc6d524" providerId="ADAL" clId="{ED486670-7F59-4038-B9BC-E9238978F7A3}" dt="2019-05-06T14:12:23.881" v="2236" actId="12788"/>
-          <ac:grpSpMkLst>
-            <pc:docMk/>
-            <pc:sldMk cId="1258879937" sldId="257"/>
-            <ac:grpSpMk id="15" creationId="{EA7CD6E2-0082-44AD-A42C-9BDB4A55341E}"/>
-          </ac:grpSpMkLst>
-        </pc:grpChg>
-        <pc:grpChg chg="add mod">
-          <ac:chgData name="Hollister, Jeff" userId="90904e2a-aa82-465e-9922-afce4bc6d524" providerId="ADAL" clId="{ED486670-7F59-4038-B9BC-E9238978F7A3}" dt="2019-05-06T14:12:23.881" v="2236" actId="12788"/>
-          <ac:grpSpMkLst>
-            <pc:docMk/>
-            <pc:sldMk cId="1258879937" sldId="257"/>
-            <ac:grpSpMk id="16" creationId="{0EB5E783-2730-4AAB-AA7A-B4755B360868}"/>
-          </ac:grpSpMkLst>
-        </pc:grpChg>
-        <pc:grpChg chg="add mod">
-          <ac:chgData name="Hollister, Jeff" userId="90904e2a-aa82-465e-9922-afce4bc6d524" providerId="ADAL" clId="{ED486670-7F59-4038-B9BC-E9238978F7A3}" dt="2019-05-06T14:12:23.881" v="2236" actId="12788"/>
-          <ac:grpSpMkLst>
-            <pc:docMk/>
-            <pc:sldMk cId="1258879937" sldId="257"/>
-            <ac:grpSpMk id="18" creationId="{DB7FB628-99C7-474D-9158-CB6EA355E6F3}"/>
-          </ac:grpSpMkLst>
-        </pc:grpChg>
-        <pc:grpChg chg="add mod">
-          <ac:chgData name="Hollister, Jeff" userId="90904e2a-aa82-465e-9922-afce4bc6d524" providerId="ADAL" clId="{ED486670-7F59-4038-B9BC-E9238978F7A3}" dt="2019-05-06T14:13:01.649" v="2239" actId="164"/>
-          <ac:grpSpMkLst>
-            <pc:docMk/>
-            <pc:sldMk cId="1258879937" sldId="257"/>
-            <ac:grpSpMk id="19" creationId="{1EF90590-007A-4001-897F-7394EAA6E23B}"/>
-          </ac:grpSpMkLst>
-        </pc:grpChg>
-        <pc:grpChg chg="add mod">
-          <ac:chgData name="Hollister, Jeff" userId="90904e2a-aa82-465e-9922-afce4bc6d524" providerId="ADAL" clId="{ED486670-7F59-4038-B9BC-E9238978F7A3}" dt="2019-05-06T14:13:20.916" v="2242" actId="554"/>
-          <ac:grpSpMkLst>
-            <pc:docMk/>
-            <pc:sldMk cId="1258879937" sldId="257"/>
-            <ac:grpSpMk id="20" creationId="{6B7CCD5F-2F0D-4364-8297-C37DAD299591}"/>
-          </ac:grpSpMkLst>
-        </pc:grpChg>
-        <pc:grpChg chg="add mod">
-          <ac:chgData name="Hollister, Jeff" userId="90904e2a-aa82-465e-9922-afce4bc6d524" providerId="ADAL" clId="{ED486670-7F59-4038-B9BC-E9238978F7A3}" dt="2019-05-06T14:13:27.531" v="2243" actId="554"/>
-          <ac:grpSpMkLst>
-            <pc:docMk/>
-            <pc:sldMk cId="1258879937" sldId="257"/>
-            <ac:grpSpMk id="21" creationId="{F67789FA-6EFE-4B30-9168-107DA84E36C5}"/>
-          </ac:grpSpMkLst>
-        </pc:grpChg>
-        <pc:grpChg chg="del mod topLvl">
-          <ac:chgData name="Hollister, Jeff" userId="90904e2a-aa82-465e-9922-afce4bc6d524" providerId="ADAL" clId="{ED486670-7F59-4038-B9BC-E9238978F7A3}" dt="2019-05-06T13:54:51.574" v="1686" actId="165"/>
-          <ac:grpSpMkLst>
-            <pc:docMk/>
-            <pc:sldMk cId="1258879937" sldId="257"/>
-            <ac:grpSpMk id="23" creationId="{012324FA-EF9B-4B6E-A9A9-942BC520FAB7}"/>
-          </ac:grpSpMkLst>
-        </pc:grpChg>
-        <pc:grpChg chg="add mod">
-          <ac:chgData name="Hollister, Jeff" userId="90904e2a-aa82-465e-9922-afce4bc6d524" providerId="ADAL" clId="{ED486670-7F59-4038-B9BC-E9238978F7A3}" dt="2019-05-06T14:13:54.244" v="2260" actId="554"/>
-          <ac:grpSpMkLst>
-            <pc:docMk/>
-            <pc:sldMk cId="1258879937" sldId="257"/>
-            <ac:grpSpMk id="24" creationId="{2349805E-343D-441E-8FD9-0693C5AB22AF}"/>
-          </ac:grpSpMkLst>
-        </pc:grpChg>
-        <pc:grpChg chg="add mod">
-          <ac:chgData name="Hollister, Jeff" userId="90904e2a-aa82-465e-9922-afce4bc6d524" providerId="ADAL" clId="{ED486670-7F59-4038-B9BC-E9238978F7A3}" dt="2019-05-06T14:13:01.649" v="2239" actId="164"/>
-          <ac:grpSpMkLst>
-            <pc:docMk/>
-            <pc:sldMk cId="1258879937" sldId="257"/>
-            <ac:grpSpMk id="90" creationId="{04AFCD5E-E7F5-4DCE-9453-F7190F7B2BC6}"/>
-          </ac:grpSpMkLst>
-        </pc:grpChg>
-        <pc:grpChg chg="mod">
-          <ac:chgData name="Hollister, Jeff" userId="90904e2a-aa82-465e-9922-afce4bc6d524" providerId="ADAL" clId="{ED486670-7F59-4038-B9BC-E9238978F7A3}" dt="2019-05-06T14:12:32.911" v="2237" actId="12788"/>
-          <ac:grpSpMkLst>
-            <pc:docMk/>
-            <pc:sldMk cId="1258879937" sldId="257"/>
-            <ac:grpSpMk id="97" creationId="{76FCE6B2-A99E-47C2-864B-ED6DC05DB471}"/>
-          </ac:grpSpMkLst>
-        </pc:grpChg>
-        <pc:grpChg chg="mod">
-          <ac:chgData name="Hollister, Jeff" userId="90904e2a-aa82-465e-9922-afce4bc6d524" providerId="ADAL" clId="{ED486670-7F59-4038-B9BC-E9238978F7A3}" dt="2019-05-06T14:12:32.911" v="2237" actId="12788"/>
-          <ac:grpSpMkLst>
-            <pc:docMk/>
-            <pc:sldMk cId="1258879937" sldId="257"/>
-            <ac:grpSpMk id="98" creationId="{64C6B9ED-14D8-4D30-9EAA-E87DD4C1263F}"/>
-          </ac:grpSpMkLst>
-        </pc:grpChg>
-        <pc:grpChg chg="del">
-          <ac:chgData name="Hollister, Jeff" userId="90904e2a-aa82-465e-9922-afce4bc6d524" providerId="ADAL" clId="{ED486670-7F59-4038-B9BC-E9238978F7A3}" dt="2019-05-06T13:10:17.409" v="1589" actId="478"/>
-          <ac:grpSpMkLst>
-            <pc:docMk/>
-            <pc:sldMk cId="1258879937" sldId="257"/>
-            <ac:grpSpMk id="101" creationId="{5B7F0953-F89A-477C-99DE-54CBC4836759}"/>
-          </ac:grpSpMkLst>
-        </pc:grpChg>
-        <pc:grpChg chg="del">
-          <ac:chgData name="Hollister, Jeff" userId="90904e2a-aa82-465e-9922-afce4bc6d524" providerId="ADAL" clId="{ED486670-7F59-4038-B9BC-E9238978F7A3}" dt="2019-05-06T13:10:17.409" v="1589" actId="478"/>
-          <ac:grpSpMkLst>
-            <pc:docMk/>
-            <pc:sldMk cId="1258879937" sldId="257"/>
-            <ac:grpSpMk id="105" creationId="{E7DBB7C6-327F-4AA4-A0F9-0C8258CC1043}"/>
-          </ac:grpSpMkLst>
-        </pc:grpChg>
-        <pc:grpChg chg="del">
-          <ac:chgData name="Hollister, Jeff" userId="90904e2a-aa82-465e-9922-afce4bc6d524" providerId="ADAL" clId="{ED486670-7F59-4038-B9BC-E9238978F7A3}" dt="2019-05-06T13:10:04.997" v="1587" actId="478"/>
-          <ac:grpSpMkLst>
-            <pc:docMk/>
-            <pc:sldMk cId="1258879937" sldId="257"/>
-            <ac:grpSpMk id="110" creationId="{EE254810-1FD5-487C-9E5A-EA47C35A2605}"/>
-          </ac:grpSpMkLst>
-        </pc:grpChg>
-        <pc:grpChg chg="del">
-          <ac:chgData name="Hollister, Jeff" userId="90904e2a-aa82-465e-9922-afce4bc6d524" providerId="ADAL" clId="{ED486670-7F59-4038-B9BC-E9238978F7A3}" dt="2019-05-06T13:10:12.480" v="1588" actId="478"/>
-          <ac:grpSpMkLst>
-            <pc:docMk/>
-            <pc:sldMk cId="1258879937" sldId="257"/>
-            <ac:grpSpMk id="115" creationId="{E7D3E79F-2C2D-46C5-A5E4-9F83457E81F3}"/>
-          </ac:grpSpMkLst>
-        </pc:grpChg>
-        <pc:grpChg chg="del">
-          <ac:chgData name="Hollister, Jeff" userId="90904e2a-aa82-465e-9922-afce4bc6d524" providerId="ADAL" clId="{ED486670-7F59-4038-B9BC-E9238978F7A3}" dt="2019-05-06T13:10:12.480" v="1588" actId="478"/>
-          <ac:grpSpMkLst>
-            <pc:docMk/>
-            <pc:sldMk cId="1258879937" sldId="257"/>
-            <ac:grpSpMk id="120" creationId="{4648D32E-90BD-45E9-9D2E-656D04FDDEC2}"/>
-          </ac:grpSpMkLst>
-        </pc:grpChg>
-        <pc:grpChg chg="del">
-          <ac:chgData name="Hollister, Jeff" userId="90904e2a-aa82-465e-9922-afce4bc6d524" providerId="ADAL" clId="{ED486670-7F59-4038-B9BC-E9238978F7A3}" dt="2019-05-06T13:10:04.997" v="1587" actId="478"/>
-          <ac:grpSpMkLst>
-            <pc:docMk/>
-            <pc:sldMk cId="1258879937" sldId="257"/>
-            <ac:grpSpMk id="125" creationId="{4B1391B0-885F-4AE4-8AF3-4C1C38F48673}"/>
-          </ac:grpSpMkLst>
-        </pc:grpChg>
-        <pc:grpChg chg="del">
-          <ac:chgData name="Hollister, Jeff" userId="90904e2a-aa82-465e-9922-afce4bc6d524" providerId="ADAL" clId="{ED486670-7F59-4038-B9BC-E9238978F7A3}" dt="2019-05-06T13:10:04.997" v="1587" actId="478"/>
-          <ac:grpSpMkLst>
-            <pc:docMk/>
-            <pc:sldMk cId="1258879937" sldId="257"/>
-            <ac:grpSpMk id="130" creationId="{2112ED87-36AE-49A5-A9E7-E32401A4EA32}"/>
-          </ac:grpSpMkLst>
-        </pc:grpChg>
-        <pc:grpChg chg="mod">
-          <ac:chgData name="Hollister, Jeff" userId="90904e2a-aa82-465e-9922-afce4bc6d524" providerId="ADAL" clId="{ED486670-7F59-4038-B9BC-E9238978F7A3}" dt="2019-05-06T14:12:32.911" v="2237" actId="12788"/>
-          <ac:grpSpMkLst>
-            <pc:docMk/>
-            <pc:sldMk cId="1258879937" sldId="257"/>
-            <ac:grpSpMk id="134" creationId="{DA845D18-B8EC-425B-A40D-9FE03806EED0}"/>
-          </ac:grpSpMkLst>
-        </pc:grpChg>
-        <pc:grpChg chg="mod">
-          <ac:chgData name="Hollister, Jeff" userId="90904e2a-aa82-465e-9922-afce4bc6d524" providerId="ADAL" clId="{ED486670-7F59-4038-B9BC-E9238978F7A3}" dt="2019-05-06T14:12:32.911" v="2237" actId="12788"/>
-          <ac:grpSpMkLst>
-            <pc:docMk/>
-            <pc:sldMk cId="1258879937" sldId="257"/>
-            <ac:grpSpMk id="137" creationId="{284D5F58-C47E-494D-8D05-8B80D8A25625}"/>
-          </ac:grpSpMkLst>
-        </pc:grpChg>
-        <pc:grpChg chg="add mod">
-          <ac:chgData name="Hollister, Jeff" userId="90904e2a-aa82-465e-9922-afce4bc6d524" providerId="ADAL" clId="{ED486670-7F59-4038-B9BC-E9238978F7A3}" dt="2019-05-06T14:13:01.649" v="2239" actId="164"/>
-          <ac:grpSpMkLst>
-            <pc:docMk/>
-            <pc:sldMk cId="1258879937" sldId="257"/>
-            <ac:grpSpMk id="142" creationId="{34D0D8BC-6A86-4DA5-9147-AB00F7182656}"/>
-          </ac:grpSpMkLst>
-        </pc:grpChg>
-        <pc:grpChg chg="mod">
-          <ac:chgData name="Hollister, Jeff" userId="90904e2a-aa82-465e-9922-afce4bc6d524" providerId="ADAL" clId="{ED486670-7F59-4038-B9BC-E9238978F7A3}" dt="2019-05-06T14:12:45.303" v="2238" actId="12788"/>
-          <ac:grpSpMkLst>
-            <pc:docMk/>
-            <pc:sldMk cId="1258879937" sldId="257"/>
-            <ac:grpSpMk id="143" creationId="{063460BB-46D0-4D67-8385-CF6A2385348D}"/>
-          </ac:grpSpMkLst>
-        </pc:grpChg>
-        <pc:grpChg chg="mod">
-          <ac:chgData name="Hollister, Jeff" userId="90904e2a-aa82-465e-9922-afce4bc6d524" providerId="ADAL" clId="{ED486670-7F59-4038-B9BC-E9238978F7A3}" dt="2019-05-06T14:12:45.303" v="2238" actId="12788"/>
-          <ac:grpSpMkLst>
-            <pc:docMk/>
-            <pc:sldMk cId="1258879937" sldId="257"/>
-            <ac:grpSpMk id="144" creationId="{74E44B00-805C-4BAE-8EFE-009DAF02D9B1}"/>
-          </ac:grpSpMkLst>
-        </pc:grpChg>
-        <pc:grpChg chg="mod">
-          <ac:chgData name="Hollister, Jeff" userId="90904e2a-aa82-465e-9922-afce4bc6d524" providerId="ADAL" clId="{ED486670-7F59-4038-B9BC-E9238978F7A3}" dt="2019-05-06T14:12:45.303" v="2238" actId="12788"/>
-          <ac:grpSpMkLst>
-            <pc:docMk/>
-            <pc:sldMk cId="1258879937" sldId="257"/>
-            <ac:grpSpMk id="146" creationId="{C9464A7D-EB72-475D-94C0-CE9F88ABF1DF}"/>
-          </ac:grpSpMkLst>
-        </pc:grpChg>
-        <pc:grpChg chg="mod">
-          <ac:chgData name="Hollister, Jeff" userId="90904e2a-aa82-465e-9922-afce4bc6d524" providerId="ADAL" clId="{ED486670-7F59-4038-B9BC-E9238978F7A3}" dt="2019-05-06T14:12:45.303" v="2238" actId="12788"/>
-          <ac:grpSpMkLst>
-            <pc:docMk/>
-            <pc:sldMk cId="1258879937" sldId="257"/>
-            <ac:grpSpMk id="149" creationId="{27C7D696-6F24-4C4C-83A4-C84E2B87490C}"/>
-          </ac:grpSpMkLst>
-        </pc:grpChg>
-        <pc:grpChg chg="add mod">
-          <ac:chgData name="Hollister, Jeff" userId="90904e2a-aa82-465e-9922-afce4bc6d524" providerId="ADAL" clId="{ED486670-7F59-4038-B9BC-E9238978F7A3}" dt="2019-05-06T14:13:07.207" v="2240" actId="164"/>
-          <ac:grpSpMkLst>
-            <pc:docMk/>
-            <pc:sldMk cId="1258879937" sldId="257"/>
-            <ac:grpSpMk id="154" creationId="{4787EC51-A030-4E68-80B8-AEEFD7B0E2A3}"/>
-          </ac:grpSpMkLst>
-        </pc:grpChg>
-        <pc:grpChg chg="mod">
-          <ac:chgData name="Hollister, Jeff" userId="90904e2a-aa82-465e-9922-afce4bc6d524" providerId="ADAL" clId="{ED486670-7F59-4038-B9BC-E9238978F7A3}" dt="2019-05-06T14:12:23.881" v="2236" actId="12788"/>
-          <ac:grpSpMkLst>
-            <pc:docMk/>
-            <pc:sldMk cId="1258879937" sldId="257"/>
-            <ac:grpSpMk id="155" creationId="{C126516F-9A52-461E-BEA2-640F8E793AF7}"/>
-          </ac:grpSpMkLst>
-        </pc:grpChg>
-        <pc:grpChg chg="mod">
-          <ac:chgData name="Hollister, Jeff" userId="90904e2a-aa82-465e-9922-afce4bc6d524" providerId="ADAL" clId="{ED486670-7F59-4038-B9BC-E9238978F7A3}" dt="2019-05-06T14:12:23.881" v="2236" actId="12788"/>
-          <ac:grpSpMkLst>
-            <pc:docMk/>
-            <pc:sldMk cId="1258879937" sldId="257"/>
-            <ac:grpSpMk id="156" creationId="{E282476F-4C57-4802-9E3B-5AFB9ECF7DEA}"/>
-          </ac:grpSpMkLst>
-        </pc:grpChg>
-        <pc:grpChg chg="mod">
-          <ac:chgData name="Hollister, Jeff" userId="90904e2a-aa82-465e-9922-afce4bc6d524" providerId="ADAL" clId="{ED486670-7F59-4038-B9BC-E9238978F7A3}" dt="2019-05-06T14:12:23.881" v="2236" actId="12788"/>
-          <ac:grpSpMkLst>
-            <pc:docMk/>
-            <pc:sldMk cId="1258879937" sldId="257"/>
-            <ac:grpSpMk id="158" creationId="{C7CCE405-E821-4927-B980-6889EFD80B8A}"/>
-          </ac:grpSpMkLst>
-        </pc:grpChg>
-        <pc:grpChg chg="mod">
-          <ac:chgData name="Hollister, Jeff" userId="90904e2a-aa82-465e-9922-afce4bc6d524" providerId="ADAL" clId="{ED486670-7F59-4038-B9BC-E9238978F7A3}" dt="2019-05-06T14:12:23.881" v="2236" actId="12788"/>
-          <ac:grpSpMkLst>
-            <pc:docMk/>
-            <pc:sldMk cId="1258879937" sldId="257"/>
-            <ac:grpSpMk id="161" creationId="{E6BB0B26-2897-4917-AE5A-35EF939F3E2A}"/>
-          </ac:grpSpMkLst>
-        </pc:grpChg>
-        <pc:grpChg chg="add mod">
-          <ac:chgData name="Hollister, Jeff" userId="90904e2a-aa82-465e-9922-afce4bc6d524" providerId="ADAL" clId="{ED486670-7F59-4038-B9BC-E9238978F7A3}" dt="2019-05-06T14:13:07.207" v="2240" actId="164"/>
-          <ac:grpSpMkLst>
-            <pc:docMk/>
-            <pc:sldMk cId="1258879937" sldId="257"/>
-            <ac:grpSpMk id="166" creationId="{4B5A9B0B-99AB-44FC-93F0-18822F093BBC}"/>
-          </ac:grpSpMkLst>
-        </pc:grpChg>
-        <pc:grpChg chg="mod">
-          <ac:chgData name="Hollister, Jeff" userId="90904e2a-aa82-465e-9922-afce4bc6d524" providerId="ADAL" clId="{ED486670-7F59-4038-B9BC-E9238978F7A3}" dt="2019-05-06T14:12:45.303" v="2238" actId="12788"/>
-          <ac:grpSpMkLst>
-            <pc:docMk/>
-            <pc:sldMk cId="1258879937" sldId="257"/>
-            <ac:grpSpMk id="167" creationId="{BACFFF53-D207-4F41-BB1F-EBC1EE36DD98}"/>
-          </ac:grpSpMkLst>
-        </pc:grpChg>
-        <pc:grpChg chg="mod">
-          <ac:chgData name="Hollister, Jeff" userId="90904e2a-aa82-465e-9922-afce4bc6d524" providerId="ADAL" clId="{ED486670-7F59-4038-B9BC-E9238978F7A3}" dt="2019-05-06T14:12:45.303" v="2238" actId="12788"/>
-          <ac:grpSpMkLst>
-            <pc:docMk/>
-            <pc:sldMk cId="1258879937" sldId="257"/>
-            <ac:grpSpMk id="168" creationId="{FDEC0464-5B0A-4656-A0A8-C2D0FB8E07A6}"/>
-          </ac:grpSpMkLst>
-        </pc:grpChg>
-        <pc:grpChg chg="mod">
-          <ac:chgData name="Hollister, Jeff" userId="90904e2a-aa82-465e-9922-afce4bc6d524" providerId="ADAL" clId="{ED486670-7F59-4038-B9BC-E9238978F7A3}" dt="2019-05-06T14:12:45.303" v="2238" actId="12788"/>
-          <ac:grpSpMkLst>
-            <pc:docMk/>
-            <pc:sldMk cId="1258879937" sldId="257"/>
-            <ac:grpSpMk id="170" creationId="{652B6B78-17F6-41CD-B198-24BA5FEA602E}"/>
-          </ac:grpSpMkLst>
-        </pc:grpChg>
-        <pc:grpChg chg="mod">
-          <ac:chgData name="Hollister, Jeff" userId="90904e2a-aa82-465e-9922-afce4bc6d524" providerId="ADAL" clId="{ED486670-7F59-4038-B9BC-E9238978F7A3}" dt="2019-05-06T14:12:45.303" v="2238" actId="12788"/>
-          <ac:grpSpMkLst>
-            <pc:docMk/>
-            <pc:sldMk cId="1258879937" sldId="257"/>
-            <ac:grpSpMk id="173" creationId="{943FE4BA-C98D-4480-B98A-AE61F2273C01}"/>
-          </ac:grpSpMkLst>
-        </pc:grpChg>
-        <pc:grpChg chg="add mod">
-          <ac:chgData name="Hollister, Jeff" userId="90904e2a-aa82-465e-9922-afce4bc6d524" providerId="ADAL" clId="{ED486670-7F59-4038-B9BC-E9238978F7A3}" dt="2019-05-06T14:13:41.901" v="2245" actId="554"/>
-          <ac:grpSpMkLst>
-            <pc:docMk/>
-            <pc:sldMk cId="1258879937" sldId="257"/>
-            <ac:grpSpMk id="178" creationId="{33E02C1B-0350-41A4-A259-CC54039ADDAD}"/>
-          </ac:grpSpMkLst>
-        </pc:grpChg>
-        <pc:grpChg chg="mod">
-          <ac:chgData name="Hollister, Jeff" userId="90904e2a-aa82-465e-9922-afce4bc6d524" providerId="ADAL" clId="{ED486670-7F59-4038-B9BC-E9238978F7A3}" dt="2019-05-06T14:13:41.901" v="2245" actId="554"/>
-          <ac:grpSpMkLst>
-            <pc:docMk/>
-            <pc:sldMk cId="1258879937" sldId="257"/>
-            <ac:grpSpMk id="179" creationId="{EB392F52-36CF-48E2-A4F6-FC55E71AC47D}"/>
-          </ac:grpSpMkLst>
-        </pc:grpChg>
-        <pc:grpChg chg="mod">
-          <ac:chgData name="Hollister, Jeff" userId="90904e2a-aa82-465e-9922-afce4bc6d524" providerId="ADAL" clId="{ED486670-7F59-4038-B9BC-E9238978F7A3}" dt="2019-05-06T14:13:41.901" v="2245" actId="554"/>
-          <ac:grpSpMkLst>
-            <pc:docMk/>
-            <pc:sldMk cId="1258879937" sldId="257"/>
-            <ac:grpSpMk id="180" creationId="{F48C8B05-4CCC-410C-B1DC-B5241673CD58}"/>
-          </ac:grpSpMkLst>
-        </pc:grpChg>
-        <pc:grpChg chg="mod">
-          <ac:chgData name="Hollister, Jeff" userId="90904e2a-aa82-465e-9922-afce4bc6d524" providerId="ADAL" clId="{ED486670-7F59-4038-B9BC-E9238978F7A3}" dt="2019-05-06T14:13:41.901" v="2245" actId="554"/>
-          <ac:grpSpMkLst>
-            <pc:docMk/>
-            <pc:sldMk cId="1258879937" sldId="257"/>
-            <ac:grpSpMk id="182" creationId="{10C62B39-FAB9-4CA4-A3C6-3FE455371740}"/>
-          </ac:grpSpMkLst>
-        </pc:grpChg>
-        <pc:grpChg chg="mod">
-          <ac:chgData name="Hollister, Jeff" userId="90904e2a-aa82-465e-9922-afce4bc6d524" providerId="ADAL" clId="{ED486670-7F59-4038-B9BC-E9238978F7A3}" dt="2019-05-06T14:13:41.901" v="2245" actId="554"/>
-          <ac:grpSpMkLst>
-            <pc:docMk/>
-            <pc:sldMk cId="1258879937" sldId="257"/>
-            <ac:grpSpMk id="185" creationId="{E3C5702E-9B8A-4F12-9598-C5BB22FA4237}"/>
-          </ac:grpSpMkLst>
-        </pc:grpChg>
-        <pc:grpChg chg="add mod">
-          <ac:chgData name="Hollister, Jeff" userId="90904e2a-aa82-465e-9922-afce4bc6d524" providerId="ADAL" clId="{ED486670-7F59-4038-B9BC-E9238978F7A3}" dt="2019-05-06T14:13:41.901" v="2245" actId="554"/>
-          <ac:grpSpMkLst>
-            <pc:docMk/>
-            <pc:sldMk cId="1258879937" sldId="257"/>
-            <ac:grpSpMk id="191" creationId="{16D9DFDC-A295-443F-8C12-4C06AFF5BD6C}"/>
-          </ac:grpSpMkLst>
-        </pc:grpChg>
-        <pc:grpChg chg="mod">
-          <ac:chgData name="Hollister, Jeff" userId="90904e2a-aa82-465e-9922-afce4bc6d524" providerId="ADAL" clId="{ED486670-7F59-4038-B9BC-E9238978F7A3}" dt="2019-05-06T14:13:41.901" v="2245" actId="554"/>
-          <ac:grpSpMkLst>
-            <pc:docMk/>
-            <pc:sldMk cId="1258879937" sldId="257"/>
-            <ac:grpSpMk id="192" creationId="{AA91D2AB-A553-42F7-854D-4C95B66C224F}"/>
-          </ac:grpSpMkLst>
-        </pc:grpChg>
-        <pc:grpChg chg="mod">
-          <ac:chgData name="Hollister, Jeff" userId="90904e2a-aa82-465e-9922-afce4bc6d524" providerId="ADAL" clId="{ED486670-7F59-4038-B9BC-E9238978F7A3}" dt="2019-05-06T14:13:41.901" v="2245" actId="554"/>
-          <ac:grpSpMkLst>
-            <pc:docMk/>
-            <pc:sldMk cId="1258879937" sldId="257"/>
-            <ac:grpSpMk id="193" creationId="{CB467748-95C3-4A6F-B977-05EDA97D7B86}"/>
-          </ac:grpSpMkLst>
-        </pc:grpChg>
-        <pc:grpChg chg="mod">
-          <ac:chgData name="Hollister, Jeff" userId="90904e2a-aa82-465e-9922-afce4bc6d524" providerId="ADAL" clId="{ED486670-7F59-4038-B9BC-E9238978F7A3}" dt="2019-05-06T14:13:41.901" v="2245" actId="554"/>
-          <ac:grpSpMkLst>
-            <pc:docMk/>
-            <pc:sldMk cId="1258879937" sldId="257"/>
-            <ac:grpSpMk id="195" creationId="{DCF8B337-3E64-4C34-A29E-4954F1C569CD}"/>
-          </ac:grpSpMkLst>
-        </pc:grpChg>
-        <pc:grpChg chg="mod">
-          <ac:chgData name="Hollister, Jeff" userId="90904e2a-aa82-465e-9922-afce4bc6d524" providerId="ADAL" clId="{ED486670-7F59-4038-B9BC-E9238978F7A3}" dt="2019-05-06T14:13:41.901" v="2245" actId="554"/>
-          <ac:grpSpMkLst>
-            <pc:docMk/>
-            <pc:sldMk cId="1258879937" sldId="257"/>
-            <ac:grpSpMk id="198" creationId="{D1CC0148-F448-46A7-A136-D36530A0D8BC}"/>
-          </ac:grpSpMkLst>
-        </pc:grpChg>
-        <pc:grpChg chg="add mod">
-          <ac:chgData name="Hollister, Jeff" userId="90904e2a-aa82-465e-9922-afce4bc6d524" providerId="ADAL" clId="{ED486670-7F59-4038-B9BC-E9238978F7A3}" dt="2019-05-06T14:13:41.901" v="2245" actId="554"/>
-          <ac:grpSpMkLst>
-            <pc:docMk/>
-            <pc:sldMk cId="1258879937" sldId="257"/>
-            <ac:grpSpMk id="203" creationId="{FE45FFA7-A03E-4CCB-8C41-2BDA470919A3}"/>
-          </ac:grpSpMkLst>
-        </pc:grpChg>
-        <pc:grpChg chg="mod">
-          <ac:chgData name="Hollister, Jeff" userId="90904e2a-aa82-465e-9922-afce4bc6d524" providerId="ADAL" clId="{ED486670-7F59-4038-B9BC-E9238978F7A3}" dt="2019-05-06T14:13:41.901" v="2245" actId="554"/>
-          <ac:grpSpMkLst>
-            <pc:docMk/>
-            <pc:sldMk cId="1258879937" sldId="257"/>
-            <ac:grpSpMk id="204" creationId="{A01B96B2-635C-4BF5-90FB-6FE5CDC93E7F}"/>
-          </ac:grpSpMkLst>
-        </pc:grpChg>
-        <pc:grpChg chg="mod">
-          <ac:chgData name="Hollister, Jeff" userId="90904e2a-aa82-465e-9922-afce4bc6d524" providerId="ADAL" clId="{ED486670-7F59-4038-B9BC-E9238978F7A3}" dt="2019-05-06T14:13:41.901" v="2245" actId="554"/>
-          <ac:grpSpMkLst>
-            <pc:docMk/>
-            <pc:sldMk cId="1258879937" sldId="257"/>
-            <ac:grpSpMk id="205" creationId="{5E717098-1E4C-456B-A36D-4EA74E7B7F64}"/>
-          </ac:grpSpMkLst>
-        </pc:grpChg>
-        <pc:grpChg chg="mod">
-          <ac:chgData name="Hollister, Jeff" userId="90904e2a-aa82-465e-9922-afce4bc6d524" providerId="ADAL" clId="{ED486670-7F59-4038-B9BC-E9238978F7A3}" dt="2019-05-06T14:13:41.901" v="2245" actId="554"/>
-          <ac:grpSpMkLst>
-            <pc:docMk/>
-            <pc:sldMk cId="1258879937" sldId="257"/>
-            <ac:grpSpMk id="207" creationId="{8517040C-3878-4D18-9737-A55DA341C41B}"/>
-          </ac:grpSpMkLst>
-        </pc:grpChg>
-        <pc:grpChg chg="mod">
-          <ac:chgData name="Hollister, Jeff" userId="90904e2a-aa82-465e-9922-afce4bc6d524" providerId="ADAL" clId="{ED486670-7F59-4038-B9BC-E9238978F7A3}" dt="2019-05-06T14:13:41.901" v="2245" actId="554"/>
-          <ac:grpSpMkLst>
-            <pc:docMk/>
-            <pc:sldMk cId="1258879937" sldId="257"/>
-            <ac:grpSpMk id="210" creationId="{41CB295D-4C25-4FAC-882C-C67C26228C37}"/>
-          </ac:grpSpMkLst>
-        </pc:grpChg>
-        <pc:cxnChg chg="mod topLvl">
-          <ac:chgData name="Hollister, Jeff" userId="90904e2a-aa82-465e-9922-afce4bc6d524" providerId="ADAL" clId="{ED486670-7F59-4038-B9BC-E9238978F7A3}" dt="2019-05-06T13:54:57.816" v="1687" actId="164"/>
-          <ac:cxnSpMkLst>
-            <pc:docMk/>
-            <pc:sldMk cId="1258879937" sldId="257"/>
-            <ac:cxnSpMk id="22" creationId="{9D141CA7-78FF-4583-AC95-8F66072B238C}"/>
-          </ac:cxnSpMkLst>
-        </pc:cxnChg>
-        <pc:cxnChg chg="mod">
-          <ac:chgData name="Hollister, Jeff" userId="90904e2a-aa82-465e-9922-afce4bc6d524" providerId="ADAL" clId="{ED486670-7F59-4038-B9BC-E9238978F7A3}" dt="2019-05-06T14:05:08.510" v="2018" actId="1035"/>
-          <ac:cxnSpMkLst>
-            <pc:docMk/>
-            <pc:sldMk cId="1258879937" sldId="257"/>
-            <ac:cxnSpMk id="36" creationId="{0DCD3480-AF90-4303-96DA-AEAFF95ECE3E}"/>
-          </ac:cxnSpMkLst>
-        </pc:cxnChg>
-        <pc:cxnChg chg="mod">
-          <ac:chgData name="Hollister, Jeff" userId="90904e2a-aa82-465e-9922-afce4bc6d524" providerId="ADAL" clId="{ED486670-7F59-4038-B9BC-E9238978F7A3}" dt="2019-05-06T14:11:10.708" v="2230" actId="1036"/>
-          <ac:cxnSpMkLst>
-            <pc:docMk/>
-            <pc:sldMk cId="1258879937" sldId="257"/>
-            <ac:cxnSpMk id="43" creationId="{6B15B882-AB86-4D06-A728-ECC4F25E7823}"/>
-          </ac:cxnSpMkLst>
-        </pc:cxnChg>
       </pc:sldChg>
     </pc:docChg>
+  </pc:docChgLst>
+  <pc:docChgLst>
+    <pc:chgData name="Hollister, Jeff" userId="90904e2a-aa82-465e-9922-afce4bc6d524" providerId="ADAL" clId="{ED486670-7F59-4038-B9BC-E9238978F7A3}"/>
   </pc:docChgLst>
 </pc:chgInfo>
 </file>
@@ -1280,7 +291,7 @@
           <a:p>
             <a:fld id="{F7167FF9-F47C-4F59-88DD-9CEB65E35CFA}" type="datetimeFigureOut">
               <a:rPr lang="en-US" smtClean="0"/>
-              <a:t>5/14/2019</a:t>
+              <a:t>11/5/2019</a:t>
             </a:fld>
             <a:endParaRPr lang="en-US"/>
           </a:p>
@@ -1450,7 +461,7 @@
           <a:p>
             <a:fld id="{F7167FF9-F47C-4F59-88DD-9CEB65E35CFA}" type="datetimeFigureOut">
               <a:rPr lang="en-US" smtClean="0"/>
-              <a:t>5/14/2019</a:t>
+              <a:t>11/5/2019</a:t>
             </a:fld>
             <a:endParaRPr lang="en-US"/>
           </a:p>
@@ -1630,7 +641,7 @@
           <a:p>
             <a:fld id="{F7167FF9-F47C-4F59-88DD-9CEB65E35CFA}" type="datetimeFigureOut">
               <a:rPr lang="en-US" smtClean="0"/>
-              <a:t>5/14/2019</a:t>
+              <a:t>11/5/2019</a:t>
             </a:fld>
             <a:endParaRPr lang="en-US"/>
           </a:p>
@@ -1800,7 +811,7 @@
           <a:p>
             <a:fld id="{F7167FF9-F47C-4F59-88DD-9CEB65E35CFA}" type="datetimeFigureOut">
               <a:rPr lang="en-US" smtClean="0"/>
-              <a:t>5/14/2019</a:t>
+              <a:t>11/5/2019</a:t>
             </a:fld>
             <a:endParaRPr lang="en-US"/>
           </a:p>
@@ -2044,7 +1055,7 @@
           <a:p>
             <a:fld id="{F7167FF9-F47C-4F59-88DD-9CEB65E35CFA}" type="datetimeFigureOut">
               <a:rPr lang="en-US" smtClean="0"/>
-              <a:t>5/14/2019</a:t>
+              <a:t>11/5/2019</a:t>
             </a:fld>
             <a:endParaRPr lang="en-US"/>
           </a:p>
@@ -2276,7 +1287,7 @@
           <a:p>
             <a:fld id="{F7167FF9-F47C-4F59-88DD-9CEB65E35CFA}" type="datetimeFigureOut">
               <a:rPr lang="en-US" smtClean="0"/>
-              <a:t>5/14/2019</a:t>
+              <a:t>11/5/2019</a:t>
             </a:fld>
             <a:endParaRPr lang="en-US"/>
           </a:p>
@@ -2643,7 +1654,7 @@
           <a:p>
             <a:fld id="{F7167FF9-F47C-4F59-88DD-9CEB65E35CFA}" type="datetimeFigureOut">
               <a:rPr lang="en-US" smtClean="0"/>
-              <a:t>5/14/2019</a:t>
+              <a:t>11/5/2019</a:t>
             </a:fld>
             <a:endParaRPr lang="en-US"/>
           </a:p>
@@ -2761,7 +1772,7 @@
           <a:p>
             <a:fld id="{F7167FF9-F47C-4F59-88DD-9CEB65E35CFA}" type="datetimeFigureOut">
               <a:rPr lang="en-US" smtClean="0"/>
-              <a:t>5/14/2019</a:t>
+              <a:t>11/5/2019</a:t>
             </a:fld>
             <a:endParaRPr lang="en-US"/>
           </a:p>
@@ -2856,7 +1867,7 @@
           <a:p>
             <a:fld id="{F7167FF9-F47C-4F59-88DD-9CEB65E35CFA}" type="datetimeFigureOut">
               <a:rPr lang="en-US" smtClean="0"/>
-              <a:t>5/14/2019</a:t>
+              <a:t>11/5/2019</a:t>
             </a:fld>
             <a:endParaRPr lang="en-US"/>
           </a:p>
@@ -3133,7 +2144,7 @@
           <a:p>
             <a:fld id="{F7167FF9-F47C-4F59-88DD-9CEB65E35CFA}" type="datetimeFigureOut">
               <a:rPr lang="en-US" smtClean="0"/>
-              <a:t>5/14/2019</a:t>
+              <a:t>11/5/2019</a:t>
             </a:fld>
             <a:endParaRPr lang="en-US"/>
           </a:p>
@@ -3390,7 +2401,7 @@
           <a:p>
             <a:fld id="{F7167FF9-F47C-4F59-88DD-9CEB65E35CFA}" type="datetimeFigureOut">
               <a:rPr lang="en-US" smtClean="0"/>
-              <a:t>5/14/2019</a:t>
+              <a:t>11/5/2019</a:t>
             </a:fld>
             <a:endParaRPr lang="en-US"/>
           </a:p>
@@ -3603,7 +2614,7 @@
           <a:p>
             <a:fld id="{F7167FF9-F47C-4F59-88DD-9CEB65E35CFA}" type="datetimeFigureOut">
               <a:rPr lang="en-US" smtClean="0"/>
-              <a:t>5/14/2019</a:t>
+              <a:t>11/5/2019</a:t>
             </a:fld>
             <a:endParaRPr lang="en-US"/>
           </a:p>
@@ -4571,7 +3582,7 @@
         </p:nvSpPr>
         <p:spPr>
           <a:xfrm>
-            <a:off x="3196635" y="4016825"/>
+            <a:off x="3196635" y="3981550"/>
             <a:ext cx="1385316" cy="600164"/>
           </a:xfrm>
           <a:prstGeom prst="rect">
@@ -4644,7 +3655,7 @@
         </p:nvSpPr>
         <p:spPr>
           <a:xfrm>
-            <a:off x="5179350" y="4016825"/>
+            <a:off x="5179350" y="3981550"/>
             <a:ext cx="1385316" cy="600164"/>
           </a:xfrm>
           <a:prstGeom prst="rect">
@@ -4689,19 +3700,8 @@
                 <a:latin typeface="Roboto Condensed" panose="02000000000000000000" pitchFamily="2" charset="0"/>
                 <a:ea typeface="Roboto Condensed" panose="02000000000000000000" pitchFamily="2" charset="0"/>
               </a:rPr>
-              <a:t> </a:t>
-            </a:r>
-            <a:r>
-              <a:rPr lang="en-US" sz="1100">
-                <a:latin typeface="Roboto Condensed" panose="02000000000000000000" pitchFamily="2" charset="0"/>
-                <a:ea typeface="Roboto Condensed" panose="02000000000000000000" pitchFamily="2" charset="0"/>
-              </a:rPr>
-              <a:t>= 1.15</a:t>
-            </a:r>
-            <a:endParaRPr lang="en-US" sz="1100" dirty="0">
-              <a:latin typeface="Roboto Condensed" panose="02000000000000000000" pitchFamily="2" charset="0"/>
-              <a:ea typeface="Roboto Condensed" panose="02000000000000000000" pitchFamily="2" charset="0"/>
-            </a:endParaRPr>
+              <a:t> = 1.15</a:t>
+            </a:r>
           </a:p>
           <a:p>
             <a:r>
